--- a/lectures/4.1ModulesNTests/lecture.pptx
+++ b/lectures/4.1ModulesNTests/lecture.pptx
@@ -5,19 +5,20 @@
     <p:sldMasterId id="2147483648" r:id="rId1"/>
   </p:sldMasterIdLst>
   <p:notesMasterIdLst>
-    <p:notesMasterId r:id="rId12"/>
+    <p:notesMasterId r:id="rId13"/>
   </p:notesMasterIdLst>
   <p:sldIdLst>
     <p:sldId id="256" r:id="rId2"/>
-    <p:sldId id="257" r:id="rId3"/>
-    <p:sldId id="310" r:id="rId4"/>
-    <p:sldId id="311" r:id="rId5"/>
-    <p:sldId id="312" r:id="rId6"/>
-    <p:sldId id="316" r:id="rId7"/>
-    <p:sldId id="315" r:id="rId8"/>
-    <p:sldId id="314" r:id="rId9"/>
-    <p:sldId id="313" r:id="rId10"/>
-    <p:sldId id="317" r:id="rId11"/>
+    <p:sldId id="304" r:id="rId3"/>
+    <p:sldId id="309" r:id="rId4"/>
+    <p:sldId id="310" r:id="rId5"/>
+    <p:sldId id="311" r:id="rId6"/>
+    <p:sldId id="312" r:id="rId7"/>
+    <p:sldId id="316" r:id="rId8"/>
+    <p:sldId id="315" r:id="rId9"/>
+    <p:sldId id="314" r:id="rId10"/>
+    <p:sldId id="313" r:id="rId11"/>
+    <p:sldId id="317" r:id="rId12"/>
   </p:sldIdLst>
   <p:sldSz cx="12192000" cy="6858000"/>
   <p:notesSz cx="6858000" cy="9144000"/>
@@ -206,7 +207,7 @@
           <a:p>
             <a:fld id="{248031C6-E4B0-0444-A4A8-9CCE96EC2C9C}" type="datetimeFigureOut">
               <a:rPr lang="en-GB" smtClean="0"/>
-              <a:t>20/09/2019</a:t>
+              <a:t>23/09/2019</a:t>
             </a:fld>
             <a:endParaRPr lang="en-GB"/>
           </a:p>
@@ -623,7 +624,7 @@
           <a:p>
             <a:fld id="{66665395-52C5-5E4B-BB20-CD4E0BBC9899}" type="datetimeFigureOut">
               <a:rPr lang="en-GB" smtClean="0"/>
-              <a:t>20/09/2019</a:t>
+              <a:t>23/09/2019</a:t>
             </a:fld>
             <a:endParaRPr lang="en-GB"/>
           </a:p>
@@ -823,7 +824,7 @@
           <a:p>
             <a:fld id="{66665395-52C5-5E4B-BB20-CD4E0BBC9899}" type="datetimeFigureOut">
               <a:rPr lang="en-GB" smtClean="0"/>
-              <a:t>20/09/2019</a:t>
+              <a:t>23/09/2019</a:t>
             </a:fld>
             <a:endParaRPr lang="en-GB"/>
           </a:p>
@@ -1033,7 +1034,7 @@
           <a:p>
             <a:fld id="{66665395-52C5-5E4B-BB20-CD4E0BBC9899}" type="datetimeFigureOut">
               <a:rPr lang="en-GB" smtClean="0"/>
-              <a:t>20/09/2019</a:t>
+              <a:t>23/09/2019</a:t>
             </a:fld>
             <a:endParaRPr lang="en-GB"/>
           </a:p>
@@ -1233,7 +1234,7 @@
           <a:p>
             <a:fld id="{66665395-52C5-5E4B-BB20-CD4E0BBC9899}" type="datetimeFigureOut">
               <a:rPr lang="en-GB" smtClean="0"/>
-              <a:t>20/09/2019</a:t>
+              <a:t>23/09/2019</a:t>
             </a:fld>
             <a:endParaRPr lang="en-GB"/>
           </a:p>
@@ -1509,7 +1510,7 @@
           <a:p>
             <a:fld id="{66665395-52C5-5E4B-BB20-CD4E0BBC9899}" type="datetimeFigureOut">
               <a:rPr lang="en-GB" smtClean="0"/>
-              <a:t>20/09/2019</a:t>
+              <a:t>23/09/2019</a:t>
             </a:fld>
             <a:endParaRPr lang="en-GB"/>
           </a:p>
@@ -1777,7 +1778,7 @@
           <a:p>
             <a:fld id="{66665395-52C5-5E4B-BB20-CD4E0BBC9899}" type="datetimeFigureOut">
               <a:rPr lang="en-GB" smtClean="0"/>
-              <a:t>20/09/2019</a:t>
+              <a:t>23/09/2019</a:t>
             </a:fld>
             <a:endParaRPr lang="en-GB"/>
           </a:p>
@@ -2192,7 +2193,7 @@
           <a:p>
             <a:fld id="{66665395-52C5-5E4B-BB20-CD4E0BBC9899}" type="datetimeFigureOut">
               <a:rPr lang="en-GB" smtClean="0"/>
-              <a:t>20/09/2019</a:t>
+              <a:t>23/09/2019</a:t>
             </a:fld>
             <a:endParaRPr lang="en-GB"/>
           </a:p>
@@ -2334,7 +2335,7 @@
           <a:p>
             <a:fld id="{66665395-52C5-5E4B-BB20-CD4E0BBC9899}" type="datetimeFigureOut">
               <a:rPr lang="en-GB" smtClean="0"/>
-              <a:t>20/09/2019</a:t>
+              <a:t>23/09/2019</a:t>
             </a:fld>
             <a:endParaRPr lang="en-GB"/>
           </a:p>
@@ -2447,7 +2448,7 @@
           <a:p>
             <a:fld id="{66665395-52C5-5E4B-BB20-CD4E0BBC9899}" type="datetimeFigureOut">
               <a:rPr lang="en-GB" smtClean="0"/>
-              <a:t>20/09/2019</a:t>
+              <a:t>23/09/2019</a:t>
             </a:fld>
             <a:endParaRPr lang="en-GB"/>
           </a:p>
@@ -2760,7 +2761,7 @@
           <a:p>
             <a:fld id="{66665395-52C5-5E4B-BB20-CD4E0BBC9899}" type="datetimeFigureOut">
               <a:rPr lang="en-GB" smtClean="0"/>
-              <a:t>20/09/2019</a:t>
+              <a:t>23/09/2019</a:t>
             </a:fld>
             <a:endParaRPr lang="en-GB"/>
           </a:p>
@@ -3049,7 +3050,7 @@
           <a:p>
             <a:fld id="{66665395-52C5-5E4B-BB20-CD4E0BBC9899}" type="datetimeFigureOut">
               <a:rPr lang="en-GB" smtClean="0"/>
-              <a:t>20/09/2019</a:t>
+              <a:t>23/09/2019</a:t>
             </a:fld>
             <a:endParaRPr lang="en-GB"/>
           </a:p>
@@ -3292,7 +3293,7 @@
           <a:p>
             <a:fld id="{66665395-52C5-5E4B-BB20-CD4E0BBC9899}" type="datetimeFigureOut">
               <a:rPr lang="en-GB" smtClean="0"/>
-              <a:t>20/09/2019</a:t>
+              <a:t>23/09/2019</a:t>
             </a:fld>
             <a:endParaRPr lang="en-GB"/>
           </a:p>
@@ -3764,8 +3765,16 @@
           <a:lstStyle/>
           <a:p>
             <a:r>
+              <a:rPr lang="da-DK"/>
+              <a:t>4.1: </a:t>
+            </a:r>
+            <a:r>
+              <a:rPr lang="da-DK" dirty="0" err="1"/>
+              <a:t>Tupler</a:t>
+            </a:r>
+            <a:r>
               <a:rPr lang="da-DK" dirty="0"/>
-              <a:t>4.2: Moduler og afprøvning </a:t>
+              <a:t>, Moduler og afprøvning </a:t>
             </a:r>
             <a:endParaRPr lang="da-DK" dirty="0">
               <a:effectLst/>
@@ -3787,6 +3796,1926 @@
 </file>
 
 <file path=ppt/slides/slide10.xml><?xml version="1.0" encoding="utf-8"?>
+<p:sld xmlns:a="http://schemas.openxmlformats.org/drawingml/2006/main" xmlns:r="http://schemas.openxmlformats.org/officeDocument/2006/relationships" xmlns:p="http://schemas.openxmlformats.org/presentationml/2006/main">
+  <p:cSld>
+    <p:spTree>
+      <p:nvGrpSpPr>
+        <p:cNvPr id="1" name=""/>
+        <p:cNvGrpSpPr/>
+        <p:nvPr/>
+      </p:nvGrpSpPr>
+      <p:grpSpPr>
+        <a:xfrm>
+          <a:off x="0" y="0"/>
+          <a:ext cx="0" cy="0"/>
+          <a:chOff x="0" y="0"/>
+          <a:chExt cx="0" cy="0"/>
+        </a:xfrm>
+      </p:grpSpPr>
+      <p:sp>
+        <p:nvSpPr>
+          <p:cNvPr id="2" name="Title 1">
+            <a:extLst>
+              <a:ext uri="{FF2B5EF4-FFF2-40B4-BE49-F238E27FC236}">
+                <a16:creationId xmlns:a16="http://schemas.microsoft.com/office/drawing/2014/main" id="{26A64B78-8D7F-9146-8E6A-B32DCB403940}"/>
+              </a:ext>
+            </a:extLst>
+          </p:cNvPr>
+          <p:cNvSpPr>
+            <a:spLocks noGrp="1"/>
+          </p:cNvSpPr>
+          <p:nvPr>
+            <p:ph type="title"/>
+          </p:nvPr>
+        </p:nvSpPr>
+        <p:spPr>
+          <a:xfrm>
+            <a:off x="428626" y="0"/>
+            <a:ext cx="10515600" cy="1325563"/>
+          </a:xfrm>
+        </p:spPr>
+        <p:txBody>
+          <a:bodyPr/>
+          <a:lstStyle/>
+          <a:p>
+            <a:r>
+              <a:rPr lang="en-GB" dirty="0"/>
+              <a:t>White-box (unit) testing</a:t>
+            </a:r>
+          </a:p>
+        </p:txBody>
+      </p:sp>
+      <p:sp>
+        <p:nvSpPr>
+          <p:cNvPr id="4" name="Rectangle 3">
+            <a:extLst>
+              <a:ext uri="{FF2B5EF4-FFF2-40B4-BE49-F238E27FC236}">
+                <a16:creationId xmlns:a16="http://schemas.microsoft.com/office/drawing/2014/main" id="{36284481-9526-FA45-BAC0-8857EA5072F9}"/>
+              </a:ext>
+            </a:extLst>
+          </p:cNvPr>
+          <p:cNvSpPr/>
+          <p:nvPr/>
+        </p:nvSpPr>
+        <p:spPr>
+          <a:xfrm>
+            <a:off x="232929" y="1176439"/>
+            <a:ext cx="6026203" cy="4770537"/>
+          </a:xfrm>
+          <a:prstGeom prst="rect">
+            <a:avLst/>
+          </a:prstGeom>
+        </p:spPr>
+        <p:txBody>
+          <a:bodyPr wrap="square">
+            <a:spAutoFit/>
+          </a:bodyPr>
+          <a:lstStyle/>
+          <a:p>
+            <a:r>
+              <a:rPr lang="en-GB" sz="1600" dirty="0">
+                <a:latin typeface="DejaVu Sans Book" panose="020B0603030804020204" pitchFamily="34" charset="0"/>
+                <a:ea typeface="DejaVu Sans Book" panose="020B0603030804020204" pitchFamily="34" charset="0"/>
+                <a:cs typeface="DejaVu Sans Book" panose="020B0603030804020204" pitchFamily="34" charset="0"/>
+              </a:rPr>
+              <a:t>// Unit : dec2bin</a:t>
+            </a:r>
+          </a:p>
+          <a:p>
+            <a:r>
+              <a:rPr lang="en-GB" sz="1600" dirty="0">
+                <a:latin typeface="DejaVu Sans Book" panose="020B0603030804020204" pitchFamily="34" charset="0"/>
+                <a:ea typeface="DejaVu Sans Book" panose="020B0603030804020204" pitchFamily="34" charset="0"/>
+                <a:cs typeface="DejaVu Sans Book" panose="020B0603030804020204" pitchFamily="34" charset="0"/>
+              </a:rPr>
+              <a:t>let dec2bin n =</a:t>
+            </a:r>
+          </a:p>
+          <a:p>
+            <a:r>
+              <a:rPr lang="en-GB" sz="1600" dirty="0">
+                <a:latin typeface="DejaVu Sans Book" panose="020B0603030804020204" pitchFamily="34" charset="0"/>
+                <a:ea typeface="DejaVu Sans Book" panose="020B0603030804020204" pitchFamily="34" charset="0"/>
+                <a:cs typeface="DejaVu Sans Book" panose="020B0603030804020204" pitchFamily="34" charset="0"/>
+              </a:rPr>
+              <a:t>  if n &lt; 0 then             (* WB: 1 *)</a:t>
+            </a:r>
+          </a:p>
+          <a:p>
+            <a:r>
+              <a:rPr lang="en-GB" sz="1600" dirty="0">
+                <a:latin typeface="DejaVu Sans Book" panose="020B0603030804020204" pitchFamily="34" charset="0"/>
+                <a:ea typeface="DejaVu Sans Book" panose="020B0603030804020204" pitchFamily="34" charset="0"/>
+                <a:cs typeface="DejaVu Sans Book" panose="020B0603030804020204" pitchFamily="34" charset="0"/>
+              </a:rPr>
+              <a:t>    "Illegal value"</a:t>
+            </a:r>
+          </a:p>
+          <a:p>
+            <a:r>
+              <a:rPr lang="en-GB" sz="1600" dirty="0">
+                <a:latin typeface="DejaVu Sans Book" panose="020B0603030804020204" pitchFamily="34" charset="0"/>
+                <a:ea typeface="DejaVu Sans Book" panose="020B0603030804020204" pitchFamily="34" charset="0"/>
+                <a:cs typeface="DejaVu Sans Book" panose="020B0603030804020204" pitchFamily="34" charset="0"/>
+              </a:rPr>
+              <a:t>  </a:t>
+            </a:r>
+            <a:r>
+              <a:rPr lang="en-GB" sz="1600" dirty="0" err="1">
+                <a:latin typeface="DejaVu Sans Book" panose="020B0603030804020204" pitchFamily="34" charset="0"/>
+                <a:ea typeface="DejaVu Sans Book" panose="020B0603030804020204" pitchFamily="34" charset="0"/>
+                <a:cs typeface="DejaVu Sans Book" panose="020B0603030804020204" pitchFamily="34" charset="0"/>
+              </a:rPr>
+              <a:t>elif</a:t>
+            </a:r>
+            <a:r>
+              <a:rPr lang="en-GB" sz="1600" dirty="0">
+                <a:latin typeface="DejaVu Sans Book" panose="020B0603030804020204" pitchFamily="34" charset="0"/>
+                <a:ea typeface="DejaVu Sans Book" panose="020B0603030804020204" pitchFamily="34" charset="0"/>
+                <a:cs typeface="DejaVu Sans Book" panose="020B0603030804020204" pitchFamily="34" charset="0"/>
+              </a:rPr>
+              <a:t> n = 0 then          (* WB: 2 *)</a:t>
+            </a:r>
+          </a:p>
+          <a:p>
+            <a:r>
+              <a:rPr lang="en-GB" sz="1600" dirty="0">
+                <a:latin typeface="DejaVu Sans Book" panose="020B0603030804020204" pitchFamily="34" charset="0"/>
+                <a:ea typeface="DejaVu Sans Book" panose="020B0603030804020204" pitchFamily="34" charset="0"/>
+                <a:cs typeface="DejaVu Sans Book" panose="020B0603030804020204" pitchFamily="34" charset="0"/>
+              </a:rPr>
+              <a:t>    "0b0"</a:t>
+            </a:r>
+          </a:p>
+          <a:p>
+            <a:r>
+              <a:rPr lang="en-GB" sz="1600" dirty="0">
+                <a:latin typeface="DejaVu Sans Book" panose="020B0603030804020204" pitchFamily="34" charset="0"/>
+                <a:ea typeface="DejaVu Sans Book" panose="020B0603030804020204" pitchFamily="34" charset="0"/>
+                <a:cs typeface="DejaVu Sans Book" panose="020B0603030804020204" pitchFamily="34" charset="0"/>
+              </a:rPr>
+              <a:t>  else</a:t>
+            </a:r>
+          </a:p>
+          <a:p>
+            <a:r>
+              <a:rPr lang="en-GB" sz="1600" dirty="0">
+                <a:latin typeface="DejaVu Sans Book" panose="020B0603030804020204" pitchFamily="34" charset="0"/>
+                <a:ea typeface="DejaVu Sans Book" panose="020B0603030804020204" pitchFamily="34" charset="0"/>
+                <a:cs typeface="DejaVu Sans Book" panose="020B0603030804020204" pitchFamily="34" charset="0"/>
+              </a:rPr>
+              <a:t>    let mutable v = n</a:t>
+            </a:r>
+          </a:p>
+          <a:p>
+            <a:r>
+              <a:rPr lang="en-GB" sz="1600" dirty="0">
+                <a:latin typeface="DejaVu Sans Book" panose="020B0603030804020204" pitchFamily="34" charset="0"/>
+                <a:ea typeface="DejaVu Sans Book" panose="020B0603030804020204" pitchFamily="34" charset="0"/>
+                <a:cs typeface="DejaVu Sans Book" panose="020B0603030804020204" pitchFamily="34" charset="0"/>
+              </a:rPr>
+              <a:t>    let mutable </a:t>
+            </a:r>
+            <a:r>
+              <a:rPr lang="en-GB" sz="1600" dirty="0" err="1">
+                <a:latin typeface="DejaVu Sans Book" panose="020B0603030804020204" pitchFamily="34" charset="0"/>
+                <a:ea typeface="DejaVu Sans Book" panose="020B0603030804020204" pitchFamily="34" charset="0"/>
+                <a:cs typeface="DejaVu Sans Book" panose="020B0603030804020204" pitchFamily="34" charset="0"/>
+              </a:rPr>
+              <a:t>str</a:t>
+            </a:r>
+            <a:r>
+              <a:rPr lang="en-GB" sz="1600" dirty="0">
+                <a:latin typeface="DejaVu Sans Book" panose="020B0603030804020204" pitchFamily="34" charset="0"/>
+                <a:ea typeface="DejaVu Sans Book" panose="020B0603030804020204" pitchFamily="34" charset="0"/>
+                <a:cs typeface="DejaVu Sans Book" panose="020B0603030804020204" pitchFamily="34" charset="0"/>
+              </a:rPr>
+              <a:t> = ""</a:t>
+            </a:r>
+          </a:p>
+          <a:p>
+            <a:r>
+              <a:rPr lang="en-GB" sz="1600" dirty="0">
+                <a:latin typeface="DejaVu Sans Book" panose="020B0603030804020204" pitchFamily="34" charset="0"/>
+                <a:ea typeface="DejaVu Sans Book" panose="020B0603030804020204" pitchFamily="34" charset="0"/>
+                <a:cs typeface="DejaVu Sans Book" panose="020B0603030804020204" pitchFamily="34" charset="0"/>
+              </a:rPr>
+              <a:t>    while v &gt; 0 do        (* WB: 3 *)</a:t>
+            </a:r>
+          </a:p>
+          <a:p>
+            <a:r>
+              <a:rPr lang="en-GB" sz="1600" dirty="0">
+                <a:latin typeface="DejaVu Sans Book" panose="020B0603030804020204" pitchFamily="34" charset="0"/>
+                <a:ea typeface="DejaVu Sans Book" panose="020B0603030804020204" pitchFamily="34" charset="0"/>
+                <a:cs typeface="DejaVu Sans Book" panose="020B0603030804020204" pitchFamily="34" charset="0"/>
+              </a:rPr>
+              <a:t>      </a:t>
+            </a:r>
+            <a:r>
+              <a:rPr lang="en-GB" sz="1600" dirty="0" err="1">
+                <a:latin typeface="DejaVu Sans Book" panose="020B0603030804020204" pitchFamily="34" charset="0"/>
+                <a:ea typeface="DejaVu Sans Book" panose="020B0603030804020204" pitchFamily="34" charset="0"/>
+                <a:cs typeface="DejaVu Sans Book" panose="020B0603030804020204" pitchFamily="34" charset="0"/>
+              </a:rPr>
+              <a:t>str</a:t>
+            </a:r>
+            <a:r>
+              <a:rPr lang="en-GB" sz="1600" dirty="0">
+                <a:latin typeface="DejaVu Sans Book" panose="020B0603030804020204" pitchFamily="34" charset="0"/>
+                <a:ea typeface="DejaVu Sans Book" panose="020B0603030804020204" pitchFamily="34" charset="0"/>
+                <a:cs typeface="DejaVu Sans Book" panose="020B0603030804020204" pitchFamily="34" charset="0"/>
+              </a:rPr>
+              <a:t> &lt;- (string (v % 2)) + </a:t>
+            </a:r>
+            <a:r>
+              <a:rPr lang="en-GB" sz="1600" dirty="0" err="1">
+                <a:latin typeface="DejaVu Sans Book" panose="020B0603030804020204" pitchFamily="34" charset="0"/>
+                <a:ea typeface="DejaVu Sans Book" panose="020B0603030804020204" pitchFamily="34" charset="0"/>
+                <a:cs typeface="DejaVu Sans Book" panose="020B0603030804020204" pitchFamily="34" charset="0"/>
+              </a:rPr>
+              <a:t>str</a:t>
+            </a:r>
+            <a:endParaRPr lang="en-GB" sz="1600" dirty="0">
+              <a:latin typeface="DejaVu Sans Book" panose="020B0603030804020204" pitchFamily="34" charset="0"/>
+              <a:ea typeface="DejaVu Sans Book" panose="020B0603030804020204" pitchFamily="34" charset="0"/>
+              <a:cs typeface="DejaVu Sans Book" panose="020B0603030804020204" pitchFamily="34" charset="0"/>
+            </a:endParaRPr>
+          </a:p>
+          <a:p>
+            <a:r>
+              <a:rPr lang="en-GB" sz="1600" dirty="0">
+                <a:latin typeface="DejaVu Sans Book" panose="020B0603030804020204" pitchFamily="34" charset="0"/>
+                <a:ea typeface="DejaVu Sans Book" panose="020B0603030804020204" pitchFamily="34" charset="0"/>
+                <a:cs typeface="DejaVu Sans Book" panose="020B0603030804020204" pitchFamily="34" charset="0"/>
+              </a:rPr>
+              <a:t>      v &lt;- v / 2</a:t>
+            </a:r>
+          </a:p>
+          <a:p>
+            <a:r>
+              <a:rPr lang="en-GB" sz="1600" dirty="0">
+                <a:latin typeface="DejaVu Sans Book" panose="020B0603030804020204" pitchFamily="34" charset="0"/>
+                <a:ea typeface="DejaVu Sans Book" panose="020B0603030804020204" pitchFamily="34" charset="0"/>
+                <a:cs typeface="DejaVu Sans Book" panose="020B0603030804020204" pitchFamily="34" charset="0"/>
+              </a:rPr>
+              <a:t>    "0b" + </a:t>
+            </a:r>
+            <a:r>
+              <a:rPr lang="en-GB" sz="1600" dirty="0" err="1">
+                <a:latin typeface="DejaVu Sans Book" panose="020B0603030804020204" pitchFamily="34" charset="0"/>
+                <a:ea typeface="DejaVu Sans Book" panose="020B0603030804020204" pitchFamily="34" charset="0"/>
+                <a:cs typeface="DejaVu Sans Book" panose="020B0603030804020204" pitchFamily="34" charset="0"/>
+              </a:rPr>
+              <a:t>str</a:t>
+            </a:r>
+            <a:endParaRPr lang="en-GB" sz="1600" dirty="0">
+              <a:latin typeface="DejaVu Sans Book" panose="020B0603030804020204" pitchFamily="34" charset="0"/>
+              <a:ea typeface="DejaVu Sans Book" panose="020B0603030804020204" pitchFamily="34" charset="0"/>
+              <a:cs typeface="DejaVu Sans Book" panose="020B0603030804020204" pitchFamily="34" charset="0"/>
+            </a:endParaRPr>
+          </a:p>
+          <a:p>
+            <a:endParaRPr lang="en-GB" sz="1600" dirty="0">
+              <a:latin typeface="DejaVu Sans Book" panose="020B0603030804020204" pitchFamily="34" charset="0"/>
+              <a:ea typeface="DejaVu Sans Book" panose="020B0603030804020204" pitchFamily="34" charset="0"/>
+              <a:cs typeface="DejaVu Sans Book" panose="020B0603030804020204" pitchFamily="34" charset="0"/>
+            </a:endParaRPr>
+          </a:p>
+          <a:p>
+            <a:r>
+              <a:rPr lang="en-GB" sz="1600" dirty="0" err="1">
+                <a:latin typeface="DejaVu Sans Book" panose="020B0603030804020204" pitchFamily="34" charset="0"/>
+                <a:ea typeface="DejaVu Sans Book" panose="020B0603030804020204" pitchFamily="34" charset="0"/>
+                <a:cs typeface="DejaVu Sans Book" panose="020B0603030804020204" pitchFamily="34" charset="0"/>
+              </a:rPr>
+              <a:t>printfn</a:t>
+            </a:r>
+            <a:r>
+              <a:rPr lang="en-GB" sz="1600" dirty="0">
+                <a:latin typeface="DejaVu Sans Book" panose="020B0603030804020204" pitchFamily="34" charset="0"/>
+                <a:ea typeface="DejaVu Sans Book" panose="020B0603030804020204" pitchFamily="34" charset="0"/>
+                <a:cs typeface="DejaVu Sans Book" panose="020B0603030804020204" pitchFamily="34" charset="0"/>
+              </a:rPr>
+              <a:t> "White-box testing of dec2bin.fsx"</a:t>
+            </a:r>
+          </a:p>
+          <a:p>
+            <a:r>
+              <a:rPr lang="en-GB" sz="1600" dirty="0" err="1">
+                <a:latin typeface="DejaVu Sans Book" panose="020B0603030804020204" pitchFamily="34" charset="0"/>
+                <a:ea typeface="DejaVu Sans Book" panose="020B0603030804020204" pitchFamily="34" charset="0"/>
+                <a:cs typeface="DejaVu Sans Book" panose="020B0603030804020204" pitchFamily="34" charset="0"/>
+              </a:rPr>
+              <a:t>printfn</a:t>
+            </a:r>
+            <a:r>
+              <a:rPr lang="en-GB" sz="1600" dirty="0">
+                <a:latin typeface="DejaVu Sans Book" panose="020B0603030804020204" pitchFamily="34" charset="0"/>
+                <a:ea typeface="DejaVu Sans Book" panose="020B0603030804020204" pitchFamily="34" charset="0"/>
+                <a:cs typeface="DejaVu Sans Book" panose="020B0603030804020204" pitchFamily="34" charset="0"/>
+              </a:rPr>
+              <a:t> "  Unit: dec2bin"</a:t>
+            </a:r>
+          </a:p>
+          <a:p>
+            <a:r>
+              <a:rPr lang="en-GB" sz="1600" dirty="0" err="1">
+                <a:latin typeface="DejaVu Sans Book" panose="020B0603030804020204" pitchFamily="34" charset="0"/>
+                <a:ea typeface="DejaVu Sans Book" panose="020B0603030804020204" pitchFamily="34" charset="0"/>
+                <a:cs typeface="DejaVu Sans Book" panose="020B0603030804020204" pitchFamily="34" charset="0"/>
+              </a:rPr>
+              <a:t>printfn</a:t>
+            </a:r>
+            <a:r>
+              <a:rPr lang="en-GB" sz="1600" dirty="0">
+                <a:latin typeface="DejaVu Sans Book" panose="020B0603030804020204" pitchFamily="34" charset="0"/>
+                <a:ea typeface="DejaVu Sans Book" panose="020B0603030804020204" pitchFamily="34" charset="0"/>
+                <a:cs typeface="DejaVu Sans Book" panose="020B0603030804020204" pitchFamily="34" charset="0"/>
+              </a:rPr>
+              <a:t> "    Branch: 1a - %b" (dec2bin -1 = "Illegal value")</a:t>
+            </a:r>
+          </a:p>
+          <a:p>
+            <a:r>
+              <a:rPr lang="en-GB" sz="1600" dirty="0" err="1">
+                <a:latin typeface="DejaVu Sans Book" panose="020B0603030804020204" pitchFamily="34" charset="0"/>
+                <a:ea typeface="DejaVu Sans Book" panose="020B0603030804020204" pitchFamily="34" charset="0"/>
+                <a:cs typeface="DejaVu Sans Book" panose="020B0603030804020204" pitchFamily="34" charset="0"/>
+              </a:rPr>
+              <a:t>printfn</a:t>
+            </a:r>
+            <a:r>
+              <a:rPr lang="en-GB" sz="1600" dirty="0">
+                <a:latin typeface="DejaVu Sans Book" panose="020B0603030804020204" pitchFamily="34" charset="0"/>
+                <a:ea typeface="DejaVu Sans Book" panose="020B0603030804020204" pitchFamily="34" charset="0"/>
+                <a:cs typeface="DejaVu Sans Book" panose="020B0603030804020204" pitchFamily="34" charset="0"/>
+              </a:rPr>
+              <a:t> "    Branch: 2a - %b" (dec2bin 0 = "0b0")</a:t>
+            </a:r>
+          </a:p>
+          <a:p>
+            <a:r>
+              <a:rPr lang="en-GB" sz="1600" dirty="0" err="1">
+                <a:latin typeface="DejaVu Sans Book" panose="020B0603030804020204" pitchFamily="34" charset="0"/>
+                <a:ea typeface="DejaVu Sans Book" panose="020B0603030804020204" pitchFamily="34" charset="0"/>
+                <a:cs typeface="DejaVu Sans Book" panose="020B0603030804020204" pitchFamily="34" charset="0"/>
+              </a:rPr>
+              <a:t>printfn</a:t>
+            </a:r>
+            <a:r>
+              <a:rPr lang="en-GB" sz="1600" dirty="0">
+                <a:latin typeface="DejaVu Sans Book" panose="020B0603030804020204" pitchFamily="34" charset="0"/>
+                <a:ea typeface="DejaVu Sans Book" panose="020B0603030804020204" pitchFamily="34" charset="0"/>
+                <a:cs typeface="DejaVu Sans Book" panose="020B0603030804020204" pitchFamily="34" charset="0"/>
+              </a:rPr>
+              <a:t> "    Branch: 3a - %b" (dec2bin 1 = "0b1")</a:t>
+            </a:r>
+          </a:p>
+        </p:txBody>
+      </p:sp>
+      <p:graphicFrame>
+        <p:nvGraphicFramePr>
+          <p:cNvPr id="8" name="Table 7">
+            <a:extLst>
+              <a:ext uri="{FF2B5EF4-FFF2-40B4-BE49-F238E27FC236}">
+                <a16:creationId xmlns:a16="http://schemas.microsoft.com/office/drawing/2014/main" id="{F335C72C-6F98-CD49-9F7D-8F5A474A1447}"/>
+              </a:ext>
+            </a:extLst>
+          </p:cNvPr>
+          <p:cNvGraphicFramePr>
+            <a:graphicFrameLocks noGrp="1"/>
+          </p:cNvGraphicFramePr>
+          <p:nvPr>
+            <p:extLst>
+              <p:ext uri="{D42A27DB-BD31-4B8C-83A1-F6EECF244321}">
+                <p14:modId xmlns:p14="http://schemas.microsoft.com/office/powerpoint/2010/main" val="834493971"/>
+              </p:ext>
+            </p:extLst>
+          </p:nvPr>
+        </p:nvGraphicFramePr>
+        <p:xfrm>
+          <a:off x="6117461" y="115038"/>
+          <a:ext cx="5829840" cy="3767452"/>
+        </p:xfrm>
+        <a:graphic>
+          <a:graphicData uri="http://schemas.openxmlformats.org/drawingml/2006/table">
+            <a:tbl>
+              <a:tblPr firstRow="1" bandRow="1">
+                <a:tableStyleId>{5C22544A-7EE6-4342-B048-85BDC9FD1C3A}</a:tableStyleId>
+              </a:tblPr>
+              <a:tblGrid>
+                <a:gridCol w="971640">
+                  <a:extLst>
+                    <a:ext uri="{9D8B030D-6E8A-4147-A177-3AD203B41FA5}">
+                      <a16:colId xmlns:a16="http://schemas.microsoft.com/office/drawing/2014/main" val="1532162595"/>
+                    </a:ext>
+                  </a:extLst>
+                </a:gridCol>
+                <a:gridCol w="971640">
+                  <a:extLst>
+                    <a:ext uri="{9D8B030D-6E8A-4147-A177-3AD203B41FA5}">
+                      <a16:colId xmlns:a16="http://schemas.microsoft.com/office/drawing/2014/main" val="2951828956"/>
+                    </a:ext>
+                  </a:extLst>
+                </a:gridCol>
+                <a:gridCol w="971640">
+                  <a:extLst>
+                    <a:ext uri="{9D8B030D-6E8A-4147-A177-3AD203B41FA5}">
+                      <a16:colId xmlns:a16="http://schemas.microsoft.com/office/drawing/2014/main" val="1403007596"/>
+                    </a:ext>
+                  </a:extLst>
+                </a:gridCol>
+                <a:gridCol w="971640">
+                  <a:extLst>
+                    <a:ext uri="{9D8B030D-6E8A-4147-A177-3AD203B41FA5}">
+                      <a16:colId xmlns:a16="http://schemas.microsoft.com/office/drawing/2014/main" val="2386097711"/>
+                    </a:ext>
+                  </a:extLst>
+                </a:gridCol>
+                <a:gridCol w="971640">
+                  <a:extLst>
+                    <a:ext uri="{9D8B030D-6E8A-4147-A177-3AD203B41FA5}">
+                      <a16:colId xmlns:a16="http://schemas.microsoft.com/office/drawing/2014/main" val="2720054862"/>
+                    </a:ext>
+                  </a:extLst>
+                </a:gridCol>
+                <a:gridCol w="971640">
+                  <a:extLst>
+                    <a:ext uri="{9D8B030D-6E8A-4147-A177-3AD203B41FA5}">
+                      <a16:colId xmlns:a16="http://schemas.microsoft.com/office/drawing/2014/main" val="179345016"/>
+                    </a:ext>
+                  </a:extLst>
+                </a:gridCol>
+              </a:tblGrid>
+              <a:tr h="473272">
+                <a:tc>
+                  <a:txBody>
+                    <a:bodyPr/>
+                    <a:lstStyle/>
+                    <a:p>
+                      <a:r>
+                        <a:rPr lang="en-GB" sz="1200" dirty="0">
+                          <a:latin typeface="DejaVu Sans Book" panose="020B0603030804020204" pitchFamily="34" charset="0"/>
+                          <a:ea typeface="DejaVu Sans Book" panose="020B0603030804020204" pitchFamily="34" charset="0"/>
+                          <a:cs typeface="DejaVu Sans Book" panose="020B0603030804020204" pitchFamily="34" charset="0"/>
+                        </a:rPr>
+                        <a:t>Unit</a:t>
+                      </a:r>
+                    </a:p>
+                  </a:txBody>
+                  <a:tcPr/>
+                </a:tc>
+                <a:tc>
+                  <a:txBody>
+                    <a:bodyPr/>
+                    <a:lstStyle/>
+                    <a:p>
+                      <a:r>
+                        <a:rPr lang="en-GB" sz="1200" dirty="0">
+                          <a:latin typeface="DejaVu Sans Book" panose="020B0603030804020204" pitchFamily="34" charset="0"/>
+                          <a:ea typeface="DejaVu Sans Book" panose="020B0603030804020204" pitchFamily="34" charset="0"/>
+                          <a:cs typeface="DejaVu Sans Book" panose="020B0603030804020204" pitchFamily="34" charset="0"/>
+                        </a:rPr>
+                        <a:t>Branch</a:t>
+                      </a:r>
+                    </a:p>
+                  </a:txBody>
+                  <a:tcPr/>
+                </a:tc>
+                <a:tc>
+                  <a:txBody>
+                    <a:bodyPr/>
+                    <a:lstStyle/>
+                    <a:p>
+                      <a:r>
+                        <a:rPr lang="en-GB" sz="1200" dirty="0">
+                          <a:latin typeface="DejaVu Sans Book" panose="020B0603030804020204" pitchFamily="34" charset="0"/>
+                          <a:ea typeface="DejaVu Sans Book" panose="020B0603030804020204" pitchFamily="34" charset="0"/>
+                          <a:cs typeface="DejaVu Sans Book" panose="020B0603030804020204" pitchFamily="34" charset="0"/>
+                        </a:rPr>
+                        <a:t>Condition</a:t>
+                      </a:r>
+                    </a:p>
+                  </a:txBody>
+                  <a:tcPr/>
+                </a:tc>
+                <a:tc>
+                  <a:txBody>
+                    <a:bodyPr/>
+                    <a:lstStyle/>
+                    <a:p>
+                      <a:r>
+                        <a:rPr lang="en-GB" sz="1200" dirty="0">
+                          <a:latin typeface="DejaVu Sans Book" panose="020B0603030804020204" pitchFamily="34" charset="0"/>
+                          <a:ea typeface="DejaVu Sans Book" panose="020B0603030804020204" pitchFamily="34" charset="0"/>
+                          <a:cs typeface="DejaVu Sans Book" panose="020B0603030804020204" pitchFamily="34" charset="0"/>
+                        </a:rPr>
+                        <a:t>Input</a:t>
+                      </a:r>
+                    </a:p>
+                  </a:txBody>
+                  <a:tcPr/>
+                </a:tc>
+                <a:tc>
+                  <a:txBody>
+                    <a:bodyPr/>
+                    <a:lstStyle/>
+                    <a:p>
+                      <a:r>
+                        <a:rPr lang="en-GB" sz="1200" dirty="0">
+                          <a:latin typeface="DejaVu Sans Book" panose="020B0603030804020204" pitchFamily="34" charset="0"/>
+                          <a:ea typeface="DejaVu Sans Book" panose="020B0603030804020204" pitchFamily="34" charset="0"/>
+                          <a:cs typeface="DejaVu Sans Book" panose="020B0603030804020204" pitchFamily="34" charset="0"/>
+                        </a:rPr>
+                        <a:t>Expected output</a:t>
+                      </a:r>
+                    </a:p>
+                  </a:txBody>
+                  <a:tcPr/>
+                </a:tc>
+                <a:tc>
+                  <a:txBody>
+                    <a:bodyPr/>
+                    <a:lstStyle/>
+                    <a:p>
+                      <a:r>
+                        <a:rPr lang="en-GB" sz="1200" dirty="0">
+                          <a:latin typeface="DejaVu Sans Book" panose="020B0603030804020204" pitchFamily="34" charset="0"/>
+                          <a:ea typeface="DejaVu Sans Book" panose="020B0603030804020204" pitchFamily="34" charset="0"/>
+                          <a:cs typeface="DejaVu Sans Book" panose="020B0603030804020204" pitchFamily="34" charset="0"/>
+                        </a:rPr>
+                        <a:t>Comment</a:t>
+                      </a:r>
+                    </a:p>
+                  </a:txBody>
+                  <a:tcPr/>
+                </a:tc>
+                <a:extLst>
+                  <a:ext uri="{0D108BD9-81ED-4DB2-BD59-A6C34878D82A}">
+                    <a16:rowId xmlns:a16="http://schemas.microsoft.com/office/drawing/2014/main" val="2286388441"/>
+                  </a:ext>
+                </a:extLst>
+              </a:tr>
+              <a:tr h="262929">
+                <a:tc>
+                  <a:txBody>
+                    <a:bodyPr/>
+                    <a:lstStyle/>
+                    <a:p>
+                      <a:r>
+                        <a:rPr lang="en-GB" sz="1200" dirty="0">
+                          <a:latin typeface="DejaVu Sans Book" panose="020B0603030804020204" pitchFamily="34" charset="0"/>
+                          <a:ea typeface="DejaVu Sans Book" panose="020B0603030804020204" pitchFamily="34" charset="0"/>
+                          <a:cs typeface="DejaVu Sans Book" panose="020B0603030804020204" pitchFamily="34" charset="0"/>
+                        </a:rPr>
+                        <a:t>dec2bin</a:t>
+                      </a:r>
+                    </a:p>
+                  </a:txBody>
+                  <a:tcPr/>
+                </a:tc>
+                <a:tc>
+                  <a:txBody>
+                    <a:bodyPr/>
+                    <a:lstStyle/>
+                    <a:p>
+                      <a:r>
+                        <a:rPr lang="en-GB" sz="1200" dirty="0">
+                          <a:latin typeface="DejaVu Sans Book" panose="020B0603030804020204" pitchFamily="34" charset="0"/>
+                          <a:ea typeface="DejaVu Sans Book" panose="020B0603030804020204" pitchFamily="34" charset="0"/>
+                          <a:cs typeface="DejaVu Sans Book" panose="020B0603030804020204" pitchFamily="34" charset="0"/>
+                        </a:rPr>
+                        <a:t>1</a:t>
+                      </a:r>
+                    </a:p>
+                  </a:txBody>
+                  <a:tcPr/>
+                </a:tc>
+                <a:tc>
+                  <a:txBody>
+                    <a:bodyPr/>
+                    <a:lstStyle/>
+                    <a:p>
+                      <a:pPr marL="0" marR="0" lvl="0" indent="0" algn="l" defTabSz="914400" rtl="0" eaLnBrk="1" fontAlgn="auto" latinLnBrk="0" hangingPunct="1">
+                        <a:lnSpc>
+                          <a:spcPct val="100000"/>
+                        </a:lnSpc>
+                        <a:spcBef>
+                          <a:spcPts val="0"/>
+                        </a:spcBef>
+                        <a:spcAft>
+                          <a:spcPts val="0"/>
+                        </a:spcAft>
+                        <a:buClrTx/>
+                        <a:buSzTx/>
+                        <a:buFontTx/>
+                        <a:buNone/>
+                        <a:tabLst/>
+                        <a:defRPr/>
+                      </a:pPr>
+                      <a:r>
+                        <a:rPr lang="en-GB" sz="1200" dirty="0">
+                          <a:latin typeface="DejaVu Sans Book" panose="020B0603030804020204" pitchFamily="34" charset="0"/>
+                          <a:ea typeface="DejaVu Sans Book" panose="020B0603030804020204" pitchFamily="34" charset="0"/>
+                          <a:cs typeface="DejaVu Sans Book" panose="020B0603030804020204" pitchFamily="34" charset="0"/>
+                        </a:rPr>
+                        <a:t>n &lt; 0</a:t>
+                      </a:r>
+                    </a:p>
+                    <a:p>
+                      <a:endParaRPr lang="en-GB" sz="1200" dirty="0">
+                        <a:latin typeface="DejaVu Sans Book" panose="020B0603030804020204" pitchFamily="34" charset="0"/>
+                        <a:ea typeface="DejaVu Sans Book" panose="020B0603030804020204" pitchFamily="34" charset="0"/>
+                        <a:cs typeface="DejaVu Sans Book" panose="020B0603030804020204" pitchFamily="34" charset="0"/>
+                      </a:endParaRPr>
+                    </a:p>
+                  </a:txBody>
+                  <a:tcPr/>
+                </a:tc>
+                <a:tc>
+                  <a:txBody>
+                    <a:bodyPr/>
+                    <a:lstStyle/>
+                    <a:p>
+                      <a:endParaRPr lang="en-GB" sz="1200">
+                        <a:latin typeface="DejaVu Sans Book" panose="020B0603030804020204" pitchFamily="34" charset="0"/>
+                        <a:ea typeface="DejaVu Sans Book" panose="020B0603030804020204" pitchFamily="34" charset="0"/>
+                        <a:cs typeface="DejaVu Sans Book" panose="020B0603030804020204" pitchFamily="34" charset="0"/>
+                      </a:endParaRPr>
+                    </a:p>
+                  </a:txBody>
+                  <a:tcPr/>
+                </a:tc>
+                <a:tc>
+                  <a:txBody>
+                    <a:bodyPr/>
+                    <a:lstStyle/>
+                    <a:p>
+                      <a:pPr marL="0" marR="0" lvl="0" indent="0" algn="l" defTabSz="914400" rtl="0" eaLnBrk="1" fontAlgn="auto" latinLnBrk="0" hangingPunct="1">
+                        <a:lnSpc>
+                          <a:spcPct val="100000"/>
+                        </a:lnSpc>
+                        <a:spcBef>
+                          <a:spcPts val="0"/>
+                        </a:spcBef>
+                        <a:spcAft>
+                          <a:spcPts val="0"/>
+                        </a:spcAft>
+                        <a:buClrTx/>
+                        <a:buSzTx/>
+                        <a:buFontTx/>
+                        <a:buNone/>
+                        <a:tabLst/>
+                        <a:defRPr/>
+                      </a:pPr>
+                      <a:endParaRPr lang="en-GB" sz="1200" dirty="0">
+                        <a:latin typeface="DejaVu Sans Book" panose="020B0603030804020204" pitchFamily="34" charset="0"/>
+                        <a:ea typeface="DejaVu Sans Book" panose="020B0603030804020204" pitchFamily="34" charset="0"/>
+                        <a:cs typeface="DejaVu Sans Book" panose="020B0603030804020204" pitchFamily="34" charset="0"/>
+                      </a:endParaRPr>
+                    </a:p>
+                  </a:txBody>
+                  <a:tcPr/>
+                </a:tc>
+                <a:tc>
+                  <a:txBody>
+                    <a:bodyPr/>
+                    <a:lstStyle/>
+                    <a:p>
+                      <a:endParaRPr lang="en-GB" sz="1200">
+                        <a:latin typeface="DejaVu Sans Book" panose="020B0603030804020204" pitchFamily="34" charset="0"/>
+                        <a:ea typeface="DejaVu Sans Book" panose="020B0603030804020204" pitchFamily="34" charset="0"/>
+                        <a:cs typeface="DejaVu Sans Book" panose="020B0603030804020204" pitchFamily="34" charset="0"/>
+                      </a:endParaRPr>
+                    </a:p>
+                  </a:txBody>
+                  <a:tcPr/>
+                </a:tc>
+                <a:extLst>
+                  <a:ext uri="{0D108BD9-81ED-4DB2-BD59-A6C34878D82A}">
+                    <a16:rowId xmlns:a16="http://schemas.microsoft.com/office/drawing/2014/main" val="1367185139"/>
+                  </a:ext>
+                </a:extLst>
+              </a:tr>
+              <a:tr h="368100">
+                <a:tc>
+                  <a:txBody>
+                    <a:bodyPr/>
+                    <a:lstStyle/>
+                    <a:p>
+                      <a:endParaRPr lang="en-GB" sz="1200">
+                        <a:latin typeface="DejaVu Sans Book" panose="020B0603030804020204" pitchFamily="34" charset="0"/>
+                        <a:ea typeface="DejaVu Sans Book" panose="020B0603030804020204" pitchFamily="34" charset="0"/>
+                        <a:cs typeface="DejaVu Sans Book" panose="020B0603030804020204" pitchFamily="34" charset="0"/>
+                      </a:endParaRPr>
+                    </a:p>
+                  </a:txBody>
+                  <a:tcPr/>
+                </a:tc>
+                <a:tc>
+                  <a:txBody>
+                    <a:bodyPr/>
+                    <a:lstStyle/>
+                    <a:p>
+                      <a:r>
+                        <a:rPr lang="en-GB" sz="1200" dirty="0">
+                          <a:latin typeface="DejaVu Sans Book" panose="020B0603030804020204" pitchFamily="34" charset="0"/>
+                          <a:ea typeface="DejaVu Sans Book" panose="020B0603030804020204" pitchFamily="34" charset="0"/>
+                          <a:cs typeface="DejaVu Sans Book" panose="020B0603030804020204" pitchFamily="34" charset="0"/>
+                        </a:rPr>
+                        <a:t>1a</a:t>
+                      </a:r>
+                    </a:p>
+                  </a:txBody>
+                  <a:tcPr/>
+                </a:tc>
+                <a:tc>
+                  <a:txBody>
+                    <a:bodyPr/>
+                    <a:lstStyle/>
+                    <a:p>
+                      <a:r>
+                        <a:rPr lang="en-GB" sz="1200" dirty="0">
+                          <a:latin typeface="DejaVu Sans Book" panose="020B0603030804020204" pitchFamily="34" charset="0"/>
+                          <a:ea typeface="DejaVu Sans Book" panose="020B0603030804020204" pitchFamily="34" charset="0"/>
+                          <a:cs typeface="DejaVu Sans Book" panose="020B0603030804020204" pitchFamily="34" charset="0"/>
+                        </a:rPr>
+                        <a:t>true</a:t>
+                      </a:r>
+                    </a:p>
+                  </a:txBody>
+                  <a:tcPr/>
+                </a:tc>
+                <a:tc>
+                  <a:txBody>
+                    <a:bodyPr/>
+                    <a:lstStyle/>
+                    <a:p>
+                      <a:r>
+                        <a:rPr lang="en-GB" sz="1200" dirty="0">
+                          <a:latin typeface="DejaVu Sans Book" panose="020B0603030804020204" pitchFamily="34" charset="0"/>
+                          <a:ea typeface="DejaVu Sans Book" panose="020B0603030804020204" pitchFamily="34" charset="0"/>
+                          <a:cs typeface="DejaVu Sans Book" panose="020B0603030804020204" pitchFamily="34" charset="0"/>
+                        </a:rPr>
+                        <a:t>-1</a:t>
+                      </a:r>
+                    </a:p>
+                  </a:txBody>
+                  <a:tcPr/>
+                </a:tc>
+                <a:tc>
+                  <a:txBody>
+                    <a:bodyPr/>
+                    <a:lstStyle/>
+                    <a:p>
+                      <a:pPr marL="0" marR="0" lvl="0" indent="0" algn="l" defTabSz="914400" rtl="0" eaLnBrk="1" fontAlgn="auto" latinLnBrk="0" hangingPunct="1">
+                        <a:lnSpc>
+                          <a:spcPct val="100000"/>
+                        </a:lnSpc>
+                        <a:spcBef>
+                          <a:spcPts val="0"/>
+                        </a:spcBef>
+                        <a:spcAft>
+                          <a:spcPts val="0"/>
+                        </a:spcAft>
+                        <a:buClrTx/>
+                        <a:buSzTx/>
+                        <a:buFontTx/>
+                        <a:buNone/>
+                        <a:tabLst/>
+                        <a:defRPr/>
+                      </a:pPr>
+                      <a:r>
+                        <a:rPr lang="en-GB" sz="1200" dirty="0">
+                          <a:latin typeface="DejaVu Sans Book" panose="020B0603030804020204" pitchFamily="34" charset="0"/>
+                          <a:ea typeface="DejaVu Sans Book" panose="020B0603030804020204" pitchFamily="34" charset="0"/>
+                          <a:cs typeface="DejaVu Sans Book" panose="020B0603030804020204" pitchFamily="34" charset="0"/>
+                        </a:rPr>
+                        <a:t>"Illegal value"</a:t>
+                      </a:r>
+                    </a:p>
+                  </a:txBody>
+                  <a:tcPr/>
+                </a:tc>
+                <a:tc>
+                  <a:txBody>
+                    <a:bodyPr/>
+                    <a:lstStyle/>
+                    <a:p>
+                      <a:endParaRPr lang="en-GB" sz="1200">
+                        <a:latin typeface="DejaVu Sans Book" panose="020B0603030804020204" pitchFamily="34" charset="0"/>
+                        <a:ea typeface="DejaVu Sans Book" panose="020B0603030804020204" pitchFamily="34" charset="0"/>
+                        <a:cs typeface="DejaVu Sans Book" panose="020B0603030804020204" pitchFamily="34" charset="0"/>
+                      </a:endParaRPr>
+                    </a:p>
+                  </a:txBody>
+                  <a:tcPr/>
+                </a:tc>
+                <a:extLst>
+                  <a:ext uri="{0D108BD9-81ED-4DB2-BD59-A6C34878D82A}">
+                    <a16:rowId xmlns:a16="http://schemas.microsoft.com/office/drawing/2014/main" val="833342341"/>
+                  </a:ext>
+                </a:extLst>
+              </a:tr>
+              <a:tr h="368100">
+                <a:tc>
+                  <a:txBody>
+                    <a:bodyPr/>
+                    <a:lstStyle/>
+                    <a:p>
+                      <a:endParaRPr lang="en-GB" sz="1200">
+                        <a:latin typeface="DejaVu Sans Book" panose="020B0603030804020204" pitchFamily="34" charset="0"/>
+                        <a:ea typeface="DejaVu Sans Book" panose="020B0603030804020204" pitchFamily="34" charset="0"/>
+                        <a:cs typeface="DejaVu Sans Book" panose="020B0603030804020204" pitchFamily="34" charset="0"/>
+                      </a:endParaRPr>
+                    </a:p>
+                  </a:txBody>
+                  <a:tcPr/>
+                </a:tc>
+                <a:tc>
+                  <a:txBody>
+                    <a:bodyPr/>
+                    <a:lstStyle/>
+                    <a:p>
+                      <a:r>
+                        <a:rPr lang="en-GB" sz="1200" dirty="0">
+                          <a:latin typeface="DejaVu Sans Book" panose="020B0603030804020204" pitchFamily="34" charset="0"/>
+                          <a:ea typeface="DejaVu Sans Book" panose="020B0603030804020204" pitchFamily="34" charset="0"/>
+                          <a:cs typeface="DejaVu Sans Book" panose="020B0603030804020204" pitchFamily="34" charset="0"/>
+                        </a:rPr>
+                        <a:t>1b</a:t>
+                      </a:r>
+                    </a:p>
+                  </a:txBody>
+                  <a:tcPr/>
+                </a:tc>
+                <a:tc>
+                  <a:txBody>
+                    <a:bodyPr/>
+                    <a:lstStyle/>
+                    <a:p>
+                      <a:r>
+                        <a:rPr lang="en-GB" sz="1200" dirty="0">
+                          <a:latin typeface="DejaVu Sans Book" panose="020B0603030804020204" pitchFamily="34" charset="0"/>
+                          <a:ea typeface="DejaVu Sans Book" panose="020B0603030804020204" pitchFamily="34" charset="0"/>
+                          <a:cs typeface="DejaVu Sans Book" panose="020B0603030804020204" pitchFamily="34" charset="0"/>
+                        </a:rPr>
+                        <a:t>branch 2</a:t>
+                      </a:r>
+                    </a:p>
+                  </a:txBody>
+                  <a:tcPr/>
+                </a:tc>
+                <a:tc>
+                  <a:txBody>
+                    <a:bodyPr/>
+                    <a:lstStyle/>
+                    <a:p>
+                      <a:endParaRPr lang="en-GB" sz="1200" dirty="0">
+                        <a:latin typeface="DejaVu Sans Book" panose="020B0603030804020204" pitchFamily="34" charset="0"/>
+                        <a:ea typeface="DejaVu Sans Book" panose="020B0603030804020204" pitchFamily="34" charset="0"/>
+                        <a:cs typeface="DejaVu Sans Book" panose="020B0603030804020204" pitchFamily="34" charset="0"/>
+                      </a:endParaRPr>
+                    </a:p>
+                  </a:txBody>
+                  <a:tcPr/>
+                </a:tc>
+                <a:tc>
+                  <a:txBody>
+                    <a:bodyPr/>
+                    <a:lstStyle/>
+                    <a:p>
+                      <a:pPr marL="0" marR="0" lvl="0" indent="0" algn="l" defTabSz="914400" rtl="0" eaLnBrk="1" fontAlgn="auto" latinLnBrk="0" hangingPunct="1">
+                        <a:lnSpc>
+                          <a:spcPct val="100000"/>
+                        </a:lnSpc>
+                        <a:spcBef>
+                          <a:spcPts val="0"/>
+                        </a:spcBef>
+                        <a:spcAft>
+                          <a:spcPts val="0"/>
+                        </a:spcAft>
+                        <a:buClrTx/>
+                        <a:buSzTx/>
+                        <a:buFontTx/>
+                        <a:buNone/>
+                        <a:tabLst/>
+                        <a:defRPr/>
+                      </a:pPr>
+                      <a:endParaRPr lang="en-GB" sz="1200" dirty="0">
+                        <a:latin typeface="DejaVu Sans Book" panose="020B0603030804020204" pitchFamily="34" charset="0"/>
+                        <a:ea typeface="DejaVu Sans Book" panose="020B0603030804020204" pitchFamily="34" charset="0"/>
+                        <a:cs typeface="DejaVu Sans Book" panose="020B0603030804020204" pitchFamily="34" charset="0"/>
+                      </a:endParaRPr>
+                    </a:p>
+                  </a:txBody>
+                  <a:tcPr/>
+                </a:tc>
+                <a:tc>
+                  <a:txBody>
+                    <a:bodyPr/>
+                    <a:lstStyle/>
+                    <a:p>
+                      <a:pPr marL="0" marR="0" lvl="0" indent="0" algn="l" defTabSz="914400" rtl="0" eaLnBrk="1" fontAlgn="auto" latinLnBrk="0" hangingPunct="1">
+                        <a:lnSpc>
+                          <a:spcPct val="100000"/>
+                        </a:lnSpc>
+                        <a:spcBef>
+                          <a:spcPts val="0"/>
+                        </a:spcBef>
+                        <a:spcAft>
+                          <a:spcPts val="0"/>
+                        </a:spcAft>
+                        <a:buClrTx/>
+                        <a:buSzTx/>
+                        <a:buFontTx/>
+                        <a:buNone/>
+                        <a:tabLst/>
+                        <a:defRPr/>
+                      </a:pPr>
+                      <a:r>
+                        <a:rPr lang="en-GB" sz="1200" dirty="0">
+                          <a:latin typeface="DejaVu Sans Book" panose="020B0603030804020204" pitchFamily="34" charset="0"/>
+                          <a:ea typeface="DejaVu Sans Book" panose="020B0603030804020204" pitchFamily="34" charset="0"/>
+                          <a:cs typeface="DejaVu Sans Book" panose="020B0603030804020204" pitchFamily="34" charset="0"/>
+                        </a:rPr>
+                        <a:t>Fall through</a:t>
+                      </a:r>
+                    </a:p>
+                  </a:txBody>
+                  <a:tcPr/>
+                </a:tc>
+                <a:extLst>
+                  <a:ext uri="{0D108BD9-81ED-4DB2-BD59-A6C34878D82A}">
+                    <a16:rowId xmlns:a16="http://schemas.microsoft.com/office/drawing/2014/main" val="410681418"/>
+                  </a:ext>
+                </a:extLst>
+              </a:tr>
+              <a:tr h="368100">
+                <a:tc>
+                  <a:txBody>
+                    <a:bodyPr/>
+                    <a:lstStyle/>
+                    <a:p>
+                      <a:endParaRPr lang="en-GB" sz="1200">
+                        <a:latin typeface="DejaVu Sans Book" panose="020B0603030804020204" pitchFamily="34" charset="0"/>
+                        <a:ea typeface="DejaVu Sans Book" panose="020B0603030804020204" pitchFamily="34" charset="0"/>
+                        <a:cs typeface="DejaVu Sans Book" panose="020B0603030804020204" pitchFamily="34" charset="0"/>
+                      </a:endParaRPr>
+                    </a:p>
+                  </a:txBody>
+                  <a:tcPr/>
+                </a:tc>
+                <a:tc>
+                  <a:txBody>
+                    <a:bodyPr/>
+                    <a:lstStyle/>
+                    <a:p>
+                      <a:r>
+                        <a:rPr lang="en-GB" sz="1200" dirty="0">
+                          <a:latin typeface="DejaVu Sans Book" panose="020B0603030804020204" pitchFamily="34" charset="0"/>
+                          <a:ea typeface="DejaVu Sans Book" panose="020B0603030804020204" pitchFamily="34" charset="0"/>
+                          <a:cs typeface="DejaVu Sans Book" panose="020B0603030804020204" pitchFamily="34" charset="0"/>
+                        </a:rPr>
+                        <a:t>2 (n&gt;=0)</a:t>
+                      </a:r>
+                    </a:p>
+                  </a:txBody>
+                  <a:tcPr/>
+                </a:tc>
+                <a:tc>
+                  <a:txBody>
+                    <a:bodyPr/>
+                    <a:lstStyle/>
+                    <a:p>
+                      <a:r>
+                        <a:rPr lang="en-GB" sz="1200" dirty="0">
+                          <a:latin typeface="DejaVu Sans Book" panose="020B0603030804020204" pitchFamily="34" charset="0"/>
+                          <a:ea typeface="DejaVu Sans Book" panose="020B0603030804020204" pitchFamily="34" charset="0"/>
+                          <a:cs typeface="DejaVu Sans Book" panose="020B0603030804020204" pitchFamily="34" charset="0"/>
+                        </a:rPr>
+                        <a:t>n = 0</a:t>
+                      </a:r>
+                    </a:p>
+                  </a:txBody>
+                  <a:tcPr/>
+                </a:tc>
+                <a:tc>
+                  <a:txBody>
+                    <a:bodyPr/>
+                    <a:lstStyle/>
+                    <a:p>
+                      <a:endParaRPr lang="en-GB" sz="1200" dirty="0">
+                        <a:latin typeface="DejaVu Sans Book" panose="020B0603030804020204" pitchFamily="34" charset="0"/>
+                        <a:ea typeface="DejaVu Sans Book" panose="020B0603030804020204" pitchFamily="34" charset="0"/>
+                        <a:cs typeface="DejaVu Sans Book" panose="020B0603030804020204" pitchFamily="34" charset="0"/>
+                      </a:endParaRPr>
+                    </a:p>
+                  </a:txBody>
+                  <a:tcPr/>
+                </a:tc>
+                <a:tc>
+                  <a:txBody>
+                    <a:bodyPr/>
+                    <a:lstStyle/>
+                    <a:p>
+                      <a:endParaRPr lang="en-GB" sz="1200" dirty="0">
+                        <a:latin typeface="DejaVu Sans Book" panose="020B0603030804020204" pitchFamily="34" charset="0"/>
+                        <a:ea typeface="DejaVu Sans Book" panose="020B0603030804020204" pitchFamily="34" charset="0"/>
+                        <a:cs typeface="DejaVu Sans Book" panose="020B0603030804020204" pitchFamily="34" charset="0"/>
+                      </a:endParaRPr>
+                    </a:p>
+                  </a:txBody>
+                  <a:tcPr/>
+                </a:tc>
+                <a:tc>
+                  <a:txBody>
+                    <a:bodyPr/>
+                    <a:lstStyle/>
+                    <a:p>
+                      <a:endParaRPr lang="en-GB" sz="1200">
+                        <a:latin typeface="DejaVu Sans Book" panose="020B0603030804020204" pitchFamily="34" charset="0"/>
+                        <a:ea typeface="DejaVu Sans Book" panose="020B0603030804020204" pitchFamily="34" charset="0"/>
+                        <a:cs typeface="DejaVu Sans Book" panose="020B0603030804020204" pitchFamily="34" charset="0"/>
+                      </a:endParaRPr>
+                    </a:p>
+                  </a:txBody>
+                  <a:tcPr/>
+                </a:tc>
+                <a:extLst>
+                  <a:ext uri="{0D108BD9-81ED-4DB2-BD59-A6C34878D82A}">
+                    <a16:rowId xmlns:a16="http://schemas.microsoft.com/office/drawing/2014/main" val="2724263722"/>
+                  </a:ext>
+                </a:extLst>
+              </a:tr>
+              <a:tr h="157757">
+                <a:tc>
+                  <a:txBody>
+                    <a:bodyPr/>
+                    <a:lstStyle/>
+                    <a:p>
+                      <a:endParaRPr lang="en-GB" sz="1200">
+                        <a:latin typeface="DejaVu Sans Book" panose="020B0603030804020204" pitchFamily="34" charset="0"/>
+                        <a:ea typeface="DejaVu Sans Book" panose="020B0603030804020204" pitchFamily="34" charset="0"/>
+                        <a:cs typeface="DejaVu Sans Book" panose="020B0603030804020204" pitchFamily="34" charset="0"/>
+                      </a:endParaRPr>
+                    </a:p>
+                  </a:txBody>
+                  <a:tcPr/>
+                </a:tc>
+                <a:tc>
+                  <a:txBody>
+                    <a:bodyPr/>
+                    <a:lstStyle/>
+                    <a:p>
+                      <a:r>
+                        <a:rPr lang="en-GB" sz="1200" dirty="0">
+                          <a:latin typeface="DejaVu Sans Book" panose="020B0603030804020204" pitchFamily="34" charset="0"/>
+                          <a:ea typeface="DejaVu Sans Book" panose="020B0603030804020204" pitchFamily="34" charset="0"/>
+                          <a:cs typeface="DejaVu Sans Book" panose="020B0603030804020204" pitchFamily="34" charset="0"/>
+                        </a:rPr>
+                        <a:t>2a</a:t>
+                      </a:r>
+                    </a:p>
+                  </a:txBody>
+                  <a:tcPr/>
+                </a:tc>
+                <a:tc>
+                  <a:txBody>
+                    <a:bodyPr/>
+                    <a:lstStyle/>
+                    <a:p>
+                      <a:r>
+                        <a:rPr lang="en-GB" sz="1200" dirty="0">
+                          <a:latin typeface="DejaVu Sans Book" panose="020B0603030804020204" pitchFamily="34" charset="0"/>
+                          <a:ea typeface="DejaVu Sans Book" panose="020B0603030804020204" pitchFamily="34" charset="0"/>
+                          <a:cs typeface="DejaVu Sans Book" panose="020B0603030804020204" pitchFamily="34" charset="0"/>
+                        </a:rPr>
+                        <a:t>true</a:t>
+                      </a:r>
+                    </a:p>
+                  </a:txBody>
+                  <a:tcPr/>
+                </a:tc>
+                <a:tc>
+                  <a:txBody>
+                    <a:bodyPr/>
+                    <a:lstStyle/>
+                    <a:p>
+                      <a:r>
+                        <a:rPr lang="en-GB" sz="1200" dirty="0">
+                          <a:latin typeface="DejaVu Sans Book" panose="020B0603030804020204" pitchFamily="34" charset="0"/>
+                          <a:ea typeface="DejaVu Sans Book" panose="020B0603030804020204" pitchFamily="34" charset="0"/>
+                          <a:cs typeface="DejaVu Sans Book" panose="020B0603030804020204" pitchFamily="34" charset="0"/>
+                        </a:rPr>
+                        <a:t>0</a:t>
+                      </a:r>
+                    </a:p>
+                  </a:txBody>
+                  <a:tcPr/>
+                </a:tc>
+                <a:tc>
+                  <a:txBody>
+                    <a:bodyPr/>
+                    <a:lstStyle/>
+                    <a:p>
+                      <a:r>
+                        <a:rPr lang="en-GB" sz="1200" dirty="0">
+                          <a:latin typeface="DejaVu Sans Book" panose="020B0603030804020204" pitchFamily="34" charset="0"/>
+                          <a:ea typeface="DejaVu Sans Book" panose="020B0603030804020204" pitchFamily="34" charset="0"/>
+                          <a:cs typeface="DejaVu Sans Book" panose="020B0603030804020204" pitchFamily="34" charset="0"/>
+                        </a:rPr>
+                        <a:t>"0b0"</a:t>
+                      </a:r>
+                    </a:p>
+                  </a:txBody>
+                  <a:tcPr/>
+                </a:tc>
+                <a:tc>
+                  <a:txBody>
+                    <a:bodyPr/>
+                    <a:lstStyle/>
+                    <a:p>
+                      <a:endParaRPr lang="en-GB" sz="1200">
+                        <a:latin typeface="DejaVu Sans Book" panose="020B0603030804020204" pitchFamily="34" charset="0"/>
+                        <a:ea typeface="DejaVu Sans Book" panose="020B0603030804020204" pitchFamily="34" charset="0"/>
+                        <a:cs typeface="DejaVu Sans Book" panose="020B0603030804020204" pitchFamily="34" charset="0"/>
+                      </a:endParaRPr>
+                    </a:p>
+                  </a:txBody>
+                  <a:tcPr/>
+                </a:tc>
+                <a:extLst>
+                  <a:ext uri="{0D108BD9-81ED-4DB2-BD59-A6C34878D82A}">
+                    <a16:rowId xmlns:a16="http://schemas.microsoft.com/office/drawing/2014/main" val="3655394169"/>
+                  </a:ext>
+                </a:extLst>
+              </a:tr>
+              <a:tr h="368100">
+                <a:tc>
+                  <a:txBody>
+                    <a:bodyPr/>
+                    <a:lstStyle/>
+                    <a:p>
+                      <a:endParaRPr lang="en-GB" sz="1200" dirty="0">
+                        <a:latin typeface="DejaVu Sans Book" panose="020B0603030804020204" pitchFamily="34" charset="0"/>
+                        <a:ea typeface="DejaVu Sans Book" panose="020B0603030804020204" pitchFamily="34" charset="0"/>
+                        <a:cs typeface="DejaVu Sans Book" panose="020B0603030804020204" pitchFamily="34" charset="0"/>
+                      </a:endParaRPr>
+                    </a:p>
+                  </a:txBody>
+                  <a:tcPr/>
+                </a:tc>
+                <a:tc>
+                  <a:txBody>
+                    <a:bodyPr/>
+                    <a:lstStyle/>
+                    <a:p>
+                      <a:r>
+                        <a:rPr lang="en-GB" sz="1200" dirty="0">
+                          <a:latin typeface="DejaVu Sans Book" panose="020B0603030804020204" pitchFamily="34" charset="0"/>
+                          <a:ea typeface="DejaVu Sans Book" panose="020B0603030804020204" pitchFamily="34" charset="0"/>
+                          <a:cs typeface="DejaVu Sans Book" panose="020B0603030804020204" pitchFamily="34" charset="0"/>
+                        </a:rPr>
+                        <a:t>2b</a:t>
+                      </a:r>
+                    </a:p>
+                  </a:txBody>
+                  <a:tcPr/>
+                </a:tc>
+                <a:tc>
+                  <a:txBody>
+                    <a:bodyPr/>
+                    <a:lstStyle/>
+                    <a:p>
+                      <a:r>
+                        <a:rPr lang="en-GB" sz="1200" dirty="0">
+                          <a:latin typeface="DejaVu Sans Book" panose="020B0603030804020204" pitchFamily="34" charset="0"/>
+                          <a:ea typeface="DejaVu Sans Book" panose="020B0603030804020204" pitchFamily="34" charset="0"/>
+                          <a:cs typeface="DejaVu Sans Book" panose="020B0603030804020204" pitchFamily="34" charset="0"/>
+                        </a:rPr>
+                        <a:t>branch 3</a:t>
+                      </a:r>
+                    </a:p>
+                  </a:txBody>
+                  <a:tcPr/>
+                </a:tc>
+                <a:tc>
+                  <a:txBody>
+                    <a:bodyPr/>
+                    <a:lstStyle/>
+                    <a:p>
+                      <a:endParaRPr lang="en-GB" sz="1200" dirty="0">
+                        <a:latin typeface="DejaVu Sans Book" panose="020B0603030804020204" pitchFamily="34" charset="0"/>
+                        <a:ea typeface="DejaVu Sans Book" panose="020B0603030804020204" pitchFamily="34" charset="0"/>
+                        <a:cs typeface="DejaVu Sans Book" panose="020B0603030804020204" pitchFamily="34" charset="0"/>
+                      </a:endParaRPr>
+                    </a:p>
+                  </a:txBody>
+                  <a:tcPr/>
+                </a:tc>
+                <a:tc>
+                  <a:txBody>
+                    <a:bodyPr/>
+                    <a:lstStyle/>
+                    <a:p>
+                      <a:pPr marL="0" marR="0" lvl="0" indent="0" algn="l" defTabSz="914400" rtl="0" eaLnBrk="1" fontAlgn="auto" latinLnBrk="0" hangingPunct="1">
+                        <a:lnSpc>
+                          <a:spcPct val="100000"/>
+                        </a:lnSpc>
+                        <a:spcBef>
+                          <a:spcPts val="0"/>
+                        </a:spcBef>
+                        <a:spcAft>
+                          <a:spcPts val="0"/>
+                        </a:spcAft>
+                        <a:buClrTx/>
+                        <a:buSzTx/>
+                        <a:buFontTx/>
+                        <a:buNone/>
+                        <a:tabLst/>
+                        <a:defRPr/>
+                      </a:pPr>
+                      <a:endParaRPr lang="en-GB" sz="1200" dirty="0">
+                        <a:latin typeface="DejaVu Sans Book" panose="020B0603030804020204" pitchFamily="34" charset="0"/>
+                        <a:ea typeface="DejaVu Sans Book" panose="020B0603030804020204" pitchFamily="34" charset="0"/>
+                        <a:cs typeface="DejaVu Sans Book" panose="020B0603030804020204" pitchFamily="34" charset="0"/>
+                      </a:endParaRPr>
+                    </a:p>
+                  </a:txBody>
+                  <a:tcPr/>
+                </a:tc>
+                <a:tc>
+                  <a:txBody>
+                    <a:bodyPr/>
+                    <a:lstStyle/>
+                    <a:p>
+                      <a:pPr marL="0" marR="0" lvl="0" indent="0" algn="l" defTabSz="914400" rtl="0" eaLnBrk="1" fontAlgn="auto" latinLnBrk="0" hangingPunct="1">
+                        <a:lnSpc>
+                          <a:spcPct val="100000"/>
+                        </a:lnSpc>
+                        <a:spcBef>
+                          <a:spcPts val="0"/>
+                        </a:spcBef>
+                        <a:spcAft>
+                          <a:spcPts val="0"/>
+                        </a:spcAft>
+                        <a:buClrTx/>
+                        <a:buSzTx/>
+                        <a:buFontTx/>
+                        <a:buNone/>
+                        <a:tabLst/>
+                        <a:defRPr/>
+                      </a:pPr>
+                      <a:r>
+                        <a:rPr lang="en-GB" sz="1200" dirty="0">
+                          <a:latin typeface="DejaVu Sans Book" panose="020B0603030804020204" pitchFamily="34" charset="0"/>
+                          <a:ea typeface="DejaVu Sans Book" panose="020B0603030804020204" pitchFamily="34" charset="0"/>
+                          <a:cs typeface="DejaVu Sans Book" panose="020B0603030804020204" pitchFamily="34" charset="0"/>
+                        </a:rPr>
+                        <a:t>Fall through</a:t>
+                      </a:r>
+                    </a:p>
+                  </a:txBody>
+                  <a:tcPr/>
+                </a:tc>
+                <a:extLst>
+                  <a:ext uri="{0D108BD9-81ED-4DB2-BD59-A6C34878D82A}">
+                    <a16:rowId xmlns:a16="http://schemas.microsoft.com/office/drawing/2014/main" val="3229732226"/>
+                  </a:ext>
+                </a:extLst>
+              </a:tr>
+              <a:tr h="262929">
+                <a:tc>
+                  <a:txBody>
+                    <a:bodyPr/>
+                    <a:lstStyle/>
+                    <a:p>
+                      <a:endParaRPr lang="en-GB" sz="1200" dirty="0">
+                        <a:latin typeface="DejaVu Sans Book" panose="020B0603030804020204" pitchFamily="34" charset="0"/>
+                        <a:ea typeface="DejaVu Sans Book" panose="020B0603030804020204" pitchFamily="34" charset="0"/>
+                        <a:cs typeface="DejaVu Sans Book" panose="020B0603030804020204" pitchFamily="34" charset="0"/>
+                      </a:endParaRPr>
+                    </a:p>
+                  </a:txBody>
+                  <a:tcPr/>
+                </a:tc>
+                <a:tc>
+                  <a:txBody>
+                    <a:bodyPr/>
+                    <a:lstStyle/>
+                    <a:p>
+                      <a:r>
+                        <a:rPr lang="en-GB" sz="1200" dirty="0">
+                          <a:latin typeface="DejaVu Sans Book" panose="020B0603030804020204" pitchFamily="34" charset="0"/>
+                          <a:ea typeface="DejaVu Sans Book" panose="020B0603030804020204" pitchFamily="34" charset="0"/>
+                          <a:cs typeface="DejaVu Sans Book" panose="020B0603030804020204" pitchFamily="34" charset="0"/>
+                        </a:rPr>
+                        <a:t>3 (n&gt;0)</a:t>
+                      </a:r>
+                    </a:p>
+                  </a:txBody>
+                  <a:tcPr/>
+                </a:tc>
+                <a:tc>
+                  <a:txBody>
+                    <a:bodyPr/>
+                    <a:lstStyle/>
+                    <a:p>
+                      <a:endParaRPr lang="en-GB" sz="1200" dirty="0">
+                        <a:latin typeface="DejaVu Sans Book" panose="020B0603030804020204" pitchFamily="34" charset="0"/>
+                        <a:ea typeface="DejaVu Sans Book" panose="020B0603030804020204" pitchFamily="34" charset="0"/>
+                        <a:cs typeface="DejaVu Sans Book" panose="020B0603030804020204" pitchFamily="34" charset="0"/>
+                      </a:endParaRPr>
+                    </a:p>
+                  </a:txBody>
+                  <a:tcPr/>
+                </a:tc>
+                <a:tc>
+                  <a:txBody>
+                    <a:bodyPr/>
+                    <a:lstStyle/>
+                    <a:p>
+                      <a:endParaRPr lang="en-GB" sz="1200">
+                        <a:latin typeface="DejaVu Sans Book" panose="020B0603030804020204" pitchFamily="34" charset="0"/>
+                        <a:ea typeface="DejaVu Sans Book" panose="020B0603030804020204" pitchFamily="34" charset="0"/>
+                        <a:cs typeface="DejaVu Sans Book" panose="020B0603030804020204" pitchFamily="34" charset="0"/>
+                      </a:endParaRPr>
+                    </a:p>
+                  </a:txBody>
+                  <a:tcPr/>
+                </a:tc>
+                <a:tc>
+                  <a:txBody>
+                    <a:bodyPr/>
+                    <a:lstStyle/>
+                    <a:p>
+                      <a:endParaRPr lang="en-GB" sz="1200">
+                        <a:latin typeface="DejaVu Sans Book" panose="020B0603030804020204" pitchFamily="34" charset="0"/>
+                        <a:ea typeface="DejaVu Sans Book" panose="020B0603030804020204" pitchFamily="34" charset="0"/>
+                        <a:cs typeface="DejaVu Sans Book" panose="020B0603030804020204" pitchFamily="34" charset="0"/>
+                      </a:endParaRPr>
+                    </a:p>
+                  </a:txBody>
+                  <a:tcPr/>
+                </a:tc>
+                <a:tc>
+                  <a:txBody>
+                    <a:bodyPr/>
+                    <a:lstStyle/>
+                    <a:p>
+                      <a:endParaRPr lang="en-GB" sz="1200">
+                        <a:latin typeface="DejaVu Sans Book" panose="020B0603030804020204" pitchFamily="34" charset="0"/>
+                        <a:ea typeface="DejaVu Sans Book" panose="020B0603030804020204" pitchFamily="34" charset="0"/>
+                        <a:cs typeface="DejaVu Sans Book" panose="020B0603030804020204" pitchFamily="34" charset="0"/>
+                      </a:endParaRPr>
+                    </a:p>
+                  </a:txBody>
+                  <a:tcPr/>
+                </a:tc>
+                <a:extLst>
+                  <a:ext uri="{0D108BD9-81ED-4DB2-BD59-A6C34878D82A}">
+                    <a16:rowId xmlns:a16="http://schemas.microsoft.com/office/drawing/2014/main" val="3952858742"/>
+                  </a:ext>
+                </a:extLst>
+              </a:tr>
+              <a:tr h="157757">
+                <a:tc>
+                  <a:txBody>
+                    <a:bodyPr/>
+                    <a:lstStyle/>
+                    <a:p>
+                      <a:endParaRPr lang="en-GB" sz="1200" dirty="0">
+                        <a:latin typeface="DejaVu Sans Book" panose="020B0603030804020204" pitchFamily="34" charset="0"/>
+                        <a:ea typeface="DejaVu Sans Book" panose="020B0603030804020204" pitchFamily="34" charset="0"/>
+                        <a:cs typeface="DejaVu Sans Book" panose="020B0603030804020204" pitchFamily="34" charset="0"/>
+                      </a:endParaRPr>
+                    </a:p>
+                  </a:txBody>
+                  <a:tcPr/>
+                </a:tc>
+                <a:tc>
+                  <a:txBody>
+                    <a:bodyPr/>
+                    <a:lstStyle/>
+                    <a:p>
+                      <a:r>
+                        <a:rPr lang="en-GB" sz="1200" dirty="0">
+                          <a:latin typeface="DejaVu Sans Book" panose="020B0603030804020204" pitchFamily="34" charset="0"/>
+                          <a:ea typeface="DejaVu Sans Book" panose="020B0603030804020204" pitchFamily="34" charset="0"/>
+                          <a:cs typeface="DejaVu Sans Book" panose="020B0603030804020204" pitchFamily="34" charset="0"/>
+                        </a:rPr>
+                        <a:t>3a</a:t>
+                      </a:r>
+                    </a:p>
+                  </a:txBody>
+                  <a:tcPr/>
+                </a:tc>
+                <a:tc>
+                  <a:txBody>
+                    <a:bodyPr/>
+                    <a:lstStyle/>
+                    <a:p>
+                      <a:r>
+                        <a:rPr lang="en-GB" sz="1200" dirty="0">
+                          <a:latin typeface="DejaVu Sans Book" panose="020B0603030804020204" pitchFamily="34" charset="0"/>
+                          <a:ea typeface="DejaVu Sans Book" panose="020B0603030804020204" pitchFamily="34" charset="0"/>
+                          <a:cs typeface="DejaVu Sans Book" panose="020B0603030804020204" pitchFamily="34" charset="0"/>
+                        </a:rPr>
+                        <a:t>true</a:t>
+                      </a:r>
+                    </a:p>
+                  </a:txBody>
+                  <a:tcPr/>
+                </a:tc>
+                <a:tc>
+                  <a:txBody>
+                    <a:bodyPr/>
+                    <a:lstStyle/>
+                    <a:p>
+                      <a:r>
+                        <a:rPr lang="en-GB" sz="1200" dirty="0">
+                          <a:latin typeface="DejaVu Sans Book" panose="020B0603030804020204" pitchFamily="34" charset="0"/>
+                          <a:ea typeface="DejaVu Sans Book" panose="020B0603030804020204" pitchFamily="34" charset="0"/>
+                          <a:cs typeface="DejaVu Sans Book" panose="020B0603030804020204" pitchFamily="34" charset="0"/>
+                        </a:rPr>
+                        <a:t>1</a:t>
+                      </a:r>
+                    </a:p>
+                  </a:txBody>
+                  <a:tcPr/>
+                </a:tc>
+                <a:tc>
+                  <a:txBody>
+                    <a:bodyPr/>
+                    <a:lstStyle/>
+                    <a:p>
+                      <a:r>
+                        <a:rPr lang="en-GB" sz="1200" dirty="0">
+                          <a:latin typeface="DejaVu Sans Book" panose="020B0603030804020204" pitchFamily="34" charset="0"/>
+                          <a:ea typeface="DejaVu Sans Book" panose="020B0603030804020204" pitchFamily="34" charset="0"/>
+                          <a:cs typeface="DejaVu Sans Book" panose="020B0603030804020204" pitchFamily="34" charset="0"/>
+                        </a:rPr>
+                        <a:t>"0b1"</a:t>
+                      </a:r>
+                    </a:p>
+                  </a:txBody>
+                  <a:tcPr/>
+                </a:tc>
+                <a:tc>
+                  <a:txBody>
+                    <a:bodyPr/>
+                    <a:lstStyle/>
+                    <a:p>
+                      <a:endParaRPr lang="en-GB" sz="1200" dirty="0">
+                        <a:latin typeface="DejaVu Sans Book" panose="020B0603030804020204" pitchFamily="34" charset="0"/>
+                        <a:ea typeface="DejaVu Sans Book" panose="020B0603030804020204" pitchFamily="34" charset="0"/>
+                        <a:cs typeface="DejaVu Sans Book" panose="020B0603030804020204" pitchFamily="34" charset="0"/>
+                      </a:endParaRPr>
+                    </a:p>
+                  </a:txBody>
+                  <a:tcPr/>
+                </a:tc>
+                <a:extLst>
+                  <a:ext uri="{0D108BD9-81ED-4DB2-BD59-A6C34878D82A}">
+                    <a16:rowId xmlns:a16="http://schemas.microsoft.com/office/drawing/2014/main" val="605619771"/>
+                  </a:ext>
+                </a:extLst>
+              </a:tr>
+              <a:tr h="157757">
+                <a:tc>
+                  <a:txBody>
+                    <a:bodyPr/>
+                    <a:lstStyle/>
+                    <a:p>
+                      <a:endParaRPr lang="en-GB" sz="1200">
+                        <a:latin typeface="DejaVu Sans Book" panose="020B0603030804020204" pitchFamily="34" charset="0"/>
+                        <a:ea typeface="DejaVu Sans Book" panose="020B0603030804020204" pitchFamily="34" charset="0"/>
+                        <a:cs typeface="DejaVu Sans Book" panose="020B0603030804020204" pitchFamily="34" charset="0"/>
+                      </a:endParaRPr>
+                    </a:p>
+                  </a:txBody>
+                  <a:tcPr/>
+                </a:tc>
+                <a:tc>
+                  <a:txBody>
+                    <a:bodyPr/>
+                    <a:lstStyle/>
+                    <a:p>
+                      <a:r>
+                        <a:rPr lang="en-GB" sz="1200" dirty="0">
+                          <a:latin typeface="DejaVu Sans Book" panose="020B0603030804020204" pitchFamily="34" charset="0"/>
+                          <a:ea typeface="DejaVu Sans Book" panose="020B0603030804020204" pitchFamily="34" charset="0"/>
+                          <a:cs typeface="DejaVu Sans Book" panose="020B0603030804020204" pitchFamily="34" charset="0"/>
+                        </a:rPr>
+                        <a:t>3b</a:t>
+                      </a:r>
+                    </a:p>
+                  </a:txBody>
+                  <a:tcPr/>
+                </a:tc>
+                <a:tc>
+                  <a:txBody>
+                    <a:bodyPr/>
+                    <a:lstStyle/>
+                    <a:p>
+                      <a:r>
+                        <a:rPr lang="en-GB" sz="1200" dirty="0">
+                          <a:latin typeface="DejaVu Sans Book" panose="020B0603030804020204" pitchFamily="34" charset="0"/>
+                          <a:ea typeface="DejaVu Sans Book" panose="020B0603030804020204" pitchFamily="34" charset="0"/>
+                          <a:cs typeface="DejaVu Sans Book" panose="020B0603030804020204" pitchFamily="34" charset="0"/>
+                        </a:rPr>
+                        <a:t>false</a:t>
+                      </a:r>
+                    </a:p>
+                  </a:txBody>
+                  <a:tcPr/>
+                </a:tc>
+                <a:tc>
+                  <a:txBody>
+                    <a:bodyPr/>
+                    <a:lstStyle/>
+                    <a:p>
+                      <a:r>
+                        <a:rPr lang="en-GB" sz="1200" dirty="0">
+                          <a:latin typeface="DejaVu Sans Book" panose="020B0603030804020204" pitchFamily="34" charset="0"/>
+                          <a:ea typeface="DejaVu Sans Book" panose="020B0603030804020204" pitchFamily="34" charset="0"/>
+                          <a:cs typeface="DejaVu Sans Book" panose="020B0603030804020204" pitchFamily="34" charset="0"/>
+                        </a:rPr>
+                        <a:t>1</a:t>
+                      </a:r>
+                    </a:p>
+                  </a:txBody>
+                  <a:tcPr/>
+                </a:tc>
+                <a:tc>
+                  <a:txBody>
+                    <a:bodyPr/>
+                    <a:lstStyle/>
+                    <a:p>
+                      <a:r>
+                        <a:rPr lang="en-GB" sz="1200" dirty="0">
+                          <a:latin typeface="DejaVu Sans Book" panose="020B0603030804020204" pitchFamily="34" charset="0"/>
+                          <a:ea typeface="DejaVu Sans Book" panose="020B0603030804020204" pitchFamily="34" charset="0"/>
+                          <a:cs typeface="DejaVu Sans Book" panose="020B0603030804020204" pitchFamily="34" charset="0"/>
+                        </a:rPr>
+                        <a:t>"0b1"</a:t>
+                      </a:r>
+                    </a:p>
+                  </a:txBody>
+                  <a:tcPr/>
+                </a:tc>
+                <a:tc>
+                  <a:txBody>
+                    <a:bodyPr/>
+                    <a:lstStyle/>
+                    <a:p>
+                      <a:endParaRPr lang="en-GB" sz="1200" dirty="0">
+                        <a:latin typeface="DejaVu Sans Book" panose="020B0603030804020204" pitchFamily="34" charset="0"/>
+                        <a:ea typeface="DejaVu Sans Book" panose="020B0603030804020204" pitchFamily="34" charset="0"/>
+                        <a:cs typeface="DejaVu Sans Book" panose="020B0603030804020204" pitchFamily="34" charset="0"/>
+                      </a:endParaRPr>
+                    </a:p>
+                  </a:txBody>
+                  <a:tcPr/>
+                </a:tc>
+                <a:extLst>
+                  <a:ext uri="{0D108BD9-81ED-4DB2-BD59-A6C34878D82A}">
+                    <a16:rowId xmlns:a16="http://schemas.microsoft.com/office/drawing/2014/main" val="3708340843"/>
+                  </a:ext>
+                </a:extLst>
+              </a:tr>
+            </a:tbl>
+          </a:graphicData>
+        </a:graphic>
+      </p:graphicFrame>
+      <p:sp>
+        <p:nvSpPr>
+          <p:cNvPr id="11" name="Rectangle 10">
+            <a:extLst>
+              <a:ext uri="{FF2B5EF4-FFF2-40B4-BE49-F238E27FC236}">
+                <a16:creationId xmlns:a16="http://schemas.microsoft.com/office/drawing/2014/main" id="{E656735C-B1EC-AC44-AC2D-49CFBC80FFAF}"/>
+              </a:ext>
+            </a:extLst>
+          </p:cNvPr>
+          <p:cNvSpPr/>
+          <p:nvPr/>
+        </p:nvSpPr>
+        <p:spPr>
+          <a:xfrm>
+            <a:off x="6668073" y="4869758"/>
+            <a:ext cx="5523927" cy="1569660"/>
+          </a:xfrm>
+          <a:prstGeom prst="rect">
+            <a:avLst/>
+          </a:prstGeom>
+        </p:spPr>
+        <p:txBody>
+          <a:bodyPr wrap="square">
+            <a:spAutoFit/>
+          </a:bodyPr>
+          <a:lstStyle/>
+          <a:p>
+            <a:r>
+              <a:rPr lang="en-GB" sz="1600" dirty="0">
+                <a:latin typeface="DejaVu Sans Book" panose="020B0603030804020204" pitchFamily="34" charset="0"/>
+                <a:ea typeface="DejaVu Sans Book" panose="020B0603030804020204" pitchFamily="34" charset="0"/>
+                <a:cs typeface="DejaVu Sans Book" panose="020B0603030804020204" pitchFamily="34" charset="0"/>
+              </a:rPr>
+              <a:t>$ </a:t>
+            </a:r>
+            <a:r>
+              <a:rPr lang="en-GB" sz="1600" dirty="0" err="1">
+                <a:latin typeface="DejaVu Sans Book" panose="020B0603030804020204" pitchFamily="34" charset="0"/>
+                <a:ea typeface="DejaVu Sans Book" panose="020B0603030804020204" pitchFamily="34" charset="0"/>
+                <a:cs typeface="DejaVu Sans Book" panose="020B0603030804020204" pitchFamily="34" charset="0"/>
+              </a:rPr>
+              <a:t>fsharpi</a:t>
+            </a:r>
+            <a:r>
+              <a:rPr lang="en-GB" sz="1600" dirty="0">
+                <a:latin typeface="DejaVu Sans Book" panose="020B0603030804020204" pitchFamily="34" charset="0"/>
+                <a:ea typeface="DejaVu Sans Book" panose="020B0603030804020204" pitchFamily="34" charset="0"/>
+                <a:cs typeface="DejaVu Sans Book" panose="020B0603030804020204" pitchFamily="34" charset="0"/>
+              </a:rPr>
+              <a:t> dec2binWhiteTest.fsx</a:t>
+            </a:r>
+          </a:p>
+          <a:p>
+            <a:r>
+              <a:rPr lang="en-GB" sz="1600" dirty="0">
+                <a:latin typeface="DejaVu Sans Book" panose="020B0603030804020204" pitchFamily="34" charset="0"/>
+                <a:ea typeface="DejaVu Sans Book" panose="020B0603030804020204" pitchFamily="34" charset="0"/>
+                <a:cs typeface="DejaVu Sans Book" panose="020B0603030804020204" pitchFamily="34" charset="0"/>
+              </a:rPr>
+              <a:t>White-box testing of dec2bin.fsx</a:t>
+            </a:r>
+          </a:p>
+          <a:p>
+            <a:r>
+              <a:rPr lang="en-GB" sz="1600" dirty="0">
+                <a:latin typeface="DejaVu Sans Book" panose="020B0603030804020204" pitchFamily="34" charset="0"/>
+                <a:ea typeface="DejaVu Sans Book" panose="020B0603030804020204" pitchFamily="34" charset="0"/>
+                <a:cs typeface="DejaVu Sans Book" panose="020B0603030804020204" pitchFamily="34" charset="0"/>
+              </a:rPr>
+              <a:t>  Unit: dec2bin</a:t>
+            </a:r>
+          </a:p>
+          <a:p>
+            <a:r>
+              <a:rPr lang="en-GB" sz="1600" dirty="0">
+                <a:latin typeface="DejaVu Sans Book" panose="020B0603030804020204" pitchFamily="34" charset="0"/>
+                <a:ea typeface="DejaVu Sans Book" panose="020B0603030804020204" pitchFamily="34" charset="0"/>
+                <a:cs typeface="DejaVu Sans Book" panose="020B0603030804020204" pitchFamily="34" charset="0"/>
+              </a:rPr>
+              <a:t>    Branch: 1a - true</a:t>
+            </a:r>
+          </a:p>
+          <a:p>
+            <a:r>
+              <a:rPr lang="en-GB" sz="1600" dirty="0">
+                <a:latin typeface="DejaVu Sans Book" panose="020B0603030804020204" pitchFamily="34" charset="0"/>
+                <a:ea typeface="DejaVu Sans Book" panose="020B0603030804020204" pitchFamily="34" charset="0"/>
+                <a:cs typeface="DejaVu Sans Book" panose="020B0603030804020204" pitchFamily="34" charset="0"/>
+              </a:rPr>
+              <a:t>    Branch: 2a - true</a:t>
+            </a:r>
+          </a:p>
+          <a:p>
+            <a:r>
+              <a:rPr lang="en-GB" sz="1600" dirty="0">
+                <a:latin typeface="DejaVu Sans Book" panose="020B0603030804020204" pitchFamily="34" charset="0"/>
+                <a:ea typeface="DejaVu Sans Book" panose="020B0603030804020204" pitchFamily="34" charset="0"/>
+                <a:cs typeface="DejaVu Sans Book" panose="020B0603030804020204" pitchFamily="34" charset="0"/>
+              </a:rPr>
+              <a:t>    Branch: 3a - true</a:t>
+            </a:r>
+          </a:p>
+        </p:txBody>
+      </p:sp>
+      <p:cxnSp>
+        <p:nvCxnSpPr>
+          <p:cNvPr id="12" name="Straight Connector 11">
+            <a:extLst>
+              <a:ext uri="{FF2B5EF4-FFF2-40B4-BE49-F238E27FC236}">
+                <a16:creationId xmlns:a16="http://schemas.microsoft.com/office/drawing/2014/main" id="{C637B8AF-C58C-2848-AB32-2980467C7F59}"/>
+              </a:ext>
+            </a:extLst>
+          </p:cNvPr>
+          <p:cNvCxnSpPr>
+            <a:cxnSpLocks/>
+          </p:cNvCxnSpPr>
+          <p:nvPr/>
+        </p:nvCxnSpPr>
+        <p:spPr>
+          <a:xfrm flipV="1">
+            <a:off x="6413679" y="4533363"/>
+            <a:ext cx="5533622" cy="12879"/>
+          </a:xfrm>
+          <a:prstGeom prst="line">
+            <a:avLst/>
+          </a:prstGeom>
+        </p:spPr>
+        <p:style>
+          <a:lnRef idx="1">
+            <a:schemeClr val="accent1"/>
+          </a:lnRef>
+          <a:fillRef idx="0">
+            <a:schemeClr val="accent1"/>
+          </a:fillRef>
+          <a:effectRef idx="0">
+            <a:schemeClr val="accent1"/>
+          </a:effectRef>
+          <a:fontRef idx="minor">
+            <a:schemeClr val="tx1"/>
+          </a:fontRef>
+        </p:style>
+      </p:cxnSp>
+      <p:cxnSp>
+        <p:nvCxnSpPr>
+          <p:cNvPr id="13" name="Straight Connector 12">
+            <a:extLst>
+              <a:ext uri="{FF2B5EF4-FFF2-40B4-BE49-F238E27FC236}">
+                <a16:creationId xmlns:a16="http://schemas.microsoft.com/office/drawing/2014/main" id="{8A9E52AB-1193-7A4E-934B-99D78A8F1CCB}"/>
+              </a:ext>
+            </a:extLst>
+          </p:cNvPr>
+          <p:cNvCxnSpPr>
+            <a:cxnSpLocks/>
+          </p:cNvCxnSpPr>
+          <p:nvPr/>
+        </p:nvCxnSpPr>
+        <p:spPr>
+          <a:xfrm>
+            <a:off x="6413679" y="4533363"/>
+            <a:ext cx="0" cy="2137893"/>
+          </a:xfrm>
+          <a:prstGeom prst="line">
+            <a:avLst/>
+          </a:prstGeom>
+        </p:spPr>
+        <p:style>
+          <a:lnRef idx="1">
+            <a:schemeClr val="accent1"/>
+          </a:lnRef>
+          <a:fillRef idx="0">
+            <a:schemeClr val="accent1"/>
+          </a:fillRef>
+          <a:effectRef idx="0">
+            <a:schemeClr val="accent1"/>
+          </a:effectRef>
+          <a:fontRef idx="minor">
+            <a:schemeClr val="tx1"/>
+          </a:fontRef>
+        </p:style>
+      </p:cxnSp>
+    </p:spTree>
+    <p:extLst>
+      <p:ext uri="{BB962C8B-B14F-4D97-AF65-F5344CB8AC3E}">
+        <p14:creationId xmlns:p14="http://schemas.microsoft.com/office/powerpoint/2010/main" val="1049736755"/>
+      </p:ext>
+    </p:extLst>
+  </p:cSld>
+  <p:clrMapOvr>
+    <a:masterClrMapping/>
+  </p:clrMapOvr>
+  <p:timing>
+    <p:tnLst>
+      <p:par>
+        <p:cTn id="1" dur="indefinite" restart="never" nodeType="tmRoot">
+          <p:childTnLst>
+            <p:seq concurrent="1" nextAc="seek">
+              <p:cTn id="2" dur="indefinite" nodeType="mainSeq">
+                <p:childTnLst>
+                  <p:par>
+                    <p:cTn id="3" fill="hold">
+                      <p:stCondLst>
+                        <p:cond delay="indefinite"/>
+                      </p:stCondLst>
+                      <p:childTnLst>
+                        <p:par>
+                          <p:cTn id="4" fill="hold">
+                            <p:stCondLst>
+                              <p:cond delay="0"/>
+                            </p:stCondLst>
+                            <p:childTnLst>
+                              <p:par>
+                                <p:cTn id="5" presetID="1" presetClass="entr" presetSubtype="0" fill="hold" nodeType="clickEffect">
+                                  <p:stCondLst>
+                                    <p:cond delay="0"/>
+                                  </p:stCondLst>
+                                  <p:childTnLst>
+                                    <p:set>
+                                      <p:cBhvr>
+                                        <p:cTn id="6" dur="1" fill="hold">
+                                          <p:stCondLst>
+                                            <p:cond delay="0"/>
+                                          </p:stCondLst>
+                                        </p:cTn>
+                                        <p:tgtEl>
+                                          <p:spTgt spid="13"/>
+                                        </p:tgtEl>
+                                        <p:attrNameLst>
+                                          <p:attrName>style.visibility</p:attrName>
+                                        </p:attrNameLst>
+                                      </p:cBhvr>
+                                      <p:to>
+                                        <p:strVal val="visible"/>
+                                      </p:to>
+                                    </p:set>
+                                  </p:childTnLst>
+                                </p:cTn>
+                              </p:par>
+                              <p:par>
+                                <p:cTn id="7" presetID="1" presetClass="entr" presetSubtype="0" fill="hold" nodeType="withEffect">
+                                  <p:stCondLst>
+                                    <p:cond delay="0"/>
+                                  </p:stCondLst>
+                                  <p:childTnLst>
+                                    <p:set>
+                                      <p:cBhvr>
+                                        <p:cTn id="8" dur="1" fill="hold">
+                                          <p:stCondLst>
+                                            <p:cond delay="0"/>
+                                          </p:stCondLst>
+                                        </p:cTn>
+                                        <p:tgtEl>
+                                          <p:spTgt spid="12"/>
+                                        </p:tgtEl>
+                                        <p:attrNameLst>
+                                          <p:attrName>style.visibility</p:attrName>
+                                        </p:attrNameLst>
+                                      </p:cBhvr>
+                                      <p:to>
+                                        <p:strVal val="visible"/>
+                                      </p:to>
+                                    </p:set>
+                                  </p:childTnLst>
+                                </p:cTn>
+                              </p:par>
+                              <p:par>
+                                <p:cTn id="9" presetID="1" presetClass="entr" presetSubtype="0" fill="hold" grpId="0" nodeType="withEffect">
+                                  <p:stCondLst>
+                                    <p:cond delay="0"/>
+                                  </p:stCondLst>
+                                  <p:childTnLst>
+                                    <p:set>
+                                      <p:cBhvr>
+                                        <p:cTn id="10" dur="1" fill="hold">
+                                          <p:stCondLst>
+                                            <p:cond delay="0"/>
+                                          </p:stCondLst>
+                                        </p:cTn>
+                                        <p:tgtEl>
+                                          <p:spTgt spid="11"/>
+                                        </p:tgtEl>
+                                        <p:attrNameLst>
+                                          <p:attrName>style.visibility</p:attrName>
+                                        </p:attrNameLst>
+                                      </p:cBhvr>
+                                      <p:to>
+                                        <p:strVal val="visible"/>
+                                      </p:to>
+                                    </p:set>
+                                  </p:childTnLst>
+                                </p:cTn>
+                              </p:par>
+                            </p:childTnLst>
+                          </p:cTn>
+                        </p:par>
+                      </p:childTnLst>
+                    </p:cTn>
+                  </p:par>
+                </p:childTnLst>
+              </p:cTn>
+              <p:prevCondLst>
+                <p:cond evt="onPrev" delay="0">
+                  <p:tgtEl>
+                    <p:sldTgt/>
+                  </p:tgtEl>
+                </p:cond>
+              </p:prevCondLst>
+              <p:nextCondLst>
+                <p:cond evt="onNext" delay="0">
+                  <p:tgtEl>
+                    <p:sldTgt/>
+                  </p:tgtEl>
+                </p:cond>
+              </p:nextCondLst>
+            </p:seq>
+          </p:childTnLst>
+        </p:cTn>
+      </p:par>
+    </p:tnLst>
+    <p:bldLst>
+      <p:bldP spid="11" grpId="0"/>
+    </p:bldLst>
+  </p:timing>
+</p:sld>
+</file>
+
+<file path=ppt/slides/slide11.xml><?xml version="1.0" encoding="utf-8"?>
 <p:sld xmlns:a="http://schemas.openxmlformats.org/drawingml/2006/main" xmlns:r="http://schemas.openxmlformats.org/officeDocument/2006/relationships" xmlns:p="http://schemas.openxmlformats.org/presentationml/2006/main">
   <p:cSld>
     <p:spTree>
@@ -3850,14 +5779,6 @@
 <file path=ppt/slides/slide2.xml><?xml version="1.0" encoding="utf-8"?>
 <p:sld xmlns:a="http://schemas.openxmlformats.org/drawingml/2006/main" xmlns:r="http://schemas.openxmlformats.org/officeDocument/2006/relationships" xmlns:p="http://schemas.openxmlformats.org/presentationml/2006/main">
   <p:cSld>
-    <p:bg>
-      <p:bgPr>
-        <a:solidFill>
-          <a:schemeClr val="bg1"/>
-        </a:solidFill>
-        <a:effectLst/>
-      </p:bgPr>
-    </p:bg>
     <p:spTree>
       <p:nvGrpSpPr>
         <p:cNvPr id="1" name=""/>
@@ -3877,7 +5798,7 @@
           <p:cNvPr id="2" name="Title 1">
             <a:extLst>
               <a:ext uri="{FF2B5EF4-FFF2-40B4-BE49-F238E27FC236}">
-                <a16:creationId xmlns:a16="http://schemas.microsoft.com/office/drawing/2014/main" id="{6B7B5506-8EDB-D847-8FE9-3643EB4D4F62}"/>
+                <a16:creationId xmlns:a16="http://schemas.microsoft.com/office/drawing/2014/main" id="{E7A89428-8DC7-4244-9D65-5FDF3815ADBB}"/>
               </a:ext>
             </a:extLst>
           </p:cNvPr>
@@ -3888,121 +5809,25 @@
             <p:ph type="title"/>
           </p:nvPr>
         </p:nvSpPr>
-        <p:spPr>
-          <a:xfrm>
-            <a:off x="394855" y="-63044"/>
-            <a:ext cx="7019562" cy="905743"/>
-          </a:xfrm>
-        </p:spPr>
+        <p:spPr/>
         <p:txBody>
-          <a:bodyPr>
-            <a:normAutofit/>
-          </a:bodyPr>
+          <a:bodyPr/>
           <a:lstStyle/>
           <a:p>
             <a:r>
-              <a:rPr lang="da-DK" dirty="0"/>
-              <a:t>Repetition af Nøglekoncepter</a:t>
-            </a:r>
+              <a:rPr lang="en-GB" dirty="0" err="1"/>
+              <a:t>Tupler</a:t>
+            </a:r>
+            <a:endParaRPr lang="en-GB" dirty="0"/>
           </a:p>
         </p:txBody>
       </p:sp>
       <p:sp>
         <p:nvSpPr>
-          <p:cNvPr id="3" name="Content Placeholder 2">
+          <p:cNvPr id="4" name="Content Placeholder 2">
             <a:extLst>
               <a:ext uri="{FF2B5EF4-FFF2-40B4-BE49-F238E27FC236}">
-                <a16:creationId xmlns:a16="http://schemas.microsoft.com/office/drawing/2014/main" id="{9C13CA59-EE31-B244-B01E-FDD597FFCEDA}"/>
-              </a:ext>
-            </a:extLst>
-          </p:cNvPr>
-          <p:cNvSpPr>
-            <a:spLocks noGrp="1"/>
-          </p:cNvSpPr>
-          <p:nvPr>
-            <p:ph idx="1"/>
-          </p:nvPr>
-        </p:nvSpPr>
-        <p:spPr>
-          <a:xfrm>
-            <a:off x="671098" y="926616"/>
-            <a:ext cx="5127029" cy="1809582"/>
-          </a:xfrm>
-        </p:spPr>
-        <p:txBody>
-          <a:bodyPr>
-            <a:normAutofit/>
-          </a:bodyPr>
-          <a:lstStyle/>
-          <a:p>
-            <a:r>
-              <a:rPr lang="da-DK" sz="2200" dirty="0" err="1"/>
-              <a:t>Tupler</a:t>
-            </a:r>
-            <a:endParaRPr lang="da-DK" sz="2200" dirty="0"/>
-          </a:p>
-          <a:p>
-            <a:r>
-              <a:rPr lang="da-DK" sz="2200" dirty="0"/>
-              <a:t>Betingelser</a:t>
-            </a:r>
-            <a:r>
-              <a:rPr lang="da-DK" dirty="0"/>
-              <a:t> </a:t>
-            </a:r>
-          </a:p>
-          <a:p>
-            <a:pPr marL="0" indent="0">
-              <a:buNone/>
-            </a:pPr>
-            <a:endParaRPr lang="da-DK" dirty="0"/>
-          </a:p>
-        </p:txBody>
-      </p:sp>
-      <p:cxnSp>
-        <p:nvCxnSpPr>
-          <p:cNvPr id="8" name="Straight Connector 7">
-            <a:extLst>
-              <a:ext uri="{FF2B5EF4-FFF2-40B4-BE49-F238E27FC236}">
-                <a16:creationId xmlns:a16="http://schemas.microsoft.com/office/drawing/2014/main" id="{C2060383-286E-E84D-B7A6-3D64823B2436}"/>
-              </a:ext>
-            </a:extLst>
-          </p:cNvPr>
-          <p:cNvCxnSpPr>
-            <a:cxnSpLocks/>
-          </p:cNvCxnSpPr>
-          <p:nvPr/>
-        </p:nvCxnSpPr>
-        <p:spPr>
-          <a:xfrm>
-            <a:off x="5465617" y="759571"/>
-            <a:ext cx="0" cy="1819957"/>
-          </a:xfrm>
-          <a:prstGeom prst="line">
-            <a:avLst/>
-          </a:prstGeom>
-        </p:spPr>
-        <p:style>
-          <a:lnRef idx="1">
-            <a:schemeClr val="accent1"/>
-          </a:lnRef>
-          <a:fillRef idx="0">
-            <a:schemeClr val="accent1"/>
-          </a:fillRef>
-          <a:effectRef idx="0">
-            <a:schemeClr val="accent1"/>
-          </a:effectRef>
-          <a:fontRef idx="minor">
-            <a:schemeClr val="tx1"/>
-          </a:fontRef>
-        </p:style>
-      </p:cxnSp>
-      <p:sp>
-        <p:nvSpPr>
-          <p:cNvPr id="9" name="Content Placeholder 2">
-            <a:extLst>
-              <a:ext uri="{FF2B5EF4-FFF2-40B4-BE49-F238E27FC236}">
-                <a16:creationId xmlns:a16="http://schemas.microsoft.com/office/drawing/2014/main" id="{EDD97D87-9B06-6948-A4E2-4B8370B54A71}"/>
+                <a16:creationId xmlns:a16="http://schemas.microsoft.com/office/drawing/2014/main" id="{1309FA8B-C694-4244-A06C-91BD15DB9C4E}"/>
               </a:ext>
             </a:extLst>
           </p:cNvPr>
@@ -4013,8 +5838,8 @@
         </p:nvSpPr>
         <p:spPr>
           <a:xfrm>
-            <a:off x="6130636" y="763600"/>
-            <a:ext cx="5392770" cy="2192933"/>
+            <a:off x="1186069" y="2724210"/>
+            <a:ext cx="4381500" cy="1629130"/>
           </a:xfrm>
           <a:prstGeom prst="rect">
             <a:avLst/>
@@ -4022,7 +5847,7 @@
         </p:spPr>
         <p:txBody>
           <a:bodyPr vert="horz" lIns="91440" tIns="45720" rIns="91440" bIns="45720" rtlCol="0">
-            <a:normAutofit/>
+            <a:noAutofit/>
           </a:bodyPr>
           <a:lstStyle>
             <a:lvl1pPr marL="228600" indent="-228600" algn="l" defTabSz="914400" rtl="0" eaLnBrk="1" latinLnBrk="0" hangingPunct="1">
@@ -4189,47 +6014,130 @@
             </a:lvl9pPr>
           </a:lstStyle>
           <a:p>
-            <a:r>
-              <a:rPr lang="da-DK" sz="2200" dirty="0"/>
-              <a:t>Stakken og bunken</a:t>
-            </a:r>
-          </a:p>
-          <a:p>
-            <a:r>
-              <a:rPr lang="da-DK" sz="2200" dirty="0"/>
-              <a:t>Referenceceller</a:t>
-            </a:r>
-          </a:p>
-          <a:p>
-            <a:r>
-              <a:rPr lang="da-DK" sz="2200" dirty="0"/>
-              <a:t>Højere-ordens funktioner</a:t>
-            </a:r>
-          </a:p>
-          <a:p>
-            <a:r>
-              <a:rPr lang="da-DK" sz="2200" dirty="0"/>
-              <a:t>Anonyme funktioner</a:t>
-            </a:r>
-            <a:r>
-              <a:rPr lang="da-DK" dirty="0"/>
-              <a:t> </a:t>
-            </a:r>
-          </a:p>
-          <a:p>
             <a:pPr marL="0" indent="0">
+              <a:lnSpc>
+                <a:spcPct val="100000"/>
+              </a:lnSpc>
               <a:buNone/>
             </a:pPr>
-            <a:endParaRPr lang="da-DK" dirty="0"/>
+            <a:endParaRPr lang="en-GB" sz="1600" dirty="0">
+              <a:latin typeface="DejaVu Sans Book" panose="020B0603030804020204" pitchFamily="34" charset="0"/>
+              <a:ea typeface="DejaVu Sans Book" panose="020B0603030804020204" pitchFamily="34" charset="0"/>
+              <a:cs typeface="DejaVu Sans Book" panose="020B0603030804020204" pitchFamily="34" charset="0"/>
+            </a:endParaRPr>
+          </a:p>
+          <a:p>
+            <a:pPr marL="0" indent="0">
+              <a:lnSpc>
+                <a:spcPct val="100000"/>
+              </a:lnSpc>
+              <a:buNone/>
+            </a:pPr>
+            <a:r>
+              <a:rPr lang="en-GB" sz="1600" dirty="0">
+                <a:latin typeface="DejaVu Sans Book" panose="020B0603030804020204" pitchFamily="34" charset="0"/>
+                <a:ea typeface="DejaVu Sans Book" panose="020B0603030804020204" pitchFamily="34" charset="0"/>
+                <a:cs typeface="DejaVu Sans Book" panose="020B0603030804020204" pitchFamily="34" charset="0"/>
+              </a:rPr>
+              <a:t>&gt; </a:t>
+            </a:r>
+            <a:r>
+              <a:rPr lang="en-GB" sz="1600" dirty="0" err="1">
+                <a:latin typeface="DejaVu Sans Book" panose="020B0603030804020204" pitchFamily="34" charset="0"/>
+                <a:ea typeface="DejaVu Sans Book" panose="020B0603030804020204" pitchFamily="34" charset="0"/>
+                <a:cs typeface="DejaVu Sans Book" panose="020B0603030804020204" pitchFamily="34" charset="0"/>
+              </a:rPr>
+              <a:t>printfn</a:t>
+            </a:r>
+            <a:r>
+              <a:rPr lang="en-GB" sz="1600" dirty="0">
+                <a:latin typeface="DejaVu Sans Book" panose="020B0603030804020204" pitchFamily="34" charset="0"/>
+                <a:ea typeface="DejaVu Sans Book" panose="020B0603030804020204" pitchFamily="34" charset="0"/>
+                <a:cs typeface="DejaVu Sans Book" panose="020B0603030804020204" pitchFamily="34" charset="0"/>
+              </a:rPr>
+              <a:t> "%A %A" (</a:t>
+            </a:r>
+            <a:r>
+              <a:rPr lang="en-GB" sz="1600" dirty="0" err="1">
+                <a:latin typeface="DejaVu Sans Book" panose="020B0603030804020204" pitchFamily="34" charset="0"/>
+                <a:ea typeface="DejaVu Sans Book" panose="020B0603030804020204" pitchFamily="34" charset="0"/>
+                <a:cs typeface="DejaVu Sans Book" panose="020B0603030804020204" pitchFamily="34" charset="0"/>
+              </a:rPr>
+              <a:t>fst</a:t>
+            </a:r>
+            <a:r>
+              <a:rPr lang="en-GB" sz="1600" dirty="0">
+                <a:latin typeface="DejaVu Sans Book" panose="020B0603030804020204" pitchFamily="34" charset="0"/>
+                <a:ea typeface="DejaVu Sans Book" panose="020B0603030804020204" pitchFamily="34" charset="0"/>
+                <a:cs typeface="DejaVu Sans Book" panose="020B0603030804020204" pitchFamily="34" charset="0"/>
+              </a:rPr>
+              <a:t> a) (</a:t>
+            </a:r>
+            <a:r>
+              <a:rPr lang="en-GB" sz="1600" dirty="0" err="1">
+                <a:latin typeface="DejaVu Sans Book" panose="020B0603030804020204" pitchFamily="34" charset="0"/>
+                <a:ea typeface="DejaVu Sans Book" panose="020B0603030804020204" pitchFamily="34" charset="0"/>
+                <a:cs typeface="DejaVu Sans Book" panose="020B0603030804020204" pitchFamily="34" charset="0"/>
+              </a:rPr>
+              <a:t>snd</a:t>
+            </a:r>
+            <a:r>
+              <a:rPr lang="en-GB" sz="1600" dirty="0">
+                <a:latin typeface="DejaVu Sans Book" panose="020B0603030804020204" pitchFamily="34" charset="0"/>
+                <a:ea typeface="DejaVu Sans Book" panose="020B0603030804020204" pitchFamily="34" charset="0"/>
+                <a:cs typeface="DejaVu Sans Book" panose="020B0603030804020204" pitchFamily="34" charset="0"/>
+              </a:rPr>
+              <a:t> a);;</a:t>
+            </a:r>
+          </a:p>
+          <a:p>
+            <a:pPr marL="0" indent="0">
+              <a:lnSpc>
+                <a:spcPct val="100000"/>
+              </a:lnSpc>
+              <a:buNone/>
+            </a:pPr>
+            <a:r>
+              <a:rPr lang="en-GB" sz="1600" dirty="0">
+                <a:latin typeface="DejaVu Sans Book" panose="020B0603030804020204" pitchFamily="34" charset="0"/>
+                <a:ea typeface="DejaVu Sans Book" panose="020B0603030804020204" pitchFamily="34" charset="0"/>
+                <a:cs typeface="DejaVu Sans Book" panose="020B0603030804020204" pitchFamily="34" charset="0"/>
+              </a:rPr>
+              <a:t>1 1.0</a:t>
+            </a:r>
+          </a:p>
+          <a:p>
+            <a:pPr marL="0" indent="0">
+              <a:lnSpc>
+                <a:spcPct val="100000"/>
+              </a:lnSpc>
+              <a:buNone/>
+            </a:pPr>
+            <a:r>
+              <a:rPr lang="en-GB" sz="1600" dirty="0" err="1">
+                <a:latin typeface="DejaVu Sans Book" panose="020B0603030804020204" pitchFamily="34" charset="0"/>
+                <a:ea typeface="DejaVu Sans Book" panose="020B0603030804020204" pitchFamily="34" charset="0"/>
+                <a:cs typeface="DejaVu Sans Book" panose="020B0603030804020204" pitchFamily="34" charset="0"/>
+              </a:rPr>
+              <a:t>val</a:t>
+            </a:r>
+            <a:r>
+              <a:rPr lang="en-GB" sz="1600" dirty="0">
+                <a:latin typeface="DejaVu Sans Book" panose="020B0603030804020204" pitchFamily="34" charset="0"/>
+                <a:ea typeface="DejaVu Sans Book" panose="020B0603030804020204" pitchFamily="34" charset="0"/>
+                <a:cs typeface="DejaVu Sans Book" panose="020B0603030804020204" pitchFamily="34" charset="0"/>
+              </a:rPr>
+              <a:t> it : unit = ()</a:t>
+            </a:r>
           </a:p>
         </p:txBody>
       </p:sp>
       <p:cxnSp>
         <p:nvCxnSpPr>
-          <p:cNvPr id="11" name="Straight Connector 10">
+          <p:cNvPr id="5" name="Straight Connector 4">
             <a:extLst>
               <a:ext uri="{FF2B5EF4-FFF2-40B4-BE49-F238E27FC236}">
-                <a16:creationId xmlns:a16="http://schemas.microsoft.com/office/drawing/2014/main" id="{E89BB09E-7BA9-F948-A0E8-977F40D82B24}"/>
+                <a16:creationId xmlns:a16="http://schemas.microsoft.com/office/drawing/2014/main" id="{E2AE7F20-6F60-1946-B755-1077061549EA}"/>
               </a:ext>
             </a:extLst>
           </p:cNvPr>
@@ -4239,9 +6147,9 @@
           <p:nvPr/>
         </p:nvCxnSpPr>
         <p:spPr>
-          <a:xfrm flipV="1">
-            <a:off x="473975" y="2565670"/>
-            <a:ext cx="11471563" cy="13858"/>
+          <a:xfrm>
+            <a:off x="6053418" y="1398646"/>
+            <a:ext cx="0" cy="5260571"/>
           </a:xfrm>
           <a:prstGeom prst="line">
             <a:avLst/>
@@ -4264,398 +6172,1787 @@
       </p:cxnSp>
       <p:sp>
         <p:nvSpPr>
-          <p:cNvPr id="12" name="Rectangle 11">
+          <p:cNvPr id="8" name="Content Placeholder 2">
             <a:extLst>
               <a:ext uri="{FF2B5EF4-FFF2-40B4-BE49-F238E27FC236}">
-                <a16:creationId xmlns:a16="http://schemas.microsoft.com/office/drawing/2014/main" id="{AA0408A6-D286-EC4C-9BA0-76E6817D6A0C}"/>
+                <a16:creationId xmlns:a16="http://schemas.microsoft.com/office/drawing/2014/main" id="{BC4A57D3-1BC0-B048-BF76-1B66D17F04D8}"/>
               </a:ext>
             </a:extLst>
           </p:cNvPr>
-          <p:cNvSpPr/>
+          <p:cNvSpPr txBox="1">
+            <a:spLocks/>
+          </p:cNvSpPr>
           <p:nvPr/>
         </p:nvSpPr>
         <p:spPr>
           <a:xfrm>
-            <a:off x="3268410" y="2681374"/>
-            <a:ext cx="3083943" cy="2031325"/>
+            <a:off x="6972300" y="1398646"/>
+            <a:ext cx="4381500" cy="1722090"/>
           </a:xfrm>
           <a:prstGeom prst="rect">
             <a:avLst/>
           </a:prstGeom>
         </p:spPr>
         <p:txBody>
-          <a:bodyPr wrap="square">
-            <a:spAutoFit/>
+          <a:bodyPr vert="horz" lIns="91440" tIns="45720" rIns="91440" bIns="45720" rtlCol="0">
+            <a:noAutofit/>
           </a:bodyPr>
-          <a:lstStyle/>
-          <a:p>
-            <a:r>
-              <a:rPr lang="en-GB" sz="1400" dirty="0">
-                <a:latin typeface="DejaVu Sans Book" panose="020B0603030804020204" pitchFamily="34" charset="0"/>
-                <a:ea typeface="DejaVu Sans Book" panose="020B0603030804020204" pitchFamily="34" charset="0"/>
-                <a:cs typeface="DejaVu Sans Book" panose="020B0603030804020204" pitchFamily="34" charset="0"/>
-              </a:rPr>
-              <a:t>/// Estimate the integral of f</a:t>
-            </a:r>
-          </a:p>
-          <a:p>
-            <a:r>
-              <a:rPr lang="en-GB" sz="1400" dirty="0">
-                <a:latin typeface="DejaVu Sans Book" panose="020B0603030804020204" pitchFamily="34" charset="0"/>
-                <a:ea typeface="DejaVu Sans Book" panose="020B0603030804020204" pitchFamily="34" charset="0"/>
-                <a:cs typeface="DejaVu Sans Book" panose="020B0603030804020204" pitchFamily="34" charset="0"/>
-              </a:rPr>
-              <a:t>/// from a to b with </a:t>
-            </a:r>
-            <a:r>
-              <a:rPr lang="en-GB" sz="1400" dirty="0" err="1">
-                <a:latin typeface="DejaVu Sans Book" panose="020B0603030804020204" pitchFamily="34" charset="0"/>
-                <a:ea typeface="DejaVu Sans Book" panose="020B0603030804020204" pitchFamily="34" charset="0"/>
-                <a:cs typeface="DejaVu Sans Book" panose="020B0603030804020204" pitchFamily="34" charset="0"/>
-              </a:rPr>
-              <a:t>stepsize</a:t>
-            </a:r>
-            <a:r>
-              <a:rPr lang="en-GB" sz="1400" dirty="0">
-                <a:latin typeface="DejaVu Sans Book" panose="020B0603030804020204" pitchFamily="34" charset="0"/>
-                <a:ea typeface="DejaVu Sans Book" panose="020B0603030804020204" pitchFamily="34" charset="0"/>
-                <a:cs typeface="DejaVu Sans Book" panose="020B0603030804020204" pitchFamily="34" charset="0"/>
-              </a:rPr>
-              <a:t> d</a:t>
-            </a:r>
-          </a:p>
-          <a:p>
-            <a:r>
-              <a:rPr lang="en-GB" sz="1400" dirty="0">
-                <a:latin typeface="DejaVu Sans Book" panose="020B0603030804020204" pitchFamily="34" charset="0"/>
-                <a:ea typeface="DejaVu Sans Book" panose="020B0603030804020204" pitchFamily="34" charset="0"/>
-                <a:cs typeface="DejaVu Sans Book" panose="020B0603030804020204" pitchFamily="34" charset="0"/>
-              </a:rPr>
-              <a:t>let integrate f a b d =</a:t>
-            </a:r>
-          </a:p>
-          <a:p>
-            <a:r>
-              <a:rPr lang="en-GB" sz="1400" dirty="0">
-                <a:latin typeface="DejaVu Sans Book" panose="020B0603030804020204" pitchFamily="34" charset="0"/>
-                <a:ea typeface="DejaVu Sans Book" panose="020B0603030804020204" pitchFamily="34" charset="0"/>
-                <a:cs typeface="DejaVu Sans Book" panose="020B0603030804020204" pitchFamily="34" charset="0"/>
-              </a:rPr>
-              <a:t>  let mutable sum = 0.0</a:t>
-            </a:r>
-          </a:p>
-          <a:p>
-            <a:r>
-              <a:rPr lang="en-GB" sz="1400" dirty="0">
-                <a:latin typeface="DejaVu Sans Book" panose="020B0603030804020204" pitchFamily="34" charset="0"/>
-                <a:ea typeface="DejaVu Sans Book" panose="020B0603030804020204" pitchFamily="34" charset="0"/>
-                <a:cs typeface="DejaVu Sans Book" panose="020B0603030804020204" pitchFamily="34" charset="0"/>
-              </a:rPr>
-              <a:t>  let mutable x = a</a:t>
-            </a:r>
-          </a:p>
-          <a:p>
-            <a:r>
-              <a:rPr lang="en-GB" sz="1400" dirty="0">
-                <a:latin typeface="DejaVu Sans Book" panose="020B0603030804020204" pitchFamily="34" charset="0"/>
-                <a:ea typeface="DejaVu Sans Book" panose="020B0603030804020204" pitchFamily="34" charset="0"/>
-                <a:cs typeface="DejaVu Sans Book" panose="020B0603030804020204" pitchFamily="34" charset="0"/>
-              </a:rPr>
-              <a:t>  while x &lt; b do</a:t>
-            </a:r>
-          </a:p>
-          <a:p>
-            <a:r>
-              <a:rPr lang="en-GB" sz="1400" dirty="0">
-                <a:latin typeface="DejaVu Sans Book" panose="020B0603030804020204" pitchFamily="34" charset="0"/>
-                <a:ea typeface="DejaVu Sans Book" panose="020B0603030804020204" pitchFamily="34" charset="0"/>
-                <a:cs typeface="DejaVu Sans Book" panose="020B0603030804020204" pitchFamily="34" charset="0"/>
-              </a:rPr>
-              <a:t>    sum &lt;- sum + d * (f x)</a:t>
-            </a:r>
-          </a:p>
-          <a:p>
-            <a:r>
-              <a:rPr lang="en-GB" sz="1400" dirty="0">
-                <a:latin typeface="DejaVu Sans Book" panose="020B0603030804020204" pitchFamily="34" charset="0"/>
-                <a:ea typeface="DejaVu Sans Book" panose="020B0603030804020204" pitchFamily="34" charset="0"/>
-                <a:cs typeface="DejaVu Sans Book" panose="020B0603030804020204" pitchFamily="34" charset="0"/>
-              </a:rPr>
-              <a:t>    x &lt;- x + d</a:t>
-            </a:r>
-          </a:p>
-          <a:p>
-            <a:r>
-              <a:rPr lang="en-GB" sz="1400" dirty="0">
-                <a:latin typeface="DejaVu Sans Book" panose="020B0603030804020204" pitchFamily="34" charset="0"/>
-                <a:ea typeface="DejaVu Sans Book" panose="020B0603030804020204" pitchFamily="34" charset="0"/>
-                <a:cs typeface="DejaVu Sans Book" panose="020B0603030804020204" pitchFamily="34" charset="0"/>
-              </a:rPr>
-              <a:t>  sum</a:t>
+          <a:lstStyle>
+            <a:lvl1pPr marL="228600" indent="-228600" algn="l" defTabSz="914400" rtl="0" eaLnBrk="1" latinLnBrk="0" hangingPunct="1">
+              <a:lnSpc>
+                <a:spcPct val="90000"/>
+              </a:lnSpc>
+              <a:spcBef>
+                <a:spcPts val="1000"/>
+              </a:spcBef>
+              <a:buFont typeface="Arial" panose="020B0604020202020204" pitchFamily="34" charset="0"/>
+              <a:buChar char="•"/>
+              <a:defRPr sz="2800" kern="1200">
+                <a:solidFill>
+                  <a:schemeClr val="tx1"/>
+                </a:solidFill>
+                <a:latin typeface="+mn-lt"/>
+                <a:ea typeface="+mn-ea"/>
+                <a:cs typeface="+mn-cs"/>
+              </a:defRPr>
+            </a:lvl1pPr>
+            <a:lvl2pPr marL="685800" indent="-228600" algn="l" defTabSz="914400" rtl="0" eaLnBrk="1" latinLnBrk="0" hangingPunct="1">
+              <a:lnSpc>
+                <a:spcPct val="90000"/>
+              </a:lnSpc>
+              <a:spcBef>
+                <a:spcPts val="500"/>
+              </a:spcBef>
+              <a:buFont typeface="Arial" panose="020B0604020202020204" pitchFamily="34" charset="0"/>
+              <a:buChar char="•"/>
+              <a:defRPr sz="2400" kern="1200">
+                <a:solidFill>
+                  <a:schemeClr val="tx1"/>
+                </a:solidFill>
+                <a:latin typeface="+mn-lt"/>
+                <a:ea typeface="+mn-ea"/>
+                <a:cs typeface="+mn-cs"/>
+              </a:defRPr>
+            </a:lvl2pPr>
+            <a:lvl3pPr marL="1143000" indent="-228600" algn="l" defTabSz="914400" rtl="0" eaLnBrk="1" latinLnBrk="0" hangingPunct="1">
+              <a:lnSpc>
+                <a:spcPct val="90000"/>
+              </a:lnSpc>
+              <a:spcBef>
+                <a:spcPts val="500"/>
+              </a:spcBef>
+              <a:buFont typeface="Arial" panose="020B0604020202020204" pitchFamily="34" charset="0"/>
+              <a:buChar char="•"/>
+              <a:defRPr sz="2000" kern="1200">
+                <a:solidFill>
+                  <a:schemeClr val="tx1"/>
+                </a:solidFill>
+                <a:latin typeface="+mn-lt"/>
+                <a:ea typeface="+mn-ea"/>
+                <a:cs typeface="+mn-cs"/>
+              </a:defRPr>
+            </a:lvl3pPr>
+            <a:lvl4pPr marL="1600200" indent="-228600" algn="l" defTabSz="914400" rtl="0" eaLnBrk="1" latinLnBrk="0" hangingPunct="1">
+              <a:lnSpc>
+                <a:spcPct val="90000"/>
+              </a:lnSpc>
+              <a:spcBef>
+                <a:spcPts val="500"/>
+              </a:spcBef>
+              <a:buFont typeface="Arial" panose="020B0604020202020204" pitchFamily="34" charset="0"/>
+              <a:buChar char="•"/>
+              <a:defRPr sz="1800" kern="1200">
+                <a:solidFill>
+                  <a:schemeClr val="tx1"/>
+                </a:solidFill>
+                <a:latin typeface="+mn-lt"/>
+                <a:ea typeface="+mn-ea"/>
+                <a:cs typeface="+mn-cs"/>
+              </a:defRPr>
+            </a:lvl4pPr>
+            <a:lvl5pPr marL="2057400" indent="-228600" algn="l" defTabSz="914400" rtl="0" eaLnBrk="1" latinLnBrk="0" hangingPunct="1">
+              <a:lnSpc>
+                <a:spcPct val="90000"/>
+              </a:lnSpc>
+              <a:spcBef>
+                <a:spcPts val="500"/>
+              </a:spcBef>
+              <a:buFont typeface="Arial" panose="020B0604020202020204" pitchFamily="34" charset="0"/>
+              <a:buChar char="•"/>
+              <a:defRPr sz="1800" kern="1200">
+                <a:solidFill>
+                  <a:schemeClr val="tx1"/>
+                </a:solidFill>
+                <a:latin typeface="+mn-lt"/>
+                <a:ea typeface="+mn-ea"/>
+                <a:cs typeface="+mn-cs"/>
+              </a:defRPr>
+            </a:lvl5pPr>
+            <a:lvl6pPr marL="2514600" indent="-228600" algn="l" defTabSz="914400" rtl="0" eaLnBrk="1" latinLnBrk="0" hangingPunct="1">
+              <a:lnSpc>
+                <a:spcPct val="90000"/>
+              </a:lnSpc>
+              <a:spcBef>
+                <a:spcPts val="500"/>
+              </a:spcBef>
+              <a:buFont typeface="Arial" panose="020B0604020202020204" pitchFamily="34" charset="0"/>
+              <a:buChar char="•"/>
+              <a:defRPr sz="1800" kern="1200">
+                <a:solidFill>
+                  <a:schemeClr val="tx1"/>
+                </a:solidFill>
+                <a:latin typeface="+mn-lt"/>
+                <a:ea typeface="+mn-ea"/>
+                <a:cs typeface="+mn-cs"/>
+              </a:defRPr>
+            </a:lvl6pPr>
+            <a:lvl7pPr marL="2971800" indent="-228600" algn="l" defTabSz="914400" rtl="0" eaLnBrk="1" latinLnBrk="0" hangingPunct="1">
+              <a:lnSpc>
+                <a:spcPct val="90000"/>
+              </a:lnSpc>
+              <a:spcBef>
+                <a:spcPts val="500"/>
+              </a:spcBef>
+              <a:buFont typeface="Arial" panose="020B0604020202020204" pitchFamily="34" charset="0"/>
+              <a:buChar char="•"/>
+              <a:defRPr sz="1800" kern="1200">
+                <a:solidFill>
+                  <a:schemeClr val="tx1"/>
+                </a:solidFill>
+                <a:latin typeface="+mn-lt"/>
+                <a:ea typeface="+mn-ea"/>
+                <a:cs typeface="+mn-cs"/>
+              </a:defRPr>
+            </a:lvl7pPr>
+            <a:lvl8pPr marL="3429000" indent="-228600" algn="l" defTabSz="914400" rtl="0" eaLnBrk="1" latinLnBrk="0" hangingPunct="1">
+              <a:lnSpc>
+                <a:spcPct val="90000"/>
+              </a:lnSpc>
+              <a:spcBef>
+                <a:spcPts val="500"/>
+              </a:spcBef>
+              <a:buFont typeface="Arial" panose="020B0604020202020204" pitchFamily="34" charset="0"/>
+              <a:buChar char="•"/>
+              <a:defRPr sz="1800" kern="1200">
+                <a:solidFill>
+                  <a:schemeClr val="tx1"/>
+                </a:solidFill>
+                <a:latin typeface="+mn-lt"/>
+                <a:ea typeface="+mn-ea"/>
+                <a:cs typeface="+mn-cs"/>
+              </a:defRPr>
+            </a:lvl8pPr>
+            <a:lvl9pPr marL="3886200" indent="-228600" algn="l" defTabSz="914400" rtl="0" eaLnBrk="1" latinLnBrk="0" hangingPunct="1">
+              <a:lnSpc>
+                <a:spcPct val="90000"/>
+              </a:lnSpc>
+              <a:spcBef>
+                <a:spcPts val="500"/>
+              </a:spcBef>
+              <a:buFont typeface="Arial" panose="020B0604020202020204" pitchFamily="34" charset="0"/>
+              <a:buChar char="•"/>
+              <a:defRPr sz="1800" kern="1200">
+                <a:solidFill>
+                  <a:schemeClr val="tx1"/>
+                </a:solidFill>
+                <a:latin typeface="+mn-lt"/>
+                <a:ea typeface="+mn-ea"/>
+                <a:cs typeface="+mn-cs"/>
+              </a:defRPr>
+            </a:lvl9pPr>
+          </a:lstStyle>
+          <a:p>
+            <a:pPr marL="0" indent="0">
+              <a:lnSpc>
+                <a:spcPct val="100000"/>
+              </a:lnSpc>
+              <a:buNone/>
+            </a:pPr>
+            <a:r>
+              <a:rPr lang="en-GB" sz="1600" dirty="0">
+                <a:latin typeface="DejaVu Sans Book" panose="020B0603030804020204" pitchFamily="34" charset="0"/>
+                <a:ea typeface="DejaVu Sans Book" panose="020B0603030804020204" pitchFamily="34" charset="0"/>
+                <a:cs typeface="DejaVu Sans Book" panose="020B0603030804020204" pitchFamily="34" charset="0"/>
+              </a:rPr>
+              <a:t>&gt; let (b1, b2, b3) = b;;</a:t>
+            </a:r>
+          </a:p>
+          <a:p>
+            <a:pPr marL="0" indent="0">
+              <a:lnSpc>
+                <a:spcPct val="100000"/>
+              </a:lnSpc>
+              <a:buNone/>
+            </a:pPr>
+            <a:r>
+              <a:rPr lang="en-GB" sz="1600" dirty="0" err="1">
+                <a:latin typeface="DejaVu Sans Book" panose="020B0603030804020204" pitchFamily="34" charset="0"/>
+                <a:ea typeface="DejaVu Sans Book" panose="020B0603030804020204" pitchFamily="34" charset="0"/>
+                <a:cs typeface="DejaVu Sans Book" panose="020B0603030804020204" pitchFamily="34" charset="0"/>
+              </a:rPr>
+              <a:t>val</a:t>
+            </a:r>
+            <a:r>
+              <a:rPr lang="en-GB" sz="1600" dirty="0">
+                <a:latin typeface="DejaVu Sans Book" panose="020B0603030804020204" pitchFamily="34" charset="0"/>
+                <a:ea typeface="DejaVu Sans Book" panose="020B0603030804020204" pitchFamily="34" charset="0"/>
+                <a:cs typeface="DejaVu Sans Book" panose="020B0603030804020204" pitchFamily="34" charset="0"/>
+              </a:rPr>
+              <a:t> b3 : char = '1'</a:t>
+            </a:r>
+          </a:p>
+          <a:p>
+            <a:pPr marL="0" indent="0">
+              <a:lnSpc>
+                <a:spcPct val="100000"/>
+              </a:lnSpc>
+              <a:buNone/>
+            </a:pPr>
+            <a:r>
+              <a:rPr lang="en-GB" sz="1600" dirty="0" err="1">
+                <a:latin typeface="DejaVu Sans Book" panose="020B0603030804020204" pitchFamily="34" charset="0"/>
+                <a:ea typeface="DejaVu Sans Book" panose="020B0603030804020204" pitchFamily="34" charset="0"/>
+                <a:cs typeface="DejaVu Sans Book" panose="020B0603030804020204" pitchFamily="34" charset="0"/>
+              </a:rPr>
+              <a:t>val</a:t>
+            </a:r>
+            <a:r>
+              <a:rPr lang="en-GB" sz="1600" dirty="0">
+                <a:latin typeface="DejaVu Sans Book" panose="020B0603030804020204" pitchFamily="34" charset="0"/>
+                <a:ea typeface="DejaVu Sans Book" panose="020B0603030804020204" pitchFamily="34" charset="0"/>
+                <a:cs typeface="DejaVu Sans Book" panose="020B0603030804020204" pitchFamily="34" charset="0"/>
+              </a:rPr>
+              <a:t> b2 : string = "</a:t>
+            </a:r>
+            <a:r>
+              <a:rPr lang="en-GB" sz="1600" dirty="0" err="1">
+                <a:latin typeface="DejaVu Sans Book" panose="020B0603030804020204" pitchFamily="34" charset="0"/>
+                <a:ea typeface="DejaVu Sans Book" panose="020B0603030804020204" pitchFamily="34" charset="0"/>
+                <a:cs typeface="DejaVu Sans Book" panose="020B0603030804020204" pitchFamily="34" charset="0"/>
+              </a:rPr>
+              <a:t>en</a:t>
+            </a:r>
+            <a:r>
+              <a:rPr lang="en-GB" sz="1600" dirty="0">
+                <a:latin typeface="DejaVu Sans Book" panose="020B0603030804020204" pitchFamily="34" charset="0"/>
+                <a:ea typeface="DejaVu Sans Book" panose="020B0603030804020204" pitchFamily="34" charset="0"/>
+                <a:cs typeface="DejaVu Sans Book" panose="020B0603030804020204" pitchFamily="34" charset="0"/>
+              </a:rPr>
+              <a:t>"</a:t>
+            </a:r>
+          </a:p>
+          <a:p>
+            <a:pPr marL="0" indent="0">
+              <a:lnSpc>
+                <a:spcPct val="100000"/>
+              </a:lnSpc>
+              <a:buNone/>
+            </a:pPr>
+            <a:r>
+              <a:rPr lang="en-GB" sz="1600" dirty="0" err="1">
+                <a:latin typeface="DejaVu Sans Book" panose="020B0603030804020204" pitchFamily="34" charset="0"/>
+                <a:ea typeface="DejaVu Sans Book" panose="020B0603030804020204" pitchFamily="34" charset="0"/>
+                <a:cs typeface="DejaVu Sans Book" panose="020B0603030804020204" pitchFamily="34" charset="0"/>
+              </a:rPr>
+              <a:t>val</a:t>
+            </a:r>
+            <a:r>
+              <a:rPr lang="en-GB" sz="1600" dirty="0">
+                <a:latin typeface="DejaVu Sans Book" panose="020B0603030804020204" pitchFamily="34" charset="0"/>
+                <a:ea typeface="DejaVu Sans Book" panose="020B0603030804020204" pitchFamily="34" charset="0"/>
+                <a:cs typeface="DejaVu Sans Book" panose="020B0603030804020204" pitchFamily="34" charset="0"/>
+              </a:rPr>
+              <a:t> b1 : </a:t>
+            </a:r>
+            <a:r>
+              <a:rPr lang="en-GB" sz="1600" dirty="0" err="1">
+                <a:latin typeface="DejaVu Sans Book" panose="020B0603030804020204" pitchFamily="34" charset="0"/>
+                <a:ea typeface="DejaVu Sans Book" panose="020B0603030804020204" pitchFamily="34" charset="0"/>
+                <a:cs typeface="DejaVu Sans Book" panose="020B0603030804020204" pitchFamily="34" charset="0"/>
+              </a:rPr>
+              <a:t>int</a:t>
+            </a:r>
+            <a:r>
+              <a:rPr lang="en-GB" sz="1600" dirty="0">
+                <a:latin typeface="DejaVu Sans Book" panose="020B0603030804020204" pitchFamily="34" charset="0"/>
+                <a:ea typeface="DejaVu Sans Book" panose="020B0603030804020204" pitchFamily="34" charset="0"/>
+                <a:cs typeface="DejaVu Sans Book" panose="020B0603030804020204" pitchFamily="34" charset="0"/>
+              </a:rPr>
+              <a:t> = 1</a:t>
             </a:r>
           </a:p>
         </p:txBody>
       </p:sp>
       <p:sp>
         <p:nvSpPr>
-          <p:cNvPr id="13" name="Rectangle 12">
+          <p:cNvPr id="9" name="Content Placeholder 2">
             <a:extLst>
               <a:ext uri="{FF2B5EF4-FFF2-40B4-BE49-F238E27FC236}">
-                <a16:creationId xmlns:a16="http://schemas.microsoft.com/office/drawing/2014/main" id="{5A85EE0E-4153-1E45-AA36-FCEB937D0CC7}"/>
+                <a16:creationId xmlns:a16="http://schemas.microsoft.com/office/drawing/2014/main" id="{79D5CACB-F956-8E44-B9C4-64D0D7F8DB41}"/>
               </a:ext>
             </a:extLst>
           </p:cNvPr>
-          <p:cNvSpPr/>
+          <p:cNvSpPr txBox="1">
+            <a:spLocks/>
+          </p:cNvSpPr>
           <p:nvPr/>
         </p:nvSpPr>
         <p:spPr>
           <a:xfrm>
-            <a:off x="3268410" y="5283794"/>
-            <a:ext cx="4920189" cy="1169551"/>
+            <a:off x="1186069" y="1398646"/>
+            <a:ext cx="4381500" cy="1722090"/>
           </a:xfrm>
           <a:prstGeom prst="rect">
             <a:avLst/>
           </a:prstGeom>
         </p:spPr>
         <p:txBody>
-          <a:bodyPr wrap="square">
-            <a:spAutoFit/>
+          <a:bodyPr vert="horz" lIns="91440" tIns="45720" rIns="91440" bIns="45720" rtlCol="0">
+            <a:noAutofit/>
           </a:bodyPr>
-          <a:lstStyle/>
-          <a:p>
-            <a:r>
-              <a:rPr lang="en-GB" sz="1400" dirty="0"/>
-              <a:t>let a = 0.0</a:t>
-            </a:r>
-          </a:p>
-          <a:p>
-            <a:r>
-              <a:rPr lang="en-GB" sz="1400" dirty="0"/>
-              <a:t>let b = 1.0</a:t>
-            </a:r>
-          </a:p>
-          <a:p>
-            <a:r>
-              <a:rPr lang="en-GB" sz="1400" dirty="0"/>
-              <a:t>let d = 1e-5</a:t>
-            </a:r>
-          </a:p>
-          <a:p>
-            <a:r>
-              <a:rPr lang="en-GB" sz="1400" dirty="0"/>
-              <a:t>let result = integrate (fun x -&gt; x * </a:t>
-            </a:r>
-            <a:r>
-              <a:rPr lang="en-GB" sz="1400" dirty="0" err="1"/>
-              <a:t>exp</a:t>
-            </a:r>
-            <a:r>
-              <a:rPr lang="en-GB" sz="1400" dirty="0"/>
-              <a:t>(x)) a b d</a:t>
-            </a:r>
-          </a:p>
-          <a:p>
-            <a:r>
-              <a:rPr lang="en-GB" sz="1400" dirty="0" err="1"/>
-              <a:t>printfn</a:t>
-            </a:r>
-            <a:r>
-              <a:rPr lang="en-GB" sz="1400" dirty="0"/>
-              <a:t> "</a:t>
-            </a:r>
-            <a:r>
-              <a:rPr lang="en-GB" sz="1400" dirty="0" err="1"/>
-              <a:t>Int</a:t>
-            </a:r>
-            <a:r>
-              <a:rPr lang="en-GB" sz="1400" dirty="0"/>
-              <a:t>_%g^%g f(x) dx = %g" a b result</a:t>
+          <a:lstStyle>
+            <a:lvl1pPr marL="228600" indent="-228600" algn="l" defTabSz="914400" rtl="0" eaLnBrk="1" latinLnBrk="0" hangingPunct="1">
+              <a:lnSpc>
+                <a:spcPct val="90000"/>
+              </a:lnSpc>
+              <a:spcBef>
+                <a:spcPts val="1000"/>
+              </a:spcBef>
+              <a:buFont typeface="Arial" panose="020B0604020202020204" pitchFamily="34" charset="0"/>
+              <a:buChar char="•"/>
+              <a:defRPr sz="2800" kern="1200">
+                <a:solidFill>
+                  <a:schemeClr val="tx1"/>
+                </a:solidFill>
+                <a:latin typeface="+mn-lt"/>
+                <a:ea typeface="+mn-ea"/>
+                <a:cs typeface="+mn-cs"/>
+              </a:defRPr>
+            </a:lvl1pPr>
+            <a:lvl2pPr marL="685800" indent="-228600" algn="l" defTabSz="914400" rtl="0" eaLnBrk="1" latinLnBrk="0" hangingPunct="1">
+              <a:lnSpc>
+                <a:spcPct val="90000"/>
+              </a:lnSpc>
+              <a:spcBef>
+                <a:spcPts val="500"/>
+              </a:spcBef>
+              <a:buFont typeface="Arial" panose="020B0604020202020204" pitchFamily="34" charset="0"/>
+              <a:buChar char="•"/>
+              <a:defRPr sz="2400" kern="1200">
+                <a:solidFill>
+                  <a:schemeClr val="tx1"/>
+                </a:solidFill>
+                <a:latin typeface="+mn-lt"/>
+                <a:ea typeface="+mn-ea"/>
+                <a:cs typeface="+mn-cs"/>
+              </a:defRPr>
+            </a:lvl2pPr>
+            <a:lvl3pPr marL="1143000" indent="-228600" algn="l" defTabSz="914400" rtl="0" eaLnBrk="1" latinLnBrk="0" hangingPunct="1">
+              <a:lnSpc>
+                <a:spcPct val="90000"/>
+              </a:lnSpc>
+              <a:spcBef>
+                <a:spcPts val="500"/>
+              </a:spcBef>
+              <a:buFont typeface="Arial" panose="020B0604020202020204" pitchFamily="34" charset="0"/>
+              <a:buChar char="•"/>
+              <a:defRPr sz="2000" kern="1200">
+                <a:solidFill>
+                  <a:schemeClr val="tx1"/>
+                </a:solidFill>
+                <a:latin typeface="+mn-lt"/>
+                <a:ea typeface="+mn-ea"/>
+                <a:cs typeface="+mn-cs"/>
+              </a:defRPr>
+            </a:lvl3pPr>
+            <a:lvl4pPr marL="1600200" indent="-228600" algn="l" defTabSz="914400" rtl="0" eaLnBrk="1" latinLnBrk="0" hangingPunct="1">
+              <a:lnSpc>
+                <a:spcPct val="90000"/>
+              </a:lnSpc>
+              <a:spcBef>
+                <a:spcPts val="500"/>
+              </a:spcBef>
+              <a:buFont typeface="Arial" panose="020B0604020202020204" pitchFamily="34" charset="0"/>
+              <a:buChar char="•"/>
+              <a:defRPr sz="1800" kern="1200">
+                <a:solidFill>
+                  <a:schemeClr val="tx1"/>
+                </a:solidFill>
+                <a:latin typeface="+mn-lt"/>
+                <a:ea typeface="+mn-ea"/>
+                <a:cs typeface="+mn-cs"/>
+              </a:defRPr>
+            </a:lvl4pPr>
+            <a:lvl5pPr marL="2057400" indent="-228600" algn="l" defTabSz="914400" rtl="0" eaLnBrk="1" latinLnBrk="0" hangingPunct="1">
+              <a:lnSpc>
+                <a:spcPct val="90000"/>
+              </a:lnSpc>
+              <a:spcBef>
+                <a:spcPts val="500"/>
+              </a:spcBef>
+              <a:buFont typeface="Arial" panose="020B0604020202020204" pitchFamily="34" charset="0"/>
+              <a:buChar char="•"/>
+              <a:defRPr sz="1800" kern="1200">
+                <a:solidFill>
+                  <a:schemeClr val="tx1"/>
+                </a:solidFill>
+                <a:latin typeface="+mn-lt"/>
+                <a:ea typeface="+mn-ea"/>
+                <a:cs typeface="+mn-cs"/>
+              </a:defRPr>
+            </a:lvl5pPr>
+            <a:lvl6pPr marL="2514600" indent="-228600" algn="l" defTabSz="914400" rtl="0" eaLnBrk="1" latinLnBrk="0" hangingPunct="1">
+              <a:lnSpc>
+                <a:spcPct val="90000"/>
+              </a:lnSpc>
+              <a:spcBef>
+                <a:spcPts val="500"/>
+              </a:spcBef>
+              <a:buFont typeface="Arial" panose="020B0604020202020204" pitchFamily="34" charset="0"/>
+              <a:buChar char="•"/>
+              <a:defRPr sz="1800" kern="1200">
+                <a:solidFill>
+                  <a:schemeClr val="tx1"/>
+                </a:solidFill>
+                <a:latin typeface="+mn-lt"/>
+                <a:ea typeface="+mn-ea"/>
+                <a:cs typeface="+mn-cs"/>
+              </a:defRPr>
+            </a:lvl6pPr>
+            <a:lvl7pPr marL="2971800" indent="-228600" algn="l" defTabSz="914400" rtl="0" eaLnBrk="1" latinLnBrk="0" hangingPunct="1">
+              <a:lnSpc>
+                <a:spcPct val="90000"/>
+              </a:lnSpc>
+              <a:spcBef>
+                <a:spcPts val="500"/>
+              </a:spcBef>
+              <a:buFont typeface="Arial" panose="020B0604020202020204" pitchFamily="34" charset="0"/>
+              <a:buChar char="•"/>
+              <a:defRPr sz="1800" kern="1200">
+                <a:solidFill>
+                  <a:schemeClr val="tx1"/>
+                </a:solidFill>
+                <a:latin typeface="+mn-lt"/>
+                <a:ea typeface="+mn-ea"/>
+                <a:cs typeface="+mn-cs"/>
+              </a:defRPr>
+            </a:lvl7pPr>
+            <a:lvl8pPr marL="3429000" indent="-228600" algn="l" defTabSz="914400" rtl="0" eaLnBrk="1" latinLnBrk="0" hangingPunct="1">
+              <a:lnSpc>
+                <a:spcPct val="90000"/>
+              </a:lnSpc>
+              <a:spcBef>
+                <a:spcPts val="500"/>
+              </a:spcBef>
+              <a:buFont typeface="Arial" panose="020B0604020202020204" pitchFamily="34" charset="0"/>
+              <a:buChar char="•"/>
+              <a:defRPr sz="1800" kern="1200">
+                <a:solidFill>
+                  <a:schemeClr val="tx1"/>
+                </a:solidFill>
+                <a:latin typeface="+mn-lt"/>
+                <a:ea typeface="+mn-ea"/>
+                <a:cs typeface="+mn-cs"/>
+              </a:defRPr>
+            </a:lvl8pPr>
+            <a:lvl9pPr marL="3886200" indent="-228600" algn="l" defTabSz="914400" rtl="0" eaLnBrk="1" latinLnBrk="0" hangingPunct="1">
+              <a:lnSpc>
+                <a:spcPct val="90000"/>
+              </a:lnSpc>
+              <a:spcBef>
+                <a:spcPts val="500"/>
+              </a:spcBef>
+              <a:buFont typeface="Arial" panose="020B0604020202020204" pitchFamily="34" charset="0"/>
+              <a:buChar char="•"/>
+              <a:defRPr sz="1800" kern="1200">
+                <a:solidFill>
+                  <a:schemeClr val="tx1"/>
+                </a:solidFill>
+                <a:latin typeface="+mn-lt"/>
+                <a:ea typeface="+mn-ea"/>
+                <a:cs typeface="+mn-cs"/>
+              </a:defRPr>
+            </a:lvl9pPr>
+          </a:lstStyle>
+          <a:p>
+            <a:pPr marL="0" indent="0">
+              <a:lnSpc>
+                <a:spcPct val="100000"/>
+              </a:lnSpc>
+              <a:buNone/>
+            </a:pPr>
+            <a:r>
+              <a:rPr lang="en-GB" sz="1600" dirty="0">
+                <a:latin typeface="DejaVu Sans Book" panose="020B0603030804020204" pitchFamily="34" charset="0"/>
+                <a:ea typeface="DejaVu Sans Book" panose="020B0603030804020204" pitchFamily="34" charset="0"/>
+                <a:cs typeface="DejaVu Sans Book" panose="020B0603030804020204" pitchFamily="34" charset="0"/>
+              </a:rPr>
+              <a:t>$</a:t>
+            </a:r>
+            <a:r>
+              <a:rPr lang="en-GB" sz="1600" dirty="0" err="1">
+                <a:latin typeface="DejaVu Sans Book" panose="020B0603030804020204" pitchFamily="34" charset="0"/>
+                <a:ea typeface="DejaVu Sans Book" panose="020B0603030804020204" pitchFamily="34" charset="0"/>
+                <a:cs typeface="DejaVu Sans Book" panose="020B0603030804020204" pitchFamily="34" charset="0"/>
+              </a:rPr>
+              <a:t>fsharpi</a:t>
+            </a:r>
+            <a:endParaRPr lang="en-GB" sz="1600" dirty="0">
+              <a:latin typeface="DejaVu Sans Book" panose="020B0603030804020204" pitchFamily="34" charset="0"/>
+              <a:ea typeface="DejaVu Sans Book" panose="020B0603030804020204" pitchFamily="34" charset="0"/>
+              <a:cs typeface="DejaVu Sans Book" panose="020B0603030804020204" pitchFamily="34" charset="0"/>
+            </a:endParaRPr>
+          </a:p>
+          <a:p>
+            <a:pPr marL="0" indent="0">
+              <a:lnSpc>
+                <a:spcPct val="100000"/>
+              </a:lnSpc>
+              <a:buNone/>
+            </a:pPr>
+            <a:r>
+              <a:rPr lang="en-GB" sz="1600" dirty="0">
+                <a:latin typeface="DejaVu Sans Book" panose="020B0603030804020204" pitchFamily="34" charset="0"/>
+                <a:ea typeface="DejaVu Sans Book" panose="020B0603030804020204" pitchFamily="34" charset="0"/>
+                <a:cs typeface="DejaVu Sans Book" panose="020B0603030804020204" pitchFamily="34" charset="0"/>
+              </a:rPr>
+              <a:t>…</a:t>
+            </a:r>
+          </a:p>
+          <a:p>
+            <a:pPr marL="0" indent="0">
+              <a:lnSpc>
+                <a:spcPct val="100000"/>
+              </a:lnSpc>
+              <a:buNone/>
+            </a:pPr>
+            <a:r>
+              <a:rPr lang="en-GB" sz="1600" dirty="0">
+                <a:latin typeface="DejaVu Sans Book" panose="020B0603030804020204" pitchFamily="34" charset="0"/>
+                <a:ea typeface="DejaVu Sans Book" panose="020B0603030804020204" pitchFamily="34" charset="0"/>
+                <a:cs typeface="DejaVu Sans Book" panose="020B0603030804020204" pitchFamily="34" charset="0"/>
+              </a:rPr>
+              <a:t>&gt; let a = (1, 1.0);;</a:t>
+            </a:r>
+          </a:p>
+          <a:p>
+            <a:pPr marL="0" indent="0">
+              <a:lnSpc>
+                <a:spcPct val="100000"/>
+              </a:lnSpc>
+              <a:buNone/>
+            </a:pPr>
+            <a:r>
+              <a:rPr lang="en-GB" sz="1600" dirty="0" err="1">
+                <a:latin typeface="DejaVu Sans Book" panose="020B0603030804020204" pitchFamily="34" charset="0"/>
+                <a:ea typeface="DejaVu Sans Book" panose="020B0603030804020204" pitchFamily="34" charset="0"/>
+                <a:cs typeface="DejaVu Sans Book" panose="020B0603030804020204" pitchFamily="34" charset="0"/>
+              </a:rPr>
+              <a:t>val</a:t>
+            </a:r>
+            <a:r>
+              <a:rPr lang="en-GB" sz="1600" dirty="0">
+                <a:latin typeface="DejaVu Sans Book" panose="020B0603030804020204" pitchFamily="34" charset="0"/>
+                <a:ea typeface="DejaVu Sans Book" panose="020B0603030804020204" pitchFamily="34" charset="0"/>
+                <a:cs typeface="DejaVu Sans Book" panose="020B0603030804020204" pitchFamily="34" charset="0"/>
+              </a:rPr>
+              <a:t> a : </a:t>
+            </a:r>
+            <a:r>
+              <a:rPr lang="en-GB" sz="1600" dirty="0" err="1">
+                <a:latin typeface="DejaVu Sans Book" panose="020B0603030804020204" pitchFamily="34" charset="0"/>
+                <a:ea typeface="DejaVu Sans Book" panose="020B0603030804020204" pitchFamily="34" charset="0"/>
+                <a:cs typeface="DejaVu Sans Book" panose="020B0603030804020204" pitchFamily="34" charset="0"/>
+              </a:rPr>
+              <a:t>int</a:t>
+            </a:r>
+            <a:r>
+              <a:rPr lang="en-GB" sz="1600" dirty="0">
+                <a:latin typeface="DejaVu Sans Book" panose="020B0603030804020204" pitchFamily="34" charset="0"/>
+                <a:ea typeface="DejaVu Sans Book" panose="020B0603030804020204" pitchFamily="34" charset="0"/>
+                <a:cs typeface="DejaVu Sans Book" panose="020B0603030804020204" pitchFamily="34" charset="0"/>
+              </a:rPr>
+              <a:t> * float = (1, 1.0)</a:t>
             </a:r>
           </a:p>
         </p:txBody>
       </p:sp>
-      <p:pic>
-        <p:nvPicPr>
-          <p:cNvPr id="14" name="Picture 13">
+      <p:sp>
+        <p:nvSpPr>
+          <p:cNvPr id="10" name="Content Placeholder 2">
             <a:extLst>
               <a:ext uri="{FF2B5EF4-FFF2-40B4-BE49-F238E27FC236}">
-                <a16:creationId xmlns:a16="http://schemas.microsoft.com/office/drawing/2014/main" id="{068F4849-90AC-3248-9660-819632914ED5}"/>
+                <a16:creationId xmlns:a16="http://schemas.microsoft.com/office/drawing/2014/main" id="{36FD4D67-6EFA-E64B-B9B6-5A461B696DF7}"/>
               </a:ext>
             </a:extLst>
           </p:cNvPr>
-          <p:cNvPicPr>
-            <a:picLocks noChangeAspect="1"/>
-          </p:cNvPicPr>
+          <p:cNvSpPr txBox="1">
+            <a:spLocks/>
+          </p:cNvSpPr>
           <p:nvPr/>
-        </p:nvPicPr>
-        <p:blipFill>
-          <a:blip r:embed="rId2"/>
-          <a:stretch>
-            <a:fillRect/>
-          </a:stretch>
-        </p:blipFill>
+        </p:nvSpPr>
         <p:spPr>
           <a:xfrm>
-            <a:off x="226236" y="4950774"/>
-            <a:ext cx="2797877" cy="1867582"/>
+            <a:off x="1186069" y="4512363"/>
+            <a:ext cx="4381500" cy="1013791"/>
           </a:xfrm>
           <a:prstGeom prst="rect">
             <a:avLst/>
           </a:prstGeom>
         </p:spPr>
-      </p:pic>
-      <p:pic>
-        <p:nvPicPr>
-          <p:cNvPr id="15" name="Picture 14">
+        <p:txBody>
+          <a:bodyPr vert="horz" lIns="91440" tIns="45720" rIns="91440" bIns="45720" rtlCol="0">
+            <a:noAutofit/>
+          </a:bodyPr>
+          <a:lstStyle>
+            <a:lvl1pPr marL="228600" indent="-228600" algn="l" defTabSz="914400" rtl="0" eaLnBrk="1" latinLnBrk="0" hangingPunct="1">
+              <a:lnSpc>
+                <a:spcPct val="90000"/>
+              </a:lnSpc>
+              <a:spcBef>
+                <a:spcPts val="1000"/>
+              </a:spcBef>
+              <a:buFont typeface="Arial" panose="020B0604020202020204" pitchFamily="34" charset="0"/>
+              <a:buChar char="•"/>
+              <a:defRPr sz="2800" kern="1200">
+                <a:solidFill>
+                  <a:schemeClr val="tx1"/>
+                </a:solidFill>
+                <a:latin typeface="+mn-lt"/>
+                <a:ea typeface="+mn-ea"/>
+                <a:cs typeface="+mn-cs"/>
+              </a:defRPr>
+            </a:lvl1pPr>
+            <a:lvl2pPr marL="685800" indent="-228600" algn="l" defTabSz="914400" rtl="0" eaLnBrk="1" latinLnBrk="0" hangingPunct="1">
+              <a:lnSpc>
+                <a:spcPct val="90000"/>
+              </a:lnSpc>
+              <a:spcBef>
+                <a:spcPts val="500"/>
+              </a:spcBef>
+              <a:buFont typeface="Arial" panose="020B0604020202020204" pitchFamily="34" charset="0"/>
+              <a:buChar char="•"/>
+              <a:defRPr sz="2400" kern="1200">
+                <a:solidFill>
+                  <a:schemeClr val="tx1"/>
+                </a:solidFill>
+                <a:latin typeface="+mn-lt"/>
+                <a:ea typeface="+mn-ea"/>
+                <a:cs typeface="+mn-cs"/>
+              </a:defRPr>
+            </a:lvl2pPr>
+            <a:lvl3pPr marL="1143000" indent="-228600" algn="l" defTabSz="914400" rtl="0" eaLnBrk="1" latinLnBrk="0" hangingPunct="1">
+              <a:lnSpc>
+                <a:spcPct val="90000"/>
+              </a:lnSpc>
+              <a:spcBef>
+                <a:spcPts val="500"/>
+              </a:spcBef>
+              <a:buFont typeface="Arial" panose="020B0604020202020204" pitchFamily="34" charset="0"/>
+              <a:buChar char="•"/>
+              <a:defRPr sz="2000" kern="1200">
+                <a:solidFill>
+                  <a:schemeClr val="tx1"/>
+                </a:solidFill>
+                <a:latin typeface="+mn-lt"/>
+                <a:ea typeface="+mn-ea"/>
+                <a:cs typeface="+mn-cs"/>
+              </a:defRPr>
+            </a:lvl3pPr>
+            <a:lvl4pPr marL="1600200" indent="-228600" algn="l" defTabSz="914400" rtl="0" eaLnBrk="1" latinLnBrk="0" hangingPunct="1">
+              <a:lnSpc>
+                <a:spcPct val="90000"/>
+              </a:lnSpc>
+              <a:spcBef>
+                <a:spcPts val="500"/>
+              </a:spcBef>
+              <a:buFont typeface="Arial" panose="020B0604020202020204" pitchFamily="34" charset="0"/>
+              <a:buChar char="•"/>
+              <a:defRPr sz="1800" kern="1200">
+                <a:solidFill>
+                  <a:schemeClr val="tx1"/>
+                </a:solidFill>
+                <a:latin typeface="+mn-lt"/>
+                <a:ea typeface="+mn-ea"/>
+                <a:cs typeface="+mn-cs"/>
+              </a:defRPr>
+            </a:lvl4pPr>
+            <a:lvl5pPr marL="2057400" indent="-228600" algn="l" defTabSz="914400" rtl="0" eaLnBrk="1" latinLnBrk="0" hangingPunct="1">
+              <a:lnSpc>
+                <a:spcPct val="90000"/>
+              </a:lnSpc>
+              <a:spcBef>
+                <a:spcPts val="500"/>
+              </a:spcBef>
+              <a:buFont typeface="Arial" panose="020B0604020202020204" pitchFamily="34" charset="0"/>
+              <a:buChar char="•"/>
+              <a:defRPr sz="1800" kern="1200">
+                <a:solidFill>
+                  <a:schemeClr val="tx1"/>
+                </a:solidFill>
+                <a:latin typeface="+mn-lt"/>
+                <a:ea typeface="+mn-ea"/>
+                <a:cs typeface="+mn-cs"/>
+              </a:defRPr>
+            </a:lvl5pPr>
+            <a:lvl6pPr marL="2514600" indent="-228600" algn="l" defTabSz="914400" rtl="0" eaLnBrk="1" latinLnBrk="0" hangingPunct="1">
+              <a:lnSpc>
+                <a:spcPct val="90000"/>
+              </a:lnSpc>
+              <a:spcBef>
+                <a:spcPts val="500"/>
+              </a:spcBef>
+              <a:buFont typeface="Arial" panose="020B0604020202020204" pitchFamily="34" charset="0"/>
+              <a:buChar char="•"/>
+              <a:defRPr sz="1800" kern="1200">
+                <a:solidFill>
+                  <a:schemeClr val="tx1"/>
+                </a:solidFill>
+                <a:latin typeface="+mn-lt"/>
+                <a:ea typeface="+mn-ea"/>
+                <a:cs typeface="+mn-cs"/>
+              </a:defRPr>
+            </a:lvl6pPr>
+            <a:lvl7pPr marL="2971800" indent="-228600" algn="l" defTabSz="914400" rtl="0" eaLnBrk="1" latinLnBrk="0" hangingPunct="1">
+              <a:lnSpc>
+                <a:spcPct val="90000"/>
+              </a:lnSpc>
+              <a:spcBef>
+                <a:spcPts val="500"/>
+              </a:spcBef>
+              <a:buFont typeface="Arial" panose="020B0604020202020204" pitchFamily="34" charset="0"/>
+              <a:buChar char="•"/>
+              <a:defRPr sz="1800" kern="1200">
+                <a:solidFill>
+                  <a:schemeClr val="tx1"/>
+                </a:solidFill>
+                <a:latin typeface="+mn-lt"/>
+                <a:ea typeface="+mn-ea"/>
+                <a:cs typeface="+mn-cs"/>
+              </a:defRPr>
+            </a:lvl7pPr>
+            <a:lvl8pPr marL="3429000" indent="-228600" algn="l" defTabSz="914400" rtl="0" eaLnBrk="1" latinLnBrk="0" hangingPunct="1">
+              <a:lnSpc>
+                <a:spcPct val="90000"/>
+              </a:lnSpc>
+              <a:spcBef>
+                <a:spcPts val="500"/>
+              </a:spcBef>
+              <a:buFont typeface="Arial" panose="020B0604020202020204" pitchFamily="34" charset="0"/>
+              <a:buChar char="•"/>
+              <a:defRPr sz="1800" kern="1200">
+                <a:solidFill>
+                  <a:schemeClr val="tx1"/>
+                </a:solidFill>
+                <a:latin typeface="+mn-lt"/>
+                <a:ea typeface="+mn-ea"/>
+                <a:cs typeface="+mn-cs"/>
+              </a:defRPr>
+            </a:lvl8pPr>
+            <a:lvl9pPr marL="3886200" indent="-228600" algn="l" defTabSz="914400" rtl="0" eaLnBrk="1" latinLnBrk="0" hangingPunct="1">
+              <a:lnSpc>
+                <a:spcPct val="90000"/>
+              </a:lnSpc>
+              <a:spcBef>
+                <a:spcPts val="500"/>
+              </a:spcBef>
+              <a:buFont typeface="Arial" panose="020B0604020202020204" pitchFamily="34" charset="0"/>
+              <a:buChar char="•"/>
+              <a:defRPr sz="1800" kern="1200">
+                <a:solidFill>
+                  <a:schemeClr val="tx1"/>
+                </a:solidFill>
+                <a:latin typeface="+mn-lt"/>
+                <a:ea typeface="+mn-ea"/>
+                <a:cs typeface="+mn-cs"/>
+              </a:defRPr>
+            </a:lvl9pPr>
+          </a:lstStyle>
+          <a:p>
+            <a:pPr marL="0" indent="0">
+              <a:lnSpc>
+                <a:spcPct val="100000"/>
+              </a:lnSpc>
+              <a:buNone/>
+            </a:pPr>
+            <a:r>
+              <a:rPr lang="en-GB" sz="1600" dirty="0">
+                <a:latin typeface="DejaVu Sans Book" panose="020B0603030804020204" pitchFamily="34" charset="0"/>
+                <a:ea typeface="DejaVu Sans Book" panose="020B0603030804020204" pitchFamily="34" charset="0"/>
+                <a:cs typeface="DejaVu Sans Book" panose="020B0603030804020204" pitchFamily="34" charset="0"/>
+              </a:rPr>
+              <a:t>&gt; let b = 1, "</a:t>
+            </a:r>
+            <a:r>
+              <a:rPr lang="en-GB" sz="1600" dirty="0" err="1">
+                <a:latin typeface="DejaVu Sans Book" panose="020B0603030804020204" pitchFamily="34" charset="0"/>
+                <a:ea typeface="DejaVu Sans Book" panose="020B0603030804020204" pitchFamily="34" charset="0"/>
+                <a:cs typeface="DejaVu Sans Book" panose="020B0603030804020204" pitchFamily="34" charset="0"/>
+              </a:rPr>
+              <a:t>en</a:t>
+            </a:r>
+            <a:r>
+              <a:rPr lang="en-GB" sz="1600" dirty="0">
+                <a:latin typeface="DejaVu Sans Book" panose="020B0603030804020204" pitchFamily="34" charset="0"/>
+                <a:ea typeface="DejaVu Sans Book" panose="020B0603030804020204" pitchFamily="34" charset="0"/>
+                <a:cs typeface="DejaVu Sans Book" panose="020B0603030804020204" pitchFamily="34" charset="0"/>
+              </a:rPr>
+              <a:t>", '\049'</a:t>
+            </a:r>
+          </a:p>
+          <a:p>
+            <a:pPr marL="0" indent="0">
+              <a:lnSpc>
+                <a:spcPct val="100000"/>
+              </a:lnSpc>
+              <a:buNone/>
+            </a:pPr>
+            <a:r>
+              <a:rPr lang="en-GB" sz="1600" dirty="0" err="1">
+                <a:latin typeface="DejaVu Sans Book" panose="020B0603030804020204" pitchFamily="34" charset="0"/>
+                <a:ea typeface="DejaVu Sans Book" panose="020B0603030804020204" pitchFamily="34" charset="0"/>
+                <a:cs typeface="DejaVu Sans Book" panose="020B0603030804020204" pitchFamily="34" charset="0"/>
+              </a:rPr>
+              <a:t>val</a:t>
+            </a:r>
+            <a:r>
+              <a:rPr lang="en-GB" sz="1600" dirty="0">
+                <a:latin typeface="DejaVu Sans Book" panose="020B0603030804020204" pitchFamily="34" charset="0"/>
+                <a:ea typeface="DejaVu Sans Book" panose="020B0603030804020204" pitchFamily="34" charset="0"/>
+                <a:cs typeface="DejaVu Sans Book" panose="020B0603030804020204" pitchFamily="34" charset="0"/>
+              </a:rPr>
+              <a:t> b : </a:t>
+            </a:r>
+            <a:r>
+              <a:rPr lang="en-GB" sz="1600" dirty="0" err="1">
+                <a:latin typeface="DejaVu Sans Book" panose="020B0603030804020204" pitchFamily="34" charset="0"/>
+                <a:ea typeface="DejaVu Sans Book" panose="020B0603030804020204" pitchFamily="34" charset="0"/>
+                <a:cs typeface="DejaVu Sans Book" panose="020B0603030804020204" pitchFamily="34" charset="0"/>
+              </a:rPr>
+              <a:t>int</a:t>
+            </a:r>
+            <a:r>
+              <a:rPr lang="en-GB" sz="1600" dirty="0">
+                <a:latin typeface="DejaVu Sans Book" panose="020B0603030804020204" pitchFamily="34" charset="0"/>
+                <a:ea typeface="DejaVu Sans Book" panose="020B0603030804020204" pitchFamily="34" charset="0"/>
+                <a:cs typeface="DejaVu Sans Book" panose="020B0603030804020204" pitchFamily="34" charset="0"/>
+              </a:rPr>
+              <a:t> * string * char = (1, "</a:t>
+            </a:r>
+            <a:r>
+              <a:rPr lang="en-GB" sz="1600" dirty="0" err="1">
+                <a:latin typeface="DejaVu Sans Book" panose="020B0603030804020204" pitchFamily="34" charset="0"/>
+                <a:ea typeface="DejaVu Sans Book" panose="020B0603030804020204" pitchFamily="34" charset="0"/>
+                <a:cs typeface="DejaVu Sans Book" panose="020B0603030804020204" pitchFamily="34" charset="0"/>
+              </a:rPr>
+              <a:t>en</a:t>
+            </a:r>
+            <a:r>
+              <a:rPr lang="en-GB" sz="1600" dirty="0">
+                <a:latin typeface="DejaVu Sans Book" panose="020B0603030804020204" pitchFamily="34" charset="0"/>
+                <a:ea typeface="DejaVu Sans Book" panose="020B0603030804020204" pitchFamily="34" charset="0"/>
+                <a:cs typeface="DejaVu Sans Book" panose="020B0603030804020204" pitchFamily="34" charset="0"/>
+              </a:rPr>
+              <a:t>", '1’)</a:t>
+            </a:r>
+          </a:p>
+        </p:txBody>
+      </p:sp>
+      <p:sp>
+        <p:nvSpPr>
+          <p:cNvPr id="11" name="Content Placeholder 2">
             <a:extLst>
               <a:ext uri="{FF2B5EF4-FFF2-40B4-BE49-F238E27FC236}">
-                <a16:creationId xmlns:a16="http://schemas.microsoft.com/office/drawing/2014/main" id="{D25D2CFC-D1A0-E74A-94DF-427794B8111F}"/>
+                <a16:creationId xmlns:a16="http://schemas.microsoft.com/office/drawing/2014/main" id="{D13664CF-F03D-514D-A2F1-7D8404E856EA}"/>
               </a:ext>
             </a:extLst>
           </p:cNvPr>
-          <p:cNvPicPr>
-            <a:picLocks noChangeAspect="1"/>
-          </p:cNvPicPr>
+          <p:cNvSpPr txBox="1">
+            <a:spLocks/>
+          </p:cNvSpPr>
           <p:nvPr/>
-        </p:nvPicPr>
-        <p:blipFill>
-          <a:blip r:embed="rId3"/>
-          <a:stretch>
-            <a:fillRect/>
-          </a:stretch>
-        </p:blipFill>
+        </p:nvSpPr>
         <p:spPr>
           <a:xfrm>
-            <a:off x="225741" y="2742162"/>
-            <a:ext cx="2798371" cy="2098779"/>
+            <a:off x="6972300" y="3120736"/>
+            <a:ext cx="4381500" cy="2346673"/>
           </a:xfrm>
           <a:prstGeom prst="rect">
             <a:avLst/>
           </a:prstGeom>
         </p:spPr>
-      </p:pic>
-      <p:grpSp>
-        <p:nvGrpSpPr>
-          <p:cNvPr id="16" name="Group 15">
+        <p:txBody>
+          <a:bodyPr vert="horz" lIns="91440" tIns="45720" rIns="91440" bIns="45720" rtlCol="0">
+            <a:noAutofit/>
+          </a:bodyPr>
+          <a:lstStyle>
+            <a:lvl1pPr marL="228600" indent="-228600" algn="l" defTabSz="914400" rtl="0" eaLnBrk="1" latinLnBrk="0" hangingPunct="1">
+              <a:lnSpc>
+                <a:spcPct val="90000"/>
+              </a:lnSpc>
+              <a:spcBef>
+                <a:spcPts val="1000"/>
+              </a:spcBef>
+              <a:buFont typeface="Arial" panose="020B0604020202020204" pitchFamily="34" charset="0"/>
+              <a:buChar char="•"/>
+              <a:defRPr sz="2800" kern="1200">
+                <a:solidFill>
+                  <a:schemeClr val="tx1"/>
+                </a:solidFill>
+                <a:latin typeface="+mn-lt"/>
+                <a:ea typeface="+mn-ea"/>
+                <a:cs typeface="+mn-cs"/>
+              </a:defRPr>
+            </a:lvl1pPr>
+            <a:lvl2pPr marL="685800" indent="-228600" algn="l" defTabSz="914400" rtl="0" eaLnBrk="1" latinLnBrk="0" hangingPunct="1">
+              <a:lnSpc>
+                <a:spcPct val="90000"/>
+              </a:lnSpc>
+              <a:spcBef>
+                <a:spcPts val="500"/>
+              </a:spcBef>
+              <a:buFont typeface="Arial" panose="020B0604020202020204" pitchFamily="34" charset="0"/>
+              <a:buChar char="•"/>
+              <a:defRPr sz="2400" kern="1200">
+                <a:solidFill>
+                  <a:schemeClr val="tx1"/>
+                </a:solidFill>
+                <a:latin typeface="+mn-lt"/>
+                <a:ea typeface="+mn-ea"/>
+                <a:cs typeface="+mn-cs"/>
+              </a:defRPr>
+            </a:lvl2pPr>
+            <a:lvl3pPr marL="1143000" indent="-228600" algn="l" defTabSz="914400" rtl="0" eaLnBrk="1" latinLnBrk="0" hangingPunct="1">
+              <a:lnSpc>
+                <a:spcPct val="90000"/>
+              </a:lnSpc>
+              <a:spcBef>
+                <a:spcPts val="500"/>
+              </a:spcBef>
+              <a:buFont typeface="Arial" panose="020B0604020202020204" pitchFamily="34" charset="0"/>
+              <a:buChar char="•"/>
+              <a:defRPr sz="2000" kern="1200">
+                <a:solidFill>
+                  <a:schemeClr val="tx1"/>
+                </a:solidFill>
+                <a:latin typeface="+mn-lt"/>
+                <a:ea typeface="+mn-ea"/>
+                <a:cs typeface="+mn-cs"/>
+              </a:defRPr>
+            </a:lvl3pPr>
+            <a:lvl4pPr marL="1600200" indent="-228600" algn="l" defTabSz="914400" rtl="0" eaLnBrk="1" latinLnBrk="0" hangingPunct="1">
+              <a:lnSpc>
+                <a:spcPct val="90000"/>
+              </a:lnSpc>
+              <a:spcBef>
+                <a:spcPts val="500"/>
+              </a:spcBef>
+              <a:buFont typeface="Arial" panose="020B0604020202020204" pitchFamily="34" charset="0"/>
+              <a:buChar char="•"/>
+              <a:defRPr sz="1800" kern="1200">
+                <a:solidFill>
+                  <a:schemeClr val="tx1"/>
+                </a:solidFill>
+                <a:latin typeface="+mn-lt"/>
+                <a:ea typeface="+mn-ea"/>
+                <a:cs typeface="+mn-cs"/>
+              </a:defRPr>
+            </a:lvl4pPr>
+            <a:lvl5pPr marL="2057400" indent="-228600" algn="l" defTabSz="914400" rtl="0" eaLnBrk="1" latinLnBrk="0" hangingPunct="1">
+              <a:lnSpc>
+                <a:spcPct val="90000"/>
+              </a:lnSpc>
+              <a:spcBef>
+                <a:spcPts val="500"/>
+              </a:spcBef>
+              <a:buFont typeface="Arial" panose="020B0604020202020204" pitchFamily="34" charset="0"/>
+              <a:buChar char="•"/>
+              <a:defRPr sz="1800" kern="1200">
+                <a:solidFill>
+                  <a:schemeClr val="tx1"/>
+                </a:solidFill>
+                <a:latin typeface="+mn-lt"/>
+                <a:ea typeface="+mn-ea"/>
+                <a:cs typeface="+mn-cs"/>
+              </a:defRPr>
+            </a:lvl5pPr>
+            <a:lvl6pPr marL="2514600" indent="-228600" algn="l" defTabSz="914400" rtl="0" eaLnBrk="1" latinLnBrk="0" hangingPunct="1">
+              <a:lnSpc>
+                <a:spcPct val="90000"/>
+              </a:lnSpc>
+              <a:spcBef>
+                <a:spcPts val="500"/>
+              </a:spcBef>
+              <a:buFont typeface="Arial" panose="020B0604020202020204" pitchFamily="34" charset="0"/>
+              <a:buChar char="•"/>
+              <a:defRPr sz="1800" kern="1200">
+                <a:solidFill>
+                  <a:schemeClr val="tx1"/>
+                </a:solidFill>
+                <a:latin typeface="+mn-lt"/>
+                <a:ea typeface="+mn-ea"/>
+                <a:cs typeface="+mn-cs"/>
+              </a:defRPr>
+            </a:lvl6pPr>
+            <a:lvl7pPr marL="2971800" indent="-228600" algn="l" defTabSz="914400" rtl="0" eaLnBrk="1" latinLnBrk="0" hangingPunct="1">
+              <a:lnSpc>
+                <a:spcPct val="90000"/>
+              </a:lnSpc>
+              <a:spcBef>
+                <a:spcPts val="500"/>
+              </a:spcBef>
+              <a:buFont typeface="Arial" panose="020B0604020202020204" pitchFamily="34" charset="0"/>
+              <a:buChar char="•"/>
+              <a:defRPr sz="1800" kern="1200">
+                <a:solidFill>
+                  <a:schemeClr val="tx1"/>
+                </a:solidFill>
+                <a:latin typeface="+mn-lt"/>
+                <a:ea typeface="+mn-ea"/>
+                <a:cs typeface="+mn-cs"/>
+              </a:defRPr>
+            </a:lvl7pPr>
+            <a:lvl8pPr marL="3429000" indent="-228600" algn="l" defTabSz="914400" rtl="0" eaLnBrk="1" latinLnBrk="0" hangingPunct="1">
+              <a:lnSpc>
+                <a:spcPct val="90000"/>
+              </a:lnSpc>
+              <a:spcBef>
+                <a:spcPts val="500"/>
+              </a:spcBef>
+              <a:buFont typeface="Arial" panose="020B0604020202020204" pitchFamily="34" charset="0"/>
+              <a:buChar char="•"/>
+              <a:defRPr sz="1800" kern="1200">
+                <a:solidFill>
+                  <a:schemeClr val="tx1"/>
+                </a:solidFill>
+                <a:latin typeface="+mn-lt"/>
+                <a:ea typeface="+mn-ea"/>
+                <a:cs typeface="+mn-cs"/>
+              </a:defRPr>
+            </a:lvl8pPr>
+            <a:lvl9pPr marL="3886200" indent="-228600" algn="l" defTabSz="914400" rtl="0" eaLnBrk="1" latinLnBrk="0" hangingPunct="1">
+              <a:lnSpc>
+                <a:spcPct val="90000"/>
+              </a:lnSpc>
+              <a:spcBef>
+                <a:spcPts val="500"/>
+              </a:spcBef>
+              <a:buFont typeface="Arial" panose="020B0604020202020204" pitchFamily="34" charset="0"/>
+              <a:buChar char="•"/>
+              <a:defRPr sz="1800" kern="1200">
+                <a:solidFill>
+                  <a:schemeClr val="tx1"/>
+                </a:solidFill>
+                <a:latin typeface="+mn-lt"/>
+                <a:ea typeface="+mn-ea"/>
+                <a:cs typeface="+mn-cs"/>
+              </a:defRPr>
+            </a:lvl9pPr>
+          </a:lstStyle>
+          <a:p>
+            <a:pPr marL="0" indent="0">
+              <a:lnSpc>
+                <a:spcPct val="100000"/>
+              </a:lnSpc>
+              <a:buNone/>
+            </a:pPr>
+            <a:r>
+              <a:rPr lang="en-GB" sz="1600" dirty="0">
+                <a:latin typeface="DejaVu Sans Book" panose="020B0603030804020204" pitchFamily="34" charset="0"/>
+                <a:ea typeface="DejaVu Sans Book" panose="020B0603030804020204" pitchFamily="34" charset="0"/>
+                <a:cs typeface="DejaVu Sans Book" panose="020B0603030804020204" pitchFamily="34" charset="0"/>
+              </a:rPr>
+              <a:t>&gt; let mutable c = (1,2) </a:t>
+            </a:r>
+          </a:p>
+          <a:p>
+            <a:pPr marL="0" indent="0">
+              <a:lnSpc>
+                <a:spcPct val="100000"/>
+              </a:lnSpc>
+              <a:buNone/>
+            </a:pPr>
+            <a:r>
+              <a:rPr lang="en-GB" sz="1600" dirty="0">
+                <a:latin typeface="DejaVu Sans Book" panose="020B0603030804020204" pitchFamily="34" charset="0"/>
+                <a:ea typeface="DejaVu Sans Book" panose="020B0603030804020204" pitchFamily="34" charset="0"/>
+                <a:cs typeface="DejaVu Sans Book" panose="020B0603030804020204" pitchFamily="34" charset="0"/>
+              </a:rPr>
+              <a:t>- c &lt;- (2,3)</a:t>
+            </a:r>
+          </a:p>
+          <a:p>
+            <a:pPr marL="0" indent="0">
+              <a:lnSpc>
+                <a:spcPct val="100000"/>
+              </a:lnSpc>
+              <a:buNone/>
+            </a:pPr>
+            <a:r>
+              <a:rPr lang="en-GB" sz="1600" dirty="0">
+                <a:latin typeface="DejaVu Sans Book" panose="020B0603030804020204" pitchFamily="34" charset="0"/>
+                <a:ea typeface="DejaVu Sans Book" panose="020B0603030804020204" pitchFamily="34" charset="0"/>
+                <a:cs typeface="DejaVu Sans Book" panose="020B0603030804020204" pitchFamily="34" charset="0"/>
+              </a:rPr>
+              <a:t>- </a:t>
+            </a:r>
+            <a:r>
+              <a:rPr lang="en-GB" sz="1600" dirty="0" err="1">
+                <a:latin typeface="DejaVu Sans Book" panose="020B0603030804020204" pitchFamily="34" charset="0"/>
+                <a:ea typeface="DejaVu Sans Book" panose="020B0603030804020204" pitchFamily="34" charset="0"/>
+                <a:cs typeface="DejaVu Sans Book" panose="020B0603030804020204" pitchFamily="34" charset="0"/>
+              </a:rPr>
+              <a:t>printfn</a:t>
+            </a:r>
+            <a:r>
+              <a:rPr lang="en-GB" sz="1600" dirty="0">
+                <a:latin typeface="DejaVu Sans Book" panose="020B0603030804020204" pitchFamily="34" charset="0"/>
+                <a:ea typeface="DejaVu Sans Book" panose="020B0603030804020204" pitchFamily="34" charset="0"/>
+                <a:cs typeface="DejaVu Sans Book" panose="020B0603030804020204" pitchFamily="34" charset="0"/>
+              </a:rPr>
+              <a:t> "%A" c;;</a:t>
+            </a:r>
+          </a:p>
+          <a:p>
+            <a:pPr marL="0" indent="0">
+              <a:lnSpc>
+                <a:spcPct val="100000"/>
+              </a:lnSpc>
+              <a:buNone/>
+            </a:pPr>
+            <a:r>
+              <a:rPr lang="en-GB" sz="1600" dirty="0">
+                <a:latin typeface="DejaVu Sans Book" panose="020B0603030804020204" pitchFamily="34" charset="0"/>
+                <a:ea typeface="DejaVu Sans Book" panose="020B0603030804020204" pitchFamily="34" charset="0"/>
+                <a:cs typeface="DejaVu Sans Book" panose="020B0603030804020204" pitchFamily="34" charset="0"/>
+              </a:rPr>
+              <a:t>(2, 3)</a:t>
+            </a:r>
+          </a:p>
+          <a:p>
+            <a:pPr marL="0" indent="0">
+              <a:lnSpc>
+                <a:spcPct val="100000"/>
+              </a:lnSpc>
+              <a:buNone/>
+            </a:pPr>
+            <a:r>
+              <a:rPr lang="en-GB" sz="1600" dirty="0" err="1">
+                <a:latin typeface="DejaVu Sans Book" panose="020B0603030804020204" pitchFamily="34" charset="0"/>
+                <a:ea typeface="DejaVu Sans Book" panose="020B0603030804020204" pitchFamily="34" charset="0"/>
+                <a:cs typeface="DejaVu Sans Book" panose="020B0603030804020204" pitchFamily="34" charset="0"/>
+              </a:rPr>
+              <a:t>val</a:t>
+            </a:r>
+            <a:r>
+              <a:rPr lang="en-GB" sz="1600" dirty="0">
+                <a:latin typeface="DejaVu Sans Book" panose="020B0603030804020204" pitchFamily="34" charset="0"/>
+                <a:ea typeface="DejaVu Sans Book" panose="020B0603030804020204" pitchFamily="34" charset="0"/>
+                <a:cs typeface="DejaVu Sans Book" panose="020B0603030804020204" pitchFamily="34" charset="0"/>
+              </a:rPr>
+              <a:t> mutable c : </a:t>
+            </a:r>
+            <a:r>
+              <a:rPr lang="en-GB" sz="1600" dirty="0" err="1">
+                <a:latin typeface="DejaVu Sans Book" panose="020B0603030804020204" pitchFamily="34" charset="0"/>
+                <a:ea typeface="DejaVu Sans Book" panose="020B0603030804020204" pitchFamily="34" charset="0"/>
+                <a:cs typeface="DejaVu Sans Book" panose="020B0603030804020204" pitchFamily="34" charset="0"/>
+              </a:rPr>
+              <a:t>int</a:t>
+            </a:r>
+            <a:r>
+              <a:rPr lang="en-GB" sz="1600" dirty="0">
+                <a:latin typeface="DejaVu Sans Book" panose="020B0603030804020204" pitchFamily="34" charset="0"/>
+                <a:ea typeface="DejaVu Sans Book" panose="020B0603030804020204" pitchFamily="34" charset="0"/>
+                <a:cs typeface="DejaVu Sans Book" panose="020B0603030804020204" pitchFamily="34" charset="0"/>
+              </a:rPr>
+              <a:t> * </a:t>
+            </a:r>
+            <a:r>
+              <a:rPr lang="en-GB" sz="1600" dirty="0" err="1">
+                <a:latin typeface="DejaVu Sans Book" panose="020B0603030804020204" pitchFamily="34" charset="0"/>
+                <a:ea typeface="DejaVu Sans Book" panose="020B0603030804020204" pitchFamily="34" charset="0"/>
+                <a:cs typeface="DejaVu Sans Book" panose="020B0603030804020204" pitchFamily="34" charset="0"/>
+              </a:rPr>
+              <a:t>int</a:t>
+            </a:r>
+            <a:r>
+              <a:rPr lang="en-GB" sz="1600" dirty="0">
+                <a:latin typeface="DejaVu Sans Book" panose="020B0603030804020204" pitchFamily="34" charset="0"/>
+                <a:ea typeface="DejaVu Sans Book" panose="020B0603030804020204" pitchFamily="34" charset="0"/>
+                <a:cs typeface="DejaVu Sans Book" panose="020B0603030804020204" pitchFamily="34" charset="0"/>
+              </a:rPr>
+              <a:t> = (2, 3)</a:t>
+            </a:r>
+          </a:p>
+          <a:p>
+            <a:pPr marL="0" indent="0">
+              <a:lnSpc>
+                <a:spcPct val="100000"/>
+              </a:lnSpc>
+              <a:buNone/>
+            </a:pPr>
+            <a:r>
+              <a:rPr lang="en-GB" sz="1600" dirty="0" err="1">
+                <a:latin typeface="DejaVu Sans Book" panose="020B0603030804020204" pitchFamily="34" charset="0"/>
+                <a:ea typeface="DejaVu Sans Book" panose="020B0603030804020204" pitchFamily="34" charset="0"/>
+                <a:cs typeface="DejaVu Sans Book" panose="020B0603030804020204" pitchFamily="34" charset="0"/>
+              </a:rPr>
+              <a:t>val</a:t>
+            </a:r>
+            <a:r>
+              <a:rPr lang="en-GB" sz="1600" dirty="0">
+                <a:latin typeface="DejaVu Sans Book" panose="020B0603030804020204" pitchFamily="34" charset="0"/>
+                <a:ea typeface="DejaVu Sans Book" panose="020B0603030804020204" pitchFamily="34" charset="0"/>
+                <a:cs typeface="DejaVu Sans Book" panose="020B0603030804020204" pitchFamily="34" charset="0"/>
+              </a:rPr>
+              <a:t> it : unit = ()</a:t>
+            </a:r>
+          </a:p>
+          <a:p>
+            <a:pPr marL="0" indent="0">
+              <a:lnSpc>
+                <a:spcPct val="100000"/>
+              </a:lnSpc>
+              <a:buNone/>
+            </a:pPr>
+            <a:endParaRPr lang="en-GB" sz="1600" dirty="0">
+              <a:latin typeface="DejaVu Sans Book" panose="020B0603030804020204" pitchFamily="34" charset="0"/>
+              <a:ea typeface="DejaVu Sans Book" panose="020B0603030804020204" pitchFamily="34" charset="0"/>
+              <a:cs typeface="DejaVu Sans Book" panose="020B0603030804020204" pitchFamily="34" charset="0"/>
+            </a:endParaRPr>
+          </a:p>
+        </p:txBody>
+      </p:sp>
+      <p:sp>
+        <p:nvSpPr>
+          <p:cNvPr id="12" name="TextBox 11">
             <a:extLst>
               <a:ext uri="{FF2B5EF4-FFF2-40B4-BE49-F238E27FC236}">
-                <a16:creationId xmlns:a16="http://schemas.microsoft.com/office/drawing/2014/main" id="{BC94B17B-70D3-8D4F-9CD5-1B243EB55456}"/>
+                <a16:creationId xmlns:a16="http://schemas.microsoft.com/office/drawing/2014/main" id="{045466FA-B249-8944-AD53-6E3A712F14C7}"/>
               </a:ext>
             </a:extLst>
           </p:cNvPr>
-          <p:cNvGrpSpPr>
-            <a:grpSpLocks noChangeAspect="1"/>
-          </p:cNvGrpSpPr>
+          <p:cNvSpPr txBox="1"/>
           <p:nvPr/>
-        </p:nvGrpSpPr>
-        <p:grpSpPr>
+        </p:nvSpPr>
+        <p:spPr>
           <a:xfrm>
-            <a:off x="7856518" y="2783435"/>
-            <a:ext cx="4016188" cy="3950336"/>
-            <a:chOff x="736441" y="1690690"/>
-            <a:chExt cx="3422732" cy="3223820"/>
+            <a:off x="4279535" y="1752994"/>
+            <a:ext cx="1340303" cy="369332"/>
           </a:xfrm>
-        </p:grpSpPr>
-        <p:pic>
-          <p:nvPicPr>
-            <p:cNvPr id="17" name="Picture 16">
-              <a:extLst>
-                <a:ext uri="{FF2B5EF4-FFF2-40B4-BE49-F238E27FC236}">
-                  <a16:creationId xmlns:a16="http://schemas.microsoft.com/office/drawing/2014/main" id="{D0794D2D-AAFD-B544-B3D6-1ABC556F51FF}"/>
-                </a:ext>
-              </a:extLst>
-            </p:cNvPr>
-            <p:cNvPicPr>
-              <a:picLocks noChangeAspect="1"/>
-            </p:cNvPicPr>
-            <p:nvPr/>
-          </p:nvPicPr>
-          <p:blipFill>
-            <a:blip r:embed="rId4"/>
-            <a:stretch>
-              <a:fillRect/>
-            </a:stretch>
-          </p:blipFill>
-          <p:spPr>
-            <a:xfrm>
-              <a:off x="838199" y="1690690"/>
-              <a:ext cx="2696235" cy="2696235"/>
-            </a:xfrm>
-            <a:prstGeom prst="rect">
-              <a:avLst/>
-            </a:prstGeom>
-          </p:spPr>
-        </p:pic>
-        <p:sp>
-          <p:nvSpPr>
-            <p:cNvPr id="18" name="TextBox 17">
-              <a:extLst>
-                <a:ext uri="{FF2B5EF4-FFF2-40B4-BE49-F238E27FC236}">
-                  <a16:creationId xmlns:a16="http://schemas.microsoft.com/office/drawing/2014/main" id="{849D9EC2-1B43-CC4B-BDDA-D6D84CF01454}"/>
-                </a:ext>
-              </a:extLst>
-            </p:cNvPr>
-            <p:cNvSpPr txBox="1"/>
-            <p:nvPr/>
-          </p:nvSpPr>
-          <p:spPr>
-            <a:xfrm>
-              <a:off x="736441" y="4514400"/>
-              <a:ext cx="3422732" cy="400110"/>
-            </a:xfrm>
-            <a:prstGeom prst="rect">
-              <a:avLst/>
-            </a:prstGeom>
-            <a:noFill/>
-          </p:spPr>
-          <p:txBody>
-            <a:bodyPr wrap="none" rtlCol="0">
-              <a:spAutoFit/>
-            </a:bodyPr>
-            <a:lstStyle/>
-            <a:p>
-              <a:r>
-                <a:rPr lang="en-GB" sz="1000" dirty="0"/>
-                <a:t>By I, </a:t>
-              </a:r>
-              <a:r>
-                <a:rPr lang="en-GB" sz="1000" dirty="0" err="1"/>
-                <a:t>KSmrq</a:t>
-              </a:r>
-              <a:r>
-                <a:rPr lang="en-GB" sz="1000" dirty="0"/>
-                <a:t>, CC BY-SA 3.0, </a:t>
-              </a:r>
-            </a:p>
-            <a:p>
-              <a:r>
-                <a:rPr lang="en-GB" sz="1000" dirty="0"/>
-                <a:t>https://</a:t>
-              </a:r>
-              <a:r>
-                <a:rPr lang="en-GB" sz="1000" dirty="0" err="1"/>
-                <a:t>commons.wikimedia.org</a:t>
-              </a:r>
-              <a:r>
-                <a:rPr lang="en-GB" sz="1000" dirty="0"/>
-                <a:t>/w/</a:t>
-              </a:r>
-              <a:r>
-                <a:rPr lang="en-GB" sz="1000" dirty="0" err="1"/>
-                <a:t>index.php?curid</a:t>
-              </a:r>
-              <a:r>
-                <a:rPr lang="en-GB" sz="1000" dirty="0"/>
-                <a:t>=2347919</a:t>
-              </a:r>
-            </a:p>
-          </p:txBody>
-        </p:sp>
-      </p:grpSp>
+          <a:prstGeom prst="rect">
+            <a:avLst/>
+          </a:prstGeom>
+          <a:noFill/>
+        </p:spPr>
+        <p:txBody>
+          <a:bodyPr wrap="none" rtlCol="0">
+            <a:spAutoFit/>
+          </a:bodyPr>
+          <a:lstStyle/>
+          <a:p>
+            <a:r>
+              <a:rPr lang="en-GB" dirty="0" err="1"/>
+              <a:t>Produkttype</a:t>
+            </a:r>
+            <a:endParaRPr lang="en-GB" dirty="0"/>
+          </a:p>
+        </p:txBody>
+      </p:sp>
+      <p:sp>
+        <p:nvSpPr>
+          <p:cNvPr id="13" name="TextBox 12">
+            <a:extLst>
+              <a:ext uri="{FF2B5EF4-FFF2-40B4-BE49-F238E27FC236}">
+                <a16:creationId xmlns:a16="http://schemas.microsoft.com/office/drawing/2014/main" id="{73DECA91-78DF-4D4F-84DD-1FBE21BE2FBC}"/>
+              </a:ext>
+            </a:extLst>
+          </p:cNvPr>
+          <p:cNvSpPr txBox="1"/>
+          <p:nvPr/>
+        </p:nvSpPr>
+        <p:spPr>
+          <a:xfrm>
+            <a:off x="3807728" y="3786520"/>
+            <a:ext cx="2385178" cy="646331"/>
+          </a:xfrm>
+          <a:prstGeom prst="rect">
+            <a:avLst/>
+          </a:prstGeom>
+          <a:noFill/>
+        </p:spPr>
+        <p:txBody>
+          <a:bodyPr wrap="square" rtlCol="0">
+            <a:spAutoFit/>
+          </a:bodyPr>
+          <a:lstStyle/>
+          <a:p>
+            <a:r>
+              <a:rPr lang="en-GB" dirty="0" err="1"/>
+              <a:t>Parentes</a:t>
+            </a:r>
+            <a:r>
+              <a:rPr lang="en-GB" dirty="0"/>
+              <a:t> </a:t>
+            </a:r>
+            <a:r>
+              <a:rPr lang="en-GB" dirty="0" err="1"/>
+              <a:t>unødvendig</a:t>
+            </a:r>
+            <a:r>
+              <a:rPr lang="en-GB" dirty="0"/>
+              <a:t> men </a:t>
+            </a:r>
+            <a:r>
+              <a:rPr lang="en-GB" dirty="0" err="1"/>
+              <a:t>anbefalelses</a:t>
+            </a:r>
+            <a:endParaRPr lang="en-GB" dirty="0"/>
+          </a:p>
+        </p:txBody>
+      </p:sp>
+      <p:sp>
+        <p:nvSpPr>
+          <p:cNvPr id="14" name="TextBox 13">
+            <a:extLst>
+              <a:ext uri="{FF2B5EF4-FFF2-40B4-BE49-F238E27FC236}">
+                <a16:creationId xmlns:a16="http://schemas.microsoft.com/office/drawing/2014/main" id="{D45E0578-932F-3F4C-AFDD-5C478D815808}"/>
+              </a:ext>
+            </a:extLst>
+          </p:cNvPr>
+          <p:cNvSpPr txBox="1"/>
+          <p:nvPr/>
+        </p:nvSpPr>
+        <p:spPr>
+          <a:xfrm>
+            <a:off x="4299650" y="2308091"/>
+            <a:ext cx="1669774" cy="646331"/>
+          </a:xfrm>
+          <a:prstGeom prst="rect">
+            <a:avLst/>
+          </a:prstGeom>
+          <a:noFill/>
+        </p:spPr>
+        <p:txBody>
+          <a:bodyPr wrap="square" rtlCol="0">
+            <a:spAutoFit/>
+          </a:bodyPr>
+          <a:lstStyle/>
+          <a:p>
+            <a:r>
+              <a:rPr lang="en-GB" dirty="0" err="1"/>
+              <a:t>Funktioner</a:t>
+            </a:r>
+            <a:r>
+              <a:rPr lang="en-GB" dirty="0"/>
+              <a:t> </a:t>
+            </a:r>
+            <a:r>
+              <a:rPr lang="en-GB" dirty="0" err="1"/>
+              <a:t>til</a:t>
+            </a:r>
+            <a:r>
+              <a:rPr lang="en-GB" dirty="0"/>
+              <a:t> at </a:t>
+            </a:r>
+            <a:r>
+              <a:rPr lang="en-GB" dirty="0" err="1"/>
+              <a:t>indicerer</a:t>
+            </a:r>
+            <a:r>
+              <a:rPr lang="en-GB" dirty="0"/>
+              <a:t> i par</a:t>
+            </a:r>
+          </a:p>
+        </p:txBody>
+      </p:sp>
+      <p:sp>
+        <p:nvSpPr>
+          <p:cNvPr id="15" name="TextBox 14">
+            <a:extLst>
+              <a:ext uri="{FF2B5EF4-FFF2-40B4-BE49-F238E27FC236}">
+                <a16:creationId xmlns:a16="http://schemas.microsoft.com/office/drawing/2014/main" id="{CC659B0F-6146-7D4F-9515-0B23BAAFC03F}"/>
+              </a:ext>
+            </a:extLst>
+          </p:cNvPr>
+          <p:cNvSpPr txBox="1"/>
+          <p:nvPr/>
+        </p:nvSpPr>
+        <p:spPr>
+          <a:xfrm>
+            <a:off x="9343463" y="251800"/>
+            <a:ext cx="2848537" cy="923330"/>
+          </a:xfrm>
+          <a:prstGeom prst="rect">
+            <a:avLst/>
+          </a:prstGeom>
+          <a:noFill/>
+        </p:spPr>
+        <p:txBody>
+          <a:bodyPr wrap="square" rtlCol="0">
+            <a:spAutoFit/>
+          </a:bodyPr>
+          <a:lstStyle/>
+          <a:p>
+            <a:r>
+              <a:rPr lang="en-GB" dirty="0" err="1"/>
+              <a:t>Venstre</a:t>
+            </a:r>
+            <a:r>
+              <a:rPr lang="en-GB" dirty="0"/>
+              <a:t> side </a:t>
+            </a:r>
+            <a:r>
+              <a:rPr lang="en-GB" dirty="0" err="1"/>
+              <a:t>af</a:t>
+            </a:r>
+            <a:r>
+              <a:rPr lang="en-GB" dirty="0"/>
+              <a:t> </a:t>
+            </a:r>
+            <a:r>
+              <a:rPr lang="en-GB" dirty="0" err="1"/>
+              <a:t>en</a:t>
+            </a:r>
+            <a:r>
+              <a:rPr lang="en-GB" dirty="0"/>
+              <a:t> binding </a:t>
+            </a:r>
+            <a:r>
+              <a:rPr lang="en-GB" dirty="0" err="1"/>
+              <a:t>kan</a:t>
+            </a:r>
+            <a:r>
+              <a:rPr lang="en-GB" dirty="0"/>
+              <a:t> have </a:t>
+            </a:r>
+            <a:r>
+              <a:rPr lang="en-GB" dirty="0" err="1"/>
+              <a:t>navngivne</a:t>
+            </a:r>
+            <a:r>
+              <a:rPr lang="en-GB" dirty="0"/>
+              <a:t> tuple-</a:t>
+            </a:r>
+            <a:r>
+              <a:rPr lang="en-GB" dirty="0" err="1"/>
+              <a:t>elementer</a:t>
+            </a:r>
+            <a:endParaRPr lang="en-GB" dirty="0"/>
+          </a:p>
+        </p:txBody>
+      </p:sp>
+      <p:sp>
+        <p:nvSpPr>
+          <p:cNvPr id="16" name="TextBox 15">
+            <a:extLst>
+              <a:ext uri="{FF2B5EF4-FFF2-40B4-BE49-F238E27FC236}">
+                <a16:creationId xmlns:a16="http://schemas.microsoft.com/office/drawing/2014/main" id="{2E127B64-92ED-C449-BD3D-8866CB2DDEC2}"/>
+              </a:ext>
+            </a:extLst>
+          </p:cNvPr>
+          <p:cNvSpPr txBox="1"/>
+          <p:nvPr/>
+        </p:nvSpPr>
+        <p:spPr>
+          <a:xfrm>
+            <a:off x="9819862" y="2262544"/>
+            <a:ext cx="2629876" cy="923330"/>
+          </a:xfrm>
+          <a:prstGeom prst="rect">
+            <a:avLst/>
+          </a:prstGeom>
+          <a:noFill/>
+        </p:spPr>
+        <p:txBody>
+          <a:bodyPr wrap="square" rtlCol="0">
+            <a:spAutoFit/>
+          </a:bodyPr>
+          <a:lstStyle/>
+          <a:p>
+            <a:r>
+              <a:rPr lang="en-GB" dirty="0"/>
+              <a:t>Hele </a:t>
+            </a:r>
+            <a:r>
+              <a:rPr lang="en-GB" dirty="0" err="1"/>
+              <a:t>typen</a:t>
+            </a:r>
+            <a:r>
+              <a:rPr lang="en-GB" dirty="0"/>
+              <a:t> - </a:t>
+            </a:r>
+            <a:r>
+              <a:rPr lang="en-GB" dirty="0" err="1"/>
+              <a:t>ikke</a:t>
+            </a:r>
+            <a:r>
+              <a:rPr lang="en-GB" dirty="0"/>
+              <a:t> </a:t>
+            </a:r>
+            <a:r>
+              <a:rPr lang="en-GB" dirty="0" err="1"/>
+              <a:t>enkelt</a:t>
+            </a:r>
+            <a:r>
+              <a:rPr lang="en-GB" dirty="0"/>
+              <a:t> - </a:t>
+            </a:r>
+            <a:r>
+              <a:rPr lang="en-GB" dirty="0" err="1"/>
+              <a:t>elementer</a:t>
+            </a:r>
+            <a:r>
+              <a:rPr lang="en-GB" dirty="0"/>
+              <a:t> </a:t>
+            </a:r>
+            <a:r>
+              <a:rPr lang="en-GB" dirty="0" err="1"/>
+              <a:t>kan</a:t>
+            </a:r>
+            <a:r>
+              <a:rPr lang="en-GB" dirty="0"/>
+              <a:t> </a:t>
+            </a:r>
+            <a:r>
+              <a:rPr lang="en-GB" dirty="0" err="1"/>
+              <a:t>være</a:t>
+            </a:r>
+            <a:r>
+              <a:rPr lang="en-GB" dirty="0"/>
+              <a:t> </a:t>
+            </a:r>
+            <a:r>
+              <a:rPr lang="en-GB" dirty="0" err="1"/>
+              <a:t>mutérbare</a:t>
+            </a:r>
+            <a:endParaRPr lang="en-GB" dirty="0"/>
+          </a:p>
+        </p:txBody>
+      </p:sp>
+      <p:cxnSp>
+        <p:nvCxnSpPr>
+          <p:cNvPr id="18" name="Curved Connector 17">
+            <a:extLst>
+              <a:ext uri="{FF2B5EF4-FFF2-40B4-BE49-F238E27FC236}">
+                <a16:creationId xmlns:a16="http://schemas.microsoft.com/office/drawing/2014/main" id="{B7059E8C-50FC-434A-9B88-95A82A8F042F}"/>
+              </a:ext>
+            </a:extLst>
+          </p:cNvPr>
+          <p:cNvCxnSpPr>
+            <a:cxnSpLocks/>
+            <a:stCxn id="12" idx="1"/>
+          </p:cNvCxnSpPr>
+          <p:nvPr/>
+        </p:nvCxnSpPr>
+        <p:spPr>
+          <a:xfrm rot="10800000" flipV="1">
+            <a:off x="2944369" y="1937660"/>
+            <a:ext cx="1335167" cy="585128"/>
+          </a:xfrm>
+          <a:prstGeom prst="curvedConnector3">
+            <a:avLst>
+              <a:gd name="adj1" fmla="val 69176"/>
+            </a:avLst>
+          </a:prstGeom>
+          <a:ln>
+            <a:tailEnd type="triangle"/>
+          </a:ln>
+        </p:spPr>
+        <p:style>
+          <a:lnRef idx="1">
+            <a:schemeClr val="accent1"/>
+          </a:lnRef>
+          <a:fillRef idx="0">
+            <a:schemeClr val="accent1"/>
+          </a:fillRef>
+          <a:effectRef idx="0">
+            <a:schemeClr val="accent1"/>
+          </a:effectRef>
+          <a:fontRef idx="minor">
+            <a:schemeClr val="tx1"/>
+          </a:fontRef>
+        </p:style>
+      </p:cxnSp>
+      <p:cxnSp>
+        <p:nvCxnSpPr>
+          <p:cNvPr id="22" name="Curved Connector 21">
+            <a:extLst>
+              <a:ext uri="{FF2B5EF4-FFF2-40B4-BE49-F238E27FC236}">
+                <a16:creationId xmlns:a16="http://schemas.microsoft.com/office/drawing/2014/main" id="{7C840471-C974-344A-A9A4-560EF9DFB016}"/>
+              </a:ext>
+            </a:extLst>
+          </p:cNvPr>
+          <p:cNvCxnSpPr>
+            <a:cxnSpLocks/>
+            <a:stCxn id="14" idx="1"/>
+          </p:cNvCxnSpPr>
+          <p:nvPr/>
+        </p:nvCxnSpPr>
+        <p:spPr>
+          <a:xfrm rot="10800000" flipV="1">
+            <a:off x="4059936" y="2631257"/>
+            <a:ext cx="239714" cy="480018"/>
+          </a:xfrm>
+          <a:prstGeom prst="curvedConnector2">
+            <a:avLst/>
+          </a:prstGeom>
+          <a:ln>
+            <a:tailEnd type="triangle"/>
+          </a:ln>
+        </p:spPr>
+        <p:style>
+          <a:lnRef idx="1">
+            <a:schemeClr val="accent1"/>
+          </a:lnRef>
+          <a:fillRef idx="0">
+            <a:schemeClr val="accent1"/>
+          </a:fillRef>
+          <a:effectRef idx="0">
+            <a:schemeClr val="accent1"/>
+          </a:effectRef>
+          <a:fontRef idx="minor">
+            <a:schemeClr val="tx1"/>
+          </a:fontRef>
+        </p:style>
+      </p:cxnSp>
+      <p:cxnSp>
+        <p:nvCxnSpPr>
+          <p:cNvPr id="25" name="Curved Connector 24">
+            <a:extLst>
+              <a:ext uri="{FF2B5EF4-FFF2-40B4-BE49-F238E27FC236}">
+                <a16:creationId xmlns:a16="http://schemas.microsoft.com/office/drawing/2014/main" id="{E78DA9E2-4100-EB47-A664-A311F71A18B4}"/>
+              </a:ext>
+            </a:extLst>
+          </p:cNvPr>
+          <p:cNvCxnSpPr>
+            <a:cxnSpLocks/>
+            <a:stCxn id="13" idx="1"/>
+          </p:cNvCxnSpPr>
+          <p:nvPr/>
+        </p:nvCxnSpPr>
+        <p:spPr>
+          <a:xfrm rot="10800000" flipV="1">
+            <a:off x="3225308" y="4109685"/>
+            <a:ext cx="582421" cy="323165"/>
+          </a:xfrm>
+          <a:prstGeom prst="curvedConnector3">
+            <a:avLst>
+              <a:gd name="adj1" fmla="val 100240"/>
+            </a:avLst>
+          </a:prstGeom>
+          <a:ln>
+            <a:tailEnd type="triangle"/>
+          </a:ln>
+        </p:spPr>
+        <p:style>
+          <a:lnRef idx="1">
+            <a:schemeClr val="accent1"/>
+          </a:lnRef>
+          <a:fillRef idx="0">
+            <a:schemeClr val="accent1"/>
+          </a:fillRef>
+          <a:effectRef idx="0">
+            <a:schemeClr val="accent1"/>
+          </a:effectRef>
+          <a:fontRef idx="minor">
+            <a:schemeClr val="tx1"/>
+          </a:fontRef>
+        </p:style>
+      </p:cxnSp>
+      <p:cxnSp>
+        <p:nvCxnSpPr>
+          <p:cNvPr id="35" name="Curved Connector 34">
+            <a:extLst>
+              <a:ext uri="{FF2B5EF4-FFF2-40B4-BE49-F238E27FC236}">
+                <a16:creationId xmlns:a16="http://schemas.microsoft.com/office/drawing/2014/main" id="{BF44BC78-B4F2-DB40-A259-D53C6823DA06}"/>
+              </a:ext>
+            </a:extLst>
+          </p:cNvPr>
+          <p:cNvCxnSpPr>
+            <a:cxnSpLocks/>
+            <a:stCxn id="15" idx="1"/>
+          </p:cNvCxnSpPr>
+          <p:nvPr/>
+        </p:nvCxnSpPr>
+        <p:spPr>
+          <a:xfrm rot="10800000" flipV="1">
+            <a:off x="8380981" y="713465"/>
+            <a:ext cx="962483" cy="620688"/>
+          </a:xfrm>
+          <a:prstGeom prst="curvedConnector3">
+            <a:avLst>
+              <a:gd name="adj1" fmla="val 95602"/>
+            </a:avLst>
+          </a:prstGeom>
+          <a:ln>
+            <a:tailEnd type="triangle"/>
+          </a:ln>
+        </p:spPr>
+        <p:style>
+          <a:lnRef idx="1">
+            <a:schemeClr val="accent1"/>
+          </a:lnRef>
+          <a:fillRef idx="0">
+            <a:schemeClr val="accent1"/>
+          </a:fillRef>
+          <a:effectRef idx="0">
+            <a:schemeClr val="accent1"/>
+          </a:effectRef>
+          <a:fontRef idx="minor">
+            <a:schemeClr val="tx1"/>
+          </a:fontRef>
+        </p:style>
+      </p:cxnSp>
+      <p:cxnSp>
+        <p:nvCxnSpPr>
+          <p:cNvPr id="39" name="Curved Connector 38">
+            <a:extLst>
+              <a:ext uri="{FF2B5EF4-FFF2-40B4-BE49-F238E27FC236}">
+                <a16:creationId xmlns:a16="http://schemas.microsoft.com/office/drawing/2014/main" id="{635A175E-3DF0-E843-B86A-4631BDC60B5F}"/>
+              </a:ext>
+            </a:extLst>
+          </p:cNvPr>
+          <p:cNvCxnSpPr>
+            <a:cxnSpLocks/>
+            <a:stCxn id="16" idx="1"/>
+          </p:cNvCxnSpPr>
+          <p:nvPr/>
+        </p:nvCxnSpPr>
+        <p:spPr>
+          <a:xfrm rot="10800000" flipV="1">
+            <a:off x="8299108" y="2724208"/>
+            <a:ext cx="1520754" cy="387067"/>
+          </a:xfrm>
+          <a:prstGeom prst="curvedConnector3">
+            <a:avLst>
+              <a:gd name="adj1" fmla="val 99305"/>
+            </a:avLst>
+          </a:prstGeom>
+          <a:ln>
+            <a:tailEnd type="triangle"/>
+          </a:ln>
+        </p:spPr>
+        <p:style>
+          <a:lnRef idx="1">
+            <a:schemeClr val="accent1"/>
+          </a:lnRef>
+          <a:fillRef idx="0">
+            <a:schemeClr val="accent1"/>
+          </a:fillRef>
+          <a:effectRef idx="0">
+            <a:schemeClr val="accent1"/>
+          </a:effectRef>
+          <a:fontRef idx="minor">
+            <a:schemeClr val="tx1"/>
+          </a:fontRef>
+        </p:style>
+      </p:cxnSp>
     </p:spTree>
     <p:extLst>
       <p:ext uri="{BB962C8B-B14F-4D97-AF65-F5344CB8AC3E}">
-        <p14:creationId xmlns:p14="http://schemas.microsoft.com/office/powerpoint/2010/main" val="4121573176"/>
+        <p14:creationId xmlns:p14="http://schemas.microsoft.com/office/powerpoint/2010/main" val="3988172183"/>
       </p:ext>
     </p:extLst>
   </p:cSld>
@@ -4674,9 +7971,6 @@
                     <p:cTn id="3" fill="hold">
                       <p:stCondLst>
                         <p:cond delay="indefinite"/>
-                        <p:cond evt="onBegin" delay="0">
-                          <p:tn val="2"/>
-                        </p:cond>
                       </p:stCondLst>
                       <p:childTnLst>
                         <p:par>
@@ -4686,7 +7980,7 @@
                             </p:stCondLst>
                             <p:childTnLst>
                               <p:par>
-                                <p:cTn id="5" presetID="1" presetClass="entr" presetSubtype="0" fill="hold" grpId="0" nodeType="withEffect">
+                                <p:cTn id="5" presetID="1" presetClass="entr" presetSubtype="0" fill="hold" grpId="0" nodeType="clickEffect">
                                   <p:stCondLst>
                                     <p:cond delay="0"/>
                                   </p:stCondLst>
@@ -4699,7 +7993,7 @@
                                           </p:stCondLst>
                                         </p:cTn>
                                         <p:tgtEl>
-                                          <p:spTgt spid="12"/>
+                                          <p:spTgt spid="14"/>
                                         </p:tgtEl>
                                         <p:attrNameLst>
                                           <p:attrName>style.visibility</p:attrName>
@@ -4713,7 +8007,7 @@
                                 </p:cTn>
                               </p:par>
                               <p:par>
-                                <p:cTn id="7" presetID="1" presetClass="entr" presetSubtype="0" fill="hold" grpId="0" nodeType="withEffect">
+                                <p:cTn id="7" presetID="1" presetClass="entr" presetSubtype="0" fill="hold" nodeType="withEffect">
                                   <p:stCondLst>
                                     <p:cond delay="0"/>
                                   </p:stCondLst>
@@ -4726,7 +8020,331 @@
                                           </p:stCondLst>
                                         </p:cTn>
                                         <p:tgtEl>
+                                          <p:spTgt spid="22"/>
+                                        </p:tgtEl>
+                                        <p:attrNameLst>
+                                          <p:attrName>style.visibility</p:attrName>
+                                        </p:attrNameLst>
+                                      </p:cBhvr>
+                                      <p:to>
+                                        <p:strVal val="visible"/>
+                                      </p:to>
+                                    </p:set>
+                                  </p:childTnLst>
+                                </p:cTn>
+                              </p:par>
+                              <p:par>
+                                <p:cTn id="9" presetID="1" presetClass="entr" presetSubtype="0" fill="hold" grpId="0" nodeType="withEffect">
+                                  <p:stCondLst>
+                                    <p:cond delay="0"/>
+                                  </p:stCondLst>
+                                  <p:childTnLst>
+                                    <p:set>
+                                      <p:cBhvr>
+                                        <p:cTn id="10" dur="1" fill="hold">
+                                          <p:stCondLst>
+                                            <p:cond delay="0"/>
+                                          </p:stCondLst>
+                                        </p:cTn>
+                                        <p:tgtEl>
+                                          <p:spTgt spid="4"/>
+                                        </p:tgtEl>
+                                        <p:attrNameLst>
+                                          <p:attrName>style.visibility</p:attrName>
+                                        </p:attrNameLst>
+                                      </p:cBhvr>
+                                      <p:to>
+                                        <p:strVal val="visible"/>
+                                      </p:to>
+                                    </p:set>
+                                  </p:childTnLst>
+                                </p:cTn>
+                              </p:par>
+                            </p:childTnLst>
+                          </p:cTn>
+                        </p:par>
+                      </p:childTnLst>
+                    </p:cTn>
+                  </p:par>
+                  <p:par>
+                    <p:cTn id="11" fill="hold">
+                      <p:stCondLst>
+                        <p:cond delay="indefinite"/>
+                      </p:stCondLst>
+                      <p:childTnLst>
+                        <p:par>
+                          <p:cTn id="12" fill="hold">
+                            <p:stCondLst>
+                              <p:cond delay="0"/>
+                            </p:stCondLst>
+                            <p:childTnLst>
+                              <p:par>
+                                <p:cTn id="13" presetID="1" presetClass="entr" presetSubtype="0" fill="hold" nodeType="clickEffect">
+                                  <p:stCondLst>
+                                    <p:cond delay="0"/>
+                                  </p:stCondLst>
+                                  <p:childTnLst>
+                                    <p:set>
+                                      <p:cBhvr>
+                                        <p:cTn id="14" dur="1" fill="hold">
+                                          <p:stCondLst>
+                                            <p:cond delay="0"/>
+                                          </p:stCondLst>
+                                        </p:cTn>
+                                        <p:tgtEl>
+                                          <p:spTgt spid="25"/>
+                                        </p:tgtEl>
+                                        <p:attrNameLst>
+                                          <p:attrName>style.visibility</p:attrName>
+                                        </p:attrNameLst>
+                                      </p:cBhvr>
+                                      <p:to>
+                                        <p:strVal val="visible"/>
+                                      </p:to>
+                                    </p:set>
+                                  </p:childTnLst>
+                                </p:cTn>
+                              </p:par>
+                              <p:par>
+                                <p:cTn id="15" presetID="1" presetClass="entr" presetSubtype="0" fill="hold" grpId="0" nodeType="withEffect">
+                                  <p:stCondLst>
+                                    <p:cond delay="0"/>
+                                  </p:stCondLst>
+                                  <p:childTnLst>
+                                    <p:set>
+                                      <p:cBhvr>
+                                        <p:cTn id="16" dur="1" fill="hold">
+                                          <p:stCondLst>
+                                            <p:cond delay="0"/>
+                                          </p:stCondLst>
+                                        </p:cTn>
+                                        <p:tgtEl>
                                           <p:spTgt spid="13"/>
+                                        </p:tgtEl>
+                                        <p:attrNameLst>
+                                          <p:attrName>style.visibility</p:attrName>
+                                        </p:attrNameLst>
+                                      </p:cBhvr>
+                                      <p:to>
+                                        <p:strVal val="visible"/>
+                                      </p:to>
+                                    </p:set>
+                                  </p:childTnLst>
+                                </p:cTn>
+                              </p:par>
+                              <p:par>
+                                <p:cTn id="17" presetID="1" presetClass="entr" presetSubtype="0" fill="hold" grpId="0" nodeType="withEffect">
+                                  <p:stCondLst>
+                                    <p:cond delay="0"/>
+                                  </p:stCondLst>
+                                  <p:childTnLst>
+                                    <p:set>
+                                      <p:cBhvr>
+                                        <p:cTn id="18" dur="1" fill="hold">
+                                          <p:stCondLst>
+                                            <p:cond delay="0"/>
+                                          </p:stCondLst>
+                                        </p:cTn>
+                                        <p:tgtEl>
+                                          <p:spTgt spid="10"/>
+                                        </p:tgtEl>
+                                        <p:attrNameLst>
+                                          <p:attrName>style.visibility</p:attrName>
+                                        </p:attrNameLst>
+                                      </p:cBhvr>
+                                      <p:to>
+                                        <p:strVal val="visible"/>
+                                      </p:to>
+                                    </p:set>
+                                  </p:childTnLst>
+                                </p:cTn>
+                              </p:par>
+                            </p:childTnLst>
+                          </p:cTn>
+                        </p:par>
+                      </p:childTnLst>
+                    </p:cTn>
+                  </p:par>
+                  <p:par>
+                    <p:cTn id="19" fill="hold">
+                      <p:stCondLst>
+                        <p:cond delay="indefinite"/>
+                      </p:stCondLst>
+                      <p:childTnLst>
+                        <p:par>
+                          <p:cTn id="20" fill="hold">
+                            <p:stCondLst>
+                              <p:cond delay="0"/>
+                            </p:stCondLst>
+                            <p:childTnLst>
+                              <p:par>
+                                <p:cTn id="21" presetID="1" presetClass="entr" presetSubtype="0" fill="hold" grpId="0" nodeType="clickEffect">
+                                  <p:stCondLst>
+                                    <p:cond delay="0"/>
+                                  </p:stCondLst>
+                                  <p:childTnLst>
+                                    <p:set>
+                                      <p:cBhvr>
+                                        <p:cTn id="22" dur="1" fill="hold">
+                                          <p:stCondLst>
+                                            <p:cond delay="0"/>
+                                          </p:stCondLst>
+                                        </p:cTn>
+                                        <p:tgtEl>
+                                          <p:spTgt spid="15"/>
+                                        </p:tgtEl>
+                                        <p:attrNameLst>
+                                          <p:attrName>style.visibility</p:attrName>
+                                        </p:attrNameLst>
+                                      </p:cBhvr>
+                                      <p:to>
+                                        <p:strVal val="visible"/>
+                                      </p:to>
+                                    </p:set>
+                                  </p:childTnLst>
+                                </p:cTn>
+                              </p:par>
+                              <p:par>
+                                <p:cTn id="23" presetID="1" presetClass="entr" presetSubtype="0" fill="hold" nodeType="withEffect">
+                                  <p:stCondLst>
+                                    <p:cond delay="0"/>
+                                  </p:stCondLst>
+                                  <p:childTnLst>
+                                    <p:set>
+                                      <p:cBhvr>
+                                        <p:cTn id="24" dur="1" fill="hold">
+                                          <p:stCondLst>
+                                            <p:cond delay="0"/>
+                                          </p:stCondLst>
+                                        </p:cTn>
+                                        <p:tgtEl>
+                                          <p:spTgt spid="35"/>
+                                        </p:tgtEl>
+                                        <p:attrNameLst>
+                                          <p:attrName>style.visibility</p:attrName>
+                                        </p:attrNameLst>
+                                      </p:cBhvr>
+                                      <p:to>
+                                        <p:strVal val="visible"/>
+                                      </p:to>
+                                    </p:set>
+                                  </p:childTnLst>
+                                </p:cTn>
+                              </p:par>
+                              <p:par>
+                                <p:cTn id="25" presetID="1" presetClass="entr" presetSubtype="0" fill="hold" grpId="0" nodeType="withEffect">
+                                  <p:stCondLst>
+                                    <p:cond delay="0"/>
+                                  </p:stCondLst>
+                                  <p:childTnLst>
+                                    <p:set>
+                                      <p:cBhvr>
+                                        <p:cTn id="26" dur="1" fill="hold">
+                                          <p:stCondLst>
+                                            <p:cond delay="0"/>
+                                          </p:stCondLst>
+                                        </p:cTn>
+                                        <p:tgtEl>
+                                          <p:spTgt spid="8"/>
+                                        </p:tgtEl>
+                                        <p:attrNameLst>
+                                          <p:attrName>style.visibility</p:attrName>
+                                        </p:attrNameLst>
+                                      </p:cBhvr>
+                                      <p:to>
+                                        <p:strVal val="visible"/>
+                                      </p:to>
+                                    </p:set>
+                                  </p:childTnLst>
+                                </p:cTn>
+                              </p:par>
+                            </p:childTnLst>
+                          </p:cTn>
+                        </p:par>
+                      </p:childTnLst>
+                    </p:cTn>
+                  </p:par>
+                  <p:par>
+                    <p:cTn id="27" fill="hold">
+                      <p:stCondLst>
+                        <p:cond delay="indefinite"/>
+                      </p:stCondLst>
+                      <p:childTnLst>
+                        <p:par>
+                          <p:cTn id="28" fill="hold">
+                            <p:stCondLst>
+                              <p:cond delay="0"/>
+                            </p:stCondLst>
+                            <p:childTnLst>
+                              <p:par>
+                                <p:cTn id="29" presetID="1" presetClass="entr" presetSubtype="0" fill="hold" grpId="0" nodeType="clickEffect">
+                                  <p:stCondLst>
+                                    <p:cond delay="0"/>
+                                  </p:stCondLst>
+                                  <p:childTnLst>
+                                    <p:set>
+                                      <p:cBhvr>
+                                        <p:cTn id="30" dur="1" fill="hold">
+                                          <p:stCondLst>
+                                            <p:cond delay="0"/>
+                                          </p:stCondLst>
+                                        </p:cTn>
+                                        <p:tgtEl>
+                                          <p:spTgt spid="16"/>
+                                        </p:tgtEl>
+                                        <p:attrNameLst>
+                                          <p:attrName>style.visibility</p:attrName>
+                                        </p:attrNameLst>
+                                      </p:cBhvr>
+                                      <p:to>
+                                        <p:strVal val="visible"/>
+                                      </p:to>
+                                    </p:set>
+                                  </p:childTnLst>
+                                </p:cTn>
+                              </p:par>
+                              <p:par>
+                                <p:cTn id="31" presetID="1" presetClass="entr" presetSubtype="0" fill="hold" nodeType="withEffect">
+                                  <p:stCondLst>
+                                    <p:cond delay="0"/>
+                                  </p:stCondLst>
+                                  <p:childTnLst>
+                                    <p:set>
+                                      <p:cBhvr>
+                                        <p:cTn id="32" dur="1" fill="hold">
+                                          <p:stCondLst>
+                                            <p:cond delay="0"/>
+                                          </p:stCondLst>
+                                        </p:cTn>
+                                        <p:tgtEl>
+                                          <p:spTgt spid="39"/>
+                                        </p:tgtEl>
+                                        <p:attrNameLst>
+                                          <p:attrName>style.visibility</p:attrName>
+                                        </p:attrNameLst>
+                                      </p:cBhvr>
+                                      <p:to>
+                                        <p:strVal val="visible"/>
+                                      </p:to>
+                                    </p:set>
+                                  </p:childTnLst>
+                                </p:cTn>
+                              </p:par>
+                              <p:par>
+                                <p:cTn id="33" presetID="1" presetClass="entr" presetSubtype="0" fill="hold" grpId="0" nodeType="withEffect">
+                                  <p:stCondLst>
+                                    <p:cond delay="0"/>
+                                  </p:stCondLst>
+                                  <p:childTnLst>
+                                    <p:set>
+                                      <p:cBhvr>
+                                        <p:cTn id="34" dur="1" fill="hold">
+                                          <p:stCondLst>
+                                            <p:cond delay="0"/>
+                                          </p:stCondLst>
+                                        </p:cTn>
+                                        <p:tgtEl>
+                                          <p:spTgt spid="11"/>
                                         </p:tgtEl>
                                         <p:attrNameLst>
                                           <p:attrName>style.visibility</p:attrName>
@@ -4767,14 +8385,2160 @@
       </p:par>
     </p:tnLst>
     <p:bldLst>
-      <p:bldP spid="12" grpId="0"/>
+      <p:bldP spid="4" grpId="0"/>
+      <p:bldP spid="8" grpId="0"/>
+      <p:bldP spid="10" grpId="0"/>
+      <p:bldP spid="11" grpId="0"/>
       <p:bldP spid="13" grpId="0"/>
+      <p:bldP spid="14" grpId="0"/>
+      <p:bldP spid="15" grpId="0"/>
+      <p:bldP spid="16" grpId="0"/>
     </p:bldLst>
   </p:timing>
 </p:sld>
 </file>
 
 <file path=ppt/slides/slide3.xml><?xml version="1.0" encoding="utf-8"?>
+<p:sld xmlns:a="http://schemas.openxmlformats.org/drawingml/2006/main" xmlns:r="http://schemas.openxmlformats.org/officeDocument/2006/relationships" xmlns:p="http://schemas.openxmlformats.org/presentationml/2006/main">
+  <p:cSld>
+    <p:spTree>
+      <p:nvGrpSpPr>
+        <p:cNvPr id="1" name=""/>
+        <p:cNvGrpSpPr/>
+        <p:nvPr/>
+      </p:nvGrpSpPr>
+      <p:grpSpPr>
+        <a:xfrm>
+          <a:off x="0" y="0"/>
+          <a:ext cx="0" cy="0"/>
+          <a:chOff x="0" y="0"/>
+          <a:chExt cx="0" cy="0"/>
+        </a:xfrm>
+      </p:grpSpPr>
+      <p:sp>
+        <p:nvSpPr>
+          <p:cNvPr id="2" name="Title 1">
+            <a:extLst>
+              <a:ext uri="{FF2B5EF4-FFF2-40B4-BE49-F238E27FC236}">
+                <a16:creationId xmlns:a16="http://schemas.microsoft.com/office/drawing/2014/main" id="{F35FD2AD-D903-0B42-95BA-C317247632AE}"/>
+              </a:ext>
+            </a:extLst>
+          </p:cNvPr>
+          <p:cNvSpPr>
+            <a:spLocks noGrp="1"/>
+          </p:cNvSpPr>
+          <p:nvPr>
+            <p:ph type="title"/>
+          </p:nvPr>
+        </p:nvSpPr>
+        <p:spPr/>
+        <p:txBody>
+          <a:bodyPr/>
+          <a:lstStyle/>
+          <a:p>
+            <a:r>
+              <a:rPr lang="en-GB" dirty="0"/>
+              <a:t>Fibonacci</a:t>
+            </a:r>
+          </a:p>
+        </p:txBody>
+      </p:sp>
+      <p:sp>
+        <p:nvSpPr>
+          <p:cNvPr id="4" name="Content Placeholder 2">
+            <a:extLst>
+              <a:ext uri="{FF2B5EF4-FFF2-40B4-BE49-F238E27FC236}">
+                <a16:creationId xmlns:a16="http://schemas.microsoft.com/office/drawing/2014/main" id="{57486AE1-C11A-F041-B70F-3D7964CB9D40}"/>
+              </a:ext>
+            </a:extLst>
+          </p:cNvPr>
+          <p:cNvSpPr txBox="1">
+            <a:spLocks/>
+          </p:cNvSpPr>
+          <p:nvPr/>
+        </p:nvSpPr>
+        <p:spPr>
+          <a:xfrm>
+            <a:off x="1243900" y="1894546"/>
+            <a:ext cx="2340548" cy="3152942"/>
+          </a:xfrm>
+          <a:prstGeom prst="rect">
+            <a:avLst/>
+          </a:prstGeom>
+        </p:spPr>
+        <p:txBody>
+          <a:bodyPr vert="horz" lIns="91440" tIns="45720" rIns="91440" bIns="45720" rtlCol="0">
+            <a:noAutofit/>
+          </a:bodyPr>
+          <a:lstStyle>
+            <a:lvl1pPr marL="228600" indent="-228600" algn="l" defTabSz="914400" rtl="0" eaLnBrk="1" latinLnBrk="0" hangingPunct="1">
+              <a:lnSpc>
+                <a:spcPct val="90000"/>
+              </a:lnSpc>
+              <a:spcBef>
+                <a:spcPts val="1000"/>
+              </a:spcBef>
+              <a:buFont typeface="Arial" panose="020B0604020202020204" pitchFamily="34" charset="0"/>
+              <a:buChar char="•"/>
+              <a:defRPr sz="2800" kern="1200">
+                <a:solidFill>
+                  <a:schemeClr val="tx1"/>
+                </a:solidFill>
+                <a:latin typeface="+mn-lt"/>
+                <a:ea typeface="+mn-ea"/>
+                <a:cs typeface="+mn-cs"/>
+              </a:defRPr>
+            </a:lvl1pPr>
+            <a:lvl2pPr marL="685800" indent="-228600" algn="l" defTabSz="914400" rtl="0" eaLnBrk="1" latinLnBrk="0" hangingPunct="1">
+              <a:lnSpc>
+                <a:spcPct val="90000"/>
+              </a:lnSpc>
+              <a:spcBef>
+                <a:spcPts val="500"/>
+              </a:spcBef>
+              <a:buFont typeface="Arial" panose="020B0604020202020204" pitchFamily="34" charset="0"/>
+              <a:buChar char="•"/>
+              <a:defRPr sz="2400" kern="1200">
+                <a:solidFill>
+                  <a:schemeClr val="tx1"/>
+                </a:solidFill>
+                <a:latin typeface="+mn-lt"/>
+                <a:ea typeface="+mn-ea"/>
+                <a:cs typeface="+mn-cs"/>
+              </a:defRPr>
+            </a:lvl2pPr>
+            <a:lvl3pPr marL="1143000" indent="-228600" algn="l" defTabSz="914400" rtl="0" eaLnBrk="1" latinLnBrk="0" hangingPunct="1">
+              <a:lnSpc>
+                <a:spcPct val="90000"/>
+              </a:lnSpc>
+              <a:spcBef>
+                <a:spcPts val="500"/>
+              </a:spcBef>
+              <a:buFont typeface="Arial" panose="020B0604020202020204" pitchFamily="34" charset="0"/>
+              <a:buChar char="•"/>
+              <a:defRPr sz="2000" kern="1200">
+                <a:solidFill>
+                  <a:schemeClr val="tx1"/>
+                </a:solidFill>
+                <a:latin typeface="+mn-lt"/>
+                <a:ea typeface="+mn-ea"/>
+                <a:cs typeface="+mn-cs"/>
+              </a:defRPr>
+            </a:lvl3pPr>
+            <a:lvl4pPr marL="1600200" indent="-228600" algn="l" defTabSz="914400" rtl="0" eaLnBrk="1" latinLnBrk="0" hangingPunct="1">
+              <a:lnSpc>
+                <a:spcPct val="90000"/>
+              </a:lnSpc>
+              <a:spcBef>
+                <a:spcPts val="500"/>
+              </a:spcBef>
+              <a:buFont typeface="Arial" panose="020B0604020202020204" pitchFamily="34" charset="0"/>
+              <a:buChar char="•"/>
+              <a:defRPr sz="1800" kern="1200">
+                <a:solidFill>
+                  <a:schemeClr val="tx1"/>
+                </a:solidFill>
+                <a:latin typeface="+mn-lt"/>
+                <a:ea typeface="+mn-ea"/>
+                <a:cs typeface="+mn-cs"/>
+              </a:defRPr>
+            </a:lvl4pPr>
+            <a:lvl5pPr marL="2057400" indent="-228600" algn="l" defTabSz="914400" rtl="0" eaLnBrk="1" latinLnBrk="0" hangingPunct="1">
+              <a:lnSpc>
+                <a:spcPct val="90000"/>
+              </a:lnSpc>
+              <a:spcBef>
+                <a:spcPts val="500"/>
+              </a:spcBef>
+              <a:buFont typeface="Arial" panose="020B0604020202020204" pitchFamily="34" charset="0"/>
+              <a:buChar char="•"/>
+              <a:defRPr sz="1800" kern="1200">
+                <a:solidFill>
+                  <a:schemeClr val="tx1"/>
+                </a:solidFill>
+                <a:latin typeface="+mn-lt"/>
+                <a:ea typeface="+mn-ea"/>
+                <a:cs typeface="+mn-cs"/>
+              </a:defRPr>
+            </a:lvl5pPr>
+            <a:lvl6pPr marL="2514600" indent="-228600" algn="l" defTabSz="914400" rtl="0" eaLnBrk="1" latinLnBrk="0" hangingPunct="1">
+              <a:lnSpc>
+                <a:spcPct val="90000"/>
+              </a:lnSpc>
+              <a:spcBef>
+                <a:spcPts val="500"/>
+              </a:spcBef>
+              <a:buFont typeface="Arial" panose="020B0604020202020204" pitchFamily="34" charset="0"/>
+              <a:buChar char="•"/>
+              <a:defRPr sz="1800" kern="1200">
+                <a:solidFill>
+                  <a:schemeClr val="tx1"/>
+                </a:solidFill>
+                <a:latin typeface="+mn-lt"/>
+                <a:ea typeface="+mn-ea"/>
+                <a:cs typeface="+mn-cs"/>
+              </a:defRPr>
+            </a:lvl6pPr>
+            <a:lvl7pPr marL="2971800" indent="-228600" algn="l" defTabSz="914400" rtl="0" eaLnBrk="1" latinLnBrk="0" hangingPunct="1">
+              <a:lnSpc>
+                <a:spcPct val="90000"/>
+              </a:lnSpc>
+              <a:spcBef>
+                <a:spcPts val="500"/>
+              </a:spcBef>
+              <a:buFont typeface="Arial" panose="020B0604020202020204" pitchFamily="34" charset="0"/>
+              <a:buChar char="•"/>
+              <a:defRPr sz="1800" kern="1200">
+                <a:solidFill>
+                  <a:schemeClr val="tx1"/>
+                </a:solidFill>
+                <a:latin typeface="+mn-lt"/>
+                <a:ea typeface="+mn-ea"/>
+                <a:cs typeface="+mn-cs"/>
+              </a:defRPr>
+            </a:lvl7pPr>
+            <a:lvl8pPr marL="3429000" indent="-228600" algn="l" defTabSz="914400" rtl="0" eaLnBrk="1" latinLnBrk="0" hangingPunct="1">
+              <a:lnSpc>
+                <a:spcPct val="90000"/>
+              </a:lnSpc>
+              <a:spcBef>
+                <a:spcPts val="500"/>
+              </a:spcBef>
+              <a:buFont typeface="Arial" panose="020B0604020202020204" pitchFamily="34" charset="0"/>
+              <a:buChar char="•"/>
+              <a:defRPr sz="1800" kern="1200">
+                <a:solidFill>
+                  <a:schemeClr val="tx1"/>
+                </a:solidFill>
+                <a:latin typeface="+mn-lt"/>
+                <a:ea typeface="+mn-ea"/>
+                <a:cs typeface="+mn-cs"/>
+              </a:defRPr>
+            </a:lvl8pPr>
+            <a:lvl9pPr marL="3886200" indent="-228600" algn="l" defTabSz="914400" rtl="0" eaLnBrk="1" latinLnBrk="0" hangingPunct="1">
+              <a:lnSpc>
+                <a:spcPct val="90000"/>
+              </a:lnSpc>
+              <a:spcBef>
+                <a:spcPts val="500"/>
+              </a:spcBef>
+              <a:buFont typeface="Arial" panose="020B0604020202020204" pitchFamily="34" charset="0"/>
+              <a:buChar char="•"/>
+              <a:defRPr sz="1800" kern="1200">
+                <a:solidFill>
+                  <a:schemeClr val="tx1"/>
+                </a:solidFill>
+                <a:latin typeface="+mn-lt"/>
+                <a:ea typeface="+mn-ea"/>
+                <a:cs typeface="+mn-cs"/>
+              </a:defRPr>
+            </a:lvl9pPr>
+          </a:lstStyle>
+          <a:p>
+            <a:pPr marL="0" indent="0">
+              <a:lnSpc>
+                <a:spcPct val="100000"/>
+              </a:lnSpc>
+              <a:buNone/>
+            </a:pPr>
+            <a:r>
+              <a:rPr lang="en-GB" sz="1600" dirty="0">
+                <a:latin typeface="DejaVu Sans Book" panose="020B0603030804020204" pitchFamily="34" charset="0"/>
+                <a:ea typeface="DejaVu Sans Book" panose="020B0603030804020204" pitchFamily="34" charset="0"/>
+                <a:cs typeface="DejaVu Sans Book" panose="020B0603030804020204" pitchFamily="34" charset="0"/>
+              </a:rPr>
+              <a:t>let mutable m = 1</a:t>
+            </a:r>
+          </a:p>
+          <a:p>
+            <a:pPr marL="0" indent="0">
+              <a:lnSpc>
+                <a:spcPct val="100000"/>
+              </a:lnSpc>
+              <a:buNone/>
+            </a:pPr>
+            <a:r>
+              <a:rPr lang="en-GB" sz="1600" dirty="0">
+                <a:latin typeface="DejaVu Sans Book" panose="020B0603030804020204" pitchFamily="34" charset="0"/>
+                <a:ea typeface="DejaVu Sans Book" panose="020B0603030804020204" pitchFamily="34" charset="0"/>
+                <a:cs typeface="DejaVu Sans Book" panose="020B0603030804020204" pitchFamily="34" charset="0"/>
+              </a:rPr>
+              <a:t>let mutable n = 1</a:t>
+            </a:r>
+          </a:p>
+          <a:p>
+            <a:pPr marL="0" indent="0">
+              <a:lnSpc>
+                <a:spcPct val="100000"/>
+              </a:lnSpc>
+              <a:buNone/>
+            </a:pPr>
+            <a:r>
+              <a:rPr lang="en-GB" sz="1600" dirty="0">
+                <a:latin typeface="DejaVu Sans Book" panose="020B0603030804020204" pitchFamily="34" charset="0"/>
+                <a:ea typeface="DejaVu Sans Book" panose="020B0603030804020204" pitchFamily="34" charset="0"/>
+                <a:cs typeface="DejaVu Sans Book" panose="020B0603030804020204" pitchFamily="34" charset="0"/>
+              </a:rPr>
+              <a:t>let N = 5</a:t>
+            </a:r>
+          </a:p>
+          <a:p>
+            <a:pPr marL="0" indent="0">
+              <a:lnSpc>
+                <a:spcPct val="100000"/>
+              </a:lnSpc>
+              <a:buNone/>
+            </a:pPr>
+            <a:r>
+              <a:rPr lang="en-GB" sz="1600" dirty="0">
+                <a:latin typeface="DejaVu Sans Book" panose="020B0603030804020204" pitchFamily="34" charset="0"/>
+                <a:ea typeface="DejaVu Sans Book" panose="020B0603030804020204" pitchFamily="34" charset="0"/>
+                <a:cs typeface="DejaVu Sans Book" panose="020B0603030804020204" pitchFamily="34" charset="0"/>
+              </a:rPr>
+              <a:t>for </a:t>
+            </a:r>
+            <a:r>
+              <a:rPr lang="en-GB" sz="1600" dirty="0" err="1">
+                <a:latin typeface="DejaVu Sans Book" panose="020B0603030804020204" pitchFamily="34" charset="0"/>
+                <a:ea typeface="DejaVu Sans Book" panose="020B0603030804020204" pitchFamily="34" charset="0"/>
+                <a:cs typeface="DejaVu Sans Book" panose="020B0603030804020204" pitchFamily="34" charset="0"/>
+              </a:rPr>
+              <a:t>i</a:t>
+            </a:r>
+            <a:r>
+              <a:rPr lang="en-GB" sz="1600" dirty="0">
+                <a:latin typeface="DejaVu Sans Book" panose="020B0603030804020204" pitchFamily="34" charset="0"/>
+                <a:ea typeface="DejaVu Sans Book" panose="020B0603030804020204" pitchFamily="34" charset="0"/>
+                <a:cs typeface="DejaVu Sans Book" panose="020B0603030804020204" pitchFamily="34" charset="0"/>
+              </a:rPr>
+              <a:t> = 3 to N do</a:t>
+            </a:r>
+          </a:p>
+          <a:p>
+            <a:pPr marL="0" indent="0">
+              <a:lnSpc>
+                <a:spcPct val="100000"/>
+              </a:lnSpc>
+              <a:buNone/>
+            </a:pPr>
+            <a:r>
+              <a:rPr lang="en-GB" sz="1600" dirty="0">
+                <a:latin typeface="DejaVu Sans Book" panose="020B0603030804020204" pitchFamily="34" charset="0"/>
+                <a:ea typeface="DejaVu Sans Book" panose="020B0603030804020204" pitchFamily="34" charset="0"/>
+                <a:cs typeface="DejaVu Sans Book" panose="020B0603030804020204" pitchFamily="34" charset="0"/>
+              </a:rPr>
+              <a:t>  let p = m + n</a:t>
+            </a:r>
+          </a:p>
+          <a:p>
+            <a:pPr marL="0" indent="0">
+              <a:lnSpc>
+                <a:spcPct val="100000"/>
+              </a:lnSpc>
+              <a:buNone/>
+            </a:pPr>
+            <a:r>
+              <a:rPr lang="en-GB" sz="1600" dirty="0">
+                <a:latin typeface="DejaVu Sans Book" panose="020B0603030804020204" pitchFamily="34" charset="0"/>
+                <a:ea typeface="DejaVu Sans Book" panose="020B0603030804020204" pitchFamily="34" charset="0"/>
+                <a:cs typeface="DejaVu Sans Book" panose="020B0603030804020204" pitchFamily="34" charset="0"/>
+              </a:rPr>
+              <a:t>  m &lt;- n</a:t>
+            </a:r>
+          </a:p>
+          <a:p>
+            <a:pPr marL="0" indent="0">
+              <a:lnSpc>
+                <a:spcPct val="100000"/>
+              </a:lnSpc>
+              <a:buNone/>
+            </a:pPr>
+            <a:r>
+              <a:rPr lang="en-GB" sz="1600" dirty="0">
+                <a:latin typeface="DejaVu Sans Book" panose="020B0603030804020204" pitchFamily="34" charset="0"/>
+                <a:ea typeface="DejaVu Sans Book" panose="020B0603030804020204" pitchFamily="34" charset="0"/>
+                <a:cs typeface="DejaVu Sans Book" panose="020B0603030804020204" pitchFamily="34" charset="0"/>
+              </a:rPr>
+              <a:t>  n &lt;- p</a:t>
+            </a:r>
+          </a:p>
+          <a:p>
+            <a:pPr marL="0" indent="0">
+              <a:lnSpc>
+                <a:spcPct val="100000"/>
+              </a:lnSpc>
+              <a:buNone/>
+            </a:pPr>
+            <a:r>
+              <a:rPr lang="en-GB" sz="1600" dirty="0" err="1">
+                <a:latin typeface="DejaVu Sans Book" panose="020B0603030804020204" pitchFamily="34" charset="0"/>
+                <a:ea typeface="DejaVu Sans Book" panose="020B0603030804020204" pitchFamily="34" charset="0"/>
+                <a:cs typeface="DejaVu Sans Book" panose="020B0603030804020204" pitchFamily="34" charset="0"/>
+              </a:rPr>
+              <a:t>printfn</a:t>
+            </a:r>
+            <a:r>
+              <a:rPr lang="en-GB" sz="1600" dirty="0">
+                <a:latin typeface="DejaVu Sans Book" panose="020B0603030804020204" pitchFamily="34" charset="0"/>
+                <a:ea typeface="DejaVu Sans Book" panose="020B0603030804020204" pitchFamily="34" charset="0"/>
+                <a:cs typeface="DejaVu Sans Book" panose="020B0603030804020204" pitchFamily="34" charset="0"/>
+              </a:rPr>
+              <a:t> "%d: %d" N n </a:t>
+            </a:r>
+          </a:p>
+        </p:txBody>
+      </p:sp>
+      <p:sp>
+        <p:nvSpPr>
+          <p:cNvPr id="5" name="Content Placeholder 2">
+            <a:extLst>
+              <a:ext uri="{FF2B5EF4-FFF2-40B4-BE49-F238E27FC236}">
+                <a16:creationId xmlns:a16="http://schemas.microsoft.com/office/drawing/2014/main" id="{83285D7F-8264-344E-B55D-077954F3D85B}"/>
+              </a:ext>
+            </a:extLst>
+          </p:cNvPr>
+          <p:cNvSpPr txBox="1">
+            <a:spLocks/>
+          </p:cNvSpPr>
+          <p:nvPr/>
+        </p:nvSpPr>
+        <p:spPr>
+          <a:xfrm>
+            <a:off x="4646113" y="1928996"/>
+            <a:ext cx="2541071" cy="3744921"/>
+          </a:xfrm>
+          <a:prstGeom prst="rect">
+            <a:avLst/>
+          </a:prstGeom>
+        </p:spPr>
+        <p:txBody>
+          <a:bodyPr vert="horz" lIns="91440" tIns="45720" rIns="91440" bIns="45720" rtlCol="0">
+            <a:noAutofit/>
+          </a:bodyPr>
+          <a:lstStyle>
+            <a:lvl1pPr marL="228600" indent="-228600" algn="l" defTabSz="914400" rtl="0" eaLnBrk="1" latinLnBrk="0" hangingPunct="1">
+              <a:lnSpc>
+                <a:spcPct val="90000"/>
+              </a:lnSpc>
+              <a:spcBef>
+                <a:spcPts val="1000"/>
+              </a:spcBef>
+              <a:buFont typeface="Arial" panose="020B0604020202020204" pitchFamily="34" charset="0"/>
+              <a:buChar char="•"/>
+              <a:defRPr sz="2800" kern="1200">
+                <a:solidFill>
+                  <a:schemeClr val="tx1"/>
+                </a:solidFill>
+                <a:latin typeface="+mn-lt"/>
+                <a:ea typeface="+mn-ea"/>
+                <a:cs typeface="+mn-cs"/>
+              </a:defRPr>
+            </a:lvl1pPr>
+            <a:lvl2pPr marL="685800" indent="-228600" algn="l" defTabSz="914400" rtl="0" eaLnBrk="1" latinLnBrk="0" hangingPunct="1">
+              <a:lnSpc>
+                <a:spcPct val="90000"/>
+              </a:lnSpc>
+              <a:spcBef>
+                <a:spcPts val="500"/>
+              </a:spcBef>
+              <a:buFont typeface="Arial" panose="020B0604020202020204" pitchFamily="34" charset="0"/>
+              <a:buChar char="•"/>
+              <a:defRPr sz="2400" kern="1200">
+                <a:solidFill>
+                  <a:schemeClr val="tx1"/>
+                </a:solidFill>
+                <a:latin typeface="+mn-lt"/>
+                <a:ea typeface="+mn-ea"/>
+                <a:cs typeface="+mn-cs"/>
+              </a:defRPr>
+            </a:lvl2pPr>
+            <a:lvl3pPr marL="1143000" indent="-228600" algn="l" defTabSz="914400" rtl="0" eaLnBrk="1" latinLnBrk="0" hangingPunct="1">
+              <a:lnSpc>
+                <a:spcPct val="90000"/>
+              </a:lnSpc>
+              <a:spcBef>
+                <a:spcPts val="500"/>
+              </a:spcBef>
+              <a:buFont typeface="Arial" panose="020B0604020202020204" pitchFamily="34" charset="0"/>
+              <a:buChar char="•"/>
+              <a:defRPr sz="2000" kern="1200">
+                <a:solidFill>
+                  <a:schemeClr val="tx1"/>
+                </a:solidFill>
+                <a:latin typeface="+mn-lt"/>
+                <a:ea typeface="+mn-ea"/>
+                <a:cs typeface="+mn-cs"/>
+              </a:defRPr>
+            </a:lvl3pPr>
+            <a:lvl4pPr marL="1600200" indent="-228600" algn="l" defTabSz="914400" rtl="0" eaLnBrk="1" latinLnBrk="0" hangingPunct="1">
+              <a:lnSpc>
+                <a:spcPct val="90000"/>
+              </a:lnSpc>
+              <a:spcBef>
+                <a:spcPts val="500"/>
+              </a:spcBef>
+              <a:buFont typeface="Arial" panose="020B0604020202020204" pitchFamily="34" charset="0"/>
+              <a:buChar char="•"/>
+              <a:defRPr sz="1800" kern="1200">
+                <a:solidFill>
+                  <a:schemeClr val="tx1"/>
+                </a:solidFill>
+                <a:latin typeface="+mn-lt"/>
+                <a:ea typeface="+mn-ea"/>
+                <a:cs typeface="+mn-cs"/>
+              </a:defRPr>
+            </a:lvl4pPr>
+            <a:lvl5pPr marL="2057400" indent="-228600" algn="l" defTabSz="914400" rtl="0" eaLnBrk="1" latinLnBrk="0" hangingPunct="1">
+              <a:lnSpc>
+                <a:spcPct val="90000"/>
+              </a:lnSpc>
+              <a:spcBef>
+                <a:spcPts val="500"/>
+              </a:spcBef>
+              <a:buFont typeface="Arial" panose="020B0604020202020204" pitchFamily="34" charset="0"/>
+              <a:buChar char="•"/>
+              <a:defRPr sz="1800" kern="1200">
+                <a:solidFill>
+                  <a:schemeClr val="tx1"/>
+                </a:solidFill>
+                <a:latin typeface="+mn-lt"/>
+                <a:ea typeface="+mn-ea"/>
+                <a:cs typeface="+mn-cs"/>
+              </a:defRPr>
+            </a:lvl5pPr>
+            <a:lvl6pPr marL="2514600" indent="-228600" algn="l" defTabSz="914400" rtl="0" eaLnBrk="1" latinLnBrk="0" hangingPunct="1">
+              <a:lnSpc>
+                <a:spcPct val="90000"/>
+              </a:lnSpc>
+              <a:spcBef>
+                <a:spcPts val="500"/>
+              </a:spcBef>
+              <a:buFont typeface="Arial" panose="020B0604020202020204" pitchFamily="34" charset="0"/>
+              <a:buChar char="•"/>
+              <a:defRPr sz="1800" kern="1200">
+                <a:solidFill>
+                  <a:schemeClr val="tx1"/>
+                </a:solidFill>
+                <a:latin typeface="+mn-lt"/>
+                <a:ea typeface="+mn-ea"/>
+                <a:cs typeface="+mn-cs"/>
+              </a:defRPr>
+            </a:lvl6pPr>
+            <a:lvl7pPr marL="2971800" indent="-228600" algn="l" defTabSz="914400" rtl="0" eaLnBrk="1" latinLnBrk="0" hangingPunct="1">
+              <a:lnSpc>
+                <a:spcPct val="90000"/>
+              </a:lnSpc>
+              <a:spcBef>
+                <a:spcPts val="500"/>
+              </a:spcBef>
+              <a:buFont typeface="Arial" panose="020B0604020202020204" pitchFamily="34" charset="0"/>
+              <a:buChar char="•"/>
+              <a:defRPr sz="1800" kern="1200">
+                <a:solidFill>
+                  <a:schemeClr val="tx1"/>
+                </a:solidFill>
+                <a:latin typeface="+mn-lt"/>
+                <a:ea typeface="+mn-ea"/>
+                <a:cs typeface="+mn-cs"/>
+              </a:defRPr>
+            </a:lvl7pPr>
+            <a:lvl8pPr marL="3429000" indent="-228600" algn="l" defTabSz="914400" rtl="0" eaLnBrk="1" latinLnBrk="0" hangingPunct="1">
+              <a:lnSpc>
+                <a:spcPct val="90000"/>
+              </a:lnSpc>
+              <a:spcBef>
+                <a:spcPts val="500"/>
+              </a:spcBef>
+              <a:buFont typeface="Arial" panose="020B0604020202020204" pitchFamily="34" charset="0"/>
+              <a:buChar char="•"/>
+              <a:defRPr sz="1800" kern="1200">
+                <a:solidFill>
+                  <a:schemeClr val="tx1"/>
+                </a:solidFill>
+                <a:latin typeface="+mn-lt"/>
+                <a:ea typeface="+mn-ea"/>
+                <a:cs typeface="+mn-cs"/>
+              </a:defRPr>
+            </a:lvl8pPr>
+            <a:lvl9pPr marL="3886200" indent="-228600" algn="l" defTabSz="914400" rtl="0" eaLnBrk="1" latinLnBrk="0" hangingPunct="1">
+              <a:lnSpc>
+                <a:spcPct val="90000"/>
+              </a:lnSpc>
+              <a:spcBef>
+                <a:spcPts val="500"/>
+              </a:spcBef>
+              <a:buFont typeface="Arial" panose="020B0604020202020204" pitchFamily="34" charset="0"/>
+              <a:buChar char="•"/>
+              <a:defRPr sz="1800" kern="1200">
+                <a:solidFill>
+                  <a:schemeClr val="tx1"/>
+                </a:solidFill>
+                <a:latin typeface="+mn-lt"/>
+                <a:ea typeface="+mn-ea"/>
+                <a:cs typeface="+mn-cs"/>
+              </a:defRPr>
+            </a:lvl9pPr>
+          </a:lstStyle>
+          <a:p>
+            <a:pPr marL="0" indent="0">
+              <a:lnSpc>
+                <a:spcPct val="100000"/>
+              </a:lnSpc>
+              <a:buNone/>
+            </a:pPr>
+            <a:r>
+              <a:rPr lang="en-GB" sz="1600" dirty="0">
+                <a:latin typeface="DejaVu Sans Book" panose="020B0603030804020204" pitchFamily="34" charset="0"/>
+                <a:ea typeface="DejaVu Sans Book" panose="020B0603030804020204" pitchFamily="34" charset="0"/>
+                <a:cs typeface="DejaVu Sans Book" panose="020B0603030804020204" pitchFamily="34" charset="0"/>
+              </a:rPr>
+              <a:t>let mutable m = 1</a:t>
+            </a:r>
+          </a:p>
+          <a:p>
+            <a:pPr marL="0" indent="0">
+              <a:lnSpc>
+                <a:spcPct val="100000"/>
+              </a:lnSpc>
+              <a:buNone/>
+            </a:pPr>
+            <a:r>
+              <a:rPr lang="en-GB" sz="1600" dirty="0">
+                <a:latin typeface="DejaVu Sans Book" panose="020B0603030804020204" pitchFamily="34" charset="0"/>
+                <a:ea typeface="DejaVu Sans Book" panose="020B0603030804020204" pitchFamily="34" charset="0"/>
+                <a:cs typeface="DejaVu Sans Book" panose="020B0603030804020204" pitchFamily="34" charset="0"/>
+              </a:rPr>
+              <a:t>let mutable n = 1</a:t>
+            </a:r>
+          </a:p>
+          <a:p>
+            <a:pPr marL="0" indent="0">
+              <a:lnSpc>
+                <a:spcPct val="100000"/>
+              </a:lnSpc>
+              <a:buNone/>
+            </a:pPr>
+            <a:r>
+              <a:rPr lang="en-GB" sz="1600" dirty="0">
+                <a:latin typeface="DejaVu Sans Book" panose="020B0603030804020204" pitchFamily="34" charset="0"/>
+                <a:ea typeface="DejaVu Sans Book" panose="020B0603030804020204" pitchFamily="34" charset="0"/>
+                <a:cs typeface="DejaVu Sans Book" panose="020B0603030804020204" pitchFamily="34" charset="0"/>
+              </a:rPr>
+              <a:t>let mutable </a:t>
+            </a:r>
+            <a:r>
+              <a:rPr lang="en-GB" sz="1600" dirty="0" err="1">
+                <a:latin typeface="DejaVu Sans Book" panose="020B0603030804020204" pitchFamily="34" charset="0"/>
+                <a:ea typeface="DejaVu Sans Book" panose="020B0603030804020204" pitchFamily="34" charset="0"/>
+                <a:cs typeface="DejaVu Sans Book" panose="020B0603030804020204" pitchFamily="34" charset="0"/>
+              </a:rPr>
+              <a:t>i</a:t>
+            </a:r>
+            <a:r>
+              <a:rPr lang="en-GB" sz="1600" dirty="0">
+                <a:latin typeface="DejaVu Sans Book" panose="020B0603030804020204" pitchFamily="34" charset="0"/>
+                <a:ea typeface="DejaVu Sans Book" panose="020B0603030804020204" pitchFamily="34" charset="0"/>
+                <a:cs typeface="DejaVu Sans Book" panose="020B0603030804020204" pitchFamily="34" charset="0"/>
+              </a:rPr>
+              <a:t> = 3</a:t>
+            </a:r>
+          </a:p>
+          <a:p>
+            <a:pPr marL="0" indent="0">
+              <a:lnSpc>
+                <a:spcPct val="100000"/>
+              </a:lnSpc>
+              <a:buNone/>
+            </a:pPr>
+            <a:r>
+              <a:rPr lang="en-GB" sz="1600" dirty="0">
+                <a:latin typeface="DejaVu Sans Book" panose="020B0603030804020204" pitchFamily="34" charset="0"/>
+                <a:ea typeface="DejaVu Sans Book" panose="020B0603030804020204" pitchFamily="34" charset="0"/>
+                <a:cs typeface="DejaVu Sans Book" panose="020B0603030804020204" pitchFamily="34" charset="0"/>
+              </a:rPr>
+              <a:t>let N = 5</a:t>
+            </a:r>
+          </a:p>
+          <a:p>
+            <a:pPr marL="0" indent="0">
+              <a:lnSpc>
+                <a:spcPct val="100000"/>
+              </a:lnSpc>
+              <a:buNone/>
+            </a:pPr>
+            <a:r>
+              <a:rPr lang="en-GB" sz="1600" dirty="0">
+                <a:latin typeface="DejaVu Sans Book" panose="020B0603030804020204" pitchFamily="34" charset="0"/>
+                <a:ea typeface="DejaVu Sans Book" panose="020B0603030804020204" pitchFamily="34" charset="0"/>
+                <a:cs typeface="DejaVu Sans Book" panose="020B0603030804020204" pitchFamily="34" charset="0"/>
+              </a:rPr>
+              <a:t>while </a:t>
+            </a:r>
+            <a:r>
+              <a:rPr lang="en-GB" sz="1600" dirty="0" err="1">
+                <a:latin typeface="DejaVu Sans Book" panose="020B0603030804020204" pitchFamily="34" charset="0"/>
+                <a:ea typeface="DejaVu Sans Book" panose="020B0603030804020204" pitchFamily="34" charset="0"/>
+                <a:cs typeface="DejaVu Sans Book" panose="020B0603030804020204" pitchFamily="34" charset="0"/>
+              </a:rPr>
+              <a:t>i</a:t>
+            </a:r>
+            <a:r>
+              <a:rPr lang="en-GB" sz="1600" dirty="0">
+                <a:latin typeface="DejaVu Sans Book" panose="020B0603030804020204" pitchFamily="34" charset="0"/>
+                <a:ea typeface="DejaVu Sans Book" panose="020B0603030804020204" pitchFamily="34" charset="0"/>
+                <a:cs typeface="DejaVu Sans Book" panose="020B0603030804020204" pitchFamily="34" charset="0"/>
+              </a:rPr>
+              <a:t> &lt;= 5 do</a:t>
+            </a:r>
+          </a:p>
+          <a:p>
+            <a:pPr marL="0" indent="0">
+              <a:lnSpc>
+                <a:spcPct val="100000"/>
+              </a:lnSpc>
+              <a:buNone/>
+            </a:pPr>
+            <a:r>
+              <a:rPr lang="en-GB" sz="1600" dirty="0">
+                <a:latin typeface="DejaVu Sans Book" panose="020B0603030804020204" pitchFamily="34" charset="0"/>
+                <a:ea typeface="DejaVu Sans Book" panose="020B0603030804020204" pitchFamily="34" charset="0"/>
+                <a:cs typeface="DejaVu Sans Book" panose="020B0603030804020204" pitchFamily="34" charset="0"/>
+              </a:rPr>
+              <a:t>  let p = m + n</a:t>
+            </a:r>
+          </a:p>
+          <a:p>
+            <a:pPr marL="0" indent="0">
+              <a:lnSpc>
+                <a:spcPct val="100000"/>
+              </a:lnSpc>
+              <a:buNone/>
+            </a:pPr>
+            <a:r>
+              <a:rPr lang="en-GB" sz="1600" dirty="0">
+                <a:latin typeface="DejaVu Sans Book" panose="020B0603030804020204" pitchFamily="34" charset="0"/>
+                <a:ea typeface="DejaVu Sans Book" panose="020B0603030804020204" pitchFamily="34" charset="0"/>
+                <a:cs typeface="DejaVu Sans Book" panose="020B0603030804020204" pitchFamily="34" charset="0"/>
+              </a:rPr>
+              <a:t>  m &lt;- n</a:t>
+            </a:r>
+          </a:p>
+          <a:p>
+            <a:pPr marL="0" indent="0">
+              <a:lnSpc>
+                <a:spcPct val="100000"/>
+              </a:lnSpc>
+              <a:buNone/>
+            </a:pPr>
+            <a:r>
+              <a:rPr lang="en-GB" sz="1600" dirty="0">
+                <a:latin typeface="DejaVu Sans Book" panose="020B0603030804020204" pitchFamily="34" charset="0"/>
+                <a:ea typeface="DejaVu Sans Book" panose="020B0603030804020204" pitchFamily="34" charset="0"/>
+                <a:cs typeface="DejaVu Sans Book" panose="020B0603030804020204" pitchFamily="34" charset="0"/>
+              </a:rPr>
+              <a:t>  n &lt;- p</a:t>
+            </a:r>
+          </a:p>
+          <a:p>
+            <a:pPr marL="0" indent="0">
+              <a:lnSpc>
+                <a:spcPct val="100000"/>
+              </a:lnSpc>
+              <a:buNone/>
+            </a:pPr>
+            <a:r>
+              <a:rPr lang="en-GB" sz="1600" dirty="0">
+                <a:latin typeface="DejaVu Sans Book" panose="020B0603030804020204" pitchFamily="34" charset="0"/>
+                <a:ea typeface="DejaVu Sans Book" panose="020B0603030804020204" pitchFamily="34" charset="0"/>
+                <a:cs typeface="DejaVu Sans Book" panose="020B0603030804020204" pitchFamily="34" charset="0"/>
+              </a:rPr>
+              <a:t>  </a:t>
+            </a:r>
+            <a:r>
+              <a:rPr lang="en-GB" sz="1600" dirty="0" err="1">
+                <a:latin typeface="DejaVu Sans Book" panose="020B0603030804020204" pitchFamily="34" charset="0"/>
+                <a:ea typeface="DejaVu Sans Book" panose="020B0603030804020204" pitchFamily="34" charset="0"/>
+                <a:cs typeface="DejaVu Sans Book" panose="020B0603030804020204" pitchFamily="34" charset="0"/>
+              </a:rPr>
+              <a:t>i</a:t>
+            </a:r>
+            <a:r>
+              <a:rPr lang="en-GB" sz="1600" dirty="0">
+                <a:latin typeface="DejaVu Sans Book" panose="020B0603030804020204" pitchFamily="34" charset="0"/>
+                <a:ea typeface="DejaVu Sans Book" panose="020B0603030804020204" pitchFamily="34" charset="0"/>
+                <a:cs typeface="DejaVu Sans Book" panose="020B0603030804020204" pitchFamily="34" charset="0"/>
+              </a:rPr>
+              <a:t> &lt;- </a:t>
+            </a:r>
+            <a:r>
+              <a:rPr lang="en-GB" sz="1600" dirty="0" err="1">
+                <a:latin typeface="DejaVu Sans Book" panose="020B0603030804020204" pitchFamily="34" charset="0"/>
+                <a:ea typeface="DejaVu Sans Book" panose="020B0603030804020204" pitchFamily="34" charset="0"/>
+                <a:cs typeface="DejaVu Sans Book" panose="020B0603030804020204" pitchFamily="34" charset="0"/>
+              </a:rPr>
+              <a:t>i</a:t>
+            </a:r>
+            <a:r>
+              <a:rPr lang="en-GB" sz="1600" dirty="0">
+                <a:latin typeface="DejaVu Sans Book" panose="020B0603030804020204" pitchFamily="34" charset="0"/>
+                <a:ea typeface="DejaVu Sans Book" panose="020B0603030804020204" pitchFamily="34" charset="0"/>
+                <a:cs typeface="DejaVu Sans Book" panose="020B0603030804020204" pitchFamily="34" charset="0"/>
+              </a:rPr>
+              <a:t> + 1;</a:t>
+            </a:r>
+          </a:p>
+          <a:p>
+            <a:pPr marL="0" indent="0">
+              <a:lnSpc>
+                <a:spcPct val="100000"/>
+              </a:lnSpc>
+              <a:buNone/>
+            </a:pPr>
+            <a:r>
+              <a:rPr lang="en-GB" sz="1600" dirty="0" err="1">
+                <a:latin typeface="DejaVu Sans Book" panose="020B0603030804020204" pitchFamily="34" charset="0"/>
+                <a:ea typeface="DejaVu Sans Book" panose="020B0603030804020204" pitchFamily="34" charset="0"/>
+                <a:cs typeface="DejaVu Sans Book" panose="020B0603030804020204" pitchFamily="34" charset="0"/>
+              </a:rPr>
+              <a:t>printfn</a:t>
+            </a:r>
+            <a:r>
+              <a:rPr lang="en-GB" sz="1600" dirty="0">
+                <a:latin typeface="DejaVu Sans Book" panose="020B0603030804020204" pitchFamily="34" charset="0"/>
+                <a:ea typeface="DejaVu Sans Book" panose="020B0603030804020204" pitchFamily="34" charset="0"/>
+                <a:cs typeface="DejaVu Sans Book" panose="020B0603030804020204" pitchFamily="34" charset="0"/>
+              </a:rPr>
+              <a:t> "%d: %d" N n</a:t>
+            </a:r>
+          </a:p>
+        </p:txBody>
+      </p:sp>
+      <p:sp>
+        <p:nvSpPr>
+          <p:cNvPr id="6" name="Content Placeholder 2">
+            <a:extLst>
+              <a:ext uri="{FF2B5EF4-FFF2-40B4-BE49-F238E27FC236}">
+                <a16:creationId xmlns:a16="http://schemas.microsoft.com/office/drawing/2014/main" id="{3DCF2FB7-DBE6-7C42-92C6-1A9CC320B8E2}"/>
+              </a:ext>
+            </a:extLst>
+          </p:cNvPr>
+          <p:cNvSpPr txBox="1">
+            <a:spLocks/>
+          </p:cNvSpPr>
+          <p:nvPr/>
+        </p:nvSpPr>
+        <p:spPr>
+          <a:xfrm>
+            <a:off x="7716493" y="1889105"/>
+            <a:ext cx="4381500" cy="1933088"/>
+          </a:xfrm>
+          <a:prstGeom prst="rect">
+            <a:avLst/>
+          </a:prstGeom>
+        </p:spPr>
+        <p:txBody>
+          <a:bodyPr vert="horz" lIns="91440" tIns="45720" rIns="91440" bIns="45720" rtlCol="0">
+            <a:noAutofit/>
+          </a:bodyPr>
+          <a:lstStyle>
+            <a:lvl1pPr marL="228600" indent="-228600" algn="l" defTabSz="914400" rtl="0" eaLnBrk="1" latinLnBrk="0" hangingPunct="1">
+              <a:lnSpc>
+                <a:spcPct val="90000"/>
+              </a:lnSpc>
+              <a:spcBef>
+                <a:spcPts val="1000"/>
+              </a:spcBef>
+              <a:buFont typeface="Arial" panose="020B0604020202020204" pitchFamily="34" charset="0"/>
+              <a:buChar char="•"/>
+              <a:defRPr sz="2800" kern="1200">
+                <a:solidFill>
+                  <a:schemeClr val="tx1"/>
+                </a:solidFill>
+                <a:latin typeface="+mn-lt"/>
+                <a:ea typeface="+mn-ea"/>
+                <a:cs typeface="+mn-cs"/>
+              </a:defRPr>
+            </a:lvl1pPr>
+            <a:lvl2pPr marL="685800" indent="-228600" algn="l" defTabSz="914400" rtl="0" eaLnBrk="1" latinLnBrk="0" hangingPunct="1">
+              <a:lnSpc>
+                <a:spcPct val="90000"/>
+              </a:lnSpc>
+              <a:spcBef>
+                <a:spcPts val="500"/>
+              </a:spcBef>
+              <a:buFont typeface="Arial" panose="020B0604020202020204" pitchFamily="34" charset="0"/>
+              <a:buChar char="•"/>
+              <a:defRPr sz="2400" kern="1200">
+                <a:solidFill>
+                  <a:schemeClr val="tx1"/>
+                </a:solidFill>
+                <a:latin typeface="+mn-lt"/>
+                <a:ea typeface="+mn-ea"/>
+                <a:cs typeface="+mn-cs"/>
+              </a:defRPr>
+            </a:lvl2pPr>
+            <a:lvl3pPr marL="1143000" indent="-228600" algn="l" defTabSz="914400" rtl="0" eaLnBrk="1" latinLnBrk="0" hangingPunct="1">
+              <a:lnSpc>
+                <a:spcPct val="90000"/>
+              </a:lnSpc>
+              <a:spcBef>
+                <a:spcPts val="500"/>
+              </a:spcBef>
+              <a:buFont typeface="Arial" panose="020B0604020202020204" pitchFamily="34" charset="0"/>
+              <a:buChar char="•"/>
+              <a:defRPr sz="2000" kern="1200">
+                <a:solidFill>
+                  <a:schemeClr val="tx1"/>
+                </a:solidFill>
+                <a:latin typeface="+mn-lt"/>
+                <a:ea typeface="+mn-ea"/>
+                <a:cs typeface="+mn-cs"/>
+              </a:defRPr>
+            </a:lvl3pPr>
+            <a:lvl4pPr marL="1600200" indent="-228600" algn="l" defTabSz="914400" rtl="0" eaLnBrk="1" latinLnBrk="0" hangingPunct="1">
+              <a:lnSpc>
+                <a:spcPct val="90000"/>
+              </a:lnSpc>
+              <a:spcBef>
+                <a:spcPts val="500"/>
+              </a:spcBef>
+              <a:buFont typeface="Arial" panose="020B0604020202020204" pitchFamily="34" charset="0"/>
+              <a:buChar char="•"/>
+              <a:defRPr sz="1800" kern="1200">
+                <a:solidFill>
+                  <a:schemeClr val="tx1"/>
+                </a:solidFill>
+                <a:latin typeface="+mn-lt"/>
+                <a:ea typeface="+mn-ea"/>
+                <a:cs typeface="+mn-cs"/>
+              </a:defRPr>
+            </a:lvl4pPr>
+            <a:lvl5pPr marL="2057400" indent="-228600" algn="l" defTabSz="914400" rtl="0" eaLnBrk="1" latinLnBrk="0" hangingPunct="1">
+              <a:lnSpc>
+                <a:spcPct val="90000"/>
+              </a:lnSpc>
+              <a:spcBef>
+                <a:spcPts val="500"/>
+              </a:spcBef>
+              <a:buFont typeface="Arial" panose="020B0604020202020204" pitchFamily="34" charset="0"/>
+              <a:buChar char="•"/>
+              <a:defRPr sz="1800" kern="1200">
+                <a:solidFill>
+                  <a:schemeClr val="tx1"/>
+                </a:solidFill>
+                <a:latin typeface="+mn-lt"/>
+                <a:ea typeface="+mn-ea"/>
+                <a:cs typeface="+mn-cs"/>
+              </a:defRPr>
+            </a:lvl5pPr>
+            <a:lvl6pPr marL="2514600" indent="-228600" algn="l" defTabSz="914400" rtl="0" eaLnBrk="1" latinLnBrk="0" hangingPunct="1">
+              <a:lnSpc>
+                <a:spcPct val="90000"/>
+              </a:lnSpc>
+              <a:spcBef>
+                <a:spcPts val="500"/>
+              </a:spcBef>
+              <a:buFont typeface="Arial" panose="020B0604020202020204" pitchFamily="34" charset="0"/>
+              <a:buChar char="•"/>
+              <a:defRPr sz="1800" kern="1200">
+                <a:solidFill>
+                  <a:schemeClr val="tx1"/>
+                </a:solidFill>
+                <a:latin typeface="+mn-lt"/>
+                <a:ea typeface="+mn-ea"/>
+                <a:cs typeface="+mn-cs"/>
+              </a:defRPr>
+            </a:lvl6pPr>
+            <a:lvl7pPr marL="2971800" indent="-228600" algn="l" defTabSz="914400" rtl="0" eaLnBrk="1" latinLnBrk="0" hangingPunct="1">
+              <a:lnSpc>
+                <a:spcPct val="90000"/>
+              </a:lnSpc>
+              <a:spcBef>
+                <a:spcPts val="500"/>
+              </a:spcBef>
+              <a:buFont typeface="Arial" panose="020B0604020202020204" pitchFamily="34" charset="0"/>
+              <a:buChar char="•"/>
+              <a:defRPr sz="1800" kern="1200">
+                <a:solidFill>
+                  <a:schemeClr val="tx1"/>
+                </a:solidFill>
+                <a:latin typeface="+mn-lt"/>
+                <a:ea typeface="+mn-ea"/>
+                <a:cs typeface="+mn-cs"/>
+              </a:defRPr>
+            </a:lvl7pPr>
+            <a:lvl8pPr marL="3429000" indent="-228600" algn="l" defTabSz="914400" rtl="0" eaLnBrk="1" latinLnBrk="0" hangingPunct="1">
+              <a:lnSpc>
+                <a:spcPct val="90000"/>
+              </a:lnSpc>
+              <a:spcBef>
+                <a:spcPts val="500"/>
+              </a:spcBef>
+              <a:buFont typeface="Arial" panose="020B0604020202020204" pitchFamily="34" charset="0"/>
+              <a:buChar char="•"/>
+              <a:defRPr sz="1800" kern="1200">
+                <a:solidFill>
+                  <a:schemeClr val="tx1"/>
+                </a:solidFill>
+                <a:latin typeface="+mn-lt"/>
+                <a:ea typeface="+mn-ea"/>
+                <a:cs typeface="+mn-cs"/>
+              </a:defRPr>
+            </a:lvl8pPr>
+            <a:lvl9pPr marL="3886200" indent="-228600" algn="l" defTabSz="914400" rtl="0" eaLnBrk="1" latinLnBrk="0" hangingPunct="1">
+              <a:lnSpc>
+                <a:spcPct val="90000"/>
+              </a:lnSpc>
+              <a:spcBef>
+                <a:spcPts val="500"/>
+              </a:spcBef>
+              <a:buFont typeface="Arial" panose="020B0604020202020204" pitchFamily="34" charset="0"/>
+              <a:buChar char="•"/>
+              <a:defRPr sz="1800" kern="1200">
+                <a:solidFill>
+                  <a:schemeClr val="tx1"/>
+                </a:solidFill>
+                <a:latin typeface="+mn-lt"/>
+                <a:ea typeface="+mn-ea"/>
+                <a:cs typeface="+mn-cs"/>
+              </a:defRPr>
+            </a:lvl9pPr>
+          </a:lstStyle>
+          <a:p>
+            <a:pPr marL="0" indent="0">
+              <a:lnSpc>
+                <a:spcPct val="100000"/>
+              </a:lnSpc>
+              <a:buNone/>
+            </a:pPr>
+            <a:r>
+              <a:rPr lang="en-GB" sz="1600" dirty="0">
+                <a:latin typeface="DejaVu Sans Book" panose="020B0603030804020204" pitchFamily="34" charset="0"/>
+                <a:ea typeface="DejaVu Sans Book" panose="020B0603030804020204" pitchFamily="34" charset="0"/>
+                <a:cs typeface="DejaVu Sans Book" panose="020B0603030804020204" pitchFamily="34" charset="0"/>
+              </a:rPr>
+              <a:t>let mutable pair = (1,1)</a:t>
+            </a:r>
+          </a:p>
+          <a:p>
+            <a:pPr marL="0" indent="0">
+              <a:lnSpc>
+                <a:spcPct val="100000"/>
+              </a:lnSpc>
+              <a:buNone/>
+            </a:pPr>
+            <a:r>
+              <a:rPr lang="en-GB" sz="1600" dirty="0">
+                <a:latin typeface="DejaVu Sans Book" panose="020B0603030804020204" pitchFamily="34" charset="0"/>
+                <a:ea typeface="DejaVu Sans Book" panose="020B0603030804020204" pitchFamily="34" charset="0"/>
+                <a:cs typeface="DejaVu Sans Book" panose="020B0603030804020204" pitchFamily="34" charset="0"/>
+              </a:rPr>
+              <a:t>let N = 5</a:t>
+            </a:r>
+          </a:p>
+          <a:p>
+            <a:pPr marL="0" indent="0">
+              <a:lnSpc>
+                <a:spcPct val="100000"/>
+              </a:lnSpc>
+              <a:buNone/>
+            </a:pPr>
+            <a:r>
+              <a:rPr lang="en-GB" sz="1600" dirty="0">
+                <a:latin typeface="DejaVu Sans Book" panose="020B0603030804020204" pitchFamily="34" charset="0"/>
+                <a:ea typeface="DejaVu Sans Book" panose="020B0603030804020204" pitchFamily="34" charset="0"/>
+                <a:cs typeface="DejaVu Sans Book" panose="020B0603030804020204" pitchFamily="34" charset="0"/>
+              </a:rPr>
+              <a:t>for </a:t>
+            </a:r>
+            <a:r>
+              <a:rPr lang="en-GB" sz="1600" dirty="0" err="1">
+                <a:latin typeface="DejaVu Sans Book" panose="020B0603030804020204" pitchFamily="34" charset="0"/>
+                <a:ea typeface="DejaVu Sans Book" panose="020B0603030804020204" pitchFamily="34" charset="0"/>
+                <a:cs typeface="DejaVu Sans Book" panose="020B0603030804020204" pitchFamily="34" charset="0"/>
+              </a:rPr>
+              <a:t>i</a:t>
+            </a:r>
+            <a:r>
+              <a:rPr lang="en-GB" sz="1600" dirty="0">
+                <a:latin typeface="DejaVu Sans Book" panose="020B0603030804020204" pitchFamily="34" charset="0"/>
+                <a:ea typeface="DejaVu Sans Book" panose="020B0603030804020204" pitchFamily="34" charset="0"/>
+                <a:cs typeface="DejaVu Sans Book" panose="020B0603030804020204" pitchFamily="34" charset="0"/>
+              </a:rPr>
+              <a:t> = 3 to N do</a:t>
+            </a:r>
+          </a:p>
+          <a:p>
+            <a:pPr marL="0" indent="0">
+              <a:lnSpc>
+                <a:spcPct val="100000"/>
+              </a:lnSpc>
+              <a:buNone/>
+            </a:pPr>
+            <a:r>
+              <a:rPr lang="en-GB" sz="1600" dirty="0">
+                <a:latin typeface="DejaVu Sans Book" panose="020B0603030804020204" pitchFamily="34" charset="0"/>
+                <a:ea typeface="DejaVu Sans Book" panose="020B0603030804020204" pitchFamily="34" charset="0"/>
+                <a:cs typeface="DejaVu Sans Book" panose="020B0603030804020204" pitchFamily="34" charset="0"/>
+              </a:rPr>
+              <a:t>  pair &lt;- (</a:t>
+            </a:r>
+            <a:r>
+              <a:rPr lang="en-GB" sz="1600" dirty="0" err="1">
+                <a:latin typeface="DejaVu Sans Book" panose="020B0603030804020204" pitchFamily="34" charset="0"/>
+                <a:ea typeface="DejaVu Sans Book" panose="020B0603030804020204" pitchFamily="34" charset="0"/>
+                <a:cs typeface="DejaVu Sans Book" panose="020B0603030804020204" pitchFamily="34" charset="0"/>
+              </a:rPr>
+              <a:t>snd</a:t>
+            </a:r>
+            <a:r>
+              <a:rPr lang="en-GB" sz="1600" dirty="0">
+                <a:latin typeface="DejaVu Sans Book" panose="020B0603030804020204" pitchFamily="34" charset="0"/>
+                <a:ea typeface="DejaVu Sans Book" panose="020B0603030804020204" pitchFamily="34" charset="0"/>
+                <a:cs typeface="DejaVu Sans Book" panose="020B0603030804020204" pitchFamily="34" charset="0"/>
+              </a:rPr>
+              <a:t> pair, </a:t>
+            </a:r>
+            <a:r>
+              <a:rPr lang="en-GB" sz="1600" dirty="0" err="1">
+                <a:latin typeface="DejaVu Sans Book" panose="020B0603030804020204" pitchFamily="34" charset="0"/>
+                <a:ea typeface="DejaVu Sans Book" panose="020B0603030804020204" pitchFamily="34" charset="0"/>
+                <a:cs typeface="DejaVu Sans Book" panose="020B0603030804020204" pitchFamily="34" charset="0"/>
+              </a:rPr>
+              <a:t>fst</a:t>
+            </a:r>
+            <a:r>
+              <a:rPr lang="en-GB" sz="1600" dirty="0">
+                <a:latin typeface="DejaVu Sans Book" panose="020B0603030804020204" pitchFamily="34" charset="0"/>
+                <a:ea typeface="DejaVu Sans Book" panose="020B0603030804020204" pitchFamily="34" charset="0"/>
+                <a:cs typeface="DejaVu Sans Book" panose="020B0603030804020204" pitchFamily="34" charset="0"/>
+              </a:rPr>
+              <a:t> pair + </a:t>
+            </a:r>
+            <a:r>
+              <a:rPr lang="en-GB" sz="1600" dirty="0" err="1">
+                <a:latin typeface="DejaVu Sans Book" panose="020B0603030804020204" pitchFamily="34" charset="0"/>
+                <a:ea typeface="DejaVu Sans Book" panose="020B0603030804020204" pitchFamily="34" charset="0"/>
+                <a:cs typeface="DejaVu Sans Book" panose="020B0603030804020204" pitchFamily="34" charset="0"/>
+              </a:rPr>
+              <a:t>snd</a:t>
+            </a:r>
+            <a:r>
+              <a:rPr lang="en-GB" sz="1600" dirty="0">
+                <a:latin typeface="DejaVu Sans Book" panose="020B0603030804020204" pitchFamily="34" charset="0"/>
+                <a:ea typeface="DejaVu Sans Book" panose="020B0603030804020204" pitchFamily="34" charset="0"/>
+                <a:cs typeface="DejaVu Sans Book" panose="020B0603030804020204" pitchFamily="34" charset="0"/>
+              </a:rPr>
+              <a:t> pair)</a:t>
+            </a:r>
+          </a:p>
+          <a:p>
+            <a:pPr marL="0" indent="0">
+              <a:lnSpc>
+                <a:spcPct val="100000"/>
+              </a:lnSpc>
+              <a:buNone/>
+            </a:pPr>
+            <a:r>
+              <a:rPr lang="en-GB" sz="1600" dirty="0" err="1">
+                <a:latin typeface="DejaVu Sans Book" panose="020B0603030804020204" pitchFamily="34" charset="0"/>
+                <a:ea typeface="DejaVu Sans Book" panose="020B0603030804020204" pitchFamily="34" charset="0"/>
+                <a:cs typeface="DejaVu Sans Book" panose="020B0603030804020204" pitchFamily="34" charset="0"/>
+              </a:rPr>
+              <a:t>printfn</a:t>
+            </a:r>
+            <a:r>
+              <a:rPr lang="en-GB" sz="1600" dirty="0">
+                <a:latin typeface="DejaVu Sans Book" panose="020B0603030804020204" pitchFamily="34" charset="0"/>
+                <a:ea typeface="DejaVu Sans Book" panose="020B0603030804020204" pitchFamily="34" charset="0"/>
+                <a:cs typeface="DejaVu Sans Book" panose="020B0603030804020204" pitchFamily="34" charset="0"/>
+              </a:rPr>
+              <a:t> "%d: %d" N (</a:t>
+            </a:r>
+            <a:r>
+              <a:rPr lang="en-GB" sz="1600" dirty="0" err="1">
+                <a:latin typeface="DejaVu Sans Book" panose="020B0603030804020204" pitchFamily="34" charset="0"/>
+                <a:ea typeface="DejaVu Sans Book" panose="020B0603030804020204" pitchFamily="34" charset="0"/>
+                <a:cs typeface="DejaVu Sans Book" panose="020B0603030804020204" pitchFamily="34" charset="0"/>
+              </a:rPr>
+              <a:t>snd</a:t>
+            </a:r>
+            <a:r>
+              <a:rPr lang="en-GB" sz="1600" dirty="0">
+                <a:latin typeface="DejaVu Sans Book" panose="020B0603030804020204" pitchFamily="34" charset="0"/>
+                <a:ea typeface="DejaVu Sans Book" panose="020B0603030804020204" pitchFamily="34" charset="0"/>
+                <a:cs typeface="DejaVu Sans Book" panose="020B0603030804020204" pitchFamily="34" charset="0"/>
+              </a:rPr>
+              <a:t> pair)</a:t>
+            </a:r>
+          </a:p>
+        </p:txBody>
+      </p:sp>
+      <p:cxnSp>
+        <p:nvCxnSpPr>
+          <p:cNvPr id="7" name="Straight Connector 6">
+            <a:extLst>
+              <a:ext uri="{FF2B5EF4-FFF2-40B4-BE49-F238E27FC236}">
+                <a16:creationId xmlns:a16="http://schemas.microsoft.com/office/drawing/2014/main" id="{47932F52-5E6F-B74D-A022-A4DD1702E282}"/>
+              </a:ext>
+            </a:extLst>
+          </p:cNvPr>
+          <p:cNvCxnSpPr>
+            <a:cxnSpLocks/>
+          </p:cNvCxnSpPr>
+          <p:nvPr/>
+        </p:nvCxnSpPr>
+        <p:spPr>
+          <a:xfrm>
+            <a:off x="4041738" y="1179190"/>
+            <a:ext cx="0" cy="5260571"/>
+          </a:xfrm>
+          <a:prstGeom prst="line">
+            <a:avLst/>
+          </a:prstGeom>
+        </p:spPr>
+        <p:style>
+          <a:lnRef idx="1">
+            <a:schemeClr val="accent1"/>
+          </a:lnRef>
+          <a:fillRef idx="0">
+            <a:schemeClr val="accent1"/>
+          </a:fillRef>
+          <a:effectRef idx="0">
+            <a:schemeClr val="accent1"/>
+          </a:effectRef>
+          <a:fontRef idx="minor">
+            <a:schemeClr val="tx1"/>
+          </a:fontRef>
+        </p:style>
+      </p:cxnSp>
+      <p:cxnSp>
+        <p:nvCxnSpPr>
+          <p:cNvPr id="8" name="Straight Connector 7">
+            <a:extLst>
+              <a:ext uri="{FF2B5EF4-FFF2-40B4-BE49-F238E27FC236}">
+                <a16:creationId xmlns:a16="http://schemas.microsoft.com/office/drawing/2014/main" id="{D10F45B4-293C-BF4B-9814-34DD5FC96661}"/>
+              </a:ext>
+            </a:extLst>
+          </p:cNvPr>
+          <p:cNvCxnSpPr>
+            <a:cxnSpLocks/>
+          </p:cNvCxnSpPr>
+          <p:nvPr/>
+        </p:nvCxnSpPr>
+        <p:spPr>
+          <a:xfrm>
+            <a:off x="7333578" y="1179190"/>
+            <a:ext cx="0" cy="5260571"/>
+          </a:xfrm>
+          <a:prstGeom prst="line">
+            <a:avLst/>
+          </a:prstGeom>
+        </p:spPr>
+        <p:style>
+          <a:lnRef idx="1">
+            <a:schemeClr val="accent1"/>
+          </a:lnRef>
+          <a:fillRef idx="0">
+            <a:schemeClr val="accent1"/>
+          </a:fillRef>
+          <a:effectRef idx="0">
+            <a:schemeClr val="accent1"/>
+          </a:effectRef>
+          <a:fontRef idx="minor">
+            <a:schemeClr val="tx1"/>
+          </a:fontRef>
+        </p:style>
+      </p:cxnSp>
+      <p:sp>
+        <p:nvSpPr>
+          <p:cNvPr id="9" name="TextBox 8">
+            <a:extLst>
+              <a:ext uri="{FF2B5EF4-FFF2-40B4-BE49-F238E27FC236}">
+                <a16:creationId xmlns:a16="http://schemas.microsoft.com/office/drawing/2014/main" id="{B9059D69-FC0C-4A4C-B700-61C7A7F9C652}"/>
+              </a:ext>
+            </a:extLst>
+          </p:cNvPr>
+          <p:cNvSpPr txBox="1"/>
+          <p:nvPr/>
+        </p:nvSpPr>
+        <p:spPr>
+          <a:xfrm>
+            <a:off x="1062569" y="1311602"/>
+            <a:ext cx="1333250" cy="461665"/>
+          </a:xfrm>
+          <a:prstGeom prst="rect">
+            <a:avLst/>
+          </a:prstGeom>
+          <a:noFill/>
+        </p:spPr>
+        <p:txBody>
+          <a:bodyPr wrap="none" rtlCol="0">
+            <a:spAutoFit/>
+          </a:bodyPr>
+          <a:lstStyle/>
+          <a:p>
+            <a:r>
+              <a:rPr lang="en-GB" sz="2400" dirty="0"/>
+              <a:t>For-</a:t>
+            </a:r>
+            <a:r>
+              <a:rPr lang="en-GB" sz="2400" dirty="0" err="1"/>
+              <a:t>løkke</a:t>
+            </a:r>
+            <a:endParaRPr lang="en-GB" sz="2400" dirty="0"/>
+          </a:p>
+        </p:txBody>
+      </p:sp>
+      <p:sp>
+        <p:nvSpPr>
+          <p:cNvPr id="10" name="TextBox 9">
+            <a:extLst>
+              <a:ext uri="{FF2B5EF4-FFF2-40B4-BE49-F238E27FC236}">
+                <a16:creationId xmlns:a16="http://schemas.microsoft.com/office/drawing/2014/main" id="{9F603259-5C4C-8E44-A831-4770C2163C50}"/>
+              </a:ext>
+            </a:extLst>
+          </p:cNvPr>
+          <p:cNvSpPr txBox="1"/>
+          <p:nvPr/>
+        </p:nvSpPr>
+        <p:spPr>
+          <a:xfrm>
+            <a:off x="4359253" y="1291656"/>
+            <a:ext cx="1667123" cy="461665"/>
+          </a:xfrm>
+          <a:prstGeom prst="rect">
+            <a:avLst/>
+          </a:prstGeom>
+          <a:noFill/>
+        </p:spPr>
+        <p:txBody>
+          <a:bodyPr wrap="none" rtlCol="0">
+            <a:spAutoFit/>
+          </a:bodyPr>
+          <a:lstStyle/>
+          <a:p>
+            <a:r>
+              <a:rPr lang="en-GB" sz="2400" dirty="0"/>
+              <a:t>While-</a:t>
+            </a:r>
+            <a:r>
+              <a:rPr lang="en-GB" sz="2400" dirty="0" err="1"/>
+              <a:t>løkke</a:t>
+            </a:r>
+            <a:endParaRPr lang="en-GB" sz="2400" dirty="0"/>
+          </a:p>
+        </p:txBody>
+      </p:sp>
+      <p:sp>
+        <p:nvSpPr>
+          <p:cNvPr id="11" name="TextBox 10">
+            <a:extLst>
+              <a:ext uri="{FF2B5EF4-FFF2-40B4-BE49-F238E27FC236}">
+                <a16:creationId xmlns:a16="http://schemas.microsoft.com/office/drawing/2014/main" id="{3E453C81-45C1-274D-A0A0-DCBB36504672}"/>
+              </a:ext>
+            </a:extLst>
+          </p:cNvPr>
+          <p:cNvSpPr txBox="1"/>
+          <p:nvPr/>
+        </p:nvSpPr>
+        <p:spPr>
+          <a:xfrm>
+            <a:off x="7489273" y="1291656"/>
+            <a:ext cx="2417970" cy="461665"/>
+          </a:xfrm>
+          <a:prstGeom prst="rect">
+            <a:avLst/>
+          </a:prstGeom>
+          <a:noFill/>
+        </p:spPr>
+        <p:txBody>
+          <a:bodyPr wrap="none" rtlCol="0">
+            <a:spAutoFit/>
+          </a:bodyPr>
+          <a:lstStyle/>
+          <a:p>
+            <a:r>
+              <a:rPr lang="en-GB" sz="2400" dirty="0" err="1"/>
+              <a:t>Tupple</a:t>
+            </a:r>
+            <a:r>
+              <a:rPr lang="en-GB" sz="2400" dirty="0"/>
+              <a:t> + for-</a:t>
+            </a:r>
+            <a:r>
+              <a:rPr lang="en-GB" sz="2400" dirty="0" err="1"/>
+              <a:t>løkke</a:t>
+            </a:r>
+            <a:endParaRPr lang="en-GB" sz="2400" dirty="0"/>
+          </a:p>
+        </p:txBody>
+      </p:sp>
+      <p:sp>
+        <p:nvSpPr>
+          <p:cNvPr id="12" name="Content Placeholder 2">
+            <a:extLst>
+              <a:ext uri="{FF2B5EF4-FFF2-40B4-BE49-F238E27FC236}">
+                <a16:creationId xmlns:a16="http://schemas.microsoft.com/office/drawing/2014/main" id="{00AEBE47-9CFE-7B4D-A64E-98045B2FFE5D}"/>
+              </a:ext>
+            </a:extLst>
+          </p:cNvPr>
+          <p:cNvSpPr txBox="1">
+            <a:spLocks/>
+          </p:cNvSpPr>
+          <p:nvPr/>
+        </p:nvSpPr>
+        <p:spPr>
+          <a:xfrm>
+            <a:off x="7716493" y="3910880"/>
+            <a:ext cx="4381500" cy="2837392"/>
+          </a:xfrm>
+          <a:prstGeom prst="rect">
+            <a:avLst/>
+          </a:prstGeom>
+        </p:spPr>
+        <p:txBody>
+          <a:bodyPr vert="horz" lIns="91440" tIns="45720" rIns="91440" bIns="45720" rtlCol="0">
+            <a:noAutofit/>
+          </a:bodyPr>
+          <a:lstStyle>
+            <a:lvl1pPr marL="228600" indent="-228600" algn="l" defTabSz="914400" rtl="0" eaLnBrk="1" latinLnBrk="0" hangingPunct="1">
+              <a:lnSpc>
+                <a:spcPct val="90000"/>
+              </a:lnSpc>
+              <a:spcBef>
+                <a:spcPts val="1000"/>
+              </a:spcBef>
+              <a:buFont typeface="Arial" panose="020B0604020202020204" pitchFamily="34" charset="0"/>
+              <a:buChar char="•"/>
+              <a:defRPr sz="2800" kern="1200">
+                <a:solidFill>
+                  <a:schemeClr val="tx1"/>
+                </a:solidFill>
+                <a:latin typeface="+mn-lt"/>
+                <a:ea typeface="+mn-ea"/>
+                <a:cs typeface="+mn-cs"/>
+              </a:defRPr>
+            </a:lvl1pPr>
+            <a:lvl2pPr marL="685800" indent="-228600" algn="l" defTabSz="914400" rtl="0" eaLnBrk="1" latinLnBrk="0" hangingPunct="1">
+              <a:lnSpc>
+                <a:spcPct val="90000"/>
+              </a:lnSpc>
+              <a:spcBef>
+                <a:spcPts val="500"/>
+              </a:spcBef>
+              <a:buFont typeface="Arial" panose="020B0604020202020204" pitchFamily="34" charset="0"/>
+              <a:buChar char="•"/>
+              <a:defRPr sz="2400" kern="1200">
+                <a:solidFill>
+                  <a:schemeClr val="tx1"/>
+                </a:solidFill>
+                <a:latin typeface="+mn-lt"/>
+                <a:ea typeface="+mn-ea"/>
+                <a:cs typeface="+mn-cs"/>
+              </a:defRPr>
+            </a:lvl2pPr>
+            <a:lvl3pPr marL="1143000" indent="-228600" algn="l" defTabSz="914400" rtl="0" eaLnBrk="1" latinLnBrk="0" hangingPunct="1">
+              <a:lnSpc>
+                <a:spcPct val="90000"/>
+              </a:lnSpc>
+              <a:spcBef>
+                <a:spcPts val="500"/>
+              </a:spcBef>
+              <a:buFont typeface="Arial" panose="020B0604020202020204" pitchFamily="34" charset="0"/>
+              <a:buChar char="•"/>
+              <a:defRPr sz="2000" kern="1200">
+                <a:solidFill>
+                  <a:schemeClr val="tx1"/>
+                </a:solidFill>
+                <a:latin typeface="+mn-lt"/>
+                <a:ea typeface="+mn-ea"/>
+                <a:cs typeface="+mn-cs"/>
+              </a:defRPr>
+            </a:lvl3pPr>
+            <a:lvl4pPr marL="1600200" indent="-228600" algn="l" defTabSz="914400" rtl="0" eaLnBrk="1" latinLnBrk="0" hangingPunct="1">
+              <a:lnSpc>
+                <a:spcPct val="90000"/>
+              </a:lnSpc>
+              <a:spcBef>
+                <a:spcPts val="500"/>
+              </a:spcBef>
+              <a:buFont typeface="Arial" panose="020B0604020202020204" pitchFamily="34" charset="0"/>
+              <a:buChar char="•"/>
+              <a:defRPr sz="1800" kern="1200">
+                <a:solidFill>
+                  <a:schemeClr val="tx1"/>
+                </a:solidFill>
+                <a:latin typeface="+mn-lt"/>
+                <a:ea typeface="+mn-ea"/>
+                <a:cs typeface="+mn-cs"/>
+              </a:defRPr>
+            </a:lvl4pPr>
+            <a:lvl5pPr marL="2057400" indent="-228600" algn="l" defTabSz="914400" rtl="0" eaLnBrk="1" latinLnBrk="0" hangingPunct="1">
+              <a:lnSpc>
+                <a:spcPct val="90000"/>
+              </a:lnSpc>
+              <a:spcBef>
+                <a:spcPts val="500"/>
+              </a:spcBef>
+              <a:buFont typeface="Arial" panose="020B0604020202020204" pitchFamily="34" charset="0"/>
+              <a:buChar char="•"/>
+              <a:defRPr sz="1800" kern="1200">
+                <a:solidFill>
+                  <a:schemeClr val="tx1"/>
+                </a:solidFill>
+                <a:latin typeface="+mn-lt"/>
+                <a:ea typeface="+mn-ea"/>
+                <a:cs typeface="+mn-cs"/>
+              </a:defRPr>
+            </a:lvl5pPr>
+            <a:lvl6pPr marL="2514600" indent="-228600" algn="l" defTabSz="914400" rtl="0" eaLnBrk="1" latinLnBrk="0" hangingPunct="1">
+              <a:lnSpc>
+                <a:spcPct val="90000"/>
+              </a:lnSpc>
+              <a:spcBef>
+                <a:spcPts val="500"/>
+              </a:spcBef>
+              <a:buFont typeface="Arial" panose="020B0604020202020204" pitchFamily="34" charset="0"/>
+              <a:buChar char="•"/>
+              <a:defRPr sz="1800" kern="1200">
+                <a:solidFill>
+                  <a:schemeClr val="tx1"/>
+                </a:solidFill>
+                <a:latin typeface="+mn-lt"/>
+                <a:ea typeface="+mn-ea"/>
+                <a:cs typeface="+mn-cs"/>
+              </a:defRPr>
+            </a:lvl6pPr>
+            <a:lvl7pPr marL="2971800" indent="-228600" algn="l" defTabSz="914400" rtl="0" eaLnBrk="1" latinLnBrk="0" hangingPunct="1">
+              <a:lnSpc>
+                <a:spcPct val="90000"/>
+              </a:lnSpc>
+              <a:spcBef>
+                <a:spcPts val="500"/>
+              </a:spcBef>
+              <a:buFont typeface="Arial" panose="020B0604020202020204" pitchFamily="34" charset="0"/>
+              <a:buChar char="•"/>
+              <a:defRPr sz="1800" kern="1200">
+                <a:solidFill>
+                  <a:schemeClr val="tx1"/>
+                </a:solidFill>
+                <a:latin typeface="+mn-lt"/>
+                <a:ea typeface="+mn-ea"/>
+                <a:cs typeface="+mn-cs"/>
+              </a:defRPr>
+            </a:lvl7pPr>
+            <a:lvl8pPr marL="3429000" indent="-228600" algn="l" defTabSz="914400" rtl="0" eaLnBrk="1" latinLnBrk="0" hangingPunct="1">
+              <a:lnSpc>
+                <a:spcPct val="90000"/>
+              </a:lnSpc>
+              <a:spcBef>
+                <a:spcPts val="500"/>
+              </a:spcBef>
+              <a:buFont typeface="Arial" panose="020B0604020202020204" pitchFamily="34" charset="0"/>
+              <a:buChar char="•"/>
+              <a:defRPr sz="1800" kern="1200">
+                <a:solidFill>
+                  <a:schemeClr val="tx1"/>
+                </a:solidFill>
+                <a:latin typeface="+mn-lt"/>
+                <a:ea typeface="+mn-ea"/>
+                <a:cs typeface="+mn-cs"/>
+              </a:defRPr>
+            </a:lvl8pPr>
+            <a:lvl9pPr marL="3886200" indent="-228600" algn="l" defTabSz="914400" rtl="0" eaLnBrk="1" latinLnBrk="0" hangingPunct="1">
+              <a:lnSpc>
+                <a:spcPct val="90000"/>
+              </a:lnSpc>
+              <a:spcBef>
+                <a:spcPts val="500"/>
+              </a:spcBef>
+              <a:buFont typeface="Arial" panose="020B0604020202020204" pitchFamily="34" charset="0"/>
+              <a:buChar char="•"/>
+              <a:defRPr sz="1800" kern="1200">
+                <a:solidFill>
+                  <a:schemeClr val="tx1"/>
+                </a:solidFill>
+                <a:latin typeface="+mn-lt"/>
+                <a:ea typeface="+mn-ea"/>
+                <a:cs typeface="+mn-cs"/>
+              </a:defRPr>
+            </a:lvl9pPr>
+          </a:lstStyle>
+          <a:p>
+            <a:pPr marL="0" indent="0">
+              <a:lnSpc>
+                <a:spcPct val="100000"/>
+              </a:lnSpc>
+              <a:buNone/>
+            </a:pPr>
+            <a:r>
+              <a:rPr lang="en-GB" sz="1600" dirty="0">
+                <a:latin typeface="DejaVu Sans Book" panose="020B0603030804020204" pitchFamily="34" charset="0"/>
+                <a:ea typeface="DejaVu Sans Book" panose="020B0603030804020204" pitchFamily="34" charset="0"/>
+                <a:cs typeface="DejaVu Sans Book" panose="020B0603030804020204" pitchFamily="34" charset="0"/>
+              </a:rPr>
+              <a:t>let fib N =</a:t>
+            </a:r>
+          </a:p>
+          <a:p>
+            <a:pPr marL="0" indent="0">
+              <a:lnSpc>
+                <a:spcPct val="100000"/>
+              </a:lnSpc>
+              <a:buNone/>
+            </a:pPr>
+            <a:r>
+              <a:rPr lang="en-GB" sz="1600" dirty="0">
+                <a:latin typeface="DejaVu Sans Book" panose="020B0603030804020204" pitchFamily="34" charset="0"/>
+                <a:ea typeface="DejaVu Sans Book" panose="020B0603030804020204" pitchFamily="34" charset="0"/>
+                <a:cs typeface="DejaVu Sans Book" panose="020B0603030804020204" pitchFamily="34" charset="0"/>
+              </a:rPr>
+              <a:t>  let mutable pair = (1,1)</a:t>
+            </a:r>
+          </a:p>
+          <a:p>
+            <a:pPr marL="0" indent="0">
+              <a:lnSpc>
+                <a:spcPct val="100000"/>
+              </a:lnSpc>
+              <a:buNone/>
+            </a:pPr>
+            <a:r>
+              <a:rPr lang="en-GB" sz="1600" dirty="0">
+                <a:latin typeface="DejaVu Sans Book" panose="020B0603030804020204" pitchFamily="34" charset="0"/>
+                <a:ea typeface="DejaVu Sans Book" panose="020B0603030804020204" pitchFamily="34" charset="0"/>
+                <a:cs typeface="DejaVu Sans Book" panose="020B0603030804020204" pitchFamily="34" charset="0"/>
+              </a:rPr>
+              <a:t>  for </a:t>
+            </a:r>
+            <a:r>
+              <a:rPr lang="en-GB" sz="1600" dirty="0" err="1">
+                <a:latin typeface="DejaVu Sans Book" panose="020B0603030804020204" pitchFamily="34" charset="0"/>
+                <a:ea typeface="DejaVu Sans Book" panose="020B0603030804020204" pitchFamily="34" charset="0"/>
+                <a:cs typeface="DejaVu Sans Book" panose="020B0603030804020204" pitchFamily="34" charset="0"/>
+              </a:rPr>
+              <a:t>i</a:t>
+            </a:r>
+            <a:r>
+              <a:rPr lang="en-GB" sz="1600" dirty="0">
+                <a:latin typeface="DejaVu Sans Book" panose="020B0603030804020204" pitchFamily="34" charset="0"/>
+                <a:ea typeface="DejaVu Sans Book" panose="020B0603030804020204" pitchFamily="34" charset="0"/>
+                <a:cs typeface="DejaVu Sans Book" panose="020B0603030804020204" pitchFamily="34" charset="0"/>
+              </a:rPr>
+              <a:t> = 3 to N do</a:t>
+            </a:r>
+          </a:p>
+          <a:p>
+            <a:pPr marL="0" indent="0">
+              <a:lnSpc>
+                <a:spcPct val="100000"/>
+              </a:lnSpc>
+              <a:buNone/>
+            </a:pPr>
+            <a:r>
+              <a:rPr lang="en-GB" sz="1600" dirty="0">
+                <a:latin typeface="DejaVu Sans Book" panose="020B0603030804020204" pitchFamily="34" charset="0"/>
+                <a:ea typeface="DejaVu Sans Book" panose="020B0603030804020204" pitchFamily="34" charset="0"/>
+                <a:cs typeface="DejaVu Sans Book" panose="020B0603030804020204" pitchFamily="34" charset="0"/>
+              </a:rPr>
+              <a:t>    pair &lt;- (</a:t>
+            </a:r>
+            <a:r>
+              <a:rPr lang="en-GB" sz="1600" dirty="0" err="1">
+                <a:latin typeface="DejaVu Sans Book" panose="020B0603030804020204" pitchFamily="34" charset="0"/>
+                <a:ea typeface="DejaVu Sans Book" panose="020B0603030804020204" pitchFamily="34" charset="0"/>
+                <a:cs typeface="DejaVu Sans Book" panose="020B0603030804020204" pitchFamily="34" charset="0"/>
+              </a:rPr>
+              <a:t>snd</a:t>
+            </a:r>
+            <a:r>
+              <a:rPr lang="en-GB" sz="1600" dirty="0">
+                <a:latin typeface="DejaVu Sans Book" panose="020B0603030804020204" pitchFamily="34" charset="0"/>
+                <a:ea typeface="DejaVu Sans Book" panose="020B0603030804020204" pitchFamily="34" charset="0"/>
+                <a:cs typeface="DejaVu Sans Book" panose="020B0603030804020204" pitchFamily="34" charset="0"/>
+              </a:rPr>
+              <a:t> pair, </a:t>
+            </a:r>
+            <a:r>
+              <a:rPr lang="en-GB" sz="1600" dirty="0" err="1">
+                <a:latin typeface="DejaVu Sans Book" panose="020B0603030804020204" pitchFamily="34" charset="0"/>
+                <a:ea typeface="DejaVu Sans Book" panose="020B0603030804020204" pitchFamily="34" charset="0"/>
+                <a:cs typeface="DejaVu Sans Book" panose="020B0603030804020204" pitchFamily="34" charset="0"/>
+              </a:rPr>
+              <a:t>fst</a:t>
+            </a:r>
+            <a:r>
+              <a:rPr lang="en-GB" sz="1600" dirty="0">
+                <a:latin typeface="DejaVu Sans Book" panose="020B0603030804020204" pitchFamily="34" charset="0"/>
+                <a:ea typeface="DejaVu Sans Book" panose="020B0603030804020204" pitchFamily="34" charset="0"/>
+                <a:cs typeface="DejaVu Sans Book" panose="020B0603030804020204" pitchFamily="34" charset="0"/>
+              </a:rPr>
+              <a:t> pair + </a:t>
+            </a:r>
+            <a:r>
+              <a:rPr lang="en-GB" sz="1600" dirty="0" err="1">
+                <a:latin typeface="DejaVu Sans Book" panose="020B0603030804020204" pitchFamily="34" charset="0"/>
+                <a:ea typeface="DejaVu Sans Book" panose="020B0603030804020204" pitchFamily="34" charset="0"/>
+                <a:cs typeface="DejaVu Sans Book" panose="020B0603030804020204" pitchFamily="34" charset="0"/>
+              </a:rPr>
+              <a:t>snd</a:t>
+            </a:r>
+            <a:r>
+              <a:rPr lang="en-GB" sz="1600" dirty="0">
+                <a:latin typeface="DejaVu Sans Book" panose="020B0603030804020204" pitchFamily="34" charset="0"/>
+                <a:ea typeface="DejaVu Sans Book" panose="020B0603030804020204" pitchFamily="34" charset="0"/>
+                <a:cs typeface="DejaVu Sans Book" panose="020B0603030804020204" pitchFamily="34" charset="0"/>
+              </a:rPr>
+              <a:t> pair)</a:t>
+            </a:r>
+          </a:p>
+          <a:p>
+            <a:pPr marL="0" indent="0">
+              <a:lnSpc>
+                <a:spcPct val="100000"/>
+              </a:lnSpc>
+              <a:buNone/>
+            </a:pPr>
+            <a:r>
+              <a:rPr lang="en-GB" sz="1600" dirty="0">
+                <a:latin typeface="DejaVu Sans Book" panose="020B0603030804020204" pitchFamily="34" charset="0"/>
+                <a:ea typeface="DejaVu Sans Book" panose="020B0603030804020204" pitchFamily="34" charset="0"/>
+                <a:cs typeface="DejaVu Sans Book" panose="020B0603030804020204" pitchFamily="34" charset="0"/>
+              </a:rPr>
+              <a:t>  </a:t>
+            </a:r>
+            <a:r>
+              <a:rPr lang="en-GB" sz="1600" dirty="0" err="1">
+                <a:latin typeface="DejaVu Sans Book" panose="020B0603030804020204" pitchFamily="34" charset="0"/>
+                <a:ea typeface="DejaVu Sans Book" panose="020B0603030804020204" pitchFamily="34" charset="0"/>
+                <a:cs typeface="DejaVu Sans Book" panose="020B0603030804020204" pitchFamily="34" charset="0"/>
+              </a:rPr>
+              <a:t>snd</a:t>
+            </a:r>
+            <a:r>
+              <a:rPr lang="en-GB" sz="1600" dirty="0">
+                <a:latin typeface="DejaVu Sans Book" panose="020B0603030804020204" pitchFamily="34" charset="0"/>
+                <a:ea typeface="DejaVu Sans Book" panose="020B0603030804020204" pitchFamily="34" charset="0"/>
+                <a:cs typeface="DejaVu Sans Book" panose="020B0603030804020204" pitchFamily="34" charset="0"/>
+              </a:rPr>
+              <a:t> pair</a:t>
+            </a:r>
+          </a:p>
+          <a:p>
+            <a:pPr marL="0" indent="0">
+              <a:lnSpc>
+                <a:spcPct val="100000"/>
+              </a:lnSpc>
+              <a:buNone/>
+            </a:pPr>
+            <a:endParaRPr lang="en-GB" sz="1600" dirty="0">
+              <a:latin typeface="DejaVu Sans Book" panose="020B0603030804020204" pitchFamily="34" charset="0"/>
+              <a:ea typeface="DejaVu Sans Book" panose="020B0603030804020204" pitchFamily="34" charset="0"/>
+              <a:cs typeface="DejaVu Sans Book" panose="020B0603030804020204" pitchFamily="34" charset="0"/>
+            </a:endParaRPr>
+          </a:p>
+          <a:p>
+            <a:pPr marL="0" indent="0">
+              <a:lnSpc>
+                <a:spcPct val="100000"/>
+              </a:lnSpc>
+              <a:buNone/>
+            </a:pPr>
+            <a:r>
+              <a:rPr lang="en-GB" sz="1600" dirty="0">
+                <a:latin typeface="DejaVu Sans Book" panose="020B0603030804020204" pitchFamily="34" charset="0"/>
+                <a:ea typeface="DejaVu Sans Book" panose="020B0603030804020204" pitchFamily="34" charset="0"/>
+                <a:cs typeface="DejaVu Sans Book" panose="020B0603030804020204" pitchFamily="34" charset="0"/>
+              </a:rPr>
+              <a:t>let N = 5</a:t>
+            </a:r>
+          </a:p>
+          <a:p>
+            <a:pPr marL="0" indent="0">
+              <a:lnSpc>
+                <a:spcPct val="100000"/>
+              </a:lnSpc>
+              <a:buNone/>
+            </a:pPr>
+            <a:r>
+              <a:rPr lang="en-GB" sz="1600" dirty="0" err="1">
+                <a:latin typeface="DejaVu Sans Book" panose="020B0603030804020204" pitchFamily="34" charset="0"/>
+                <a:ea typeface="DejaVu Sans Book" panose="020B0603030804020204" pitchFamily="34" charset="0"/>
+                <a:cs typeface="DejaVu Sans Book" panose="020B0603030804020204" pitchFamily="34" charset="0"/>
+              </a:rPr>
+              <a:t>printfn</a:t>
+            </a:r>
+            <a:r>
+              <a:rPr lang="en-GB" sz="1600" dirty="0">
+                <a:latin typeface="DejaVu Sans Book" panose="020B0603030804020204" pitchFamily="34" charset="0"/>
+                <a:ea typeface="DejaVu Sans Book" panose="020B0603030804020204" pitchFamily="34" charset="0"/>
+                <a:cs typeface="DejaVu Sans Book" panose="020B0603030804020204" pitchFamily="34" charset="0"/>
+              </a:rPr>
+              <a:t> "%d: %d" N (fib N)</a:t>
+            </a:r>
+          </a:p>
+        </p:txBody>
+      </p:sp>
+      <p:cxnSp>
+        <p:nvCxnSpPr>
+          <p:cNvPr id="13" name="Straight Connector 12">
+            <a:extLst>
+              <a:ext uri="{FF2B5EF4-FFF2-40B4-BE49-F238E27FC236}">
+                <a16:creationId xmlns:a16="http://schemas.microsoft.com/office/drawing/2014/main" id="{76739BB5-0A88-EB41-A21F-9ED147B0D754}"/>
+              </a:ext>
+            </a:extLst>
+          </p:cNvPr>
+          <p:cNvCxnSpPr>
+            <a:cxnSpLocks/>
+          </p:cNvCxnSpPr>
+          <p:nvPr/>
+        </p:nvCxnSpPr>
+        <p:spPr>
+          <a:xfrm>
+            <a:off x="7716493" y="3822193"/>
+            <a:ext cx="3987827" cy="0"/>
+          </a:xfrm>
+          <a:prstGeom prst="line">
+            <a:avLst/>
+          </a:prstGeom>
+        </p:spPr>
+        <p:style>
+          <a:lnRef idx="1">
+            <a:schemeClr val="accent1"/>
+          </a:lnRef>
+          <a:fillRef idx="0">
+            <a:schemeClr val="accent1"/>
+          </a:fillRef>
+          <a:effectRef idx="0">
+            <a:schemeClr val="accent1"/>
+          </a:effectRef>
+          <a:fontRef idx="minor">
+            <a:schemeClr val="tx1"/>
+          </a:fontRef>
+        </p:style>
+      </p:cxnSp>
+    </p:spTree>
+    <p:extLst>
+      <p:ext uri="{BB962C8B-B14F-4D97-AF65-F5344CB8AC3E}">
+        <p14:creationId xmlns:p14="http://schemas.microsoft.com/office/powerpoint/2010/main" val="3964256058"/>
+      </p:ext>
+    </p:extLst>
+  </p:cSld>
+  <p:clrMapOvr>
+    <a:masterClrMapping/>
+  </p:clrMapOvr>
+  <p:timing>
+    <p:tnLst>
+      <p:par>
+        <p:cTn id="1" dur="indefinite" restart="never" nodeType="tmRoot">
+          <p:childTnLst>
+            <p:seq concurrent="1" nextAc="seek">
+              <p:cTn id="2" dur="indefinite" nodeType="mainSeq">
+                <p:childTnLst>
+                  <p:par>
+                    <p:cTn id="3" fill="hold">
+                      <p:stCondLst>
+                        <p:cond delay="indefinite"/>
+                      </p:stCondLst>
+                      <p:childTnLst>
+                        <p:par>
+                          <p:cTn id="4" fill="hold">
+                            <p:stCondLst>
+                              <p:cond delay="0"/>
+                            </p:stCondLst>
+                            <p:childTnLst>
+                              <p:par>
+                                <p:cTn id="5" presetID="1" presetClass="entr" presetSubtype="0" fill="hold" nodeType="clickEffect">
+                                  <p:stCondLst>
+                                    <p:cond delay="0"/>
+                                  </p:stCondLst>
+                                  <p:childTnLst>
+                                    <p:set>
+                                      <p:cBhvr>
+                                        <p:cTn id="6" dur="1" fill="hold">
+                                          <p:stCondLst>
+                                            <p:cond delay="0"/>
+                                          </p:stCondLst>
+                                        </p:cTn>
+                                        <p:tgtEl>
+                                          <p:spTgt spid="7"/>
+                                        </p:tgtEl>
+                                        <p:attrNameLst>
+                                          <p:attrName>style.visibility</p:attrName>
+                                        </p:attrNameLst>
+                                      </p:cBhvr>
+                                      <p:to>
+                                        <p:strVal val="visible"/>
+                                      </p:to>
+                                    </p:set>
+                                  </p:childTnLst>
+                                </p:cTn>
+                              </p:par>
+                              <p:par>
+                                <p:cTn id="7" presetID="1" presetClass="entr" presetSubtype="0" fill="hold" grpId="0" nodeType="withEffect">
+                                  <p:stCondLst>
+                                    <p:cond delay="0"/>
+                                  </p:stCondLst>
+                                  <p:childTnLst>
+                                    <p:set>
+                                      <p:cBhvr>
+                                        <p:cTn id="8" dur="1" fill="hold">
+                                          <p:stCondLst>
+                                            <p:cond delay="0"/>
+                                          </p:stCondLst>
+                                        </p:cTn>
+                                        <p:tgtEl>
+                                          <p:spTgt spid="10"/>
+                                        </p:tgtEl>
+                                        <p:attrNameLst>
+                                          <p:attrName>style.visibility</p:attrName>
+                                        </p:attrNameLst>
+                                      </p:cBhvr>
+                                      <p:to>
+                                        <p:strVal val="visible"/>
+                                      </p:to>
+                                    </p:set>
+                                  </p:childTnLst>
+                                </p:cTn>
+                              </p:par>
+                              <p:par>
+                                <p:cTn id="9" presetID="1" presetClass="entr" presetSubtype="0" fill="hold" grpId="0" nodeType="withEffect">
+                                  <p:stCondLst>
+                                    <p:cond delay="0"/>
+                                  </p:stCondLst>
+                                  <p:childTnLst>
+                                    <p:set>
+                                      <p:cBhvr>
+                                        <p:cTn id="10" dur="1" fill="hold">
+                                          <p:stCondLst>
+                                            <p:cond delay="0"/>
+                                          </p:stCondLst>
+                                        </p:cTn>
+                                        <p:tgtEl>
+                                          <p:spTgt spid="5"/>
+                                        </p:tgtEl>
+                                        <p:attrNameLst>
+                                          <p:attrName>style.visibility</p:attrName>
+                                        </p:attrNameLst>
+                                      </p:cBhvr>
+                                      <p:to>
+                                        <p:strVal val="visible"/>
+                                      </p:to>
+                                    </p:set>
+                                  </p:childTnLst>
+                                </p:cTn>
+                              </p:par>
+                            </p:childTnLst>
+                          </p:cTn>
+                        </p:par>
+                      </p:childTnLst>
+                    </p:cTn>
+                  </p:par>
+                  <p:par>
+                    <p:cTn id="11" fill="hold">
+                      <p:stCondLst>
+                        <p:cond delay="indefinite"/>
+                      </p:stCondLst>
+                      <p:childTnLst>
+                        <p:par>
+                          <p:cTn id="12" fill="hold">
+                            <p:stCondLst>
+                              <p:cond delay="0"/>
+                            </p:stCondLst>
+                            <p:childTnLst>
+                              <p:par>
+                                <p:cTn id="13" presetID="1" presetClass="entr" presetSubtype="0" fill="hold" nodeType="clickEffect">
+                                  <p:stCondLst>
+                                    <p:cond delay="0"/>
+                                  </p:stCondLst>
+                                  <p:childTnLst>
+                                    <p:set>
+                                      <p:cBhvr>
+                                        <p:cTn id="14" dur="1" fill="hold">
+                                          <p:stCondLst>
+                                            <p:cond delay="0"/>
+                                          </p:stCondLst>
+                                        </p:cTn>
+                                        <p:tgtEl>
+                                          <p:spTgt spid="8"/>
+                                        </p:tgtEl>
+                                        <p:attrNameLst>
+                                          <p:attrName>style.visibility</p:attrName>
+                                        </p:attrNameLst>
+                                      </p:cBhvr>
+                                      <p:to>
+                                        <p:strVal val="visible"/>
+                                      </p:to>
+                                    </p:set>
+                                  </p:childTnLst>
+                                </p:cTn>
+                              </p:par>
+                              <p:par>
+                                <p:cTn id="15" presetID="1" presetClass="entr" presetSubtype="0" fill="hold" grpId="0" nodeType="withEffect">
+                                  <p:stCondLst>
+                                    <p:cond delay="0"/>
+                                  </p:stCondLst>
+                                  <p:childTnLst>
+                                    <p:set>
+                                      <p:cBhvr>
+                                        <p:cTn id="16" dur="1" fill="hold">
+                                          <p:stCondLst>
+                                            <p:cond delay="0"/>
+                                          </p:stCondLst>
+                                        </p:cTn>
+                                        <p:tgtEl>
+                                          <p:spTgt spid="11"/>
+                                        </p:tgtEl>
+                                        <p:attrNameLst>
+                                          <p:attrName>style.visibility</p:attrName>
+                                        </p:attrNameLst>
+                                      </p:cBhvr>
+                                      <p:to>
+                                        <p:strVal val="visible"/>
+                                      </p:to>
+                                    </p:set>
+                                  </p:childTnLst>
+                                </p:cTn>
+                              </p:par>
+                              <p:par>
+                                <p:cTn id="17" presetID="1" presetClass="entr" presetSubtype="0" fill="hold" grpId="0" nodeType="withEffect">
+                                  <p:stCondLst>
+                                    <p:cond delay="0"/>
+                                  </p:stCondLst>
+                                  <p:childTnLst>
+                                    <p:set>
+                                      <p:cBhvr>
+                                        <p:cTn id="18" dur="1" fill="hold">
+                                          <p:stCondLst>
+                                            <p:cond delay="0"/>
+                                          </p:stCondLst>
+                                        </p:cTn>
+                                        <p:tgtEl>
+                                          <p:spTgt spid="6"/>
+                                        </p:tgtEl>
+                                        <p:attrNameLst>
+                                          <p:attrName>style.visibility</p:attrName>
+                                        </p:attrNameLst>
+                                      </p:cBhvr>
+                                      <p:to>
+                                        <p:strVal val="visible"/>
+                                      </p:to>
+                                    </p:set>
+                                  </p:childTnLst>
+                                </p:cTn>
+                              </p:par>
+                            </p:childTnLst>
+                          </p:cTn>
+                        </p:par>
+                      </p:childTnLst>
+                    </p:cTn>
+                  </p:par>
+                  <p:par>
+                    <p:cTn id="19" fill="hold">
+                      <p:stCondLst>
+                        <p:cond delay="indefinite"/>
+                      </p:stCondLst>
+                      <p:childTnLst>
+                        <p:par>
+                          <p:cTn id="20" fill="hold">
+                            <p:stCondLst>
+                              <p:cond delay="0"/>
+                            </p:stCondLst>
+                            <p:childTnLst>
+                              <p:par>
+                                <p:cTn id="21" presetID="1" presetClass="entr" presetSubtype="0" fill="hold" nodeType="clickEffect">
+                                  <p:stCondLst>
+                                    <p:cond delay="0"/>
+                                  </p:stCondLst>
+                                  <p:childTnLst>
+                                    <p:set>
+                                      <p:cBhvr>
+                                        <p:cTn id="22" dur="1" fill="hold">
+                                          <p:stCondLst>
+                                            <p:cond delay="0"/>
+                                          </p:stCondLst>
+                                        </p:cTn>
+                                        <p:tgtEl>
+                                          <p:spTgt spid="13"/>
+                                        </p:tgtEl>
+                                        <p:attrNameLst>
+                                          <p:attrName>style.visibility</p:attrName>
+                                        </p:attrNameLst>
+                                      </p:cBhvr>
+                                      <p:to>
+                                        <p:strVal val="visible"/>
+                                      </p:to>
+                                    </p:set>
+                                  </p:childTnLst>
+                                </p:cTn>
+                              </p:par>
+                              <p:par>
+                                <p:cTn id="23" presetID="1" presetClass="entr" presetSubtype="0" fill="hold" grpId="0" nodeType="withEffect">
+                                  <p:stCondLst>
+                                    <p:cond delay="0"/>
+                                  </p:stCondLst>
+                                  <p:childTnLst>
+                                    <p:set>
+                                      <p:cBhvr>
+                                        <p:cTn id="24" dur="1" fill="hold">
+                                          <p:stCondLst>
+                                            <p:cond delay="0"/>
+                                          </p:stCondLst>
+                                        </p:cTn>
+                                        <p:tgtEl>
+                                          <p:spTgt spid="12"/>
+                                        </p:tgtEl>
+                                        <p:attrNameLst>
+                                          <p:attrName>style.visibility</p:attrName>
+                                        </p:attrNameLst>
+                                      </p:cBhvr>
+                                      <p:to>
+                                        <p:strVal val="visible"/>
+                                      </p:to>
+                                    </p:set>
+                                  </p:childTnLst>
+                                </p:cTn>
+                              </p:par>
+                            </p:childTnLst>
+                          </p:cTn>
+                        </p:par>
+                      </p:childTnLst>
+                    </p:cTn>
+                  </p:par>
+                </p:childTnLst>
+              </p:cTn>
+              <p:prevCondLst>
+                <p:cond evt="onPrev" delay="0">
+                  <p:tgtEl>
+                    <p:sldTgt/>
+                  </p:tgtEl>
+                </p:cond>
+              </p:prevCondLst>
+              <p:nextCondLst>
+                <p:cond evt="onNext" delay="0">
+                  <p:tgtEl>
+                    <p:sldTgt/>
+                  </p:tgtEl>
+                </p:cond>
+              </p:nextCondLst>
+            </p:seq>
+          </p:childTnLst>
+        </p:cTn>
+      </p:par>
+    </p:tnLst>
+    <p:bldLst>
+      <p:bldP spid="5" grpId="0"/>
+      <p:bldP spid="6" grpId="0"/>
+      <p:bldP spid="10" grpId="0"/>
+      <p:bldP spid="11" grpId="0"/>
+      <p:bldP spid="12" grpId="0"/>
+    </p:bldLst>
+  </p:timing>
+</p:sld>
+</file>
+
+<file path=ppt/slides/slide4.xml><?xml version="1.0" encoding="utf-8"?>
 <p:sld xmlns:a="http://schemas.openxmlformats.org/drawingml/2006/main" xmlns:r="http://schemas.openxmlformats.org/officeDocument/2006/relationships" xmlns:p="http://schemas.openxmlformats.org/presentationml/2006/main">
   <p:cSld>
     <p:spTree>
@@ -6776,7 +12540,7 @@
 </p:sld>
 </file>
 
-<file path=ppt/slides/slide4.xml><?xml version="1.0" encoding="utf-8"?>
+<file path=ppt/slides/slide5.xml><?xml version="1.0" encoding="utf-8"?>
 <p:sld xmlns:a="http://schemas.openxmlformats.org/drawingml/2006/main" xmlns:r="http://schemas.openxmlformats.org/officeDocument/2006/relationships" xmlns:p="http://schemas.openxmlformats.org/presentationml/2006/main">
   <p:cSld>
     <p:spTree>
@@ -8427,7 +14191,7 @@
 </p:sld>
 </file>
 
-<file path=ppt/slides/slide5.xml><?xml version="1.0" encoding="utf-8"?>
+<file path=ppt/slides/slide6.xml><?xml version="1.0" encoding="utf-8"?>
 <p:sld xmlns:a="http://schemas.openxmlformats.org/drawingml/2006/main" xmlns:r="http://schemas.openxmlformats.org/officeDocument/2006/relationships" xmlns:p="http://schemas.openxmlformats.org/presentationml/2006/main">
   <p:cSld>
     <p:spTree>
@@ -8563,7 +14327,7 @@
 </p:sld>
 </file>
 
-<file path=ppt/slides/slide6.xml><?xml version="1.0" encoding="utf-8"?>
+<file path=ppt/slides/slide7.xml><?xml version="1.0" encoding="utf-8"?>
 <p:sld xmlns:a="http://schemas.openxmlformats.org/drawingml/2006/main" xmlns:r="http://schemas.openxmlformats.org/officeDocument/2006/relationships" xmlns:p="http://schemas.openxmlformats.org/presentationml/2006/main">
   <p:cSld>
     <p:spTree>
@@ -9766,7 +15530,7 @@
 </p:sld>
 </file>
 
-<file path=ppt/slides/slide7.xml><?xml version="1.0" encoding="utf-8"?>
+<file path=ppt/slides/slide8.xml><?xml version="1.0" encoding="utf-8"?>
 <p:sld xmlns:a="http://schemas.openxmlformats.org/drawingml/2006/main" xmlns:r="http://schemas.openxmlformats.org/officeDocument/2006/relationships" xmlns:p="http://schemas.openxmlformats.org/presentationml/2006/main">
   <p:cSld>
     <p:spTree>
@@ -11452,7 +17216,7 @@
 </p:sld>
 </file>
 
-<file path=ppt/slides/slide8.xml><?xml version="1.0" encoding="utf-8"?>
+<file path=ppt/slides/slide9.xml><?xml version="1.0" encoding="utf-8"?>
 <p:sld xmlns:a="http://schemas.openxmlformats.org/drawingml/2006/main" xmlns:r="http://schemas.openxmlformats.org/officeDocument/2006/relationships" xmlns:p="http://schemas.openxmlformats.org/presentationml/2006/main">
   <p:cSld>
     <p:spTree>
@@ -13285,1926 +19049,6 @@
 </p:sld>
 </file>
 
-<file path=ppt/slides/slide9.xml><?xml version="1.0" encoding="utf-8"?>
-<p:sld xmlns:a="http://schemas.openxmlformats.org/drawingml/2006/main" xmlns:r="http://schemas.openxmlformats.org/officeDocument/2006/relationships" xmlns:p="http://schemas.openxmlformats.org/presentationml/2006/main">
-  <p:cSld>
-    <p:spTree>
-      <p:nvGrpSpPr>
-        <p:cNvPr id="1" name=""/>
-        <p:cNvGrpSpPr/>
-        <p:nvPr/>
-      </p:nvGrpSpPr>
-      <p:grpSpPr>
-        <a:xfrm>
-          <a:off x="0" y="0"/>
-          <a:ext cx="0" cy="0"/>
-          <a:chOff x="0" y="0"/>
-          <a:chExt cx="0" cy="0"/>
-        </a:xfrm>
-      </p:grpSpPr>
-      <p:sp>
-        <p:nvSpPr>
-          <p:cNvPr id="2" name="Title 1">
-            <a:extLst>
-              <a:ext uri="{FF2B5EF4-FFF2-40B4-BE49-F238E27FC236}">
-                <a16:creationId xmlns:a16="http://schemas.microsoft.com/office/drawing/2014/main" id="{26A64B78-8D7F-9146-8E6A-B32DCB403940}"/>
-              </a:ext>
-            </a:extLst>
-          </p:cNvPr>
-          <p:cNvSpPr>
-            <a:spLocks noGrp="1"/>
-          </p:cNvSpPr>
-          <p:nvPr>
-            <p:ph type="title"/>
-          </p:nvPr>
-        </p:nvSpPr>
-        <p:spPr>
-          <a:xfrm>
-            <a:off x="428626" y="0"/>
-            <a:ext cx="10515600" cy="1325563"/>
-          </a:xfrm>
-        </p:spPr>
-        <p:txBody>
-          <a:bodyPr/>
-          <a:lstStyle/>
-          <a:p>
-            <a:r>
-              <a:rPr lang="en-GB" dirty="0"/>
-              <a:t>White-box (unit) testing</a:t>
-            </a:r>
-          </a:p>
-        </p:txBody>
-      </p:sp>
-      <p:sp>
-        <p:nvSpPr>
-          <p:cNvPr id="4" name="Rectangle 3">
-            <a:extLst>
-              <a:ext uri="{FF2B5EF4-FFF2-40B4-BE49-F238E27FC236}">
-                <a16:creationId xmlns:a16="http://schemas.microsoft.com/office/drawing/2014/main" id="{36284481-9526-FA45-BAC0-8857EA5072F9}"/>
-              </a:ext>
-            </a:extLst>
-          </p:cNvPr>
-          <p:cNvSpPr/>
-          <p:nvPr/>
-        </p:nvSpPr>
-        <p:spPr>
-          <a:xfrm>
-            <a:off x="232929" y="1176439"/>
-            <a:ext cx="6026203" cy="4770537"/>
-          </a:xfrm>
-          <a:prstGeom prst="rect">
-            <a:avLst/>
-          </a:prstGeom>
-        </p:spPr>
-        <p:txBody>
-          <a:bodyPr wrap="square">
-            <a:spAutoFit/>
-          </a:bodyPr>
-          <a:lstStyle/>
-          <a:p>
-            <a:r>
-              <a:rPr lang="en-GB" sz="1600" dirty="0">
-                <a:latin typeface="DejaVu Sans Book" panose="020B0603030804020204" pitchFamily="34" charset="0"/>
-                <a:ea typeface="DejaVu Sans Book" panose="020B0603030804020204" pitchFamily="34" charset="0"/>
-                <a:cs typeface="DejaVu Sans Book" panose="020B0603030804020204" pitchFamily="34" charset="0"/>
-              </a:rPr>
-              <a:t>// Unit : dec2bin</a:t>
-            </a:r>
-          </a:p>
-          <a:p>
-            <a:r>
-              <a:rPr lang="en-GB" sz="1600" dirty="0">
-                <a:latin typeface="DejaVu Sans Book" panose="020B0603030804020204" pitchFamily="34" charset="0"/>
-                <a:ea typeface="DejaVu Sans Book" panose="020B0603030804020204" pitchFamily="34" charset="0"/>
-                <a:cs typeface="DejaVu Sans Book" panose="020B0603030804020204" pitchFamily="34" charset="0"/>
-              </a:rPr>
-              <a:t>let dec2bin n =</a:t>
-            </a:r>
-          </a:p>
-          <a:p>
-            <a:r>
-              <a:rPr lang="en-GB" sz="1600" dirty="0">
-                <a:latin typeface="DejaVu Sans Book" panose="020B0603030804020204" pitchFamily="34" charset="0"/>
-                <a:ea typeface="DejaVu Sans Book" panose="020B0603030804020204" pitchFamily="34" charset="0"/>
-                <a:cs typeface="DejaVu Sans Book" panose="020B0603030804020204" pitchFamily="34" charset="0"/>
-              </a:rPr>
-              <a:t>  if n &lt; 0 then             (* WB: 1 *)</a:t>
-            </a:r>
-          </a:p>
-          <a:p>
-            <a:r>
-              <a:rPr lang="en-GB" sz="1600" dirty="0">
-                <a:latin typeface="DejaVu Sans Book" panose="020B0603030804020204" pitchFamily="34" charset="0"/>
-                <a:ea typeface="DejaVu Sans Book" panose="020B0603030804020204" pitchFamily="34" charset="0"/>
-                <a:cs typeface="DejaVu Sans Book" panose="020B0603030804020204" pitchFamily="34" charset="0"/>
-              </a:rPr>
-              <a:t>    "Illegal value"</a:t>
-            </a:r>
-          </a:p>
-          <a:p>
-            <a:r>
-              <a:rPr lang="en-GB" sz="1600" dirty="0">
-                <a:latin typeface="DejaVu Sans Book" panose="020B0603030804020204" pitchFamily="34" charset="0"/>
-                <a:ea typeface="DejaVu Sans Book" panose="020B0603030804020204" pitchFamily="34" charset="0"/>
-                <a:cs typeface="DejaVu Sans Book" panose="020B0603030804020204" pitchFamily="34" charset="0"/>
-              </a:rPr>
-              <a:t>  </a:t>
-            </a:r>
-            <a:r>
-              <a:rPr lang="en-GB" sz="1600" dirty="0" err="1">
-                <a:latin typeface="DejaVu Sans Book" panose="020B0603030804020204" pitchFamily="34" charset="0"/>
-                <a:ea typeface="DejaVu Sans Book" panose="020B0603030804020204" pitchFamily="34" charset="0"/>
-                <a:cs typeface="DejaVu Sans Book" panose="020B0603030804020204" pitchFamily="34" charset="0"/>
-              </a:rPr>
-              <a:t>elif</a:t>
-            </a:r>
-            <a:r>
-              <a:rPr lang="en-GB" sz="1600" dirty="0">
-                <a:latin typeface="DejaVu Sans Book" panose="020B0603030804020204" pitchFamily="34" charset="0"/>
-                <a:ea typeface="DejaVu Sans Book" panose="020B0603030804020204" pitchFamily="34" charset="0"/>
-                <a:cs typeface="DejaVu Sans Book" panose="020B0603030804020204" pitchFamily="34" charset="0"/>
-              </a:rPr>
-              <a:t> n = 0 then          (* WB: 2 *)</a:t>
-            </a:r>
-          </a:p>
-          <a:p>
-            <a:r>
-              <a:rPr lang="en-GB" sz="1600" dirty="0">
-                <a:latin typeface="DejaVu Sans Book" panose="020B0603030804020204" pitchFamily="34" charset="0"/>
-                <a:ea typeface="DejaVu Sans Book" panose="020B0603030804020204" pitchFamily="34" charset="0"/>
-                <a:cs typeface="DejaVu Sans Book" panose="020B0603030804020204" pitchFamily="34" charset="0"/>
-              </a:rPr>
-              <a:t>    "0b0"</a:t>
-            </a:r>
-          </a:p>
-          <a:p>
-            <a:r>
-              <a:rPr lang="en-GB" sz="1600" dirty="0">
-                <a:latin typeface="DejaVu Sans Book" panose="020B0603030804020204" pitchFamily="34" charset="0"/>
-                <a:ea typeface="DejaVu Sans Book" panose="020B0603030804020204" pitchFamily="34" charset="0"/>
-                <a:cs typeface="DejaVu Sans Book" panose="020B0603030804020204" pitchFamily="34" charset="0"/>
-              </a:rPr>
-              <a:t>  else</a:t>
-            </a:r>
-          </a:p>
-          <a:p>
-            <a:r>
-              <a:rPr lang="en-GB" sz="1600" dirty="0">
-                <a:latin typeface="DejaVu Sans Book" panose="020B0603030804020204" pitchFamily="34" charset="0"/>
-                <a:ea typeface="DejaVu Sans Book" panose="020B0603030804020204" pitchFamily="34" charset="0"/>
-                <a:cs typeface="DejaVu Sans Book" panose="020B0603030804020204" pitchFamily="34" charset="0"/>
-              </a:rPr>
-              <a:t>    let mutable v = n</a:t>
-            </a:r>
-          </a:p>
-          <a:p>
-            <a:r>
-              <a:rPr lang="en-GB" sz="1600" dirty="0">
-                <a:latin typeface="DejaVu Sans Book" panose="020B0603030804020204" pitchFamily="34" charset="0"/>
-                <a:ea typeface="DejaVu Sans Book" panose="020B0603030804020204" pitchFamily="34" charset="0"/>
-                <a:cs typeface="DejaVu Sans Book" panose="020B0603030804020204" pitchFamily="34" charset="0"/>
-              </a:rPr>
-              <a:t>    let mutable </a:t>
-            </a:r>
-            <a:r>
-              <a:rPr lang="en-GB" sz="1600" dirty="0" err="1">
-                <a:latin typeface="DejaVu Sans Book" panose="020B0603030804020204" pitchFamily="34" charset="0"/>
-                <a:ea typeface="DejaVu Sans Book" panose="020B0603030804020204" pitchFamily="34" charset="0"/>
-                <a:cs typeface="DejaVu Sans Book" panose="020B0603030804020204" pitchFamily="34" charset="0"/>
-              </a:rPr>
-              <a:t>str</a:t>
-            </a:r>
-            <a:r>
-              <a:rPr lang="en-GB" sz="1600" dirty="0">
-                <a:latin typeface="DejaVu Sans Book" panose="020B0603030804020204" pitchFamily="34" charset="0"/>
-                <a:ea typeface="DejaVu Sans Book" panose="020B0603030804020204" pitchFamily="34" charset="0"/>
-                <a:cs typeface="DejaVu Sans Book" panose="020B0603030804020204" pitchFamily="34" charset="0"/>
-              </a:rPr>
-              <a:t> = ""</a:t>
-            </a:r>
-          </a:p>
-          <a:p>
-            <a:r>
-              <a:rPr lang="en-GB" sz="1600" dirty="0">
-                <a:latin typeface="DejaVu Sans Book" panose="020B0603030804020204" pitchFamily="34" charset="0"/>
-                <a:ea typeface="DejaVu Sans Book" panose="020B0603030804020204" pitchFamily="34" charset="0"/>
-                <a:cs typeface="DejaVu Sans Book" panose="020B0603030804020204" pitchFamily="34" charset="0"/>
-              </a:rPr>
-              <a:t>    while v &gt; 0 do        (* WB: 3 *)</a:t>
-            </a:r>
-          </a:p>
-          <a:p>
-            <a:r>
-              <a:rPr lang="en-GB" sz="1600" dirty="0">
-                <a:latin typeface="DejaVu Sans Book" panose="020B0603030804020204" pitchFamily="34" charset="0"/>
-                <a:ea typeface="DejaVu Sans Book" panose="020B0603030804020204" pitchFamily="34" charset="0"/>
-                <a:cs typeface="DejaVu Sans Book" panose="020B0603030804020204" pitchFamily="34" charset="0"/>
-              </a:rPr>
-              <a:t>      </a:t>
-            </a:r>
-            <a:r>
-              <a:rPr lang="en-GB" sz="1600" dirty="0" err="1">
-                <a:latin typeface="DejaVu Sans Book" panose="020B0603030804020204" pitchFamily="34" charset="0"/>
-                <a:ea typeface="DejaVu Sans Book" panose="020B0603030804020204" pitchFamily="34" charset="0"/>
-                <a:cs typeface="DejaVu Sans Book" panose="020B0603030804020204" pitchFamily="34" charset="0"/>
-              </a:rPr>
-              <a:t>str</a:t>
-            </a:r>
-            <a:r>
-              <a:rPr lang="en-GB" sz="1600" dirty="0">
-                <a:latin typeface="DejaVu Sans Book" panose="020B0603030804020204" pitchFamily="34" charset="0"/>
-                <a:ea typeface="DejaVu Sans Book" panose="020B0603030804020204" pitchFamily="34" charset="0"/>
-                <a:cs typeface="DejaVu Sans Book" panose="020B0603030804020204" pitchFamily="34" charset="0"/>
-              </a:rPr>
-              <a:t> &lt;- (string (v % 2)) + </a:t>
-            </a:r>
-            <a:r>
-              <a:rPr lang="en-GB" sz="1600" dirty="0" err="1">
-                <a:latin typeface="DejaVu Sans Book" panose="020B0603030804020204" pitchFamily="34" charset="0"/>
-                <a:ea typeface="DejaVu Sans Book" panose="020B0603030804020204" pitchFamily="34" charset="0"/>
-                <a:cs typeface="DejaVu Sans Book" panose="020B0603030804020204" pitchFamily="34" charset="0"/>
-              </a:rPr>
-              <a:t>str</a:t>
-            </a:r>
-            <a:endParaRPr lang="en-GB" sz="1600" dirty="0">
-              <a:latin typeface="DejaVu Sans Book" panose="020B0603030804020204" pitchFamily="34" charset="0"/>
-              <a:ea typeface="DejaVu Sans Book" panose="020B0603030804020204" pitchFamily="34" charset="0"/>
-              <a:cs typeface="DejaVu Sans Book" panose="020B0603030804020204" pitchFamily="34" charset="0"/>
-            </a:endParaRPr>
-          </a:p>
-          <a:p>
-            <a:r>
-              <a:rPr lang="en-GB" sz="1600" dirty="0">
-                <a:latin typeface="DejaVu Sans Book" panose="020B0603030804020204" pitchFamily="34" charset="0"/>
-                <a:ea typeface="DejaVu Sans Book" panose="020B0603030804020204" pitchFamily="34" charset="0"/>
-                <a:cs typeface="DejaVu Sans Book" panose="020B0603030804020204" pitchFamily="34" charset="0"/>
-              </a:rPr>
-              <a:t>      v &lt;- v / 2</a:t>
-            </a:r>
-          </a:p>
-          <a:p>
-            <a:r>
-              <a:rPr lang="en-GB" sz="1600" dirty="0">
-                <a:latin typeface="DejaVu Sans Book" panose="020B0603030804020204" pitchFamily="34" charset="0"/>
-                <a:ea typeface="DejaVu Sans Book" panose="020B0603030804020204" pitchFamily="34" charset="0"/>
-                <a:cs typeface="DejaVu Sans Book" panose="020B0603030804020204" pitchFamily="34" charset="0"/>
-              </a:rPr>
-              <a:t>    "0b" + </a:t>
-            </a:r>
-            <a:r>
-              <a:rPr lang="en-GB" sz="1600" dirty="0" err="1">
-                <a:latin typeface="DejaVu Sans Book" panose="020B0603030804020204" pitchFamily="34" charset="0"/>
-                <a:ea typeface="DejaVu Sans Book" panose="020B0603030804020204" pitchFamily="34" charset="0"/>
-                <a:cs typeface="DejaVu Sans Book" panose="020B0603030804020204" pitchFamily="34" charset="0"/>
-              </a:rPr>
-              <a:t>str</a:t>
-            </a:r>
-            <a:endParaRPr lang="en-GB" sz="1600" dirty="0">
-              <a:latin typeface="DejaVu Sans Book" panose="020B0603030804020204" pitchFamily="34" charset="0"/>
-              <a:ea typeface="DejaVu Sans Book" panose="020B0603030804020204" pitchFamily="34" charset="0"/>
-              <a:cs typeface="DejaVu Sans Book" panose="020B0603030804020204" pitchFamily="34" charset="0"/>
-            </a:endParaRPr>
-          </a:p>
-          <a:p>
-            <a:endParaRPr lang="en-GB" sz="1600" dirty="0">
-              <a:latin typeface="DejaVu Sans Book" panose="020B0603030804020204" pitchFamily="34" charset="0"/>
-              <a:ea typeface="DejaVu Sans Book" panose="020B0603030804020204" pitchFamily="34" charset="0"/>
-              <a:cs typeface="DejaVu Sans Book" panose="020B0603030804020204" pitchFamily="34" charset="0"/>
-            </a:endParaRPr>
-          </a:p>
-          <a:p>
-            <a:r>
-              <a:rPr lang="en-GB" sz="1600" dirty="0" err="1">
-                <a:latin typeface="DejaVu Sans Book" panose="020B0603030804020204" pitchFamily="34" charset="0"/>
-                <a:ea typeface="DejaVu Sans Book" panose="020B0603030804020204" pitchFamily="34" charset="0"/>
-                <a:cs typeface="DejaVu Sans Book" panose="020B0603030804020204" pitchFamily="34" charset="0"/>
-              </a:rPr>
-              <a:t>printfn</a:t>
-            </a:r>
-            <a:r>
-              <a:rPr lang="en-GB" sz="1600" dirty="0">
-                <a:latin typeface="DejaVu Sans Book" panose="020B0603030804020204" pitchFamily="34" charset="0"/>
-                <a:ea typeface="DejaVu Sans Book" panose="020B0603030804020204" pitchFamily="34" charset="0"/>
-                <a:cs typeface="DejaVu Sans Book" panose="020B0603030804020204" pitchFamily="34" charset="0"/>
-              </a:rPr>
-              <a:t> "White-box testing of dec2bin.fsx"</a:t>
-            </a:r>
-          </a:p>
-          <a:p>
-            <a:r>
-              <a:rPr lang="en-GB" sz="1600" dirty="0" err="1">
-                <a:latin typeface="DejaVu Sans Book" panose="020B0603030804020204" pitchFamily="34" charset="0"/>
-                <a:ea typeface="DejaVu Sans Book" panose="020B0603030804020204" pitchFamily="34" charset="0"/>
-                <a:cs typeface="DejaVu Sans Book" panose="020B0603030804020204" pitchFamily="34" charset="0"/>
-              </a:rPr>
-              <a:t>printfn</a:t>
-            </a:r>
-            <a:r>
-              <a:rPr lang="en-GB" sz="1600" dirty="0">
-                <a:latin typeface="DejaVu Sans Book" panose="020B0603030804020204" pitchFamily="34" charset="0"/>
-                <a:ea typeface="DejaVu Sans Book" panose="020B0603030804020204" pitchFamily="34" charset="0"/>
-                <a:cs typeface="DejaVu Sans Book" panose="020B0603030804020204" pitchFamily="34" charset="0"/>
-              </a:rPr>
-              <a:t> "  Unit: dec2bin"</a:t>
-            </a:r>
-          </a:p>
-          <a:p>
-            <a:r>
-              <a:rPr lang="en-GB" sz="1600" dirty="0" err="1">
-                <a:latin typeface="DejaVu Sans Book" panose="020B0603030804020204" pitchFamily="34" charset="0"/>
-                <a:ea typeface="DejaVu Sans Book" panose="020B0603030804020204" pitchFamily="34" charset="0"/>
-                <a:cs typeface="DejaVu Sans Book" panose="020B0603030804020204" pitchFamily="34" charset="0"/>
-              </a:rPr>
-              <a:t>printfn</a:t>
-            </a:r>
-            <a:r>
-              <a:rPr lang="en-GB" sz="1600" dirty="0">
-                <a:latin typeface="DejaVu Sans Book" panose="020B0603030804020204" pitchFamily="34" charset="0"/>
-                <a:ea typeface="DejaVu Sans Book" panose="020B0603030804020204" pitchFamily="34" charset="0"/>
-                <a:cs typeface="DejaVu Sans Book" panose="020B0603030804020204" pitchFamily="34" charset="0"/>
-              </a:rPr>
-              <a:t> "    Branch: 1a - %b" (dec2bin -1 = "Illegal value")</a:t>
-            </a:r>
-          </a:p>
-          <a:p>
-            <a:r>
-              <a:rPr lang="en-GB" sz="1600" dirty="0" err="1">
-                <a:latin typeface="DejaVu Sans Book" panose="020B0603030804020204" pitchFamily="34" charset="0"/>
-                <a:ea typeface="DejaVu Sans Book" panose="020B0603030804020204" pitchFamily="34" charset="0"/>
-                <a:cs typeface="DejaVu Sans Book" panose="020B0603030804020204" pitchFamily="34" charset="0"/>
-              </a:rPr>
-              <a:t>printfn</a:t>
-            </a:r>
-            <a:r>
-              <a:rPr lang="en-GB" sz="1600" dirty="0">
-                <a:latin typeface="DejaVu Sans Book" panose="020B0603030804020204" pitchFamily="34" charset="0"/>
-                <a:ea typeface="DejaVu Sans Book" panose="020B0603030804020204" pitchFamily="34" charset="0"/>
-                <a:cs typeface="DejaVu Sans Book" panose="020B0603030804020204" pitchFamily="34" charset="0"/>
-              </a:rPr>
-              <a:t> "    Branch: 2a - %b" (dec2bin 0 = "0b0")</a:t>
-            </a:r>
-          </a:p>
-          <a:p>
-            <a:r>
-              <a:rPr lang="en-GB" sz="1600" dirty="0" err="1">
-                <a:latin typeface="DejaVu Sans Book" panose="020B0603030804020204" pitchFamily="34" charset="0"/>
-                <a:ea typeface="DejaVu Sans Book" panose="020B0603030804020204" pitchFamily="34" charset="0"/>
-                <a:cs typeface="DejaVu Sans Book" panose="020B0603030804020204" pitchFamily="34" charset="0"/>
-              </a:rPr>
-              <a:t>printfn</a:t>
-            </a:r>
-            <a:r>
-              <a:rPr lang="en-GB" sz="1600" dirty="0">
-                <a:latin typeface="DejaVu Sans Book" panose="020B0603030804020204" pitchFamily="34" charset="0"/>
-                <a:ea typeface="DejaVu Sans Book" panose="020B0603030804020204" pitchFamily="34" charset="0"/>
-                <a:cs typeface="DejaVu Sans Book" panose="020B0603030804020204" pitchFamily="34" charset="0"/>
-              </a:rPr>
-              <a:t> "    Branch: 3a - %b" (dec2bin 1 = "0b1")</a:t>
-            </a:r>
-          </a:p>
-        </p:txBody>
-      </p:sp>
-      <p:graphicFrame>
-        <p:nvGraphicFramePr>
-          <p:cNvPr id="8" name="Table 7">
-            <a:extLst>
-              <a:ext uri="{FF2B5EF4-FFF2-40B4-BE49-F238E27FC236}">
-                <a16:creationId xmlns:a16="http://schemas.microsoft.com/office/drawing/2014/main" id="{F335C72C-6F98-CD49-9F7D-8F5A474A1447}"/>
-              </a:ext>
-            </a:extLst>
-          </p:cNvPr>
-          <p:cNvGraphicFramePr>
-            <a:graphicFrameLocks noGrp="1"/>
-          </p:cNvGraphicFramePr>
-          <p:nvPr>
-            <p:extLst>
-              <p:ext uri="{D42A27DB-BD31-4B8C-83A1-F6EECF244321}">
-                <p14:modId xmlns:p14="http://schemas.microsoft.com/office/powerpoint/2010/main" val="834493971"/>
-              </p:ext>
-            </p:extLst>
-          </p:nvPr>
-        </p:nvGraphicFramePr>
-        <p:xfrm>
-          <a:off x="6117461" y="115038"/>
-          <a:ext cx="5829840" cy="3767452"/>
-        </p:xfrm>
-        <a:graphic>
-          <a:graphicData uri="http://schemas.openxmlformats.org/drawingml/2006/table">
-            <a:tbl>
-              <a:tblPr firstRow="1" bandRow="1">
-                <a:tableStyleId>{5C22544A-7EE6-4342-B048-85BDC9FD1C3A}</a:tableStyleId>
-              </a:tblPr>
-              <a:tblGrid>
-                <a:gridCol w="971640">
-                  <a:extLst>
-                    <a:ext uri="{9D8B030D-6E8A-4147-A177-3AD203B41FA5}">
-                      <a16:colId xmlns:a16="http://schemas.microsoft.com/office/drawing/2014/main" val="1532162595"/>
-                    </a:ext>
-                  </a:extLst>
-                </a:gridCol>
-                <a:gridCol w="971640">
-                  <a:extLst>
-                    <a:ext uri="{9D8B030D-6E8A-4147-A177-3AD203B41FA5}">
-                      <a16:colId xmlns:a16="http://schemas.microsoft.com/office/drawing/2014/main" val="2951828956"/>
-                    </a:ext>
-                  </a:extLst>
-                </a:gridCol>
-                <a:gridCol w="971640">
-                  <a:extLst>
-                    <a:ext uri="{9D8B030D-6E8A-4147-A177-3AD203B41FA5}">
-                      <a16:colId xmlns:a16="http://schemas.microsoft.com/office/drawing/2014/main" val="1403007596"/>
-                    </a:ext>
-                  </a:extLst>
-                </a:gridCol>
-                <a:gridCol w="971640">
-                  <a:extLst>
-                    <a:ext uri="{9D8B030D-6E8A-4147-A177-3AD203B41FA5}">
-                      <a16:colId xmlns:a16="http://schemas.microsoft.com/office/drawing/2014/main" val="2386097711"/>
-                    </a:ext>
-                  </a:extLst>
-                </a:gridCol>
-                <a:gridCol w="971640">
-                  <a:extLst>
-                    <a:ext uri="{9D8B030D-6E8A-4147-A177-3AD203B41FA5}">
-                      <a16:colId xmlns:a16="http://schemas.microsoft.com/office/drawing/2014/main" val="2720054862"/>
-                    </a:ext>
-                  </a:extLst>
-                </a:gridCol>
-                <a:gridCol w="971640">
-                  <a:extLst>
-                    <a:ext uri="{9D8B030D-6E8A-4147-A177-3AD203B41FA5}">
-                      <a16:colId xmlns:a16="http://schemas.microsoft.com/office/drawing/2014/main" val="179345016"/>
-                    </a:ext>
-                  </a:extLst>
-                </a:gridCol>
-              </a:tblGrid>
-              <a:tr h="473272">
-                <a:tc>
-                  <a:txBody>
-                    <a:bodyPr/>
-                    <a:lstStyle/>
-                    <a:p>
-                      <a:r>
-                        <a:rPr lang="en-GB" sz="1200" dirty="0">
-                          <a:latin typeface="DejaVu Sans Book" panose="020B0603030804020204" pitchFamily="34" charset="0"/>
-                          <a:ea typeface="DejaVu Sans Book" panose="020B0603030804020204" pitchFamily="34" charset="0"/>
-                          <a:cs typeface="DejaVu Sans Book" panose="020B0603030804020204" pitchFamily="34" charset="0"/>
-                        </a:rPr>
-                        <a:t>Unit</a:t>
-                      </a:r>
-                    </a:p>
-                  </a:txBody>
-                  <a:tcPr/>
-                </a:tc>
-                <a:tc>
-                  <a:txBody>
-                    <a:bodyPr/>
-                    <a:lstStyle/>
-                    <a:p>
-                      <a:r>
-                        <a:rPr lang="en-GB" sz="1200" dirty="0">
-                          <a:latin typeface="DejaVu Sans Book" panose="020B0603030804020204" pitchFamily="34" charset="0"/>
-                          <a:ea typeface="DejaVu Sans Book" panose="020B0603030804020204" pitchFamily="34" charset="0"/>
-                          <a:cs typeface="DejaVu Sans Book" panose="020B0603030804020204" pitchFamily="34" charset="0"/>
-                        </a:rPr>
-                        <a:t>Branch</a:t>
-                      </a:r>
-                    </a:p>
-                  </a:txBody>
-                  <a:tcPr/>
-                </a:tc>
-                <a:tc>
-                  <a:txBody>
-                    <a:bodyPr/>
-                    <a:lstStyle/>
-                    <a:p>
-                      <a:r>
-                        <a:rPr lang="en-GB" sz="1200" dirty="0">
-                          <a:latin typeface="DejaVu Sans Book" panose="020B0603030804020204" pitchFamily="34" charset="0"/>
-                          <a:ea typeface="DejaVu Sans Book" panose="020B0603030804020204" pitchFamily="34" charset="0"/>
-                          <a:cs typeface="DejaVu Sans Book" panose="020B0603030804020204" pitchFamily="34" charset="0"/>
-                        </a:rPr>
-                        <a:t>Condition</a:t>
-                      </a:r>
-                    </a:p>
-                  </a:txBody>
-                  <a:tcPr/>
-                </a:tc>
-                <a:tc>
-                  <a:txBody>
-                    <a:bodyPr/>
-                    <a:lstStyle/>
-                    <a:p>
-                      <a:r>
-                        <a:rPr lang="en-GB" sz="1200" dirty="0">
-                          <a:latin typeface="DejaVu Sans Book" panose="020B0603030804020204" pitchFamily="34" charset="0"/>
-                          <a:ea typeface="DejaVu Sans Book" panose="020B0603030804020204" pitchFamily="34" charset="0"/>
-                          <a:cs typeface="DejaVu Sans Book" panose="020B0603030804020204" pitchFamily="34" charset="0"/>
-                        </a:rPr>
-                        <a:t>Input</a:t>
-                      </a:r>
-                    </a:p>
-                  </a:txBody>
-                  <a:tcPr/>
-                </a:tc>
-                <a:tc>
-                  <a:txBody>
-                    <a:bodyPr/>
-                    <a:lstStyle/>
-                    <a:p>
-                      <a:r>
-                        <a:rPr lang="en-GB" sz="1200" dirty="0">
-                          <a:latin typeface="DejaVu Sans Book" panose="020B0603030804020204" pitchFamily="34" charset="0"/>
-                          <a:ea typeface="DejaVu Sans Book" panose="020B0603030804020204" pitchFamily="34" charset="0"/>
-                          <a:cs typeface="DejaVu Sans Book" panose="020B0603030804020204" pitchFamily="34" charset="0"/>
-                        </a:rPr>
-                        <a:t>Expected output</a:t>
-                      </a:r>
-                    </a:p>
-                  </a:txBody>
-                  <a:tcPr/>
-                </a:tc>
-                <a:tc>
-                  <a:txBody>
-                    <a:bodyPr/>
-                    <a:lstStyle/>
-                    <a:p>
-                      <a:r>
-                        <a:rPr lang="en-GB" sz="1200" dirty="0">
-                          <a:latin typeface="DejaVu Sans Book" panose="020B0603030804020204" pitchFamily="34" charset="0"/>
-                          <a:ea typeface="DejaVu Sans Book" panose="020B0603030804020204" pitchFamily="34" charset="0"/>
-                          <a:cs typeface="DejaVu Sans Book" panose="020B0603030804020204" pitchFamily="34" charset="0"/>
-                        </a:rPr>
-                        <a:t>Comment</a:t>
-                      </a:r>
-                    </a:p>
-                  </a:txBody>
-                  <a:tcPr/>
-                </a:tc>
-                <a:extLst>
-                  <a:ext uri="{0D108BD9-81ED-4DB2-BD59-A6C34878D82A}">
-                    <a16:rowId xmlns:a16="http://schemas.microsoft.com/office/drawing/2014/main" val="2286388441"/>
-                  </a:ext>
-                </a:extLst>
-              </a:tr>
-              <a:tr h="262929">
-                <a:tc>
-                  <a:txBody>
-                    <a:bodyPr/>
-                    <a:lstStyle/>
-                    <a:p>
-                      <a:r>
-                        <a:rPr lang="en-GB" sz="1200" dirty="0">
-                          <a:latin typeface="DejaVu Sans Book" panose="020B0603030804020204" pitchFamily="34" charset="0"/>
-                          <a:ea typeface="DejaVu Sans Book" panose="020B0603030804020204" pitchFamily="34" charset="0"/>
-                          <a:cs typeface="DejaVu Sans Book" panose="020B0603030804020204" pitchFamily="34" charset="0"/>
-                        </a:rPr>
-                        <a:t>dec2bin</a:t>
-                      </a:r>
-                    </a:p>
-                  </a:txBody>
-                  <a:tcPr/>
-                </a:tc>
-                <a:tc>
-                  <a:txBody>
-                    <a:bodyPr/>
-                    <a:lstStyle/>
-                    <a:p>
-                      <a:r>
-                        <a:rPr lang="en-GB" sz="1200" dirty="0">
-                          <a:latin typeface="DejaVu Sans Book" panose="020B0603030804020204" pitchFamily="34" charset="0"/>
-                          <a:ea typeface="DejaVu Sans Book" panose="020B0603030804020204" pitchFamily="34" charset="0"/>
-                          <a:cs typeface="DejaVu Sans Book" panose="020B0603030804020204" pitchFamily="34" charset="0"/>
-                        </a:rPr>
-                        <a:t>1</a:t>
-                      </a:r>
-                    </a:p>
-                  </a:txBody>
-                  <a:tcPr/>
-                </a:tc>
-                <a:tc>
-                  <a:txBody>
-                    <a:bodyPr/>
-                    <a:lstStyle/>
-                    <a:p>
-                      <a:pPr marL="0" marR="0" lvl="0" indent="0" algn="l" defTabSz="914400" rtl="0" eaLnBrk="1" fontAlgn="auto" latinLnBrk="0" hangingPunct="1">
-                        <a:lnSpc>
-                          <a:spcPct val="100000"/>
-                        </a:lnSpc>
-                        <a:spcBef>
-                          <a:spcPts val="0"/>
-                        </a:spcBef>
-                        <a:spcAft>
-                          <a:spcPts val="0"/>
-                        </a:spcAft>
-                        <a:buClrTx/>
-                        <a:buSzTx/>
-                        <a:buFontTx/>
-                        <a:buNone/>
-                        <a:tabLst/>
-                        <a:defRPr/>
-                      </a:pPr>
-                      <a:r>
-                        <a:rPr lang="en-GB" sz="1200" dirty="0">
-                          <a:latin typeface="DejaVu Sans Book" panose="020B0603030804020204" pitchFamily="34" charset="0"/>
-                          <a:ea typeface="DejaVu Sans Book" panose="020B0603030804020204" pitchFamily="34" charset="0"/>
-                          <a:cs typeface="DejaVu Sans Book" panose="020B0603030804020204" pitchFamily="34" charset="0"/>
-                        </a:rPr>
-                        <a:t>n &lt; 0</a:t>
-                      </a:r>
-                    </a:p>
-                    <a:p>
-                      <a:endParaRPr lang="en-GB" sz="1200" dirty="0">
-                        <a:latin typeface="DejaVu Sans Book" panose="020B0603030804020204" pitchFamily="34" charset="0"/>
-                        <a:ea typeface="DejaVu Sans Book" panose="020B0603030804020204" pitchFamily="34" charset="0"/>
-                        <a:cs typeface="DejaVu Sans Book" panose="020B0603030804020204" pitchFamily="34" charset="0"/>
-                      </a:endParaRPr>
-                    </a:p>
-                  </a:txBody>
-                  <a:tcPr/>
-                </a:tc>
-                <a:tc>
-                  <a:txBody>
-                    <a:bodyPr/>
-                    <a:lstStyle/>
-                    <a:p>
-                      <a:endParaRPr lang="en-GB" sz="1200">
-                        <a:latin typeface="DejaVu Sans Book" panose="020B0603030804020204" pitchFamily="34" charset="0"/>
-                        <a:ea typeface="DejaVu Sans Book" panose="020B0603030804020204" pitchFamily="34" charset="0"/>
-                        <a:cs typeface="DejaVu Sans Book" panose="020B0603030804020204" pitchFamily="34" charset="0"/>
-                      </a:endParaRPr>
-                    </a:p>
-                  </a:txBody>
-                  <a:tcPr/>
-                </a:tc>
-                <a:tc>
-                  <a:txBody>
-                    <a:bodyPr/>
-                    <a:lstStyle/>
-                    <a:p>
-                      <a:pPr marL="0" marR="0" lvl="0" indent="0" algn="l" defTabSz="914400" rtl="0" eaLnBrk="1" fontAlgn="auto" latinLnBrk="0" hangingPunct="1">
-                        <a:lnSpc>
-                          <a:spcPct val="100000"/>
-                        </a:lnSpc>
-                        <a:spcBef>
-                          <a:spcPts val="0"/>
-                        </a:spcBef>
-                        <a:spcAft>
-                          <a:spcPts val="0"/>
-                        </a:spcAft>
-                        <a:buClrTx/>
-                        <a:buSzTx/>
-                        <a:buFontTx/>
-                        <a:buNone/>
-                        <a:tabLst/>
-                        <a:defRPr/>
-                      </a:pPr>
-                      <a:endParaRPr lang="en-GB" sz="1200" dirty="0">
-                        <a:latin typeface="DejaVu Sans Book" panose="020B0603030804020204" pitchFamily="34" charset="0"/>
-                        <a:ea typeface="DejaVu Sans Book" panose="020B0603030804020204" pitchFamily="34" charset="0"/>
-                        <a:cs typeface="DejaVu Sans Book" panose="020B0603030804020204" pitchFamily="34" charset="0"/>
-                      </a:endParaRPr>
-                    </a:p>
-                  </a:txBody>
-                  <a:tcPr/>
-                </a:tc>
-                <a:tc>
-                  <a:txBody>
-                    <a:bodyPr/>
-                    <a:lstStyle/>
-                    <a:p>
-                      <a:endParaRPr lang="en-GB" sz="1200">
-                        <a:latin typeface="DejaVu Sans Book" panose="020B0603030804020204" pitchFamily="34" charset="0"/>
-                        <a:ea typeface="DejaVu Sans Book" panose="020B0603030804020204" pitchFamily="34" charset="0"/>
-                        <a:cs typeface="DejaVu Sans Book" panose="020B0603030804020204" pitchFamily="34" charset="0"/>
-                      </a:endParaRPr>
-                    </a:p>
-                  </a:txBody>
-                  <a:tcPr/>
-                </a:tc>
-                <a:extLst>
-                  <a:ext uri="{0D108BD9-81ED-4DB2-BD59-A6C34878D82A}">
-                    <a16:rowId xmlns:a16="http://schemas.microsoft.com/office/drawing/2014/main" val="1367185139"/>
-                  </a:ext>
-                </a:extLst>
-              </a:tr>
-              <a:tr h="368100">
-                <a:tc>
-                  <a:txBody>
-                    <a:bodyPr/>
-                    <a:lstStyle/>
-                    <a:p>
-                      <a:endParaRPr lang="en-GB" sz="1200">
-                        <a:latin typeface="DejaVu Sans Book" panose="020B0603030804020204" pitchFamily="34" charset="0"/>
-                        <a:ea typeface="DejaVu Sans Book" panose="020B0603030804020204" pitchFamily="34" charset="0"/>
-                        <a:cs typeface="DejaVu Sans Book" panose="020B0603030804020204" pitchFamily="34" charset="0"/>
-                      </a:endParaRPr>
-                    </a:p>
-                  </a:txBody>
-                  <a:tcPr/>
-                </a:tc>
-                <a:tc>
-                  <a:txBody>
-                    <a:bodyPr/>
-                    <a:lstStyle/>
-                    <a:p>
-                      <a:r>
-                        <a:rPr lang="en-GB" sz="1200" dirty="0">
-                          <a:latin typeface="DejaVu Sans Book" panose="020B0603030804020204" pitchFamily="34" charset="0"/>
-                          <a:ea typeface="DejaVu Sans Book" panose="020B0603030804020204" pitchFamily="34" charset="0"/>
-                          <a:cs typeface="DejaVu Sans Book" panose="020B0603030804020204" pitchFamily="34" charset="0"/>
-                        </a:rPr>
-                        <a:t>1a</a:t>
-                      </a:r>
-                    </a:p>
-                  </a:txBody>
-                  <a:tcPr/>
-                </a:tc>
-                <a:tc>
-                  <a:txBody>
-                    <a:bodyPr/>
-                    <a:lstStyle/>
-                    <a:p>
-                      <a:r>
-                        <a:rPr lang="en-GB" sz="1200" dirty="0">
-                          <a:latin typeface="DejaVu Sans Book" panose="020B0603030804020204" pitchFamily="34" charset="0"/>
-                          <a:ea typeface="DejaVu Sans Book" panose="020B0603030804020204" pitchFamily="34" charset="0"/>
-                          <a:cs typeface="DejaVu Sans Book" panose="020B0603030804020204" pitchFamily="34" charset="0"/>
-                        </a:rPr>
-                        <a:t>true</a:t>
-                      </a:r>
-                    </a:p>
-                  </a:txBody>
-                  <a:tcPr/>
-                </a:tc>
-                <a:tc>
-                  <a:txBody>
-                    <a:bodyPr/>
-                    <a:lstStyle/>
-                    <a:p>
-                      <a:r>
-                        <a:rPr lang="en-GB" sz="1200" dirty="0">
-                          <a:latin typeface="DejaVu Sans Book" panose="020B0603030804020204" pitchFamily="34" charset="0"/>
-                          <a:ea typeface="DejaVu Sans Book" panose="020B0603030804020204" pitchFamily="34" charset="0"/>
-                          <a:cs typeface="DejaVu Sans Book" panose="020B0603030804020204" pitchFamily="34" charset="0"/>
-                        </a:rPr>
-                        <a:t>-1</a:t>
-                      </a:r>
-                    </a:p>
-                  </a:txBody>
-                  <a:tcPr/>
-                </a:tc>
-                <a:tc>
-                  <a:txBody>
-                    <a:bodyPr/>
-                    <a:lstStyle/>
-                    <a:p>
-                      <a:pPr marL="0" marR="0" lvl="0" indent="0" algn="l" defTabSz="914400" rtl="0" eaLnBrk="1" fontAlgn="auto" latinLnBrk="0" hangingPunct="1">
-                        <a:lnSpc>
-                          <a:spcPct val="100000"/>
-                        </a:lnSpc>
-                        <a:spcBef>
-                          <a:spcPts val="0"/>
-                        </a:spcBef>
-                        <a:spcAft>
-                          <a:spcPts val="0"/>
-                        </a:spcAft>
-                        <a:buClrTx/>
-                        <a:buSzTx/>
-                        <a:buFontTx/>
-                        <a:buNone/>
-                        <a:tabLst/>
-                        <a:defRPr/>
-                      </a:pPr>
-                      <a:r>
-                        <a:rPr lang="en-GB" sz="1200" dirty="0">
-                          <a:latin typeface="DejaVu Sans Book" panose="020B0603030804020204" pitchFamily="34" charset="0"/>
-                          <a:ea typeface="DejaVu Sans Book" panose="020B0603030804020204" pitchFamily="34" charset="0"/>
-                          <a:cs typeface="DejaVu Sans Book" panose="020B0603030804020204" pitchFamily="34" charset="0"/>
-                        </a:rPr>
-                        <a:t>"Illegal value"</a:t>
-                      </a:r>
-                    </a:p>
-                  </a:txBody>
-                  <a:tcPr/>
-                </a:tc>
-                <a:tc>
-                  <a:txBody>
-                    <a:bodyPr/>
-                    <a:lstStyle/>
-                    <a:p>
-                      <a:endParaRPr lang="en-GB" sz="1200">
-                        <a:latin typeface="DejaVu Sans Book" panose="020B0603030804020204" pitchFamily="34" charset="0"/>
-                        <a:ea typeface="DejaVu Sans Book" panose="020B0603030804020204" pitchFamily="34" charset="0"/>
-                        <a:cs typeface="DejaVu Sans Book" panose="020B0603030804020204" pitchFamily="34" charset="0"/>
-                      </a:endParaRPr>
-                    </a:p>
-                  </a:txBody>
-                  <a:tcPr/>
-                </a:tc>
-                <a:extLst>
-                  <a:ext uri="{0D108BD9-81ED-4DB2-BD59-A6C34878D82A}">
-                    <a16:rowId xmlns:a16="http://schemas.microsoft.com/office/drawing/2014/main" val="833342341"/>
-                  </a:ext>
-                </a:extLst>
-              </a:tr>
-              <a:tr h="368100">
-                <a:tc>
-                  <a:txBody>
-                    <a:bodyPr/>
-                    <a:lstStyle/>
-                    <a:p>
-                      <a:endParaRPr lang="en-GB" sz="1200">
-                        <a:latin typeface="DejaVu Sans Book" panose="020B0603030804020204" pitchFamily="34" charset="0"/>
-                        <a:ea typeface="DejaVu Sans Book" panose="020B0603030804020204" pitchFamily="34" charset="0"/>
-                        <a:cs typeface="DejaVu Sans Book" panose="020B0603030804020204" pitchFamily="34" charset="0"/>
-                      </a:endParaRPr>
-                    </a:p>
-                  </a:txBody>
-                  <a:tcPr/>
-                </a:tc>
-                <a:tc>
-                  <a:txBody>
-                    <a:bodyPr/>
-                    <a:lstStyle/>
-                    <a:p>
-                      <a:r>
-                        <a:rPr lang="en-GB" sz="1200" dirty="0">
-                          <a:latin typeface="DejaVu Sans Book" panose="020B0603030804020204" pitchFamily="34" charset="0"/>
-                          <a:ea typeface="DejaVu Sans Book" panose="020B0603030804020204" pitchFamily="34" charset="0"/>
-                          <a:cs typeface="DejaVu Sans Book" panose="020B0603030804020204" pitchFamily="34" charset="0"/>
-                        </a:rPr>
-                        <a:t>1b</a:t>
-                      </a:r>
-                    </a:p>
-                  </a:txBody>
-                  <a:tcPr/>
-                </a:tc>
-                <a:tc>
-                  <a:txBody>
-                    <a:bodyPr/>
-                    <a:lstStyle/>
-                    <a:p>
-                      <a:r>
-                        <a:rPr lang="en-GB" sz="1200" dirty="0">
-                          <a:latin typeface="DejaVu Sans Book" panose="020B0603030804020204" pitchFamily="34" charset="0"/>
-                          <a:ea typeface="DejaVu Sans Book" panose="020B0603030804020204" pitchFamily="34" charset="0"/>
-                          <a:cs typeface="DejaVu Sans Book" panose="020B0603030804020204" pitchFamily="34" charset="0"/>
-                        </a:rPr>
-                        <a:t>branch 2</a:t>
-                      </a:r>
-                    </a:p>
-                  </a:txBody>
-                  <a:tcPr/>
-                </a:tc>
-                <a:tc>
-                  <a:txBody>
-                    <a:bodyPr/>
-                    <a:lstStyle/>
-                    <a:p>
-                      <a:endParaRPr lang="en-GB" sz="1200" dirty="0">
-                        <a:latin typeface="DejaVu Sans Book" panose="020B0603030804020204" pitchFamily="34" charset="0"/>
-                        <a:ea typeface="DejaVu Sans Book" panose="020B0603030804020204" pitchFamily="34" charset="0"/>
-                        <a:cs typeface="DejaVu Sans Book" panose="020B0603030804020204" pitchFamily="34" charset="0"/>
-                      </a:endParaRPr>
-                    </a:p>
-                  </a:txBody>
-                  <a:tcPr/>
-                </a:tc>
-                <a:tc>
-                  <a:txBody>
-                    <a:bodyPr/>
-                    <a:lstStyle/>
-                    <a:p>
-                      <a:pPr marL="0" marR="0" lvl="0" indent="0" algn="l" defTabSz="914400" rtl="0" eaLnBrk="1" fontAlgn="auto" latinLnBrk="0" hangingPunct="1">
-                        <a:lnSpc>
-                          <a:spcPct val="100000"/>
-                        </a:lnSpc>
-                        <a:spcBef>
-                          <a:spcPts val="0"/>
-                        </a:spcBef>
-                        <a:spcAft>
-                          <a:spcPts val="0"/>
-                        </a:spcAft>
-                        <a:buClrTx/>
-                        <a:buSzTx/>
-                        <a:buFontTx/>
-                        <a:buNone/>
-                        <a:tabLst/>
-                        <a:defRPr/>
-                      </a:pPr>
-                      <a:endParaRPr lang="en-GB" sz="1200" dirty="0">
-                        <a:latin typeface="DejaVu Sans Book" panose="020B0603030804020204" pitchFamily="34" charset="0"/>
-                        <a:ea typeface="DejaVu Sans Book" panose="020B0603030804020204" pitchFamily="34" charset="0"/>
-                        <a:cs typeface="DejaVu Sans Book" panose="020B0603030804020204" pitchFamily="34" charset="0"/>
-                      </a:endParaRPr>
-                    </a:p>
-                  </a:txBody>
-                  <a:tcPr/>
-                </a:tc>
-                <a:tc>
-                  <a:txBody>
-                    <a:bodyPr/>
-                    <a:lstStyle/>
-                    <a:p>
-                      <a:pPr marL="0" marR="0" lvl="0" indent="0" algn="l" defTabSz="914400" rtl="0" eaLnBrk="1" fontAlgn="auto" latinLnBrk="0" hangingPunct="1">
-                        <a:lnSpc>
-                          <a:spcPct val="100000"/>
-                        </a:lnSpc>
-                        <a:spcBef>
-                          <a:spcPts val="0"/>
-                        </a:spcBef>
-                        <a:spcAft>
-                          <a:spcPts val="0"/>
-                        </a:spcAft>
-                        <a:buClrTx/>
-                        <a:buSzTx/>
-                        <a:buFontTx/>
-                        <a:buNone/>
-                        <a:tabLst/>
-                        <a:defRPr/>
-                      </a:pPr>
-                      <a:r>
-                        <a:rPr lang="en-GB" sz="1200" dirty="0">
-                          <a:latin typeface="DejaVu Sans Book" panose="020B0603030804020204" pitchFamily="34" charset="0"/>
-                          <a:ea typeface="DejaVu Sans Book" panose="020B0603030804020204" pitchFamily="34" charset="0"/>
-                          <a:cs typeface="DejaVu Sans Book" panose="020B0603030804020204" pitchFamily="34" charset="0"/>
-                        </a:rPr>
-                        <a:t>Fall through</a:t>
-                      </a:r>
-                    </a:p>
-                  </a:txBody>
-                  <a:tcPr/>
-                </a:tc>
-                <a:extLst>
-                  <a:ext uri="{0D108BD9-81ED-4DB2-BD59-A6C34878D82A}">
-                    <a16:rowId xmlns:a16="http://schemas.microsoft.com/office/drawing/2014/main" val="410681418"/>
-                  </a:ext>
-                </a:extLst>
-              </a:tr>
-              <a:tr h="368100">
-                <a:tc>
-                  <a:txBody>
-                    <a:bodyPr/>
-                    <a:lstStyle/>
-                    <a:p>
-                      <a:endParaRPr lang="en-GB" sz="1200">
-                        <a:latin typeface="DejaVu Sans Book" panose="020B0603030804020204" pitchFamily="34" charset="0"/>
-                        <a:ea typeface="DejaVu Sans Book" panose="020B0603030804020204" pitchFamily="34" charset="0"/>
-                        <a:cs typeface="DejaVu Sans Book" panose="020B0603030804020204" pitchFamily="34" charset="0"/>
-                      </a:endParaRPr>
-                    </a:p>
-                  </a:txBody>
-                  <a:tcPr/>
-                </a:tc>
-                <a:tc>
-                  <a:txBody>
-                    <a:bodyPr/>
-                    <a:lstStyle/>
-                    <a:p>
-                      <a:r>
-                        <a:rPr lang="en-GB" sz="1200" dirty="0">
-                          <a:latin typeface="DejaVu Sans Book" panose="020B0603030804020204" pitchFamily="34" charset="0"/>
-                          <a:ea typeface="DejaVu Sans Book" panose="020B0603030804020204" pitchFamily="34" charset="0"/>
-                          <a:cs typeface="DejaVu Sans Book" panose="020B0603030804020204" pitchFamily="34" charset="0"/>
-                        </a:rPr>
-                        <a:t>2 (n&gt;=0)</a:t>
-                      </a:r>
-                    </a:p>
-                  </a:txBody>
-                  <a:tcPr/>
-                </a:tc>
-                <a:tc>
-                  <a:txBody>
-                    <a:bodyPr/>
-                    <a:lstStyle/>
-                    <a:p>
-                      <a:r>
-                        <a:rPr lang="en-GB" sz="1200" dirty="0">
-                          <a:latin typeface="DejaVu Sans Book" panose="020B0603030804020204" pitchFamily="34" charset="0"/>
-                          <a:ea typeface="DejaVu Sans Book" panose="020B0603030804020204" pitchFamily="34" charset="0"/>
-                          <a:cs typeface="DejaVu Sans Book" panose="020B0603030804020204" pitchFamily="34" charset="0"/>
-                        </a:rPr>
-                        <a:t>n = 0</a:t>
-                      </a:r>
-                    </a:p>
-                  </a:txBody>
-                  <a:tcPr/>
-                </a:tc>
-                <a:tc>
-                  <a:txBody>
-                    <a:bodyPr/>
-                    <a:lstStyle/>
-                    <a:p>
-                      <a:endParaRPr lang="en-GB" sz="1200" dirty="0">
-                        <a:latin typeface="DejaVu Sans Book" panose="020B0603030804020204" pitchFamily="34" charset="0"/>
-                        <a:ea typeface="DejaVu Sans Book" panose="020B0603030804020204" pitchFamily="34" charset="0"/>
-                        <a:cs typeface="DejaVu Sans Book" panose="020B0603030804020204" pitchFamily="34" charset="0"/>
-                      </a:endParaRPr>
-                    </a:p>
-                  </a:txBody>
-                  <a:tcPr/>
-                </a:tc>
-                <a:tc>
-                  <a:txBody>
-                    <a:bodyPr/>
-                    <a:lstStyle/>
-                    <a:p>
-                      <a:endParaRPr lang="en-GB" sz="1200" dirty="0">
-                        <a:latin typeface="DejaVu Sans Book" panose="020B0603030804020204" pitchFamily="34" charset="0"/>
-                        <a:ea typeface="DejaVu Sans Book" panose="020B0603030804020204" pitchFamily="34" charset="0"/>
-                        <a:cs typeface="DejaVu Sans Book" panose="020B0603030804020204" pitchFamily="34" charset="0"/>
-                      </a:endParaRPr>
-                    </a:p>
-                  </a:txBody>
-                  <a:tcPr/>
-                </a:tc>
-                <a:tc>
-                  <a:txBody>
-                    <a:bodyPr/>
-                    <a:lstStyle/>
-                    <a:p>
-                      <a:endParaRPr lang="en-GB" sz="1200">
-                        <a:latin typeface="DejaVu Sans Book" panose="020B0603030804020204" pitchFamily="34" charset="0"/>
-                        <a:ea typeface="DejaVu Sans Book" panose="020B0603030804020204" pitchFamily="34" charset="0"/>
-                        <a:cs typeface="DejaVu Sans Book" panose="020B0603030804020204" pitchFamily="34" charset="0"/>
-                      </a:endParaRPr>
-                    </a:p>
-                  </a:txBody>
-                  <a:tcPr/>
-                </a:tc>
-                <a:extLst>
-                  <a:ext uri="{0D108BD9-81ED-4DB2-BD59-A6C34878D82A}">
-                    <a16:rowId xmlns:a16="http://schemas.microsoft.com/office/drawing/2014/main" val="2724263722"/>
-                  </a:ext>
-                </a:extLst>
-              </a:tr>
-              <a:tr h="157757">
-                <a:tc>
-                  <a:txBody>
-                    <a:bodyPr/>
-                    <a:lstStyle/>
-                    <a:p>
-                      <a:endParaRPr lang="en-GB" sz="1200">
-                        <a:latin typeface="DejaVu Sans Book" panose="020B0603030804020204" pitchFamily="34" charset="0"/>
-                        <a:ea typeface="DejaVu Sans Book" panose="020B0603030804020204" pitchFamily="34" charset="0"/>
-                        <a:cs typeface="DejaVu Sans Book" panose="020B0603030804020204" pitchFamily="34" charset="0"/>
-                      </a:endParaRPr>
-                    </a:p>
-                  </a:txBody>
-                  <a:tcPr/>
-                </a:tc>
-                <a:tc>
-                  <a:txBody>
-                    <a:bodyPr/>
-                    <a:lstStyle/>
-                    <a:p>
-                      <a:r>
-                        <a:rPr lang="en-GB" sz="1200" dirty="0">
-                          <a:latin typeface="DejaVu Sans Book" panose="020B0603030804020204" pitchFamily="34" charset="0"/>
-                          <a:ea typeface="DejaVu Sans Book" panose="020B0603030804020204" pitchFamily="34" charset="0"/>
-                          <a:cs typeface="DejaVu Sans Book" panose="020B0603030804020204" pitchFamily="34" charset="0"/>
-                        </a:rPr>
-                        <a:t>2a</a:t>
-                      </a:r>
-                    </a:p>
-                  </a:txBody>
-                  <a:tcPr/>
-                </a:tc>
-                <a:tc>
-                  <a:txBody>
-                    <a:bodyPr/>
-                    <a:lstStyle/>
-                    <a:p>
-                      <a:r>
-                        <a:rPr lang="en-GB" sz="1200" dirty="0">
-                          <a:latin typeface="DejaVu Sans Book" panose="020B0603030804020204" pitchFamily="34" charset="0"/>
-                          <a:ea typeface="DejaVu Sans Book" panose="020B0603030804020204" pitchFamily="34" charset="0"/>
-                          <a:cs typeface="DejaVu Sans Book" panose="020B0603030804020204" pitchFamily="34" charset="0"/>
-                        </a:rPr>
-                        <a:t>true</a:t>
-                      </a:r>
-                    </a:p>
-                  </a:txBody>
-                  <a:tcPr/>
-                </a:tc>
-                <a:tc>
-                  <a:txBody>
-                    <a:bodyPr/>
-                    <a:lstStyle/>
-                    <a:p>
-                      <a:r>
-                        <a:rPr lang="en-GB" sz="1200" dirty="0">
-                          <a:latin typeface="DejaVu Sans Book" panose="020B0603030804020204" pitchFamily="34" charset="0"/>
-                          <a:ea typeface="DejaVu Sans Book" panose="020B0603030804020204" pitchFamily="34" charset="0"/>
-                          <a:cs typeface="DejaVu Sans Book" panose="020B0603030804020204" pitchFamily="34" charset="0"/>
-                        </a:rPr>
-                        <a:t>0</a:t>
-                      </a:r>
-                    </a:p>
-                  </a:txBody>
-                  <a:tcPr/>
-                </a:tc>
-                <a:tc>
-                  <a:txBody>
-                    <a:bodyPr/>
-                    <a:lstStyle/>
-                    <a:p>
-                      <a:r>
-                        <a:rPr lang="en-GB" sz="1200" dirty="0">
-                          <a:latin typeface="DejaVu Sans Book" panose="020B0603030804020204" pitchFamily="34" charset="0"/>
-                          <a:ea typeface="DejaVu Sans Book" panose="020B0603030804020204" pitchFamily="34" charset="0"/>
-                          <a:cs typeface="DejaVu Sans Book" panose="020B0603030804020204" pitchFamily="34" charset="0"/>
-                        </a:rPr>
-                        <a:t>"0b0"</a:t>
-                      </a:r>
-                    </a:p>
-                  </a:txBody>
-                  <a:tcPr/>
-                </a:tc>
-                <a:tc>
-                  <a:txBody>
-                    <a:bodyPr/>
-                    <a:lstStyle/>
-                    <a:p>
-                      <a:endParaRPr lang="en-GB" sz="1200">
-                        <a:latin typeface="DejaVu Sans Book" panose="020B0603030804020204" pitchFamily="34" charset="0"/>
-                        <a:ea typeface="DejaVu Sans Book" panose="020B0603030804020204" pitchFamily="34" charset="0"/>
-                        <a:cs typeface="DejaVu Sans Book" panose="020B0603030804020204" pitchFamily="34" charset="0"/>
-                      </a:endParaRPr>
-                    </a:p>
-                  </a:txBody>
-                  <a:tcPr/>
-                </a:tc>
-                <a:extLst>
-                  <a:ext uri="{0D108BD9-81ED-4DB2-BD59-A6C34878D82A}">
-                    <a16:rowId xmlns:a16="http://schemas.microsoft.com/office/drawing/2014/main" val="3655394169"/>
-                  </a:ext>
-                </a:extLst>
-              </a:tr>
-              <a:tr h="368100">
-                <a:tc>
-                  <a:txBody>
-                    <a:bodyPr/>
-                    <a:lstStyle/>
-                    <a:p>
-                      <a:endParaRPr lang="en-GB" sz="1200" dirty="0">
-                        <a:latin typeface="DejaVu Sans Book" panose="020B0603030804020204" pitchFamily="34" charset="0"/>
-                        <a:ea typeface="DejaVu Sans Book" panose="020B0603030804020204" pitchFamily="34" charset="0"/>
-                        <a:cs typeface="DejaVu Sans Book" panose="020B0603030804020204" pitchFamily="34" charset="0"/>
-                      </a:endParaRPr>
-                    </a:p>
-                  </a:txBody>
-                  <a:tcPr/>
-                </a:tc>
-                <a:tc>
-                  <a:txBody>
-                    <a:bodyPr/>
-                    <a:lstStyle/>
-                    <a:p>
-                      <a:r>
-                        <a:rPr lang="en-GB" sz="1200" dirty="0">
-                          <a:latin typeface="DejaVu Sans Book" panose="020B0603030804020204" pitchFamily="34" charset="0"/>
-                          <a:ea typeface="DejaVu Sans Book" panose="020B0603030804020204" pitchFamily="34" charset="0"/>
-                          <a:cs typeface="DejaVu Sans Book" panose="020B0603030804020204" pitchFamily="34" charset="0"/>
-                        </a:rPr>
-                        <a:t>2b</a:t>
-                      </a:r>
-                    </a:p>
-                  </a:txBody>
-                  <a:tcPr/>
-                </a:tc>
-                <a:tc>
-                  <a:txBody>
-                    <a:bodyPr/>
-                    <a:lstStyle/>
-                    <a:p>
-                      <a:r>
-                        <a:rPr lang="en-GB" sz="1200" dirty="0">
-                          <a:latin typeface="DejaVu Sans Book" panose="020B0603030804020204" pitchFamily="34" charset="0"/>
-                          <a:ea typeface="DejaVu Sans Book" panose="020B0603030804020204" pitchFamily="34" charset="0"/>
-                          <a:cs typeface="DejaVu Sans Book" panose="020B0603030804020204" pitchFamily="34" charset="0"/>
-                        </a:rPr>
-                        <a:t>branch 3</a:t>
-                      </a:r>
-                    </a:p>
-                  </a:txBody>
-                  <a:tcPr/>
-                </a:tc>
-                <a:tc>
-                  <a:txBody>
-                    <a:bodyPr/>
-                    <a:lstStyle/>
-                    <a:p>
-                      <a:endParaRPr lang="en-GB" sz="1200" dirty="0">
-                        <a:latin typeface="DejaVu Sans Book" panose="020B0603030804020204" pitchFamily="34" charset="0"/>
-                        <a:ea typeface="DejaVu Sans Book" panose="020B0603030804020204" pitchFamily="34" charset="0"/>
-                        <a:cs typeface="DejaVu Sans Book" panose="020B0603030804020204" pitchFamily="34" charset="0"/>
-                      </a:endParaRPr>
-                    </a:p>
-                  </a:txBody>
-                  <a:tcPr/>
-                </a:tc>
-                <a:tc>
-                  <a:txBody>
-                    <a:bodyPr/>
-                    <a:lstStyle/>
-                    <a:p>
-                      <a:pPr marL="0" marR="0" lvl="0" indent="0" algn="l" defTabSz="914400" rtl="0" eaLnBrk="1" fontAlgn="auto" latinLnBrk="0" hangingPunct="1">
-                        <a:lnSpc>
-                          <a:spcPct val="100000"/>
-                        </a:lnSpc>
-                        <a:spcBef>
-                          <a:spcPts val="0"/>
-                        </a:spcBef>
-                        <a:spcAft>
-                          <a:spcPts val="0"/>
-                        </a:spcAft>
-                        <a:buClrTx/>
-                        <a:buSzTx/>
-                        <a:buFontTx/>
-                        <a:buNone/>
-                        <a:tabLst/>
-                        <a:defRPr/>
-                      </a:pPr>
-                      <a:endParaRPr lang="en-GB" sz="1200" dirty="0">
-                        <a:latin typeface="DejaVu Sans Book" panose="020B0603030804020204" pitchFamily="34" charset="0"/>
-                        <a:ea typeface="DejaVu Sans Book" panose="020B0603030804020204" pitchFamily="34" charset="0"/>
-                        <a:cs typeface="DejaVu Sans Book" panose="020B0603030804020204" pitchFamily="34" charset="0"/>
-                      </a:endParaRPr>
-                    </a:p>
-                  </a:txBody>
-                  <a:tcPr/>
-                </a:tc>
-                <a:tc>
-                  <a:txBody>
-                    <a:bodyPr/>
-                    <a:lstStyle/>
-                    <a:p>
-                      <a:pPr marL="0" marR="0" lvl="0" indent="0" algn="l" defTabSz="914400" rtl="0" eaLnBrk="1" fontAlgn="auto" latinLnBrk="0" hangingPunct="1">
-                        <a:lnSpc>
-                          <a:spcPct val="100000"/>
-                        </a:lnSpc>
-                        <a:spcBef>
-                          <a:spcPts val="0"/>
-                        </a:spcBef>
-                        <a:spcAft>
-                          <a:spcPts val="0"/>
-                        </a:spcAft>
-                        <a:buClrTx/>
-                        <a:buSzTx/>
-                        <a:buFontTx/>
-                        <a:buNone/>
-                        <a:tabLst/>
-                        <a:defRPr/>
-                      </a:pPr>
-                      <a:r>
-                        <a:rPr lang="en-GB" sz="1200" dirty="0">
-                          <a:latin typeface="DejaVu Sans Book" panose="020B0603030804020204" pitchFamily="34" charset="0"/>
-                          <a:ea typeface="DejaVu Sans Book" panose="020B0603030804020204" pitchFamily="34" charset="0"/>
-                          <a:cs typeface="DejaVu Sans Book" panose="020B0603030804020204" pitchFamily="34" charset="0"/>
-                        </a:rPr>
-                        <a:t>Fall through</a:t>
-                      </a:r>
-                    </a:p>
-                  </a:txBody>
-                  <a:tcPr/>
-                </a:tc>
-                <a:extLst>
-                  <a:ext uri="{0D108BD9-81ED-4DB2-BD59-A6C34878D82A}">
-                    <a16:rowId xmlns:a16="http://schemas.microsoft.com/office/drawing/2014/main" val="3229732226"/>
-                  </a:ext>
-                </a:extLst>
-              </a:tr>
-              <a:tr h="262929">
-                <a:tc>
-                  <a:txBody>
-                    <a:bodyPr/>
-                    <a:lstStyle/>
-                    <a:p>
-                      <a:endParaRPr lang="en-GB" sz="1200" dirty="0">
-                        <a:latin typeface="DejaVu Sans Book" panose="020B0603030804020204" pitchFamily="34" charset="0"/>
-                        <a:ea typeface="DejaVu Sans Book" panose="020B0603030804020204" pitchFamily="34" charset="0"/>
-                        <a:cs typeface="DejaVu Sans Book" panose="020B0603030804020204" pitchFamily="34" charset="0"/>
-                      </a:endParaRPr>
-                    </a:p>
-                  </a:txBody>
-                  <a:tcPr/>
-                </a:tc>
-                <a:tc>
-                  <a:txBody>
-                    <a:bodyPr/>
-                    <a:lstStyle/>
-                    <a:p>
-                      <a:r>
-                        <a:rPr lang="en-GB" sz="1200" dirty="0">
-                          <a:latin typeface="DejaVu Sans Book" panose="020B0603030804020204" pitchFamily="34" charset="0"/>
-                          <a:ea typeface="DejaVu Sans Book" panose="020B0603030804020204" pitchFamily="34" charset="0"/>
-                          <a:cs typeface="DejaVu Sans Book" panose="020B0603030804020204" pitchFamily="34" charset="0"/>
-                        </a:rPr>
-                        <a:t>3 (n&gt;0)</a:t>
-                      </a:r>
-                    </a:p>
-                  </a:txBody>
-                  <a:tcPr/>
-                </a:tc>
-                <a:tc>
-                  <a:txBody>
-                    <a:bodyPr/>
-                    <a:lstStyle/>
-                    <a:p>
-                      <a:endParaRPr lang="en-GB" sz="1200" dirty="0">
-                        <a:latin typeface="DejaVu Sans Book" panose="020B0603030804020204" pitchFamily="34" charset="0"/>
-                        <a:ea typeface="DejaVu Sans Book" panose="020B0603030804020204" pitchFamily="34" charset="0"/>
-                        <a:cs typeface="DejaVu Sans Book" panose="020B0603030804020204" pitchFamily="34" charset="0"/>
-                      </a:endParaRPr>
-                    </a:p>
-                  </a:txBody>
-                  <a:tcPr/>
-                </a:tc>
-                <a:tc>
-                  <a:txBody>
-                    <a:bodyPr/>
-                    <a:lstStyle/>
-                    <a:p>
-                      <a:endParaRPr lang="en-GB" sz="1200">
-                        <a:latin typeface="DejaVu Sans Book" panose="020B0603030804020204" pitchFamily="34" charset="0"/>
-                        <a:ea typeface="DejaVu Sans Book" panose="020B0603030804020204" pitchFamily="34" charset="0"/>
-                        <a:cs typeface="DejaVu Sans Book" panose="020B0603030804020204" pitchFamily="34" charset="0"/>
-                      </a:endParaRPr>
-                    </a:p>
-                  </a:txBody>
-                  <a:tcPr/>
-                </a:tc>
-                <a:tc>
-                  <a:txBody>
-                    <a:bodyPr/>
-                    <a:lstStyle/>
-                    <a:p>
-                      <a:endParaRPr lang="en-GB" sz="1200">
-                        <a:latin typeface="DejaVu Sans Book" panose="020B0603030804020204" pitchFamily="34" charset="0"/>
-                        <a:ea typeface="DejaVu Sans Book" panose="020B0603030804020204" pitchFamily="34" charset="0"/>
-                        <a:cs typeface="DejaVu Sans Book" panose="020B0603030804020204" pitchFamily="34" charset="0"/>
-                      </a:endParaRPr>
-                    </a:p>
-                  </a:txBody>
-                  <a:tcPr/>
-                </a:tc>
-                <a:tc>
-                  <a:txBody>
-                    <a:bodyPr/>
-                    <a:lstStyle/>
-                    <a:p>
-                      <a:endParaRPr lang="en-GB" sz="1200">
-                        <a:latin typeface="DejaVu Sans Book" panose="020B0603030804020204" pitchFamily="34" charset="0"/>
-                        <a:ea typeface="DejaVu Sans Book" panose="020B0603030804020204" pitchFamily="34" charset="0"/>
-                        <a:cs typeface="DejaVu Sans Book" panose="020B0603030804020204" pitchFamily="34" charset="0"/>
-                      </a:endParaRPr>
-                    </a:p>
-                  </a:txBody>
-                  <a:tcPr/>
-                </a:tc>
-                <a:extLst>
-                  <a:ext uri="{0D108BD9-81ED-4DB2-BD59-A6C34878D82A}">
-                    <a16:rowId xmlns:a16="http://schemas.microsoft.com/office/drawing/2014/main" val="3952858742"/>
-                  </a:ext>
-                </a:extLst>
-              </a:tr>
-              <a:tr h="157757">
-                <a:tc>
-                  <a:txBody>
-                    <a:bodyPr/>
-                    <a:lstStyle/>
-                    <a:p>
-                      <a:endParaRPr lang="en-GB" sz="1200" dirty="0">
-                        <a:latin typeface="DejaVu Sans Book" panose="020B0603030804020204" pitchFamily="34" charset="0"/>
-                        <a:ea typeface="DejaVu Sans Book" panose="020B0603030804020204" pitchFamily="34" charset="0"/>
-                        <a:cs typeface="DejaVu Sans Book" panose="020B0603030804020204" pitchFamily="34" charset="0"/>
-                      </a:endParaRPr>
-                    </a:p>
-                  </a:txBody>
-                  <a:tcPr/>
-                </a:tc>
-                <a:tc>
-                  <a:txBody>
-                    <a:bodyPr/>
-                    <a:lstStyle/>
-                    <a:p>
-                      <a:r>
-                        <a:rPr lang="en-GB" sz="1200" dirty="0">
-                          <a:latin typeface="DejaVu Sans Book" panose="020B0603030804020204" pitchFamily="34" charset="0"/>
-                          <a:ea typeface="DejaVu Sans Book" panose="020B0603030804020204" pitchFamily="34" charset="0"/>
-                          <a:cs typeface="DejaVu Sans Book" panose="020B0603030804020204" pitchFamily="34" charset="0"/>
-                        </a:rPr>
-                        <a:t>3a</a:t>
-                      </a:r>
-                    </a:p>
-                  </a:txBody>
-                  <a:tcPr/>
-                </a:tc>
-                <a:tc>
-                  <a:txBody>
-                    <a:bodyPr/>
-                    <a:lstStyle/>
-                    <a:p>
-                      <a:r>
-                        <a:rPr lang="en-GB" sz="1200" dirty="0">
-                          <a:latin typeface="DejaVu Sans Book" panose="020B0603030804020204" pitchFamily="34" charset="0"/>
-                          <a:ea typeface="DejaVu Sans Book" panose="020B0603030804020204" pitchFamily="34" charset="0"/>
-                          <a:cs typeface="DejaVu Sans Book" panose="020B0603030804020204" pitchFamily="34" charset="0"/>
-                        </a:rPr>
-                        <a:t>true</a:t>
-                      </a:r>
-                    </a:p>
-                  </a:txBody>
-                  <a:tcPr/>
-                </a:tc>
-                <a:tc>
-                  <a:txBody>
-                    <a:bodyPr/>
-                    <a:lstStyle/>
-                    <a:p>
-                      <a:r>
-                        <a:rPr lang="en-GB" sz="1200" dirty="0">
-                          <a:latin typeface="DejaVu Sans Book" panose="020B0603030804020204" pitchFamily="34" charset="0"/>
-                          <a:ea typeface="DejaVu Sans Book" panose="020B0603030804020204" pitchFamily="34" charset="0"/>
-                          <a:cs typeface="DejaVu Sans Book" panose="020B0603030804020204" pitchFamily="34" charset="0"/>
-                        </a:rPr>
-                        <a:t>1</a:t>
-                      </a:r>
-                    </a:p>
-                  </a:txBody>
-                  <a:tcPr/>
-                </a:tc>
-                <a:tc>
-                  <a:txBody>
-                    <a:bodyPr/>
-                    <a:lstStyle/>
-                    <a:p>
-                      <a:r>
-                        <a:rPr lang="en-GB" sz="1200" dirty="0">
-                          <a:latin typeface="DejaVu Sans Book" panose="020B0603030804020204" pitchFamily="34" charset="0"/>
-                          <a:ea typeface="DejaVu Sans Book" panose="020B0603030804020204" pitchFamily="34" charset="0"/>
-                          <a:cs typeface="DejaVu Sans Book" panose="020B0603030804020204" pitchFamily="34" charset="0"/>
-                        </a:rPr>
-                        <a:t>"0b1"</a:t>
-                      </a:r>
-                    </a:p>
-                  </a:txBody>
-                  <a:tcPr/>
-                </a:tc>
-                <a:tc>
-                  <a:txBody>
-                    <a:bodyPr/>
-                    <a:lstStyle/>
-                    <a:p>
-                      <a:endParaRPr lang="en-GB" sz="1200" dirty="0">
-                        <a:latin typeface="DejaVu Sans Book" panose="020B0603030804020204" pitchFamily="34" charset="0"/>
-                        <a:ea typeface="DejaVu Sans Book" panose="020B0603030804020204" pitchFamily="34" charset="0"/>
-                        <a:cs typeface="DejaVu Sans Book" panose="020B0603030804020204" pitchFamily="34" charset="0"/>
-                      </a:endParaRPr>
-                    </a:p>
-                  </a:txBody>
-                  <a:tcPr/>
-                </a:tc>
-                <a:extLst>
-                  <a:ext uri="{0D108BD9-81ED-4DB2-BD59-A6C34878D82A}">
-                    <a16:rowId xmlns:a16="http://schemas.microsoft.com/office/drawing/2014/main" val="605619771"/>
-                  </a:ext>
-                </a:extLst>
-              </a:tr>
-              <a:tr h="157757">
-                <a:tc>
-                  <a:txBody>
-                    <a:bodyPr/>
-                    <a:lstStyle/>
-                    <a:p>
-                      <a:endParaRPr lang="en-GB" sz="1200">
-                        <a:latin typeface="DejaVu Sans Book" panose="020B0603030804020204" pitchFamily="34" charset="0"/>
-                        <a:ea typeface="DejaVu Sans Book" panose="020B0603030804020204" pitchFamily="34" charset="0"/>
-                        <a:cs typeface="DejaVu Sans Book" panose="020B0603030804020204" pitchFamily="34" charset="0"/>
-                      </a:endParaRPr>
-                    </a:p>
-                  </a:txBody>
-                  <a:tcPr/>
-                </a:tc>
-                <a:tc>
-                  <a:txBody>
-                    <a:bodyPr/>
-                    <a:lstStyle/>
-                    <a:p>
-                      <a:r>
-                        <a:rPr lang="en-GB" sz="1200" dirty="0">
-                          <a:latin typeface="DejaVu Sans Book" panose="020B0603030804020204" pitchFamily="34" charset="0"/>
-                          <a:ea typeface="DejaVu Sans Book" panose="020B0603030804020204" pitchFamily="34" charset="0"/>
-                          <a:cs typeface="DejaVu Sans Book" panose="020B0603030804020204" pitchFamily="34" charset="0"/>
-                        </a:rPr>
-                        <a:t>3b</a:t>
-                      </a:r>
-                    </a:p>
-                  </a:txBody>
-                  <a:tcPr/>
-                </a:tc>
-                <a:tc>
-                  <a:txBody>
-                    <a:bodyPr/>
-                    <a:lstStyle/>
-                    <a:p>
-                      <a:r>
-                        <a:rPr lang="en-GB" sz="1200" dirty="0">
-                          <a:latin typeface="DejaVu Sans Book" panose="020B0603030804020204" pitchFamily="34" charset="0"/>
-                          <a:ea typeface="DejaVu Sans Book" panose="020B0603030804020204" pitchFamily="34" charset="0"/>
-                          <a:cs typeface="DejaVu Sans Book" panose="020B0603030804020204" pitchFamily="34" charset="0"/>
-                        </a:rPr>
-                        <a:t>false</a:t>
-                      </a:r>
-                    </a:p>
-                  </a:txBody>
-                  <a:tcPr/>
-                </a:tc>
-                <a:tc>
-                  <a:txBody>
-                    <a:bodyPr/>
-                    <a:lstStyle/>
-                    <a:p>
-                      <a:r>
-                        <a:rPr lang="en-GB" sz="1200" dirty="0">
-                          <a:latin typeface="DejaVu Sans Book" panose="020B0603030804020204" pitchFamily="34" charset="0"/>
-                          <a:ea typeface="DejaVu Sans Book" panose="020B0603030804020204" pitchFamily="34" charset="0"/>
-                          <a:cs typeface="DejaVu Sans Book" panose="020B0603030804020204" pitchFamily="34" charset="0"/>
-                        </a:rPr>
-                        <a:t>1</a:t>
-                      </a:r>
-                    </a:p>
-                  </a:txBody>
-                  <a:tcPr/>
-                </a:tc>
-                <a:tc>
-                  <a:txBody>
-                    <a:bodyPr/>
-                    <a:lstStyle/>
-                    <a:p>
-                      <a:r>
-                        <a:rPr lang="en-GB" sz="1200" dirty="0">
-                          <a:latin typeface="DejaVu Sans Book" panose="020B0603030804020204" pitchFamily="34" charset="0"/>
-                          <a:ea typeface="DejaVu Sans Book" panose="020B0603030804020204" pitchFamily="34" charset="0"/>
-                          <a:cs typeface="DejaVu Sans Book" panose="020B0603030804020204" pitchFamily="34" charset="0"/>
-                        </a:rPr>
-                        <a:t>"0b1"</a:t>
-                      </a:r>
-                    </a:p>
-                  </a:txBody>
-                  <a:tcPr/>
-                </a:tc>
-                <a:tc>
-                  <a:txBody>
-                    <a:bodyPr/>
-                    <a:lstStyle/>
-                    <a:p>
-                      <a:endParaRPr lang="en-GB" sz="1200" dirty="0">
-                        <a:latin typeface="DejaVu Sans Book" panose="020B0603030804020204" pitchFamily="34" charset="0"/>
-                        <a:ea typeface="DejaVu Sans Book" panose="020B0603030804020204" pitchFamily="34" charset="0"/>
-                        <a:cs typeface="DejaVu Sans Book" panose="020B0603030804020204" pitchFamily="34" charset="0"/>
-                      </a:endParaRPr>
-                    </a:p>
-                  </a:txBody>
-                  <a:tcPr/>
-                </a:tc>
-                <a:extLst>
-                  <a:ext uri="{0D108BD9-81ED-4DB2-BD59-A6C34878D82A}">
-                    <a16:rowId xmlns:a16="http://schemas.microsoft.com/office/drawing/2014/main" val="3708340843"/>
-                  </a:ext>
-                </a:extLst>
-              </a:tr>
-            </a:tbl>
-          </a:graphicData>
-        </a:graphic>
-      </p:graphicFrame>
-      <p:sp>
-        <p:nvSpPr>
-          <p:cNvPr id="11" name="Rectangle 10">
-            <a:extLst>
-              <a:ext uri="{FF2B5EF4-FFF2-40B4-BE49-F238E27FC236}">
-                <a16:creationId xmlns:a16="http://schemas.microsoft.com/office/drawing/2014/main" id="{E656735C-B1EC-AC44-AC2D-49CFBC80FFAF}"/>
-              </a:ext>
-            </a:extLst>
-          </p:cNvPr>
-          <p:cNvSpPr/>
-          <p:nvPr/>
-        </p:nvSpPr>
-        <p:spPr>
-          <a:xfrm>
-            <a:off x="6668073" y="4869758"/>
-            <a:ext cx="5523927" cy="1569660"/>
-          </a:xfrm>
-          <a:prstGeom prst="rect">
-            <a:avLst/>
-          </a:prstGeom>
-        </p:spPr>
-        <p:txBody>
-          <a:bodyPr wrap="square">
-            <a:spAutoFit/>
-          </a:bodyPr>
-          <a:lstStyle/>
-          <a:p>
-            <a:r>
-              <a:rPr lang="en-GB" sz="1600" dirty="0">
-                <a:latin typeface="DejaVu Sans Book" panose="020B0603030804020204" pitchFamily="34" charset="0"/>
-                <a:ea typeface="DejaVu Sans Book" panose="020B0603030804020204" pitchFamily="34" charset="0"/>
-                <a:cs typeface="DejaVu Sans Book" panose="020B0603030804020204" pitchFamily="34" charset="0"/>
-              </a:rPr>
-              <a:t>$ </a:t>
-            </a:r>
-            <a:r>
-              <a:rPr lang="en-GB" sz="1600" dirty="0" err="1">
-                <a:latin typeface="DejaVu Sans Book" panose="020B0603030804020204" pitchFamily="34" charset="0"/>
-                <a:ea typeface="DejaVu Sans Book" panose="020B0603030804020204" pitchFamily="34" charset="0"/>
-                <a:cs typeface="DejaVu Sans Book" panose="020B0603030804020204" pitchFamily="34" charset="0"/>
-              </a:rPr>
-              <a:t>fsharpi</a:t>
-            </a:r>
-            <a:r>
-              <a:rPr lang="en-GB" sz="1600" dirty="0">
-                <a:latin typeface="DejaVu Sans Book" panose="020B0603030804020204" pitchFamily="34" charset="0"/>
-                <a:ea typeface="DejaVu Sans Book" panose="020B0603030804020204" pitchFamily="34" charset="0"/>
-                <a:cs typeface="DejaVu Sans Book" panose="020B0603030804020204" pitchFamily="34" charset="0"/>
-              </a:rPr>
-              <a:t> dec2binWhiteTest.fsx</a:t>
-            </a:r>
-          </a:p>
-          <a:p>
-            <a:r>
-              <a:rPr lang="en-GB" sz="1600" dirty="0">
-                <a:latin typeface="DejaVu Sans Book" panose="020B0603030804020204" pitchFamily="34" charset="0"/>
-                <a:ea typeface="DejaVu Sans Book" panose="020B0603030804020204" pitchFamily="34" charset="0"/>
-                <a:cs typeface="DejaVu Sans Book" panose="020B0603030804020204" pitchFamily="34" charset="0"/>
-              </a:rPr>
-              <a:t>White-box testing of dec2bin.fsx</a:t>
-            </a:r>
-          </a:p>
-          <a:p>
-            <a:r>
-              <a:rPr lang="en-GB" sz="1600" dirty="0">
-                <a:latin typeface="DejaVu Sans Book" panose="020B0603030804020204" pitchFamily="34" charset="0"/>
-                <a:ea typeface="DejaVu Sans Book" panose="020B0603030804020204" pitchFamily="34" charset="0"/>
-                <a:cs typeface="DejaVu Sans Book" panose="020B0603030804020204" pitchFamily="34" charset="0"/>
-              </a:rPr>
-              <a:t>  Unit: dec2bin</a:t>
-            </a:r>
-          </a:p>
-          <a:p>
-            <a:r>
-              <a:rPr lang="en-GB" sz="1600" dirty="0">
-                <a:latin typeface="DejaVu Sans Book" panose="020B0603030804020204" pitchFamily="34" charset="0"/>
-                <a:ea typeface="DejaVu Sans Book" panose="020B0603030804020204" pitchFamily="34" charset="0"/>
-                <a:cs typeface="DejaVu Sans Book" panose="020B0603030804020204" pitchFamily="34" charset="0"/>
-              </a:rPr>
-              <a:t>    Branch: 1a - true</a:t>
-            </a:r>
-          </a:p>
-          <a:p>
-            <a:r>
-              <a:rPr lang="en-GB" sz="1600" dirty="0">
-                <a:latin typeface="DejaVu Sans Book" panose="020B0603030804020204" pitchFamily="34" charset="0"/>
-                <a:ea typeface="DejaVu Sans Book" panose="020B0603030804020204" pitchFamily="34" charset="0"/>
-                <a:cs typeface="DejaVu Sans Book" panose="020B0603030804020204" pitchFamily="34" charset="0"/>
-              </a:rPr>
-              <a:t>    Branch: 2a - true</a:t>
-            </a:r>
-          </a:p>
-          <a:p>
-            <a:r>
-              <a:rPr lang="en-GB" sz="1600" dirty="0">
-                <a:latin typeface="DejaVu Sans Book" panose="020B0603030804020204" pitchFamily="34" charset="0"/>
-                <a:ea typeface="DejaVu Sans Book" panose="020B0603030804020204" pitchFamily="34" charset="0"/>
-                <a:cs typeface="DejaVu Sans Book" panose="020B0603030804020204" pitchFamily="34" charset="0"/>
-              </a:rPr>
-              <a:t>    Branch: 3a - true</a:t>
-            </a:r>
-          </a:p>
-        </p:txBody>
-      </p:sp>
-      <p:cxnSp>
-        <p:nvCxnSpPr>
-          <p:cNvPr id="12" name="Straight Connector 11">
-            <a:extLst>
-              <a:ext uri="{FF2B5EF4-FFF2-40B4-BE49-F238E27FC236}">
-                <a16:creationId xmlns:a16="http://schemas.microsoft.com/office/drawing/2014/main" id="{C637B8AF-C58C-2848-AB32-2980467C7F59}"/>
-              </a:ext>
-            </a:extLst>
-          </p:cNvPr>
-          <p:cNvCxnSpPr>
-            <a:cxnSpLocks/>
-          </p:cNvCxnSpPr>
-          <p:nvPr/>
-        </p:nvCxnSpPr>
-        <p:spPr>
-          <a:xfrm flipV="1">
-            <a:off x="6413679" y="4533363"/>
-            <a:ext cx="5533622" cy="12879"/>
-          </a:xfrm>
-          <a:prstGeom prst="line">
-            <a:avLst/>
-          </a:prstGeom>
-        </p:spPr>
-        <p:style>
-          <a:lnRef idx="1">
-            <a:schemeClr val="accent1"/>
-          </a:lnRef>
-          <a:fillRef idx="0">
-            <a:schemeClr val="accent1"/>
-          </a:fillRef>
-          <a:effectRef idx="0">
-            <a:schemeClr val="accent1"/>
-          </a:effectRef>
-          <a:fontRef idx="minor">
-            <a:schemeClr val="tx1"/>
-          </a:fontRef>
-        </p:style>
-      </p:cxnSp>
-      <p:cxnSp>
-        <p:nvCxnSpPr>
-          <p:cNvPr id="13" name="Straight Connector 12">
-            <a:extLst>
-              <a:ext uri="{FF2B5EF4-FFF2-40B4-BE49-F238E27FC236}">
-                <a16:creationId xmlns:a16="http://schemas.microsoft.com/office/drawing/2014/main" id="{8A9E52AB-1193-7A4E-934B-99D78A8F1CCB}"/>
-              </a:ext>
-            </a:extLst>
-          </p:cNvPr>
-          <p:cNvCxnSpPr>
-            <a:cxnSpLocks/>
-          </p:cNvCxnSpPr>
-          <p:nvPr/>
-        </p:nvCxnSpPr>
-        <p:spPr>
-          <a:xfrm>
-            <a:off x="6413679" y="4533363"/>
-            <a:ext cx="0" cy="2137893"/>
-          </a:xfrm>
-          <a:prstGeom prst="line">
-            <a:avLst/>
-          </a:prstGeom>
-        </p:spPr>
-        <p:style>
-          <a:lnRef idx="1">
-            <a:schemeClr val="accent1"/>
-          </a:lnRef>
-          <a:fillRef idx="0">
-            <a:schemeClr val="accent1"/>
-          </a:fillRef>
-          <a:effectRef idx="0">
-            <a:schemeClr val="accent1"/>
-          </a:effectRef>
-          <a:fontRef idx="minor">
-            <a:schemeClr val="tx1"/>
-          </a:fontRef>
-        </p:style>
-      </p:cxnSp>
-    </p:spTree>
-    <p:extLst>
-      <p:ext uri="{BB962C8B-B14F-4D97-AF65-F5344CB8AC3E}">
-        <p14:creationId xmlns:p14="http://schemas.microsoft.com/office/powerpoint/2010/main" val="1049736755"/>
-      </p:ext>
-    </p:extLst>
-  </p:cSld>
-  <p:clrMapOvr>
-    <a:masterClrMapping/>
-  </p:clrMapOvr>
-  <p:timing>
-    <p:tnLst>
-      <p:par>
-        <p:cTn id="1" dur="indefinite" restart="never" nodeType="tmRoot">
-          <p:childTnLst>
-            <p:seq concurrent="1" nextAc="seek">
-              <p:cTn id="2" dur="indefinite" nodeType="mainSeq">
-                <p:childTnLst>
-                  <p:par>
-                    <p:cTn id="3" fill="hold">
-                      <p:stCondLst>
-                        <p:cond delay="indefinite"/>
-                      </p:stCondLst>
-                      <p:childTnLst>
-                        <p:par>
-                          <p:cTn id="4" fill="hold">
-                            <p:stCondLst>
-                              <p:cond delay="0"/>
-                            </p:stCondLst>
-                            <p:childTnLst>
-                              <p:par>
-                                <p:cTn id="5" presetID="1" presetClass="entr" presetSubtype="0" fill="hold" nodeType="clickEffect">
-                                  <p:stCondLst>
-                                    <p:cond delay="0"/>
-                                  </p:stCondLst>
-                                  <p:childTnLst>
-                                    <p:set>
-                                      <p:cBhvr>
-                                        <p:cTn id="6" dur="1" fill="hold">
-                                          <p:stCondLst>
-                                            <p:cond delay="0"/>
-                                          </p:stCondLst>
-                                        </p:cTn>
-                                        <p:tgtEl>
-                                          <p:spTgt spid="13"/>
-                                        </p:tgtEl>
-                                        <p:attrNameLst>
-                                          <p:attrName>style.visibility</p:attrName>
-                                        </p:attrNameLst>
-                                      </p:cBhvr>
-                                      <p:to>
-                                        <p:strVal val="visible"/>
-                                      </p:to>
-                                    </p:set>
-                                  </p:childTnLst>
-                                </p:cTn>
-                              </p:par>
-                              <p:par>
-                                <p:cTn id="7" presetID="1" presetClass="entr" presetSubtype="0" fill="hold" nodeType="withEffect">
-                                  <p:stCondLst>
-                                    <p:cond delay="0"/>
-                                  </p:stCondLst>
-                                  <p:childTnLst>
-                                    <p:set>
-                                      <p:cBhvr>
-                                        <p:cTn id="8" dur="1" fill="hold">
-                                          <p:stCondLst>
-                                            <p:cond delay="0"/>
-                                          </p:stCondLst>
-                                        </p:cTn>
-                                        <p:tgtEl>
-                                          <p:spTgt spid="12"/>
-                                        </p:tgtEl>
-                                        <p:attrNameLst>
-                                          <p:attrName>style.visibility</p:attrName>
-                                        </p:attrNameLst>
-                                      </p:cBhvr>
-                                      <p:to>
-                                        <p:strVal val="visible"/>
-                                      </p:to>
-                                    </p:set>
-                                  </p:childTnLst>
-                                </p:cTn>
-                              </p:par>
-                              <p:par>
-                                <p:cTn id="9" presetID="1" presetClass="entr" presetSubtype="0" fill="hold" grpId="0" nodeType="withEffect">
-                                  <p:stCondLst>
-                                    <p:cond delay="0"/>
-                                  </p:stCondLst>
-                                  <p:childTnLst>
-                                    <p:set>
-                                      <p:cBhvr>
-                                        <p:cTn id="10" dur="1" fill="hold">
-                                          <p:stCondLst>
-                                            <p:cond delay="0"/>
-                                          </p:stCondLst>
-                                        </p:cTn>
-                                        <p:tgtEl>
-                                          <p:spTgt spid="11"/>
-                                        </p:tgtEl>
-                                        <p:attrNameLst>
-                                          <p:attrName>style.visibility</p:attrName>
-                                        </p:attrNameLst>
-                                      </p:cBhvr>
-                                      <p:to>
-                                        <p:strVal val="visible"/>
-                                      </p:to>
-                                    </p:set>
-                                  </p:childTnLst>
-                                </p:cTn>
-                              </p:par>
-                            </p:childTnLst>
-                          </p:cTn>
-                        </p:par>
-                      </p:childTnLst>
-                    </p:cTn>
-                  </p:par>
-                </p:childTnLst>
-              </p:cTn>
-              <p:prevCondLst>
-                <p:cond evt="onPrev" delay="0">
-                  <p:tgtEl>
-                    <p:sldTgt/>
-                  </p:tgtEl>
-                </p:cond>
-              </p:prevCondLst>
-              <p:nextCondLst>
-                <p:cond evt="onNext" delay="0">
-                  <p:tgtEl>
-                    <p:sldTgt/>
-                  </p:tgtEl>
-                </p:cond>
-              </p:nextCondLst>
-            </p:seq>
-          </p:childTnLst>
-        </p:cTn>
-      </p:par>
-    </p:tnLst>
-    <p:bldLst>
-      <p:bldP spid="11" grpId="0"/>
-    </p:bldLst>
-  </p:timing>
-</p:sld>
-</file>
-
 <file path=ppt/theme/theme1.xml><?xml version="1.0" encoding="utf-8"?>
 <a:theme xmlns:a="http://schemas.openxmlformats.org/drawingml/2006/main" name="Office Theme">
   <a:themeElements>

--- a/lectures/4.1ModulesNTests/lecture.pptx
+++ b/lectures/4.1ModulesNTests/lecture.pptx
@@ -5,23 +5,24 @@
     <p:sldMasterId id="2147483648" r:id="rId1"/>
   </p:sldMasterIdLst>
   <p:notesMasterIdLst>
-    <p:notesMasterId r:id="rId16"/>
+    <p:notesMasterId r:id="rId17"/>
   </p:notesMasterIdLst>
   <p:sldIdLst>
     <p:sldId id="256" r:id="rId2"/>
-    <p:sldId id="304" r:id="rId3"/>
-    <p:sldId id="309" r:id="rId4"/>
-    <p:sldId id="310" r:id="rId5"/>
-    <p:sldId id="311" r:id="rId6"/>
-    <p:sldId id="318" r:id="rId7"/>
-    <p:sldId id="319" r:id="rId8"/>
-    <p:sldId id="312" r:id="rId9"/>
-    <p:sldId id="307" r:id="rId10"/>
-    <p:sldId id="316" r:id="rId11"/>
-    <p:sldId id="315" r:id="rId12"/>
-    <p:sldId id="314" r:id="rId13"/>
-    <p:sldId id="313" r:id="rId14"/>
-    <p:sldId id="317" r:id="rId15"/>
+    <p:sldId id="309" r:id="rId3"/>
+    <p:sldId id="304" r:id="rId4"/>
+    <p:sldId id="320" r:id="rId5"/>
+    <p:sldId id="310" r:id="rId6"/>
+    <p:sldId id="311" r:id="rId7"/>
+    <p:sldId id="318" r:id="rId8"/>
+    <p:sldId id="319" r:id="rId9"/>
+    <p:sldId id="312" r:id="rId10"/>
+    <p:sldId id="321" r:id="rId11"/>
+    <p:sldId id="316" r:id="rId12"/>
+    <p:sldId id="315" r:id="rId13"/>
+    <p:sldId id="314" r:id="rId14"/>
+    <p:sldId id="313" r:id="rId15"/>
+    <p:sldId id="317" r:id="rId16"/>
   </p:sldIdLst>
   <p:sldSz cx="12192000" cy="6858000"/>
   <p:notesSz cx="6858000" cy="9144000"/>
@@ -210,7 +211,7 @@
           <a:p>
             <a:fld id="{248031C6-E4B0-0444-A4A8-9CCE96EC2C9C}" type="datetimeFigureOut">
               <a:rPr lang="en-GB" smtClean="0"/>
-              <a:t>23/09/2019</a:t>
+              <a:t>25/09/2019</a:t>
             </a:fld>
             <a:endParaRPr lang="en-GB"/>
           </a:p>
@@ -627,7 +628,7 @@
           <a:p>
             <a:fld id="{66665395-52C5-5E4B-BB20-CD4E0BBC9899}" type="datetimeFigureOut">
               <a:rPr lang="en-GB" smtClean="0"/>
-              <a:t>23/09/2019</a:t>
+              <a:t>25/09/2019</a:t>
             </a:fld>
             <a:endParaRPr lang="en-GB"/>
           </a:p>
@@ -827,7 +828,7 @@
           <a:p>
             <a:fld id="{66665395-52C5-5E4B-BB20-CD4E0BBC9899}" type="datetimeFigureOut">
               <a:rPr lang="en-GB" smtClean="0"/>
-              <a:t>23/09/2019</a:t>
+              <a:t>25/09/2019</a:t>
             </a:fld>
             <a:endParaRPr lang="en-GB"/>
           </a:p>
@@ -1037,7 +1038,7 @@
           <a:p>
             <a:fld id="{66665395-52C5-5E4B-BB20-CD4E0BBC9899}" type="datetimeFigureOut">
               <a:rPr lang="en-GB" smtClean="0"/>
-              <a:t>23/09/2019</a:t>
+              <a:t>25/09/2019</a:t>
             </a:fld>
             <a:endParaRPr lang="en-GB"/>
           </a:p>
@@ -1237,7 +1238,7 @@
           <a:p>
             <a:fld id="{66665395-52C5-5E4B-BB20-CD4E0BBC9899}" type="datetimeFigureOut">
               <a:rPr lang="en-GB" smtClean="0"/>
-              <a:t>23/09/2019</a:t>
+              <a:t>25/09/2019</a:t>
             </a:fld>
             <a:endParaRPr lang="en-GB"/>
           </a:p>
@@ -1513,7 +1514,7 @@
           <a:p>
             <a:fld id="{66665395-52C5-5E4B-BB20-CD4E0BBC9899}" type="datetimeFigureOut">
               <a:rPr lang="en-GB" smtClean="0"/>
-              <a:t>23/09/2019</a:t>
+              <a:t>25/09/2019</a:t>
             </a:fld>
             <a:endParaRPr lang="en-GB"/>
           </a:p>
@@ -1781,7 +1782,7 @@
           <a:p>
             <a:fld id="{66665395-52C5-5E4B-BB20-CD4E0BBC9899}" type="datetimeFigureOut">
               <a:rPr lang="en-GB" smtClean="0"/>
-              <a:t>23/09/2019</a:t>
+              <a:t>25/09/2019</a:t>
             </a:fld>
             <a:endParaRPr lang="en-GB"/>
           </a:p>
@@ -2196,7 +2197,7 @@
           <a:p>
             <a:fld id="{66665395-52C5-5E4B-BB20-CD4E0BBC9899}" type="datetimeFigureOut">
               <a:rPr lang="en-GB" smtClean="0"/>
-              <a:t>23/09/2019</a:t>
+              <a:t>25/09/2019</a:t>
             </a:fld>
             <a:endParaRPr lang="en-GB"/>
           </a:p>
@@ -2338,7 +2339,7 @@
           <a:p>
             <a:fld id="{66665395-52C5-5E4B-BB20-CD4E0BBC9899}" type="datetimeFigureOut">
               <a:rPr lang="en-GB" smtClean="0"/>
-              <a:t>23/09/2019</a:t>
+              <a:t>25/09/2019</a:t>
             </a:fld>
             <a:endParaRPr lang="en-GB"/>
           </a:p>
@@ -2451,7 +2452,7 @@
           <a:p>
             <a:fld id="{66665395-52C5-5E4B-BB20-CD4E0BBC9899}" type="datetimeFigureOut">
               <a:rPr lang="en-GB" smtClean="0"/>
-              <a:t>23/09/2019</a:t>
+              <a:t>25/09/2019</a:t>
             </a:fld>
             <a:endParaRPr lang="en-GB"/>
           </a:p>
@@ -2764,7 +2765,7 @@
           <a:p>
             <a:fld id="{66665395-52C5-5E4B-BB20-CD4E0BBC9899}" type="datetimeFigureOut">
               <a:rPr lang="en-GB" smtClean="0"/>
-              <a:t>23/09/2019</a:t>
+              <a:t>25/09/2019</a:t>
             </a:fld>
             <a:endParaRPr lang="en-GB"/>
           </a:p>
@@ -3053,7 +3054,7 @@
           <a:p>
             <a:fld id="{66665395-52C5-5E4B-BB20-CD4E0BBC9899}" type="datetimeFigureOut">
               <a:rPr lang="en-GB" smtClean="0"/>
-              <a:t>23/09/2019</a:t>
+              <a:t>25/09/2019</a:t>
             </a:fld>
             <a:endParaRPr lang="en-GB"/>
           </a:p>
@@ -3296,7 +3297,7 @@
           <a:p>
             <a:fld id="{66665395-52C5-5E4B-BB20-CD4E0BBC9899}" type="datetimeFigureOut">
               <a:rPr lang="en-GB" smtClean="0"/>
-              <a:t>23/09/2019</a:t>
+              <a:t>25/09/2019</a:t>
             </a:fld>
             <a:endParaRPr lang="en-GB"/>
           </a:p>
@@ -3799,6 +3800,988 @@
 </file>
 
 <file path=ppt/slides/slide10.xml><?xml version="1.0" encoding="utf-8"?>
+<p:sld xmlns:a="http://schemas.openxmlformats.org/drawingml/2006/main" xmlns:r="http://schemas.openxmlformats.org/officeDocument/2006/relationships" xmlns:p="http://schemas.openxmlformats.org/presentationml/2006/main">
+  <p:cSld>
+    <p:spTree>
+      <p:nvGrpSpPr>
+        <p:cNvPr id="1" name=""/>
+        <p:cNvGrpSpPr/>
+        <p:nvPr/>
+      </p:nvGrpSpPr>
+      <p:grpSpPr>
+        <a:xfrm>
+          <a:off x="0" y="0"/>
+          <a:ext cx="0" cy="0"/>
+          <a:chOff x="0" y="0"/>
+          <a:chExt cx="0" cy="0"/>
+        </a:xfrm>
+      </p:grpSpPr>
+      <p:sp>
+        <p:nvSpPr>
+          <p:cNvPr id="2" name="Title 1">
+            <a:extLst>
+              <a:ext uri="{FF2B5EF4-FFF2-40B4-BE49-F238E27FC236}">
+                <a16:creationId xmlns:a16="http://schemas.microsoft.com/office/drawing/2014/main" id="{F85C8F81-E87B-1C49-99CE-586F396DBC90}"/>
+              </a:ext>
+            </a:extLst>
+          </p:cNvPr>
+          <p:cNvSpPr>
+            <a:spLocks noGrp="1"/>
+          </p:cNvSpPr>
+          <p:nvPr>
+            <p:ph type="title"/>
+          </p:nvPr>
+        </p:nvSpPr>
+        <p:spPr>
+          <a:xfrm>
+            <a:off x="551331" y="-47245"/>
+            <a:ext cx="10515600" cy="1325563"/>
+          </a:xfrm>
+        </p:spPr>
+        <p:txBody>
+          <a:bodyPr/>
+          <a:lstStyle/>
+          <a:p>
+            <a:r>
+              <a:rPr lang="en-GB" dirty="0"/>
+              <a:t>Decimal </a:t>
+            </a:r>
+            <a:r>
+              <a:rPr lang="en-GB" dirty="0" err="1"/>
+              <a:t>til</a:t>
+            </a:r>
+            <a:r>
+              <a:rPr lang="en-GB" dirty="0"/>
+              <a:t> </a:t>
+            </a:r>
+            <a:r>
+              <a:rPr lang="en-GB" dirty="0" err="1"/>
+              <a:t>Binær</a:t>
+            </a:r>
+            <a:endParaRPr lang="en-GB" dirty="0"/>
+          </a:p>
+        </p:txBody>
+      </p:sp>
+      <p:sp>
+        <p:nvSpPr>
+          <p:cNvPr id="7" name="Rectangle 6">
+            <a:extLst>
+              <a:ext uri="{FF2B5EF4-FFF2-40B4-BE49-F238E27FC236}">
+                <a16:creationId xmlns:a16="http://schemas.microsoft.com/office/drawing/2014/main" id="{E73A66DC-8DB8-A244-834B-AA0A61388EAB}"/>
+              </a:ext>
+            </a:extLst>
+          </p:cNvPr>
+          <p:cNvSpPr/>
+          <p:nvPr/>
+        </p:nvSpPr>
+        <p:spPr>
+          <a:xfrm>
+            <a:off x="838201" y="1480282"/>
+            <a:ext cx="4164106" cy="3754874"/>
+          </a:xfrm>
+          <a:prstGeom prst="rect">
+            <a:avLst/>
+          </a:prstGeom>
+        </p:spPr>
+        <p:txBody>
+          <a:bodyPr wrap="square">
+            <a:spAutoFit/>
+          </a:bodyPr>
+          <a:lstStyle/>
+          <a:p>
+            <a:r>
+              <a:rPr lang="en-GB" sz="1400" dirty="0">
+                <a:latin typeface="DejaVu Sans Book" panose="020B0603030804020204" pitchFamily="34" charset="0"/>
+                <a:ea typeface="DejaVu Sans Book" panose="020B0603030804020204" pitchFamily="34" charset="0"/>
+                <a:cs typeface="DejaVu Sans Book" panose="020B0603030804020204" pitchFamily="34" charset="0"/>
+              </a:rPr>
+              <a:t>/// Convert a non-negative integer into its</a:t>
+            </a:r>
+          </a:p>
+          <a:p>
+            <a:r>
+              <a:rPr lang="en-GB" sz="1400" dirty="0">
+                <a:latin typeface="DejaVu Sans Book" panose="020B0603030804020204" pitchFamily="34" charset="0"/>
+                <a:ea typeface="DejaVu Sans Book" panose="020B0603030804020204" pitchFamily="34" charset="0"/>
+                <a:cs typeface="DejaVu Sans Book" panose="020B0603030804020204" pitchFamily="34" charset="0"/>
+              </a:rPr>
+              <a:t>/// binary form. E.g., dec2bin 3 =  "0b11"</a:t>
+            </a:r>
+          </a:p>
+          <a:p>
+            <a:r>
+              <a:rPr lang="en-GB" sz="1400" dirty="0">
+                <a:latin typeface="DejaVu Sans Book" panose="020B0603030804020204" pitchFamily="34" charset="0"/>
+                <a:ea typeface="DejaVu Sans Book" panose="020B0603030804020204" pitchFamily="34" charset="0"/>
+                <a:cs typeface="DejaVu Sans Book" panose="020B0603030804020204" pitchFamily="34" charset="0"/>
+              </a:rPr>
+              <a:t>let dec2bin n =</a:t>
+            </a:r>
+          </a:p>
+          <a:p>
+            <a:r>
+              <a:rPr lang="en-GB" sz="1400" dirty="0">
+                <a:latin typeface="DejaVu Sans Book" panose="020B0603030804020204" pitchFamily="34" charset="0"/>
+                <a:ea typeface="DejaVu Sans Book" panose="020B0603030804020204" pitchFamily="34" charset="0"/>
+                <a:cs typeface="DejaVu Sans Book" panose="020B0603030804020204" pitchFamily="34" charset="0"/>
+              </a:rPr>
+              <a:t>  if n &lt; 0 then</a:t>
+            </a:r>
+          </a:p>
+          <a:p>
+            <a:r>
+              <a:rPr lang="en-GB" sz="1400" dirty="0">
+                <a:latin typeface="DejaVu Sans Book" panose="020B0603030804020204" pitchFamily="34" charset="0"/>
+                <a:ea typeface="DejaVu Sans Book" panose="020B0603030804020204" pitchFamily="34" charset="0"/>
+                <a:cs typeface="DejaVu Sans Book" panose="020B0603030804020204" pitchFamily="34" charset="0"/>
+              </a:rPr>
+              <a:t>    "Illegal value"</a:t>
+            </a:r>
+          </a:p>
+          <a:p>
+            <a:r>
+              <a:rPr lang="en-GB" sz="1400" dirty="0">
+                <a:latin typeface="DejaVu Sans Book" panose="020B0603030804020204" pitchFamily="34" charset="0"/>
+                <a:ea typeface="DejaVu Sans Book" panose="020B0603030804020204" pitchFamily="34" charset="0"/>
+                <a:cs typeface="DejaVu Sans Book" panose="020B0603030804020204" pitchFamily="34" charset="0"/>
+              </a:rPr>
+              <a:t>  </a:t>
+            </a:r>
+            <a:r>
+              <a:rPr lang="en-GB" sz="1400" dirty="0" err="1">
+                <a:latin typeface="DejaVu Sans Book" panose="020B0603030804020204" pitchFamily="34" charset="0"/>
+                <a:ea typeface="DejaVu Sans Book" panose="020B0603030804020204" pitchFamily="34" charset="0"/>
+                <a:cs typeface="DejaVu Sans Book" panose="020B0603030804020204" pitchFamily="34" charset="0"/>
+              </a:rPr>
+              <a:t>elif</a:t>
+            </a:r>
+            <a:r>
+              <a:rPr lang="en-GB" sz="1400" dirty="0">
+                <a:latin typeface="DejaVu Sans Book" panose="020B0603030804020204" pitchFamily="34" charset="0"/>
+                <a:ea typeface="DejaVu Sans Book" panose="020B0603030804020204" pitchFamily="34" charset="0"/>
+                <a:cs typeface="DejaVu Sans Book" panose="020B0603030804020204" pitchFamily="34" charset="0"/>
+              </a:rPr>
+              <a:t> n = 0 then</a:t>
+            </a:r>
+          </a:p>
+          <a:p>
+            <a:r>
+              <a:rPr lang="en-GB" sz="1400" dirty="0">
+                <a:latin typeface="DejaVu Sans Book" panose="020B0603030804020204" pitchFamily="34" charset="0"/>
+                <a:ea typeface="DejaVu Sans Book" panose="020B0603030804020204" pitchFamily="34" charset="0"/>
+                <a:cs typeface="DejaVu Sans Book" panose="020B0603030804020204" pitchFamily="34" charset="0"/>
+              </a:rPr>
+              <a:t>    "0b0"</a:t>
+            </a:r>
+          </a:p>
+          <a:p>
+            <a:r>
+              <a:rPr lang="en-GB" sz="1400" dirty="0">
+                <a:latin typeface="DejaVu Sans Book" panose="020B0603030804020204" pitchFamily="34" charset="0"/>
+                <a:ea typeface="DejaVu Sans Book" panose="020B0603030804020204" pitchFamily="34" charset="0"/>
+                <a:cs typeface="DejaVu Sans Book" panose="020B0603030804020204" pitchFamily="34" charset="0"/>
+              </a:rPr>
+              <a:t>  else</a:t>
+            </a:r>
+          </a:p>
+          <a:p>
+            <a:r>
+              <a:rPr lang="en-GB" sz="1400" dirty="0">
+                <a:latin typeface="DejaVu Sans Book" panose="020B0603030804020204" pitchFamily="34" charset="0"/>
+                <a:ea typeface="DejaVu Sans Book" panose="020B0603030804020204" pitchFamily="34" charset="0"/>
+                <a:cs typeface="DejaVu Sans Book" panose="020B0603030804020204" pitchFamily="34" charset="0"/>
+              </a:rPr>
+              <a:t>    let mutable v = n</a:t>
+            </a:r>
+          </a:p>
+          <a:p>
+            <a:r>
+              <a:rPr lang="en-GB" sz="1400" dirty="0">
+                <a:latin typeface="DejaVu Sans Book" panose="020B0603030804020204" pitchFamily="34" charset="0"/>
+                <a:ea typeface="DejaVu Sans Book" panose="020B0603030804020204" pitchFamily="34" charset="0"/>
+                <a:cs typeface="DejaVu Sans Book" panose="020B0603030804020204" pitchFamily="34" charset="0"/>
+              </a:rPr>
+              <a:t>    let mutable str = ""</a:t>
+            </a:r>
+          </a:p>
+          <a:p>
+            <a:r>
+              <a:rPr lang="en-GB" sz="1400" dirty="0">
+                <a:latin typeface="DejaVu Sans Book" panose="020B0603030804020204" pitchFamily="34" charset="0"/>
+                <a:ea typeface="DejaVu Sans Book" panose="020B0603030804020204" pitchFamily="34" charset="0"/>
+                <a:cs typeface="DejaVu Sans Book" panose="020B0603030804020204" pitchFamily="34" charset="0"/>
+              </a:rPr>
+              <a:t>    while v &gt; 0 do</a:t>
+            </a:r>
+          </a:p>
+          <a:p>
+            <a:r>
+              <a:rPr lang="en-GB" sz="1400" dirty="0">
+                <a:latin typeface="DejaVu Sans Book" panose="020B0603030804020204" pitchFamily="34" charset="0"/>
+                <a:ea typeface="DejaVu Sans Book" panose="020B0603030804020204" pitchFamily="34" charset="0"/>
+                <a:cs typeface="DejaVu Sans Book" panose="020B0603030804020204" pitchFamily="34" charset="0"/>
+              </a:rPr>
+              <a:t>      str &lt;- (string (v % 2)) + str</a:t>
+            </a:r>
+          </a:p>
+          <a:p>
+            <a:r>
+              <a:rPr lang="en-GB" sz="1400" dirty="0">
+                <a:latin typeface="DejaVu Sans Book" panose="020B0603030804020204" pitchFamily="34" charset="0"/>
+                <a:ea typeface="DejaVu Sans Book" panose="020B0603030804020204" pitchFamily="34" charset="0"/>
+                <a:cs typeface="DejaVu Sans Book" panose="020B0603030804020204" pitchFamily="34" charset="0"/>
+              </a:rPr>
+              <a:t>      v &lt;- v / 2</a:t>
+            </a:r>
+          </a:p>
+          <a:p>
+            <a:r>
+              <a:rPr lang="en-GB" sz="1400" dirty="0">
+                <a:latin typeface="DejaVu Sans Book" panose="020B0603030804020204" pitchFamily="34" charset="0"/>
+                <a:ea typeface="DejaVu Sans Book" panose="020B0603030804020204" pitchFamily="34" charset="0"/>
+                <a:cs typeface="DejaVu Sans Book" panose="020B0603030804020204" pitchFamily="34" charset="0"/>
+              </a:rPr>
+              <a:t>    "0b" + str</a:t>
+            </a:r>
+          </a:p>
+          <a:p>
+            <a:r>
+              <a:rPr lang="en-GB" sz="1400" dirty="0">
+                <a:latin typeface="DejaVu Sans Book" panose="020B0603030804020204" pitchFamily="34" charset="0"/>
+                <a:ea typeface="DejaVu Sans Book" panose="020B0603030804020204" pitchFamily="34" charset="0"/>
+                <a:cs typeface="DejaVu Sans Book" panose="020B0603030804020204" pitchFamily="34" charset="0"/>
+              </a:rPr>
+              <a:t>let N = 116</a:t>
+            </a:r>
+          </a:p>
+          <a:p>
+            <a:r>
+              <a:rPr lang="en-GB" sz="1400" dirty="0" err="1">
+                <a:latin typeface="DejaVu Sans Book" panose="020B0603030804020204" pitchFamily="34" charset="0"/>
+                <a:ea typeface="DejaVu Sans Book" panose="020B0603030804020204" pitchFamily="34" charset="0"/>
+                <a:cs typeface="DejaVu Sans Book" panose="020B0603030804020204" pitchFamily="34" charset="0"/>
+              </a:rPr>
+              <a:t>printfn</a:t>
+            </a:r>
+            <a:r>
+              <a:rPr lang="en-GB" sz="1400" dirty="0">
+                <a:latin typeface="DejaVu Sans Book" panose="020B0603030804020204" pitchFamily="34" charset="0"/>
+                <a:ea typeface="DejaVu Sans Book" panose="020B0603030804020204" pitchFamily="34" charset="0"/>
+                <a:cs typeface="DejaVu Sans Book" panose="020B0603030804020204" pitchFamily="34" charset="0"/>
+              </a:rPr>
+              <a:t> "%d_10 = %s_2" N (dec2bin N)</a:t>
+            </a:r>
+          </a:p>
+          <a:p>
+            <a:endParaRPr lang="en-GB" sz="1400" dirty="0">
+              <a:latin typeface="DejaVu Sans Book" panose="020B0603030804020204" pitchFamily="34" charset="0"/>
+              <a:ea typeface="DejaVu Sans Book" panose="020B0603030804020204" pitchFamily="34" charset="0"/>
+              <a:cs typeface="DejaVu Sans Book" panose="020B0603030804020204" pitchFamily="34" charset="0"/>
+            </a:endParaRPr>
+          </a:p>
+        </p:txBody>
+      </p:sp>
+      <p:cxnSp>
+        <p:nvCxnSpPr>
+          <p:cNvPr id="12" name="Straight Connector 11">
+            <a:extLst>
+              <a:ext uri="{FF2B5EF4-FFF2-40B4-BE49-F238E27FC236}">
+                <a16:creationId xmlns:a16="http://schemas.microsoft.com/office/drawing/2014/main" id="{C96C0CCD-EDC5-174F-B791-C3061F200386}"/>
+              </a:ext>
+            </a:extLst>
+          </p:cNvPr>
+          <p:cNvCxnSpPr>
+            <a:cxnSpLocks/>
+          </p:cNvCxnSpPr>
+          <p:nvPr/>
+        </p:nvCxnSpPr>
+        <p:spPr>
+          <a:xfrm>
+            <a:off x="5260947" y="924657"/>
+            <a:ext cx="0" cy="5617547"/>
+          </a:xfrm>
+          <a:prstGeom prst="line">
+            <a:avLst/>
+          </a:prstGeom>
+        </p:spPr>
+        <p:style>
+          <a:lnRef idx="1">
+            <a:schemeClr val="accent1"/>
+          </a:lnRef>
+          <a:fillRef idx="0">
+            <a:schemeClr val="accent1"/>
+          </a:fillRef>
+          <a:effectRef idx="0">
+            <a:schemeClr val="accent1"/>
+          </a:effectRef>
+          <a:fontRef idx="minor">
+            <a:schemeClr val="tx1"/>
+          </a:fontRef>
+        </p:style>
+      </p:cxnSp>
+      <p:sp>
+        <p:nvSpPr>
+          <p:cNvPr id="13" name="TextBox 12">
+            <a:extLst>
+              <a:ext uri="{FF2B5EF4-FFF2-40B4-BE49-F238E27FC236}">
+                <a16:creationId xmlns:a16="http://schemas.microsoft.com/office/drawing/2014/main" id="{4E9B4A53-8FD5-AD45-B615-6279DFC8B0E8}"/>
+              </a:ext>
+            </a:extLst>
+          </p:cNvPr>
+          <p:cNvSpPr txBox="1"/>
+          <p:nvPr/>
+        </p:nvSpPr>
+        <p:spPr>
+          <a:xfrm>
+            <a:off x="5354086" y="977307"/>
+            <a:ext cx="2883228" cy="461665"/>
+          </a:xfrm>
+          <a:prstGeom prst="rect">
+            <a:avLst/>
+          </a:prstGeom>
+          <a:noFill/>
+        </p:spPr>
+        <p:txBody>
+          <a:bodyPr wrap="square" rtlCol="0">
+            <a:spAutoFit/>
+          </a:bodyPr>
+          <a:lstStyle/>
+          <a:p>
+            <a:r>
+              <a:rPr lang="en-GB" sz="2400" dirty="0"/>
+              <a:t>Implementation (.fs)</a:t>
+            </a:r>
+          </a:p>
+        </p:txBody>
+      </p:sp>
+      <p:sp>
+        <p:nvSpPr>
+          <p:cNvPr id="14" name="TextBox 13">
+            <a:extLst>
+              <a:ext uri="{FF2B5EF4-FFF2-40B4-BE49-F238E27FC236}">
+                <a16:creationId xmlns:a16="http://schemas.microsoft.com/office/drawing/2014/main" id="{E0F5BAEA-08D1-6945-A65E-8BD14D87F630}"/>
+              </a:ext>
+            </a:extLst>
+          </p:cNvPr>
+          <p:cNvSpPr txBox="1"/>
+          <p:nvPr/>
+        </p:nvSpPr>
+        <p:spPr>
+          <a:xfrm>
+            <a:off x="5320510" y="5147929"/>
+            <a:ext cx="2883228" cy="461665"/>
+          </a:xfrm>
+          <a:prstGeom prst="rect">
+            <a:avLst/>
+          </a:prstGeom>
+          <a:noFill/>
+        </p:spPr>
+        <p:txBody>
+          <a:bodyPr wrap="square" rtlCol="0">
+            <a:spAutoFit/>
+          </a:bodyPr>
+          <a:lstStyle/>
+          <a:p>
+            <a:r>
+              <a:rPr lang="en-GB" sz="2400" dirty="0"/>
+              <a:t>Application (.</a:t>
+            </a:r>
+            <a:r>
+              <a:rPr lang="en-GB" sz="2400" dirty="0" err="1"/>
+              <a:t>fsx</a:t>
+            </a:r>
+            <a:r>
+              <a:rPr lang="en-GB" sz="2400" dirty="0"/>
+              <a:t>)</a:t>
+            </a:r>
+          </a:p>
+        </p:txBody>
+      </p:sp>
+      <p:cxnSp>
+        <p:nvCxnSpPr>
+          <p:cNvPr id="15" name="Straight Connector 14">
+            <a:extLst>
+              <a:ext uri="{FF2B5EF4-FFF2-40B4-BE49-F238E27FC236}">
+                <a16:creationId xmlns:a16="http://schemas.microsoft.com/office/drawing/2014/main" id="{D6350A42-B226-D343-9628-0B17BB75E4F8}"/>
+              </a:ext>
+            </a:extLst>
+          </p:cNvPr>
+          <p:cNvCxnSpPr>
+            <a:cxnSpLocks/>
+          </p:cNvCxnSpPr>
+          <p:nvPr/>
+        </p:nvCxnSpPr>
+        <p:spPr>
+          <a:xfrm flipV="1">
+            <a:off x="5354086" y="5092673"/>
+            <a:ext cx="3747012" cy="8390"/>
+          </a:xfrm>
+          <a:prstGeom prst="line">
+            <a:avLst/>
+          </a:prstGeom>
+        </p:spPr>
+        <p:style>
+          <a:lnRef idx="1">
+            <a:schemeClr val="accent1"/>
+          </a:lnRef>
+          <a:fillRef idx="0">
+            <a:schemeClr val="accent1"/>
+          </a:fillRef>
+          <a:effectRef idx="0">
+            <a:schemeClr val="accent1"/>
+          </a:effectRef>
+          <a:fontRef idx="minor">
+            <a:schemeClr val="tx1"/>
+          </a:fontRef>
+        </p:style>
+      </p:cxnSp>
+      <p:sp>
+        <p:nvSpPr>
+          <p:cNvPr id="16" name="Rectangle 15">
+            <a:extLst>
+              <a:ext uri="{FF2B5EF4-FFF2-40B4-BE49-F238E27FC236}">
+                <a16:creationId xmlns:a16="http://schemas.microsoft.com/office/drawing/2014/main" id="{FA74D2E7-4433-B14A-AD5E-D973DB770B9B}"/>
+              </a:ext>
+            </a:extLst>
+          </p:cNvPr>
+          <p:cNvSpPr/>
+          <p:nvPr/>
+        </p:nvSpPr>
+        <p:spPr>
+          <a:xfrm>
+            <a:off x="5354086" y="5710395"/>
+            <a:ext cx="4164106" cy="954107"/>
+          </a:xfrm>
+          <a:prstGeom prst="rect">
+            <a:avLst/>
+          </a:prstGeom>
+        </p:spPr>
+        <p:txBody>
+          <a:bodyPr wrap="square">
+            <a:spAutoFit/>
+          </a:bodyPr>
+          <a:lstStyle/>
+          <a:p>
+            <a:r>
+              <a:rPr lang="en-GB" sz="1400" dirty="0">
+                <a:latin typeface="DejaVu Sans Book" panose="020B0603030804020204" pitchFamily="34" charset="0"/>
+                <a:ea typeface="DejaVu Sans Book" panose="020B0603030804020204" pitchFamily="34" charset="0"/>
+                <a:cs typeface="DejaVu Sans Book" panose="020B0603030804020204" pitchFamily="34" charset="0"/>
+              </a:rPr>
+              <a:t>open convert</a:t>
+            </a:r>
+          </a:p>
+          <a:p>
+            <a:endParaRPr lang="en-GB" sz="1400" dirty="0">
+              <a:latin typeface="DejaVu Sans Book" panose="020B0603030804020204" pitchFamily="34" charset="0"/>
+              <a:ea typeface="DejaVu Sans Book" panose="020B0603030804020204" pitchFamily="34" charset="0"/>
+              <a:cs typeface="DejaVu Sans Book" panose="020B0603030804020204" pitchFamily="34" charset="0"/>
+            </a:endParaRPr>
+          </a:p>
+          <a:p>
+            <a:r>
+              <a:rPr lang="en-GB" sz="1400" dirty="0">
+                <a:latin typeface="DejaVu Sans Book" panose="020B0603030804020204" pitchFamily="34" charset="0"/>
+                <a:ea typeface="DejaVu Sans Book" panose="020B0603030804020204" pitchFamily="34" charset="0"/>
+                <a:cs typeface="DejaVu Sans Book" panose="020B0603030804020204" pitchFamily="34" charset="0"/>
+              </a:rPr>
+              <a:t>let N = 116</a:t>
+            </a:r>
+          </a:p>
+          <a:p>
+            <a:r>
+              <a:rPr lang="en-GB" sz="1400" dirty="0" err="1">
+                <a:latin typeface="DejaVu Sans Book" panose="020B0603030804020204" pitchFamily="34" charset="0"/>
+                <a:ea typeface="DejaVu Sans Book" panose="020B0603030804020204" pitchFamily="34" charset="0"/>
+                <a:cs typeface="DejaVu Sans Book" panose="020B0603030804020204" pitchFamily="34" charset="0"/>
+              </a:rPr>
+              <a:t>printfn</a:t>
+            </a:r>
+            <a:r>
+              <a:rPr lang="en-GB" sz="1400" dirty="0">
+                <a:latin typeface="DejaVu Sans Book" panose="020B0603030804020204" pitchFamily="34" charset="0"/>
+                <a:ea typeface="DejaVu Sans Book" panose="020B0603030804020204" pitchFamily="34" charset="0"/>
+                <a:cs typeface="DejaVu Sans Book" panose="020B0603030804020204" pitchFamily="34" charset="0"/>
+              </a:rPr>
+              <a:t> "%d_10 = %s_2" N (dec2bin N)</a:t>
+            </a:r>
+          </a:p>
+        </p:txBody>
+      </p:sp>
+      <p:sp>
+        <p:nvSpPr>
+          <p:cNvPr id="18" name="Rectangle 17">
+            <a:extLst>
+              <a:ext uri="{FF2B5EF4-FFF2-40B4-BE49-F238E27FC236}">
+                <a16:creationId xmlns:a16="http://schemas.microsoft.com/office/drawing/2014/main" id="{B9ACA71C-90E8-014B-906A-EBB6FB191334}"/>
+              </a:ext>
+            </a:extLst>
+          </p:cNvPr>
+          <p:cNvSpPr/>
+          <p:nvPr/>
+        </p:nvSpPr>
+        <p:spPr>
+          <a:xfrm>
+            <a:off x="5354086" y="1456229"/>
+            <a:ext cx="4164106" cy="3539430"/>
+          </a:xfrm>
+          <a:prstGeom prst="rect">
+            <a:avLst/>
+          </a:prstGeom>
+        </p:spPr>
+        <p:txBody>
+          <a:bodyPr wrap="square">
+            <a:spAutoFit/>
+          </a:bodyPr>
+          <a:lstStyle/>
+          <a:p>
+            <a:r>
+              <a:rPr lang="en-GB" sz="1400" dirty="0">
+                <a:latin typeface="DejaVu Sans Book" panose="020B0603030804020204" pitchFamily="34" charset="0"/>
+                <a:ea typeface="DejaVu Sans Book" panose="020B0603030804020204" pitchFamily="34" charset="0"/>
+                <a:cs typeface="DejaVu Sans Book" panose="020B0603030804020204" pitchFamily="34" charset="0"/>
+              </a:rPr>
+              <a:t>module convert</a:t>
+            </a:r>
+          </a:p>
+          <a:p>
+            <a:endParaRPr lang="en-GB" sz="1400" dirty="0">
+              <a:latin typeface="DejaVu Sans Book" panose="020B0603030804020204" pitchFamily="34" charset="0"/>
+              <a:ea typeface="DejaVu Sans Book" panose="020B0603030804020204" pitchFamily="34" charset="0"/>
+              <a:cs typeface="DejaVu Sans Book" panose="020B0603030804020204" pitchFamily="34" charset="0"/>
+            </a:endParaRPr>
+          </a:p>
+          <a:p>
+            <a:r>
+              <a:rPr lang="en-GB" sz="1400" dirty="0">
+                <a:latin typeface="DejaVu Sans Book" panose="020B0603030804020204" pitchFamily="34" charset="0"/>
+                <a:ea typeface="DejaVu Sans Book" panose="020B0603030804020204" pitchFamily="34" charset="0"/>
+                <a:cs typeface="DejaVu Sans Book" panose="020B0603030804020204" pitchFamily="34" charset="0"/>
+              </a:rPr>
+              <a:t>/// Convert a non-negative integer into its</a:t>
+            </a:r>
+          </a:p>
+          <a:p>
+            <a:r>
+              <a:rPr lang="en-GB" sz="1400" dirty="0">
+                <a:latin typeface="DejaVu Sans Book" panose="020B0603030804020204" pitchFamily="34" charset="0"/>
+                <a:ea typeface="DejaVu Sans Book" panose="020B0603030804020204" pitchFamily="34" charset="0"/>
+                <a:cs typeface="DejaVu Sans Book" panose="020B0603030804020204" pitchFamily="34" charset="0"/>
+              </a:rPr>
+              <a:t>/// binary form. E.g., dec2bin 3 =  "0b11"</a:t>
+            </a:r>
+          </a:p>
+          <a:p>
+            <a:r>
+              <a:rPr lang="en-GB" sz="1400" dirty="0">
+                <a:latin typeface="DejaVu Sans Book" panose="020B0603030804020204" pitchFamily="34" charset="0"/>
+                <a:ea typeface="DejaVu Sans Book" panose="020B0603030804020204" pitchFamily="34" charset="0"/>
+                <a:cs typeface="DejaVu Sans Book" panose="020B0603030804020204" pitchFamily="34" charset="0"/>
+              </a:rPr>
+              <a:t>let dec2bin n =</a:t>
+            </a:r>
+          </a:p>
+          <a:p>
+            <a:r>
+              <a:rPr lang="en-GB" sz="1400" dirty="0">
+                <a:latin typeface="DejaVu Sans Book" panose="020B0603030804020204" pitchFamily="34" charset="0"/>
+                <a:ea typeface="DejaVu Sans Book" panose="020B0603030804020204" pitchFamily="34" charset="0"/>
+                <a:cs typeface="DejaVu Sans Book" panose="020B0603030804020204" pitchFamily="34" charset="0"/>
+              </a:rPr>
+              <a:t>  if n &lt; 0 then       </a:t>
+            </a:r>
+          </a:p>
+          <a:p>
+            <a:r>
+              <a:rPr lang="en-GB" sz="1400" dirty="0">
+                <a:latin typeface="DejaVu Sans Book" panose="020B0603030804020204" pitchFamily="34" charset="0"/>
+                <a:ea typeface="DejaVu Sans Book" panose="020B0603030804020204" pitchFamily="34" charset="0"/>
+                <a:cs typeface="DejaVu Sans Book" panose="020B0603030804020204" pitchFamily="34" charset="0"/>
+              </a:rPr>
+              <a:t>    "Illegal value"</a:t>
+            </a:r>
+          </a:p>
+          <a:p>
+            <a:r>
+              <a:rPr lang="en-GB" sz="1400" dirty="0">
+                <a:latin typeface="DejaVu Sans Book" panose="020B0603030804020204" pitchFamily="34" charset="0"/>
+                <a:ea typeface="DejaVu Sans Book" panose="020B0603030804020204" pitchFamily="34" charset="0"/>
+                <a:cs typeface="DejaVu Sans Book" panose="020B0603030804020204" pitchFamily="34" charset="0"/>
+              </a:rPr>
+              <a:t>  </a:t>
+            </a:r>
+            <a:r>
+              <a:rPr lang="en-GB" sz="1400" dirty="0" err="1">
+                <a:latin typeface="DejaVu Sans Book" panose="020B0603030804020204" pitchFamily="34" charset="0"/>
+                <a:ea typeface="DejaVu Sans Book" panose="020B0603030804020204" pitchFamily="34" charset="0"/>
+                <a:cs typeface="DejaVu Sans Book" panose="020B0603030804020204" pitchFamily="34" charset="0"/>
+              </a:rPr>
+              <a:t>elif</a:t>
+            </a:r>
+            <a:r>
+              <a:rPr lang="en-GB" sz="1400" dirty="0">
+                <a:latin typeface="DejaVu Sans Book" panose="020B0603030804020204" pitchFamily="34" charset="0"/>
+                <a:ea typeface="DejaVu Sans Book" panose="020B0603030804020204" pitchFamily="34" charset="0"/>
+                <a:cs typeface="DejaVu Sans Book" panose="020B0603030804020204" pitchFamily="34" charset="0"/>
+              </a:rPr>
+              <a:t> n = 0 then      </a:t>
+            </a:r>
+          </a:p>
+          <a:p>
+            <a:r>
+              <a:rPr lang="en-GB" sz="1400" dirty="0">
+                <a:latin typeface="DejaVu Sans Book" panose="020B0603030804020204" pitchFamily="34" charset="0"/>
+                <a:ea typeface="DejaVu Sans Book" panose="020B0603030804020204" pitchFamily="34" charset="0"/>
+                <a:cs typeface="DejaVu Sans Book" panose="020B0603030804020204" pitchFamily="34" charset="0"/>
+              </a:rPr>
+              <a:t>    "0b0"</a:t>
+            </a:r>
+          </a:p>
+          <a:p>
+            <a:r>
+              <a:rPr lang="en-GB" sz="1400" dirty="0">
+                <a:latin typeface="DejaVu Sans Book" panose="020B0603030804020204" pitchFamily="34" charset="0"/>
+                <a:ea typeface="DejaVu Sans Book" panose="020B0603030804020204" pitchFamily="34" charset="0"/>
+                <a:cs typeface="DejaVu Sans Book" panose="020B0603030804020204" pitchFamily="34" charset="0"/>
+              </a:rPr>
+              <a:t>  else</a:t>
+            </a:r>
+          </a:p>
+          <a:p>
+            <a:r>
+              <a:rPr lang="en-GB" sz="1400" dirty="0">
+                <a:latin typeface="DejaVu Sans Book" panose="020B0603030804020204" pitchFamily="34" charset="0"/>
+                <a:ea typeface="DejaVu Sans Book" panose="020B0603030804020204" pitchFamily="34" charset="0"/>
+                <a:cs typeface="DejaVu Sans Book" panose="020B0603030804020204" pitchFamily="34" charset="0"/>
+              </a:rPr>
+              <a:t>    let mutable v = n</a:t>
+            </a:r>
+          </a:p>
+          <a:p>
+            <a:r>
+              <a:rPr lang="en-GB" sz="1400" dirty="0">
+                <a:latin typeface="DejaVu Sans Book" panose="020B0603030804020204" pitchFamily="34" charset="0"/>
+                <a:ea typeface="DejaVu Sans Book" panose="020B0603030804020204" pitchFamily="34" charset="0"/>
+                <a:cs typeface="DejaVu Sans Book" panose="020B0603030804020204" pitchFamily="34" charset="0"/>
+              </a:rPr>
+              <a:t>    let mutable str = ""</a:t>
+            </a:r>
+          </a:p>
+          <a:p>
+            <a:r>
+              <a:rPr lang="en-GB" sz="1400" dirty="0">
+                <a:latin typeface="DejaVu Sans Book" panose="020B0603030804020204" pitchFamily="34" charset="0"/>
+                <a:ea typeface="DejaVu Sans Book" panose="020B0603030804020204" pitchFamily="34" charset="0"/>
+                <a:cs typeface="DejaVu Sans Book" panose="020B0603030804020204" pitchFamily="34" charset="0"/>
+              </a:rPr>
+              <a:t>    while v &gt; 0 do     </a:t>
+            </a:r>
+          </a:p>
+          <a:p>
+            <a:r>
+              <a:rPr lang="en-GB" sz="1400" dirty="0">
+                <a:latin typeface="DejaVu Sans Book" panose="020B0603030804020204" pitchFamily="34" charset="0"/>
+                <a:ea typeface="DejaVu Sans Book" panose="020B0603030804020204" pitchFamily="34" charset="0"/>
+                <a:cs typeface="DejaVu Sans Book" panose="020B0603030804020204" pitchFamily="34" charset="0"/>
+              </a:rPr>
+              <a:t>      str &lt;- (string (v % 2)) + str</a:t>
+            </a:r>
+          </a:p>
+          <a:p>
+            <a:r>
+              <a:rPr lang="en-GB" sz="1400" dirty="0">
+                <a:latin typeface="DejaVu Sans Book" panose="020B0603030804020204" pitchFamily="34" charset="0"/>
+                <a:ea typeface="DejaVu Sans Book" panose="020B0603030804020204" pitchFamily="34" charset="0"/>
+                <a:cs typeface="DejaVu Sans Book" panose="020B0603030804020204" pitchFamily="34" charset="0"/>
+              </a:rPr>
+              <a:t>      v &lt;- v / 2</a:t>
+            </a:r>
+          </a:p>
+          <a:p>
+            <a:r>
+              <a:rPr lang="en-GB" sz="1400" dirty="0">
+                <a:latin typeface="DejaVu Sans Book" panose="020B0603030804020204" pitchFamily="34" charset="0"/>
+                <a:ea typeface="DejaVu Sans Book" panose="020B0603030804020204" pitchFamily="34" charset="0"/>
+                <a:cs typeface="DejaVu Sans Book" panose="020B0603030804020204" pitchFamily="34" charset="0"/>
+              </a:rPr>
+              <a:t>    "0b" + str</a:t>
+            </a:r>
+          </a:p>
+        </p:txBody>
+      </p:sp>
+      <p:sp>
+        <p:nvSpPr>
+          <p:cNvPr id="19" name="TextBox 18">
+            <a:extLst>
+              <a:ext uri="{FF2B5EF4-FFF2-40B4-BE49-F238E27FC236}">
+                <a16:creationId xmlns:a16="http://schemas.microsoft.com/office/drawing/2014/main" id="{F65129D6-D086-4E4A-8B24-43EE2A8C34BB}"/>
+              </a:ext>
+            </a:extLst>
+          </p:cNvPr>
+          <p:cNvSpPr txBox="1"/>
+          <p:nvPr/>
+        </p:nvSpPr>
+        <p:spPr>
+          <a:xfrm>
+            <a:off x="838200" y="974388"/>
+            <a:ext cx="2883228" cy="461665"/>
+          </a:xfrm>
+          <a:prstGeom prst="rect">
+            <a:avLst/>
+          </a:prstGeom>
+          <a:noFill/>
+        </p:spPr>
+        <p:txBody>
+          <a:bodyPr wrap="square" rtlCol="0">
+            <a:spAutoFit/>
+          </a:bodyPr>
+          <a:lstStyle/>
+          <a:p>
+            <a:r>
+              <a:rPr lang="en-GB" sz="2400" dirty="0"/>
+              <a:t>Program (.</a:t>
+            </a:r>
+            <a:r>
+              <a:rPr lang="en-GB" sz="2400" dirty="0" err="1"/>
+              <a:t>fsx</a:t>
+            </a:r>
+            <a:r>
+              <a:rPr lang="en-GB" sz="2400" dirty="0"/>
+              <a:t>)</a:t>
+            </a:r>
+          </a:p>
+        </p:txBody>
+      </p:sp>
+    </p:spTree>
+    <p:extLst>
+      <p:ext uri="{BB962C8B-B14F-4D97-AF65-F5344CB8AC3E}">
+        <p14:creationId xmlns:p14="http://schemas.microsoft.com/office/powerpoint/2010/main" val="4256183975"/>
+      </p:ext>
+    </p:extLst>
+  </p:cSld>
+  <p:clrMapOvr>
+    <a:masterClrMapping/>
+  </p:clrMapOvr>
+  <p:timing>
+    <p:tnLst>
+      <p:par>
+        <p:cTn id="1" dur="indefinite" restart="never" nodeType="tmRoot">
+          <p:childTnLst>
+            <p:seq concurrent="1" nextAc="seek">
+              <p:cTn id="2" dur="indefinite" nodeType="mainSeq">
+                <p:childTnLst>
+                  <p:par>
+                    <p:cTn id="3" fill="hold">
+                      <p:stCondLst>
+                        <p:cond delay="indefinite"/>
+                      </p:stCondLst>
+                      <p:childTnLst>
+                        <p:par>
+                          <p:cTn id="4" fill="hold">
+                            <p:stCondLst>
+                              <p:cond delay="0"/>
+                            </p:stCondLst>
+                            <p:childTnLst>
+                              <p:par>
+                                <p:cTn id="5" presetID="1" presetClass="entr" presetSubtype="0" fill="hold" nodeType="clickEffect">
+                                  <p:stCondLst>
+                                    <p:cond delay="0"/>
+                                  </p:stCondLst>
+                                  <p:childTnLst>
+                                    <p:set>
+                                      <p:cBhvr>
+                                        <p:cTn id="6" dur="1" fill="hold">
+                                          <p:stCondLst>
+                                            <p:cond delay="0"/>
+                                          </p:stCondLst>
+                                        </p:cTn>
+                                        <p:tgtEl>
+                                          <p:spTgt spid="12"/>
+                                        </p:tgtEl>
+                                        <p:attrNameLst>
+                                          <p:attrName>style.visibility</p:attrName>
+                                        </p:attrNameLst>
+                                      </p:cBhvr>
+                                      <p:to>
+                                        <p:strVal val="visible"/>
+                                      </p:to>
+                                    </p:set>
+                                  </p:childTnLst>
+                                </p:cTn>
+                              </p:par>
+                              <p:par>
+                                <p:cTn id="7" presetID="1" presetClass="entr" presetSubtype="0" fill="hold" grpId="0" nodeType="withEffect">
+                                  <p:stCondLst>
+                                    <p:cond delay="0"/>
+                                  </p:stCondLst>
+                                  <p:childTnLst>
+                                    <p:set>
+                                      <p:cBhvr>
+                                        <p:cTn id="8" dur="1" fill="hold">
+                                          <p:stCondLst>
+                                            <p:cond delay="0"/>
+                                          </p:stCondLst>
+                                        </p:cTn>
+                                        <p:tgtEl>
+                                          <p:spTgt spid="13"/>
+                                        </p:tgtEl>
+                                        <p:attrNameLst>
+                                          <p:attrName>style.visibility</p:attrName>
+                                        </p:attrNameLst>
+                                      </p:cBhvr>
+                                      <p:to>
+                                        <p:strVal val="visible"/>
+                                      </p:to>
+                                    </p:set>
+                                  </p:childTnLst>
+                                </p:cTn>
+                              </p:par>
+                              <p:par>
+                                <p:cTn id="9" presetID="1" presetClass="entr" presetSubtype="0" fill="hold" grpId="0" nodeType="withEffect">
+                                  <p:stCondLst>
+                                    <p:cond delay="0"/>
+                                  </p:stCondLst>
+                                  <p:childTnLst>
+                                    <p:set>
+                                      <p:cBhvr>
+                                        <p:cTn id="10" dur="1" fill="hold">
+                                          <p:stCondLst>
+                                            <p:cond delay="0"/>
+                                          </p:stCondLst>
+                                        </p:cTn>
+                                        <p:tgtEl>
+                                          <p:spTgt spid="14"/>
+                                        </p:tgtEl>
+                                        <p:attrNameLst>
+                                          <p:attrName>style.visibility</p:attrName>
+                                        </p:attrNameLst>
+                                      </p:cBhvr>
+                                      <p:to>
+                                        <p:strVal val="visible"/>
+                                      </p:to>
+                                    </p:set>
+                                  </p:childTnLst>
+                                </p:cTn>
+                              </p:par>
+                              <p:par>
+                                <p:cTn id="11" presetID="1" presetClass="entr" presetSubtype="0" fill="hold" nodeType="withEffect">
+                                  <p:stCondLst>
+                                    <p:cond delay="0"/>
+                                  </p:stCondLst>
+                                  <p:childTnLst>
+                                    <p:set>
+                                      <p:cBhvr>
+                                        <p:cTn id="12" dur="1" fill="hold">
+                                          <p:stCondLst>
+                                            <p:cond delay="0"/>
+                                          </p:stCondLst>
+                                        </p:cTn>
+                                        <p:tgtEl>
+                                          <p:spTgt spid="15"/>
+                                        </p:tgtEl>
+                                        <p:attrNameLst>
+                                          <p:attrName>style.visibility</p:attrName>
+                                        </p:attrNameLst>
+                                      </p:cBhvr>
+                                      <p:to>
+                                        <p:strVal val="visible"/>
+                                      </p:to>
+                                    </p:set>
+                                  </p:childTnLst>
+                                </p:cTn>
+                              </p:par>
+                              <p:par>
+                                <p:cTn id="13" presetID="1" presetClass="entr" presetSubtype="0" fill="hold" grpId="0" nodeType="withEffect">
+                                  <p:stCondLst>
+                                    <p:cond delay="0"/>
+                                  </p:stCondLst>
+                                  <p:childTnLst>
+                                    <p:set>
+                                      <p:cBhvr>
+                                        <p:cTn id="14" dur="1" fill="hold">
+                                          <p:stCondLst>
+                                            <p:cond delay="0"/>
+                                          </p:stCondLst>
+                                        </p:cTn>
+                                        <p:tgtEl>
+                                          <p:spTgt spid="16"/>
+                                        </p:tgtEl>
+                                        <p:attrNameLst>
+                                          <p:attrName>style.visibility</p:attrName>
+                                        </p:attrNameLst>
+                                      </p:cBhvr>
+                                      <p:to>
+                                        <p:strVal val="visible"/>
+                                      </p:to>
+                                    </p:set>
+                                  </p:childTnLst>
+                                </p:cTn>
+                              </p:par>
+                              <p:par>
+                                <p:cTn id="15" presetID="1" presetClass="entr" presetSubtype="0" fill="hold" grpId="0" nodeType="withEffect">
+                                  <p:stCondLst>
+                                    <p:cond delay="0"/>
+                                  </p:stCondLst>
+                                  <p:childTnLst>
+                                    <p:set>
+                                      <p:cBhvr>
+                                        <p:cTn id="16" dur="1" fill="hold">
+                                          <p:stCondLst>
+                                            <p:cond delay="0"/>
+                                          </p:stCondLst>
+                                        </p:cTn>
+                                        <p:tgtEl>
+                                          <p:spTgt spid="18"/>
+                                        </p:tgtEl>
+                                        <p:attrNameLst>
+                                          <p:attrName>style.visibility</p:attrName>
+                                        </p:attrNameLst>
+                                      </p:cBhvr>
+                                      <p:to>
+                                        <p:strVal val="visible"/>
+                                      </p:to>
+                                    </p:set>
+                                  </p:childTnLst>
+                                </p:cTn>
+                              </p:par>
+                            </p:childTnLst>
+                          </p:cTn>
+                        </p:par>
+                      </p:childTnLst>
+                    </p:cTn>
+                  </p:par>
+                </p:childTnLst>
+              </p:cTn>
+              <p:prevCondLst>
+                <p:cond evt="onPrev" delay="0">
+                  <p:tgtEl>
+                    <p:sldTgt/>
+                  </p:tgtEl>
+                </p:cond>
+              </p:prevCondLst>
+              <p:nextCondLst>
+                <p:cond evt="onNext" delay="0">
+                  <p:tgtEl>
+                    <p:sldTgt/>
+                  </p:tgtEl>
+                </p:cond>
+              </p:nextCondLst>
+            </p:seq>
+          </p:childTnLst>
+        </p:cTn>
+      </p:par>
+    </p:tnLst>
+    <p:bldLst>
+      <p:bldP spid="13" grpId="0"/>
+      <p:bldP spid="14" grpId="0"/>
+      <p:bldP spid="16" grpId="0"/>
+      <p:bldP spid="18" grpId="0"/>
+    </p:bldLst>
+  </p:timing>
+</p:sld>
+</file>
+
+<file path=ppt/slides/slide11.xml><?xml version="1.0" encoding="utf-8"?>
 <p:sld xmlns:a="http://schemas.openxmlformats.org/drawingml/2006/main" xmlns:r="http://schemas.openxmlformats.org/officeDocument/2006/relationships" xmlns:p="http://schemas.openxmlformats.org/presentationml/2006/main">
   <p:cSld>
     <p:spTree>
@@ -5001,7 +5984,7 @@
 </p:sld>
 </file>
 
-<file path=ppt/slides/slide11.xml><?xml version="1.0" encoding="utf-8"?>
+<file path=ppt/slides/slide12.xml><?xml version="1.0" encoding="utf-8"?>
 <p:sld xmlns:a="http://schemas.openxmlformats.org/drawingml/2006/main" xmlns:r="http://schemas.openxmlformats.org/officeDocument/2006/relationships" xmlns:p="http://schemas.openxmlformats.org/presentationml/2006/main">
   <p:cSld>
     <p:spTree>
@@ -6481,7 +7464,7 @@
 </p:sld>
 </file>
 
-<file path=ppt/slides/slide12.xml><?xml version="1.0" encoding="utf-8"?>
+<file path=ppt/slides/slide13.xml><?xml version="1.0" encoding="utf-8"?>
 <p:sld xmlns:a="http://schemas.openxmlformats.org/drawingml/2006/main" xmlns:r="http://schemas.openxmlformats.org/officeDocument/2006/relationships" xmlns:p="http://schemas.openxmlformats.org/presentationml/2006/main">
   <p:cSld>
     <p:spTree>
@@ -8218,7 +9201,7 @@
 </p:sld>
 </file>
 
-<file path=ppt/slides/slide13.xml><?xml version="1.0" encoding="utf-8"?>
+<file path=ppt/slides/slide14.xml><?xml version="1.0" encoding="utf-8"?>
 <p:sld xmlns:a="http://schemas.openxmlformats.org/drawingml/2006/main" xmlns:r="http://schemas.openxmlformats.org/officeDocument/2006/relationships" xmlns:p="http://schemas.openxmlformats.org/presentationml/2006/main">
   <p:cSld>
     <p:spTree>
@@ -9932,7 +10915,7 @@
 </p:sld>
 </file>
 
-<file path=ppt/slides/slide14.xml><?xml version="1.0" encoding="utf-8"?>
+<file path=ppt/slides/slide15.xml><?xml version="1.0" encoding="utf-8"?>
 <p:sld xmlns:a="http://schemas.openxmlformats.org/drawingml/2006/main" xmlns:r="http://schemas.openxmlformats.org/officeDocument/2006/relationships" xmlns:p="http://schemas.openxmlformats.org/presentationml/2006/main">
   <p:cSld>
     <p:spTree>
@@ -9994,6 +10977,1090 @@
 </file>
 
 <file path=ppt/slides/slide2.xml><?xml version="1.0" encoding="utf-8"?>
+<p:sld xmlns:a="http://schemas.openxmlformats.org/drawingml/2006/main" xmlns:r="http://schemas.openxmlformats.org/officeDocument/2006/relationships" xmlns:p="http://schemas.openxmlformats.org/presentationml/2006/main">
+  <p:cSld>
+    <p:spTree>
+      <p:nvGrpSpPr>
+        <p:cNvPr id="1" name=""/>
+        <p:cNvGrpSpPr/>
+        <p:nvPr/>
+      </p:nvGrpSpPr>
+      <p:grpSpPr>
+        <a:xfrm>
+          <a:off x="0" y="0"/>
+          <a:ext cx="0" cy="0"/>
+          <a:chOff x="0" y="0"/>
+          <a:chExt cx="0" cy="0"/>
+        </a:xfrm>
+      </p:grpSpPr>
+      <p:sp>
+        <p:nvSpPr>
+          <p:cNvPr id="2" name="Title 1">
+            <a:extLst>
+              <a:ext uri="{FF2B5EF4-FFF2-40B4-BE49-F238E27FC236}">
+                <a16:creationId xmlns:a16="http://schemas.microsoft.com/office/drawing/2014/main" id="{F35FD2AD-D903-0B42-95BA-C317247632AE}"/>
+              </a:ext>
+            </a:extLst>
+          </p:cNvPr>
+          <p:cNvSpPr>
+            <a:spLocks noGrp="1"/>
+          </p:cNvSpPr>
+          <p:nvPr>
+            <p:ph type="title"/>
+          </p:nvPr>
+        </p:nvSpPr>
+        <p:spPr>
+          <a:xfrm>
+            <a:off x="450743" y="-161807"/>
+            <a:ext cx="10515600" cy="1325563"/>
+          </a:xfrm>
+        </p:spPr>
+        <p:txBody>
+          <a:bodyPr/>
+          <a:lstStyle/>
+          <a:p>
+            <a:r>
+              <a:rPr lang="en-GB" dirty="0"/>
+              <a:t>Fibonacci</a:t>
+            </a:r>
+          </a:p>
+        </p:txBody>
+      </p:sp>
+      <p:sp>
+        <p:nvSpPr>
+          <p:cNvPr id="4" name="Content Placeholder 2">
+            <a:extLst>
+              <a:ext uri="{FF2B5EF4-FFF2-40B4-BE49-F238E27FC236}">
+                <a16:creationId xmlns:a16="http://schemas.microsoft.com/office/drawing/2014/main" id="{57486AE1-C11A-F041-B70F-3D7964CB9D40}"/>
+              </a:ext>
+            </a:extLst>
+          </p:cNvPr>
+          <p:cNvSpPr txBox="1">
+            <a:spLocks/>
+          </p:cNvSpPr>
+          <p:nvPr/>
+        </p:nvSpPr>
+        <p:spPr>
+          <a:xfrm>
+            <a:off x="856443" y="1367612"/>
+            <a:ext cx="2340548" cy="3152942"/>
+          </a:xfrm>
+          <a:prstGeom prst="rect">
+            <a:avLst/>
+          </a:prstGeom>
+        </p:spPr>
+        <p:txBody>
+          <a:bodyPr vert="horz" lIns="91440" tIns="45720" rIns="91440" bIns="45720" rtlCol="0">
+            <a:noAutofit/>
+          </a:bodyPr>
+          <a:lstStyle>
+            <a:lvl1pPr marL="228600" indent="-228600" algn="l" defTabSz="914400" rtl="0" eaLnBrk="1" latinLnBrk="0" hangingPunct="1">
+              <a:lnSpc>
+                <a:spcPct val="90000"/>
+              </a:lnSpc>
+              <a:spcBef>
+                <a:spcPts val="1000"/>
+              </a:spcBef>
+              <a:buFont typeface="Arial" panose="020B0604020202020204" pitchFamily="34" charset="0"/>
+              <a:buChar char="•"/>
+              <a:defRPr sz="2800" kern="1200">
+                <a:solidFill>
+                  <a:schemeClr val="tx1"/>
+                </a:solidFill>
+                <a:latin typeface="+mn-lt"/>
+                <a:ea typeface="+mn-ea"/>
+                <a:cs typeface="+mn-cs"/>
+              </a:defRPr>
+            </a:lvl1pPr>
+            <a:lvl2pPr marL="685800" indent="-228600" algn="l" defTabSz="914400" rtl="0" eaLnBrk="1" latinLnBrk="0" hangingPunct="1">
+              <a:lnSpc>
+                <a:spcPct val="90000"/>
+              </a:lnSpc>
+              <a:spcBef>
+                <a:spcPts val="500"/>
+              </a:spcBef>
+              <a:buFont typeface="Arial" panose="020B0604020202020204" pitchFamily="34" charset="0"/>
+              <a:buChar char="•"/>
+              <a:defRPr sz="2400" kern="1200">
+                <a:solidFill>
+                  <a:schemeClr val="tx1"/>
+                </a:solidFill>
+                <a:latin typeface="+mn-lt"/>
+                <a:ea typeface="+mn-ea"/>
+                <a:cs typeface="+mn-cs"/>
+              </a:defRPr>
+            </a:lvl2pPr>
+            <a:lvl3pPr marL="1143000" indent="-228600" algn="l" defTabSz="914400" rtl="0" eaLnBrk="1" latinLnBrk="0" hangingPunct="1">
+              <a:lnSpc>
+                <a:spcPct val="90000"/>
+              </a:lnSpc>
+              <a:spcBef>
+                <a:spcPts val="500"/>
+              </a:spcBef>
+              <a:buFont typeface="Arial" panose="020B0604020202020204" pitchFamily="34" charset="0"/>
+              <a:buChar char="•"/>
+              <a:defRPr sz="2000" kern="1200">
+                <a:solidFill>
+                  <a:schemeClr val="tx1"/>
+                </a:solidFill>
+                <a:latin typeface="+mn-lt"/>
+                <a:ea typeface="+mn-ea"/>
+                <a:cs typeface="+mn-cs"/>
+              </a:defRPr>
+            </a:lvl3pPr>
+            <a:lvl4pPr marL="1600200" indent="-228600" algn="l" defTabSz="914400" rtl="0" eaLnBrk="1" latinLnBrk="0" hangingPunct="1">
+              <a:lnSpc>
+                <a:spcPct val="90000"/>
+              </a:lnSpc>
+              <a:spcBef>
+                <a:spcPts val="500"/>
+              </a:spcBef>
+              <a:buFont typeface="Arial" panose="020B0604020202020204" pitchFamily="34" charset="0"/>
+              <a:buChar char="•"/>
+              <a:defRPr sz="1800" kern="1200">
+                <a:solidFill>
+                  <a:schemeClr val="tx1"/>
+                </a:solidFill>
+                <a:latin typeface="+mn-lt"/>
+                <a:ea typeface="+mn-ea"/>
+                <a:cs typeface="+mn-cs"/>
+              </a:defRPr>
+            </a:lvl4pPr>
+            <a:lvl5pPr marL="2057400" indent="-228600" algn="l" defTabSz="914400" rtl="0" eaLnBrk="1" latinLnBrk="0" hangingPunct="1">
+              <a:lnSpc>
+                <a:spcPct val="90000"/>
+              </a:lnSpc>
+              <a:spcBef>
+                <a:spcPts val="500"/>
+              </a:spcBef>
+              <a:buFont typeface="Arial" panose="020B0604020202020204" pitchFamily="34" charset="0"/>
+              <a:buChar char="•"/>
+              <a:defRPr sz="1800" kern="1200">
+                <a:solidFill>
+                  <a:schemeClr val="tx1"/>
+                </a:solidFill>
+                <a:latin typeface="+mn-lt"/>
+                <a:ea typeface="+mn-ea"/>
+                <a:cs typeface="+mn-cs"/>
+              </a:defRPr>
+            </a:lvl5pPr>
+            <a:lvl6pPr marL="2514600" indent="-228600" algn="l" defTabSz="914400" rtl="0" eaLnBrk="1" latinLnBrk="0" hangingPunct="1">
+              <a:lnSpc>
+                <a:spcPct val="90000"/>
+              </a:lnSpc>
+              <a:spcBef>
+                <a:spcPts val="500"/>
+              </a:spcBef>
+              <a:buFont typeface="Arial" panose="020B0604020202020204" pitchFamily="34" charset="0"/>
+              <a:buChar char="•"/>
+              <a:defRPr sz="1800" kern="1200">
+                <a:solidFill>
+                  <a:schemeClr val="tx1"/>
+                </a:solidFill>
+                <a:latin typeface="+mn-lt"/>
+                <a:ea typeface="+mn-ea"/>
+                <a:cs typeface="+mn-cs"/>
+              </a:defRPr>
+            </a:lvl6pPr>
+            <a:lvl7pPr marL="2971800" indent="-228600" algn="l" defTabSz="914400" rtl="0" eaLnBrk="1" latinLnBrk="0" hangingPunct="1">
+              <a:lnSpc>
+                <a:spcPct val="90000"/>
+              </a:lnSpc>
+              <a:spcBef>
+                <a:spcPts val="500"/>
+              </a:spcBef>
+              <a:buFont typeface="Arial" panose="020B0604020202020204" pitchFamily="34" charset="0"/>
+              <a:buChar char="•"/>
+              <a:defRPr sz="1800" kern="1200">
+                <a:solidFill>
+                  <a:schemeClr val="tx1"/>
+                </a:solidFill>
+                <a:latin typeface="+mn-lt"/>
+                <a:ea typeface="+mn-ea"/>
+                <a:cs typeface="+mn-cs"/>
+              </a:defRPr>
+            </a:lvl7pPr>
+            <a:lvl8pPr marL="3429000" indent="-228600" algn="l" defTabSz="914400" rtl="0" eaLnBrk="1" latinLnBrk="0" hangingPunct="1">
+              <a:lnSpc>
+                <a:spcPct val="90000"/>
+              </a:lnSpc>
+              <a:spcBef>
+                <a:spcPts val="500"/>
+              </a:spcBef>
+              <a:buFont typeface="Arial" panose="020B0604020202020204" pitchFamily="34" charset="0"/>
+              <a:buChar char="•"/>
+              <a:defRPr sz="1800" kern="1200">
+                <a:solidFill>
+                  <a:schemeClr val="tx1"/>
+                </a:solidFill>
+                <a:latin typeface="+mn-lt"/>
+                <a:ea typeface="+mn-ea"/>
+                <a:cs typeface="+mn-cs"/>
+              </a:defRPr>
+            </a:lvl8pPr>
+            <a:lvl9pPr marL="3886200" indent="-228600" algn="l" defTabSz="914400" rtl="0" eaLnBrk="1" latinLnBrk="0" hangingPunct="1">
+              <a:lnSpc>
+                <a:spcPct val="90000"/>
+              </a:lnSpc>
+              <a:spcBef>
+                <a:spcPts val="500"/>
+              </a:spcBef>
+              <a:buFont typeface="Arial" panose="020B0604020202020204" pitchFamily="34" charset="0"/>
+              <a:buChar char="•"/>
+              <a:defRPr sz="1800" kern="1200">
+                <a:solidFill>
+                  <a:schemeClr val="tx1"/>
+                </a:solidFill>
+                <a:latin typeface="+mn-lt"/>
+                <a:ea typeface="+mn-ea"/>
+                <a:cs typeface="+mn-cs"/>
+              </a:defRPr>
+            </a:lvl9pPr>
+          </a:lstStyle>
+          <a:p>
+            <a:pPr marL="0" indent="0">
+              <a:lnSpc>
+                <a:spcPct val="100000"/>
+              </a:lnSpc>
+              <a:buNone/>
+            </a:pPr>
+            <a:r>
+              <a:rPr lang="en-GB" sz="1600" dirty="0">
+                <a:latin typeface="DejaVu Sans Book" panose="020B0603030804020204" pitchFamily="34" charset="0"/>
+                <a:ea typeface="DejaVu Sans Book" panose="020B0603030804020204" pitchFamily="34" charset="0"/>
+                <a:cs typeface="DejaVu Sans Book" panose="020B0603030804020204" pitchFamily="34" charset="0"/>
+              </a:rPr>
+              <a:t>let mutable m = 1</a:t>
+            </a:r>
+          </a:p>
+          <a:p>
+            <a:pPr marL="0" indent="0">
+              <a:lnSpc>
+                <a:spcPct val="100000"/>
+              </a:lnSpc>
+              <a:buNone/>
+            </a:pPr>
+            <a:r>
+              <a:rPr lang="en-GB" sz="1600" dirty="0">
+                <a:latin typeface="DejaVu Sans Book" panose="020B0603030804020204" pitchFamily="34" charset="0"/>
+                <a:ea typeface="DejaVu Sans Book" panose="020B0603030804020204" pitchFamily="34" charset="0"/>
+                <a:cs typeface="DejaVu Sans Book" panose="020B0603030804020204" pitchFamily="34" charset="0"/>
+              </a:rPr>
+              <a:t>let mutable n = 1</a:t>
+            </a:r>
+          </a:p>
+          <a:p>
+            <a:pPr marL="0" indent="0">
+              <a:lnSpc>
+                <a:spcPct val="100000"/>
+              </a:lnSpc>
+              <a:buNone/>
+            </a:pPr>
+            <a:r>
+              <a:rPr lang="en-GB" sz="1600" dirty="0">
+                <a:latin typeface="DejaVu Sans Book" panose="020B0603030804020204" pitchFamily="34" charset="0"/>
+                <a:ea typeface="DejaVu Sans Book" panose="020B0603030804020204" pitchFamily="34" charset="0"/>
+                <a:cs typeface="DejaVu Sans Book" panose="020B0603030804020204" pitchFamily="34" charset="0"/>
+              </a:rPr>
+              <a:t>let N = 5</a:t>
+            </a:r>
+          </a:p>
+          <a:p>
+            <a:pPr marL="0" indent="0">
+              <a:lnSpc>
+                <a:spcPct val="100000"/>
+              </a:lnSpc>
+              <a:buNone/>
+            </a:pPr>
+            <a:r>
+              <a:rPr lang="en-GB" sz="1600" dirty="0">
+                <a:latin typeface="DejaVu Sans Book" panose="020B0603030804020204" pitchFamily="34" charset="0"/>
+                <a:ea typeface="DejaVu Sans Book" panose="020B0603030804020204" pitchFamily="34" charset="0"/>
+                <a:cs typeface="DejaVu Sans Book" panose="020B0603030804020204" pitchFamily="34" charset="0"/>
+              </a:rPr>
+              <a:t>for </a:t>
+            </a:r>
+            <a:r>
+              <a:rPr lang="en-GB" sz="1600" dirty="0" err="1">
+                <a:latin typeface="DejaVu Sans Book" panose="020B0603030804020204" pitchFamily="34" charset="0"/>
+                <a:ea typeface="DejaVu Sans Book" panose="020B0603030804020204" pitchFamily="34" charset="0"/>
+                <a:cs typeface="DejaVu Sans Book" panose="020B0603030804020204" pitchFamily="34" charset="0"/>
+              </a:rPr>
+              <a:t>i</a:t>
+            </a:r>
+            <a:r>
+              <a:rPr lang="en-GB" sz="1600" dirty="0">
+                <a:latin typeface="DejaVu Sans Book" panose="020B0603030804020204" pitchFamily="34" charset="0"/>
+                <a:ea typeface="DejaVu Sans Book" panose="020B0603030804020204" pitchFamily="34" charset="0"/>
+                <a:cs typeface="DejaVu Sans Book" panose="020B0603030804020204" pitchFamily="34" charset="0"/>
+              </a:rPr>
+              <a:t> = 3 to N do</a:t>
+            </a:r>
+          </a:p>
+          <a:p>
+            <a:pPr marL="0" indent="0">
+              <a:lnSpc>
+                <a:spcPct val="100000"/>
+              </a:lnSpc>
+              <a:buNone/>
+            </a:pPr>
+            <a:r>
+              <a:rPr lang="en-GB" sz="1600" dirty="0">
+                <a:latin typeface="DejaVu Sans Book" panose="020B0603030804020204" pitchFamily="34" charset="0"/>
+                <a:ea typeface="DejaVu Sans Book" panose="020B0603030804020204" pitchFamily="34" charset="0"/>
+                <a:cs typeface="DejaVu Sans Book" panose="020B0603030804020204" pitchFamily="34" charset="0"/>
+              </a:rPr>
+              <a:t>  let p = m + n</a:t>
+            </a:r>
+          </a:p>
+          <a:p>
+            <a:pPr marL="0" indent="0">
+              <a:lnSpc>
+                <a:spcPct val="100000"/>
+              </a:lnSpc>
+              <a:buNone/>
+            </a:pPr>
+            <a:r>
+              <a:rPr lang="en-GB" sz="1600" dirty="0">
+                <a:latin typeface="DejaVu Sans Book" panose="020B0603030804020204" pitchFamily="34" charset="0"/>
+                <a:ea typeface="DejaVu Sans Book" panose="020B0603030804020204" pitchFamily="34" charset="0"/>
+                <a:cs typeface="DejaVu Sans Book" panose="020B0603030804020204" pitchFamily="34" charset="0"/>
+              </a:rPr>
+              <a:t>  m &lt;- n</a:t>
+            </a:r>
+          </a:p>
+          <a:p>
+            <a:pPr marL="0" indent="0">
+              <a:lnSpc>
+                <a:spcPct val="100000"/>
+              </a:lnSpc>
+              <a:buNone/>
+            </a:pPr>
+            <a:r>
+              <a:rPr lang="en-GB" sz="1600" dirty="0">
+                <a:latin typeface="DejaVu Sans Book" panose="020B0603030804020204" pitchFamily="34" charset="0"/>
+                <a:ea typeface="DejaVu Sans Book" panose="020B0603030804020204" pitchFamily="34" charset="0"/>
+                <a:cs typeface="DejaVu Sans Book" panose="020B0603030804020204" pitchFamily="34" charset="0"/>
+              </a:rPr>
+              <a:t>  n &lt;- p</a:t>
+            </a:r>
+          </a:p>
+          <a:p>
+            <a:pPr marL="0" indent="0">
+              <a:lnSpc>
+                <a:spcPct val="100000"/>
+              </a:lnSpc>
+              <a:buNone/>
+            </a:pPr>
+            <a:r>
+              <a:rPr lang="en-GB" sz="1600" dirty="0" err="1">
+                <a:latin typeface="DejaVu Sans Book" panose="020B0603030804020204" pitchFamily="34" charset="0"/>
+                <a:ea typeface="DejaVu Sans Book" panose="020B0603030804020204" pitchFamily="34" charset="0"/>
+                <a:cs typeface="DejaVu Sans Book" panose="020B0603030804020204" pitchFamily="34" charset="0"/>
+              </a:rPr>
+              <a:t>printfn</a:t>
+            </a:r>
+            <a:r>
+              <a:rPr lang="en-GB" sz="1600" dirty="0">
+                <a:latin typeface="DejaVu Sans Book" panose="020B0603030804020204" pitchFamily="34" charset="0"/>
+                <a:ea typeface="DejaVu Sans Book" panose="020B0603030804020204" pitchFamily="34" charset="0"/>
+                <a:cs typeface="DejaVu Sans Book" panose="020B0603030804020204" pitchFamily="34" charset="0"/>
+              </a:rPr>
+              <a:t> "%d: %d" N n </a:t>
+            </a:r>
+          </a:p>
+        </p:txBody>
+      </p:sp>
+      <p:sp>
+        <p:nvSpPr>
+          <p:cNvPr id="5" name="Content Placeholder 2">
+            <a:extLst>
+              <a:ext uri="{FF2B5EF4-FFF2-40B4-BE49-F238E27FC236}">
+                <a16:creationId xmlns:a16="http://schemas.microsoft.com/office/drawing/2014/main" id="{83285D7F-8264-344E-B55D-077954F3D85B}"/>
+              </a:ext>
+            </a:extLst>
+          </p:cNvPr>
+          <p:cNvSpPr txBox="1">
+            <a:spLocks/>
+          </p:cNvSpPr>
+          <p:nvPr/>
+        </p:nvSpPr>
+        <p:spPr>
+          <a:xfrm>
+            <a:off x="4258656" y="1402062"/>
+            <a:ext cx="2541071" cy="3744921"/>
+          </a:xfrm>
+          <a:prstGeom prst="rect">
+            <a:avLst/>
+          </a:prstGeom>
+        </p:spPr>
+        <p:txBody>
+          <a:bodyPr vert="horz" lIns="91440" tIns="45720" rIns="91440" bIns="45720" rtlCol="0">
+            <a:noAutofit/>
+          </a:bodyPr>
+          <a:lstStyle>
+            <a:lvl1pPr marL="228600" indent="-228600" algn="l" defTabSz="914400" rtl="0" eaLnBrk="1" latinLnBrk="0" hangingPunct="1">
+              <a:lnSpc>
+                <a:spcPct val="90000"/>
+              </a:lnSpc>
+              <a:spcBef>
+                <a:spcPts val="1000"/>
+              </a:spcBef>
+              <a:buFont typeface="Arial" panose="020B0604020202020204" pitchFamily="34" charset="0"/>
+              <a:buChar char="•"/>
+              <a:defRPr sz="2800" kern="1200">
+                <a:solidFill>
+                  <a:schemeClr val="tx1"/>
+                </a:solidFill>
+                <a:latin typeface="+mn-lt"/>
+                <a:ea typeface="+mn-ea"/>
+                <a:cs typeface="+mn-cs"/>
+              </a:defRPr>
+            </a:lvl1pPr>
+            <a:lvl2pPr marL="685800" indent="-228600" algn="l" defTabSz="914400" rtl="0" eaLnBrk="1" latinLnBrk="0" hangingPunct="1">
+              <a:lnSpc>
+                <a:spcPct val="90000"/>
+              </a:lnSpc>
+              <a:spcBef>
+                <a:spcPts val="500"/>
+              </a:spcBef>
+              <a:buFont typeface="Arial" panose="020B0604020202020204" pitchFamily="34" charset="0"/>
+              <a:buChar char="•"/>
+              <a:defRPr sz="2400" kern="1200">
+                <a:solidFill>
+                  <a:schemeClr val="tx1"/>
+                </a:solidFill>
+                <a:latin typeface="+mn-lt"/>
+                <a:ea typeface="+mn-ea"/>
+                <a:cs typeface="+mn-cs"/>
+              </a:defRPr>
+            </a:lvl2pPr>
+            <a:lvl3pPr marL="1143000" indent="-228600" algn="l" defTabSz="914400" rtl="0" eaLnBrk="1" latinLnBrk="0" hangingPunct="1">
+              <a:lnSpc>
+                <a:spcPct val="90000"/>
+              </a:lnSpc>
+              <a:spcBef>
+                <a:spcPts val="500"/>
+              </a:spcBef>
+              <a:buFont typeface="Arial" panose="020B0604020202020204" pitchFamily="34" charset="0"/>
+              <a:buChar char="•"/>
+              <a:defRPr sz="2000" kern="1200">
+                <a:solidFill>
+                  <a:schemeClr val="tx1"/>
+                </a:solidFill>
+                <a:latin typeface="+mn-lt"/>
+                <a:ea typeface="+mn-ea"/>
+                <a:cs typeface="+mn-cs"/>
+              </a:defRPr>
+            </a:lvl3pPr>
+            <a:lvl4pPr marL="1600200" indent="-228600" algn="l" defTabSz="914400" rtl="0" eaLnBrk="1" latinLnBrk="0" hangingPunct="1">
+              <a:lnSpc>
+                <a:spcPct val="90000"/>
+              </a:lnSpc>
+              <a:spcBef>
+                <a:spcPts val="500"/>
+              </a:spcBef>
+              <a:buFont typeface="Arial" panose="020B0604020202020204" pitchFamily="34" charset="0"/>
+              <a:buChar char="•"/>
+              <a:defRPr sz="1800" kern="1200">
+                <a:solidFill>
+                  <a:schemeClr val="tx1"/>
+                </a:solidFill>
+                <a:latin typeface="+mn-lt"/>
+                <a:ea typeface="+mn-ea"/>
+                <a:cs typeface="+mn-cs"/>
+              </a:defRPr>
+            </a:lvl4pPr>
+            <a:lvl5pPr marL="2057400" indent="-228600" algn="l" defTabSz="914400" rtl="0" eaLnBrk="1" latinLnBrk="0" hangingPunct="1">
+              <a:lnSpc>
+                <a:spcPct val="90000"/>
+              </a:lnSpc>
+              <a:spcBef>
+                <a:spcPts val="500"/>
+              </a:spcBef>
+              <a:buFont typeface="Arial" panose="020B0604020202020204" pitchFamily="34" charset="0"/>
+              <a:buChar char="•"/>
+              <a:defRPr sz="1800" kern="1200">
+                <a:solidFill>
+                  <a:schemeClr val="tx1"/>
+                </a:solidFill>
+                <a:latin typeface="+mn-lt"/>
+                <a:ea typeface="+mn-ea"/>
+                <a:cs typeface="+mn-cs"/>
+              </a:defRPr>
+            </a:lvl5pPr>
+            <a:lvl6pPr marL="2514600" indent="-228600" algn="l" defTabSz="914400" rtl="0" eaLnBrk="1" latinLnBrk="0" hangingPunct="1">
+              <a:lnSpc>
+                <a:spcPct val="90000"/>
+              </a:lnSpc>
+              <a:spcBef>
+                <a:spcPts val="500"/>
+              </a:spcBef>
+              <a:buFont typeface="Arial" panose="020B0604020202020204" pitchFamily="34" charset="0"/>
+              <a:buChar char="•"/>
+              <a:defRPr sz="1800" kern="1200">
+                <a:solidFill>
+                  <a:schemeClr val="tx1"/>
+                </a:solidFill>
+                <a:latin typeface="+mn-lt"/>
+                <a:ea typeface="+mn-ea"/>
+                <a:cs typeface="+mn-cs"/>
+              </a:defRPr>
+            </a:lvl6pPr>
+            <a:lvl7pPr marL="2971800" indent="-228600" algn="l" defTabSz="914400" rtl="0" eaLnBrk="1" latinLnBrk="0" hangingPunct="1">
+              <a:lnSpc>
+                <a:spcPct val="90000"/>
+              </a:lnSpc>
+              <a:spcBef>
+                <a:spcPts val="500"/>
+              </a:spcBef>
+              <a:buFont typeface="Arial" panose="020B0604020202020204" pitchFamily="34" charset="0"/>
+              <a:buChar char="•"/>
+              <a:defRPr sz="1800" kern="1200">
+                <a:solidFill>
+                  <a:schemeClr val="tx1"/>
+                </a:solidFill>
+                <a:latin typeface="+mn-lt"/>
+                <a:ea typeface="+mn-ea"/>
+                <a:cs typeface="+mn-cs"/>
+              </a:defRPr>
+            </a:lvl7pPr>
+            <a:lvl8pPr marL="3429000" indent="-228600" algn="l" defTabSz="914400" rtl="0" eaLnBrk="1" latinLnBrk="0" hangingPunct="1">
+              <a:lnSpc>
+                <a:spcPct val="90000"/>
+              </a:lnSpc>
+              <a:spcBef>
+                <a:spcPts val="500"/>
+              </a:spcBef>
+              <a:buFont typeface="Arial" panose="020B0604020202020204" pitchFamily="34" charset="0"/>
+              <a:buChar char="•"/>
+              <a:defRPr sz="1800" kern="1200">
+                <a:solidFill>
+                  <a:schemeClr val="tx1"/>
+                </a:solidFill>
+                <a:latin typeface="+mn-lt"/>
+                <a:ea typeface="+mn-ea"/>
+                <a:cs typeface="+mn-cs"/>
+              </a:defRPr>
+            </a:lvl8pPr>
+            <a:lvl9pPr marL="3886200" indent="-228600" algn="l" defTabSz="914400" rtl="0" eaLnBrk="1" latinLnBrk="0" hangingPunct="1">
+              <a:lnSpc>
+                <a:spcPct val="90000"/>
+              </a:lnSpc>
+              <a:spcBef>
+                <a:spcPts val="500"/>
+              </a:spcBef>
+              <a:buFont typeface="Arial" panose="020B0604020202020204" pitchFamily="34" charset="0"/>
+              <a:buChar char="•"/>
+              <a:defRPr sz="1800" kern="1200">
+                <a:solidFill>
+                  <a:schemeClr val="tx1"/>
+                </a:solidFill>
+                <a:latin typeface="+mn-lt"/>
+                <a:ea typeface="+mn-ea"/>
+                <a:cs typeface="+mn-cs"/>
+              </a:defRPr>
+            </a:lvl9pPr>
+          </a:lstStyle>
+          <a:p>
+            <a:pPr marL="0" indent="0">
+              <a:lnSpc>
+                <a:spcPct val="100000"/>
+              </a:lnSpc>
+              <a:buNone/>
+            </a:pPr>
+            <a:r>
+              <a:rPr lang="en-GB" sz="1600" dirty="0">
+                <a:latin typeface="DejaVu Sans Book" panose="020B0603030804020204" pitchFamily="34" charset="0"/>
+                <a:ea typeface="DejaVu Sans Book" panose="020B0603030804020204" pitchFamily="34" charset="0"/>
+                <a:cs typeface="DejaVu Sans Book" panose="020B0603030804020204" pitchFamily="34" charset="0"/>
+              </a:rPr>
+              <a:t>let mutable m = 1</a:t>
+            </a:r>
+          </a:p>
+          <a:p>
+            <a:pPr marL="0" indent="0">
+              <a:lnSpc>
+                <a:spcPct val="100000"/>
+              </a:lnSpc>
+              <a:buNone/>
+            </a:pPr>
+            <a:r>
+              <a:rPr lang="en-GB" sz="1600" dirty="0">
+                <a:latin typeface="DejaVu Sans Book" panose="020B0603030804020204" pitchFamily="34" charset="0"/>
+                <a:ea typeface="DejaVu Sans Book" panose="020B0603030804020204" pitchFamily="34" charset="0"/>
+                <a:cs typeface="DejaVu Sans Book" panose="020B0603030804020204" pitchFamily="34" charset="0"/>
+              </a:rPr>
+              <a:t>let mutable n = 1</a:t>
+            </a:r>
+          </a:p>
+          <a:p>
+            <a:pPr marL="0" indent="0">
+              <a:lnSpc>
+                <a:spcPct val="100000"/>
+              </a:lnSpc>
+              <a:buNone/>
+            </a:pPr>
+            <a:r>
+              <a:rPr lang="en-GB" sz="1600" dirty="0">
+                <a:latin typeface="DejaVu Sans Book" panose="020B0603030804020204" pitchFamily="34" charset="0"/>
+                <a:ea typeface="DejaVu Sans Book" panose="020B0603030804020204" pitchFamily="34" charset="0"/>
+                <a:cs typeface="DejaVu Sans Book" panose="020B0603030804020204" pitchFamily="34" charset="0"/>
+              </a:rPr>
+              <a:t>let mutable </a:t>
+            </a:r>
+            <a:r>
+              <a:rPr lang="en-GB" sz="1600" dirty="0" err="1">
+                <a:latin typeface="DejaVu Sans Book" panose="020B0603030804020204" pitchFamily="34" charset="0"/>
+                <a:ea typeface="DejaVu Sans Book" panose="020B0603030804020204" pitchFamily="34" charset="0"/>
+                <a:cs typeface="DejaVu Sans Book" panose="020B0603030804020204" pitchFamily="34" charset="0"/>
+              </a:rPr>
+              <a:t>i</a:t>
+            </a:r>
+            <a:r>
+              <a:rPr lang="en-GB" sz="1600" dirty="0">
+                <a:latin typeface="DejaVu Sans Book" panose="020B0603030804020204" pitchFamily="34" charset="0"/>
+                <a:ea typeface="DejaVu Sans Book" panose="020B0603030804020204" pitchFamily="34" charset="0"/>
+                <a:cs typeface="DejaVu Sans Book" panose="020B0603030804020204" pitchFamily="34" charset="0"/>
+              </a:rPr>
+              <a:t> = 3</a:t>
+            </a:r>
+          </a:p>
+          <a:p>
+            <a:pPr marL="0" indent="0">
+              <a:lnSpc>
+                <a:spcPct val="100000"/>
+              </a:lnSpc>
+              <a:buNone/>
+            </a:pPr>
+            <a:r>
+              <a:rPr lang="en-GB" sz="1600" dirty="0">
+                <a:latin typeface="DejaVu Sans Book" panose="020B0603030804020204" pitchFamily="34" charset="0"/>
+                <a:ea typeface="DejaVu Sans Book" panose="020B0603030804020204" pitchFamily="34" charset="0"/>
+                <a:cs typeface="DejaVu Sans Book" panose="020B0603030804020204" pitchFamily="34" charset="0"/>
+              </a:rPr>
+              <a:t>let N = 5</a:t>
+            </a:r>
+          </a:p>
+          <a:p>
+            <a:pPr marL="0" indent="0">
+              <a:lnSpc>
+                <a:spcPct val="100000"/>
+              </a:lnSpc>
+              <a:buNone/>
+            </a:pPr>
+            <a:r>
+              <a:rPr lang="en-GB" sz="1600" dirty="0">
+                <a:latin typeface="DejaVu Sans Book" panose="020B0603030804020204" pitchFamily="34" charset="0"/>
+                <a:ea typeface="DejaVu Sans Book" panose="020B0603030804020204" pitchFamily="34" charset="0"/>
+                <a:cs typeface="DejaVu Sans Book" panose="020B0603030804020204" pitchFamily="34" charset="0"/>
+              </a:rPr>
+              <a:t>while </a:t>
+            </a:r>
+            <a:r>
+              <a:rPr lang="en-GB" sz="1600" dirty="0" err="1">
+                <a:latin typeface="DejaVu Sans Book" panose="020B0603030804020204" pitchFamily="34" charset="0"/>
+                <a:ea typeface="DejaVu Sans Book" panose="020B0603030804020204" pitchFamily="34" charset="0"/>
+                <a:cs typeface="DejaVu Sans Book" panose="020B0603030804020204" pitchFamily="34" charset="0"/>
+              </a:rPr>
+              <a:t>i</a:t>
+            </a:r>
+            <a:r>
+              <a:rPr lang="en-GB" sz="1600" dirty="0">
+                <a:latin typeface="DejaVu Sans Book" panose="020B0603030804020204" pitchFamily="34" charset="0"/>
+                <a:ea typeface="DejaVu Sans Book" panose="020B0603030804020204" pitchFamily="34" charset="0"/>
+                <a:cs typeface="DejaVu Sans Book" panose="020B0603030804020204" pitchFamily="34" charset="0"/>
+              </a:rPr>
+              <a:t> &lt;= 5 do</a:t>
+            </a:r>
+          </a:p>
+          <a:p>
+            <a:pPr marL="0" indent="0">
+              <a:lnSpc>
+                <a:spcPct val="100000"/>
+              </a:lnSpc>
+              <a:buNone/>
+            </a:pPr>
+            <a:r>
+              <a:rPr lang="en-GB" sz="1600" dirty="0">
+                <a:latin typeface="DejaVu Sans Book" panose="020B0603030804020204" pitchFamily="34" charset="0"/>
+                <a:ea typeface="DejaVu Sans Book" panose="020B0603030804020204" pitchFamily="34" charset="0"/>
+                <a:cs typeface="DejaVu Sans Book" panose="020B0603030804020204" pitchFamily="34" charset="0"/>
+              </a:rPr>
+              <a:t>  let p = m + n</a:t>
+            </a:r>
+          </a:p>
+          <a:p>
+            <a:pPr marL="0" indent="0">
+              <a:lnSpc>
+                <a:spcPct val="100000"/>
+              </a:lnSpc>
+              <a:buNone/>
+            </a:pPr>
+            <a:r>
+              <a:rPr lang="en-GB" sz="1600" dirty="0">
+                <a:latin typeface="DejaVu Sans Book" panose="020B0603030804020204" pitchFamily="34" charset="0"/>
+                <a:ea typeface="DejaVu Sans Book" panose="020B0603030804020204" pitchFamily="34" charset="0"/>
+                <a:cs typeface="DejaVu Sans Book" panose="020B0603030804020204" pitchFamily="34" charset="0"/>
+              </a:rPr>
+              <a:t>  m &lt;- n</a:t>
+            </a:r>
+          </a:p>
+          <a:p>
+            <a:pPr marL="0" indent="0">
+              <a:lnSpc>
+                <a:spcPct val="100000"/>
+              </a:lnSpc>
+              <a:buNone/>
+            </a:pPr>
+            <a:r>
+              <a:rPr lang="en-GB" sz="1600" dirty="0">
+                <a:latin typeface="DejaVu Sans Book" panose="020B0603030804020204" pitchFamily="34" charset="0"/>
+                <a:ea typeface="DejaVu Sans Book" panose="020B0603030804020204" pitchFamily="34" charset="0"/>
+                <a:cs typeface="DejaVu Sans Book" panose="020B0603030804020204" pitchFamily="34" charset="0"/>
+              </a:rPr>
+              <a:t>  n &lt;- p</a:t>
+            </a:r>
+          </a:p>
+          <a:p>
+            <a:pPr marL="0" indent="0">
+              <a:lnSpc>
+                <a:spcPct val="100000"/>
+              </a:lnSpc>
+              <a:buNone/>
+            </a:pPr>
+            <a:r>
+              <a:rPr lang="en-GB" sz="1600" dirty="0">
+                <a:latin typeface="DejaVu Sans Book" panose="020B0603030804020204" pitchFamily="34" charset="0"/>
+                <a:ea typeface="DejaVu Sans Book" panose="020B0603030804020204" pitchFamily="34" charset="0"/>
+                <a:cs typeface="DejaVu Sans Book" panose="020B0603030804020204" pitchFamily="34" charset="0"/>
+              </a:rPr>
+              <a:t>  </a:t>
+            </a:r>
+            <a:r>
+              <a:rPr lang="en-GB" sz="1600" dirty="0" err="1">
+                <a:latin typeface="DejaVu Sans Book" panose="020B0603030804020204" pitchFamily="34" charset="0"/>
+                <a:ea typeface="DejaVu Sans Book" panose="020B0603030804020204" pitchFamily="34" charset="0"/>
+                <a:cs typeface="DejaVu Sans Book" panose="020B0603030804020204" pitchFamily="34" charset="0"/>
+              </a:rPr>
+              <a:t>i</a:t>
+            </a:r>
+            <a:r>
+              <a:rPr lang="en-GB" sz="1600" dirty="0">
+                <a:latin typeface="DejaVu Sans Book" panose="020B0603030804020204" pitchFamily="34" charset="0"/>
+                <a:ea typeface="DejaVu Sans Book" panose="020B0603030804020204" pitchFamily="34" charset="0"/>
+                <a:cs typeface="DejaVu Sans Book" panose="020B0603030804020204" pitchFamily="34" charset="0"/>
+              </a:rPr>
+              <a:t> &lt;- </a:t>
+            </a:r>
+            <a:r>
+              <a:rPr lang="en-GB" sz="1600" dirty="0" err="1">
+                <a:latin typeface="DejaVu Sans Book" panose="020B0603030804020204" pitchFamily="34" charset="0"/>
+                <a:ea typeface="DejaVu Sans Book" panose="020B0603030804020204" pitchFamily="34" charset="0"/>
+                <a:cs typeface="DejaVu Sans Book" panose="020B0603030804020204" pitchFamily="34" charset="0"/>
+              </a:rPr>
+              <a:t>i</a:t>
+            </a:r>
+            <a:r>
+              <a:rPr lang="en-GB" sz="1600" dirty="0">
+                <a:latin typeface="DejaVu Sans Book" panose="020B0603030804020204" pitchFamily="34" charset="0"/>
+                <a:ea typeface="DejaVu Sans Book" panose="020B0603030804020204" pitchFamily="34" charset="0"/>
+                <a:cs typeface="DejaVu Sans Book" panose="020B0603030804020204" pitchFamily="34" charset="0"/>
+              </a:rPr>
+              <a:t> + 1;</a:t>
+            </a:r>
+          </a:p>
+          <a:p>
+            <a:pPr marL="0" indent="0">
+              <a:lnSpc>
+                <a:spcPct val="100000"/>
+              </a:lnSpc>
+              <a:buNone/>
+            </a:pPr>
+            <a:r>
+              <a:rPr lang="en-GB" sz="1600" dirty="0" err="1">
+                <a:latin typeface="DejaVu Sans Book" panose="020B0603030804020204" pitchFamily="34" charset="0"/>
+                <a:ea typeface="DejaVu Sans Book" panose="020B0603030804020204" pitchFamily="34" charset="0"/>
+                <a:cs typeface="DejaVu Sans Book" panose="020B0603030804020204" pitchFamily="34" charset="0"/>
+              </a:rPr>
+              <a:t>printfn</a:t>
+            </a:r>
+            <a:r>
+              <a:rPr lang="en-GB" sz="1600" dirty="0">
+                <a:latin typeface="DejaVu Sans Book" panose="020B0603030804020204" pitchFamily="34" charset="0"/>
+                <a:ea typeface="DejaVu Sans Book" panose="020B0603030804020204" pitchFamily="34" charset="0"/>
+                <a:cs typeface="DejaVu Sans Book" panose="020B0603030804020204" pitchFamily="34" charset="0"/>
+              </a:rPr>
+              <a:t> "%d: %d" N n</a:t>
+            </a:r>
+          </a:p>
+        </p:txBody>
+      </p:sp>
+      <p:cxnSp>
+        <p:nvCxnSpPr>
+          <p:cNvPr id="7" name="Straight Connector 6">
+            <a:extLst>
+              <a:ext uri="{FF2B5EF4-FFF2-40B4-BE49-F238E27FC236}">
+                <a16:creationId xmlns:a16="http://schemas.microsoft.com/office/drawing/2014/main" id="{47932F52-5E6F-B74D-A022-A4DD1702E282}"/>
+              </a:ext>
+            </a:extLst>
+          </p:cNvPr>
+          <p:cNvCxnSpPr>
+            <a:cxnSpLocks/>
+          </p:cNvCxnSpPr>
+          <p:nvPr/>
+        </p:nvCxnSpPr>
+        <p:spPr>
+          <a:xfrm>
+            <a:off x="3654281" y="652256"/>
+            <a:ext cx="0" cy="5260571"/>
+          </a:xfrm>
+          <a:prstGeom prst="line">
+            <a:avLst/>
+          </a:prstGeom>
+        </p:spPr>
+        <p:style>
+          <a:lnRef idx="1">
+            <a:schemeClr val="accent1"/>
+          </a:lnRef>
+          <a:fillRef idx="0">
+            <a:schemeClr val="accent1"/>
+          </a:fillRef>
+          <a:effectRef idx="0">
+            <a:schemeClr val="accent1"/>
+          </a:effectRef>
+          <a:fontRef idx="minor">
+            <a:schemeClr val="tx1"/>
+          </a:fontRef>
+        </p:style>
+      </p:cxnSp>
+      <p:sp>
+        <p:nvSpPr>
+          <p:cNvPr id="9" name="TextBox 8">
+            <a:extLst>
+              <a:ext uri="{FF2B5EF4-FFF2-40B4-BE49-F238E27FC236}">
+                <a16:creationId xmlns:a16="http://schemas.microsoft.com/office/drawing/2014/main" id="{B9059D69-FC0C-4A4C-B700-61C7A7F9C652}"/>
+              </a:ext>
+            </a:extLst>
+          </p:cNvPr>
+          <p:cNvSpPr txBox="1"/>
+          <p:nvPr/>
+        </p:nvSpPr>
+        <p:spPr>
+          <a:xfrm>
+            <a:off x="675112" y="784668"/>
+            <a:ext cx="1333250" cy="461665"/>
+          </a:xfrm>
+          <a:prstGeom prst="rect">
+            <a:avLst/>
+          </a:prstGeom>
+          <a:noFill/>
+        </p:spPr>
+        <p:txBody>
+          <a:bodyPr wrap="none" rtlCol="0">
+            <a:spAutoFit/>
+          </a:bodyPr>
+          <a:lstStyle/>
+          <a:p>
+            <a:r>
+              <a:rPr lang="en-GB" sz="2400" dirty="0"/>
+              <a:t>For-</a:t>
+            </a:r>
+            <a:r>
+              <a:rPr lang="en-GB" sz="2400" dirty="0" err="1"/>
+              <a:t>løkke</a:t>
+            </a:r>
+            <a:endParaRPr lang="en-GB" sz="2400" dirty="0"/>
+          </a:p>
+        </p:txBody>
+      </p:sp>
+      <p:sp>
+        <p:nvSpPr>
+          <p:cNvPr id="10" name="TextBox 9">
+            <a:extLst>
+              <a:ext uri="{FF2B5EF4-FFF2-40B4-BE49-F238E27FC236}">
+                <a16:creationId xmlns:a16="http://schemas.microsoft.com/office/drawing/2014/main" id="{9F603259-5C4C-8E44-A831-4770C2163C50}"/>
+              </a:ext>
+            </a:extLst>
+          </p:cNvPr>
+          <p:cNvSpPr txBox="1"/>
+          <p:nvPr/>
+        </p:nvSpPr>
+        <p:spPr>
+          <a:xfrm>
+            <a:off x="3971796" y="764722"/>
+            <a:ext cx="1667123" cy="461665"/>
+          </a:xfrm>
+          <a:prstGeom prst="rect">
+            <a:avLst/>
+          </a:prstGeom>
+          <a:noFill/>
+        </p:spPr>
+        <p:txBody>
+          <a:bodyPr wrap="none" rtlCol="0">
+            <a:spAutoFit/>
+          </a:bodyPr>
+          <a:lstStyle/>
+          <a:p>
+            <a:r>
+              <a:rPr lang="en-GB" sz="2400" dirty="0"/>
+              <a:t>While-</a:t>
+            </a:r>
+            <a:r>
+              <a:rPr lang="en-GB" sz="2400" dirty="0" err="1"/>
+              <a:t>løkke</a:t>
+            </a:r>
+            <a:endParaRPr lang="en-GB" sz="2400" dirty="0"/>
+          </a:p>
+        </p:txBody>
+      </p:sp>
+    </p:spTree>
+    <p:extLst>
+      <p:ext uri="{BB962C8B-B14F-4D97-AF65-F5344CB8AC3E}">
+        <p14:creationId xmlns:p14="http://schemas.microsoft.com/office/powerpoint/2010/main" val="3964256058"/>
+      </p:ext>
+    </p:extLst>
+  </p:cSld>
+  <p:clrMapOvr>
+    <a:masterClrMapping/>
+  </p:clrMapOvr>
+  <p:timing>
+    <p:tnLst>
+      <p:par>
+        <p:cTn id="1" dur="indefinite" restart="never" nodeType="tmRoot">
+          <p:childTnLst>
+            <p:seq concurrent="1" nextAc="seek">
+              <p:cTn id="2" dur="indefinite" nodeType="mainSeq">
+                <p:childTnLst>
+                  <p:par>
+                    <p:cTn id="3" fill="hold">
+                      <p:stCondLst>
+                        <p:cond delay="indefinite"/>
+                      </p:stCondLst>
+                      <p:childTnLst>
+                        <p:par>
+                          <p:cTn id="4" fill="hold">
+                            <p:stCondLst>
+                              <p:cond delay="0"/>
+                            </p:stCondLst>
+                            <p:childTnLst>
+                              <p:par>
+                                <p:cTn id="5" presetID="1" presetClass="entr" presetSubtype="0" fill="hold" nodeType="clickEffect">
+                                  <p:stCondLst>
+                                    <p:cond delay="0"/>
+                                  </p:stCondLst>
+                                  <p:childTnLst>
+                                    <p:set>
+                                      <p:cBhvr>
+                                        <p:cTn id="6" dur="1" fill="hold">
+                                          <p:stCondLst>
+                                            <p:cond delay="0"/>
+                                          </p:stCondLst>
+                                        </p:cTn>
+                                        <p:tgtEl>
+                                          <p:spTgt spid="7"/>
+                                        </p:tgtEl>
+                                        <p:attrNameLst>
+                                          <p:attrName>style.visibility</p:attrName>
+                                        </p:attrNameLst>
+                                      </p:cBhvr>
+                                      <p:to>
+                                        <p:strVal val="visible"/>
+                                      </p:to>
+                                    </p:set>
+                                  </p:childTnLst>
+                                </p:cTn>
+                              </p:par>
+                              <p:par>
+                                <p:cTn id="7" presetID="1" presetClass="entr" presetSubtype="0" fill="hold" grpId="0" nodeType="withEffect">
+                                  <p:stCondLst>
+                                    <p:cond delay="0"/>
+                                  </p:stCondLst>
+                                  <p:childTnLst>
+                                    <p:set>
+                                      <p:cBhvr>
+                                        <p:cTn id="8" dur="1" fill="hold">
+                                          <p:stCondLst>
+                                            <p:cond delay="0"/>
+                                          </p:stCondLst>
+                                        </p:cTn>
+                                        <p:tgtEl>
+                                          <p:spTgt spid="10"/>
+                                        </p:tgtEl>
+                                        <p:attrNameLst>
+                                          <p:attrName>style.visibility</p:attrName>
+                                        </p:attrNameLst>
+                                      </p:cBhvr>
+                                      <p:to>
+                                        <p:strVal val="visible"/>
+                                      </p:to>
+                                    </p:set>
+                                  </p:childTnLst>
+                                </p:cTn>
+                              </p:par>
+                              <p:par>
+                                <p:cTn id="9" presetID="1" presetClass="entr" presetSubtype="0" fill="hold" grpId="0" nodeType="withEffect">
+                                  <p:stCondLst>
+                                    <p:cond delay="0"/>
+                                  </p:stCondLst>
+                                  <p:childTnLst>
+                                    <p:set>
+                                      <p:cBhvr>
+                                        <p:cTn id="10" dur="1" fill="hold">
+                                          <p:stCondLst>
+                                            <p:cond delay="0"/>
+                                          </p:stCondLst>
+                                        </p:cTn>
+                                        <p:tgtEl>
+                                          <p:spTgt spid="5"/>
+                                        </p:tgtEl>
+                                        <p:attrNameLst>
+                                          <p:attrName>style.visibility</p:attrName>
+                                        </p:attrNameLst>
+                                      </p:cBhvr>
+                                      <p:to>
+                                        <p:strVal val="visible"/>
+                                      </p:to>
+                                    </p:set>
+                                  </p:childTnLst>
+                                </p:cTn>
+                              </p:par>
+                            </p:childTnLst>
+                          </p:cTn>
+                        </p:par>
+                      </p:childTnLst>
+                    </p:cTn>
+                  </p:par>
+                </p:childTnLst>
+              </p:cTn>
+              <p:prevCondLst>
+                <p:cond evt="onPrev" delay="0">
+                  <p:tgtEl>
+                    <p:sldTgt/>
+                  </p:tgtEl>
+                </p:cond>
+              </p:prevCondLst>
+              <p:nextCondLst>
+                <p:cond evt="onNext" delay="0">
+                  <p:tgtEl>
+                    <p:sldTgt/>
+                  </p:tgtEl>
+                </p:cond>
+              </p:nextCondLst>
+            </p:seq>
+          </p:childTnLst>
+        </p:cTn>
+      </p:par>
+    </p:tnLst>
+    <p:bldLst>
+      <p:bldP spid="5" grpId="0"/>
+      <p:bldP spid="10" grpId="0"/>
+    </p:bldLst>
+  </p:timing>
+</p:sld>
+</file>
+
+<file path=ppt/slides/slide3.xml><?xml version="1.0" encoding="utf-8"?>
 <p:sld xmlns:a="http://schemas.openxmlformats.org/drawingml/2006/main" xmlns:r="http://schemas.openxmlformats.org/officeDocument/2006/relationships" xmlns:p="http://schemas.openxmlformats.org/presentationml/2006/main">
   <p:cSld>
     <p:spTree>
@@ -12615,7 +14682,7 @@
 </p:sld>
 </file>
 
-<file path=ppt/slides/slide3.xml><?xml version="1.0" encoding="utf-8"?>
+<file path=ppt/slides/slide4.xml><?xml version="1.0" encoding="utf-8"?>
 <p:sld xmlns:a="http://schemas.openxmlformats.org/drawingml/2006/main" xmlns:r="http://schemas.openxmlformats.org/officeDocument/2006/relationships" xmlns:p="http://schemas.openxmlformats.org/presentationml/2006/main">
   <p:cSld>
     <p:spTree>
@@ -14462,7 +16529,7 @@
     </p:spTree>
     <p:extLst>
       <p:ext uri="{BB962C8B-B14F-4D97-AF65-F5344CB8AC3E}">
-        <p14:creationId xmlns:p14="http://schemas.microsoft.com/office/powerpoint/2010/main" val="3964256058"/>
+        <p14:creationId xmlns:p14="http://schemas.microsoft.com/office/powerpoint/2010/main" val="4066118822"/>
       </p:ext>
     </p:extLst>
   </p:cSld>
@@ -14503,7 +16570,7 @@
                                           </p:stCondLst>
                                         </p:cTn>
                                         <p:tgtEl>
-                                          <p:spTgt spid="7"/>
+                                          <p:spTgt spid="13"/>
                                         </p:tgtEl>
                                         <p:attrNameLst>
                                           <p:attrName>style.visibility</p:attrName>
@@ -14525,204 +16592,6 @@
                                     <p:set>
                                       <p:cBhvr>
                                         <p:cTn id="8" dur="1" fill="hold">
-                                          <p:stCondLst>
-                                            <p:cond delay="0"/>
-                                          </p:stCondLst>
-                                        </p:cTn>
-                                        <p:tgtEl>
-                                          <p:spTgt spid="10"/>
-                                        </p:tgtEl>
-                                        <p:attrNameLst>
-                                          <p:attrName>style.visibility</p:attrName>
-                                        </p:attrNameLst>
-                                      </p:cBhvr>
-                                      <p:to>
-                                        <p:strVal val="visible"/>
-                                      </p:to>
-                                    </p:set>
-                                  </p:childTnLst>
-                                </p:cTn>
-                              </p:par>
-                              <p:par>
-                                <p:cTn id="9" presetID="1" presetClass="entr" presetSubtype="0" fill="hold" grpId="0" nodeType="withEffect">
-                                  <p:stCondLst>
-                                    <p:cond delay="0"/>
-                                  </p:stCondLst>
-                                  <p:childTnLst>
-                                    <p:set>
-                                      <p:cBhvr>
-                                        <p:cTn id="10" dur="1" fill="hold">
-                                          <p:stCondLst>
-                                            <p:cond delay="0"/>
-                                          </p:stCondLst>
-                                        </p:cTn>
-                                        <p:tgtEl>
-                                          <p:spTgt spid="5"/>
-                                        </p:tgtEl>
-                                        <p:attrNameLst>
-                                          <p:attrName>style.visibility</p:attrName>
-                                        </p:attrNameLst>
-                                      </p:cBhvr>
-                                      <p:to>
-                                        <p:strVal val="visible"/>
-                                      </p:to>
-                                    </p:set>
-                                  </p:childTnLst>
-                                </p:cTn>
-                              </p:par>
-                            </p:childTnLst>
-                          </p:cTn>
-                        </p:par>
-                      </p:childTnLst>
-                    </p:cTn>
-                  </p:par>
-                  <p:par>
-                    <p:cTn id="11" fill="hold">
-                      <p:stCondLst>
-                        <p:cond delay="indefinite"/>
-                      </p:stCondLst>
-                      <p:childTnLst>
-                        <p:par>
-                          <p:cTn id="12" fill="hold">
-                            <p:stCondLst>
-                              <p:cond delay="0"/>
-                            </p:stCondLst>
-                            <p:childTnLst>
-                              <p:par>
-                                <p:cTn id="13" presetID="1" presetClass="entr" presetSubtype="0" fill="hold" nodeType="clickEffect">
-                                  <p:stCondLst>
-                                    <p:cond delay="0"/>
-                                  </p:stCondLst>
-                                  <p:childTnLst>
-                                    <p:set>
-                                      <p:cBhvr>
-                                        <p:cTn id="14" dur="1" fill="hold">
-                                          <p:stCondLst>
-                                            <p:cond delay="0"/>
-                                          </p:stCondLst>
-                                        </p:cTn>
-                                        <p:tgtEl>
-                                          <p:spTgt spid="8"/>
-                                        </p:tgtEl>
-                                        <p:attrNameLst>
-                                          <p:attrName>style.visibility</p:attrName>
-                                        </p:attrNameLst>
-                                      </p:cBhvr>
-                                      <p:to>
-                                        <p:strVal val="visible"/>
-                                      </p:to>
-                                    </p:set>
-                                  </p:childTnLst>
-                                </p:cTn>
-                              </p:par>
-                              <p:par>
-                                <p:cTn id="15" presetID="1" presetClass="entr" presetSubtype="0" fill="hold" grpId="0" nodeType="withEffect">
-                                  <p:stCondLst>
-                                    <p:cond delay="0"/>
-                                  </p:stCondLst>
-                                  <p:childTnLst>
-                                    <p:set>
-                                      <p:cBhvr>
-                                        <p:cTn id="16" dur="1" fill="hold">
-                                          <p:stCondLst>
-                                            <p:cond delay="0"/>
-                                          </p:stCondLst>
-                                        </p:cTn>
-                                        <p:tgtEl>
-                                          <p:spTgt spid="11"/>
-                                        </p:tgtEl>
-                                        <p:attrNameLst>
-                                          <p:attrName>style.visibility</p:attrName>
-                                        </p:attrNameLst>
-                                      </p:cBhvr>
-                                      <p:to>
-                                        <p:strVal val="visible"/>
-                                      </p:to>
-                                    </p:set>
-                                  </p:childTnLst>
-                                </p:cTn>
-                              </p:par>
-                              <p:par>
-                                <p:cTn id="17" presetID="1" presetClass="entr" presetSubtype="0" fill="hold" grpId="0" nodeType="withEffect">
-                                  <p:stCondLst>
-                                    <p:cond delay="0"/>
-                                  </p:stCondLst>
-                                  <p:childTnLst>
-                                    <p:set>
-                                      <p:cBhvr>
-                                        <p:cTn id="18" dur="1" fill="hold">
-                                          <p:stCondLst>
-                                            <p:cond delay="0"/>
-                                          </p:stCondLst>
-                                        </p:cTn>
-                                        <p:tgtEl>
-                                          <p:spTgt spid="6"/>
-                                        </p:tgtEl>
-                                        <p:attrNameLst>
-                                          <p:attrName>style.visibility</p:attrName>
-                                        </p:attrNameLst>
-                                      </p:cBhvr>
-                                      <p:to>
-                                        <p:strVal val="visible"/>
-                                      </p:to>
-                                    </p:set>
-                                  </p:childTnLst>
-                                </p:cTn>
-                              </p:par>
-                            </p:childTnLst>
-                          </p:cTn>
-                        </p:par>
-                      </p:childTnLst>
-                    </p:cTn>
-                  </p:par>
-                  <p:par>
-                    <p:cTn id="19" fill="hold">
-                      <p:stCondLst>
-                        <p:cond delay="indefinite"/>
-                      </p:stCondLst>
-                      <p:childTnLst>
-                        <p:par>
-                          <p:cTn id="20" fill="hold">
-                            <p:stCondLst>
-                              <p:cond delay="0"/>
-                            </p:stCondLst>
-                            <p:childTnLst>
-                              <p:par>
-                                <p:cTn id="21" presetID="1" presetClass="entr" presetSubtype="0" fill="hold" nodeType="clickEffect">
-                                  <p:stCondLst>
-                                    <p:cond delay="0"/>
-                                  </p:stCondLst>
-                                  <p:childTnLst>
-                                    <p:set>
-                                      <p:cBhvr>
-                                        <p:cTn id="22" dur="1" fill="hold">
-                                          <p:stCondLst>
-                                            <p:cond delay="0"/>
-                                          </p:stCondLst>
-                                        </p:cTn>
-                                        <p:tgtEl>
-                                          <p:spTgt spid="13"/>
-                                        </p:tgtEl>
-                                        <p:attrNameLst>
-                                          <p:attrName>style.visibility</p:attrName>
-                                        </p:attrNameLst>
-                                      </p:cBhvr>
-                                      <p:to>
-                                        <p:strVal val="visible"/>
-                                      </p:to>
-                                    </p:set>
-                                  </p:childTnLst>
-                                </p:cTn>
-                              </p:par>
-                              <p:par>
-                                <p:cTn id="23" presetID="1" presetClass="entr" presetSubtype="0" fill="hold" grpId="0" nodeType="withEffect">
-                                  <p:stCondLst>
-                                    <p:cond delay="0"/>
-                                  </p:stCondLst>
-                                  <p:childTnLst>
-                                    <p:set>
-                                      <p:cBhvr>
-                                        <p:cTn id="24" dur="1" fill="hold">
                                           <p:stCondLst>
                                             <p:cond delay="0"/>
                                           </p:stCondLst>
@@ -14769,17 +16638,13 @@
       </p:par>
     </p:tnLst>
     <p:bldLst>
-      <p:bldP spid="5" grpId="0"/>
-      <p:bldP spid="6" grpId="0"/>
-      <p:bldP spid="10" grpId="0"/>
-      <p:bldP spid="11" grpId="0"/>
       <p:bldP spid="12" grpId="0"/>
     </p:bldLst>
   </p:timing>
 </p:sld>
 </file>
 
-<file path=ppt/slides/slide4.xml><?xml version="1.0" encoding="utf-8"?>
+<file path=ppt/slides/slide5.xml><?xml version="1.0" encoding="utf-8"?>
 <p:sld xmlns:a="http://schemas.openxmlformats.org/drawingml/2006/main" xmlns:r="http://schemas.openxmlformats.org/officeDocument/2006/relationships" xmlns:p="http://schemas.openxmlformats.org/presentationml/2006/main">
   <p:cSld>
     <p:spTree>
@@ -16651,7 +18516,7 @@
 </p:sld>
 </file>
 
-<file path=ppt/slides/slide5.xml><?xml version="1.0" encoding="utf-8"?>
+<file path=ppt/slides/slide6.xml><?xml version="1.0" encoding="utf-8"?>
 <p:sld xmlns:a="http://schemas.openxmlformats.org/drawingml/2006/main" xmlns:r="http://schemas.openxmlformats.org/officeDocument/2006/relationships" xmlns:p="http://schemas.openxmlformats.org/presentationml/2006/main">
   <p:cSld>
     <p:spTree>
@@ -18649,7 +20514,7 @@
 </p:sld>
 </file>
 
-<file path=ppt/slides/slide6.xml><?xml version="1.0" encoding="utf-8"?>
+<file path=ppt/slides/slide7.xml><?xml version="1.0" encoding="utf-8"?>
 <p:sld xmlns:a="http://schemas.openxmlformats.org/drawingml/2006/main" xmlns:r="http://schemas.openxmlformats.org/officeDocument/2006/relationships" xmlns:p="http://schemas.openxmlformats.org/presentationml/2006/main" show="0">
   <p:cSld>
     <p:spTree>
@@ -20651,7 +22516,7 @@
 </p:sld>
 </file>
 
-<file path=ppt/slides/slide7.xml><?xml version="1.0" encoding="utf-8"?>
+<file path=ppt/slides/slide8.xml><?xml version="1.0" encoding="utf-8"?>
 <p:sld xmlns:a="http://schemas.openxmlformats.org/drawingml/2006/main" xmlns:r="http://schemas.openxmlformats.org/officeDocument/2006/relationships" xmlns:p="http://schemas.openxmlformats.org/presentationml/2006/main" show="0">
   <p:cSld>
     <p:spTree>
@@ -22302,7 +24167,7 @@
 </p:sld>
 </file>
 
-<file path=ppt/slides/slide8.xml><?xml version="1.0" encoding="utf-8"?>
+<file path=ppt/slides/slide9.xml><?xml version="1.0" encoding="utf-8"?>
 <p:sld xmlns:a="http://schemas.openxmlformats.org/drawingml/2006/main" xmlns:r="http://schemas.openxmlformats.org/officeDocument/2006/relationships" xmlns:p="http://schemas.openxmlformats.org/presentationml/2006/main">
   <p:cSld>
     <p:spTree>
@@ -22435,988 +24300,6 @@
   <p:clrMapOvr>
     <a:masterClrMapping/>
   </p:clrMapOvr>
-</p:sld>
-</file>
-
-<file path=ppt/slides/slide9.xml><?xml version="1.0" encoding="utf-8"?>
-<p:sld xmlns:a="http://schemas.openxmlformats.org/drawingml/2006/main" xmlns:r="http://schemas.openxmlformats.org/officeDocument/2006/relationships" xmlns:p="http://schemas.openxmlformats.org/presentationml/2006/main">
-  <p:cSld>
-    <p:spTree>
-      <p:nvGrpSpPr>
-        <p:cNvPr id="1" name=""/>
-        <p:cNvGrpSpPr/>
-        <p:nvPr/>
-      </p:nvGrpSpPr>
-      <p:grpSpPr>
-        <a:xfrm>
-          <a:off x="0" y="0"/>
-          <a:ext cx="0" cy="0"/>
-          <a:chOff x="0" y="0"/>
-          <a:chExt cx="0" cy="0"/>
-        </a:xfrm>
-      </p:grpSpPr>
-      <p:sp>
-        <p:nvSpPr>
-          <p:cNvPr id="2" name="Title 1">
-            <a:extLst>
-              <a:ext uri="{FF2B5EF4-FFF2-40B4-BE49-F238E27FC236}">
-                <a16:creationId xmlns:a16="http://schemas.microsoft.com/office/drawing/2014/main" id="{F85C8F81-E87B-1C49-99CE-586F396DBC90}"/>
-              </a:ext>
-            </a:extLst>
-          </p:cNvPr>
-          <p:cNvSpPr>
-            <a:spLocks noGrp="1"/>
-          </p:cNvSpPr>
-          <p:nvPr>
-            <p:ph type="title"/>
-          </p:nvPr>
-        </p:nvSpPr>
-        <p:spPr>
-          <a:xfrm>
-            <a:off x="551331" y="-47245"/>
-            <a:ext cx="10515600" cy="1325563"/>
-          </a:xfrm>
-        </p:spPr>
-        <p:txBody>
-          <a:bodyPr/>
-          <a:lstStyle/>
-          <a:p>
-            <a:r>
-              <a:rPr lang="en-GB" dirty="0"/>
-              <a:t>Decimal </a:t>
-            </a:r>
-            <a:r>
-              <a:rPr lang="en-GB" dirty="0" err="1"/>
-              <a:t>til</a:t>
-            </a:r>
-            <a:r>
-              <a:rPr lang="en-GB" dirty="0"/>
-              <a:t> </a:t>
-            </a:r>
-            <a:r>
-              <a:rPr lang="en-GB" dirty="0" err="1"/>
-              <a:t>Binær</a:t>
-            </a:r>
-            <a:endParaRPr lang="en-GB" dirty="0"/>
-          </a:p>
-        </p:txBody>
-      </p:sp>
-      <p:sp>
-        <p:nvSpPr>
-          <p:cNvPr id="7" name="Rectangle 6">
-            <a:extLst>
-              <a:ext uri="{FF2B5EF4-FFF2-40B4-BE49-F238E27FC236}">
-                <a16:creationId xmlns:a16="http://schemas.microsoft.com/office/drawing/2014/main" id="{E73A66DC-8DB8-A244-834B-AA0A61388EAB}"/>
-              </a:ext>
-            </a:extLst>
-          </p:cNvPr>
-          <p:cNvSpPr/>
-          <p:nvPr/>
-        </p:nvSpPr>
-        <p:spPr>
-          <a:xfrm>
-            <a:off x="838201" y="1480282"/>
-            <a:ext cx="4164106" cy="3754874"/>
-          </a:xfrm>
-          <a:prstGeom prst="rect">
-            <a:avLst/>
-          </a:prstGeom>
-        </p:spPr>
-        <p:txBody>
-          <a:bodyPr wrap="square">
-            <a:spAutoFit/>
-          </a:bodyPr>
-          <a:lstStyle/>
-          <a:p>
-            <a:r>
-              <a:rPr lang="en-GB" sz="1400" dirty="0">
-                <a:latin typeface="DejaVu Sans Book" panose="020B0603030804020204" pitchFamily="34" charset="0"/>
-                <a:ea typeface="DejaVu Sans Book" panose="020B0603030804020204" pitchFamily="34" charset="0"/>
-                <a:cs typeface="DejaVu Sans Book" panose="020B0603030804020204" pitchFamily="34" charset="0"/>
-              </a:rPr>
-              <a:t>/// Convert a non-negative integer into its</a:t>
-            </a:r>
-          </a:p>
-          <a:p>
-            <a:r>
-              <a:rPr lang="en-GB" sz="1400" dirty="0">
-                <a:latin typeface="DejaVu Sans Book" panose="020B0603030804020204" pitchFamily="34" charset="0"/>
-                <a:ea typeface="DejaVu Sans Book" panose="020B0603030804020204" pitchFamily="34" charset="0"/>
-                <a:cs typeface="DejaVu Sans Book" panose="020B0603030804020204" pitchFamily="34" charset="0"/>
-              </a:rPr>
-              <a:t>/// binary form. E.g., dec2bin 3 =  "0b11"</a:t>
-            </a:r>
-          </a:p>
-          <a:p>
-            <a:r>
-              <a:rPr lang="en-GB" sz="1400" dirty="0">
-                <a:latin typeface="DejaVu Sans Book" panose="020B0603030804020204" pitchFamily="34" charset="0"/>
-                <a:ea typeface="DejaVu Sans Book" panose="020B0603030804020204" pitchFamily="34" charset="0"/>
-                <a:cs typeface="DejaVu Sans Book" panose="020B0603030804020204" pitchFamily="34" charset="0"/>
-              </a:rPr>
-              <a:t>let dec2bin n =</a:t>
-            </a:r>
-          </a:p>
-          <a:p>
-            <a:r>
-              <a:rPr lang="en-GB" sz="1400" dirty="0">
-                <a:latin typeface="DejaVu Sans Book" panose="020B0603030804020204" pitchFamily="34" charset="0"/>
-                <a:ea typeface="DejaVu Sans Book" panose="020B0603030804020204" pitchFamily="34" charset="0"/>
-                <a:cs typeface="DejaVu Sans Book" panose="020B0603030804020204" pitchFamily="34" charset="0"/>
-              </a:rPr>
-              <a:t>  if n &lt; 0 then</a:t>
-            </a:r>
-          </a:p>
-          <a:p>
-            <a:r>
-              <a:rPr lang="en-GB" sz="1400" dirty="0">
-                <a:latin typeface="DejaVu Sans Book" panose="020B0603030804020204" pitchFamily="34" charset="0"/>
-                <a:ea typeface="DejaVu Sans Book" panose="020B0603030804020204" pitchFamily="34" charset="0"/>
-                <a:cs typeface="DejaVu Sans Book" panose="020B0603030804020204" pitchFamily="34" charset="0"/>
-              </a:rPr>
-              <a:t>    "Illegal value"</a:t>
-            </a:r>
-          </a:p>
-          <a:p>
-            <a:r>
-              <a:rPr lang="en-GB" sz="1400" dirty="0">
-                <a:latin typeface="DejaVu Sans Book" panose="020B0603030804020204" pitchFamily="34" charset="0"/>
-                <a:ea typeface="DejaVu Sans Book" panose="020B0603030804020204" pitchFamily="34" charset="0"/>
-                <a:cs typeface="DejaVu Sans Book" panose="020B0603030804020204" pitchFamily="34" charset="0"/>
-              </a:rPr>
-              <a:t>  </a:t>
-            </a:r>
-            <a:r>
-              <a:rPr lang="en-GB" sz="1400" dirty="0" err="1">
-                <a:latin typeface="DejaVu Sans Book" panose="020B0603030804020204" pitchFamily="34" charset="0"/>
-                <a:ea typeface="DejaVu Sans Book" panose="020B0603030804020204" pitchFamily="34" charset="0"/>
-                <a:cs typeface="DejaVu Sans Book" panose="020B0603030804020204" pitchFamily="34" charset="0"/>
-              </a:rPr>
-              <a:t>elif</a:t>
-            </a:r>
-            <a:r>
-              <a:rPr lang="en-GB" sz="1400" dirty="0">
-                <a:latin typeface="DejaVu Sans Book" panose="020B0603030804020204" pitchFamily="34" charset="0"/>
-                <a:ea typeface="DejaVu Sans Book" panose="020B0603030804020204" pitchFamily="34" charset="0"/>
-                <a:cs typeface="DejaVu Sans Book" panose="020B0603030804020204" pitchFamily="34" charset="0"/>
-              </a:rPr>
-              <a:t> n = 0 then</a:t>
-            </a:r>
-          </a:p>
-          <a:p>
-            <a:r>
-              <a:rPr lang="en-GB" sz="1400" dirty="0">
-                <a:latin typeface="DejaVu Sans Book" panose="020B0603030804020204" pitchFamily="34" charset="0"/>
-                <a:ea typeface="DejaVu Sans Book" panose="020B0603030804020204" pitchFamily="34" charset="0"/>
-                <a:cs typeface="DejaVu Sans Book" panose="020B0603030804020204" pitchFamily="34" charset="0"/>
-              </a:rPr>
-              <a:t>    "0b0"</a:t>
-            </a:r>
-          </a:p>
-          <a:p>
-            <a:r>
-              <a:rPr lang="en-GB" sz="1400" dirty="0">
-                <a:latin typeface="DejaVu Sans Book" panose="020B0603030804020204" pitchFamily="34" charset="0"/>
-                <a:ea typeface="DejaVu Sans Book" panose="020B0603030804020204" pitchFamily="34" charset="0"/>
-                <a:cs typeface="DejaVu Sans Book" panose="020B0603030804020204" pitchFamily="34" charset="0"/>
-              </a:rPr>
-              <a:t>  else</a:t>
-            </a:r>
-          </a:p>
-          <a:p>
-            <a:r>
-              <a:rPr lang="en-GB" sz="1400" dirty="0">
-                <a:latin typeface="DejaVu Sans Book" panose="020B0603030804020204" pitchFamily="34" charset="0"/>
-                <a:ea typeface="DejaVu Sans Book" panose="020B0603030804020204" pitchFamily="34" charset="0"/>
-                <a:cs typeface="DejaVu Sans Book" panose="020B0603030804020204" pitchFamily="34" charset="0"/>
-              </a:rPr>
-              <a:t>    let mutable v = n</a:t>
-            </a:r>
-          </a:p>
-          <a:p>
-            <a:r>
-              <a:rPr lang="en-GB" sz="1400" dirty="0">
-                <a:latin typeface="DejaVu Sans Book" panose="020B0603030804020204" pitchFamily="34" charset="0"/>
-                <a:ea typeface="DejaVu Sans Book" panose="020B0603030804020204" pitchFamily="34" charset="0"/>
-                <a:cs typeface="DejaVu Sans Book" panose="020B0603030804020204" pitchFamily="34" charset="0"/>
-              </a:rPr>
-              <a:t>    let mutable str = ""</a:t>
-            </a:r>
-          </a:p>
-          <a:p>
-            <a:r>
-              <a:rPr lang="en-GB" sz="1400" dirty="0">
-                <a:latin typeface="DejaVu Sans Book" panose="020B0603030804020204" pitchFamily="34" charset="0"/>
-                <a:ea typeface="DejaVu Sans Book" panose="020B0603030804020204" pitchFamily="34" charset="0"/>
-                <a:cs typeface="DejaVu Sans Book" panose="020B0603030804020204" pitchFamily="34" charset="0"/>
-              </a:rPr>
-              <a:t>    while v &gt; 0 do</a:t>
-            </a:r>
-          </a:p>
-          <a:p>
-            <a:r>
-              <a:rPr lang="en-GB" sz="1400" dirty="0">
-                <a:latin typeface="DejaVu Sans Book" panose="020B0603030804020204" pitchFamily="34" charset="0"/>
-                <a:ea typeface="DejaVu Sans Book" panose="020B0603030804020204" pitchFamily="34" charset="0"/>
-                <a:cs typeface="DejaVu Sans Book" panose="020B0603030804020204" pitchFamily="34" charset="0"/>
-              </a:rPr>
-              <a:t>      str &lt;- (string (v % 2)) + str</a:t>
-            </a:r>
-          </a:p>
-          <a:p>
-            <a:r>
-              <a:rPr lang="en-GB" sz="1400" dirty="0">
-                <a:latin typeface="DejaVu Sans Book" panose="020B0603030804020204" pitchFamily="34" charset="0"/>
-                <a:ea typeface="DejaVu Sans Book" panose="020B0603030804020204" pitchFamily="34" charset="0"/>
-                <a:cs typeface="DejaVu Sans Book" panose="020B0603030804020204" pitchFamily="34" charset="0"/>
-              </a:rPr>
-              <a:t>      v &lt;- v / 2</a:t>
-            </a:r>
-          </a:p>
-          <a:p>
-            <a:r>
-              <a:rPr lang="en-GB" sz="1400" dirty="0">
-                <a:latin typeface="DejaVu Sans Book" panose="020B0603030804020204" pitchFamily="34" charset="0"/>
-                <a:ea typeface="DejaVu Sans Book" panose="020B0603030804020204" pitchFamily="34" charset="0"/>
-                <a:cs typeface="DejaVu Sans Book" panose="020B0603030804020204" pitchFamily="34" charset="0"/>
-              </a:rPr>
-              <a:t>    "0b" + str</a:t>
-            </a:r>
-          </a:p>
-          <a:p>
-            <a:r>
-              <a:rPr lang="en-GB" sz="1400" dirty="0">
-                <a:latin typeface="DejaVu Sans Book" panose="020B0603030804020204" pitchFamily="34" charset="0"/>
-                <a:ea typeface="DejaVu Sans Book" panose="020B0603030804020204" pitchFamily="34" charset="0"/>
-                <a:cs typeface="DejaVu Sans Book" panose="020B0603030804020204" pitchFamily="34" charset="0"/>
-              </a:rPr>
-              <a:t>let N = 116</a:t>
-            </a:r>
-          </a:p>
-          <a:p>
-            <a:r>
-              <a:rPr lang="en-GB" sz="1400" dirty="0" err="1">
-                <a:latin typeface="DejaVu Sans Book" panose="020B0603030804020204" pitchFamily="34" charset="0"/>
-                <a:ea typeface="DejaVu Sans Book" panose="020B0603030804020204" pitchFamily="34" charset="0"/>
-                <a:cs typeface="DejaVu Sans Book" panose="020B0603030804020204" pitchFamily="34" charset="0"/>
-              </a:rPr>
-              <a:t>printfn</a:t>
-            </a:r>
-            <a:r>
-              <a:rPr lang="en-GB" sz="1400" dirty="0">
-                <a:latin typeface="DejaVu Sans Book" panose="020B0603030804020204" pitchFamily="34" charset="0"/>
-                <a:ea typeface="DejaVu Sans Book" panose="020B0603030804020204" pitchFamily="34" charset="0"/>
-                <a:cs typeface="DejaVu Sans Book" panose="020B0603030804020204" pitchFamily="34" charset="0"/>
-              </a:rPr>
-              <a:t> "%d_10 = %s_2" N (dec2bin N)</a:t>
-            </a:r>
-          </a:p>
-          <a:p>
-            <a:endParaRPr lang="en-GB" sz="1400" dirty="0">
-              <a:latin typeface="DejaVu Sans Book" panose="020B0603030804020204" pitchFamily="34" charset="0"/>
-              <a:ea typeface="DejaVu Sans Book" panose="020B0603030804020204" pitchFamily="34" charset="0"/>
-              <a:cs typeface="DejaVu Sans Book" panose="020B0603030804020204" pitchFamily="34" charset="0"/>
-            </a:endParaRPr>
-          </a:p>
-        </p:txBody>
-      </p:sp>
-      <p:cxnSp>
-        <p:nvCxnSpPr>
-          <p:cNvPr id="12" name="Straight Connector 11">
-            <a:extLst>
-              <a:ext uri="{FF2B5EF4-FFF2-40B4-BE49-F238E27FC236}">
-                <a16:creationId xmlns:a16="http://schemas.microsoft.com/office/drawing/2014/main" id="{C96C0CCD-EDC5-174F-B791-C3061F200386}"/>
-              </a:ext>
-            </a:extLst>
-          </p:cNvPr>
-          <p:cNvCxnSpPr>
-            <a:cxnSpLocks/>
-          </p:cNvCxnSpPr>
-          <p:nvPr/>
-        </p:nvCxnSpPr>
-        <p:spPr>
-          <a:xfrm>
-            <a:off x="5260947" y="924657"/>
-            <a:ext cx="0" cy="5617547"/>
-          </a:xfrm>
-          <a:prstGeom prst="line">
-            <a:avLst/>
-          </a:prstGeom>
-        </p:spPr>
-        <p:style>
-          <a:lnRef idx="1">
-            <a:schemeClr val="accent1"/>
-          </a:lnRef>
-          <a:fillRef idx="0">
-            <a:schemeClr val="accent1"/>
-          </a:fillRef>
-          <a:effectRef idx="0">
-            <a:schemeClr val="accent1"/>
-          </a:effectRef>
-          <a:fontRef idx="minor">
-            <a:schemeClr val="tx1"/>
-          </a:fontRef>
-        </p:style>
-      </p:cxnSp>
-      <p:sp>
-        <p:nvSpPr>
-          <p:cNvPr id="13" name="TextBox 12">
-            <a:extLst>
-              <a:ext uri="{FF2B5EF4-FFF2-40B4-BE49-F238E27FC236}">
-                <a16:creationId xmlns:a16="http://schemas.microsoft.com/office/drawing/2014/main" id="{4E9B4A53-8FD5-AD45-B615-6279DFC8B0E8}"/>
-              </a:ext>
-            </a:extLst>
-          </p:cNvPr>
-          <p:cNvSpPr txBox="1"/>
-          <p:nvPr/>
-        </p:nvSpPr>
-        <p:spPr>
-          <a:xfrm>
-            <a:off x="5354086" y="977307"/>
-            <a:ext cx="2883228" cy="461665"/>
-          </a:xfrm>
-          <a:prstGeom prst="rect">
-            <a:avLst/>
-          </a:prstGeom>
-          <a:noFill/>
-        </p:spPr>
-        <p:txBody>
-          <a:bodyPr wrap="square" rtlCol="0">
-            <a:spAutoFit/>
-          </a:bodyPr>
-          <a:lstStyle/>
-          <a:p>
-            <a:r>
-              <a:rPr lang="en-GB" sz="2400" dirty="0"/>
-              <a:t>Implementation (.fs)</a:t>
-            </a:r>
-          </a:p>
-        </p:txBody>
-      </p:sp>
-      <p:sp>
-        <p:nvSpPr>
-          <p:cNvPr id="14" name="TextBox 13">
-            <a:extLst>
-              <a:ext uri="{FF2B5EF4-FFF2-40B4-BE49-F238E27FC236}">
-                <a16:creationId xmlns:a16="http://schemas.microsoft.com/office/drawing/2014/main" id="{E0F5BAEA-08D1-6945-A65E-8BD14D87F630}"/>
-              </a:ext>
-            </a:extLst>
-          </p:cNvPr>
-          <p:cNvSpPr txBox="1"/>
-          <p:nvPr/>
-        </p:nvSpPr>
-        <p:spPr>
-          <a:xfrm>
-            <a:off x="5320510" y="5147929"/>
-            <a:ext cx="2883228" cy="461665"/>
-          </a:xfrm>
-          <a:prstGeom prst="rect">
-            <a:avLst/>
-          </a:prstGeom>
-          <a:noFill/>
-        </p:spPr>
-        <p:txBody>
-          <a:bodyPr wrap="square" rtlCol="0">
-            <a:spAutoFit/>
-          </a:bodyPr>
-          <a:lstStyle/>
-          <a:p>
-            <a:r>
-              <a:rPr lang="en-GB" sz="2400" dirty="0"/>
-              <a:t>Application (.</a:t>
-            </a:r>
-            <a:r>
-              <a:rPr lang="en-GB" sz="2400" dirty="0" err="1"/>
-              <a:t>fsx</a:t>
-            </a:r>
-            <a:r>
-              <a:rPr lang="en-GB" sz="2400" dirty="0"/>
-              <a:t>)</a:t>
-            </a:r>
-          </a:p>
-        </p:txBody>
-      </p:sp>
-      <p:cxnSp>
-        <p:nvCxnSpPr>
-          <p:cNvPr id="15" name="Straight Connector 14">
-            <a:extLst>
-              <a:ext uri="{FF2B5EF4-FFF2-40B4-BE49-F238E27FC236}">
-                <a16:creationId xmlns:a16="http://schemas.microsoft.com/office/drawing/2014/main" id="{D6350A42-B226-D343-9628-0B17BB75E4F8}"/>
-              </a:ext>
-            </a:extLst>
-          </p:cNvPr>
-          <p:cNvCxnSpPr>
-            <a:cxnSpLocks/>
-          </p:cNvCxnSpPr>
-          <p:nvPr/>
-        </p:nvCxnSpPr>
-        <p:spPr>
-          <a:xfrm flipV="1">
-            <a:off x="5354086" y="5092673"/>
-            <a:ext cx="3747012" cy="8390"/>
-          </a:xfrm>
-          <a:prstGeom prst="line">
-            <a:avLst/>
-          </a:prstGeom>
-        </p:spPr>
-        <p:style>
-          <a:lnRef idx="1">
-            <a:schemeClr val="accent1"/>
-          </a:lnRef>
-          <a:fillRef idx="0">
-            <a:schemeClr val="accent1"/>
-          </a:fillRef>
-          <a:effectRef idx="0">
-            <a:schemeClr val="accent1"/>
-          </a:effectRef>
-          <a:fontRef idx="minor">
-            <a:schemeClr val="tx1"/>
-          </a:fontRef>
-        </p:style>
-      </p:cxnSp>
-      <p:sp>
-        <p:nvSpPr>
-          <p:cNvPr id="16" name="Rectangle 15">
-            <a:extLst>
-              <a:ext uri="{FF2B5EF4-FFF2-40B4-BE49-F238E27FC236}">
-                <a16:creationId xmlns:a16="http://schemas.microsoft.com/office/drawing/2014/main" id="{FA74D2E7-4433-B14A-AD5E-D973DB770B9B}"/>
-              </a:ext>
-            </a:extLst>
-          </p:cNvPr>
-          <p:cNvSpPr/>
-          <p:nvPr/>
-        </p:nvSpPr>
-        <p:spPr>
-          <a:xfrm>
-            <a:off x="5354086" y="5710395"/>
-            <a:ext cx="4164106" cy="954107"/>
-          </a:xfrm>
-          <a:prstGeom prst="rect">
-            <a:avLst/>
-          </a:prstGeom>
-        </p:spPr>
-        <p:txBody>
-          <a:bodyPr wrap="square">
-            <a:spAutoFit/>
-          </a:bodyPr>
-          <a:lstStyle/>
-          <a:p>
-            <a:r>
-              <a:rPr lang="en-GB" sz="1400" dirty="0">
-                <a:latin typeface="DejaVu Sans Book" panose="020B0603030804020204" pitchFamily="34" charset="0"/>
-                <a:ea typeface="DejaVu Sans Book" panose="020B0603030804020204" pitchFamily="34" charset="0"/>
-                <a:cs typeface="DejaVu Sans Book" panose="020B0603030804020204" pitchFamily="34" charset="0"/>
-              </a:rPr>
-              <a:t>open convert</a:t>
-            </a:r>
-          </a:p>
-          <a:p>
-            <a:endParaRPr lang="en-GB" sz="1400" dirty="0">
-              <a:latin typeface="DejaVu Sans Book" panose="020B0603030804020204" pitchFamily="34" charset="0"/>
-              <a:ea typeface="DejaVu Sans Book" panose="020B0603030804020204" pitchFamily="34" charset="0"/>
-              <a:cs typeface="DejaVu Sans Book" panose="020B0603030804020204" pitchFamily="34" charset="0"/>
-            </a:endParaRPr>
-          </a:p>
-          <a:p>
-            <a:r>
-              <a:rPr lang="en-GB" sz="1400" dirty="0">
-                <a:latin typeface="DejaVu Sans Book" panose="020B0603030804020204" pitchFamily="34" charset="0"/>
-                <a:ea typeface="DejaVu Sans Book" panose="020B0603030804020204" pitchFamily="34" charset="0"/>
-                <a:cs typeface="DejaVu Sans Book" panose="020B0603030804020204" pitchFamily="34" charset="0"/>
-              </a:rPr>
-              <a:t>let N = 116</a:t>
-            </a:r>
-          </a:p>
-          <a:p>
-            <a:r>
-              <a:rPr lang="en-GB" sz="1400" dirty="0" err="1">
-                <a:latin typeface="DejaVu Sans Book" panose="020B0603030804020204" pitchFamily="34" charset="0"/>
-                <a:ea typeface="DejaVu Sans Book" panose="020B0603030804020204" pitchFamily="34" charset="0"/>
-                <a:cs typeface="DejaVu Sans Book" panose="020B0603030804020204" pitchFamily="34" charset="0"/>
-              </a:rPr>
-              <a:t>printfn</a:t>
-            </a:r>
-            <a:r>
-              <a:rPr lang="en-GB" sz="1400" dirty="0">
-                <a:latin typeface="DejaVu Sans Book" panose="020B0603030804020204" pitchFamily="34" charset="0"/>
-                <a:ea typeface="DejaVu Sans Book" panose="020B0603030804020204" pitchFamily="34" charset="0"/>
-                <a:cs typeface="DejaVu Sans Book" panose="020B0603030804020204" pitchFamily="34" charset="0"/>
-              </a:rPr>
-              <a:t> "%d_10 = %s_2" N (dec2bin N)</a:t>
-            </a:r>
-          </a:p>
-        </p:txBody>
-      </p:sp>
-      <p:sp>
-        <p:nvSpPr>
-          <p:cNvPr id="18" name="Rectangle 17">
-            <a:extLst>
-              <a:ext uri="{FF2B5EF4-FFF2-40B4-BE49-F238E27FC236}">
-                <a16:creationId xmlns:a16="http://schemas.microsoft.com/office/drawing/2014/main" id="{B9ACA71C-90E8-014B-906A-EBB6FB191334}"/>
-              </a:ext>
-            </a:extLst>
-          </p:cNvPr>
-          <p:cNvSpPr/>
-          <p:nvPr/>
-        </p:nvSpPr>
-        <p:spPr>
-          <a:xfrm>
-            <a:off x="5354086" y="1456229"/>
-            <a:ext cx="4164106" cy="3539430"/>
-          </a:xfrm>
-          <a:prstGeom prst="rect">
-            <a:avLst/>
-          </a:prstGeom>
-        </p:spPr>
-        <p:txBody>
-          <a:bodyPr wrap="square">
-            <a:spAutoFit/>
-          </a:bodyPr>
-          <a:lstStyle/>
-          <a:p>
-            <a:r>
-              <a:rPr lang="en-GB" sz="1400" dirty="0">
-                <a:latin typeface="DejaVu Sans Book" panose="020B0603030804020204" pitchFamily="34" charset="0"/>
-                <a:ea typeface="DejaVu Sans Book" panose="020B0603030804020204" pitchFamily="34" charset="0"/>
-                <a:cs typeface="DejaVu Sans Book" panose="020B0603030804020204" pitchFamily="34" charset="0"/>
-              </a:rPr>
-              <a:t>module convert</a:t>
-            </a:r>
-          </a:p>
-          <a:p>
-            <a:endParaRPr lang="en-GB" sz="1400" dirty="0">
-              <a:latin typeface="DejaVu Sans Book" panose="020B0603030804020204" pitchFamily="34" charset="0"/>
-              <a:ea typeface="DejaVu Sans Book" panose="020B0603030804020204" pitchFamily="34" charset="0"/>
-              <a:cs typeface="DejaVu Sans Book" panose="020B0603030804020204" pitchFamily="34" charset="0"/>
-            </a:endParaRPr>
-          </a:p>
-          <a:p>
-            <a:r>
-              <a:rPr lang="en-GB" sz="1400" dirty="0">
-                <a:latin typeface="DejaVu Sans Book" panose="020B0603030804020204" pitchFamily="34" charset="0"/>
-                <a:ea typeface="DejaVu Sans Book" panose="020B0603030804020204" pitchFamily="34" charset="0"/>
-                <a:cs typeface="DejaVu Sans Book" panose="020B0603030804020204" pitchFamily="34" charset="0"/>
-              </a:rPr>
-              <a:t>/// Convert a non-negative integer into its</a:t>
-            </a:r>
-          </a:p>
-          <a:p>
-            <a:r>
-              <a:rPr lang="en-GB" sz="1400" dirty="0">
-                <a:latin typeface="DejaVu Sans Book" panose="020B0603030804020204" pitchFamily="34" charset="0"/>
-                <a:ea typeface="DejaVu Sans Book" panose="020B0603030804020204" pitchFamily="34" charset="0"/>
-                <a:cs typeface="DejaVu Sans Book" panose="020B0603030804020204" pitchFamily="34" charset="0"/>
-              </a:rPr>
-              <a:t>/// binary form. E.g., dec2bin 3 =  "0b11"</a:t>
-            </a:r>
-          </a:p>
-          <a:p>
-            <a:r>
-              <a:rPr lang="en-GB" sz="1400" dirty="0">
-                <a:latin typeface="DejaVu Sans Book" panose="020B0603030804020204" pitchFamily="34" charset="0"/>
-                <a:ea typeface="DejaVu Sans Book" panose="020B0603030804020204" pitchFamily="34" charset="0"/>
-                <a:cs typeface="DejaVu Sans Book" panose="020B0603030804020204" pitchFamily="34" charset="0"/>
-              </a:rPr>
-              <a:t>let dec2bin n =</a:t>
-            </a:r>
-          </a:p>
-          <a:p>
-            <a:r>
-              <a:rPr lang="en-GB" sz="1400" dirty="0">
-                <a:latin typeface="DejaVu Sans Book" panose="020B0603030804020204" pitchFamily="34" charset="0"/>
-                <a:ea typeface="DejaVu Sans Book" panose="020B0603030804020204" pitchFamily="34" charset="0"/>
-                <a:cs typeface="DejaVu Sans Book" panose="020B0603030804020204" pitchFamily="34" charset="0"/>
-              </a:rPr>
-              <a:t>  if n &lt; 0 then       </a:t>
-            </a:r>
-          </a:p>
-          <a:p>
-            <a:r>
-              <a:rPr lang="en-GB" sz="1400" dirty="0">
-                <a:latin typeface="DejaVu Sans Book" panose="020B0603030804020204" pitchFamily="34" charset="0"/>
-                <a:ea typeface="DejaVu Sans Book" panose="020B0603030804020204" pitchFamily="34" charset="0"/>
-                <a:cs typeface="DejaVu Sans Book" panose="020B0603030804020204" pitchFamily="34" charset="0"/>
-              </a:rPr>
-              <a:t>    "Illegal value"</a:t>
-            </a:r>
-          </a:p>
-          <a:p>
-            <a:r>
-              <a:rPr lang="en-GB" sz="1400" dirty="0">
-                <a:latin typeface="DejaVu Sans Book" panose="020B0603030804020204" pitchFamily="34" charset="0"/>
-                <a:ea typeface="DejaVu Sans Book" panose="020B0603030804020204" pitchFamily="34" charset="0"/>
-                <a:cs typeface="DejaVu Sans Book" panose="020B0603030804020204" pitchFamily="34" charset="0"/>
-              </a:rPr>
-              <a:t>  </a:t>
-            </a:r>
-            <a:r>
-              <a:rPr lang="en-GB" sz="1400" dirty="0" err="1">
-                <a:latin typeface="DejaVu Sans Book" panose="020B0603030804020204" pitchFamily="34" charset="0"/>
-                <a:ea typeface="DejaVu Sans Book" panose="020B0603030804020204" pitchFamily="34" charset="0"/>
-                <a:cs typeface="DejaVu Sans Book" panose="020B0603030804020204" pitchFamily="34" charset="0"/>
-              </a:rPr>
-              <a:t>elif</a:t>
-            </a:r>
-            <a:r>
-              <a:rPr lang="en-GB" sz="1400" dirty="0">
-                <a:latin typeface="DejaVu Sans Book" panose="020B0603030804020204" pitchFamily="34" charset="0"/>
-                <a:ea typeface="DejaVu Sans Book" panose="020B0603030804020204" pitchFamily="34" charset="0"/>
-                <a:cs typeface="DejaVu Sans Book" panose="020B0603030804020204" pitchFamily="34" charset="0"/>
-              </a:rPr>
-              <a:t> n = 0 then      </a:t>
-            </a:r>
-          </a:p>
-          <a:p>
-            <a:r>
-              <a:rPr lang="en-GB" sz="1400" dirty="0">
-                <a:latin typeface="DejaVu Sans Book" panose="020B0603030804020204" pitchFamily="34" charset="0"/>
-                <a:ea typeface="DejaVu Sans Book" panose="020B0603030804020204" pitchFamily="34" charset="0"/>
-                <a:cs typeface="DejaVu Sans Book" panose="020B0603030804020204" pitchFamily="34" charset="0"/>
-              </a:rPr>
-              <a:t>    "0b0"</a:t>
-            </a:r>
-          </a:p>
-          <a:p>
-            <a:r>
-              <a:rPr lang="en-GB" sz="1400" dirty="0">
-                <a:latin typeface="DejaVu Sans Book" panose="020B0603030804020204" pitchFamily="34" charset="0"/>
-                <a:ea typeface="DejaVu Sans Book" panose="020B0603030804020204" pitchFamily="34" charset="0"/>
-                <a:cs typeface="DejaVu Sans Book" panose="020B0603030804020204" pitchFamily="34" charset="0"/>
-              </a:rPr>
-              <a:t>  else</a:t>
-            </a:r>
-          </a:p>
-          <a:p>
-            <a:r>
-              <a:rPr lang="en-GB" sz="1400" dirty="0">
-                <a:latin typeface="DejaVu Sans Book" panose="020B0603030804020204" pitchFamily="34" charset="0"/>
-                <a:ea typeface="DejaVu Sans Book" panose="020B0603030804020204" pitchFamily="34" charset="0"/>
-                <a:cs typeface="DejaVu Sans Book" panose="020B0603030804020204" pitchFamily="34" charset="0"/>
-              </a:rPr>
-              <a:t>    let mutable v = n</a:t>
-            </a:r>
-          </a:p>
-          <a:p>
-            <a:r>
-              <a:rPr lang="en-GB" sz="1400" dirty="0">
-                <a:latin typeface="DejaVu Sans Book" panose="020B0603030804020204" pitchFamily="34" charset="0"/>
-                <a:ea typeface="DejaVu Sans Book" panose="020B0603030804020204" pitchFamily="34" charset="0"/>
-                <a:cs typeface="DejaVu Sans Book" panose="020B0603030804020204" pitchFamily="34" charset="0"/>
-              </a:rPr>
-              <a:t>    let mutable str = ""</a:t>
-            </a:r>
-          </a:p>
-          <a:p>
-            <a:r>
-              <a:rPr lang="en-GB" sz="1400" dirty="0">
-                <a:latin typeface="DejaVu Sans Book" panose="020B0603030804020204" pitchFamily="34" charset="0"/>
-                <a:ea typeface="DejaVu Sans Book" panose="020B0603030804020204" pitchFamily="34" charset="0"/>
-                <a:cs typeface="DejaVu Sans Book" panose="020B0603030804020204" pitchFamily="34" charset="0"/>
-              </a:rPr>
-              <a:t>    while v &gt; 0 do     </a:t>
-            </a:r>
-          </a:p>
-          <a:p>
-            <a:r>
-              <a:rPr lang="en-GB" sz="1400" dirty="0">
-                <a:latin typeface="DejaVu Sans Book" panose="020B0603030804020204" pitchFamily="34" charset="0"/>
-                <a:ea typeface="DejaVu Sans Book" panose="020B0603030804020204" pitchFamily="34" charset="0"/>
-                <a:cs typeface="DejaVu Sans Book" panose="020B0603030804020204" pitchFamily="34" charset="0"/>
-              </a:rPr>
-              <a:t>      str &lt;- (string (v % 2)) + str</a:t>
-            </a:r>
-          </a:p>
-          <a:p>
-            <a:r>
-              <a:rPr lang="en-GB" sz="1400" dirty="0">
-                <a:latin typeface="DejaVu Sans Book" panose="020B0603030804020204" pitchFamily="34" charset="0"/>
-                <a:ea typeface="DejaVu Sans Book" panose="020B0603030804020204" pitchFamily="34" charset="0"/>
-                <a:cs typeface="DejaVu Sans Book" panose="020B0603030804020204" pitchFamily="34" charset="0"/>
-              </a:rPr>
-              <a:t>      v &lt;- v / 2</a:t>
-            </a:r>
-          </a:p>
-          <a:p>
-            <a:r>
-              <a:rPr lang="en-GB" sz="1400" dirty="0">
-                <a:latin typeface="DejaVu Sans Book" panose="020B0603030804020204" pitchFamily="34" charset="0"/>
-                <a:ea typeface="DejaVu Sans Book" panose="020B0603030804020204" pitchFamily="34" charset="0"/>
-                <a:cs typeface="DejaVu Sans Book" panose="020B0603030804020204" pitchFamily="34" charset="0"/>
-              </a:rPr>
-              <a:t>    "0b" + str</a:t>
-            </a:r>
-          </a:p>
-        </p:txBody>
-      </p:sp>
-      <p:sp>
-        <p:nvSpPr>
-          <p:cNvPr id="19" name="TextBox 18">
-            <a:extLst>
-              <a:ext uri="{FF2B5EF4-FFF2-40B4-BE49-F238E27FC236}">
-                <a16:creationId xmlns:a16="http://schemas.microsoft.com/office/drawing/2014/main" id="{F65129D6-D086-4E4A-8B24-43EE2A8C34BB}"/>
-              </a:ext>
-            </a:extLst>
-          </p:cNvPr>
-          <p:cNvSpPr txBox="1"/>
-          <p:nvPr/>
-        </p:nvSpPr>
-        <p:spPr>
-          <a:xfrm>
-            <a:off x="838200" y="974388"/>
-            <a:ext cx="2883228" cy="461665"/>
-          </a:xfrm>
-          <a:prstGeom prst="rect">
-            <a:avLst/>
-          </a:prstGeom>
-          <a:noFill/>
-        </p:spPr>
-        <p:txBody>
-          <a:bodyPr wrap="square" rtlCol="0">
-            <a:spAutoFit/>
-          </a:bodyPr>
-          <a:lstStyle/>
-          <a:p>
-            <a:r>
-              <a:rPr lang="en-GB" sz="2400" dirty="0"/>
-              <a:t>Program (.</a:t>
-            </a:r>
-            <a:r>
-              <a:rPr lang="en-GB" sz="2400" dirty="0" err="1"/>
-              <a:t>fsx</a:t>
-            </a:r>
-            <a:r>
-              <a:rPr lang="en-GB" sz="2400" dirty="0"/>
-              <a:t>)</a:t>
-            </a:r>
-          </a:p>
-        </p:txBody>
-      </p:sp>
-    </p:spTree>
-    <p:extLst>
-      <p:ext uri="{BB962C8B-B14F-4D97-AF65-F5344CB8AC3E}">
-        <p14:creationId xmlns:p14="http://schemas.microsoft.com/office/powerpoint/2010/main" val="342201254"/>
-      </p:ext>
-    </p:extLst>
-  </p:cSld>
-  <p:clrMapOvr>
-    <a:masterClrMapping/>
-  </p:clrMapOvr>
-  <p:timing>
-    <p:tnLst>
-      <p:par>
-        <p:cTn id="1" dur="indefinite" restart="never" nodeType="tmRoot">
-          <p:childTnLst>
-            <p:seq concurrent="1" nextAc="seek">
-              <p:cTn id="2" dur="indefinite" nodeType="mainSeq">
-                <p:childTnLst>
-                  <p:par>
-                    <p:cTn id="3" fill="hold">
-                      <p:stCondLst>
-                        <p:cond delay="indefinite"/>
-                      </p:stCondLst>
-                      <p:childTnLst>
-                        <p:par>
-                          <p:cTn id="4" fill="hold">
-                            <p:stCondLst>
-                              <p:cond delay="0"/>
-                            </p:stCondLst>
-                            <p:childTnLst>
-                              <p:par>
-                                <p:cTn id="5" presetID="1" presetClass="entr" presetSubtype="0" fill="hold" nodeType="clickEffect">
-                                  <p:stCondLst>
-                                    <p:cond delay="0"/>
-                                  </p:stCondLst>
-                                  <p:childTnLst>
-                                    <p:set>
-                                      <p:cBhvr>
-                                        <p:cTn id="6" dur="1" fill="hold">
-                                          <p:stCondLst>
-                                            <p:cond delay="0"/>
-                                          </p:stCondLst>
-                                        </p:cTn>
-                                        <p:tgtEl>
-                                          <p:spTgt spid="12"/>
-                                        </p:tgtEl>
-                                        <p:attrNameLst>
-                                          <p:attrName>style.visibility</p:attrName>
-                                        </p:attrNameLst>
-                                      </p:cBhvr>
-                                      <p:to>
-                                        <p:strVal val="visible"/>
-                                      </p:to>
-                                    </p:set>
-                                  </p:childTnLst>
-                                </p:cTn>
-                              </p:par>
-                              <p:par>
-                                <p:cTn id="7" presetID="1" presetClass="entr" presetSubtype="0" fill="hold" grpId="0" nodeType="withEffect">
-                                  <p:stCondLst>
-                                    <p:cond delay="0"/>
-                                  </p:stCondLst>
-                                  <p:childTnLst>
-                                    <p:set>
-                                      <p:cBhvr>
-                                        <p:cTn id="8" dur="1" fill="hold">
-                                          <p:stCondLst>
-                                            <p:cond delay="0"/>
-                                          </p:stCondLst>
-                                        </p:cTn>
-                                        <p:tgtEl>
-                                          <p:spTgt spid="13"/>
-                                        </p:tgtEl>
-                                        <p:attrNameLst>
-                                          <p:attrName>style.visibility</p:attrName>
-                                        </p:attrNameLst>
-                                      </p:cBhvr>
-                                      <p:to>
-                                        <p:strVal val="visible"/>
-                                      </p:to>
-                                    </p:set>
-                                  </p:childTnLst>
-                                </p:cTn>
-                              </p:par>
-                              <p:par>
-                                <p:cTn id="9" presetID="1" presetClass="entr" presetSubtype="0" fill="hold" grpId="0" nodeType="withEffect">
-                                  <p:stCondLst>
-                                    <p:cond delay="0"/>
-                                  </p:stCondLst>
-                                  <p:childTnLst>
-                                    <p:set>
-                                      <p:cBhvr>
-                                        <p:cTn id="10" dur="1" fill="hold">
-                                          <p:stCondLst>
-                                            <p:cond delay="0"/>
-                                          </p:stCondLst>
-                                        </p:cTn>
-                                        <p:tgtEl>
-                                          <p:spTgt spid="14"/>
-                                        </p:tgtEl>
-                                        <p:attrNameLst>
-                                          <p:attrName>style.visibility</p:attrName>
-                                        </p:attrNameLst>
-                                      </p:cBhvr>
-                                      <p:to>
-                                        <p:strVal val="visible"/>
-                                      </p:to>
-                                    </p:set>
-                                  </p:childTnLst>
-                                </p:cTn>
-                              </p:par>
-                              <p:par>
-                                <p:cTn id="11" presetID="1" presetClass="entr" presetSubtype="0" fill="hold" nodeType="withEffect">
-                                  <p:stCondLst>
-                                    <p:cond delay="0"/>
-                                  </p:stCondLst>
-                                  <p:childTnLst>
-                                    <p:set>
-                                      <p:cBhvr>
-                                        <p:cTn id="12" dur="1" fill="hold">
-                                          <p:stCondLst>
-                                            <p:cond delay="0"/>
-                                          </p:stCondLst>
-                                        </p:cTn>
-                                        <p:tgtEl>
-                                          <p:spTgt spid="15"/>
-                                        </p:tgtEl>
-                                        <p:attrNameLst>
-                                          <p:attrName>style.visibility</p:attrName>
-                                        </p:attrNameLst>
-                                      </p:cBhvr>
-                                      <p:to>
-                                        <p:strVal val="visible"/>
-                                      </p:to>
-                                    </p:set>
-                                  </p:childTnLst>
-                                </p:cTn>
-                              </p:par>
-                              <p:par>
-                                <p:cTn id="13" presetID="1" presetClass="entr" presetSubtype="0" fill="hold" grpId="0" nodeType="withEffect">
-                                  <p:stCondLst>
-                                    <p:cond delay="0"/>
-                                  </p:stCondLst>
-                                  <p:childTnLst>
-                                    <p:set>
-                                      <p:cBhvr>
-                                        <p:cTn id="14" dur="1" fill="hold">
-                                          <p:stCondLst>
-                                            <p:cond delay="0"/>
-                                          </p:stCondLst>
-                                        </p:cTn>
-                                        <p:tgtEl>
-                                          <p:spTgt spid="16"/>
-                                        </p:tgtEl>
-                                        <p:attrNameLst>
-                                          <p:attrName>style.visibility</p:attrName>
-                                        </p:attrNameLst>
-                                      </p:cBhvr>
-                                      <p:to>
-                                        <p:strVal val="visible"/>
-                                      </p:to>
-                                    </p:set>
-                                  </p:childTnLst>
-                                </p:cTn>
-                              </p:par>
-                              <p:par>
-                                <p:cTn id="15" presetID="1" presetClass="entr" presetSubtype="0" fill="hold" grpId="0" nodeType="withEffect">
-                                  <p:stCondLst>
-                                    <p:cond delay="0"/>
-                                  </p:stCondLst>
-                                  <p:childTnLst>
-                                    <p:set>
-                                      <p:cBhvr>
-                                        <p:cTn id="16" dur="1" fill="hold">
-                                          <p:stCondLst>
-                                            <p:cond delay="0"/>
-                                          </p:stCondLst>
-                                        </p:cTn>
-                                        <p:tgtEl>
-                                          <p:spTgt spid="18"/>
-                                        </p:tgtEl>
-                                        <p:attrNameLst>
-                                          <p:attrName>style.visibility</p:attrName>
-                                        </p:attrNameLst>
-                                      </p:cBhvr>
-                                      <p:to>
-                                        <p:strVal val="visible"/>
-                                      </p:to>
-                                    </p:set>
-                                  </p:childTnLst>
-                                </p:cTn>
-                              </p:par>
-                            </p:childTnLst>
-                          </p:cTn>
-                        </p:par>
-                      </p:childTnLst>
-                    </p:cTn>
-                  </p:par>
-                </p:childTnLst>
-              </p:cTn>
-              <p:prevCondLst>
-                <p:cond evt="onPrev" delay="0">
-                  <p:tgtEl>
-                    <p:sldTgt/>
-                  </p:tgtEl>
-                </p:cond>
-              </p:prevCondLst>
-              <p:nextCondLst>
-                <p:cond evt="onNext" delay="0">
-                  <p:tgtEl>
-                    <p:sldTgt/>
-                  </p:tgtEl>
-                </p:cond>
-              </p:nextCondLst>
-            </p:seq>
-          </p:childTnLst>
-        </p:cTn>
-      </p:par>
-    </p:tnLst>
-    <p:bldLst>
-      <p:bldP spid="13" grpId="0"/>
-      <p:bldP spid="14" grpId="0"/>
-      <p:bldP spid="16" grpId="0"/>
-      <p:bldP spid="18" grpId="0"/>
-    </p:bldLst>
-  </p:timing>
 </p:sld>
 </file>
 

--- a/lectures/4.1ModulesNTests/lecture.pptx
+++ b/lectures/4.1ModulesNTests/lecture.pptx
@@ -20,8 +20,8 @@
     <p:sldId id="321" r:id="rId11"/>
     <p:sldId id="316" r:id="rId12"/>
     <p:sldId id="315" r:id="rId13"/>
-    <p:sldId id="314" r:id="rId14"/>
-    <p:sldId id="313" r:id="rId15"/>
+    <p:sldId id="322" r:id="rId14"/>
+    <p:sldId id="323" r:id="rId15"/>
     <p:sldId id="317" r:id="rId16"/>
   </p:sldIdLst>
   <p:sldSz cx="12192000" cy="6858000"/>
@@ -7483,6 +7483,344 @@
       </p:grpSpPr>
       <p:sp>
         <p:nvSpPr>
+          <p:cNvPr id="9" name="Rectangle 8">
+            <a:extLst>
+              <a:ext uri="{FF2B5EF4-FFF2-40B4-BE49-F238E27FC236}">
+                <a16:creationId xmlns:a16="http://schemas.microsoft.com/office/drawing/2014/main" id="{6393FC19-8417-9E45-B66B-7464C6A02810}"/>
+              </a:ext>
+            </a:extLst>
+          </p:cNvPr>
+          <p:cNvSpPr/>
+          <p:nvPr/>
+        </p:nvSpPr>
+        <p:spPr>
+          <a:xfrm>
+            <a:off x="168536" y="2812146"/>
+            <a:ext cx="4726191" cy="3293209"/>
+          </a:xfrm>
+          <a:prstGeom prst="rect">
+            <a:avLst/>
+          </a:prstGeom>
+        </p:spPr>
+        <p:txBody>
+          <a:bodyPr wrap="square">
+            <a:spAutoFit/>
+          </a:bodyPr>
+          <a:lstStyle/>
+          <a:p>
+            <a:endParaRPr lang="en-GB" sz="1600" dirty="0">
+              <a:latin typeface="DejaVu Sans Book" panose="020B0603030804020204" pitchFamily="34" charset="0"/>
+              <a:ea typeface="DejaVu Sans Book" panose="020B0603030804020204" pitchFamily="34" charset="0"/>
+              <a:cs typeface="DejaVu Sans Book" panose="020B0603030804020204" pitchFamily="34" charset="0"/>
+            </a:endParaRPr>
+          </a:p>
+          <a:p>
+            <a:endParaRPr lang="en-GB" sz="1600" dirty="0">
+              <a:latin typeface="DejaVu Sans Book" panose="020B0603030804020204" pitchFamily="34" charset="0"/>
+              <a:ea typeface="DejaVu Sans Book" panose="020B0603030804020204" pitchFamily="34" charset="0"/>
+              <a:cs typeface="DejaVu Sans Book" panose="020B0603030804020204" pitchFamily="34" charset="0"/>
+            </a:endParaRPr>
+          </a:p>
+          <a:p>
+            <a:endParaRPr lang="en-GB" sz="1600" dirty="0">
+              <a:latin typeface="DejaVu Sans Book" panose="020B0603030804020204" pitchFamily="34" charset="0"/>
+              <a:ea typeface="DejaVu Sans Book" panose="020B0603030804020204" pitchFamily="34" charset="0"/>
+              <a:cs typeface="DejaVu Sans Book" panose="020B0603030804020204" pitchFamily="34" charset="0"/>
+            </a:endParaRPr>
+          </a:p>
+          <a:p>
+            <a:endParaRPr lang="en-GB" sz="1600" dirty="0">
+              <a:latin typeface="DejaVu Sans Book" panose="020B0603030804020204" pitchFamily="34" charset="0"/>
+              <a:ea typeface="DejaVu Sans Book" panose="020B0603030804020204" pitchFamily="34" charset="0"/>
+              <a:cs typeface="DejaVu Sans Book" panose="020B0603030804020204" pitchFamily="34" charset="0"/>
+            </a:endParaRPr>
+          </a:p>
+          <a:p>
+            <a:endParaRPr lang="en-GB" sz="1600" dirty="0">
+              <a:latin typeface="DejaVu Sans Book" panose="020B0603030804020204" pitchFamily="34" charset="0"/>
+              <a:ea typeface="DejaVu Sans Book" panose="020B0603030804020204" pitchFamily="34" charset="0"/>
+              <a:cs typeface="DejaVu Sans Book" panose="020B0603030804020204" pitchFamily="34" charset="0"/>
+            </a:endParaRPr>
+          </a:p>
+          <a:p>
+            <a:r>
+              <a:rPr lang="en-GB" sz="1600" dirty="0">
+                <a:highlight>
+                  <a:srgbClr val="00FF00"/>
+                </a:highlight>
+                <a:latin typeface="DejaVu Sans Book" panose="020B0603030804020204" pitchFamily="34" charset="0"/>
+                <a:ea typeface="DejaVu Sans Book" panose="020B0603030804020204" pitchFamily="34" charset="0"/>
+                <a:cs typeface="DejaVu Sans Book" panose="020B0603030804020204" pitchFamily="34" charset="0"/>
+              </a:rPr>
+              <a:t>                                                   (* WB: 1 *)</a:t>
+            </a:r>
+          </a:p>
+          <a:p>
+            <a:endParaRPr lang="en-GB" sz="1600" dirty="0">
+              <a:latin typeface="DejaVu Sans Book" panose="020B0603030804020204" pitchFamily="34" charset="0"/>
+              <a:ea typeface="DejaVu Sans Book" panose="020B0603030804020204" pitchFamily="34" charset="0"/>
+              <a:cs typeface="DejaVu Sans Book" panose="020B0603030804020204" pitchFamily="34" charset="0"/>
+            </a:endParaRPr>
+          </a:p>
+          <a:p>
+            <a:r>
+              <a:rPr lang="en-GB" sz="1600" dirty="0">
+                <a:highlight>
+                  <a:srgbClr val="00FF00"/>
+                </a:highlight>
+                <a:latin typeface="DejaVu Sans Book" panose="020B0603030804020204" pitchFamily="34" charset="0"/>
+                <a:ea typeface="DejaVu Sans Book" panose="020B0603030804020204" pitchFamily="34" charset="0"/>
+                <a:cs typeface="DejaVu Sans Book" panose="020B0603030804020204" pitchFamily="34" charset="0"/>
+              </a:rPr>
+              <a:t>                                                   (* WB: 2 *)</a:t>
+            </a:r>
+          </a:p>
+          <a:p>
+            <a:endParaRPr lang="en-GB" sz="1600" dirty="0">
+              <a:latin typeface="DejaVu Sans Book" panose="020B0603030804020204" pitchFamily="34" charset="0"/>
+              <a:ea typeface="DejaVu Sans Book" panose="020B0603030804020204" pitchFamily="34" charset="0"/>
+              <a:cs typeface="DejaVu Sans Book" panose="020B0603030804020204" pitchFamily="34" charset="0"/>
+            </a:endParaRPr>
+          </a:p>
+          <a:p>
+            <a:endParaRPr lang="en-GB" sz="1600" dirty="0">
+              <a:latin typeface="DejaVu Sans Book" panose="020B0603030804020204" pitchFamily="34" charset="0"/>
+              <a:ea typeface="DejaVu Sans Book" panose="020B0603030804020204" pitchFamily="34" charset="0"/>
+              <a:cs typeface="DejaVu Sans Book" panose="020B0603030804020204" pitchFamily="34" charset="0"/>
+            </a:endParaRPr>
+          </a:p>
+          <a:p>
+            <a:endParaRPr lang="en-GB" sz="1600" dirty="0">
+              <a:latin typeface="DejaVu Sans Book" panose="020B0603030804020204" pitchFamily="34" charset="0"/>
+              <a:ea typeface="DejaVu Sans Book" panose="020B0603030804020204" pitchFamily="34" charset="0"/>
+              <a:cs typeface="DejaVu Sans Book" panose="020B0603030804020204" pitchFamily="34" charset="0"/>
+            </a:endParaRPr>
+          </a:p>
+          <a:p>
+            <a:endParaRPr lang="en-GB" sz="1600" dirty="0">
+              <a:latin typeface="DejaVu Sans Book" panose="020B0603030804020204" pitchFamily="34" charset="0"/>
+              <a:ea typeface="DejaVu Sans Book" panose="020B0603030804020204" pitchFamily="34" charset="0"/>
+              <a:cs typeface="DejaVu Sans Book" panose="020B0603030804020204" pitchFamily="34" charset="0"/>
+            </a:endParaRPr>
+          </a:p>
+          <a:p>
+            <a:r>
+              <a:rPr lang="en-GB" sz="1600" dirty="0">
+                <a:highlight>
+                  <a:srgbClr val="00FF00"/>
+                </a:highlight>
+                <a:latin typeface="DejaVu Sans Book" panose="020B0603030804020204" pitchFamily="34" charset="0"/>
+                <a:ea typeface="DejaVu Sans Book" panose="020B0603030804020204" pitchFamily="34" charset="0"/>
+                <a:cs typeface="DejaVu Sans Book" panose="020B0603030804020204" pitchFamily="34" charset="0"/>
+              </a:rPr>
+              <a:t>                                                   (* WB: 3 *)</a:t>
+            </a:r>
+          </a:p>
+        </p:txBody>
+      </p:sp>
+      <p:sp>
+        <p:nvSpPr>
+          <p:cNvPr id="4" name="Rectangle 3">
+            <a:extLst>
+              <a:ext uri="{FF2B5EF4-FFF2-40B4-BE49-F238E27FC236}">
+                <a16:creationId xmlns:a16="http://schemas.microsoft.com/office/drawing/2014/main" id="{36284481-9526-FA45-BAC0-8857EA5072F9}"/>
+              </a:ext>
+            </a:extLst>
+          </p:cNvPr>
+          <p:cNvSpPr/>
+          <p:nvPr/>
+        </p:nvSpPr>
+        <p:spPr>
+          <a:xfrm>
+            <a:off x="168537" y="2812146"/>
+            <a:ext cx="4726191" cy="4031873"/>
+          </a:xfrm>
+          <a:prstGeom prst="rect">
+            <a:avLst/>
+          </a:prstGeom>
+        </p:spPr>
+        <p:txBody>
+          <a:bodyPr wrap="square">
+            <a:spAutoFit/>
+          </a:bodyPr>
+          <a:lstStyle/>
+          <a:p>
+            <a:r>
+              <a:rPr lang="en-GB" sz="1600" dirty="0">
+                <a:latin typeface="DejaVu Sans Book" panose="020B0603030804020204" pitchFamily="34" charset="0"/>
+                <a:ea typeface="DejaVu Sans Book" panose="020B0603030804020204" pitchFamily="34" charset="0"/>
+                <a:cs typeface="DejaVu Sans Book" panose="020B0603030804020204" pitchFamily="34" charset="0"/>
+              </a:rPr>
+              <a:t>module convert</a:t>
+            </a:r>
+          </a:p>
+          <a:p>
+            <a:endParaRPr lang="en-GB" sz="1600" dirty="0">
+              <a:latin typeface="DejaVu Sans Book" panose="020B0603030804020204" pitchFamily="34" charset="0"/>
+              <a:ea typeface="DejaVu Sans Book" panose="020B0603030804020204" pitchFamily="34" charset="0"/>
+              <a:cs typeface="DejaVu Sans Book" panose="020B0603030804020204" pitchFamily="34" charset="0"/>
+            </a:endParaRPr>
+          </a:p>
+          <a:p>
+            <a:r>
+              <a:rPr lang="en-GB" sz="1600" dirty="0">
+                <a:latin typeface="DejaVu Sans Book" panose="020B0603030804020204" pitchFamily="34" charset="0"/>
+                <a:ea typeface="DejaVu Sans Book" panose="020B0603030804020204" pitchFamily="34" charset="0"/>
+                <a:cs typeface="DejaVu Sans Book" panose="020B0603030804020204" pitchFamily="34" charset="0"/>
+              </a:rPr>
+              <a:t>/// Convert a non-negative integer into its</a:t>
+            </a:r>
+          </a:p>
+          <a:p>
+            <a:r>
+              <a:rPr lang="en-GB" sz="1600" dirty="0">
+                <a:latin typeface="DejaVu Sans Book" panose="020B0603030804020204" pitchFamily="34" charset="0"/>
+                <a:ea typeface="DejaVu Sans Book" panose="020B0603030804020204" pitchFamily="34" charset="0"/>
+                <a:cs typeface="DejaVu Sans Book" panose="020B0603030804020204" pitchFamily="34" charset="0"/>
+              </a:rPr>
+              <a:t>/// binary form. E.g., dec2bin 3 =  "0b11"</a:t>
+            </a:r>
+          </a:p>
+          <a:p>
+            <a:r>
+              <a:rPr lang="en-GB" sz="1600" dirty="0">
+                <a:latin typeface="DejaVu Sans Book" panose="020B0603030804020204" pitchFamily="34" charset="0"/>
+                <a:ea typeface="DejaVu Sans Book" panose="020B0603030804020204" pitchFamily="34" charset="0"/>
+                <a:cs typeface="DejaVu Sans Book" panose="020B0603030804020204" pitchFamily="34" charset="0"/>
+              </a:rPr>
+              <a:t>let dec2bin n =</a:t>
+            </a:r>
+          </a:p>
+          <a:p>
+            <a:r>
+              <a:rPr lang="en-GB" sz="1600" dirty="0">
+                <a:latin typeface="DejaVu Sans Book" panose="020B0603030804020204" pitchFamily="34" charset="0"/>
+                <a:ea typeface="DejaVu Sans Book" panose="020B0603030804020204" pitchFamily="34" charset="0"/>
+                <a:cs typeface="DejaVu Sans Book" panose="020B0603030804020204" pitchFamily="34" charset="0"/>
+              </a:rPr>
+              <a:t>  if n &lt; 0</a:t>
+            </a:r>
+          </a:p>
+          <a:p>
+            <a:r>
+              <a:rPr lang="en-GB" sz="1600" dirty="0">
+                <a:latin typeface="DejaVu Sans Book" panose="020B0603030804020204" pitchFamily="34" charset="0"/>
+                <a:ea typeface="DejaVu Sans Book" panose="020B0603030804020204" pitchFamily="34" charset="0"/>
+                <a:cs typeface="DejaVu Sans Book" panose="020B0603030804020204" pitchFamily="34" charset="0"/>
+              </a:rPr>
+              <a:t>    "Illegal value"</a:t>
+            </a:r>
+          </a:p>
+          <a:p>
+            <a:r>
+              <a:rPr lang="en-GB" sz="1600" dirty="0">
+                <a:latin typeface="DejaVu Sans Book" panose="020B0603030804020204" pitchFamily="34" charset="0"/>
+                <a:ea typeface="DejaVu Sans Book" panose="020B0603030804020204" pitchFamily="34" charset="0"/>
+                <a:cs typeface="DejaVu Sans Book" panose="020B0603030804020204" pitchFamily="34" charset="0"/>
+              </a:rPr>
+              <a:t>  </a:t>
+            </a:r>
+            <a:r>
+              <a:rPr lang="en-GB" sz="1600" dirty="0" err="1">
+                <a:latin typeface="DejaVu Sans Book" panose="020B0603030804020204" pitchFamily="34" charset="0"/>
+                <a:ea typeface="DejaVu Sans Book" panose="020B0603030804020204" pitchFamily="34" charset="0"/>
+                <a:cs typeface="DejaVu Sans Book" panose="020B0603030804020204" pitchFamily="34" charset="0"/>
+              </a:rPr>
+              <a:t>elif</a:t>
+            </a:r>
+            <a:r>
+              <a:rPr lang="en-GB" sz="1600" dirty="0">
+                <a:latin typeface="DejaVu Sans Book" panose="020B0603030804020204" pitchFamily="34" charset="0"/>
+                <a:ea typeface="DejaVu Sans Book" panose="020B0603030804020204" pitchFamily="34" charset="0"/>
+                <a:cs typeface="DejaVu Sans Book" panose="020B0603030804020204" pitchFamily="34" charset="0"/>
+              </a:rPr>
+              <a:t> n = 0 then</a:t>
+            </a:r>
+          </a:p>
+          <a:p>
+            <a:r>
+              <a:rPr lang="en-GB" sz="1600" dirty="0">
+                <a:latin typeface="DejaVu Sans Book" panose="020B0603030804020204" pitchFamily="34" charset="0"/>
+                <a:ea typeface="DejaVu Sans Book" panose="020B0603030804020204" pitchFamily="34" charset="0"/>
+                <a:cs typeface="DejaVu Sans Book" panose="020B0603030804020204" pitchFamily="34" charset="0"/>
+              </a:rPr>
+              <a:t>    "0b0"</a:t>
+            </a:r>
+          </a:p>
+          <a:p>
+            <a:r>
+              <a:rPr lang="en-GB" sz="1600" dirty="0">
+                <a:latin typeface="DejaVu Sans Book" panose="020B0603030804020204" pitchFamily="34" charset="0"/>
+                <a:ea typeface="DejaVu Sans Book" panose="020B0603030804020204" pitchFamily="34" charset="0"/>
+                <a:cs typeface="DejaVu Sans Book" panose="020B0603030804020204" pitchFamily="34" charset="0"/>
+              </a:rPr>
+              <a:t>  else</a:t>
+            </a:r>
+          </a:p>
+          <a:p>
+            <a:r>
+              <a:rPr lang="en-GB" sz="1600" dirty="0">
+                <a:latin typeface="DejaVu Sans Book" panose="020B0603030804020204" pitchFamily="34" charset="0"/>
+                <a:ea typeface="DejaVu Sans Book" panose="020B0603030804020204" pitchFamily="34" charset="0"/>
+                <a:cs typeface="DejaVu Sans Book" panose="020B0603030804020204" pitchFamily="34" charset="0"/>
+              </a:rPr>
+              <a:t>    let mutable v = n</a:t>
+            </a:r>
+          </a:p>
+          <a:p>
+            <a:r>
+              <a:rPr lang="en-GB" sz="1600" dirty="0">
+                <a:latin typeface="DejaVu Sans Book" panose="020B0603030804020204" pitchFamily="34" charset="0"/>
+                <a:ea typeface="DejaVu Sans Book" panose="020B0603030804020204" pitchFamily="34" charset="0"/>
+                <a:cs typeface="DejaVu Sans Book" panose="020B0603030804020204" pitchFamily="34" charset="0"/>
+              </a:rPr>
+              <a:t>    let mutable str = ""</a:t>
+            </a:r>
+          </a:p>
+          <a:p>
+            <a:r>
+              <a:rPr lang="en-GB" sz="1600" dirty="0">
+                <a:latin typeface="DejaVu Sans Book" panose="020B0603030804020204" pitchFamily="34" charset="0"/>
+                <a:ea typeface="DejaVu Sans Book" panose="020B0603030804020204" pitchFamily="34" charset="0"/>
+                <a:cs typeface="DejaVu Sans Book" panose="020B0603030804020204" pitchFamily="34" charset="0"/>
+              </a:rPr>
+              <a:t>    while v &gt; 0 do</a:t>
+            </a:r>
+          </a:p>
+          <a:p>
+            <a:r>
+              <a:rPr lang="en-GB" sz="1600" dirty="0">
+                <a:latin typeface="DejaVu Sans Book" panose="020B0603030804020204" pitchFamily="34" charset="0"/>
+                <a:ea typeface="DejaVu Sans Book" panose="020B0603030804020204" pitchFamily="34" charset="0"/>
+                <a:cs typeface="DejaVu Sans Book" panose="020B0603030804020204" pitchFamily="34" charset="0"/>
+              </a:rPr>
+              <a:t>      str &lt;- (string (v % 2)) + str</a:t>
+            </a:r>
+          </a:p>
+          <a:p>
+            <a:r>
+              <a:rPr lang="en-GB" sz="1600" dirty="0">
+                <a:latin typeface="DejaVu Sans Book" panose="020B0603030804020204" pitchFamily="34" charset="0"/>
+                <a:ea typeface="DejaVu Sans Book" panose="020B0603030804020204" pitchFamily="34" charset="0"/>
+                <a:cs typeface="DejaVu Sans Book" panose="020B0603030804020204" pitchFamily="34" charset="0"/>
+              </a:rPr>
+              <a:t>      v &lt;- v / 2</a:t>
+            </a:r>
+          </a:p>
+          <a:p>
+            <a:r>
+              <a:rPr lang="en-GB" sz="1600" dirty="0">
+                <a:latin typeface="DejaVu Sans Book" panose="020B0603030804020204" pitchFamily="34" charset="0"/>
+                <a:ea typeface="DejaVu Sans Book" panose="020B0603030804020204" pitchFamily="34" charset="0"/>
+                <a:cs typeface="DejaVu Sans Book" panose="020B0603030804020204" pitchFamily="34" charset="0"/>
+              </a:rPr>
+              <a:t>    "0b" + str</a:t>
+            </a:r>
+          </a:p>
+        </p:txBody>
+      </p:sp>
+      <p:sp>
+        <p:nvSpPr>
           <p:cNvPr id="2" name="Title 1">
             <a:extLst>
               <a:ext uri="{FF2B5EF4-FFF2-40B4-BE49-F238E27FC236}">
@@ -7583,207 +7921,6 @@
           </a:p>
         </p:txBody>
       </p:sp>
-      <p:sp>
-        <p:nvSpPr>
-          <p:cNvPr id="4" name="Rectangle 3">
-            <a:extLst>
-              <a:ext uri="{FF2B5EF4-FFF2-40B4-BE49-F238E27FC236}">
-                <a16:creationId xmlns:a16="http://schemas.microsoft.com/office/drawing/2014/main" id="{36284481-9526-FA45-BAC0-8857EA5072F9}"/>
-              </a:ext>
-            </a:extLst>
-          </p:cNvPr>
-          <p:cNvSpPr/>
-          <p:nvPr/>
-        </p:nvSpPr>
-        <p:spPr>
-          <a:xfrm>
-            <a:off x="168537" y="2812146"/>
-            <a:ext cx="4726191" cy="4031873"/>
-          </a:xfrm>
-          <a:prstGeom prst="rect">
-            <a:avLst/>
-          </a:prstGeom>
-        </p:spPr>
-        <p:txBody>
-          <a:bodyPr wrap="square">
-            <a:spAutoFit/>
-          </a:bodyPr>
-          <a:lstStyle/>
-          <a:p>
-            <a:r>
-              <a:rPr lang="en-GB" sz="1600" dirty="0">
-                <a:latin typeface="DejaVu Sans Book" panose="020B0603030804020204" pitchFamily="34" charset="0"/>
-                <a:ea typeface="DejaVu Sans Book" panose="020B0603030804020204" pitchFamily="34" charset="0"/>
-                <a:cs typeface="DejaVu Sans Book" panose="020B0603030804020204" pitchFamily="34" charset="0"/>
-              </a:rPr>
-              <a:t>module convert</a:t>
-            </a:r>
-          </a:p>
-          <a:p>
-            <a:endParaRPr lang="en-GB" sz="1600" dirty="0">
-              <a:latin typeface="DejaVu Sans Book" panose="020B0603030804020204" pitchFamily="34" charset="0"/>
-              <a:ea typeface="DejaVu Sans Book" panose="020B0603030804020204" pitchFamily="34" charset="0"/>
-              <a:cs typeface="DejaVu Sans Book" panose="020B0603030804020204" pitchFamily="34" charset="0"/>
-            </a:endParaRPr>
-          </a:p>
-          <a:p>
-            <a:r>
-              <a:rPr lang="en-GB" sz="1600" dirty="0">
-                <a:latin typeface="DejaVu Sans Book" panose="020B0603030804020204" pitchFamily="34" charset="0"/>
-                <a:ea typeface="DejaVu Sans Book" panose="020B0603030804020204" pitchFamily="34" charset="0"/>
-                <a:cs typeface="DejaVu Sans Book" panose="020B0603030804020204" pitchFamily="34" charset="0"/>
-              </a:rPr>
-              <a:t>/// Convert a non-negative integer into its</a:t>
-            </a:r>
-          </a:p>
-          <a:p>
-            <a:r>
-              <a:rPr lang="en-GB" sz="1600" dirty="0">
-                <a:latin typeface="DejaVu Sans Book" panose="020B0603030804020204" pitchFamily="34" charset="0"/>
-                <a:ea typeface="DejaVu Sans Book" panose="020B0603030804020204" pitchFamily="34" charset="0"/>
-                <a:cs typeface="DejaVu Sans Book" panose="020B0603030804020204" pitchFamily="34" charset="0"/>
-              </a:rPr>
-              <a:t>/// binary form. E.g., dec2bin 3 =  "0b11"</a:t>
-            </a:r>
-          </a:p>
-          <a:p>
-            <a:r>
-              <a:rPr lang="en-GB" sz="1600" dirty="0">
-                <a:latin typeface="DejaVu Sans Book" panose="020B0603030804020204" pitchFamily="34" charset="0"/>
-                <a:ea typeface="DejaVu Sans Book" panose="020B0603030804020204" pitchFamily="34" charset="0"/>
-                <a:cs typeface="DejaVu Sans Book" panose="020B0603030804020204" pitchFamily="34" charset="0"/>
-              </a:rPr>
-              <a:t>let dec2bin n =</a:t>
-            </a:r>
-          </a:p>
-          <a:p>
-            <a:r>
-              <a:rPr lang="en-GB" sz="1600" dirty="0">
-                <a:latin typeface="DejaVu Sans Book" panose="020B0603030804020204" pitchFamily="34" charset="0"/>
-                <a:ea typeface="DejaVu Sans Book" panose="020B0603030804020204" pitchFamily="34" charset="0"/>
-                <a:cs typeface="DejaVu Sans Book" panose="020B0603030804020204" pitchFamily="34" charset="0"/>
-              </a:rPr>
-              <a:t>  if n &lt; 0 then           (* WB: 1 *)</a:t>
-            </a:r>
-          </a:p>
-          <a:p>
-            <a:r>
-              <a:rPr lang="en-GB" sz="1600" dirty="0">
-                <a:latin typeface="DejaVu Sans Book" panose="020B0603030804020204" pitchFamily="34" charset="0"/>
-                <a:ea typeface="DejaVu Sans Book" panose="020B0603030804020204" pitchFamily="34" charset="0"/>
-                <a:cs typeface="DejaVu Sans Book" panose="020B0603030804020204" pitchFamily="34" charset="0"/>
-              </a:rPr>
-              <a:t>    "Illegal value"</a:t>
-            </a:r>
-          </a:p>
-          <a:p>
-            <a:r>
-              <a:rPr lang="en-GB" sz="1600" dirty="0">
-                <a:latin typeface="DejaVu Sans Book" panose="020B0603030804020204" pitchFamily="34" charset="0"/>
-                <a:ea typeface="DejaVu Sans Book" panose="020B0603030804020204" pitchFamily="34" charset="0"/>
-                <a:cs typeface="DejaVu Sans Book" panose="020B0603030804020204" pitchFamily="34" charset="0"/>
-              </a:rPr>
-              <a:t>  </a:t>
-            </a:r>
-            <a:r>
-              <a:rPr lang="en-GB" sz="1600" dirty="0" err="1">
-                <a:latin typeface="DejaVu Sans Book" panose="020B0603030804020204" pitchFamily="34" charset="0"/>
-                <a:ea typeface="DejaVu Sans Book" panose="020B0603030804020204" pitchFamily="34" charset="0"/>
-                <a:cs typeface="DejaVu Sans Book" panose="020B0603030804020204" pitchFamily="34" charset="0"/>
-              </a:rPr>
-              <a:t>elif</a:t>
-            </a:r>
-            <a:r>
-              <a:rPr lang="en-GB" sz="1600" dirty="0">
-                <a:latin typeface="DejaVu Sans Book" panose="020B0603030804020204" pitchFamily="34" charset="0"/>
-                <a:ea typeface="DejaVu Sans Book" panose="020B0603030804020204" pitchFamily="34" charset="0"/>
-                <a:cs typeface="DejaVu Sans Book" panose="020B0603030804020204" pitchFamily="34" charset="0"/>
-              </a:rPr>
-              <a:t> n = 0 then         (* WB: 2 *)</a:t>
-            </a:r>
-          </a:p>
-          <a:p>
-            <a:r>
-              <a:rPr lang="en-GB" sz="1600" dirty="0">
-                <a:latin typeface="DejaVu Sans Book" panose="020B0603030804020204" pitchFamily="34" charset="0"/>
-                <a:ea typeface="DejaVu Sans Book" panose="020B0603030804020204" pitchFamily="34" charset="0"/>
-                <a:cs typeface="DejaVu Sans Book" panose="020B0603030804020204" pitchFamily="34" charset="0"/>
-              </a:rPr>
-              <a:t>    "0b0"</a:t>
-            </a:r>
-          </a:p>
-          <a:p>
-            <a:r>
-              <a:rPr lang="en-GB" sz="1600" dirty="0">
-                <a:latin typeface="DejaVu Sans Book" panose="020B0603030804020204" pitchFamily="34" charset="0"/>
-                <a:ea typeface="DejaVu Sans Book" panose="020B0603030804020204" pitchFamily="34" charset="0"/>
-                <a:cs typeface="DejaVu Sans Book" panose="020B0603030804020204" pitchFamily="34" charset="0"/>
-              </a:rPr>
-              <a:t>  else</a:t>
-            </a:r>
-          </a:p>
-          <a:p>
-            <a:r>
-              <a:rPr lang="en-GB" sz="1600" dirty="0">
-                <a:latin typeface="DejaVu Sans Book" panose="020B0603030804020204" pitchFamily="34" charset="0"/>
-                <a:ea typeface="DejaVu Sans Book" panose="020B0603030804020204" pitchFamily="34" charset="0"/>
-                <a:cs typeface="DejaVu Sans Book" panose="020B0603030804020204" pitchFamily="34" charset="0"/>
-              </a:rPr>
-              <a:t>    let mutable v = n</a:t>
-            </a:r>
-          </a:p>
-          <a:p>
-            <a:r>
-              <a:rPr lang="en-GB" sz="1600" dirty="0">
-                <a:latin typeface="DejaVu Sans Book" panose="020B0603030804020204" pitchFamily="34" charset="0"/>
-                <a:ea typeface="DejaVu Sans Book" panose="020B0603030804020204" pitchFamily="34" charset="0"/>
-                <a:cs typeface="DejaVu Sans Book" panose="020B0603030804020204" pitchFamily="34" charset="0"/>
-              </a:rPr>
-              <a:t>    let mutable str = ""</a:t>
-            </a:r>
-          </a:p>
-          <a:p>
-            <a:r>
-              <a:rPr lang="en-GB" sz="1600" dirty="0">
-                <a:latin typeface="DejaVu Sans Book" panose="020B0603030804020204" pitchFamily="34" charset="0"/>
-                <a:ea typeface="DejaVu Sans Book" panose="020B0603030804020204" pitchFamily="34" charset="0"/>
-                <a:cs typeface="DejaVu Sans Book" panose="020B0603030804020204" pitchFamily="34" charset="0"/>
-              </a:rPr>
-              <a:t>    while v &gt; 0 do        (* WB: 3 *)</a:t>
-            </a:r>
-          </a:p>
-          <a:p>
-            <a:r>
-              <a:rPr lang="en-GB" sz="1600" dirty="0">
-                <a:latin typeface="DejaVu Sans Book" panose="020B0603030804020204" pitchFamily="34" charset="0"/>
-                <a:ea typeface="DejaVu Sans Book" panose="020B0603030804020204" pitchFamily="34" charset="0"/>
-                <a:cs typeface="DejaVu Sans Book" panose="020B0603030804020204" pitchFamily="34" charset="0"/>
-              </a:rPr>
-              <a:t>      str &lt;- (string (v % 2)) + str</a:t>
-            </a:r>
-          </a:p>
-          <a:p>
-            <a:r>
-              <a:rPr lang="en-GB" sz="1600" dirty="0">
-                <a:latin typeface="DejaVu Sans Book" panose="020B0603030804020204" pitchFamily="34" charset="0"/>
-                <a:ea typeface="DejaVu Sans Book" panose="020B0603030804020204" pitchFamily="34" charset="0"/>
-                <a:cs typeface="DejaVu Sans Book" panose="020B0603030804020204" pitchFamily="34" charset="0"/>
-              </a:rPr>
-              <a:t>      v &lt;- v / 2</a:t>
-            </a:r>
-          </a:p>
-          <a:p>
-            <a:r>
-              <a:rPr lang="en-GB" sz="1600" dirty="0">
-                <a:latin typeface="DejaVu Sans Book" panose="020B0603030804020204" pitchFamily="34" charset="0"/>
-                <a:ea typeface="DejaVu Sans Book" panose="020B0603030804020204" pitchFamily="34" charset="0"/>
-                <a:cs typeface="DejaVu Sans Book" panose="020B0603030804020204" pitchFamily="34" charset="0"/>
-              </a:rPr>
-              <a:t>    "0b" + str</a:t>
-            </a:r>
-          </a:p>
-        </p:txBody>
-      </p:sp>
       <p:graphicFrame>
         <p:nvGraphicFramePr>
           <p:cNvPr id="8" name="Table 7">
@@ -7799,14 +7936,14 @@
           <p:nvPr>
             <p:extLst>
               <p:ext uri="{D42A27DB-BD31-4B8C-83A1-F6EECF244321}">
-                <p14:modId xmlns:p14="http://schemas.microsoft.com/office/powerpoint/2010/main" val="2193186958"/>
+                <p14:modId xmlns:p14="http://schemas.microsoft.com/office/powerpoint/2010/main" val="2248114951"/>
               </p:ext>
             </p:extLst>
           </p:nvPr>
         </p:nvGraphicFramePr>
         <p:xfrm>
-          <a:off x="4697505" y="2812146"/>
-          <a:ext cx="7494498" cy="4045854"/>
+          <a:off x="5277393" y="2770089"/>
+          <a:ext cx="6819836" cy="4033883"/>
         </p:xfrm>
         <a:graphic>
           <a:graphicData uri="http://schemas.openxmlformats.org/drawingml/2006/table">
@@ -7815,42 +7952,42 @@
                 <a:tableStyleId>{5C22544A-7EE6-4342-B048-85BDC9FD1C3A}</a:tableStyleId>
               </a:tblPr>
               <a:tblGrid>
-                <a:gridCol w="1249083">
+                <a:gridCol w="857077">
                   <a:extLst>
                     <a:ext uri="{9D8B030D-6E8A-4147-A177-3AD203B41FA5}">
                       <a16:colId xmlns:a16="http://schemas.microsoft.com/office/drawing/2014/main" val="1532162595"/>
                     </a:ext>
                   </a:extLst>
                 </a:gridCol>
-                <a:gridCol w="1249083">
+                <a:gridCol w="932155">
                   <a:extLst>
                     <a:ext uri="{9D8B030D-6E8A-4147-A177-3AD203B41FA5}">
                       <a16:colId xmlns:a16="http://schemas.microsoft.com/office/drawing/2014/main" val="2951828956"/>
                     </a:ext>
                   </a:extLst>
                 </a:gridCol>
-                <a:gridCol w="1249083">
+                <a:gridCol w="1049033">
                   <a:extLst>
                     <a:ext uri="{9D8B030D-6E8A-4147-A177-3AD203B41FA5}">
                       <a16:colId xmlns:a16="http://schemas.microsoft.com/office/drawing/2014/main" val="1403007596"/>
                     </a:ext>
                   </a:extLst>
                 </a:gridCol>
-                <a:gridCol w="1249083">
+                <a:gridCol w="697698">
                   <a:extLst>
                     <a:ext uri="{9D8B030D-6E8A-4147-A177-3AD203B41FA5}">
                       <a16:colId xmlns:a16="http://schemas.microsoft.com/office/drawing/2014/main" val="2386097711"/>
                     </a:ext>
                   </a:extLst>
                 </a:gridCol>
-                <a:gridCol w="1249083">
+                <a:gridCol w="1289432">
                   <a:extLst>
                     <a:ext uri="{9D8B030D-6E8A-4147-A177-3AD203B41FA5}">
                       <a16:colId xmlns:a16="http://schemas.microsoft.com/office/drawing/2014/main" val="2720054862"/>
                     </a:ext>
                   </a:extLst>
                 </a:gridCol>
-                <a:gridCol w="1249083">
+                <a:gridCol w="1994441">
                   <a:extLst>
                     <a:ext uri="{9D8B030D-6E8A-4147-A177-3AD203B41FA5}">
                       <a16:colId xmlns:a16="http://schemas.microsoft.com/office/drawing/2014/main" val="179345016"/>
@@ -7858,1609 +7995,7 @@
                   </a:extLst>
                 </a:gridCol>
               </a:tblGrid>
-              <a:tr h="483687">
-                <a:tc>
-                  <a:txBody>
-                    <a:bodyPr/>
-                    <a:lstStyle/>
-                    <a:p>
-                      <a:r>
-                        <a:rPr lang="en-GB" sz="1400" dirty="0">
-                          <a:latin typeface="DejaVu Sans Book" panose="020B0603030804020204" pitchFamily="34" charset="0"/>
-                          <a:ea typeface="DejaVu Sans Book" panose="020B0603030804020204" pitchFamily="34" charset="0"/>
-                          <a:cs typeface="DejaVu Sans Book" panose="020B0603030804020204" pitchFamily="34" charset="0"/>
-                        </a:rPr>
-                        <a:t>Unit</a:t>
-                      </a:r>
-                    </a:p>
-                  </a:txBody>
-                  <a:tcPr/>
-                </a:tc>
-                <a:tc>
-                  <a:txBody>
-                    <a:bodyPr/>
-                    <a:lstStyle/>
-                    <a:p>
-                      <a:r>
-                        <a:rPr lang="en-GB" sz="1400" dirty="0">
-                          <a:latin typeface="DejaVu Sans Book" panose="020B0603030804020204" pitchFamily="34" charset="0"/>
-                          <a:ea typeface="DejaVu Sans Book" panose="020B0603030804020204" pitchFamily="34" charset="0"/>
-                          <a:cs typeface="DejaVu Sans Book" panose="020B0603030804020204" pitchFamily="34" charset="0"/>
-                        </a:rPr>
-                        <a:t>Branch</a:t>
-                      </a:r>
-                    </a:p>
-                  </a:txBody>
-                  <a:tcPr/>
-                </a:tc>
-                <a:tc>
-                  <a:txBody>
-                    <a:bodyPr/>
-                    <a:lstStyle/>
-                    <a:p>
-                      <a:r>
-                        <a:rPr lang="en-GB" sz="1400" dirty="0">
-                          <a:latin typeface="DejaVu Sans Book" panose="020B0603030804020204" pitchFamily="34" charset="0"/>
-                          <a:ea typeface="DejaVu Sans Book" panose="020B0603030804020204" pitchFamily="34" charset="0"/>
-                          <a:cs typeface="DejaVu Sans Book" panose="020B0603030804020204" pitchFamily="34" charset="0"/>
-                        </a:rPr>
-                        <a:t>Condition</a:t>
-                      </a:r>
-                    </a:p>
-                  </a:txBody>
-                  <a:tcPr/>
-                </a:tc>
-                <a:tc>
-                  <a:txBody>
-                    <a:bodyPr/>
-                    <a:lstStyle/>
-                    <a:p>
-                      <a:r>
-                        <a:rPr lang="en-GB" sz="1400" dirty="0">
-                          <a:latin typeface="DejaVu Sans Book" panose="020B0603030804020204" pitchFamily="34" charset="0"/>
-                          <a:ea typeface="DejaVu Sans Book" panose="020B0603030804020204" pitchFamily="34" charset="0"/>
-                          <a:cs typeface="DejaVu Sans Book" panose="020B0603030804020204" pitchFamily="34" charset="0"/>
-                        </a:rPr>
-                        <a:t>Input</a:t>
-                      </a:r>
-                    </a:p>
-                  </a:txBody>
-                  <a:tcPr/>
-                </a:tc>
-                <a:tc>
-                  <a:txBody>
-                    <a:bodyPr/>
-                    <a:lstStyle/>
-                    <a:p>
-                      <a:r>
-                        <a:rPr lang="en-GB" sz="1400" dirty="0">
-                          <a:latin typeface="DejaVu Sans Book" panose="020B0603030804020204" pitchFamily="34" charset="0"/>
-                          <a:ea typeface="DejaVu Sans Book" panose="020B0603030804020204" pitchFamily="34" charset="0"/>
-                          <a:cs typeface="DejaVu Sans Book" panose="020B0603030804020204" pitchFamily="34" charset="0"/>
-                        </a:rPr>
-                        <a:t>Expected output</a:t>
-                      </a:r>
-                    </a:p>
-                  </a:txBody>
-                  <a:tcPr/>
-                </a:tc>
-                <a:tc>
-                  <a:txBody>
-                    <a:bodyPr/>
-                    <a:lstStyle/>
-                    <a:p>
-                      <a:r>
-                        <a:rPr lang="en-GB" sz="1400" dirty="0">
-                          <a:latin typeface="DejaVu Sans Book" panose="020B0603030804020204" pitchFamily="34" charset="0"/>
-                          <a:ea typeface="DejaVu Sans Book" panose="020B0603030804020204" pitchFamily="34" charset="0"/>
-                          <a:cs typeface="DejaVu Sans Book" panose="020B0603030804020204" pitchFamily="34" charset="0"/>
-                        </a:rPr>
-                        <a:t>Comment</a:t>
-                      </a:r>
-                    </a:p>
-                  </a:txBody>
-                  <a:tcPr/>
-                </a:tc>
-                <a:extLst>
-                  <a:ext uri="{0D108BD9-81ED-4DB2-BD59-A6C34878D82A}">
-                    <a16:rowId xmlns:a16="http://schemas.microsoft.com/office/drawing/2014/main" val="2286388441"/>
-                  </a:ext>
-                </a:extLst>
-              </a:tr>
-              <a:tr h="483687">
-                <a:tc>
-                  <a:txBody>
-                    <a:bodyPr/>
-                    <a:lstStyle/>
-                    <a:p>
-                      <a:r>
-                        <a:rPr lang="en-GB" sz="1400" dirty="0">
-                          <a:latin typeface="DejaVu Sans Book" panose="020B0603030804020204" pitchFamily="34" charset="0"/>
-                          <a:ea typeface="DejaVu Sans Book" panose="020B0603030804020204" pitchFamily="34" charset="0"/>
-                          <a:cs typeface="DejaVu Sans Book" panose="020B0603030804020204" pitchFamily="34" charset="0"/>
-                        </a:rPr>
-                        <a:t>dec2bin</a:t>
-                      </a:r>
-                    </a:p>
-                  </a:txBody>
-                  <a:tcPr/>
-                </a:tc>
-                <a:tc>
-                  <a:txBody>
-                    <a:bodyPr/>
-                    <a:lstStyle/>
-                    <a:p>
-                      <a:r>
-                        <a:rPr lang="en-GB" sz="1400" dirty="0">
-                          <a:latin typeface="DejaVu Sans Book" panose="020B0603030804020204" pitchFamily="34" charset="0"/>
-                          <a:ea typeface="DejaVu Sans Book" panose="020B0603030804020204" pitchFamily="34" charset="0"/>
-                          <a:cs typeface="DejaVu Sans Book" panose="020B0603030804020204" pitchFamily="34" charset="0"/>
-                        </a:rPr>
-                        <a:t>1</a:t>
-                      </a:r>
-                    </a:p>
-                  </a:txBody>
-                  <a:tcPr/>
-                </a:tc>
-                <a:tc>
-                  <a:txBody>
-                    <a:bodyPr/>
-                    <a:lstStyle/>
-                    <a:p>
-                      <a:pPr marL="0" marR="0" lvl="0" indent="0" algn="l" defTabSz="914400" rtl="0" eaLnBrk="1" fontAlgn="auto" latinLnBrk="0" hangingPunct="1">
-                        <a:lnSpc>
-                          <a:spcPct val="100000"/>
-                        </a:lnSpc>
-                        <a:spcBef>
-                          <a:spcPts val="0"/>
-                        </a:spcBef>
-                        <a:spcAft>
-                          <a:spcPts val="0"/>
-                        </a:spcAft>
-                        <a:buClrTx/>
-                        <a:buSzTx/>
-                        <a:buFontTx/>
-                        <a:buNone/>
-                        <a:tabLst/>
-                        <a:defRPr/>
-                      </a:pPr>
-                      <a:r>
-                        <a:rPr lang="en-GB" sz="1400" dirty="0">
-                          <a:latin typeface="DejaVu Sans Book" panose="020B0603030804020204" pitchFamily="34" charset="0"/>
-                          <a:ea typeface="DejaVu Sans Book" panose="020B0603030804020204" pitchFamily="34" charset="0"/>
-                          <a:cs typeface="DejaVu Sans Book" panose="020B0603030804020204" pitchFamily="34" charset="0"/>
-                        </a:rPr>
-                        <a:t>n &lt; 0</a:t>
-                      </a:r>
-                    </a:p>
-                    <a:p>
-                      <a:endParaRPr lang="en-GB" sz="1400" dirty="0">
-                        <a:latin typeface="DejaVu Sans Book" panose="020B0603030804020204" pitchFamily="34" charset="0"/>
-                        <a:ea typeface="DejaVu Sans Book" panose="020B0603030804020204" pitchFamily="34" charset="0"/>
-                        <a:cs typeface="DejaVu Sans Book" panose="020B0603030804020204" pitchFamily="34" charset="0"/>
-                      </a:endParaRPr>
-                    </a:p>
-                  </a:txBody>
-                  <a:tcPr/>
-                </a:tc>
-                <a:tc>
-                  <a:txBody>
-                    <a:bodyPr/>
-                    <a:lstStyle/>
-                    <a:p>
-                      <a:endParaRPr lang="en-GB" sz="1400" dirty="0">
-                        <a:latin typeface="DejaVu Sans Book" panose="020B0603030804020204" pitchFamily="34" charset="0"/>
-                        <a:ea typeface="DejaVu Sans Book" panose="020B0603030804020204" pitchFamily="34" charset="0"/>
-                        <a:cs typeface="DejaVu Sans Book" panose="020B0603030804020204" pitchFamily="34" charset="0"/>
-                      </a:endParaRPr>
-                    </a:p>
-                  </a:txBody>
-                  <a:tcPr/>
-                </a:tc>
-                <a:tc>
-                  <a:txBody>
-                    <a:bodyPr/>
-                    <a:lstStyle/>
-                    <a:p>
-                      <a:pPr marL="0" marR="0" lvl="0" indent="0" algn="l" defTabSz="914400" rtl="0" eaLnBrk="1" fontAlgn="auto" latinLnBrk="0" hangingPunct="1">
-                        <a:lnSpc>
-                          <a:spcPct val="100000"/>
-                        </a:lnSpc>
-                        <a:spcBef>
-                          <a:spcPts val="0"/>
-                        </a:spcBef>
-                        <a:spcAft>
-                          <a:spcPts val="0"/>
-                        </a:spcAft>
-                        <a:buClrTx/>
-                        <a:buSzTx/>
-                        <a:buFontTx/>
-                        <a:buNone/>
-                        <a:tabLst/>
-                        <a:defRPr/>
-                      </a:pPr>
-                      <a:endParaRPr lang="en-GB" sz="1400" dirty="0">
-                        <a:latin typeface="DejaVu Sans Book" panose="020B0603030804020204" pitchFamily="34" charset="0"/>
-                        <a:ea typeface="DejaVu Sans Book" panose="020B0603030804020204" pitchFamily="34" charset="0"/>
-                        <a:cs typeface="DejaVu Sans Book" panose="020B0603030804020204" pitchFamily="34" charset="0"/>
-                      </a:endParaRPr>
-                    </a:p>
-                  </a:txBody>
-                  <a:tcPr/>
-                </a:tc>
-                <a:tc>
-                  <a:txBody>
-                    <a:bodyPr/>
-                    <a:lstStyle/>
-                    <a:p>
-                      <a:endParaRPr lang="en-GB" sz="1400">
-                        <a:latin typeface="DejaVu Sans Book" panose="020B0603030804020204" pitchFamily="34" charset="0"/>
-                        <a:ea typeface="DejaVu Sans Book" panose="020B0603030804020204" pitchFamily="34" charset="0"/>
-                        <a:cs typeface="DejaVu Sans Book" panose="020B0603030804020204" pitchFamily="34" charset="0"/>
-                      </a:endParaRPr>
-                    </a:p>
-                  </a:txBody>
-                  <a:tcPr/>
-                </a:tc>
-                <a:extLst>
-                  <a:ext uri="{0D108BD9-81ED-4DB2-BD59-A6C34878D82A}">
-                    <a16:rowId xmlns:a16="http://schemas.microsoft.com/office/drawing/2014/main" val="1367185139"/>
-                  </a:ext>
-                </a:extLst>
-              </a:tr>
-              <a:tr h="483687">
-                <a:tc>
-                  <a:txBody>
-                    <a:bodyPr/>
-                    <a:lstStyle/>
-                    <a:p>
-                      <a:endParaRPr lang="en-GB" sz="1400">
-                        <a:latin typeface="DejaVu Sans Book" panose="020B0603030804020204" pitchFamily="34" charset="0"/>
-                        <a:ea typeface="DejaVu Sans Book" panose="020B0603030804020204" pitchFamily="34" charset="0"/>
-                        <a:cs typeface="DejaVu Sans Book" panose="020B0603030804020204" pitchFamily="34" charset="0"/>
-                      </a:endParaRPr>
-                    </a:p>
-                  </a:txBody>
-                  <a:tcPr/>
-                </a:tc>
-                <a:tc>
-                  <a:txBody>
-                    <a:bodyPr/>
-                    <a:lstStyle/>
-                    <a:p>
-                      <a:r>
-                        <a:rPr lang="en-GB" sz="1400" dirty="0">
-                          <a:latin typeface="DejaVu Sans Book" panose="020B0603030804020204" pitchFamily="34" charset="0"/>
-                          <a:ea typeface="DejaVu Sans Book" panose="020B0603030804020204" pitchFamily="34" charset="0"/>
-                          <a:cs typeface="DejaVu Sans Book" panose="020B0603030804020204" pitchFamily="34" charset="0"/>
-                        </a:rPr>
-                        <a:t>1a</a:t>
-                      </a:r>
-                    </a:p>
-                  </a:txBody>
-                  <a:tcPr/>
-                </a:tc>
-                <a:tc>
-                  <a:txBody>
-                    <a:bodyPr/>
-                    <a:lstStyle/>
-                    <a:p>
-                      <a:r>
-                        <a:rPr lang="en-GB" sz="1400" dirty="0">
-                          <a:latin typeface="DejaVu Sans Book" panose="020B0603030804020204" pitchFamily="34" charset="0"/>
-                          <a:ea typeface="DejaVu Sans Book" panose="020B0603030804020204" pitchFamily="34" charset="0"/>
-                          <a:cs typeface="DejaVu Sans Book" panose="020B0603030804020204" pitchFamily="34" charset="0"/>
-                        </a:rPr>
-                        <a:t>true</a:t>
-                      </a:r>
-                    </a:p>
-                  </a:txBody>
-                  <a:tcPr/>
-                </a:tc>
-                <a:tc>
-                  <a:txBody>
-                    <a:bodyPr/>
-                    <a:lstStyle/>
-                    <a:p>
-                      <a:r>
-                        <a:rPr lang="en-GB" sz="1400" dirty="0">
-                          <a:latin typeface="DejaVu Sans Book" panose="020B0603030804020204" pitchFamily="34" charset="0"/>
-                          <a:ea typeface="DejaVu Sans Book" panose="020B0603030804020204" pitchFamily="34" charset="0"/>
-                          <a:cs typeface="DejaVu Sans Book" panose="020B0603030804020204" pitchFamily="34" charset="0"/>
-                        </a:rPr>
-                        <a:t>-1</a:t>
-                      </a:r>
-                    </a:p>
-                  </a:txBody>
-                  <a:tcPr/>
-                </a:tc>
-                <a:tc>
-                  <a:txBody>
-                    <a:bodyPr/>
-                    <a:lstStyle/>
-                    <a:p>
-                      <a:pPr marL="0" marR="0" lvl="0" indent="0" algn="l" defTabSz="914400" rtl="0" eaLnBrk="1" fontAlgn="auto" latinLnBrk="0" hangingPunct="1">
-                        <a:lnSpc>
-                          <a:spcPct val="100000"/>
-                        </a:lnSpc>
-                        <a:spcBef>
-                          <a:spcPts val="0"/>
-                        </a:spcBef>
-                        <a:spcAft>
-                          <a:spcPts val="0"/>
-                        </a:spcAft>
-                        <a:buClrTx/>
-                        <a:buSzTx/>
-                        <a:buFontTx/>
-                        <a:buNone/>
-                        <a:tabLst/>
-                        <a:defRPr/>
-                      </a:pPr>
-                      <a:r>
-                        <a:rPr lang="en-GB" sz="1400" dirty="0">
-                          <a:latin typeface="DejaVu Sans Book" panose="020B0603030804020204" pitchFamily="34" charset="0"/>
-                          <a:ea typeface="DejaVu Sans Book" panose="020B0603030804020204" pitchFamily="34" charset="0"/>
-                          <a:cs typeface="DejaVu Sans Book" panose="020B0603030804020204" pitchFamily="34" charset="0"/>
-                        </a:rPr>
-                        <a:t>"Illegal value"</a:t>
-                      </a:r>
-                    </a:p>
-                  </a:txBody>
-                  <a:tcPr/>
-                </a:tc>
-                <a:tc>
-                  <a:txBody>
-                    <a:bodyPr/>
-                    <a:lstStyle/>
-                    <a:p>
-                      <a:endParaRPr lang="en-GB" sz="1400">
-                        <a:latin typeface="DejaVu Sans Book" panose="020B0603030804020204" pitchFamily="34" charset="0"/>
-                        <a:ea typeface="DejaVu Sans Book" panose="020B0603030804020204" pitchFamily="34" charset="0"/>
-                        <a:cs typeface="DejaVu Sans Book" panose="020B0603030804020204" pitchFamily="34" charset="0"/>
-                      </a:endParaRPr>
-                    </a:p>
-                  </a:txBody>
-                  <a:tcPr/>
-                </a:tc>
-                <a:extLst>
-                  <a:ext uri="{0D108BD9-81ED-4DB2-BD59-A6C34878D82A}">
-                    <a16:rowId xmlns:a16="http://schemas.microsoft.com/office/drawing/2014/main" val="833342341"/>
-                  </a:ext>
-                </a:extLst>
-              </a:tr>
-              <a:tr h="483687">
-                <a:tc>
-                  <a:txBody>
-                    <a:bodyPr/>
-                    <a:lstStyle/>
-                    <a:p>
-                      <a:endParaRPr lang="en-GB" sz="1400">
-                        <a:latin typeface="DejaVu Sans Book" panose="020B0603030804020204" pitchFamily="34" charset="0"/>
-                        <a:ea typeface="DejaVu Sans Book" panose="020B0603030804020204" pitchFamily="34" charset="0"/>
-                        <a:cs typeface="DejaVu Sans Book" panose="020B0603030804020204" pitchFamily="34" charset="0"/>
-                      </a:endParaRPr>
-                    </a:p>
-                  </a:txBody>
-                  <a:tcPr/>
-                </a:tc>
-                <a:tc>
-                  <a:txBody>
-                    <a:bodyPr/>
-                    <a:lstStyle/>
-                    <a:p>
-                      <a:r>
-                        <a:rPr lang="en-GB" sz="1400" dirty="0">
-                          <a:latin typeface="DejaVu Sans Book" panose="020B0603030804020204" pitchFamily="34" charset="0"/>
-                          <a:ea typeface="DejaVu Sans Book" panose="020B0603030804020204" pitchFamily="34" charset="0"/>
-                          <a:cs typeface="DejaVu Sans Book" panose="020B0603030804020204" pitchFamily="34" charset="0"/>
-                        </a:rPr>
-                        <a:t>1b</a:t>
-                      </a:r>
-                    </a:p>
-                  </a:txBody>
-                  <a:tcPr/>
-                </a:tc>
-                <a:tc>
-                  <a:txBody>
-                    <a:bodyPr/>
-                    <a:lstStyle/>
-                    <a:p>
-                      <a:r>
-                        <a:rPr lang="en-GB" sz="1400" dirty="0">
-                          <a:latin typeface="DejaVu Sans Book" panose="020B0603030804020204" pitchFamily="34" charset="0"/>
-                          <a:ea typeface="DejaVu Sans Book" panose="020B0603030804020204" pitchFamily="34" charset="0"/>
-                          <a:cs typeface="DejaVu Sans Book" panose="020B0603030804020204" pitchFamily="34" charset="0"/>
-                        </a:rPr>
-                        <a:t>branch 2</a:t>
-                      </a:r>
-                    </a:p>
-                  </a:txBody>
-                  <a:tcPr/>
-                </a:tc>
-                <a:tc>
-                  <a:txBody>
-                    <a:bodyPr/>
-                    <a:lstStyle/>
-                    <a:p>
-                      <a:endParaRPr lang="en-GB" sz="1400" dirty="0">
-                        <a:latin typeface="DejaVu Sans Book" panose="020B0603030804020204" pitchFamily="34" charset="0"/>
-                        <a:ea typeface="DejaVu Sans Book" panose="020B0603030804020204" pitchFamily="34" charset="0"/>
-                        <a:cs typeface="DejaVu Sans Book" panose="020B0603030804020204" pitchFamily="34" charset="0"/>
-                      </a:endParaRPr>
-                    </a:p>
-                  </a:txBody>
-                  <a:tcPr/>
-                </a:tc>
-                <a:tc>
-                  <a:txBody>
-                    <a:bodyPr/>
-                    <a:lstStyle/>
-                    <a:p>
-                      <a:pPr marL="0" marR="0" lvl="0" indent="0" algn="l" defTabSz="914400" rtl="0" eaLnBrk="1" fontAlgn="auto" latinLnBrk="0" hangingPunct="1">
-                        <a:lnSpc>
-                          <a:spcPct val="100000"/>
-                        </a:lnSpc>
-                        <a:spcBef>
-                          <a:spcPts val="0"/>
-                        </a:spcBef>
-                        <a:spcAft>
-                          <a:spcPts val="0"/>
-                        </a:spcAft>
-                        <a:buClrTx/>
-                        <a:buSzTx/>
-                        <a:buFontTx/>
-                        <a:buNone/>
-                        <a:tabLst/>
-                        <a:defRPr/>
-                      </a:pPr>
-                      <a:endParaRPr lang="en-GB" sz="1400" dirty="0">
-                        <a:latin typeface="DejaVu Sans Book" panose="020B0603030804020204" pitchFamily="34" charset="0"/>
-                        <a:ea typeface="DejaVu Sans Book" panose="020B0603030804020204" pitchFamily="34" charset="0"/>
-                        <a:cs typeface="DejaVu Sans Book" panose="020B0603030804020204" pitchFamily="34" charset="0"/>
-                      </a:endParaRPr>
-                    </a:p>
-                  </a:txBody>
-                  <a:tcPr/>
-                </a:tc>
-                <a:tc>
-                  <a:txBody>
-                    <a:bodyPr/>
-                    <a:lstStyle/>
-                    <a:p>
-                      <a:pPr marL="0" marR="0" lvl="0" indent="0" algn="l" defTabSz="914400" rtl="0" eaLnBrk="1" fontAlgn="auto" latinLnBrk="0" hangingPunct="1">
-                        <a:lnSpc>
-                          <a:spcPct val="100000"/>
-                        </a:lnSpc>
-                        <a:spcBef>
-                          <a:spcPts val="0"/>
-                        </a:spcBef>
-                        <a:spcAft>
-                          <a:spcPts val="0"/>
-                        </a:spcAft>
-                        <a:buClrTx/>
-                        <a:buSzTx/>
-                        <a:buFontTx/>
-                        <a:buNone/>
-                        <a:tabLst/>
-                        <a:defRPr/>
-                      </a:pPr>
-                      <a:r>
-                        <a:rPr lang="en-GB" sz="1400" dirty="0">
-                          <a:latin typeface="DejaVu Sans Book" panose="020B0603030804020204" pitchFamily="34" charset="0"/>
-                          <a:ea typeface="DejaVu Sans Book" panose="020B0603030804020204" pitchFamily="34" charset="0"/>
-                          <a:cs typeface="DejaVu Sans Book" panose="020B0603030804020204" pitchFamily="34" charset="0"/>
-                        </a:rPr>
-                        <a:t>Fall through</a:t>
-                      </a:r>
-                    </a:p>
-                  </a:txBody>
-                  <a:tcPr/>
-                </a:tc>
-                <a:extLst>
-                  <a:ext uri="{0D108BD9-81ED-4DB2-BD59-A6C34878D82A}">
-                    <a16:rowId xmlns:a16="http://schemas.microsoft.com/office/drawing/2014/main" val="410681418"/>
-                  </a:ext>
-                </a:extLst>
-              </a:tr>
-              <a:tr h="280030">
-                <a:tc>
-                  <a:txBody>
-                    <a:bodyPr/>
-                    <a:lstStyle/>
-                    <a:p>
-                      <a:endParaRPr lang="en-GB" sz="1400">
-                        <a:latin typeface="DejaVu Sans Book" panose="020B0603030804020204" pitchFamily="34" charset="0"/>
-                        <a:ea typeface="DejaVu Sans Book" panose="020B0603030804020204" pitchFamily="34" charset="0"/>
-                        <a:cs typeface="DejaVu Sans Book" panose="020B0603030804020204" pitchFamily="34" charset="0"/>
-                      </a:endParaRPr>
-                    </a:p>
-                  </a:txBody>
-                  <a:tcPr/>
-                </a:tc>
-                <a:tc>
-                  <a:txBody>
-                    <a:bodyPr/>
-                    <a:lstStyle/>
-                    <a:p>
-                      <a:r>
-                        <a:rPr lang="en-GB" sz="1400" dirty="0">
-                          <a:latin typeface="DejaVu Sans Book" panose="020B0603030804020204" pitchFamily="34" charset="0"/>
-                          <a:ea typeface="DejaVu Sans Book" panose="020B0603030804020204" pitchFamily="34" charset="0"/>
-                          <a:cs typeface="DejaVu Sans Book" panose="020B0603030804020204" pitchFamily="34" charset="0"/>
-                        </a:rPr>
-                        <a:t>2 (n&gt;=0)</a:t>
-                      </a:r>
-                    </a:p>
-                  </a:txBody>
-                  <a:tcPr/>
-                </a:tc>
-                <a:tc>
-                  <a:txBody>
-                    <a:bodyPr/>
-                    <a:lstStyle/>
-                    <a:p>
-                      <a:r>
-                        <a:rPr lang="en-GB" sz="1400" dirty="0">
-                          <a:latin typeface="DejaVu Sans Book" panose="020B0603030804020204" pitchFamily="34" charset="0"/>
-                          <a:ea typeface="DejaVu Sans Book" panose="020B0603030804020204" pitchFamily="34" charset="0"/>
-                          <a:cs typeface="DejaVu Sans Book" panose="020B0603030804020204" pitchFamily="34" charset="0"/>
-                        </a:rPr>
-                        <a:t>n = 0</a:t>
-                      </a:r>
-                    </a:p>
-                  </a:txBody>
-                  <a:tcPr/>
-                </a:tc>
-                <a:tc>
-                  <a:txBody>
-                    <a:bodyPr/>
-                    <a:lstStyle/>
-                    <a:p>
-                      <a:endParaRPr lang="en-GB" sz="1400" dirty="0">
-                        <a:latin typeface="DejaVu Sans Book" panose="020B0603030804020204" pitchFamily="34" charset="0"/>
-                        <a:ea typeface="DejaVu Sans Book" panose="020B0603030804020204" pitchFamily="34" charset="0"/>
-                        <a:cs typeface="DejaVu Sans Book" panose="020B0603030804020204" pitchFamily="34" charset="0"/>
-                      </a:endParaRPr>
-                    </a:p>
-                  </a:txBody>
-                  <a:tcPr/>
-                </a:tc>
-                <a:tc>
-                  <a:txBody>
-                    <a:bodyPr/>
-                    <a:lstStyle/>
-                    <a:p>
-                      <a:endParaRPr lang="en-GB" sz="1400" dirty="0">
-                        <a:latin typeface="DejaVu Sans Book" panose="020B0603030804020204" pitchFamily="34" charset="0"/>
-                        <a:ea typeface="DejaVu Sans Book" panose="020B0603030804020204" pitchFamily="34" charset="0"/>
-                        <a:cs typeface="DejaVu Sans Book" panose="020B0603030804020204" pitchFamily="34" charset="0"/>
-                      </a:endParaRPr>
-                    </a:p>
-                  </a:txBody>
-                  <a:tcPr/>
-                </a:tc>
-                <a:tc>
-                  <a:txBody>
-                    <a:bodyPr/>
-                    <a:lstStyle/>
-                    <a:p>
-                      <a:endParaRPr lang="en-GB" sz="1400">
-                        <a:latin typeface="DejaVu Sans Book" panose="020B0603030804020204" pitchFamily="34" charset="0"/>
-                        <a:ea typeface="DejaVu Sans Book" panose="020B0603030804020204" pitchFamily="34" charset="0"/>
-                        <a:cs typeface="DejaVu Sans Book" panose="020B0603030804020204" pitchFamily="34" charset="0"/>
-                      </a:endParaRPr>
-                    </a:p>
-                  </a:txBody>
-                  <a:tcPr/>
-                </a:tc>
-                <a:extLst>
-                  <a:ext uri="{0D108BD9-81ED-4DB2-BD59-A6C34878D82A}">
-                    <a16:rowId xmlns:a16="http://schemas.microsoft.com/office/drawing/2014/main" val="2724263722"/>
-                  </a:ext>
-                </a:extLst>
-              </a:tr>
-              <a:tr h="280030">
-                <a:tc>
-                  <a:txBody>
-                    <a:bodyPr/>
-                    <a:lstStyle/>
-                    <a:p>
-                      <a:endParaRPr lang="en-GB" sz="1400" dirty="0">
-                        <a:latin typeface="DejaVu Sans Book" panose="020B0603030804020204" pitchFamily="34" charset="0"/>
-                        <a:ea typeface="DejaVu Sans Book" panose="020B0603030804020204" pitchFamily="34" charset="0"/>
-                        <a:cs typeface="DejaVu Sans Book" panose="020B0603030804020204" pitchFamily="34" charset="0"/>
-                      </a:endParaRPr>
-                    </a:p>
-                  </a:txBody>
-                  <a:tcPr/>
-                </a:tc>
-                <a:tc>
-                  <a:txBody>
-                    <a:bodyPr/>
-                    <a:lstStyle/>
-                    <a:p>
-                      <a:r>
-                        <a:rPr lang="en-GB" sz="1400" dirty="0">
-                          <a:latin typeface="DejaVu Sans Book" panose="020B0603030804020204" pitchFamily="34" charset="0"/>
-                          <a:ea typeface="DejaVu Sans Book" panose="020B0603030804020204" pitchFamily="34" charset="0"/>
-                          <a:cs typeface="DejaVu Sans Book" panose="020B0603030804020204" pitchFamily="34" charset="0"/>
-                        </a:rPr>
-                        <a:t>2a</a:t>
-                      </a:r>
-                    </a:p>
-                  </a:txBody>
-                  <a:tcPr/>
-                </a:tc>
-                <a:tc>
-                  <a:txBody>
-                    <a:bodyPr/>
-                    <a:lstStyle/>
-                    <a:p>
-                      <a:r>
-                        <a:rPr lang="en-GB" sz="1400" dirty="0">
-                          <a:latin typeface="DejaVu Sans Book" panose="020B0603030804020204" pitchFamily="34" charset="0"/>
-                          <a:ea typeface="DejaVu Sans Book" panose="020B0603030804020204" pitchFamily="34" charset="0"/>
-                          <a:cs typeface="DejaVu Sans Book" panose="020B0603030804020204" pitchFamily="34" charset="0"/>
-                        </a:rPr>
-                        <a:t>true</a:t>
-                      </a:r>
-                    </a:p>
-                  </a:txBody>
-                  <a:tcPr/>
-                </a:tc>
-                <a:tc>
-                  <a:txBody>
-                    <a:bodyPr/>
-                    <a:lstStyle/>
-                    <a:p>
-                      <a:r>
-                        <a:rPr lang="en-GB" sz="1400" dirty="0">
-                          <a:latin typeface="DejaVu Sans Book" panose="020B0603030804020204" pitchFamily="34" charset="0"/>
-                          <a:ea typeface="DejaVu Sans Book" panose="020B0603030804020204" pitchFamily="34" charset="0"/>
-                          <a:cs typeface="DejaVu Sans Book" panose="020B0603030804020204" pitchFamily="34" charset="0"/>
-                        </a:rPr>
-                        <a:t>0</a:t>
-                      </a:r>
-                    </a:p>
-                  </a:txBody>
-                  <a:tcPr/>
-                </a:tc>
-                <a:tc>
-                  <a:txBody>
-                    <a:bodyPr/>
-                    <a:lstStyle/>
-                    <a:p>
-                      <a:r>
-                        <a:rPr lang="en-GB" sz="1400" dirty="0">
-                          <a:latin typeface="DejaVu Sans Book" panose="020B0603030804020204" pitchFamily="34" charset="0"/>
-                          <a:ea typeface="DejaVu Sans Book" panose="020B0603030804020204" pitchFamily="34" charset="0"/>
-                          <a:cs typeface="DejaVu Sans Book" panose="020B0603030804020204" pitchFamily="34" charset="0"/>
-                        </a:rPr>
-                        <a:t>"0b0"</a:t>
-                      </a:r>
-                    </a:p>
-                  </a:txBody>
-                  <a:tcPr/>
-                </a:tc>
-                <a:tc>
-                  <a:txBody>
-                    <a:bodyPr/>
-                    <a:lstStyle/>
-                    <a:p>
-                      <a:endParaRPr lang="en-GB" sz="1400">
-                        <a:latin typeface="DejaVu Sans Book" panose="020B0603030804020204" pitchFamily="34" charset="0"/>
-                        <a:ea typeface="DejaVu Sans Book" panose="020B0603030804020204" pitchFamily="34" charset="0"/>
-                        <a:cs typeface="DejaVu Sans Book" panose="020B0603030804020204" pitchFamily="34" charset="0"/>
-                      </a:endParaRPr>
-                    </a:p>
-                  </a:txBody>
-                  <a:tcPr/>
-                </a:tc>
-                <a:extLst>
-                  <a:ext uri="{0D108BD9-81ED-4DB2-BD59-A6C34878D82A}">
-                    <a16:rowId xmlns:a16="http://schemas.microsoft.com/office/drawing/2014/main" val="3655394169"/>
-                  </a:ext>
-                </a:extLst>
-              </a:tr>
-              <a:tr h="483687">
-                <a:tc>
-                  <a:txBody>
-                    <a:bodyPr/>
-                    <a:lstStyle/>
-                    <a:p>
-                      <a:endParaRPr lang="en-GB" sz="1400">
-                        <a:latin typeface="DejaVu Sans Book" panose="020B0603030804020204" pitchFamily="34" charset="0"/>
-                        <a:ea typeface="DejaVu Sans Book" panose="020B0603030804020204" pitchFamily="34" charset="0"/>
-                        <a:cs typeface="DejaVu Sans Book" panose="020B0603030804020204" pitchFamily="34" charset="0"/>
-                      </a:endParaRPr>
-                    </a:p>
-                  </a:txBody>
-                  <a:tcPr/>
-                </a:tc>
-                <a:tc>
-                  <a:txBody>
-                    <a:bodyPr/>
-                    <a:lstStyle/>
-                    <a:p>
-                      <a:r>
-                        <a:rPr lang="en-GB" sz="1400" dirty="0">
-                          <a:latin typeface="DejaVu Sans Book" panose="020B0603030804020204" pitchFamily="34" charset="0"/>
-                          <a:ea typeface="DejaVu Sans Book" panose="020B0603030804020204" pitchFamily="34" charset="0"/>
-                          <a:cs typeface="DejaVu Sans Book" panose="020B0603030804020204" pitchFamily="34" charset="0"/>
-                        </a:rPr>
-                        <a:t>2b</a:t>
-                      </a:r>
-                    </a:p>
-                  </a:txBody>
-                  <a:tcPr/>
-                </a:tc>
-                <a:tc>
-                  <a:txBody>
-                    <a:bodyPr/>
-                    <a:lstStyle/>
-                    <a:p>
-                      <a:r>
-                        <a:rPr lang="en-GB" sz="1400" dirty="0">
-                          <a:latin typeface="DejaVu Sans Book" panose="020B0603030804020204" pitchFamily="34" charset="0"/>
-                          <a:ea typeface="DejaVu Sans Book" panose="020B0603030804020204" pitchFamily="34" charset="0"/>
-                          <a:cs typeface="DejaVu Sans Book" panose="020B0603030804020204" pitchFamily="34" charset="0"/>
-                        </a:rPr>
-                        <a:t>branch 3</a:t>
-                      </a:r>
-                    </a:p>
-                  </a:txBody>
-                  <a:tcPr/>
-                </a:tc>
-                <a:tc>
-                  <a:txBody>
-                    <a:bodyPr/>
-                    <a:lstStyle/>
-                    <a:p>
-                      <a:endParaRPr lang="en-GB" sz="1400" dirty="0">
-                        <a:latin typeface="DejaVu Sans Book" panose="020B0603030804020204" pitchFamily="34" charset="0"/>
-                        <a:ea typeface="DejaVu Sans Book" panose="020B0603030804020204" pitchFamily="34" charset="0"/>
-                        <a:cs typeface="DejaVu Sans Book" panose="020B0603030804020204" pitchFamily="34" charset="0"/>
-                      </a:endParaRPr>
-                    </a:p>
-                  </a:txBody>
-                  <a:tcPr/>
-                </a:tc>
-                <a:tc>
-                  <a:txBody>
-                    <a:bodyPr/>
-                    <a:lstStyle/>
-                    <a:p>
-                      <a:pPr marL="0" marR="0" lvl="0" indent="0" algn="l" defTabSz="914400" rtl="0" eaLnBrk="1" fontAlgn="auto" latinLnBrk="0" hangingPunct="1">
-                        <a:lnSpc>
-                          <a:spcPct val="100000"/>
-                        </a:lnSpc>
-                        <a:spcBef>
-                          <a:spcPts val="0"/>
-                        </a:spcBef>
-                        <a:spcAft>
-                          <a:spcPts val="0"/>
-                        </a:spcAft>
-                        <a:buClrTx/>
-                        <a:buSzTx/>
-                        <a:buFontTx/>
-                        <a:buNone/>
-                        <a:tabLst/>
-                        <a:defRPr/>
-                      </a:pPr>
-                      <a:endParaRPr lang="en-GB" sz="1400" dirty="0">
-                        <a:latin typeface="DejaVu Sans Book" panose="020B0603030804020204" pitchFamily="34" charset="0"/>
-                        <a:ea typeface="DejaVu Sans Book" panose="020B0603030804020204" pitchFamily="34" charset="0"/>
-                        <a:cs typeface="DejaVu Sans Book" panose="020B0603030804020204" pitchFamily="34" charset="0"/>
-                      </a:endParaRPr>
-                    </a:p>
-                  </a:txBody>
-                  <a:tcPr/>
-                </a:tc>
-                <a:tc>
-                  <a:txBody>
-                    <a:bodyPr/>
-                    <a:lstStyle/>
-                    <a:p>
-                      <a:pPr marL="0" marR="0" lvl="0" indent="0" algn="l" defTabSz="914400" rtl="0" eaLnBrk="1" fontAlgn="auto" latinLnBrk="0" hangingPunct="1">
-                        <a:lnSpc>
-                          <a:spcPct val="100000"/>
-                        </a:lnSpc>
-                        <a:spcBef>
-                          <a:spcPts val="0"/>
-                        </a:spcBef>
-                        <a:spcAft>
-                          <a:spcPts val="0"/>
-                        </a:spcAft>
-                        <a:buClrTx/>
-                        <a:buSzTx/>
-                        <a:buFontTx/>
-                        <a:buNone/>
-                        <a:tabLst/>
-                        <a:defRPr/>
-                      </a:pPr>
-                      <a:r>
-                        <a:rPr lang="en-GB" sz="1400" dirty="0">
-                          <a:latin typeface="DejaVu Sans Book" panose="020B0603030804020204" pitchFamily="34" charset="0"/>
-                          <a:ea typeface="DejaVu Sans Book" panose="020B0603030804020204" pitchFamily="34" charset="0"/>
-                          <a:cs typeface="DejaVu Sans Book" panose="020B0603030804020204" pitchFamily="34" charset="0"/>
-                        </a:rPr>
-                        <a:t>Fall through</a:t>
-                      </a:r>
-                    </a:p>
-                  </a:txBody>
-                  <a:tcPr/>
-                </a:tc>
-                <a:extLst>
-                  <a:ext uri="{0D108BD9-81ED-4DB2-BD59-A6C34878D82A}">
-                    <a16:rowId xmlns:a16="http://schemas.microsoft.com/office/drawing/2014/main" val="3229732226"/>
-                  </a:ext>
-                </a:extLst>
-              </a:tr>
-              <a:tr h="280030">
-                <a:tc>
-                  <a:txBody>
-                    <a:bodyPr/>
-                    <a:lstStyle/>
-                    <a:p>
-                      <a:endParaRPr lang="en-GB" sz="1400">
-                        <a:latin typeface="DejaVu Sans Book" panose="020B0603030804020204" pitchFamily="34" charset="0"/>
-                        <a:ea typeface="DejaVu Sans Book" panose="020B0603030804020204" pitchFamily="34" charset="0"/>
-                        <a:cs typeface="DejaVu Sans Book" panose="020B0603030804020204" pitchFamily="34" charset="0"/>
-                      </a:endParaRPr>
-                    </a:p>
-                  </a:txBody>
-                  <a:tcPr/>
-                </a:tc>
-                <a:tc>
-                  <a:txBody>
-                    <a:bodyPr/>
-                    <a:lstStyle/>
-                    <a:p>
-                      <a:r>
-                        <a:rPr lang="en-GB" sz="1400" dirty="0">
-                          <a:latin typeface="DejaVu Sans Book" panose="020B0603030804020204" pitchFamily="34" charset="0"/>
-                          <a:ea typeface="DejaVu Sans Book" panose="020B0603030804020204" pitchFamily="34" charset="0"/>
-                          <a:cs typeface="DejaVu Sans Book" panose="020B0603030804020204" pitchFamily="34" charset="0"/>
-                        </a:rPr>
-                        <a:t>3 (n&gt;0)</a:t>
-                      </a:r>
-                    </a:p>
-                  </a:txBody>
-                  <a:tcPr/>
-                </a:tc>
-                <a:tc>
-                  <a:txBody>
-                    <a:bodyPr/>
-                    <a:lstStyle/>
-                    <a:p>
-                      <a:endParaRPr lang="en-GB" sz="1400">
-                        <a:latin typeface="DejaVu Sans Book" panose="020B0603030804020204" pitchFamily="34" charset="0"/>
-                        <a:ea typeface="DejaVu Sans Book" panose="020B0603030804020204" pitchFamily="34" charset="0"/>
-                        <a:cs typeface="DejaVu Sans Book" panose="020B0603030804020204" pitchFamily="34" charset="0"/>
-                      </a:endParaRPr>
-                    </a:p>
-                  </a:txBody>
-                  <a:tcPr/>
-                </a:tc>
-                <a:tc>
-                  <a:txBody>
-                    <a:bodyPr/>
-                    <a:lstStyle/>
-                    <a:p>
-                      <a:endParaRPr lang="en-GB" sz="1400">
-                        <a:latin typeface="DejaVu Sans Book" panose="020B0603030804020204" pitchFamily="34" charset="0"/>
-                        <a:ea typeface="DejaVu Sans Book" panose="020B0603030804020204" pitchFamily="34" charset="0"/>
-                        <a:cs typeface="DejaVu Sans Book" panose="020B0603030804020204" pitchFamily="34" charset="0"/>
-                      </a:endParaRPr>
-                    </a:p>
-                  </a:txBody>
-                  <a:tcPr/>
-                </a:tc>
-                <a:tc>
-                  <a:txBody>
-                    <a:bodyPr/>
-                    <a:lstStyle/>
-                    <a:p>
-                      <a:endParaRPr lang="en-GB" sz="1400">
-                        <a:latin typeface="DejaVu Sans Book" panose="020B0603030804020204" pitchFamily="34" charset="0"/>
-                        <a:ea typeface="DejaVu Sans Book" panose="020B0603030804020204" pitchFamily="34" charset="0"/>
-                        <a:cs typeface="DejaVu Sans Book" panose="020B0603030804020204" pitchFamily="34" charset="0"/>
-                      </a:endParaRPr>
-                    </a:p>
-                  </a:txBody>
-                  <a:tcPr/>
-                </a:tc>
-                <a:tc>
-                  <a:txBody>
-                    <a:bodyPr/>
-                    <a:lstStyle/>
-                    <a:p>
-                      <a:endParaRPr lang="en-GB" sz="1400">
-                        <a:latin typeface="DejaVu Sans Book" panose="020B0603030804020204" pitchFamily="34" charset="0"/>
-                        <a:ea typeface="DejaVu Sans Book" panose="020B0603030804020204" pitchFamily="34" charset="0"/>
-                        <a:cs typeface="DejaVu Sans Book" panose="020B0603030804020204" pitchFamily="34" charset="0"/>
-                      </a:endParaRPr>
-                    </a:p>
-                  </a:txBody>
-                  <a:tcPr/>
-                </a:tc>
-                <a:extLst>
-                  <a:ext uri="{0D108BD9-81ED-4DB2-BD59-A6C34878D82A}">
-                    <a16:rowId xmlns:a16="http://schemas.microsoft.com/office/drawing/2014/main" val="3952858742"/>
-                  </a:ext>
-                </a:extLst>
-              </a:tr>
-              <a:tr h="280030">
-                <a:tc>
-                  <a:txBody>
-                    <a:bodyPr/>
-                    <a:lstStyle/>
-                    <a:p>
-                      <a:endParaRPr lang="en-GB" sz="1400" dirty="0">
-                        <a:latin typeface="DejaVu Sans Book" panose="020B0603030804020204" pitchFamily="34" charset="0"/>
-                        <a:ea typeface="DejaVu Sans Book" panose="020B0603030804020204" pitchFamily="34" charset="0"/>
-                        <a:cs typeface="DejaVu Sans Book" panose="020B0603030804020204" pitchFamily="34" charset="0"/>
-                      </a:endParaRPr>
-                    </a:p>
-                  </a:txBody>
-                  <a:tcPr/>
-                </a:tc>
-                <a:tc>
-                  <a:txBody>
-                    <a:bodyPr/>
-                    <a:lstStyle/>
-                    <a:p>
-                      <a:r>
-                        <a:rPr lang="en-GB" sz="1400" dirty="0">
-                          <a:latin typeface="DejaVu Sans Book" panose="020B0603030804020204" pitchFamily="34" charset="0"/>
-                          <a:ea typeface="DejaVu Sans Book" panose="020B0603030804020204" pitchFamily="34" charset="0"/>
-                          <a:cs typeface="DejaVu Sans Book" panose="020B0603030804020204" pitchFamily="34" charset="0"/>
-                        </a:rPr>
-                        <a:t>3a</a:t>
-                      </a:r>
-                    </a:p>
-                  </a:txBody>
-                  <a:tcPr/>
-                </a:tc>
-                <a:tc>
-                  <a:txBody>
-                    <a:bodyPr/>
-                    <a:lstStyle/>
-                    <a:p>
-                      <a:r>
-                        <a:rPr lang="en-GB" sz="1400" dirty="0">
-                          <a:latin typeface="DejaVu Sans Book" panose="020B0603030804020204" pitchFamily="34" charset="0"/>
-                          <a:ea typeface="DejaVu Sans Book" panose="020B0603030804020204" pitchFamily="34" charset="0"/>
-                          <a:cs typeface="DejaVu Sans Book" panose="020B0603030804020204" pitchFamily="34" charset="0"/>
-                        </a:rPr>
-                        <a:t>true</a:t>
-                      </a:r>
-                    </a:p>
-                  </a:txBody>
-                  <a:tcPr/>
-                </a:tc>
-                <a:tc>
-                  <a:txBody>
-                    <a:bodyPr/>
-                    <a:lstStyle/>
-                    <a:p>
-                      <a:r>
-                        <a:rPr lang="en-GB" sz="1400" dirty="0">
-                          <a:latin typeface="DejaVu Sans Book" panose="020B0603030804020204" pitchFamily="34" charset="0"/>
-                          <a:ea typeface="DejaVu Sans Book" panose="020B0603030804020204" pitchFamily="34" charset="0"/>
-                          <a:cs typeface="DejaVu Sans Book" panose="020B0603030804020204" pitchFamily="34" charset="0"/>
-                        </a:rPr>
-                        <a:t>1</a:t>
-                      </a:r>
-                    </a:p>
-                  </a:txBody>
-                  <a:tcPr/>
-                </a:tc>
-                <a:tc>
-                  <a:txBody>
-                    <a:bodyPr/>
-                    <a:lstStyle/>
-                    <a:p>
-                      <a:r>
-                        <a:rPr lang="en-GB" sz="1400" dirty="0">
-                          <a:latin typeface="DejaVu Sans Book" panose="020B0603030804020204" pitchFamily="34" charset="0"/>
-                          <a:ea typeface="DejaVu Sans Book" panose="020B0603030804020204" pitchFamily="34" charset="0"/>
-                          <a:cs typeface="DejaVu Sans Book" panose="020B0603030804020204" pitchFamily="34" charset="0"/>
-                        </a:rPr>
-                        <a:t>"0b1"</a:t>
-                      </a:r>
-                    </a:p>
-                  </a:txBody>
-                  <a:tcPr/>
-                </a:tc>
-                <a:tc>
-                  <a:txBody>
-                    <a:bodyPr/>
-                    <a:lstStyle/>
-                    <a:p>
-                      <a:endParaRPr lang="en-GB" sz="1400" dirty="0">
-                        <a:latin typeface="DejaVu Sans Book" panose="020B0603030804020204" pitchFamily="34" charset="0"/>
-                        <a:ea typeface="DejaVu Sans Book" panose="020B0603030804020204" pitchFamily="34" charset="0"/>
-                        <a:cs typeface="DejaVu Sans Book" panose="020B0603030804020204" pitchFamily="34" charset="0"/>
-                      </a:endParaRPr>
-                    </a:p>
-                  </a:txBody>
-                  <a:tcPr/>
-                </a:tc>
-                <a:extLst>
-                  <a:ext uri="{0D108BD9-81ED-4DB2-BD59-A6C34878D82A}">
-                    <a16:rowId xmlns:a16="http://schemas.microsoft.com/office/drawing/2014/main" val="605619771"/>
-                  </a:ext>
-                </a:extLst>
-              </a:tr>
-              <a:tr h="280030">
-                <a:tc>
-                  <a:txBody>
-                    <a:bodyPr/>
-                    <a:lstStyle/>
-                    <a:p>
-                      <a:endParaRPr lang="en-GB" sz="1400">
-                        <a:latin typeface="DejaVu Sans Book" panose="020B0603030804020204" pitchFamily="34" charset="0"/>
-                        <a:ea typeface="DejaVu Sans Book" panose="020B0603030804020204" pitchFamily="34" charset="0"/>
-                        <a:cs typeface="DejaVu Sans Book" panose="020B0603030804020204" pitchFamily="34" charset="0"/>
-                      </a:endParaRPr>
-                    </a:p>
-                  </a:txBody>
-                  <a:tcPr/>
-                </a:tc>
-                <a:tc>
-                  <a:txBody>
-                    <a:bodyPr/>
-                    <a:lstStyle/>
-                    <a:p>
-                      <a:r>
-                        <a:rPr lang="en-GB" sz="1400" dirty="0">
-                          <a:latin typeface="DejaVu Sans Book" panose="020B0603030804020204" pitchFamily="34" charset="0"/>
-                          <a:ea typeface="DejaVu Sans Book" panose="020B0603030804020204" pitchFamily="34" charset="0"/>
-                          <a:cs typeface="DejaVu Sans Book" panose="020B0603030804020204" pitchFamily="34" charset="0"/>
-                        </a:rPr>
-                        <a:t>3b</a:t>
-                      </a:r>
-                    </a:p>
-                  </a:txBody>
-                  <a:tcPr/>
-                </a:tc>
-                <a:tc>
-                  <a:txBody>
-                    <a:bodyPr/>
-                    <a:lstStyle/>
-                    <a:p>
-                      <a:r>
-                        <a:rPr lang="en-GB" sz="1400" dirty="0">
-                          <a:latin typeface="DejaVu Sans Book" panose="020B0603030804020204" pitchFamily="34" charset="0"/>
-                          <a:ea typeface="DejaVu Sans Book" panose="020B0603030804020204" pitchFamily="34" charset="0"/>
-                          <a:cs typeface="DejaVu Sans Book" panose="020B0603030804020204" pitchFamily="34" charset="0"/>
-                        </a:rPr>
-                        <a:t>false</a:t>
-                      </a:r>
-                    </a:p>
-                  </a:txBody>
-                  <a:tcPr/>
-                </a:tc>
-                <a:tc>
-                  <a:txBody>
-                    <a:bodyPr/>
-                    <a:lstStyle/>
-                    <a:p>
-                      <a:r>
-                        <a:rPr lang="en-GB" sz="1400" dirty="0">
-                          <a:latin typeface="DejaVu Sans Book" panose="020B0603030804020204" pitchFamily="34" charset="0"/>
-                          <a:ea typeface="DejaVu Sans Book" panose="020B0603030804020204" pitchFamily="34" charset="0"/>
-                          <a:cs typeface="DejaVu Sans Book" panose="020B0603030804020204" pitchFamily="34" charset="0"/>
-                        </a:rPr>
-                        <a:t>1</a:t>
-                      </a:r>
-                    </a:p>
-                  </a:txBody>
-                  <a:tcPr/>
-                </a:tc>
-                <a:tc>
-                  <a:txBody>
-                    <a:bodyPr/>
-                    <a:lstStyle/>
-                    <a:p>
-                      <a:r>
-                        <a:rPr lang="en-GB" sz="1400" dirty="0">
-                          <a:latin typeface="DejaVu Sans Book" panose="020B0603030804020204" pitchFamily="34" charset="0"/>
-                          <a:ea typeface="DejaVu Sans Book" panose="020B0603030804020204" pitchFamily="34" charset="0"/>
-                          <a:cs typeface="DejaVu Sans Book" panose="020B0603030804020204" pitchFamily="34" charset="0"/>
-                        </a:rPr>
-                        <a:t>"0b1"</a:t>
-                      </a:r>
-                    </a:p>
-                  </a:txBody>
-                  <a:tcPr/>
-                </a:tc>
-                <a:tc>
-                  <a:txBody>
-                    <a:bodyPr/>
-                    <a:lstStyle/>
-                    <a:p>
-                      <a:endParaRPr lang="en-GB" sz="1400" dirty="0">
-                        <a:latin typeface="DejaVu Sans Book" panose="020B0603030804020204" pitchFamily="34" charset="0"/>
-                        <a:ea typeface="DejaVu Sans Book" panose="020B0603030804020204" pitchFamily="34" charset="0"/>
-                        <a:cs typeface="DejaVu Sans Book" panose="020B0603030804020204" pitchFamily="34" charset="0"/>
-                      </a:endParaRPr>
-                    </a:p>
-                  </a:txBody>
-                  <a:tcPr/>
-                </a:tc>
-                <a:extLst>
-                  <a:ext uri="{0D108BD9-81ED-4DB2-BD59-A6C34878D82A}">
-                    <a16:rowId xmlns:a16="http://schemas.microsoft.com/office/drawing/2014/main" val="3708340843"/>
-                  </a:ext>
-                </a:extLst>
-              </a:tr>
-            </a:tbl>
-          </a:graphicData>
-        </a:graphic>
-      </p:graphicFrame>
-      <p:cxnSp>
-        <p:nvCxnSpPr>
-          <p:cNvPr id="7" name="Straight Connector 6">
-            <a:extLst>
-              <a:ext uri="{FF2B5EF4-FFF2-40B4-BE49-F238E27FC236}">
-                <a16:creationId xmlns:a16="http://schemas.microsoft.com/office/drawing/2014/main" id="{39BE022B-B612-164A-938A-977209B08139}"/>
-              </a:ext>
-            </a:extLst>
-          </p:cNvPr>
-          <p:cNvCxnSpPr>
-            <a:cxnSpLocks/>
-          </p:cNvCxnSpPr>
-          <p:nvPr/>
-        </p:nvCxnSpPr>
-        <p:spPr>
-          <a:xfrm>
-            <a:off x="168537" y="2702197"/>
-            <a:ext cx="11806115" cy="1"/>
-          </a:xfrm>
-          <a:prstGeom prst="line">
-            <a:avLst/>
-          </a:prstGeom>
-        </p:spPr>
-        <p:style>
-          <a:lnRef idx="1">
-            <a:schemeClr val="accent1"/>
-          </a:lnRef>
-          <a:fillRef idx="0">
-            <a:schemeClr val="accent1"/>
-          </a:fillRef>
-          <a:effectRef idx="0">
-            <a:schemeClr val="accent1"/>
-          </a:effectRef>
-          <a:fontRef idx="minor">
-            <a:schemeClr val="tx1"/>
-          </a:fontRef>
-        </p:style>
-      </p:cxnSp>
-    </p:spTree>
-    <p:extLst>
-      <p:ext uri="{BB962C8B-B14F-4D97-AF65-F5344CB8AC3E}">
-        <p14:creationId xmlns:p14="http://schemas.microsoft.com/office/powerpoint/2010/main" val="361987492"/>
-      </p:ext>
-    </p:extLst>
-  </p:cSld>
-  <p:clrMapOvr>
-    <a:masterClrMapping/>
-  </p:clrMapOvr>
-  <p:timing>
-    <p:tnLst>
-      <p:par>
-        <p:cTn id="1" dur="indefinite" restart="never" nodeType="tmRoot">
-          <p:childTnLst>
-            <p:seq concurrent="1" nextAc="seek">
-              <p:cTn id="2" dur="indefinite" nodeType="mainSeq">
-                <p:childTnLst>
-                  <p:par>
-                    <p:cTn id="3" fill="hold">
-                      <p:stCondLst>
-                        <p:cond delay="indefinite"/>
-                      </p:stCondLst>
-                      <p:childTnLst>
-                        <p:par>
-                          <p:cTn id="4" fill="hold">
-                            <p:stCondLst>
-                              <p:cond delay="0"/>
-                            </p:stCondLst>
-                            <p:childTnLst>
-                              <p:par>
-                                <p:cTn id="5" presetID="1" presetClass="entr" presetSubtype="0" fill="hold" grpId="0" nodeType="clickEffect">
-                                  <p:stCondLst>
-                                    <p:cond delay="0"/>
-                                  </p:stCondLst>
-                                  <p:childTnLst>
-                                    <p:set>
-                                      <p:cBhvr>
-                                        <p:cTn id="6" dur="1" fill="hold">
-                                          <p:stCondLst>
-                                            <p:cond delay="0"/>
-                                          </p:stCondLst>
-                                        </p:cTn>
-                                        <p:tgtEl>
-                                          <p:spTgt spid="4"/>
-                                        </p:tgtEl>
-                                        <p:attrNameLst>
-                                          <p:attrName>style.visibility</p:attrName>
-                                        </p:attrNameLst>
-                                      </p:cBhvr>
-                                      <p:to>
-                                        <p:strVal val="visible"/>
-                                      </p:to>
-                                    </p:set>
-                                  </p:childTnLst>
-                                </p:cTn>
-                              </p:par>
-                              <p:par>
-                                <p:cTn id="7" presetID="1" presetClass="entr" presetSubtype="0" fill="hold" nodeType="withEffect">
-                                  <p:stCondLst>
-                                    <p:cond delay="0"/>
-                                  </p:stCondLst>
-                                  <p:childTnLst>
-                                    <p:set>
-                                      <p:cBhvr>
-                                        <p:cTn id="8" dur="1" fill="hold">
-                                          <p:stCondLst>
-                                            <p:cond delay="0"/>
-                                          </p:stCondLst>
-                                        </p:cTn>
-                                        <p:tgtEl>
-                                          <p:spTgt spid="7"/>
-                                        </p:tgtEl>
-                                        <p:attrNameLst>
-                                          <p:attrName>style.visibility</p:attrName>
-                                        </p:attrNameLst>
-                                      </p:cBhvr>
-                                      <p:to>
-                                        <p:strVal val="visible"/>
-                                      </p:to>
-                                    </p:set>
-                                  </p:childTnLst>
-                                </p:cTn>
-                              </p:par>
-                            </p:childTnLst>
-                          </p:cTn>
-                        </p:par>
-                      </p:childTnLst>
-                    </p:cTn>
-                  </p:par>
-                  <p:par>
-                    <p:cTn id="9" fill="hold">
-                      <p:stCondLst>
-                        <p:cond delay="indefinite"/>
-                      </p:stCondLst>
-                      <p:childTnLst>
-                        <p:par>
-                          <p:cTn id="10" fill="hold">
-                            <p:stCondLst>
-                              <p:cond delay="0"/>
-                            </p:stCondLst>
-                            <p:childTnLst>
-                              <p:par>
-                                <p:cTn id="11" presetID="1" presetClass="entr" presetSubtype="0" fill="hold" nodeType="clickEffect">
-                                  <p:stCondLst>
-                                    <p:cond delay="0"/>
-                                  </p:stCondLst>
-                                  <p:childTnLst>
-                                    <p:set>
-                                      <p:cBhvr>
-                                        <p:cTn id="12" dur="1" fill="hold">
-                                          <p:stCondLst>
-                                            <p:cond delay="0"/>
-                                          </p:stCondLst>
-                                        </p:cTn>
-                                        <p:tgtEl>
-                                          <p:spTgt spid="8"/>
-                                        </p:tgtEl>
-                                        <p:attrNameLst>
-                                          <p:attrName>style.visibility</p:attrName>
-                                        </p:attrNameLst>
-                                      </p:cBhvr>
-                                      <p:to>
-                                        <p:strVal val="visible"/>
-                                      </p:to>
-                                    </p:set>
-                                  </p:childTnLst>
-                                </p:cTn>
-                              </p:par>
-                            </p:childTnLst>
-                          </p:cTn>
-                        </p:par>
-                      </p:childTnLst>
-                    </p:cTn>
-                  </p:par>
-                </p:childTnLst>
-              </p:cTn>
-              <p:prevCondLst>
-                <p:cond evt="onPrev" delay="0">
-                  <p:tgtEl>
-                    <p:sldTgt/>
-                  </p:tgtEl>
-                </p:cond>
-              </p:prevCondLst>
-              <p:nextCondLst>
-                <p:cond evt="onNext" delay="0">
-                  <p:tgtEl>
-                    <p:sldTgt/>
-                  </p:tgtEl>
-                </p:cond>
-              </p:nextCondLst>
-            </p:seq>
-          </p:childTnLst>
-        </p:cTn>
-      </p:par>
-    </p:tnLst>
-    <p:bldLst>
-      <p:bldP spid="4" grpId="0"/>
-    </p:bldLst>
-  </p:timing>
-</p:sld>
-</file>
-
-<file path=ppt/slides/slide14.xml><?xml version="1.0" encoding="utf-8"?>
-<p:sld xmlns:a="http://schemas.openxmlformats.org/drawingml/2006/main" xmlns:r="http://schemas.openxmlformats.org/officeDocument/2006/relationships" xmlns:p="http://schemas.openxmlformats.org/presentationml/2006/main">
-  <p:cSld>
-    <p:spTree>
-      <p:nvGrpSpPr>
-        <p:cNvPr id="1" name=""/>
-        <p:cNvGrpSpPr/>
-        <p:nvPr/>
-      </p:nvGrpSpPr>
-      <p:grpSpPr>
-        <a:xfrm>
-          <a:off x="0" y="0"/>
-          <a:ext cx="0" cy="0"/>
-          <a:chOff x="0" y="0"/>
-          <a:chExt cx="0" cy="0"/>
-        </a:xfrm>
-      </p:grpSpPr>
-      <p:sp>
-        <p:nvSpPr>
-          <p:cNvPr id="2" name="Title 1">
-            <a:extLst>
-              <a:ext uri="{FF2B5EF4-FFF2-40B4-BE49-F238E27FC236}">
-                <a16:creationId xmlns:a16="http://schemas.microsoft.com/office/drawing/2014/main" id="{26A64B78-8D7F-9146-8E6A-B32DCB403940}"/>
-              </a:ext>
-            </a:extLst>
-          </p:cNvPr>
-          <p:cNvSpPr>
-            <a:spLocks noGrp="1"/>
-          </p:cNvSpPr>
-          <p:nvPr>
-            <p:ph type="title"/>
-          </p:nvPr>
-        </p:nvSpPr>
-        <p:spPr>
-          <a:xfrm>
-            <a:off x="428626" y="179293"/>
-            <a:ext cx="4107515" cy="1325563"/>
-          </a:xfrm>
-        </p:spPr>
-        <p:txBody>
-          <a:bodyPr/>
-          <a:lstStyle/>
-          <a:p>
-            <a:r>
-              <a:rPr lang="en-GB" dirty="0"/>
-              <a:t>White-box (unit) testing</a:t>
-            </a:r>
-          </a:p>
-        </p:txBody>
-      </p:sp>
-      <p:sp>
-        <p:nvSpPr>
-          <p:cNvPr id="4" name="Rectangle 3">
-            <a:extLst>
-              <a:ext uri="{FF2B5EF4-FFF2-40B4-BE49-F238E27FC236}">
-                <a16:creationId xmlns:a16="http://schemas.microsoft.com/office/drawing/2014/main" id="{36284481-9526-FA45-BAC0-8857EA5072F9}"/>
-              </a:ext>
-            </a:extLst>
-          </p:cNvPr>
-          <p:cNvSpPr/>
-          <p:nvPr/>
-        </p:nvSpPr>
-        <p:spPr>
-          <a:xfrm>
-            <a:off x="260279" y="4352209"/>
-            <a:ext cx="6026203" cy="1815882"/>
-          </a:xfrm>
-          <a:prstGeom prst="rect">
-            <a:avLst/>
-          </a:prstGeom>
-        </p:spPr>
-        <p:txBody>
-          <a:bodyPr wrap="square">
-            <a:spAutoFit/>
-          </a:bodyPr>
-          <a:lstStyle/>
-          <a:p>
-            <a:r>
-              <a:rPr lang="en-GB" sz="1600" dirty="0">
-                <a:latin typeface="DejaVu Sans Book" panose="020B0603030804020204" pitchFamily="34" charset="0"/>
-                <a:ea typeface="DejaVu Sans Book" panose="020B0603030804020204" pitchFamily="34" charset="0"/>
-                <a:cs typeface="DejaVu Sans Book" panose="020B0603030804020204" pitchFamily="34" charset="0"/>
-              </a:rPr>
-              <a:t>open convert</a:t>
-            </a:r>
-          </a:p>
-          <a:p>
-            <a:endParaRPr lang="en-GB" sz="1600" dirty="0">
-              <a:latin typeface="DejaVu Sans Book" panose="020B0603030804020204" pitchFamily="34" charset="0"/>
-              <a:ea typeface="DejaVu Sans Book" panose="020B0603030804020204" pitchFamily="34" charset="0"/>
-              <a:cs typeface="DejaVu Sans Book" panose="020B0603030804020204" pitchFamily="34" charset="0"/>
-            </a:endParaRPr>
-          </a:p>
-          <a:p>
-            <a:r>
-              <a:rPr lang="en-GB" sz="1600" dirty="0" err="1">
-                <a:latin typeface="DejaVu Sans Book" panose="020B0603030804020204" pitchFamily="34" charset="0"/>
-                <a:ea typeface="DejaVu Sans Book" panose="020B0603030804020204" pitchFamily="34" charset="0"/>
-                <a:cs typeface="DejaVu Sans Book" panose="020B0603030804020204" pitchFamily="34" charset="0"/>
-              </a:rPr>
-              <a:t>printfn</a:t>
-            </a:r>
-            <a:r>
-              <a:rPr lang="en-GB" sz="1600" dirty="0">
-                <a:latin typeface="DejaVu Sans Book" panose="020B0603030804020204" pitchFamily="34" charset="0"/>
-                <a:ea typeface="DejaVu Sans Book" panose="020B0603030804020204" pitchFamily="34" charset="0"/>
-                <a:cs typeface="DejaVu Sans Book" panose="020B0603030804020204" pitchFamily="34" charset="0"/>
-              </a:rPr>
-              <a:t> "White-box testing of dec2bin.fsx"</a:t>
-            </a:r>
-          </a:p>
-          <a:p>
-            <a:r>
-              <a:rPr lang="en-GB" sz="1600" dirty="0" err="1">
-                <a:latin typeface="DejaVu Sans Book" panose="020B0603030804020204" pitchFamily="34" charset="0"/>
-                <a:ea typeface="DejaVu Sans Book" panose="020B0603030804020204" pitchFamily="34" charset="0"/>
-                <a:cs typeface="DejaVu Sans Book" panose="020B0603030804020204" pitchFamily="34" charset="0"/>
-              </a:rPr>
-              <a:t>printfn</a:t>
-            </a:r>
-            <a:r>
-              <a:rPr lang="en-GB" sz="1600" dirty="0">
-                <a:latin typeface="DejaVu Sans Book" panose="020B0603030804020204" pitchFamily="34" charset="0"/>
-                <a:ea typeface="DejaVu Sans Book" panose="020B0603030804020204" pitchFamily="34" charset="0"/>
-                <a:cs typeface="DejaVu Sans Book" panose="020B0603030804020204" pitchFamily="34" charset="0"/>
-              </a:rPr>
-              <a:t> "  Unit: dec2bin"</a:t>
-            </a:r>
-          </a:p>
-          <a:p>
-            <a:r>
-              <a:rPr lang="en-GB" sz="1600" dirty="0" err="1">
-                <a:latin typeface="DejaVu Sans Book" panose="020B0603030804020204" pitchFamily="34" charset="0"/>
-                <a:ea typeface="DejaVu Sans Book" panose="020B0603030804020204" pitchFamily="34" charset="0"/>
-                <a:cs typeface="DejaVu Sans Book" panose="020B0603030804020204" pitchFamily="34" charset="0"/>
-              </a:rPr>
-              <a:t>printfn</a:t>
-            </a:r>
-            <a:r>
-              <a:rPr lang="en-GB" sz="1600" dirty="0">
-                <a:latin typeface="DejaVu Sans Book" panose="020B0603030804020204" pitchFamily="34" charset="0"/>
-                <a:ea typeface="DejaVu Sans Book" panose="020B0603030804020204" pitchFamily="34" charset="0"/>
-                <a:cs typeface="DejaVu Sans Book" panose="020B0603030804020204" pitchFamily="34" charset="0"/>
-              </a:rPr>
-              <a:t> "    %5b: Branch 1a" (dec2bin -1 = "Illegal value")</a:t>
-            </a:r>
-          </a:p>
-          <a:p>
-            <a:r>
-              <a:rPr lang="en-GB" sz="1600" dirty="0" err="1">
-                <a:latin typeface="DejaVu Sans Book" panose="020B0603030804020204" pitchFamily="34" charset="0"/>
-                <a:ea typeface="DejaVu Sans Book" panose="020B0603030804020204" pitchFamily="34" charset="0"/>
-                <a:cs typeface="DejaVu Sans Book" panose="020B0603030804020204" pitchFamily="34" charset="0"/>
-              </a:rPr>
-              <a:t>printfn</a:t>
-            </a:r>
-            <a:r>
-              <a:rPr lang="en-GB" sz="1600" dirty="0">
-                <a:latin typeface="DejaVu Sans Book" panose="020B0603030804020204" pitchFamily="34" charset="0"/>
-                <a:ea typeface="DejaVu Sans Book" panose="020B0603030804020204" pitchFamily="34" charset="0"/>
-                <a:cs typeface="DejaVu Sans Book" panose="020B0603030804020204" pitchFamily="34" charset="0"/>
-              </a:rPr>
-              <a:t> "    %5b: Branch 2a" (dec2bin 0 = "0b0")</a:t>
-            </a:r>
-          </a:p>
-          <a:p>
-            <a:r>
-              <a:rPr lang="en-GB" sz="1600" dirty="0" err="1">
-                <a:latin typeface="DejaVu Sans Book" panose="020B0603030804020204" pitchFamily="34" charset="0"/>
-                <a:ea typeface="DejaVu Sans Book" panose="020B0603030804020204" pitchFamily="34" charset="0"/>
-                <a:cs typeface="DejaVu Sans Book" panose="020B0603030804020204" pitchFamily="34" charset="0"/>
-              </a:rPr>
-              <a:t>printfn</a:t>
-            </a:r>
-            <a:r>
-              <a:rPr lang="en-GB" sz="1600" dirty="0">
-                <a:latin typeface="DejaVu Sans Book" panose="020B0603030804020204" pitchFamily="34" charset="0"/>
-                <a:ea typeface="DejaVu Sans Book" panose="020B0603030804020204" pitchFamily="34" charset="0"/>
-                <a:cs typeface="DejaVu Sans Book" panose="020B0603030804020204" pitchFamily="34" charset="0"/>
-              </a:rPr>
-              <a:t> "    %5b: Branch 3a" (dec2bin 1 = "0b1")</a:t>
-            </a:r>
-          </a:p>
-        </p:txBody>
-      </p:sp>
-      <p:graphicFrame>
-        <p:nvGraphicFramePr>
-          <p:cNvPr id="8" name="Table 7">
-            <a:extLst>
-              <a:ext uri="{FF2B5EF4-FFF2-40B4-BE49-F238E27FC236}">
-                <a16:creationId xmlns:a16="http://schemas.microsoft.com/office/drawing/2014/main" id="{F335C72C-6F98-CD49-9F7D-8F5A474A1447}"/>
-              </a:ext>
-            </a:extLst>
-          </p:cNvPr>
-          <p:cNvGraphicFramePr>
-            <a:graphicFrameLocks noGrp="1"/>
-          </p:cNvGraphicFramePr>
-          <p:nvPr>
-            <p:extLst>
-              <p:ext uri="{D42A27DB-BD31-4B8C-83A1-F6EECF244321}">
-                <p14:modId xmlns:p14="http://schemas.microsoft.com/office/powerpoint/2010/main" val="3774400411"/>
-              </p:ext>
-            </p:extLst>
-          </p:nvPr>
-        </p:nvGraphicFramePr>
-        <p:xfrm>
-          <a:off x="4536141" y="179294"/>
-          <a:ext cx="7411159" cy="3683468"/>
-        </p:xfrm>
-        <a:graphic>
-          <a:graphicData uri="http://schemas.openxmlformats.org/drawingml/2006/table">
-            <a:tbl>
-              <a:tblPr firstRow="1" bandRow="1">
-                <a:tableStyleId>{5C22544A-7EE6-4342-B048-85BDC9FD1C3A}</a:tableStyleId>
-              </a:tblPr>
-              <a:tblGrid>
-                <a:gridCol w="1112353">
-                  <a:extLst>
-                    <a:ext uri="{9D8B030D-6E8A-4147-A177-3AD203B41FA5}">
-                      <a16:colId xmlns:a16="http://schemas.microsoft.com/office/drawing/2014/main" val="1532162595"/>
-                    </a:ext>
-                  </a:extLst>
-                </a:gridCol>
-                <a:gridCol w="1358034">
-                  <a:extLst>
-                    <a:ext uri="{9D8B030D-6E8A-4147-A177-3AD203B41FA5}">
-                      <a16:colId xmlns:a16="http://schemas.microsoft.com/office/drawing/2014/main" val="2951828956"/>
-                    </a:ext>
-                  </a:extLst>
-                </a:gridCol>
-                <a:gridCol w="1235193">
-                  <a:extLst>
-                    <a:ext uri="{9D8B030D-6E8A-4147-A177-3AD203B41FA5}">
-                      <a16:colId xmlns:a16="http://schemas.microsoft.com/office/drawing/2014/main" val="1403007596"/>
-                    </a:ext>
-                  </a:extLst>
-                </a:gridCol>
-                <a:gridCol w="1235193">
-                  <a:extLst>
-                    <a:ext uri="{9D8B030D-6E8A-4147-A177-3AD203B41FA5}">
-                      <a16:colId xmlns:a16="http://schemas.microsoft.com/office/drawing/2014/main" val="2386097711"/>
-                    </a:ext>
-                  </a:extLst>
-                </a:gridCol>
-                <a:gridCol w="1235193">
-                  <a:extLst>
-                    <a:ext uri="{9D8B030D-6E8A-4147-A177-3AD203B41FA5}">
-                      <a16:colId xmlns:a16="http://schemas.microsoft.com/office/drawing/2014/main" val="2720054862"/>
-                    </a:ext>
-                  </a:extLst>
-                </a:gridCol>
-                <a:gridCol w="1235193">
-                  <a:extLst>
-                    <a:ext uri="{9D8B030D-6E8A-4147-A177-3AD203B41FA5}">
-                      <a16:colId xmlns:a16="http://schemas.microsoft.com/office/drawing/2014/main" val="179345016"/>
-                    </a:ext>
-                  </a:extLst>
-                </a:gridCol>
-              </a:tblGrid>
-              <a:tr h="448210">
+              <a:tr h="455192">
                 <a:tc>
                   <a:txBody>
                     <a:bodyPr/>
@@ -9569,7 +8104,7 @@
                   </a:ext>
                 </a:extLst>
               </a:tr>
-              <a:tr h="432990">
+              <a:tr h="468665">
                 <a:tc>
                   <a:txBody>
                     <a:bodyPr/>
@@ -9634,13 +8169,6 @@
                         </a:rPr>
                         <a:t>n &lt; 0</a:t>
                       </a:r>
-                    </a:p>
-                    <a:p>
-                      <a:endParaRPr lang="en-GB" sz="1200" dirty="0">
-                        <a:latin typeface="DejaVu Sans Book" panose="020B0603030804020204" pitchFamily="34" charset="0"/>
-                        <a:ea typeface="DejaVu Sans Book" panose="020B0603030804020204" pitchFamily="34" charset="0"/>
-                        <a:cs typeface="DejaVu Sans Book" panose="020B0603030804020204" pitchFamily="34" charset="0"/>
-                      </a:endParaRPr>
                     </a:p>
                   </a:txBody>
                   <a:tcPr/>
@@ -9710,7 +8238,7 @@
                   </a:ext>
                 </a:extLst>
               </a:tr>
-              <a:tr h="432990">
+              <a:tr h="468665">
                 <a:tc>
                   <a:txBody>
                     <a:bodyPr/>
@@ -9830,13 +8358,13 @@
                   </a:ext>
                 </a:extLst>
               </a:tr>
-              <a:tr h="432990">
+              <a:tr h="437484">
                 <a:tc>
                   <a:txBody>
                     <a:bodyPr/>
                     <a:lstStyle/>
                     <a:p>
-                      <a:endParaRPr lang="en-GB" sz="1200">
+                      <a:endParaRPr lang="en-GB" sz="1200" dirty="0">
                         <a:latin typeface="DejaVu Sans Book" panose="020B0603030804020204" pitchFamily="34" charset="0"/>
                         <a:ea typeface="DejaVu Sans Book" panose="020B0603030804020204" pitchFamily="34" charset="0"/>
                         <a:cs typeface="DejaVu Sans Book" panose="020B0603030804020204" pitchFamily="34" charset="0"/>
@@ -9873,7 +8401,7 @@
                           <a:ea typeface="DejaVu Sans Book" panose="020B0603030804020204" pitchFamily="34" charset="0"/>
                           <a:cs typeface="DejaVu Sans Book" panose="020B0603030804020204" pitchFamily="34" charset="0"/>
                         </a:rPr>
-                        <a:t>branch 2</a:t>
+                        <a:t>false</a:t>
                       </a:r>
                     </a:p>
                   </a:txBody>
@@ -9952,7 +8480,7 @@
                           <a:ea typeface="DejaVu Sans Book" panose="020B0603030804020204" pitchFamily="34" charset="0"/>
                           <a:cs typeface="DejaVu Sans Book" panose="020B0603030804020204" pitchFamily="34" charset="0"/>
                         </a:rPr>
-                        <a:t>Fall through</a:t>
+                        <a:t>-&gt; Branch 2</a:t>
                       </a:r>
                     </a:p>
                   </a:txBody>
@@ -9964,7 +8492,7 @@
                   </a:ext>
                 </a:extLst>
               </a:tr>
-              <a:tr h="348608">
+              <a:tr h="275685">
                 <a:tc>
                   <a:txBody>
                     <a:bodyPr/>
@@ -9990,7 +8518,7 @@
                           <a:ea typeface="DejaVu Sans Book" panose="020B0603030804020204" pitchFamily="34" charset="0"/>
                           <a:cs typeface="DejaVu Sans Book" panose="020B0603030804020204" pitchFamily="34" charset="0"/>
                         </a:rPr>
-                        <a:t>2 (n&gt;=0)</a:t>
+                        <a:t>2</a:t>
                       </a:r>
                     </a:p>
                   </a:txBody>
@@ -10046,11 +8574,14 @@
                     <a:bodyPr/>
                     <a:lstStyle/>
                     <a:p>
-                      <a:endParaRPr lang="en-GB" sz="1200">
-                        <a:latin typeface="DejaVu Sans Book" panose="020B0603030804020204" pitchFamily="34" charset="0"/>
-                        <a:ea typeface="DejaVu Sans Book" panose="020B0603030804020204" pitchFamily="34" charset="0"/>
-                        <a:cs typeface="DejaVu Sans Book" panose="020B0603030804020204" pitchFamily="34" charset="0"/>
-                      </a:endParaRPr>
+                      <a:r>
+                        <a:rPr lang="en-GB" sz="1200" dirty="0">
+                          <a:latin typeface="DejaVu Sans Book" panose="020B0603030804020204" pitchFamily="34" charset="0"/>
+                          <a:ea typeface="DejaVu Sans Book" panose="020B0603030804020204" pitchFamily="34" charset="0"/>
+                          <a:cs typeface="DejaVu Sans Book" panose="020B0603030804020204" pitchFamily="34" charset="0"/>
+                        </a:rPr>
+                        <a:t>n&gt;=0</a:t>
+                      </a:r>
                     </a:p>
                   </a:txBody>
                   <a:tcPr/>
@@ -10061,13 +8592,13 @@
                   </a:ext>
                 </a:extLst>
               </a:tr>
-              <a:tr h="259794">
+              <a:tr h="468665">
                 <a:tc>
                   <a:txBody>
                     <a:bodyPr/>
                     <a:lstStyle/>
                     <a:p>
-                      <a:endParaRPr lang="en-GB" sz="1200">
+                      <a:endParaRPr lang="en-GB" sz="1200" dirty="0">
                         <a:latin typeface="DejaVu Sans Book" panose="020B0603030804020204" pitchFamily="34" charset="0"/>
                         <a:ea typeface="DejaVu Sans Book" panose="020B0603030804020204" pitchFamily="34" charset="0"/>
                         <a:cs typeface="DejaVu Sans Book" panose="020B0603030804020204" pitchFamily="34" charset="0"/>
@@ -10164,7 +8695,7 @@
                   </a:ext>
                 </a:extLst>
               </a:tr>
-              <a:tr h="432990">
+              <a:tr h="437484">
                 <a:tc>
                   <a:txBody>
                     <a:bodyPr/>
@@ -10207,7 +8738,7 @@
                           <a:ea typeface="DejaVu Sans Book" panose="020B0603030804020204" pitchFamily="34" charset="0"/>
                           <a:cs typeface="DejaVu Sans Book" panose="020B0603030804020204" pitchFamily="34" charset="0"/>
                         </a:rPr>
-                        <a:t>branch 3</a:t>
+                        <a:t>false</a:t>
                       </a:r>
                     </a:p>
                   </a:txBody>
@@ -10286,7 +8817,7 @@
                           <a:ea typeface="DejaVu Sans Book" panose="020B0603030804020204" pitchFamily="34" charset="0"/>
                           <a:cs typeface="DejaVu Sans Book" panose="020B0603030804020204" pitchFamily="34" charset="0"/>
                         </a:rPr>
-                        <a:t>Fall through</a:t>
+                        <a:t>-&gt; Branch 3</a:t>
                       </a:r>
                     </a:p>
                   </a:txBody>
@@ -10298,7 +8829,7 @@
                   </a:ext>
                 </a:extLst>
               </a:tr>
-              <a:tr h="259794">
+              <a:tr h="275685">
                 <a:tc>
                   <a:txBody>
                     <a:bodyPr/>
@@ -10324,7 +8855,24 @@
                           <a:ea typeface="DejaVu Sans Book" panose="020B0603030804020204" pitchFamily="34" charset="0"/>
                           <a:cs typeface="DejaVu Sans Book" panose="020B0603030804020204" pitchFamily="34" charset="0"/>
                         </a:rPr>
-                        <a:t>3 (n&gt;0)</a:t>
+                        <a:t>3</a:t>
+                      </a:r>
+                    </a:p>
+                  </a:txBody>
+                  <a:tcPr/>
+                </a:tc>
+                <a:tc>
+                  <a:txBody>
+                    <a:bodyPr/>
+                    <a:lstStyle/>
+                    <a:p>
+                      <a:r>
+                        <a:rPr lang="en-GB" sz="1200" dirty="0">
+                          <a:latin typeface="DejaVu Sans Book" panose="020B0603030804020204" pitchFamily="34" charset="0"/>
+                          <a:ea typeface="DejaVu Sans Book" panose="020B0603030804020204" pitchFamily="34" charset="0"/>
+                          <a:cs typeface="DejaVu Sans Book" panose="020B0603030804020204" pitchFamily="34" charset="0"/>
+                        </a:rPr>
+                        <a:t>v &gt; 0</a:t>
                       </a:r>
                     </a:p>
                   </a:txBody>
@@ -10363,25 +8911,14 @@
                     <a:bodyPr/>
                     <a:lstStyle/>
                     <a:p>
-                      <a:endParaRPr lang="en-GB" sz="1200">
-                        <a:latin typeface="DejaVu Sans Book" panose="020B0603030804020204" pitchFamily="34" charset="0"/>
-                        <a:ea typeface="DejaVu Sans Book" panose="020B0603030804020204" pitchFamily="34" charset="0"/>
-                        <a:cs typeface="DejaVu Sans Book" panose="020B0603030804020204" pitchFamily="34" charset="0"/>
-                      </a:endParaRPr>
-                    </a:p>
-                  </a:txBody>
-                  <a:tcPr/>
-                </a:tc>
-                <a:tc>
-                  <a:txBody>
-                    <a:bodyPr/>
-                    <a:lstStyle/>
-                    <a:p>
-                      <a:endParaRPr lang="en-GB" sz="1200">
-                        <a:latin typeface="DejaVu Sans Book" panose="020B0603030804020204" pitchFamily="34" charset="0"/>
-                        <a:ea typeface="DejaVu Sans Book" panose="020B0603030804020204" pitchFamily="34" charset="0"/>
-                        <a:cs typeface="DejaVu Sans Book" panose="020B0603030804020204" pitchFamily="34" charset="0"/>
-                      </a:endParaRPr>
+                      <a:r>
+                        <a:rPr lang="en-GB" sz="1200" dirty="0">
+                          <a:latin typeface="DejaVu Sans Book" panose="020B0603030804020204" pitchFamily="34" charset="0"/>
+                          <a:ea typeface="DejaVu Sans Book" panose="020B0603030804020204" pitchFamily="34" charset="0"/>
+                          <a:cs typeface="DejaVu Sans Book" panose="020B0603030804020204" pitchFamily="34" charset="0"/>
+                        </a:rPr>
+                        <a:t>n&gt;0</a:t>
+                      </a:r>
                     </a:p>
                   </a:txBody>
                   <a:tcPr/>
@@ -10392,7 +8929,7 @@
                   </a:ext>
                 </a:extLst>
               </a:tr>
-              <a:tr h="259794">
+              <a:tr h="468665">
                 <a:tc>
                   <a:txBody>
                     <a:bodyPr/>
@@ -10412,8 +8949,12 @@
                     <a:bodyPr/>
                     <a:lstStyle/>
                     <a:p>
+                      <a:pPr marL="0" algn="l" defTabSz="914400" rtl="0" eaLnBrk="1" latinLnBrk="0" hangingPunct="1"/>
                       <a:r>
-                        <a:rPr lang="en-GB" sz="1200" dirty="0">
+                        <a:rPr lang="en-GB" sz="1200" kern="1200" dirty="0">
+                          <a:solidFill>
+                            <a:schemeClr val="dk1"/>
+                          </a:solidFill>
                           <a:latin typeface="DejaVu Sans Book" panose="020B0603030804020204" pitchFamily="34" charset="0"/>
                           <a:ea typeface="DejaVu Sans Book" panose="020B0603030804020204" pitchFamily="34" charset="0"/>
                           <a:cs typeface="DejaVu Sans Book" panose="020B0603030804020204" pitchFamily="34" charset="0"/>
@@ -10429,8 +8970,12 @@
                     <a:bodyPr/>
                     <a:lstStyle/>
                     <a:p>
+                      <a:pPr marL="0" algn="l" defTabSz="914400" rtl="0" eaLnBrk="1" latinLnBrk="0" hangingPunct="1"/>
                       <a:r>
-                        <a:rPr lang="en-GB" sz="1200" dirty="0">
+                        <a:rPr lang="en-GB" sz="1200" kern="1200" dirty="0">
+                          <a:solidFill>
+                            <a:schemeClr val="dk1"/>
+                          </a:solidFill>
                           <a:latin typeface="DejaVu Sans Book" panose="020B0603030804020204" pitchFamily="34" charset="0"/>
                           <a:ea typeface="DejaVu Sans Book" panose="020B0603030804020204" pitchFamily="34" charset="0"/>
                           <a:cs typeface="DejaVu Sans Book" panose="020B0603030804020204" pitchFamily="34" charset="0"/>
@@ -10446,8 +8991,12 @@
                     <a:bodyPr/>
                     <a:lstStyle/>
                     <a:p>
+                      <a:pPr marL="0" algn="l" defTabSz="914400" rtl="0" eaLnBrk="1" latinLnBrk="0" hangingPunct="1"/>
                       <a:r>
-                        <a:rPr lang="en-GB" sz="1200" dirty="0">
+                        <a:rPr lang="en-GB" sz="1200" kern="1200" dirty="0">
+                          <a:solidFill>
+                            <a:schemeClr val="dk1"/>
+                          </a:solidFill>
                           <a:latin typeface="DejaVu Sans Book" panose="020B0603030804020204" pitchFamily="34" charset="0"/>
                           <a:ea typeface="DejaVu Sans Book" panose="020B0603030804020204" pitchFamily="34" charset="0"/>
                           <a:cs typeface="DejaVu Sans Book" panose="020B0603030804020204" pitchFamily="34" charset="0"/>
@@ -10463,8 +9012,12 @@
                     <a:bodyPr/>
                     <a:lstStyle/>
                     <a:p>
+                      <a:pPr marL="0" algn="l" defTabSz="914400" rtl="0" eaLnBrk="1" latinLnBrk="0" hangingPunct="1"/>
                       <a:r>
-                        <a:rPr lang="en-GB" sz="1200" dirty="0">
+                        <a:rPr lang="en-GB" sz="1200" kern="1200" dirty="0">
+                          <a:solidFill>
+                            <a:schemeClr val="dk1"/>
+                          </a:solidFill>
                           <a:latin typeface="DejaVu Sans Book" panose="020B0603030804020204" pitchFamily="34" charset="0"/>
                           <a:ea typeface="DejaVu Sans Book" panose="020B0603030804020204" pitchFamily="34" charset="0"/>
                           <a:cs typeface="DejaVu Sans Book" panose="020B0603030804020204" pitchFamily="34" charset="0"/>
@@ -10480,11 +9033,18 @@
                     <a:bodyPr/>
                     <a:lstStyle/>
                     <a:p>
-                      <a:endParaRPr lang="en-GB" sz="1200" dirty="0">
-                        <a:latin typeface="DejaVu Sans Book" panose="020B0603030804020204" pitchFamily="34" charset="0"/>
-                        <a:ea typeface="DejaVu Sans Book" panose="020B0603030804020204" pitchFamily="34" charset="0"/>
-                        <a:cs typeface="DejaVu Sans Book" panose="020B0603030804020204" pitchFamily="34" charset="0"/>
-                      </a:endParaRPr>
+                      <a:pPr marL="0" algn="l" defTabSz="914400" rtl="0" eaLnBrk="1" latinLnBrk="0" hangingPunct="1"/>
+                      <a:r>
+                        <a:rPr lang="en-GB" sz="1200" kern="1200" dirty="0">
+                          <a:solidFill>
+                            <a:schemeClr val="dk1"/>
+                          </a:solidFill>
+                          <a:latin typeface="DejaVu Sans Book" panose="020B0603030804020204" pitchFamily="34" charset="0"/>
+                          <a:ea typeface="DejaVu Sans Book" panose="020B0603030804020204" pitchFamily="34" charset="0"/>
+                          <a:cs typeface="DejaVu Sans Book" panose="020B0603030804020204" pitchFamily="34" charset="0"/>
+                        </a:rPr>
+                        <a:t>1 or more</a:t>
+                      </a:r>
                     </a:p>
                   </a:txBody>
                   <a:tcPr/>
@@ -10495,13 +9055,13 @@
                   </a:ext>
                 </a:extLst>
               </a:tr>
-              <a:tr h="259794">
+              <a:tr h="275685">
                 <a:tc>
                   <a:txBody>
                     <a:bodyPr/>
                     <a:lstStyle/>
                     <a:p>
-                      <a:endParaRPr lang="en-GB" sz="1200">
+                      <a:endParaRPr lang="en-GB" sz="1200" dirty="0">
                         <a:latin typeface="DejaVu Sans Book" panose="020B0603030804020204" pitchFamily="34" charset="0"/>
                         <a:ea typeface="DejaVu Sans Book" panose="020B0603030804020204" pitchFamily="34" charset="0"/>
                         <a:cs typeface="DejaVu Sans Book" panose="020B0603030804020204" pitchFamily="34" charset="0"/>
@@ -10515,8 +9075,12 @@
                     <a:bodyPr/>
                     <a:lstStyle/>
                     <a:p>
+                      <a:pPr marL="0" algn="l" defTabSz="914400" rtl="0" eaLnBrk="1" latinLnBrk="0" hangingPunct="1"/>
                       <a:r>
-                        <a:rPr lang="en-GB" sz="1200" dirty="0">
+                        <a:rPr lang="en-GB" sz="1200" kern="1200" dirty="0">
+                          <a:solidFill>
+                            <a:schemeClr val="dk1"/>
+                          </a:solidFill>
                           <a:latin typeface="DejaVu Sans Book" panose="020B0603030804020204" pitchFamily="34" charset="0"/>
                           <a:ea typeface="DejaVu Sans Book" panose="020B0603030804020204" pitchFamily="34" charset="0"/>
                           <a:cs typeface="DejaVu Sans Book" panose="020B0603030804020204" pitchFamily="34" charset="0"/>
@@ -10532,8 +9096,12 @@
                     <a:bodyPr/>
                     <a:lstStyle/>
                     <a:p>
+                      <a:pPr marL="0" algn="l" defTabSz="914400" rtl="0" eaLnBrk="1" latinLnBrk="0" hangingPunct="1"/>
                       <a:r>
-                        <a:rPr lang="en-GB" sz="1200" dirty="0">
+                        <a:rPr lang="en-GB" sz="1200" kern="1200" dirty="0">
+                          <a:solidFill>
+                            <a:schemeClr val="dk1"/>
+                          </a:solidFill>
                           <a:latin typeface="DejaVu Sans Book" panose="020B0603030804020204" pitchFamily="34" charset="0"/>
                           <a:ea typeface="DejaVu Sans Book" panose="020B0603030804020204" pitchFamily="34" charset="0"/>
                           <a:cs typeface="DejaVu Sans Book" panose="020B0603030804020204" pitchFamily="34" charset="0"/>
@@ -10549,14 +9117,15 @@
                     <a:bodyPr/>
                     <a:lstStyle/>
                     <a:p>
-                      <a:r>
-                        <a:rPr lang="en-GB" sz="1200" dirty="0">
-                          <a:latin typeface="DejaVu Sans Book" panose="020B0603030804020204" pitchFamily="34" charset="0"/>
-                          <a:ea typeface="DejaVu Sans Book" panose="020B0603030804020204" pitchFamily="34" charset="0"/>
-                          <a:cs typeface="DejaVu Sans Book" panose="020B0603030804020204" pitchFamily="34" charset="0"/>
-                        </a:rPr>
-                        <a:t>1</a:t>
-                      </a:r>
+                      <a:pPr marL="0" algn="l" defTabSz="914400" rtl="0" eaLnBrk="1" latinLnBrk="0" hangingPunct="1"/>
+                      <a:endParaRPr lang="en-GB" sz="1200" kern="1200" dirty="0">
+                        <a:solidFill>
+                          <a:schemeClr val="dk1"/>
+                        </a:solidFill>
+                        <a:latin typeface="DejaVu Sans Book" panose="020B0603030804020204" pitchFamily="34" charset="0"/>
+                        <a:ea typeface="DejaVu Sans Book" panose="020B0603030804020204" pitchFamily="34" charset="0"/>
+                        <a:cs typeface="DejaVu Sans Book" panose="020B0603030804020204" pitchFamily="34" charset="0"/>
+                      </a:endParaRPr>
                     </a:p>
                   </a:txBody>
                   <a:tcPr/>
@@ -10566,14 +9135,15 @@
                     <a:bodyPr/>
                     <a:lstStyle/>
                     <a:p>
-                      <a:r>
-                        <a:rPr lang="en-GB" sz="1200" dirty="0">
-                          <a:latin typeface="DejaVu Sans Book" panose="020B0603030804020204" pitchFamily="34" charset="0"/>
-                          <a:ea typeface="DejaVu Sans Book" panose="020B0603030804020204" pitchFamily="34" charset="0"/>
-                          <a:cs typeface="DejaVu Sans Book" panose="020B0603030804020204" pitchFamily="34" charset="0"/>
-                        </a:rPr>
-                        <a:t>"0b1"</a:t>
-                      </a:r>
+                      <a:pPr marL="0" algn="l" defTabSz="914400" rtl="0" eaLnBrk="1" latinLnBrk="0" hangingPunct="1"/>
+                      <a:endParaRPr lang="en-GB" sz="1200" kern="1200" dirty="0">
+                        <a:solidFill>
+                          <a:schemeClr val="dk1"/>
+                        </a:solidFill>
+                        <a:latin typeface="DejaVu Sans Book" panose="020B0603030804020204" pitchFamily="34" charset="0"/>
+                        <a:ea typeface="DejaVu Sans Book" panose="020B0603030804020204" pitchFamily="34" charset="0"/>
+                        <a:cs typeface="DejaVu Sans Book" panose="020B0603030804020204" pitchFamily="34" charset="0"/>
+                      </a:endParaRPr>
                     </a:p>
                   </a:txBody>
                   <a:tcPr/>
@@ -10583,11 +9153,18 @@
                     <a:bodyPr/>
                     <a:lstStyle/>
                     <a:p>
-                      <a:endParaRPr lang="en-GB" sz="1200" dirty="0">
-                        <a:latin typeface="DejaVu Sans Book" panose="020B0603030804020204" pitchFamily="34" charset="0"/>
-                        <a:ea typeface="DejaVu Sans Book" panose="020B0603030804020204" pitchFamily="34" charset="0"/>
-                        <a:cs typeface="DejaVu Sans Book" panose="020B0603030804020204" pitchFamily="34" charset="0"/>
-                      </a:endParaRPr>
+                      <a:pPr marL="0" algn="l" defTabSz="914400" rtl="0" eaLnBrk="1" latinLnBrk="0" hangingPunct="1"/>
+                      <a:r>
+                        <a:rPr lang="en-GB" sz="1200" kern="1200" dirty="0">
+                          <a:solidFill>
+                            <a:schemeClr val="dk1"/>
+                          </a:solidFill>
+                          <a:latin typeface="DejaVu Sans Book" panose="020B0603030804020204" pitchFamily="34" charset="0"/>
+                          <a:ea typeface="DejaVu Sans Book" panose="020B0603030804020204" pitchFamily="34" charset="0"/>
+                          <a:cs typeface="DejaVu Sans Book" panose="020B0603030804020204" pitchFamily="34" charset="0"/>
+                        </a:rPr>
+                        <a:t>0 times, impossible.</a:t>
+                      </a:r>
                     </a:p>
                   </a:txBody>
                   <a:tcPr/>
@@ -10602,6 +9179,438 @@
           </a:graphicData>
         </a:graphic>
       </p:graphicFrame>
+      <p:cxnSp>
+        <p:nvCxnSpPr>
+          <p:cNvPr id="7" name="Straight Connector 6">
+            <a:extLst>
+              <a:ext uri="{FF2B5EF4-FFF2-40B4-BE49-F238E27FC236}">
+                <a16:creationId xmlns:a16="http://schemas.microsoft.com/office/drawing/2014/main" id="{39BE022B-B612-164A-938A-977209B08139}"/>
+              </a:ext>
+            </a:extLst>
+          </p:cNvPr>
+          <p:cNvCxnSpPr>
+            <a:cxnSpLocks/>
+          </p:cNvCxnSpPr>
+          <p:nvPr/>
+        </p:nvCxnSpPr>
+        <p:spPr>
+          <a:xfrm>
+            <a:off x="168537" y="2702197"/>
+            <a:ext cx="11806115" cy="1"/>
+          </a:xfrm>
+          <a:prstGeom prst="line">
+            <a:avLst/>
+          </a:prstGeom>
+        </p:spPr>
+        <p:style>
+          <a:lnRef idx="1">
+            <a:schemeClr val="accent1"/>
+          </a:lnRef>
+          <a:fillRef idx="0">
+            <a:schemeClr val="accent1"/>
+          </a:fillRef>
+          <a:effectRef idx="0">
+            <a:schemeClr val="accent1"/>
+          </a:effectRef>
+          <a:fontRef idx="minor">
+            <a:schemeClr val="tx1"/>
+          </a:fontRef>
+        </p:style>
+      </p:cxnSp>
+    </p:spTree>
+    <p:extLst>
+      <p:ext uri="{BB962C8B-B14F-4D97-AF65-F5344CB8AC3E}">
+        <p14:creationId xmlns:p14="http://schemas.microsoft.com/office/powerpoint/2010/main" val="3195475434"/>
+      </p:ext>
+    </p:extLst>
+  </p:cSld>
+  <p:clrMapOvr>
+    <a:masterClrMapping/>
+  </p:clrMapOvr>
+  <p:timing>
+    <p:tnLst>
+      <p:par>
+        <p:cTn id="1" dur="indefinite" restart="never" nodeType="tmRoot">
+          <p:childTnLst>
+            <p:seq concurrent="1" nextAc="seek">
+              <p:cTn id="2" dur="indefinite" nodeType="mainSeq">
+                <p:childTnLst>
+                  <p:par>
+                    <p:cTn id="3" fill="hold">
+                      <p:stCondLst>
+                        <p:cond delay="indefinite"/>
+                      </p:stCondLst>
+                      <p:childTnLst>
+                        <p:par>
+                          <p:cTn id="4" fill="hold">
+                            <p:stCondLst>
+                              <p:cond delay="0"/>
+                            </p:stCondLst>
+                            <p:childTnLst>
+                              <p:par>
+                                <p:cTn id="5" presetID="1" presetClass="entr" presetSubtype="0" fill="hold" grpId="0" nodeType="clickEffect">
+                                  <p:stCondLst>
+                                    <p:cond delay="0"/>
+                                  </p:stCondLst>
+                                  <p:childTnLst>
+                                    <p:set>
+                                      <p:cBhvr>
+                                        <p:cTn id="6" dur="1" fill="hold">
+                                          <p:stCondLst>
+                                            <p:cond delay="0"/>
+                                          </p:stCondLst>
+                                        </p:cTn>
+                                        <p:tgtEl>
+                                          <p:spTgt spid="4"/>
+                                        </p:tgtEl>
+                                        <p:attrNameLst>
+                                          <p:attrName>style.visibility</p:attrName>
+                                        </p:attrNameLst>
+                                      </p:cBhvr>
+                                      <p:to>
+                                        <p:strVal val="visible"/>
+                                      </p:to>
+                                    </p:set>
+                                  </p:childTnLst>
+                                </p:cTn>
+                              </p:par>
+                              <p:par>
+                                <p:cTn id="7" presetID="1" presetClass="entr" presetSubtype="0" fill="hold" nodeType="withEffect">
+                                  <p:stCondLst>
+                                    <p:cond delay="0"/>
+                                  </p:stCondLst>
+                                  <p:childTnLst>
+                                    <p:set>
+                                      <p:cBhvr>
+                                        <p:cTn id="8" dur="1" fill="hold">
+                                          <p:stCondLst>
+                                            <p:cond delay="0"/>
+                                          </p:stCondLst>
+                                        </p:cTn>
+                                        <p:tgtEl>
+                                          <p:spTgt spid="7"/>
+                                        </p:tgtEl>
+                                        <p:attrNameLst>
+                                          <p:attrName>style.visibility</p:attrName>
+                                        </p:attrNameLst>
+                                      </p:cBhvr>
+                                      <p:to>
+                                        <p:strVal val="visible"/>
+                                      </p:to>
+                                    </p:set>
+                                  </p:childTnLst>
+                                </p:cTn>
+                              </p:par>
+                            </p:childTnLst>
+                          </p:cTn>
+                        </p:par>
+                      </p:childTnLst>
+                    </p:cTn>
+                  </p:par>
+                  <p:par>
+                    <p:cTn id="9" fill="hold">
+                      <p:stCondLst>
+                        <p:cond delay="indefinite"/>
+                      </p:stCondLst>
+                      <p:childTnLst>
+                        <p:par>
+                          <p:cTn id="10" fill="hold">
+                            <p:stCondLst>
+                              <p:cond delay="0"/>
+                            </p:stCondLst>
+                            <p:childTnLst>
+                              <p:par>
+                                <p:cTn id="11" presetID="1" presetClass="entr" presetSubtype="0" fill="hold" grpId="0" nodeType="clickEffect">
+                                  <p:stCondLst>
+                                    <p:cond delay="0"/>
+                                  </p:stCondLst>
+                                  <p:childTnLst>
+                                    <p:set>
+                                      <p:cBhvr>
+                                        <p:cTn id="12" dur="1" fill="hold">
+                                          <p:stCondLst>
+                                            <p:cond delay="0"/>
+                                          </p:stCondLst>
+                                        </p:cTn>
+                                        <p:tgtEl>
+                                          <p:spTgt spid="9"/>
+                                        </p:tgtEl>
+                                        <p:attrNameLst>
+                                          <p:attrName>style.visibility</p:attrName>
+                                        </p:attrNameLst>
+                                      </p:cBhvr>
+                                      <p:to>
+                                        <p:strVal val="visible"/>
+                                      </p:to>
+                                    </p:set>
+                                  </p:childTnLst>
+                                </p:cTn>
+                              </p:par>
+                            </p:childTnLst>
+                          </p:cTn>
+                        </p:par>
+                      </p:childTnLst>
+                    </p:cTn>
+                  </p:par>
+                  <p:par>
+                    <p:cTn id="13" fill="hold">
+                      <p:stCondLst>
+                        <p:cond delay="indefinite"/>
+                      </p:stCondLst>
+                      <p:childTnLst>
+                        <p:par>
+                          <p:cTn id="14" fill="hold">
+                            <p:stCondLst>
+                              <p:cond delay="0"/>
+                            </p:stCondLst>
+                            <p:childTnLst>
+                              <p:par>
+                                <p:cTn id="15" presetID="1" presetClass="entr" presetSubtype="0" fill="hold" nodeType="clickEffect">
+                                  <p:stCondLst>
+                                    <p:cond delay="0"/>
+                                  </p:stCondLst>
+                                  <p:childTnLst>
+                                    <p:set>
+                                      <p:cBhvr>
+                                        <p:cTn id="16" dur="1" fill="hold">
+                                          <p:stCondLst>
+                                            <p:cond delay="0"/>
+                                          </p:stCondLst>
+                                        </p:cTn>
+                                        <p:tgtEl>
+                                          <p:spTgt spid="8"/>
+                                        </p:tgtEl>
+                                        <p:attrNameLst>
+                                          <p:attrName>style.visibility</p:attrName>
+                                        </p:attrNameLst>
+                                      </p:cBhvr>
+                                      <p:to>
+                                        <p:strVal val="visible"/>
+                                      </p:to>
+                                    </p:set>
+                                  </p:childTnLst>
+                                </p:cTn>
+                              </p:par>
+                            </p:childTnLst>
+                          </p:cTn>
+                        </p:par>
+                      </p:childTnLst>
+                    </p:cTn>
+                  </p:par>
+                </p:childTnLst>
+              </p:cTn>
+              <p:prevCondLst>
+                <p:cond evt="onPrev" delay="0">
+                  <p:tgtEl>
+                    <p:sldTgt/>
+                  </p:tgtEl>
+                </p:cond>
+              </p:prevCondLst>
+              <p:nextCondLst>
+                <p:cond evt="onNext" delay="0">
+                  <p:tgtEl>
+                    <p:sldTgt/>
+                  </p:tgtEl>
+                </p:cond>
+              </p:nextCondLst>
+            </p:seq>
+          </p:childTnLst>
+        </p:cTn>
+      </p:par>
+    </p:tnLst>
+    <p:bldLst>
+      <p:bldP spid="9" grpId="0"/>
+      <p:bldP spid="4" grpId="0"/>
+    </p:bldLst>
+  </p:timing>
+</p:sld>
+</file>
+
+<file path=ppt/slides/slide14.xml><?xml version="1.0" encoding="utf-8"?>
+<p:sld xmlns:a="http://schemas.openxmlformats.org/drawingml/2006/main" xmlns:r="http://schemas.openxmlformats.org/officeDocument/2006/relationships" xmlns:p="http://schemas.openxmlformats.org/presentationml/2006/main">
+  <p:cSld>
+    <p:spTree>
+      <p:nvGrpSpPr>
+        <p:cNvPr id="1" name=""/>
+        <p:cNvGrpSpPr/>
+        <p:nvPr/>
+      </p:nvGrpSpPr>
+      <p:grpSpPr>
+        <a:xfrm>
+          <a:off x="0" y="0"/>
+          <a:ext cx="0" cy="0"/>
+          <a:chOff x="0" y="0"/>
+          <a:chExt cx="0" cy="0"/>
+        </a:xfrm>
+      </p:grpSpPr>
+      <p:sp>
+        <p:nvSpPr>
+          <p:cNvPr id="2" name="Title 1">
+            <a:extLst>
+              <a:ext uri="{FF2B5EF4-FFF2-40B4-BE49-F238E27FC236}">
+                <a16:creationId xmlns:a16="http://schemas.microsoft.com/office/drawing/2014/main" id="{26A64B78-8D7F-9146-8E6A-B32DCB403940}"/>
+              </a:ext>
+            </a:extLst>
+          </p:cNvPr>
+          <p:cNvSpPr>
+            <a:spLocks noGrp="1"/>
+          </p:cNvSpPr>
+          <p:nvPr>
+            <p:ph type="title"/>
+          </p:nvPr>
+        </p:nvSpPr>
+        <p:spPr>
+          <a:xfrm>
+            <a:off x="428626" y="179293"/>
+            <a:ext cx="4107515" cy="1325563"/>
+          </a:xfrm>
+        </p:spPr>
+        <p:txBody>
+          <a:bodyPr/>
+          <a:lstStyle/>
+          <a:p>
+            <a:r>
+              <a:rPr lang="en-GB" dirty="0"/>
+              <a:t>White-box (unit) testing</a:t>
+            </a:r>
+          </a:p>
+        </p:txBody>
+      </p:sp>
+      <p:sp>
+        <p:nvSpPr>
+          <p:cNvPr id="4" name="Rectangle 3">
+            <a:extLst>
+              <a:ext uri="{FF2B5EF4-FFF2-40B4-BE49-F238E27FC236}">
+                <a16:creationId xmlns:a16="http://schemas.microsoft.com/office/drawing/2014/main" id="{36284481-9526-FA45-BAC0-8857EA5072F9}"/>
+              </a:ext>
+            </a:extLst>
+          </p:cNvPr>
+          <p:cNvSpPr/>
+          <p:nvPr/>
+        </p:nvSpPr>
+        <p:spPr>
+          <a:xfrm>
+            <a:off x="260279" y="4352209"/>
+            <a:ext cx="6026203" cy="1815882"/>
+          </a:xfrm>
+          <a:prstGeom prst="rect">
+            <a:avLst/>
+          </a:prstGeom>
+        </p:spPr>
+        <p:txBody>
+          <a:bodyPr wrap="square">
+            <a:spAutoFit/>
+          </a:bodyPr>
+          <a:lstStyle/>
+          <a:p>
+            <a:r>
+              <a:rPr lang="en-GB" sz="1600" dirty="0">
+                <a:latin typeface="DejaVu Sans Book" panose="020B0603030804020204" pitchFamily="34" charset="0"/>
+                <a:ea typeface="DejaVu Sans Book" panose="020B0603030804020204" pitchFamily="34" charset="0"/>
+                <a:cs typeface="DejaVu Sans Book" panose="020B0603030804020204" pitchFamily="34" charset="0"/>
+              </a:rPr>
+              <a:t>open convert</a:t>
+            </a:r>
+          </a:p>
+          <a:p>
+            <a:endParaRPr lang="en-GB" sz="1600" dirty="0">
+              <a:latin typeface="DejaVu Sans Book" panose="020B0603030804020204" pitchFamily="34" charset="0"/>
+              <a:ea typeface="DejaVu Sans Book" panose="020B0603030804020204" pitchFamily="34" charset="0"/>
+              <a:cs typeface="DejaVu Sans Book" panose="020B0603030804020204" pitchFamily="34" charset="0"/>
+            </a:endParaRPr>
+          </a:p>
+          <a:p>
+            <a:r>
+              <a:rPr lang="en-GB" sz="1600" dirty="0" err="1">
+                <a:latin typeface="DejaVu Sans Book" panose="020B0603030804020204" pitchFamily="34" charset="0"/>
+                <a:ea typeface="DejaVu Sans Book" panose="020B0603030804020204" pitchFamily="34" charset="0"/>
+                <a:cs typeface="DejaVu Sans Book" panose="020B0603030804020204" pitchFamily="34" charset="0"/>
+              </a:rPr>
+              <a:t>printfn</a:t>
+            </a:r>
+            <a:r>
+              <a:rPr lang="en-GB" sz="1600" dirty="0">
+                <a:latin typeface="DejaVu Sans Book" panose="020B0603030804020204" pitchFamily="34" charset="0"/>
+                <a:ea typeface="DejaVu Sans Book" panose="020B0603030804020204" pitchFamily="34" charset="0"/>
+                <a:cs typeface="DejaVu Sans Book" panose="020B0603030804020204" pitchFamily="34" charset="0"/>
+              </a:rPr>
+              <a:t> "White-box testing of dec2bin.fsx"</a:t>
+            </a:r>
+          </a:p>
+          <a:p>
+            <a:r>
+              <a:rPr lang="en-GB" sz="1600" dirty="0" err="1">
+                <a:latin typeface="DejaVu Sans Book" panose="020B0603030804020204" pitchFamily="34" charset="0"/>
+                <a:ea typeface="DejaVu Sans Book" panose="020B0603030804020204" pitchFamily="34" charset="0"/>
+                <a:cs typeface="DejaVu Sans Book" panose="020B0603030804020204" pitchFamily="34" charset="0"/>
+              </a:rPr>
+              <a:t>printfn</a:t>
+            </a:r>
+            <a:r>
+              <a:rPr lang="en-GB" sz="1600" dirty="0">
+                <a:latin typeface="DejaVu Sans Book" panose="020B0603030804020204" pitchFamily="34" charset="0"/>
+                <a:ea typeface="DejaVu Sans Book" panose="020B0603030804020204" pitchFamily="34" charset="0"/>
+                <a:cs typeface="DejaVu Sans Book" panose="020B0603030804020204" pitchFamily="34" charset="0"/>
+              </a:rPr>
+              <a:t> "  Unit: dec2bin"</a:t>
+            </a:r>
+          </a:p>
+          <a:p>
+            <a:r>
+              <a:rPr lang="en-GB" sz="1600" dirty="0" err="1">
+                <a:latin typeface="DejaVu Sans Book" panose="020B0603030804020204" pitchFamily="34" charset="0"/>
+                <a:ea typeface="DejaVu Sans Book" panose="020B0603030804020204" pitchFamily="34" charset="0"/>
+                <a:cs typeface="DejaVu Sans Book" panose="020B0603030804020204" pitchFamily="34" charset="0"/>
+              </a:rPr>
+              <a:t>printfn</a:t>
+            </a:r>
+            <a:r>
+              <a:rPr lang="en-GB" sz="1600" dirty="0">
+                <a:latin typeface="DejaVu Sans Book" panose="020B0603030804020204" pitchFamily="34" charset="0"/>
+                <a:ea typeface="DejaVu Sans Book" panose="020B0603030804020204" pitchFamily="34" charset="0"/>
+                <a:cs typeface="DejaVu Sans Book" panose="020B0603030804020204" pitchFamily="34" charset="0"/>
+              </a:rPr>
+              <a:t> "    %5b: Branch 1a" (dec2bin -1 = "Illegal value")</a:t>
+            </a:r>
+          </a:p>
+          <a:p>
+            <a:r>
+              <a:rPr lang="en-GB" sz="1600" dirty="0" err="1">
+                <a:latin typeface="DejaVu Sans Book" panose="020B0603030804020204" pitchFamily="34" charset="0"/>
+                <a:ea typeface="DejaVu Sans Book" panose="020B0603030804020204" pitchFamily="34" charset="0"/>
+                <a:cs typeface="DejaVu Sans Book" panose="020B0603030804020204" pitchFamily="34" charset="0"/>
+              </a:rPr>
+              <a:t>printfn</a:t>
+            </a:r>
+            <a:r>
+              <a:rPr lang="en-GB" sz="1600" dirty="0">
+                <a:latin typeface="DejaVu Sans Book" panose="020B0603030804020204" pitchFamily="34" charset="0"/>
+                <a:ea typeface="DejaVu Sans Book" panose="020B0603030804020204" pitchFamily="34" charset="0"/>
+                <a:cs typeface="DejaVu Sans Book" panose="020B0603030804020204" pitchFamily="34" charset="0"/>
+              </a:rPr>
+              <a:t> "    %5b: Branch 2a" (dec2bin 0 = "0b0")</a:t>
+            </a:r>
+          </a:p>
+          <a:p>
+            <a:r>
+              <a:rPr lang="en-GB" sz="1600" dirty="0" err="1">
+                <a:latin typeface="DejaVu Sans Book" panose="020B0603030804020204" pitchFamily="34" charset="0"/>
+                <a:ea typeface="DejaVu Sans Book" panose="020B0603030804020204" pitchFamily="34" charset="0"/>
+                <a:cs typeface="DejaVu Sans Book" panose="020B0603030804020204" pitchFamily="34" charset="0"/>
+              </a:rPr>
+              <a:t>printfn</a:t>
+            </a:r>
+            <a:r>
+              <a:rPr lang="en-GB" sz="1600" dirty="0">
+                <a:latin typeface="DejaVu Sans Book" panose="020B0603030804020204" pitchFamily="34" charset="0"/>
+                <a:ea typeface="DejaVu Sans Book" panose="020B0603030804020204" pitchFamily="34" charset="0"/>
+                <a:cs typeface="DejaVu Sans Book" panose="020B0603030804020204" pitchFamily="34" charset="0"/>
+              </a:rPr>
+              <a:t> "    %5b: Branch 3a" (dec2bin 1 = "0b1")</a:t>
+            </a:r>
+          </a:p>
+        </p:txBody>
+      </p:sp>
       <p:sp>
         <p:nvSpPr>
           <p:cNvPr id="11" name="Rectangle 10">
@@ -10797,10 +9806,1268 @@
           </a:fontRef>
         </p:style>
       </p:cxnSp>
+      <p:graphicFrame>
+        <p:nvGraphicFramePr>
+          <p:cNvPr id="9" name="Table 8">
+            <a:extLst>
+              <a:ext uri="{FF2B5EF4-FFF2-40B4-BE49-F238E27FC236}">
+                <a16:creationId xmlns:a16="http://schemas.microsoft.com/office/drawing/2014/main" id="{412B2E73-5446-C848-A68E-A054C71F2F65}"/>
+              </a:ext>
+            </a:extLst>
+          </p:cNvPr>
+          <p:cNvGraphicFramePr>
+            <a:graphicFrameLocks noGrp="1"/>
+          </p:cNvGraphicFramePr>
+          <p:nvPr>
+            <p:extLst>
+              <p:ext uri="{D42A27DB-BD31-4B8C-83A1-F6EECF244321}">
+                <p14:modId xmlns:p14="http://schemas.microsoft.com/office/powerpoint/2010/main" val="470465316"/>
+              </p:ext>
+            </p:extLst>
+          </p:nvPr>
+        </p:nvGraphicFramePr>
+        <p:xfrm>
+          <a:off x="5172945" y="131934"/>
+          <a:ext cx="6819836" cy="4033883"/>
+        </p:xfrm>
+        <a:graphic>
+          <a:graphicData uri="http://schemas.openxmlformats.org/drawingml/2006/table">
+            <a:tbl>
+              <a:tblPr firstRow="1" bandRow="1">
+                <a:tableStyleId>{5C22544A-7EE6-4342-B048-85BDC9FD1C3A}</a:tableStyleId>
+              </a:tblPr>
+              <a:tblGrid>
+                <a:gridCol w="857077">
+                  <a:extLst>
+                    <a:ext uri="{9D8B030D-6E8A-4147-A177-3AD203B41FA5}">
+                      <a16:colId xmlns:a16="http://schemas.microsoft.com/office/drawing/2014/main" val="1532162595"/>
+                    </a:ext>
+                  </a:extLst>
+                </a:gridCol>
+                <a:gridCol w="932155">
+                  <a:extLst>
+                    <a:ext uri="{9D8B030D-6E8A-4147-A177-3AD203B41FA5}">
+                      <a16:colId xmlns:a16="http://schemas.microsoft.com/office/drawing/2014/main" val="2951828956"/>
+                    </a:ext>
+                  </a:extLst>
+                </a:gridCol>
+                <a:gridCol w="1049033">
+                  <a:extLst>
+                    <a:ext uri="{9D8B030D-6E8A-4147-A177-3AD203B41FA5}">
+                      <a16:colId xmlns:a16="http://schemas.microsoft.com/office/drawing/2014/main" val="1403007596"/>
+                    </a:ext>
+                  </a:extLst>
+                </a:gridCol>
+                <a:gridCol w="697698">
+                  <a:extLst>
+                    <a:ext uri="{9D8B030D-6E8A-4147-A177-3AD203B41FA5}">
+                      <a16:colId xmlns:a16="http://schemas.microsoft.com/office/drawing/2014/main" val="2386097711"/>
+                    </a:ext>
+                  </a:extLst>
+                </a:gridCol>
+                <a:gridCol w="1289432">
+                  <a:extLst>
+                    <a:ext uri="{9D8B030D-6E8A-4147-A177-3AD203B41FA5}">
+                      <a16:colId xmlns:a16="http://schemas.microsoft.com/office/drawing/2014/main" val="2720054862"/>
+                    </a:ext>
+                  </a:extLst>
+                </a:gridCol>
+                <a:gridCol w="1994441">
+                  <a:extLst>
+                    <a:ext uri="{9D8B030D-6E8A-4147-A177-3AD203B41FA5}">
+                      <a16:colId xmlns:a16="http://schemas.microsoft.com/office/drawing/2014/main" val="179345016"/>
+                    </a:ext>
+                  </a:extLst>
+                </a:gridCol>
+              </a:tblGrid>
+              <a:tr h="455192">
+                <a:tc>
+                  <a:txBody>
+                    <a:bodyPr/>
+                    <a:lstStyle/>
+                    <a:p>
+                      <a:r>
+                        <a:rPr lang="en-GB" sz="1200" dirty="0">
+                          <a:latin typeface="DejaVu Sans Book" panose="020B0603030804020204" pitchFamily="34" charset="0"/>
+                          <a:ea typeface="DejaVu Sans Book" panose="020B0603030804020204" pitchFamily="34" charset="0"/>
+                          <a:cs typeface="DejaVu Sans Book" panose="020B0603030804020204" pitchFamily="34" charset="0"/>
+                        </a:rPr>
+                        <a:t>Unit</a:t>
+                      </a:r>
+                    </a:p>
+                  </a:txBody>
+                  <a:tcPr/>
+                </a:tc>
+                <a:tc>
+                  <a:txBody>
+                    <a:bodyPr/>
+                    <a:lstStyle/>
+                    <a:p>
+                      <a:r>
+                        <a:rPr lang="en-GB" sz="1200" dirty="0">
+                          <a:latin typeface="DejaVu Sans Book" panose="020B0603030804020204" pitchFamily="34" charset="0"/>
+                          <a:ea typeface="DejaVu Sans Book" panose="020B0603030804020204" pitchFamily="34" charset="0"/>
+                          <a:cs typeface="DejaVu Sans Book" panose="020B0603030804020204" pitchFamily="34" charset="0"/>
+                        </a:rPr>
+                        <a:t>Branch</a:t>
+                      </a:r>
+                    </a:p>
+                  </a:txBody>
+                  <a:tcPr/>
+                </a:tc>
+                <a:tc>
+                  <a:txBody>
+                    <a:bodyPr/>
+                    <a:lstStyle/>
+                    <a:p>
+                      <a:r>
+                        <a:rPr lang="en-GB" sz="1200" dirty="0">
+                          <a:latin typeface="DejaVu Sans Book" panose="020B0603030804020204" pitchFamily="34" charset="0"/>
+                          <a:ea typeface="DejaVu Sans Book" panose="020B0603030804020204" pitchFamily="34" charset="0"/>
+                          <a:cs typeface="DejaVu Sans Book" panose="020B0603030804020204" pitchFamily="34" charset="0"/>
+                        </a:rPr>
+                        <a:t>Condition</a:t>
+                      </a:r>
+                    </a:p>
+                  </a:txBody>
+                  <a:tcPr/>
+                </a:tc>
+                <a:tc>
+                  <a:txBody>
+                    <a:bodyPr/>
+                    <a:lstStyle/>
+                    <a:p>
+                      <a:r>
+                        <a:rPr lang="en-GB" sz="1200" dirty="0">
+                          <a:latin typeface="DejaVu Sans Book" panose="020B0603030804020204" pitchFamily="34" charset="0"/>
+                          <a:ea typeface="DejaVu Sans Book" panose="020B0603030804020204" pitchFamily="34" charset="0"/>
+                          <a:cs typeface="DejaVu Sans Book" panose="020B0603030804020204" pitchFamily="34" charset="0"/>
+                        </a:rPr>
+                        <a:t>Input</a:t>
+                      </a:r>
+                    </a:p>
+                  </a:txBody>
+                  <a:tcPr/>
+                </a:tc>
+                <a:tc>
+                  <a:txBody>
+                    <a:bodyPr/>
+                    <a:lstStyle/>
+                    <a:p>
+                      <a:r>
+                        <a:rPr lang="en-GB" sz="1200" dirty="0">
+                          <a:latin typeface="DejaVu Sans Book" panose="020B0603030804020204" pitchFamily="34" charset="0"/>
+                          <a:ea typeface="DejaVu Sans Book" panose="020B0603030804020204" pitchFamily="34" charset="0"/>
+                          <a:cs typeface="DejaVu Sans Book" panose="020B0603030804020204" pitchFamily="34" charset="0"/>
+                        </a:rPr>
+                        <a:t>Expected output</a:t>
+                      </a:r>
+                    </a:p>
+                  </a:txBody>
+                  <a:tcPr/>
+                </a:tc>
+                <a:tc>
+                  <a:txBody>
+                    <a:bodyPr/>
+                    <a:lstStyle/>
+                    <a:p>
+                      <a:r>
+                        <a:rPr lang="en-GB" sz="1200" dirty="0">
+                          <a:latin typeface="DejaVu Sans Book" panose="020B0603030804020204" pitchFamily="34" charset="0"/>
+                          <a:ea typeface="DejaVu Sans Book" panose="020B0603030804020204" pitchFamily="34" charset="0"/>
+                          <a:cs typeface="DejaVu Sans Book" panose="020B0603030804020204" pitchFamily="34" charset="0"/>
+                        </a:rPr>
+                        <a:t>Comment</a:t>
+                      </a:r>
+                    </a:p>
+                  </a:txBody>
+                  <a:tcPr/>
+                </a:tc>
+                <a:extLst>
+                  <a:ext uri="{0D108BD9-81ED-4DB2-BD59-A6C34878D82A}">
+                    <a16:rowId xmlns:a16="http://schemas.microsoft.com/office/drawing/2014/main" val="2286388441"/>
+                  </a:ext>
+                </a:extLst>
+              </a:tr>
+              <a:tr h="468665">
+                <a:tc>
+                  <a:txBody>
+                    <a:bodyPr/>
+                    <a:lstStyle/>
+                    <a:p>
+                      <a:r>
+                        <a:rPr lang="en-GB" sz="1200" dirty="0">
+                          <a:latin typeface="DejaVu Sans Book" panose="020B0603030804020204" pitchFamily="34" charset="0"/>
+                          <a:ea typeface="DejaVu Sans Book" panose="020B0603030804020204" pitchFamily="34" charset="0"/>
+                          <a:cs typeface="DejaVu Sans Book" panose="020B0603030804020204" pitchFamily="34" charset="0"/>
+                        </a:rPr>
+                        <a:t>dec2bin</a:t>
+                      </a:r>
+                    </a:p>
+                  </a:txBody>
+                  <a:tcPr/>
+                </a:tc>
+                <a:tc>
+                  <a:txBody>
+                    <a:bodyPr/>
+                    <a:lstStyle/>
+                    <a:p>
+                      <a:r>
+                        <a:rPr lang="en-GB" sz="1200" dirty="0">
+                          <a:latin typeface="DejaVu Sans Book" panose="020B0603030804020204" pitchFamily="34" charset="0"/>
+                          <a:ea typeface="DejaVu Sans Book" panose="020B0603030804020204" pitchFamily="34" charset="0"/>
+                          <a:cs typeface="DejaVu Sans Book" panose="020B0603030804020204" pitchFamily="34" charset="0"/>
+                        </a:rPr>
+                        <a:t>1</a:t>
+                      </a:r>
+                    </a:p>
+                  </a:txBody>
+                  <a:tcPr/>
+                </a:tc>
+                <a:tc>
+                  <a:txBody>
+                    <a:bodyPr/>
+                    <a:lstStyle/>
+                    <a:p>
+                      <a:pPr marL="0" marR="0" lvl="0" indent="0" algn="l" defTabSz="914400" rtl="0" eaLnBrk="1" fontAlgn="auto" latinLnBrk="0" hangingPunct="1">
+                        <a:lnSpc>
+                          <a:spcPct val="100000"/>
+                        </a:lnSpc>
+                        <a:spcBef>
+                          <a:spcPts val="0"/>
+                        </a:spcBef>
+                        <a:spcAft>
+                          <a:spcPts val="0"/>
+                        </a:spcAft>
+                        <a:buClrTx/>
+                        <a:buSzTx/>
+                        <a:buFontTx/>
+                        <a:buNone/>
+                        <a:tabLst/>
+                        <a:defRPr/>
+                      </a:pPr>
+                      <a:r>
+                        <a:rPr lang="en-GB" sz="1200" dirty="0">
+                          <a:latin typeface="DejaVu Sans Book" panose="020B0603030804020204" pitchFamily="34" charset="0"/>
+                          <a:ea typeface="DejaVu Sans Book" panose="020B0603030804020204" pitchFamily="34" charset="0"/>
+                          <a:cs typeface="DejaVu Sans Book" panose="020B0603030804020204" pitchFamily="34" charset="0"/>
+                        </a:rPr>
+                        <a:t>n &lt; 0</a:t>
+                      </a:r>
+                    </a:p>
+                  </a:txBody>
+                  <a:tcPr/>
+                </a:tc>
+                <a:tc>
+                  <a:txBody>
+                    <a:bodyPr/>
+                    <a:lstStyle/>
+                    <a:p>
+                      <a:endParaRPr lang="en-GB" sz="1200">
+                        <a:latin typeface="DejaVu Sans Book" panose="020B0603030804020204" pitchFamily="34" charset="0"/>
+                        <a:ea typeface="DejaVu Sans Book" panose="020B0603030804020204" pitchFamily="34" charset="0"/>
+                        <a:cs typeface="DejaVu Sans Book" panose="020B0603030804020204" pitchFamily="34" charset="0"/>
+                      </a:endParaRPr>
+                    </a:p>
+                  </a:txBody>
+                  <a:tcPr/>
+                </a:tc>
+                <a:tc>
+                  <a:txBody>
+                    <a:bodyPr/>
+                    <a:lstStyle/>
+                    <a:p>
+                      <a:pPr marL="0" marR="0" lvl="0" indent="0" algn="l" defTabSz="914400" rtl="0" eaLnBrk="1" fontAlgn="auto" latinLnBrk="0" hangingPunct="1">
+                        <a:lnSpc>
+                          <a:spcPct val="100000"/>
+                        </a:lnSpc>
+                        <a:spcBef>
+                          <a:spcPts val="0"/>
+                        </a:spcBef>
+                        <a:spcAft>
+                          <a:spcPts val="0"/>
+                        </a:spcAft>
+                        <a:buClrTx/>
+                        <a:buSzTx/>
+                        <a:buFontTx/>
+                        <a:buNone/>
+                        <a:tabLst/>
+                        <a:defRPr/>
+                      </a:pPr>
+                      <a:endParaRPr lang="en-GB" sz="1200" dirty="0">
+                        <a:latin typeface="DejaVu Sans Book" panose="020B0603030804020204" pitchFamily="34" charset="0"/>
+                        <a:ea typeface="DejaVu Sans Book" panose="020B0603030804020204" pitchFamily="34" charset="0"/>
+                        <a:cs typeface="DejaVu Sans Book" panose="020B0603030804020204" pitchFamily="34" charset="0"/>
+                      </a:endParaRPr>
+                    </a:p>
+                  </a:txBody>
+                  <a:tcPr/>
+                </a:tc>
+                <a:tc>
+                  <a:txBody>
+                    <a:bodyPr/>
+                    <a:lstStyle/>
+                    <a:p>
+                      <a:endParaRPr lang="en-GB" sz="1200">
+                        <a:latin typeface="DejaVu Sans Book" panose="020B0603030804020204" pitchFamily="34" charset="0"/>
+                        <a:ea typeface="DejaVu Sans Book" panose="020B0603030804020204" pitchFamily="34" charset="0"/>
+                        <a:cs typeface="DejaVu Sans Book" panose="020B0603030804020204" pitchFamily="34" charset="0"/>
+                      </a:endParaRPr>
+                    </a:p>
+                  </a:txBody>
+                  <a:tcPr/>
+                </a:tc>
+                <a:extLst>
+                  <a:ext uri="{0D108BD9-81ED-4DB2-BD59-A6C34878D82A}">
+                    <a16:rowId xmlns:a16="http://schemas.microsoft.com/office/drawing/2014/main" val="1367185139"/>
+                  </a:ext>
+                </a:extLst>
+              </a:tr>
+              <a:tr h="468665">
+                <a:tc>
+                  <a:txBody>
+                    <a:bodyPr/>
+                    <a:lstStyle/>
+                    <a:p>
+                      <a:endParaRPr lang="en-GB" sz="1200">
+                        <a:latin typeface="DejaVu Sans Book" panose="020B0603030804020204" pitchFamily="34" charset="0"/>
+                        <a:ea typeface="DejaVu Sans Book" panose="020B0603030804020204" pitchFamily="34" charset="0"/>
+                        <a:cs typeface="DejaVu Sans Book" panose="020B0603030804020204" pitchFamily="34" charset="0"/>
+                      </a:endParaRPr>
+                    </a:p>
+                  </a:txBody>
+                  <a:tcPr/>
+                </a:tc>
+                <a:tc>
+                  <a:txBody>
+                    <a:bodyPr/>
+                    <a:lstStyle/>
+                    <a:p>
+                      <a:r>
+                        <a:rPr lang="en-GB" sz="1200" dirty="0">
+                          <a:latin typeface="DejaVu Sans Book" panose="020B0603030804020204" pitchFamily="34" charset="0"/>
+                          <a:ea typeface="DejaVu Sans Book" panose="020B0603030804020204" pitchFamily="34" charset="0"/>
+                          <a:cs typeface="DejaVu Sans Book" panose="020B0603030804020204" pitchFamily="34" charset="0"/>
+                        </a:rPr>
+                        <a:t>1a</a:t>
+                      </a:r>
+                    </a:p>
+                  </a:txBody>
+                  <a:tcPr/>
+                </a:tc>
+                <a:tc>
+                  <a:txBody>
+                    <a:bodyPr/>
+                    <a:lstStyle/>
+                    <a:p>
+                      <a:r>
+                        <a:rPr lang="en-GB" sz="1200" dirty="0">
+                          <a:latin typeface="DejaVu Sans Book" panose="020B0603030804020204" pitchFamily="34" charset="0"/>
+                          <a:ea typeface="DejaVu Sans Book" panose="020B0603030804020204" pitchFamily="34" charset="0"/>
+                          <a:cs typeface="DejaVu Sans Book" panose="020B0603030804020204" pitchFamily="34" charset="0"/>
+                        </a:rPr>
+                        <a:t>true</a:t>
+                      </a:r>
+                    </a:p>
+                  </a:txBody>
+                  <a:tcPr/>
+                </a:tc>
+                <a:tc>
+                  <a:txBody>
+                    <a:bodyPr/>
+                    <a:lstStyle/>
+                    <a:p>
+                      <a:r>
+                        <a:rPr lang="en-GB" sz="1200" dirty="0">
+                          <a:latin typeface="DejaVu Sans Book" panose="020B0603030804020204" pitchFamily="34" charset="0"/>
+                          <a:ea typeface="DejaVu Sans Book" panose="020B0603030804020204" pitchFamily="34" charset="0"/>
+                          <a:cs typeface="DejaVu Sans Book" panose="020B0603030804020204" pitchFamily="34" charset="0"/>
+                        </a:rPr>
+                        <a:t>-1</a:t>
+                      </a:r>
+                    </a:p>
+                  </a:txBody>
+                  <a:tcPr/>
+                </a:tc>
+                <a:tc>
+                  <a:txBody>
+                    <a:bodyPr/>
+                    <a:lstStyle/>
+                    <a:p>
+                      <a:pPr marL="0" marR="0" lvl="0" indent="0" algn="l" defTabSz="914400" rtl="0" eaLnBrk="1" fontAlgn="auto" latinLnBrk="0" hangingPunct="1">
+                        <a:lnSpc>
+                          <a:spcPct val="100000"/>
+                        </a:lnSpc>
+                        <a:spcBef>
+                          <a:spcPts val="0"/>
+                        </a:spcBef>
+                        <a:spcAft>
+                          <a:spcPts val="0"/>
+                        </a:spcAft>
+                        <a:buClrTx/>
+                        <a:buSzTx/>
+                        <a:buFontTx/>
+                        <a:buNone/>
+                        <a:tabLst/>
+                        <a:defRPr/>
+                      </a:pPr>
+                      <a:r>
+                        <a:rPr lang="en-GB" sz="1200" dirty="0">
+                          <a:latin typeface="DejaVu Sans Book" panose="020B0603030804020204" pitchFamily="34" charset="0"/>
+                          <a:ea typeface="DejaVu Sans Book" panose="020B0603030804020204" pitchFamily="34" charset="0"/>
+                          <a:cs typeface="DejaVu Sans Book" panose="020B0603030804020204" pitchFamily="34" charset="0"/>
+                        </a:rPr>
+                        <a:t>"Illegal value"</a:t>
+                      </a:r>
+                    </a:p>
+                  </a:txBody>
+                  <a:tcPr/>
+                </a:tc>
+                <a:tc>
+                  <a:txBody>
+                    <a:bodyPr/>
+                    <a:lstStyle/>
+                    <a:p>
+                      <a:endParaRPr lang="en-GB" sz="1200">
+                        <a:latin typeface="DejaVu Sans Book" panose="020B0603030804020204" pitchFamily="34" charset="0"/>
+                        <a:ea typeface="DejaVu Sans Book" panose="020B0603030804020204" pitchFamily="34" charset="0"/>
+                        <a:cs typeface="DejaVu Sans Book" panose="020B0603030804020204" pitchFamily="34" charset="0"/>
+                      </a:endParaRPr>
+                    </a:p>
+                  </a:txBody>
+                  <a:tcPr/>
+                </a:tc>
+                <a:extLst>
+                  <a:ext uri="{0D108BD9-81ED-4DB2-BD59-A6C34878D82A}">
+                    <a16:rowId xmlns:a16="http://schemas.microsoft.com/office/drawing/2014/main" val="833342341"/>
+                  </a:ext>
+                </a:extLst>
+              </a:tr>
+              <a:tr h="437484">
+                <a:tc>
+                  <a:txBody>
+                    <a:bodyPr/>
+                    <a:lstStyle/>
+                    <a:p>
+                      <a:endParaRPr lang="en-GB" sz="1200" dirty="0">
+                        <a:latin typeface="DejaVu Sans Book" panose="020B0603030804020204" pitchFamily="34" charset="0"/>
+                        <a:ea typeface="DejaVu Sans Book" panose="020B0603030804020204" pitchFamily="34" charset="0"/>
+                        <a:cs typeface="DejaVu Sans Book" panose="020B0603030804020204" pitchFamily="34" charset="0"/>
+                      </a:endParaRPr>
+                    </a:p>
+                  </a:txBody>
+                  <a:tcPr/>
+                </a:tc>
+                <a:tc>
+                  <a:txBody>
+                    <a:bodyPr/>
+                    <a:lstStyle/>
+                    <a:p>
+                      <a:r>
+                        <a:rPr lang="en-GB" sz="1200" dirty="0">
+                          <a:latin typeface="DejaVu Sans Book" panose="020B0603030804020204" pitchFamily="34" charset="0"/>
+                          <a:ea typeface="DejaVu Sans Book" panose="020B0603030804020204" pitchFamily="34" charset="0"/>
+                          <a:cs typeface="DejaVu Sans Book" panose="020B0603030804020204" pitchFamily="34" charset="0"/>
+                        </a:rPr>
+                        <a:t>1b</a:t>
+                      </a:r>
+                    </a:p>
+                  </a:txBody>
+                  <a:tcPr/>
+                </a:tc>
+                <a:tc>
+                  <a:txBody>
+                    <a:bodyPr/>
+                    <a:lstStyle/>
+                    <a:p>
+                      <a:r>
+                        <a:rPr lang="en-GB" sz="1200" dirty="0">
+                          <a:latin typeface="DejaVu Sans Book" panose="020B0603030804020204" pitchFamily="34" charset="0"/>
+                          <a:ea typeface="DejaVu Sans Book" panose="020B0603030804020204" pitchFamily="34" charset="0"/>
+                          <a:cs typeface="DejaVu Sans Book" panose="020B0603030804020204" pitchFamily="34" charset="0"/>
+                        </a:rPr>
+                        <a:t>false</a:t>
+                      </a:r>
+                    </a:p>
+                  </a:txBody>
+                  <a:tcPr/>
+                </a:tc>
+                <a:tc>
+                  <a:txBody>
+                    <a:bodyPr/>
+                    <a:lstStyle/>
+                    <a:p>
+                      <a:endParaRPr lang="en-GB" sz="1200" dirty="0">
+                        <a:latin typeface="DejaVu Sans Book" panose="020B0603030804020204" pitchFamily="34" charset="0"/>
+                        <a:ea typeface="DejaVu Sans Book" panose="020B0603030804020204" pitchFamily="34" charset="0"/>
+                        <a:cs typeface="DejaVu Sans Book" panose="020B0603030804020204" pitchFamily="34" charset="0"/>
+                      </a:endParaRPr>
+                    </a:p>
+                  </a:txBody>
+                  <a:tcPr/>
+                </a:tc>
+                <a:tc>
+                  <a:txBody>
+                    <a:bodyPr/>
+                    <a:lstStyle/>
+                    <a:p>
+                      <a:pPr marL="0" marR="0" lvl="0" indent="0" algn="l" defTabSz="914400" rtl="0" eaLnBrk="1" fontAlgn="auto" latinLnBrk="0" hangingPunct="1">
+                        <a:lnSpc>
+                          <a:spcPct val="100000"/>
+                        </a:lnSpc>
+                        <a:spcBef>
+                          <a:spcPts val="0"/>
+                        </a:spcBef>
+                        <a:spcAft>
+                          <a:spcPts val="0"/>
+                        </a:spcAft>
+                        <a:buClrTx/>
+                        <a:buSzTx/>
+                        <a:buFontTx/>
+                        <a:buNone/>
+                        <a:tabLst/>
+                        <a:defRPr/>
+                      </a:pPr>
+                      <a:endParaRPr lang="en-GB" sz="1200" dirty="0">
+                        <a:latin typeface="DejaVu Sans Book" panose="020B0603030804020204" pitchFamily="34" charset="0"/>
+                        <a:ea typeface="DejaVu Sans Book" panose="020B0603030804020204" pitchFamily="34" charset="0"/>
+                        <a:cs typeface="DejaVu Sans Book" panose="020B0603030804020204" pitchFamily="34" charset="0"/>
+                      </a:endParaRPr>
+                    </a:p>
+                  </a:txBody>
+                  <a:tcPr/>
+                </a:tc>
+                <a:tc>
+                  <a:txBody>
+                    <a:bodyPr/>
+                    <a:lstStyle/>
+                    <a:p>
+                      <a:pPr marL="0" marR="0" lvl="0" indent="0" algn="l" defTabSz="914400" rtl="0" eaLnBrk="1" fontAlgn="auto" latinLnBrk="0" hangingPunct="1">
+                        <a:lnSpc>
+                          <a:spcPct val="100000"/>
+                        </a:lnSpc>
+                        <a:spcBef>
+                          <a:spcPts val="0"/>
+                        </a:spcBef>
+                        <a:spcAft>
+                          <a:spcPts val="0"/>
+                        </a:spcAft>
+                        <a:buClrTx/>
+                        <a:buSzTx/>
+                        <a:buFontTx/>
+                        <a:buNone/>
+                        <a:tabLst/>
+                        <a:defRPr/>
+                      </a:pPr>
+                      <a:r>
+                        <a:rPr lang="en-GB" sz="1200" dirty="0">
+                          <a:latin typeface="DejaVu Sans Book" panose="020B0603030804020204" pitchFamily="34" charset="0"/>
+                          <a:ea typeface="DejaVu Sans Book" panose="020B0603030804020204" pitchFamily="34" charset="0"/>
+                          <a:cs typeface="DejaVu Sans Book" panose="020B0603030804020204" pitchFamily="34" charset="0"/>
+                        </a:rPr>
+                        <a:t>-&gt; Branch 2</a:t>
+                      </a:r>
+                    </a:p>
+                  </a:txBody>
+                  <a:tcPr/>
+                </a:tc>
+                <a:extLst>
+                  <a:ext uri="{0D108BD9-81ED-4DB2-BD59-A6C34878D82A}">
+                    <a16:rowId xmlns:a16="http://schemas.microsoft.com/office/drawing/2014/main" val="410681418"/>
+                  </a:ext>
+                </a:extLst>
+              </a:tr>
+              <a:tr h="275685">
+                <a:tc>
+                  <a:txBody>
+                    <a:bodyPr/>
+                    <a:lstStyle/>
+                    <a:p>
+                      <a:endParaRPr lang="en-GB" sz="1200">
+                        <a:latin typeface="DejaVu Sans Book" panose="020B0603030804020204" pitchFamily="34" charset="0"/>
+                        <a:ea typeface="DejaVu Sans Book" panose="020B0603030804020204" pitchFamily="34" charset="0"/>
+                        <a:cs typeface="DejaVu Sans Book" panose="020B0603030804020204" pitchFamily="34" charset="0"/>
+                      </a:endParaRPr>
+                    </a:p>
+                  </a:txBody>
+                  <a:tcPr/>
+                </a:tc>
+                <a:tc>
+                  <a:txBody>
+                    <a:bodyPr/>
+                    <a:lstStyle/>
+                    <a:p>
+                      <a:r>
+                        <a:rPr lang="en-GB" sz="1200" dirty="0">
+                          <a:latin typeface="DejaVu Sans Book" panose="020B0603030804020204" pitchFamily="34" charset="0"/>
+                          <a:ea typeface="DejaVu Sans Book" panose="020B0603030804020204" pitchFamily="34" charset="0"/>
+                          <a:cs typeface="DejaVu Sans Book" panose="020B0603030804020204" pitchFamily="34" charset="0"/>
+                        </a:rPr>
+                        <a:t>2</a:t>
+                      </a:r>
+                    </a:p>
+                  </a:txBody>
+                  <a:tcPr/>
+                </a:tc>
+                <a:tc>
+                  <a:txBody>
+                    <a:bodyPr/>
+                    <a:lstStyle/>
+                    <a:p>
+                      <a:r>
+                        <a:rPr lang="en-GB" sz="1200" dirty="0">
+                          <a:latin typeface="DejaVu Sans Book" panose="020B0603030804020204" pitchFamily="34" charset="0"/>
+                          <a:ea typeface="DejaVu Sans Book" panose="020B0603030804020204" pitchFamily="34" charset="0"/>
+                          <a:cs typeface="DejaVu Sans Book" panose="020B0603030804020204" pitchFamily="34" charset="0"/>
+                        </a:rPr>
+                        <a:t>n = 0</a:t>
+                      </a:r>
+                    </a:p>
+                  </a:txBody>
+                  <a:tcPr/>
+                </a:tc>
+                <a:tc>
+                  <a:txBody>
+                    <a:bodyPr/>
+                    <a:lstStyle/>
+                    <a:p>
+                      <a:endParaRPr lang="en-GB" sz="1200" dirty="0">
+                        <a:latin typeface="DejaVu Sans Book" panose="020B0603030804020204" pitchFamily="34" charset="0"/>
+                        <a:ea typeface="DejaVu Sans Book" panose="020B0603030804020204" pitchFamily="34" charset="0"/>
+                        <a:cs typeface="DejaVu Sans Book" panose="020B0603030804020204" pitchFamily="34" charset="0"/>
+                      </a:endParaRPr>
+                    </a:p>
+                  </a:txBody>
+                  <a:tcPr/>
+                </a:tc>
+                <a:tc>
+                  <a:txBody>
+                    <a:bodyPr/>
+                    <a:lstStyle/>
+                    <a:p>
+                      <a:endParaRPr lang="en-GB" sz="1200" dirty="0">
+                        <a:latin typeface="DejaVu Sans Book" panose="020B0603030804020204" pitchFamily="34" charset="0"/>
+                        <a:ea typeface="DejaVu Sans Book" panose="020B0603030804020204" pitchFamily="34" charset="0"/>
+                        <a:cs typeface="DejaVu Sans Book" panose="020B0603030804020204" pitchFamily="34" charset="0"/>
+                      </a:endParaRPr>
+                    </a:p>
+                  </a:txBody>
+                  <a:tcPr/>
+                </a:tc>
+                <a:tc>
+                  <a:txBody>
+                    <a:bodyPr/>
+                    <a:lstStyle/>
+                    <a:p>
+                      <a:r>
+                        <a:rPr lang="en-GB" sz="1200" dirty="0">
+                          <a:latin typeface="DejaVu Sans Book" panose="020B0603030804020204" pitchFamily="34" charset="0"/>
+                          <a:ea typeface="DejaVu Sans Book" panose="020B0603030804020204" pitchFamily="34" charset="0"/>
+                          <a:cs typeface="DejaVu Sans Book" panose="020B0603030804020204" pitchFamily="34" charset="0"/>
+                        </a:rPr>
+                        <a:t>n&gt;=0</a:t>
+                      </a:r>
+                    </a:p>
+                  </a:txBody>
+                  <a:tcPr/>
+                </a:tc>
+                <a:extLst>
+                  <a:ext uri="{0D108BD9-81ED-4DB2-BD59-A6C34878D82A}">
+                    <a16:rowId xmlns:a16="http://schemas.microsoft.com/office/drawing/2014/main" val="2724263722"/>
+                  </a:ext>
+                </a:extLst>
+              </a:tr>
+              <a:tr h="468665">
+                <a:tc>
+                  <a:txBody>
+                    <a:bodyPr/>
+                    <a:lstStyle/>
+                    <a:p>
+                      <a:endParaRPr lang="en-GB" sz="1200" dirty="0">
+                        <a:latin typeface="DejaVu Sans Book" panose="020B0603030804020204" pitchFamily="34" charset="0"/>
+                        <a:ea typeface="DejaVu Sans Book" panose="020B0603030804020204" pitchFamily="34" charset="0"/>
+                        <a:cs typeface="DejaVu Sans Book" panose="020B0603030804020204" pitchFamily="34" charset="0"/>
+                      </a:endParaRPr>
+                    </a:p>
+                  </a:txBody>
+                  <a:tcPr/>
+                </a:tc>
+                <a:tc>
+                  <a:txBody>
+                    <a:bodyPr/>
+                    <a:lstStyle/>
+                    <a:p>
+                      <a:r>
+                        <a:rPr lang="en-GB" sz="1200" dirty="0">
+                          <a:latin typeface="DejaVu Sans Book" panose="020B0603030804020204" pitchFamily="34" charset="0"/>
+                          <a:ea typeface="DejaVu Sans Book" panose="020B0603030804020204" pitchFamily="34" charset="0"/>
+                          <a:cs typeface="DejaVu Sans Book" panose="020B0603030804020204" pitchFamily="34" charset="0"/>
+                        </a:rPr>
+                        <a:t>2a</a:t>
+                      </a:r>
+                    </a:p>
+                  </a:txBody>
+                  <a:tcPr/>
+                </a:tc>
+                <a:tc>
+                  <a:txBody>
+                    <a:bodyPr/>
+                    <a:lstStyle/>
+                    <a:p>
+                      <a:r>
+                        <a:rPr lang="en-GB" sz="1200" dirty="0">
+                          <a:latin typeface="DejaVu Sans Book" panose="020B0603030804020204" pitchFamily="34" charset="0"/>
+                          <a:ea typeface="DejaVu Sans Book" panose="020B0603030804020204" pitchFamily="34" charset="0"/>
+                          <a:cs typeface="DejaVu Sans Book" panose="020B0603030804020204" pitchFamily="34" charset="0"/>
+                        </a:rPr>
+                        <a:t>true</a:t>
+                      </a:r>
+                    </a:p>
+                  </a:txBody>
+                  <a:tcPr/>
+                </a:tc>
+                <a:tc>
+                  <a:txBody>
+                    <a:bodyPr/>
+                    <a:lstStyle/>
+                    <a:p>
+                      <a:r>
+                        <a:rPr lang="en-GB" sz="1200" dirty="0">
+                          <a:latin typeface="DejaVu Sans Book" panose="020B0603030804020204" pitchFamily="34" charset="0"/>
+                          <a:ea typeface="DejaVu Sans Book" panose="020B0603030804020204" pitchFamily="34" charset="0"/>
+                          <a:cs typeface="DejaVu Sans Book" panose="020B0603030804020204" pitchFamily="34" charset="0"/>
+                        </a:rPr>
+                        <a:t>0</a:t>
+                      </a:r>
+                    </a:p>
+                  </a:txBody>
+                  <a:tcPr/>
+                </a:tc>
+                <a:tc>
+                  <a:txBody>
+                    <a:bodyPr/>
+                    <a:lstStyle/>
+                    <a:p>
+                      <a:r>
+                        <a:rPr lang="en-GB" sz="1200" dirty="0">
+                          <a:latin typeface="DejaVu Sans Book" panose="020B0603030804020204" pitchFamily="34" charset="0"/>
+                          <a:ea typeface="DejaVu Sans Book" panose="020B0603030804020204" pitchFamily="34" charset="0"/>
+                          <a:cs typeface="DejaVu Sans Book" panose="020B0603030804020204" pitchFamily="34" charset="0"/>
+                        </a:rPr>
+                        <a:t>"0b0"</a:t>
+                      </a:r>
+                    </a:p>
+                  </a:txBody>
+                  <a:tcPr/>
+                </a:tc>
+                <a:tc>
+                  <a:txBody>
+                    <a:bodyPr/>
+                    <a:lstStyle/>
+                    <a:p>
+                      <a:endParaRPr lang="en-GB" sz="1200">
+                        <a:latin typeface="DejaVu Sans Book" panose="020B0603030804020204" pitchFamily="34" charset="0"/>
+                        <a:ea typeface="DejaVu Sans Book" panose="020B0603030804020204" pitchFamily="34" charset="0"/>
+                        <a:cs typeface="DejaVu Sans Book" panose="020B0603030804020204" pitchFamily="34" charset="0"/>
+                      </a:endParaRPr>
+                    </a:p>
+                  </a:txBody>
+                  <a:tcPr/>
+                </a:tc>
+                <a:extLst>
+                  <a:ext uri="{0D108BD9-81ED-4DB2-BD59-A6C34878D82A}">
+                    <a16:rowId xmlns:a16="http://schemas.microsoft.com/office/drawing/2014/main" val="3655394169"/>
+                  </a:ext>
+                </a:extLst>
+              </a:tr>
+              <a:tr h="437484">
+                <a:tc>
+                  <a:txBody>
+                    <a:bodyPr/>
+                    <a:lstStyle/>
+                    <a:p>
+                      <a:endParaRPr lang="en-GB" sz="1200" dirty="0">
+                        <a:latin typeface="DejaVu Sans Book" panose="020B0603030804020204" pitchFamily="34" charset="0"/>
+                        <a:ea typeface="DejaVu Sans Book" panose="020B0603030804020204" pitchFamily="34" charset="0"/>
+                        <a:cs typeface="DejaVu Sans Book" panose="020B0603030804020204" pitchFamily="34" charset="0"/>
+                      </a:endParaRPr>
+                    </a:p>
+                  </a:txBody>
+                  <a:tcPr/>
+                </a:tc>
+                <a:tc>
+                  <a:txBody>
+                    <a:bodyPr/>
+                    <a:lstStyle/>
+                    <a:p>
+                      <a:r>
+                        <a:rPr lang="en-GB" sz="1200" dirty="0">
+                          <a:latin typeface="DejaVu Sans Book" panose="020B0603030804020204" pitchFamily="34" charset="0"/>
+                          <a:ea typeface="DejaVu Sans Book" panose="020B0603030804020204" pitchFamily="34" charset="0"/>
+                          <a:cs typeface="DejaVu Sans Book" panose="020B0603030804020204" pitchFamily="34" charset="0"/>
+                        </a:rPr>
+                        <a:t>2b</a:t>
+                      </a:r>
+                    </a:p>
+                  </a:txBody>
+                  <a:tcPr/>
+                </a:tc>
+                <a:tc>
+                  <a:txBody>
+                    <a:bodyPr/>
+                    <a:lstStyle/>
+                    <a:p>
+                      <a:r>
+                        <a:rPr lang="en-GB" sz="1200" dirty="0">
+                          <a:latin typeface="DejaVu Sans Book" panose="020B0603030804020204" pitchFamily="34" charset="0"/>
+                          <a:ea typeface="DejaVu Sans Book" panose="020B0603030804020204" pitchFamily="34" charset="0"/>
+                          <a:cs typeface="DejaVu Sans Book" panose="020B0603030804020204" pitchFamily="34" charset="0"/>
+                        </a:rPr>
+                        <a:t>false</a:t>
+                      </a:r>
+                    </a:p>
+                  </a:txBody>
+                  <a:tcPr/>
+                </a:tc>
+                <a:tc>
+                  <a:txBody>
+                    <a:bodyPr/>
+                    <a:lstStyle/>
+                    <a:p>
+                      <a:endParaRPr lang="en-GB" sz="1200" dirty="0">
+                        <a:latin typeface="DejaVu Sans Book" panose="020B0603030804020204" pitchFamily="34" charset="0"/>
+                        <a:ea typeface="DejaVu Sans Book" panose="020B0603030804020204" pitchFamily="34" charset="0"/>
+                        <a:cs typeface="DejaVu Sans Book" panose="020B0603030804020204" pitchFamily="34" charset="0"/>
+                      </a:endParaRPr>
+                    </a:p>
+                  </a:txBody>
+                  <a:tcPr/>
+                </a:tc>
+                <a:tc>
+                  <a:txBody>
+                    <a:bodyPr/>
+                    <a:lstStyle/>
+                    <a:p>
+                      <a:pPr marL="0" marR="0" lvl="0" indent="0" algn="l" defTabSz="914400" rtl="0" eaLnBrk="1" fontAlgn="auto" latinLnBrk="0" hangingPunct="1">
+                        <a:lnSpc>
+                          <a:spcPct val="100000"/>
+                        </a:lnSpc>
+                        <a:spcBef>
+                          <a:spcPts val="0"/>
+                        </a:spcBef>
+                        <a:spcAft>
+                          <a:spcPts val="0"/>
+                        </a:spcAft>
+                        <a:buClrTx/>
+                        <a:buSzTx/>
+                        <a:buFontTx/>
+                        <a:buNone/>
+                        <a:tabLst/>
+                        <a:defRPr/>
+                      </a:pPr>
+                      <a:endParaRPr lang="en-GB" sz="1200" dirty="0">
+                        <a:latin typeface="DejaVu Sans Book" panose="020B0603030804020204" pitchFamily="34" charset="0"/>
+                        <a:ea typeface="DejaVu Sans Book" panose="020B0603030804020204" pitchFamily="34" charset="0"/>
+                        <a:cs typeface="DejaVu Sans Book" panose="020B0603030804020204" pitchFamily="34" charset="0"/>
+                      </a:endParaRPr>
+                    </a:p>
+                  </a:txBody>
+                  <a:tcPr/>
+                </a:tc>
+                <a:tc>
+                  <a:txBody>
+                    <a:bodyPr/>
+                    <a:lstStyle/>
+                    <a:p>
+                      <a:pPr marL="0" marR="0" lvl="0" indent="0" algn="l" defTabSz="914400" rtl="0" eaLnBrk="1" fontAlgn="auto" latinLnBrk="0" hangingPunct="1">
+                        <a:lnSpc>
+                          <a:spcPct val="100000"/>
+                        </a:lnSpc>
+                        <a:spcBef>
+                          <a:spcPts val="0"/>
+                        </a:spcBef>
+                        <a:spcAft>
+                          <a:spcPts val="0"/>
+                        </a:spcAft>
+                        <a:buClrTx/>
+                        <a:buSzTx/>
+                        <a:buFontTx/>
+                        <a:buNone/>
+                        <a:tabLst/>
+                        <a:defRPr/>
+                      </a:pPr>
+                      <a:r>
+                        <a:rPr lang="en-GB" sz="1200" dirty="0">
+                          <a:latin typeface="DejaVu Sans Book" panose="020B0603030804020204" pitchFamily="34" charset="0"/>
+                          <a:ea typeface="DejaVu Sans Book" panose="020B0603030804020204" pitchFamily="34" charset="0"/>
+                          <a:cs typeface="DejaVu Sans Book" panose="020B0603030804020204" pitchFamily="34" charset="0"/>
+                        </a:rPr>
+                        <a:t>-&gt; Branch 3</a:t>
+                      </a:r>
+                    </a:p>
+                  </a:txBody>
+                  <a:tcPr/>
+                </a:tc>
+                <a:extLst>
+                  <a:ext uri="{0D108BD9-81ED-4DB2-BD59-A6C34878D82A}">
+                    <a16:rowId xmlns:a16="http://schemas.microsoft.com/office/drawing/2014/main" val="3229732226"/>
+                  </a:ext>
+                </a:extLst>
+              </a:tr>
+              <a:tr h="275685">
+                <a:tc>
+                  <a:txBody>
+                    <a:bodyPr/>
+                    <a:lstStyle/>
+                    <a:p>
+                      <a:endParaRPr lang="en-GB" sz="1200" dirty="0">
+                        <a:latin typeface="DejaVu Sans Book" panose="020B0603030804020204" pitchFamily="34" charset="0"/>
+                        <a:ea typeface="DejaVu Sans Book" panose="020B0603030804020204" pitchFamily="34" charset="0"/>
+                        <a:cs typeface="DejaVu Sans Book" panose="020B0603030804020204" pitchFamily="34" charset="0"/>
+                      </a:endParaRPr>
+                    </a:p>
+                  </a:txBody>
+                  <a:tcPr/>
+                </a:tc>
+                <a:tc>
+                  <a:txBody>
+                    <a:bodyPr/>
+                    <a:lstStyle/>
+                    <a:p>
+                      <a:r>
+                        <a:rPr lang="en-GB" sz="1200" dirty="0">
+                          <a:latin typeface="DejaVu Sans Book" panose="020B0603030804020204" pitchFamily="34" charset="0"/>
+                          <a:ea typeface="DejaVu Sans Book" panose="020B0603030804020204" pitchFamily="34" charset="0"/>
+                          <a:cs typeface="DejaVu Sans Book" panose="020B0603030804020204" pitchFamily="34" charset="0"/>
+                        </a:rPr>
+                        <a:t>3</a:t>
+                      </a:r>
+                    </a:p>
+                  </a:txBody>
+                  <a:tcPr/>
+                </a:tc>
+                <a:tc>
+                  <a:txBody>
+                    <a:bodyPr/>
+                    <a:lstStyle/>
+                    <a:p>
+                      <a:r>
+                        <a:rPr lang="en-GB" sz="1200" dirty="0">
+                          <a:latin typeface="DejaVu Sans Book" panose="020B0603030804020204" pitchFamily="34" charset="0"/>
+                          <a:ea typeface="DejaVu Sans Book" panose="020B0603030804020204" pitchFamily="34" charset="0"/>
+                          <a:cs typeface="DejaVu Sans Book" panose="020B0603030804020204" pitchFamily="34" charset="0"/>
+                        </a:rPr>
+                        <a:t>v &gt; 0</a:t>
+                      </a:r>
+                    </a:p>
+                  </a:txBody>
+                  <a:tcPr/>
+                </a:tc>
+                <a:tc>
+                  <a:txBody>
+                    <a:bodyPr/>
+                    <a:lstStyle/>
+                    <a:p>
+                      <a:endParaRPr lang="en-GB" sz="1200">
+                        <a:latin typeface="DejaVu Sans Book" panose="020B0603030804020204" pitchFamily="34" charset="0"/>
+                        <a:ea typeface="DejaVu Sans Book" panose="020B0603030804020204" pitchFamily="34" charset="0"/>
+                        <a:cs typeface="DejaVu Sans Book" panose="020B0603030804020204" pitchFamily="34" charset="0"/>
+                      </a:endParaRPr>
+                    </a:p>
+                  </a:txBody>
+                  <a:tcPr/>
+                </a:tc>
+                <a:tc>
+                  <a:txBody>
+                    <a:bodyPr/>
+                    <a:lstStyle/>
+                    <a:p>
+                      <a:endParaRPr lang="en-GB" sz="1200">
+                        <a:latin typeface="DejaVu Sans Book" panose="020B0603030804020204" pitchFamily="34" charset="0"/>
+                        <a:ea typeface="DejaVu Sans Book" panose="020B0603030804020204" pitchFamily="34" charset="0"/>
+                        <a:cs typeface="DejaVu Sans Book" panose="020B0603030804020204" pitchFamily="34" charset="0"/>
+                      </a:endParaRPr>
+                    </a:p>
+                  </a:txBody>
+                  <a:tcPr/>
+                </a:tc>
+                <a:tc>
+                  <a:txBody>
+                    <a:bodyPr/>
+                    <a:lstStyle/>
+                    <a:p>
+                      <a:r>
+                        <a:rPr lang="en-GB" sz="1200" dirty="0">
+                          <a:latin typeface="DejaVu Sans Book" panose="020B0603030804020204" pitchFamily="34" charset="0"/>
+                          <a:ea typeface="DejaVu Sans Book" panose="020B0603030804020204" pitchFamily="34" charset="0"/>
+                          <a:cs typeface="DejaVu Sans Book" panose="020B0603030804020204" pitchFamily="34" charset="0"/>
+                        </a:rPr>
+                        <a:t>n&gt;0</a:t>
+                      </a:r>
+                    </a:p>
+                  </a:txBody>
+                  <a:tcPr/>
+                </a:tc>
+                <a:extLst>
+                  <a:ext uri="{0D108BD9-81ED-4DB2-BD59-A6C34878D82A}">
+                    <a16:rowId xmlns:a16="http://schemas.microsoft.com/office/drawing/2014/main" val="3952858742"/>
+                  </a:ext>
+                </a:extLst>
+              </a:tr>
+              <a:tr h="468665">
+                <a:tc>
+                  <a:txBody>
+                    <a:bodyPr/>
+                    <a:lstStyle/>
+                    <a:p>
+                      <a:endParaRPr lang="en-GB" sz="1200" dirty="0">
+                        <a:latin typeface="DejaVu Sans Book" panose="020B0603030804020204" pitchFamily="34" charset="0"/>
+                        <a:ea typeface="DejaVu Sans Book" panose="020B0603030804020204" pitchFamily="34" charset="0"/>
+                        <a:cs typeface="DejaVu Sans Book" panose="020B0603030804020204" pitchFamily="34" charset="0"/>
+                      </a:endParaRPr>
+                    </a:p>
+                  </a:txBody>
+                  <a:tcPr/>
+                </a:tc>
+                <a:tc>
+                  <a:txBody>
+                    <a:bodyPr/>
+                    <a:lstStyle/>
+                    <a:p>
+                      <a:pPr marL="0" algn="l" defTabSz="914400" rtl="0" eaLnBrk="1" latinLnBrk="0" hangingPunct="1"/>
+                      <a:r>
+                        <a:rPr lang="en-GB" sz="1200" kern="1200" dirty="0">
+                          <a:solidFill>
+                            <a:schemeClr val="dk1"/>
+                          </a:solidFill>
+                          <a:latin typeface="DejaVu Sans Book" panose="020B0603030804020204" pitchFamily="34" charset="0"/>
+                          <a:ea typeface="DejaVu Sans Book" panose="020B0603030804020204" pitchFamily="34" charset="0"/>
+                          <a:cs typeface="DejaVu Sans Book" panose="020B0603030804020204" pitchFamily="34" charset="0"/>
+                        </a:rPr>
+                        <a:t>3a</a:t>
+                      </a:r>
+                    </a:p>
+                  </a:txBody>
+                  <a:tcPr/>
+                </a:tc>
+                <a:tc>
+                  <a:txBody>
+                    <a:bodyPr/>
+                    <a:lstStyle/>
+                    <a:p>
+                      <a:pPr marL="0" algn="l" defTabSz="914400" rtl="0" eaLnBrk="1" latinLnBrk="0" hangingPunct="1"/>
+                      <a:r>
+                        <a:rPr lang="en-GB" sz="1200" kern="1200" dirty="0">
+                          <a:solidFill>
+                            <a:schemeClr val="dk1"/>
+                          </a:solidFill>
+                          <a:latin typeface="DejaVu Sans Book" panose="020B0603030804020204" pitchFamily="34" charset="0"/>
+                          <a:ea typeface="DejaVu Sans Book" panose="020B0603030804020204" pitchFamily="34" charset="0"/>
+                          <a:cs typeface="DejaVu Sans Book" panose="020B0603030804020204" pitchFamily="34" charset="0"/>
+                        </a:rPr>
+                        <a:t>true</a:t>
+                      </a:r>
+                    </a:p>
+                  </a:txBody>
+                  <a:tcPr/>
+                </a:tc>
+                <a:tc>
+                  <a:txBody>
+                    <a:bodyPr/>
+                    <a:lstStyle/>
+                    <a:p>
+                      <a:pPr marL="0" algn="l" defTabSz="914400" rtl="0" eaLnBrk="1" latinLnBrk="0" hangingPunct="1"/>
+                      <a:r>
+                        <a:rPr lang="en-GB" sz="1200" kern="1200" dirty="0">
+                          <a:solidFill>
+                            <a:schemeClr val="dk1"/>
+                          </a:solidFill>
+                          <a:latin typeface="DejaVu Sans Book" panose="020B0603030804020204" pitchFamily="34" charset="0"/>
+                          <a:ea typeface="DejaVu Sans Book" panose="020B0603030804020204" pitchFamily="34" charset="0"/>
+                          <a:cs typeface="DejaVu Sans Book" panose="020B0603030804020204" pitchFamily="34" charset="0"/>
+                        </a:rPr>
+                        <a:t>1</a:t>
+                      </a:r>
+                    </a:p>
+                  </a:txBody>
+                  <a:tcPr/>
+                </a:tc>
+                <a:tc>
+                  <a:txBody>
+                    <a:bodyPr/>
+                    <a:lstStyle/>
+                    <a:p>
+                      <a:pPr marL="0" algn="l" defTabSz="914400" rtl="0" eaLnBrk="1" latinLnBrk="0" hangingPunct="1"/>
+                      <a:r>
+                        <a:rPr lang="en-GB" sz="1200" kern="1200" dirty="0">
+                          <a:solidFill>
+                            <a:schemeClr val="dk1"/>
+                          </a:solidFill>
+                          <a:latin typeface="DejaVu Sans Book" panose="020B0603030804020204" pitchFamily="34" charset="0"/>
+                          <a:ea typeface="DejaVu Sans Book" panose="020B0603030804020204" pitchFamily="34" charset="0"/>
+                          <a:cs typeface="DejaVu Sans Book" panose="020B0603030804020204" pitchFamily="34" charset="0"/>
+                        </a:rPr>
+                        <a:t>"0b1"</a:t>
+                      </a:r>
+                    </a:p>
+                  </a:txBody>
+                  <a:tcPr/>
+                </a:tc>
+                <a:tc>
+                  <a:txBody>
+                    <a:bodyPr/>
+                    <a:lstStyle/>
+                    <a:p>
+                      <a:pPr marL="0" algn="l" defTabSz="914400" rtl="0" eaLnBrk="1" latinLnBrk="0" hangingPunct="1"/>
+                      <a:r>
+                        <a:rPr lang="en-GB" sz="1200" kern="1200" dirty="0">
+                          <a:solidFill>
+                            <a:schemeClr val="dk1"/>
+                          </a:solidFill>
+                          <a:latin typeface="DejaVu Sans Book" panose="020B0603030804020204" pitchFamily="34" charset="0"/>
+                          <a:ea typeface="DejaVu Sans Book" panose="020B0603030804020204" pitchFamily="34" charset="0"/>
+                          <a:cs typeface="DejaVu Sans Book" panose="020B0603030804020204" pitchFamily="34" charset="0"/>
+                        </a:rPr>
+                        <a:t>1 or more</a:t>
+                      </a:r>
+                    </a:p>
+                  </a:txBody>
+                  <a:tcPr/>
+                </a:tc>
+                <a:extLst>
+                  <a:ext uri="{0D108BD9-81ED-4DB2-BD59-A6C34878D82A}">
+                    <a16:rowId xmlns:a16="http://schemas.microsoft.com/office/drawing/2014/main" val="605619771"/>
+                  </a:ext>
+                </a:extLst>
+              </a:tr>
+              <a:tr h="275685">
+                <a:tc>
+                  <a:txBody>
+                    <a:bodyPr/>
+                    <a:lstStyle/>
+                    <a:p>
+                      <a:endParaRPr lang="en-GB" sz="1200" dirty="0">
+                        <a:latin typeface="DejaVu Sans Book" panose="020B0603030804020204" pitchFamily="34" charset="0"/>
+                        <a:ea typeface="DejaVu Sans Book" panose="020B0603030804020204" pitchFamily="34" charset="0"/>
+                        <a:cs typeface="DejaVu Sans Book" panose="020B0603030804020204" pitchFamily="34" charset="0"/>
+                      </a:endParaRPr>
+                    </a:p>
+                  </a:txBody>
+                  <a:tcPr/>
+                </a:tc>
+                <a:tc>
+                  <a:txBody>
+                    <a:bodyPr/>
+                    <a:lstStyle/>
+                    <a:p>
+                      <a:pPr marL="0" algn="l" defTabSz="914400" rtl="0" eaLnBrk="1" latinLnBrk="0" hangingPunct="1"/>
+                      <a:r>
+                        <a:rPr lang="en-GB" sz="1200" kern="1200" dirty="0">
+                          <a:solidFill>
+                            <a:schemeClr val="dk1"/>
+                          </a:solidFill>
+                          <a:latin typeface="DejaVu Sans Book" panose="020B0603030804020204" pitchFamily="34" charset="0"/>
+                          <a:ea typeface="DejaVu Sans Book" panose="020B0603030804020204" pitchFamily="34" charset="0"/>
+                          <a:cs typeface="DejaVu Sans Book" panose="020B0603030804020204" pitchFamily="34" charset="0"/>
+                        </a:rPr>
+                        <a:t>3b</a:t>
+                      </a:r>
+                    </a:p>
+                  </a:txBody>
+                  <a:tcPr/>
+                </a:tc>
+                <a:tc>
+                  <a:txBody>
+                    <a:bodyPr/>
+                    <a:lstStyle/>
+                    <a:p>
+                      <a:pPr marL="0" algn="l" defTabSz="914400" rtl="0" eaLnBrk="1" latinLnBrk="0" hangingPunct="1"/>
+                      <a:r>
+                        <a:rPr lang="en-GB" sz="1200" kern="1200" dirty="0">
+                          <a:solidFill>
+                            <a:schemeClr val="dk1"/>
+                          </a:solidFill>
+                          <a:latin typeface="DejaVu Sans Book" panose="020B0603030804020204" pitchFamily="34" charset="0"/>
+                          <a:ea typeface="DejaVu Sans Book" panose="020B0603030804020204" pitchFamily="34" charset="0"/>
+                          <a:cs typeface="DejaVu Sans Book" panose="020B0603030804020204" pitchFamily="34" charset="0"/>
+                        </a:rPr>
+                        <a:t>false</a:t>
+                      </a:r>
+                    </a:p>
+                  </a:txBody>
+                  <a:tcPr/>
+                </a:tc>
+                <a:tc>
+                  <a:txBody>
+                    <a:bodyPr/>
+                    <a:lstStyle/>
+                    <a:p>
+                      <a:pPr marL="0" algn="l" defTabSz="914400" rtl="0" eaLnBrk="1" latinLnBrk="0" hangingPunct="1"/>
+                      <a:endParaRPr lang="en-GB" sz="1200" kern="1200" dirty="0">
+                        <a:solidFill>
+                          <a:schemeClr val="dk1"/>
+                        </a:solidFill>
+                        <a:latin typeface="DejaVu Sans Book" panose="020B0603030804020204" pitchFamily="34" charset="0"/>
+                        <a:ea typeface="DejaVu Sans Book" panose="020B0603030804020204" pitchFamily="34" charset="0"/>
+                        <a:cs typeface="DejaVu Sans Book" panose="020B0603030804020204" pitchFamily="34" charset="0"/>
+                      </a:endParaRPr>
+                    </a:p>
+                  </a:txBody>
+                  <a:tcPr/>
+                </a:tc>
+                <a:tc>
+                  <a:txBody>
+                    <a:bodyPr/>
+                    <a:lstStyle/>
+                    <a:p>
+                      <a:pPr marL="0" algn="l" defTabSz="914400" rtl="0" eaLnBrk="1" latinLnBrk="0" hangingPunct="1"/>
+                      <a:endParaRPr lang="en-GB" sz="1200" kern="1200" dirty="0">
+                        <a:solidFill>
+                          <a:schemeClr val="dk1"/>
+                        </a:solidFill>
+                        <a:latin typeface="DejaVu Sans Book" panose="020B0603030804020204" pitchFamily="34" charset="0"/>
+                        <a:ea typeface="DejaVu Sans Book" panose="020B0603030804020204" pitchFamily="34" charset="0"/>
+                        <a:cs typeface="DejaVu Sans Book" panose="020B0603030804020204" pitchFamily="34" charset="0"/>
+                      </a:endParaRPr>
+                    </a:p>
+                  </a:txBody>
+                  <a:tcPr/>
+                </a:tc>
+                <a:tc>
+                  <a:txBody>
+                    <a:bodyPr/>
+                    <a:lstStyle/>
+                    <a:p>
+                      <a:pPr marL="0" algn="l" defTabSz="914400" rtl="0" eaLnBrk="1" latinLnBrk="0" hangingPunct="1"/>
+                      <a:r>
+                        <a:rPr lang="en-GB" sz="1200" kern="1200" dirty="0">
+                          <a:solidFill>
+                            <a:schemeClr val="dk1"/>
+                          </a:solidFill>
+                          <a:latin typeface="DejaVu Sans Book" panose="020B0603030804020204" pitchFamily="34" charset="0"/>
+                          <a:ea typeface="DejaVu Sans Book" panose="020B0603030804020204" pitchFamily="34" charset="0"/>
+                          <a:cs typeface="DejaVu Sans Book" panose="020B0603030804020204" pitchFamily="34" charset="0"/>
+                        </a:rPr>
+                        <a:t>0 times, impossible.</a:t>
+                      </a:r>
+                    </a:p>
+                  </a:txBody>
+                  <a:tcPr/>
+                </a:tc>
+                <a:extLst>
+                  <a:ext uri="{0D108BD9-81ED-4DB2-BD59-A6C34878D82A}">
+                    <a16:rowId xmlns:a16="http://schemas.microsoft.com/office/drawing/2014/main" val="3708340843"/>
+                  </a:ext>
+                </a:extLst>
+              </a:tr>
+            </a:tbl>
+          </a:graphicData>
+        </a:graphic>
+      </p:graphicFrame>
     </p:spTree>
     <p:extLst>
       <p:ext uri="{BB962C8B-B14F-4D97-AF65-F5344CB8AC3E}">
-        <p14:creationId xmlns:p14="http://schemas.microsoft.com/office/powerpoint/2010/main" val="1049736755"/>
+        <p14:creationId xmlns:p14="http://schemas.microsoft.com/office/powerpoint/2010/main" val="395930429"/>
       </p:ext>
     </p:extLst>
   </p:cSld>
